--- a/FromBiologyToComputers.pptx
+++ b/FromBiologyToComputers.pptx
@@ -4,8 +4,17 @@
   <p:sldMasterIdLst>
     <p:sldMasterId id="2147483648" r:id="rId1"/>
   </p:sldMasterIdLst>
+  <p:notesMasterIdLst>
+    <p:notesMasterId r:id="rId9"/>
+  </p:notesMasterIdLst>
   <p:sldIdLst>
     <p:sldId id="256" r:id="rId2"/>
+    <p:sldId id="313" r:id="rId3"/>
+    <p:sldId id="312" r:id="rId4"/>
+    <p:sldId id="264" r:id="rId5"/>
+    <p:sldId id="265" r:id="rId6"/>
+    <p:sldId id="266" r:id="rId7"/>
+    <p:sldId id="270" r:id="rId8"/>
   </p:sldIdLst>
   <p:sldSz cx="12192000" cy="6858000"/>
   <p:notesSz cx="6858000" cy="9144000"/>
@@ -104,7 +113,933 @@
       </a:defRPr>
     </a:lvl9pPr>
   </p:defaultTextStyle>
+  <p:extLst>
+    <p:ext uri="{521415D9-36F7-43E2-AB2F-B90AF26B5E84}">
+      <p14:sectionLst xmlns:p14="http://schemas.microsoft.com/office/powerpoint/2010/main">
+        <p14:section name="Default Section" id="{8FDDB0A0-A1EF-4424-AED6-0555A28F97A7}">
+          <p14:sldIdLst>
+            <p14:sldId id="256"/>
+          </p14:sldIdLst>
+        </p14:section>
+        <p14:section name="Neurones" id="{2060E056-65DF-42C4-8C1D-BF5CA7C6208D}">
+          <p14:sldIdLst>
+            <p14:sldId id="313"/>
+            <p14:sldId id="312"/>
+            <p14:sldId id="264"/>
+            <p14:sldId id="265"/>
+            <p14:sldId id="266"/>
+            <p14:sldId id="270"/>
+          </p14:sldIdLst>
+        </p14:section>
+      </p14:sectionLst>
+    </p:ext>
+  </p:extLst>
 </p:presentation>
+</file>
+
+<file path=ppt/notesMasters/notesMaster1.xml><?xml version="1.0" encoding="utf-8"?>
+<p:notesMaster xmlns:a="http://schemas.openxmlformats.org/drawingml/2006/main" xmlns:r="http://schemas.openxmlformats.org/officeDocument/2006/relationships" xmlns:p="http://schemas.openxmlformats.org/presentationml/2006/main">
+  <p:cSld>
+    <p:bg>
+      <p:bgRef idx="1001">
+        <a:schemeClr val="bg1"/>
+      </p:bgRef>
+    </p:bg>
+    <p:spTree>
+      <p:nvGrpSpPr>
+        <p:cNvPr id="1" name=""/>
+        <p:cNvGrpSpPr/>
+        <p:nvPr/>
+      </p:nvGrpSpPr>
+      <p:grpSpPr>
+        <a:xfrm>
+          <a:off x="0" y="0"/>
+          <a:ext cx="0" cy="0"/>
+          <a:chOff x="0" y="0"/>
+          <a:chExt cx="0" cy="0"/>
+        </a:xfrm>
+      </p:grpSpPr>
+      <p:sp>
+        <p:nvSpPr>
+          <p:cNvPr id="2" name="Header Placeholder 1"/>
+          <p:cNvSpPr>
+            <a:spLocks noGrp="1"/>
+          </p:cNvSpPr>
+          <p:nvPr>
+            <p:ph type="hdr" sz="quarter"/>
+          </p:nvPr>
+        </p:nvSpPr>
+        <p:spPr>
+          <a:xfrm>
+            <a:off x="0" y="0"/>
+            <a:ext cx="2971800" cy="458788"/>
+          </a:xfrm>
+          <a:prstGeom prst="rect">
+            <a:avLst/>
+          </a:prstGeom>
+        </p:spPr>
+        <p:txBody>
+          <a:bodyPr vert="horz" lIns="91440" tIns="45720" rIns="91440" bIns="45720" rtlCol="0"/>
+          <a:lstStyle>
+            <a:lvl1pPr algn="l">
+              <a:defRPr sz="1200"/>
+            </a:lvl1pPr>
+          </a:lstStyle>
+          <a:p>
+            <a:endParaRPr lang="en-US"/>
+          </a:p>
+        </p:txBody>
+      </p:sp>
+      <p:sp>
+        <p:nvSpPr>
+          <p:cNvPr id="3" name="Date Placeholder 2"/>
+          <p:cNvSpPr>
+            <a:spLocks noGrp="1"/>
+          </p:cNvSpPr>
+          <p:nvPr>
+            <p:ph type="dt" idx="1"/>
+          </p:nvPr>
+        </p:nvSpPr>
+        <p:spPr>
+          <a:xfrm>
+            <a:off x="3884613" y="0"/>
+            <a:ext cx="2971800" cy="458788"/>
+          </a:xfrm>
+          <a:prstGeom prst="rect">
+            <a:avLst/>
+          </a:prstGeom>
+        </p:spPr>
+        <p:txBody>
+          <a:bodyPr vert="horz" lIns="91440" tIns="45720" rIns="91440" bIns="45720" rtlCol="0"/>
+          <a:lstStyle>
+            <a:lvl1pPr algn="r">
+              <a:defRPr sz="1200"/>
+            </a:lvl1pPr>
+          </a:lstStyle>
+          <a:p>
+            <a:fld id="{BB7ABF57-3613-475C-B9DA-DBD55D189E88}" type="datetimeFigureOut">
+              <a:rPr lang="en-US" smtClean="0"/>
+              <a:t>8/16/2023</a:t>
+            </a:fld>
+            <a:endParaRPr lang="en-US"/>
+          </a:p>
+        </p:txBody>
+      </p:sp>
+      <p:sp>
+        <p:nvSpPr>
+          <p:cNvPr id="4" name="Slide Image Placeholder 3"/>
+          <p:cNvSpPr>
+            <a:spLocks noGrp="1" noRot="1" noChangeAspect="1"/>
+          </p:cNvSpPr>
+          <p:nvPr>
+            <p:ph type="sldImg" idx="2"/>
+          </p:nvPr>
+        </p:nvSpPr>
+        <p:spPr>
+          <a:xfrm>
+            <a:off x="685800" y="1143000"/>
+            <a:ext cx="5486400" cy="3086100"/>
+          </a:xfrm>
+          <a:prstGeom prst="rect">
+            <a:avLst/>
+          </a:prstGeom>
+          <a:noFill/>
+          <a:ln w="12700">
+            <a:solidFill>
+              <a:prstClr val="black"/>
+            </a:solidFill>
+          </a:ln>
+        </p:spPr>
+        <p:txBody>
+          <a:bodyPr vert="horz" lIns="91440" tIns="45720" rIns="91440" bIns="45720" rtlCol="0" anchor="ctr"/>
+          <a:lstStyle/>
+          <a:p>
+            <a:endParaRPr lang="en-US"/>
+          </a:p>
+        </p:txBody>
+      </p:sp>
+      <p:sp>
+        <p:nvSpPr>
+          <p:cNvPr id="5" name="Notes Placeholder 4"/>
+          <p:cNvSpPr>
+            <a:spLocks noGrp="1"/>
+          </p:cNvSpPr>
+          <p:nvPr>
+            <p:ph type="body" sz="quarter" idx="3"/>
+          </p:nvPr>
+        </p:nvSpPr>
+        <p:spPr>
+          <a:xfrm>
+            <a:off x="685800" y="4400550"/>
+            <a:ext cx="5486400" cy="3600450"/>
+          </a:xfrm>
+          <a:prstGeom prst="rect">
+            <a:avLst/>
+          </a:prstGeom>
+        </p:spPr>
+        <p:txBody>
+          <a:bodyPr vert="horz" lIns="91440" tIns="45720" rIns="91440" bIns="45720" rtlCol="0"/>
+          <a:lstStyle/>
+          <a:p>
+            <a:pPr lvl="0"/>
+            <a:r>
+              <a:rPr lang="en-GB"/>
+              <a:t>Click to edit Master text styles</a:t>
+            </a:r>
+          </a:p>
+          <a:p>
+            <a:pPr lvl="1"/>
+            <a:r>
+              <a:rPr lang="en-GB"/>
+              <a:t>Second level</a:t>
+            </a:r>
+          </a:p>
+          <a:p>
+            <a:pPr lvl="2"/>
+            <a:r>
+              <a:rPr lang="en-GB"/>
+              <a:t>Third level</a:t>
+            </a:r>
+          </a:p>
+          <a:p>
+            <a:pPr lvl="3"/>
+            <a:r>
+              <a:rPr lang="en-GB"/>
+              <a:t>Fourth level</a:t>
+            </a:r>
+          </a:p>
+          <a:p>
+            <a:pPr lvl="4"/>
+            <a:r>
+              <a:rPr lang="en-GB"/>
+              <a:t>Fifth level</a:t>
+            </a:r>
+            <a:endParaRPr lang="en-US"/>
+          </a:p>
+        </p:txBody>
+      </p:sp>
+      <p:sp>
+        <p:nvSpPr>
+          <p:cNvPr id="6" name="Footer Placeholder 5"/>
+          <p:cNvSpPr>
+            <a:spLocks noGrp="1"/>
+          </p:cNvSpPr>
+          <p:nvPr>
+            <p:ph type="ftr" sz="quarter" idx="4"/>
+          </p:nvPr>
+        </p:nvSpPr>
+        <p:spPr>
+          <a:xfrm>
+            <a:off x="0" y="8685213"/>
+            <a:ext cx="2971800" cy="458787"/>
+          </a:xfrm>
+          <a:prstGeom prst="rect">
+            <a:avLst/>
+          </a:prstGeom>
+        </p:spPr>
+        <p:txBody>
+          <a:bodyPr vert="horz" lIns="91440" tIns="45720" rIns="91440" bIns="45720" rtlCol="0" anchor="b"/>
+          <a:lstStyle>
+            <a:lvl1pPr algn="l">
+              <a:defRPr sz="1200"/>
+            </a:lvl1pPr>
+          </a:lstStyle>
+          <a:p>
+            <a:endParaRPr lang="en-US"/>
+          </a:p>
+        </p:txBody>
+      </p:sp>
+      <p:sp>
+        <p:nvSpPr>
+          <p:cNvPr id="7" name="Slide Number Placeholder 6"/>
+          <p:cNvSpPr>
+            <a:spLocks noGrp="1"/>
+          </p:cNvSpPr>
+          <p:nvPr>
+            <p:ph type="sldNum" sz="quarter" idx="5"/>
+          </p:nvPr>
+        </p:nvSpPr>
+        <p:spPr>
+          <a:xfrm>
+            <a:off x="3884613" y="8685213"/>
+            <a:ext cx="2971800" cy="458787"/>
+          </a:xfrm>
+          <a:prstGeom prst="rect">
+            <a:avLst/>
+          </a:prstGeom>
+        </p:spPr>
+        <p:txBody>
+          <a:bodyPr vert="horz" lIns="91440" tIns="45720" rIns="91440" bIns="45720" rtlCol="0" anchor="b"/>
+          <a:lstStyle>
+            <a:lvl1pPr algn="r">
+              <a:defRPr sz="1200"/>
+            </a:lvl1pPr>
+          </a:lstStyle>
+          <a:p>
+            <a:fld id="{7C0DB94D-E028-4407-A56E-43559643AF42}" type="slidenum">
+              <a:rPr lang="en-US" smtClean="0"/>
+              <a:t>‹#›</a:t>
+            </a:fld>
+            <a:endParaRPr lang="en-US"/>
+          </a:p>
+        </p:txBody>
+      </p:sp>
+    </p:spTree>
+    <p:extLst>
+      <p:ext uri="{BB962C8B-B14F-4D97-AF65-F5344CB8AC3E}">
+        <p14:creationId xmlns:p14="http://schemas.microsoft.com/office/powerpoint/2010/main" val="3181968557"/>
+      </p:ext>
+    </p:extLst>
+  </p:cSld>
+  <p:clrMap bg1="lt1" tx1="dk1" bg2="lt2" tx2="dk2" accent1="accent1" accent2="accent2" accent3="accent3" accent4="accent4" accent5="accent5" accent6="accent6" hlink="hlink" folHlink="folHlink"/>
+  <p:notesStyle>
+    <a:lvl1pPr marL="0" algn="l" defTabSz="914400" rtl="0" eaLnBrk="1" latinLnBrk="0" hangingPunct="1">
+      <a:defRPr sz="1200" kern="1200">
+        <a:solidFill>
+          <a:schemeClr val="tx1"/>
+        </a:solidFill>
+        <a:latin typeface="+mn-lt"/>
+        <a:ea typeface="+mn-ea"/>
+        <a:cs typeface="+mn-cs"/>
+      </a:defRPr>
+    </a:lvl1pPr>
+    <a:lvl2pPr marL="457200" algn="l" defTabSz="914400" rtl="0" eaLnBrk="1" latinLnBrk="0" hangingPunct="1">
+      <a:defRPr sz="1200" kern="1200">
+        <a:solidFill>
+          <a:schemeClr val="tx1"/>
+        </a:solidFill>
+        <a:latin typeface="+mn-lt"/>
+        <a:ea typeface="+mn-ea"/>
+        <a:cs typeface="+mn-cs"/>
+      </a:defRPr>
+    </a:lvl2pPr>
+    <a:lvl3pPr marL="914400" algn="l" defTabSz="914400" rtl="0" eaLnBrk="1" latinLnBrk="0" hangingPunct="1">
+      <a:defRPr sz="1200" kern="1200">
+        <a:solidFill>
+          <a:schemeClr val="tx1"/>
+        </a:solidFill>
+        <a:latin typeface="+mn-lt"/>
+        <a:ea typeface="+mn-ea"/>
+        <a:cs typeface="+mn-cs"/>
+      </a:defRPr>
+    </a:lvl3pPr>
+    <a:lvl4pPr marL="1371600" algn="l" defTabSz="914400" rtl="0" eaLnBrk="1" latinLnBrk="0" hangingPunct="1">
+      <a:defRPr sz="1200" kern="1200">
+        <a:solidFill>
+          <a:schemeClr val="tx1"/>
+        </a:solidFill>
+        <a:latin typeface="+mn-lt"/>
+        <a:ea typeface="+mn-ea"/>
+        <a:cs typeface="+mn-cs"/>
+      </a:defRPr>
+    </a:lvl4pPr>
+    <a:lvl5pPr marL="1828800" algn="l" defTabSz="914400" rtl="0" eaLnBrk="1" latinLnBrk="0" hangingPunct="1">
+      <a:defRPr sz="1200" kern="1200">
+        <a:solidFill>
+          <a:schemeClr val="tx1"/>
+        </a:solidFill>
+        <a:latin typeface="+mn-lt"/>
+        <a:ea typeface="+mn-ea"/>
+        <a:cs typeface="+mn-cs"/>
+      </a:defRPr>
+    </a:lvl5pPr>
+    <a:lvl6pPr marL="2286000" algn="l" defTabSz="914400" rtl="0" eaLnBrk="1" latinLnBrk="0" hangingPunct="1">
+      <a:defRPr sz="1200" kern="1200">
+        <a:solidFill>
+          <a:schemeClr val="tx1"/>
+        </a:solidFill>
+        <a:latin typeface="+mn-lt"/>
+        <a:ea typeface="+mn-ea"/>
+        <a:cs typeface="+mn-cs"/>
+      </a:defRPr>
+    </a:lvl6pPr>
+    <a:lvl7pPr marL="2743200" algn="l" defTabSz="914400" rtl="0" eaLnBrk="1" latinLnBrk="0" hangingPunct="1">
+      <a:defRPr sz="1200" kern="1200">
+        <a:solidFill>
+          <a:schemeClr val="tx1"/>
+        </a:solidFill>
+        <a:latin typeface="+mn-lt"/>
+        <a:ea typeface="+mn-ea"/>
+        <a:cs typeface="+mn-cs"/>
+      </a:defRPr>
+    </a:lvl7pPr>
+    <a:lvl8pPr marL="3200400" algn="l" defTabSz="914400" rtl="0" eaLnBrk="1" latinLnBrk="0" hangingPunct="1">
+      <a:defRPr sz="1200" kern="1200">
+        <a:solidFill>
+          <a:schemeClr val="tx1"/>
+        </a:solidFill>
+        <a:latin typeface="+mn-lt"/>
+        <a:ea typeface="+mn-ea"/>
+        <a:cs typeface="+mn-cs"/>
+      </a:defRPr>
+    </a:lvl8pPr>
+    <a:lvl9pPr marL="3657600" algn="l" defTabSz="914400" rtl="0" eaLnBrk="1" latinLnBrk="0" hangingPunct="1">
+      <a:defRPr sz="1200" kern="1200">
+        <a:solidFill>
+          <a:schemeClr val="tx1"/>
+        </a:solidFill>
+        <a:latin typeface="+mn-lt"/>
+        <a:ea typeface="+mn-ea"/>
+        <a:cs typeface="+mn-cs"/>
+      </a:defRPr>
+    </a:lvl9pPr>
+  </p:notesStyle>
+</p:notesMaster>
+</file>
+
+<file path=ppt/notesSlides/notesSlide1.xml><?xml version="1.0" encoding="utf-8"?>
+<p:notes xmlns:a="http://schemas.openxmlformats.org/drawingml/2006/main" xmlns:r="http://schemas.openxmlformats.org/officeDocument/2006/relationships" xmlns:p="http://schemas.openxmlformats.org/presentationml/2006/main">
+  <p:cSld>
+    <p:spTree>
+      <p:nvGrpSpPr>
+        <p:cNvPr id="1" name=""/>
+        <p:cNvGrpSpPr/>
+        <p:nvPr/>
+      </p:nvGrpSpPr>
+      <p:grpSpPr>
+        <a:xfrm>
+          <a:off x="0" y="0"/>
+          <a:ext cx="0" cy="0"/>
+          <a:chOff x="0" y="0"/>
+          <a:chExt cx="0" cy="0"/>
+        </a:xfrm>
+      </p:grpSpPr>
+      <p:sp>
+        <p:nvSpPr>
+          <p:cNvPr id="2" name="Slide Image Placeholder 1"/>
+          <p:cNvSpPr>
+            <a:spLocks noGrp="1" noRot="1" noChangeAspect="1"/>
+          </p:cNvSpPr>
+          <p:nvPr>
+            <p:ph type="sldImg"/>
+          </p:nvPr>
+        </p:nvSpPr>
+        <p:spPr/>
+      </p:sp>
+      <p:sp>
+        <p:nvSpPr>
+          <p:cNvPr id="3" name="Notes Placeholder 2"/>
+          <p:cNvSpPr>
+            <a:spLocks noGrp="1"/>
+          </p:cNvSpPr>
+          <p:nvPr>
+            <p:ph type="body" idx="1"/>
+          </p:nvPr>
+        </p:nvSpPr>
+        <p:spPr/>
+        <p:txBody>
+          <a:bodyPr/>
+          <a:lstStyle/>
+          <a:p>
+            <a:endParaRPr lang="fr-FR" noProof="0" dirty="0"/>
+          </a:p>
+        </p:txBody>
+      </p:sp>
+      <p:sp>
+        <p:nvSpPr>
+          <p:cNvPr id="4" name="Slide Number Placeholder 3"/>
+          <p:cNvSpPr>
+            <a:spLocks noGrp="1"/>
+          </p:cNvSpPr>
+          <p:nvPr>
+            <p:ph type="sldNum" sz="quarter" idx="5"/>
+          </p:nvPr>
+        </p:nvSpPr>
+        <p:spPr/>
+        <p:txBody>
+          <a:bodyPr/>
+          <a:lstStyle/>
+          <a:p>
+            <a:fld id="{E4A24938-BD76-4D94-ABC1-81818C90BE90}" type="slidenum">
+              <a:rPr lang="en-US" smtClean="0"/>
+              <a:t>2</a:t>
+            </a:fld>
+            <a:endParaRPr lang="en-US"/>
+          </a:p>
+        </p:txBody>
+      </p:sp>
+    </p:spTree>
+    <p:extLst>
+      <p:ext uri="{BB962C8B-B14F-4D97-AF65-F5344CB8AC3E}">
+        <p14:creationId xmlns:p14="http://schemas.microsoft.com/office/powerpoint/2010/main" val="1552177545"/>
+      </p:ext>
+    </p:extLst>
+  </p:cSld>
+  <p:clrMapOvr>
+    <a:masterClrMapping/>
+  </p:clrMapOvr>
+</p:notes>
+</file>
+
+<file path=ppt/notesSlides/notesSlide2.xml><?xml version="1.0" encoding="utf-8"?>
+<p:notes xmlns:a="http://schemas.openxmlformats.org/drawingml/2006/main" xmlns:r="http://schemas.openxmlformats.org/officeDocument/2006/relationships" xmlns:p="http://schemas.openxmlformats.org/presentationml/2006/main">
+  <p:cSld>
+    <p:spTree>
+      <p:nvGrpSpPr>
+        <p:cNvPr id="1" name=""/>
+        <p:cNvGrpSpPr/>
+        <p:nvPr/>
+      </p:nvGrpSpPr>
+      <p:grpSpPr>
+        <a:xfrm>
+          <a:off x="0" y="0"/>
+          <a:ext cx="0" cy="0"/>
+          <a:chOff x="0" y="0"/>
+          <a:chExt cx="0" cy="0"/>
+        </a:xfrm>
+      </p:grpSpPr>
+      <p:sp>
+        <p:nvSpPr>
+          <p:cNvPr id="2" name="Slide Image Placeholder 1"/>
+          <p:cNvSpPr>
+            <a:spLocks noGrp="1" noRot="1" noChangeAspect="1"/>
+          </p:cNvSpPr>
+          <p:nvPr>
+            <p:ph type="sldImg"/>
+          </p:nvPr>
+        </p:nvSpPr>
+        <p:spPr/>
+      </p:sp>
+      <p:sp>
+        <p:nvSpPr>
+          <p:cNvPr id="3" name="Notes Placeholder 2"/>
+          <p:cNvSpPr>
+            <a:spLocks noGrp="1"/>
+          </p:cNvSpPr>
+          <p:nvPr>
+            <p:ph type="body" idx="1"/>
+          </p:nvPr>
+        </p:nvSpPr>
+        <p:spPr/>
+        <p:txBody>
+          <a:bodyPr/>
+          <a:lstStyle/>
+          <a:p>
+            <a:endParaRPr lang="fr-FR" noProof="0" dirty="0"/>
+          </a:p>
+        </p:txBody>
+      </p:sp>
+      <p:sp>
+        <p:nvSpPr>
+          <p:cNvPr id="4" name="Slide Number Placeholder 3"/>
+          <p:cNvSpPr>
+            <a:spLocks noGrp="1"/>
+          </p:cNvSpPr>
+          <p:nvPr>
+            <p:ph type="sldNum" sz="quarter" idx="5"/>
+          </p:nvPr>
+        </p:nvSpPr>
+        <p:spPr/>
+        <p:txBody>
+          <a:bodyPr/>
+          <a:lstStyle/>
+          <a:p>
+            <a:fld id="{E4A24938-BD76-4D94-ABC1-81818C90BE90}" type="slidenum">
+              <a:rPr lang="en-US" smtClean="0"/>
+              <a:t>3</a:t>
+            </a:fld>
+            <a:endParaRPr lang="en-US"/>
+          </a:p>
+        </p:txBody>
+      </p:sp>
+    </p:spTree>
+    <p:extLst>
+      <p:ext uri="{BB962C8B-B14F-4D97-AF65-F5344CB8AC3E}">
+        <p14:creationId xmlns:p14="http://schemas.microsoft.com/office/powerpoint/2010/main" val="2712312342"/>
+      </p:ext>
+    </p:extLst>
+  </p:cSld>
+  <p:clrMapOvr>
+    <a:masterClrMapping/>
+  </p:clrMapOvr>
+</p:notes>
+</file>
+
+<file path=ppt/notesSlides/notesSlide3.xml><?xml version="1.0" encoding="utf-8"?>
+<p:notes xmlns:a="http://schemas.openxmlformats.org/drawingml/2006/main" xmlns:r="http://schemas.openxmlformats.org/officeDocument/2006/relationships" xmlns:p="http://schemas.openxmlformats.org/presentationml/2006/main">
+  <p:cSld>
+    <p:spTree>
+      <p:nvGrpSpPr>
+        <p:cNvPr id="1" name=""/>
+        <p:cNvGrpSpPr/>
+        <p:nvPr/>
+      </p:nvGrpSpPr>
+      <p:grpSpPr>
+        <a:xfrm>
+          <a:off x="0" y="0"/>
+          <a:ext cx="0" cy="0"/>
+          <a:chOff x="0" y="0"/>
+          <a:chExt cx="0" cy="0"/>
+        </a:xfrm>
+      </p:grpSpPr>
+      <p:sp>
+        <p:nvSpPr>
+          <p:cNvPr id="2" name="Slide Image Placeholder 1"/>
+          <p:cNvSpPr>
+            <a:spLocks noGrp="1" noRot="1" noChangeAspect="1"/>
+          </p:cNvSpPr>
+          <p:nvPr>
+            <p:ph type="sldImg"/>
+          </p:nvPr>
+        </p:nvSpPr>
+        <p:spPr/>
+      </p:sp>
+      <p:sp>
+        <p:nvSpPr>
+          <p:cNvPr id="3" name="Notes Placeholder 2"/>
+          <p:cNvSpPr>
+            <a:spLocks noGrp="1"/>
+          </p:cNvSpPr>
+          <p:nvPr>
+            <p:ph type="body" idx="1"/>
+          </p:nvPr>
+        </p:nvSpPr>
+        <p:spPr/>
+        <p:txBody>
+          <a:bodyPr/>
+          <a:lstStyle/>
+          <a:p>
+            <a:endParaRPr lang="fr-FR" noProof="0" dirty="0"/>
+          </a:p>
+        </p:txBody>
+      </p:sp>
+      <p:sp>
+        <p:nvSpPr>
+          <p:cNvPr id="4" name="Slide Number Placeholder 3"/>
+          <p:cNvSpPr>
+            <a:spLocks noGrp="1"/>
+          </p:cNvSpPr>
+          <p:nvPr>
+            <p:ph type="sldNum" sz="quarter" idx="5"/>
+          </p:nvPr>
+        </p:nvSpPr>
+        <p:spPr/>
+        <p:txBody>
+          <a:bodyPr/>
+          <a:lstStyle/>
+          <a:p>
+            <a:fld id="{E4A24938-BD76-4D94-ABC1-81818C90BE90}" type="slidenum">
+              <a:rPr lang="en-US" smtClean="0"/>
+              <a:t>4</a:t>
+            </a:fld>
+            <a:endParaRPr lang="en-US"/>
+          </a:p>
+        </p:txBody>
+      </p:sp>
+    </p:spTree>
+    <p:extLst>
+      <p:ext uri="{BB962C8B-B14F-4D97-AF65-F5344CB8AC3E}">
+        <p14:creationId xmlns:p14="http://schemas.microsoft.com/office/powerpoint/2010/main" val="3934001869"/>
+      </p:ext>
+    </p:extLst>
+  </p:cSld>
+  <p:clrMapOvr>
+    <a:masterClrMapping/>
+  </p:clrMapOvr>
+</p:notes>
+</file>
+
+<file path=ppt/notesSlides/notesSlide4.xml><?xml version="1.0" encoding="utf-8"?>
+<p:notes xmlns:a="http://schemas.openxmlformats.org/drawingml/2006/main" xmlns:r="http://schemas.openxmlformats.org/officeDocument/2006/relationships" xmlns:p="http://schemas.openxmlformats.org/presentationml/2006/main">
+  <p:cSld>
+    <p:spTree>
+      <p:nvGrpSpPr>
+        <p:cNvPr id="1" name=""/>
+        <p:cNvGrpSpPr/>
+        <p:nvPr/>
+      </p:nvGrpSpPr>
+      <p:grpSpPr>
+        <a:xfrm>
+          <a:off x="0" y="0"/>
+          <a:ext cx="0" cy="0"/>
+          <a:chOff x="0" y="0"/>
+          <a:chExt cx="0" cy="0"/>
+        </a:xfrm>
+      </p:grpSpPr>
+      <p:sp>
+        <p:nvSpPr>
+          <p:cNvPr id="2" name="Slide Image Placeholder 1"/>
+          <p:cNvSpPr>
+            <a:spLocks noGrp="1" noRot="1" noChangeAspect="1"/>
+          </p:cNvSpPr>
+          <p:nvPr>
+            <p:ph type="sldImg"/>
+          </p:nvPr>
+        </p:nvSpPr>
+        <p:spPr/>
+      </p:sp>
+      <p:sp>
+        <p:nvSpPr>
+          <p:cNvPr id="3" name="Notes Placeholder 2"/>
+          <p:cNvSpPr>
+            <a:spLocks noGrp="1"/>
+          </p:cNvSpPr>
+          <p:nvPr>
+            <p:ph type="body" idx="1"/>
+          </p:nvPr>
+        </p:nvSpPr>
+        <p:spPr/>
+        <p:txBody>
+          <a:bodyPr/>
+          <a:lstStyle/>
+          <a:p>
+            <a:pPr marL="0" marR="0" lvl="0" indent="0" algn="l" defTabSz="914400" rtl="0" eaLnBrk="1" fontAlgn="auto" latinLnBrk="0" hangingPunct="1">
+              <a:lnSpc>
+                <a:spcPct val="100000"/>
+              </a:lnSpc>
+              <a:spcBef>
+                <a:spcPts val="0"/>
+              </a:spcBef>
+              <a:spcAft>
+                <a:spcPts val="0"/>
+              </a:spcAft>
+              <a:buClrTx/>
+              <a:buSzTx/>
+              <a:buFontTx/>
+              <a:buNone/>
+              <a:tabLst/>
+              <a:defRPr/>
+            </a:pPr>
+            <a:endParaRPr lang="fr-FR" noProof="0" dirty="0"/>
+          </a:p>
+        </p:txBody>
+      </p:sp>
+      <p:sp>
+        <p:nvSpPr>
+          <p:cNvPr id="4" name="Slide Number Placeholder 3"/>
+          <p:cNvSpPr>
+            <a:spLocks noGrp="1"/>
+          </p:cNvSpPr>
+          <p:nvPr>
+            <p:ph type="sldNum" sz="quarter" idx="5"/>
+          </p:nvPr>
+        </p:nvSpPr>
+        <p:spPr/>
+        <p:txBody>
+          <a:bodyPr/>
+          <a:lstStyle/>
+          <a:p>
+            <a:fld id="{E4A24938-BD76-4D94-ABC1-81818C90BE90}" type="slidenum">
+              <a:rPr lang="en-US" smtClean="0"/>
+              <a:t>5</a:t>
+            </a:fld>
+            <a:endParaRPr lang="en-US"/>
+          </a:p>
+        </p:txBody>
+      </p:sp>
+    </p:spTree>
+    <p:extLst>
+      <p:ext uri="{BB962C8B-B14F-4D97-AF65-F5344CB8AC3E}">
+        <p14:creationId xmlns:p14="http://schemas.microsoft.com/office/powerpoint/2010/main" val="2603403796"/>
+      </p:ext>
+    </p:extLst>
+  </p:cSld>
+  <p:clrMapOvr>
+    <a:masterClrMapping/>
+  </p:clrMapOvr>
+</p:notes>
+</file>
+
+<file path=ppt/notesSlides/notesSlide5.xml><?xml version="1.0" encoding="utf-8"?>
+<p:notes xmlns:a="http://schemas.openxmlformats.org/drawingml/2006/main" xmlns:r="http://schemas.openxmlformats.org/officeDocument/2006/relationships" xmlns:p="http://schemas.openxmlformats.org/presentationml/2006/main">
+  <p:cSld>
+    <p:spTree>
+      <p:nvGrpSpPr>
+        <p:cNvPr id="1" name=""/>
+        <p:cNvGrpSpPr/>
+        <p:nvPr/>
+      </p:nvGrpSpPr>
+      <p:grpSpPr>
+        <a:xfrm>
+          <a:off x="0" y="0"/>
+          <a:ext cx="0" cy="0"/>
+          <a:chOff x="0" y="0"/>
+          <a:chExt cx="0" cy="0"/>
+        </a:xfrm>
+      </p:grpSpPr>
+      <p:sp>
+        <p:nvSpPr>
+          <p:cNvPr id="2" name="Slide Image Placeholder 1"/>
+          <p:cNvSpPr>
+            <a:spLocks noGrp="1" noRot="1" noChangeAspect="1"/>
+          </p:cNvSpPr>
+          <p:nvPr>
+            <p:ph type="sldImg"/>
+          </p:nvPr>
+        </p:nvSpPr>
+        <p:spPr/>
+      </p:sp>
+      <p:sp>
+        <p:nvSpPr>
+          <p:cNvPr id="3" name="Notes Placeholder 2"/>
+          <p:cNvSpPr>
+            <a:spLocks noGrp="1"/>
+          </p:cNvSpPr>
+          <p:nvPr>
+            <p:ph type="body" idx="1"/>
+          </p:nvPr>
+        </p:nvSpPr>
+        <p:spPr/>
+        <p:txBody>
+          <a:bodyPr/>
+          <a:lstStyle/>
+          <a:p>
+            <a:pPr marL="0" marR="0" lvl="0" indent="0" algn="l" defTabSz="914400" rtl="0" eaLnBrk="1" fontAlgn="auto" latinLnBrk="0" hangingPunct="1">
+              <a:lnSpc>
+                <a:spcPct val="100000"/>
+              </a:lnSpc>
+              <a:spcBef>
+                <a:spcPts val="0"/>
+              </a:spcBef>
+              <a:spcAft>
+                <a:spcPts val="0"/>
+              </a:spcAft>
+              <a:buClrTx/>
+              <a:buSzTx/>
+              <a:buFontTx/>
+              <a:buNone/>
+              <a:tabLst/>
+              <a:defRPr/>
+            </a:pPr>
+            <a:endParaRPr lang="fr-FR" noProof="0" dirty="0"/>
+          </a:p>
+        </p:txBody>
+      </p:sp>
+      <p:sp>
+        <p:nvSpPr>
+          <p:cNvPr id="4" name="Slide Number Placeholder 3"/>
+          <p:cNvSpPr>
+            <a:spLocks noGrp="1"/>
+          </p:cNvSpPr>
+          <p:nvPr>
+            <p:ph type="sldNum" sz="quarter" idx="5"/>
+          </p:nvPr>
+        </p:nvSpPr>
+        <p:spPr/>
+        <p:txBody>
+          <a:bodyPr/>
+          <a:lstStyle/>
+          <a:p>
+            <a:fld id="{E4A24938-BD76-4D94-ABC1-81818C90BE90}" type="slidenum">
+              <a:rPr lang="en-US" smtClean="0"/>
+              <a:t>6</a:t>
+            </a:fld>
+            <a:endParaRPr lang="en-US"/>
+          </a:p>
+        </p:txBody>
+      </p:sp>
+    </p:spTree>
+    <p:extLst>
+      <p:ext uri="{BB962C8B-B14F-4D97-AF65-F5344CB8AC3E}">
+        <p14:creationId xmlns:p14="http://schemas.microsoft.com/office/powerpoint/2010/main" val="1356062300"/>
+      </p:ext>
+    </p:extLst>
+  </p:cSld>
+  <p:clrMapOvr>
+    <a:masterClrMapping/>
+  </p:clrMapOvr>
+</p:notes>
+</file>
+
+<file path=ppt/notesSlides/notesSlide6.xml><?xml version="1.0" encoding="utf-8"?>
+<p:notes xmlns:a="http://schemas.openxmlformats.org/drawingml/2006/main" xmlns:r="http://schemas.openxmlformats.org/officeDocument/2006/relationships" xmlns:p="http://schemas.openxmlformats.org/presentationml/2006/main">
+  <p:cSld>
+    <p:spTree>
+      <p:nvGrpSpPr>
+        <p:cNvPr id="1" name=""/>
+        <p:cNvGrpSpPr/>
+        <p:nvPr/>
+      </p:nvGrpSpPr>
+      <p:grpSpPr>
+        <a:xfrm>
+          <a:off x="0" y="0"/>
+          <a:ext cx="0" cy="0"/>
+          <a:chOff x="0" y="0"/>
+          <a:chExt cx="0" cy="0"/>
+        </a:xfrm>
+      </p:grpSpPr>
+      <p:sp>
+        <p:nvSpPr>
+          <p:cNvPr id="2" name="Slide Image Placeholder 1"/>
+          <p:cNvSpPr>
+            <a:spLocks noGrp="1" noRot="1" noChangeAspect="1"/>
+          </p:cNvSpPr>
+          <p:nvPr>
+            <p:ph type="sldImg"/>
+          </p:nvPr>
+        </p:nvSpPr>
+        <p:spPr/>
+      </p:sp>
+      <p:sp>
+        <p:nvSpPr>
+          <p:cNvPr id="3" name="Notes Placeholder 2"/>
+          <p:cNvSpPr>
+            <a:spLocks noGrp="1"/>
+          </p:cNvSpPr>
+          <p:nvPr>
+            <p:ph type="body" idx="1"/>
+          </p:nvPr>
+        </p:nvSpPr>
+        <p:spPr/>
+        <p:txBody>
+          <a:bodyPr/>
+          <a:lstStyle/>
+          <a:p>
+            <a:pPr marL="0" marR="0" lvl="0" indent="0" algn="l" defTabSz="914400" rtl="0" eaLnBrk="1" fontAlgn="auto" latinLnBrk="0" hangingPunct="1">
+              <a:lnSpc>
+                <a:spcPct val="100000"/>
+              </a:lnSpc>
+              <a:spcBef>
+                <a:spcPts val="0"/>
+              </a:spcBef>
+              <a:spcAft>
+                <a:spcPts val="0"/>
+              </a:spcAft>
+              <a:buClrTx/>
+              <a:buSzTx/>
+              <a:buFontTx/>
+              <a:buNone/>
+              <a:tabLst/>
+              <a:defRPr/>
+            </a:pPr>
+            <a:endParaRPr lang="fr-FR" noProof="0" dirty="0"/>
+          </a:p>
+        </p:txBody>
+      </p:sp>
+      <p:sp>
+        <p:nvSpPr>
+          <p:cNvPr id="4" name="Slide Number Placeholder 3"/>
+          <p:cNvSpPr>
+            <a:spLocks noGrp="1"/>
+          </p:cNvSpPr>
+          <p:nvPr>
+            <p:ph type="sldNum" sz="quarter" idx="5"/>
+          </p:nvPr>
+        </p:nvSpPr>
+        <p:spPr/>
+        <p:txBody>
+          <a:bodyPr/>
+          <a:lstStyle/>
+          <a:p>
+            <a:fld id="{E4A24938-BD76-4D94-ABC1-81818C90BE90}" type="slidenum">
+              <a:rPr lang="en-US" smtClean="0"/>
+              <a:t>7</a:t>
+            </a:fld>
+            <a:endParaRPr lang="en-US"/>
+          </a:p>
+        </p:txBody>
+      </p:sp>
+    </p:spTree>
+    <p:extLst>
+      <p:ext uri="{BB962C8B-B14F-4D97-AF65-F5344CB8AC3E}">
+        <p14:creationId xmlns:p14="http://schemas.microsoft.com/office/powerpoint/2010/main" val="3841344482"/>
+      </p:ext>
+    </p:extLst>
+  </p:cSld>
+  <p:clrMapOvr>
+    <a:masterClrMapping/>
+  </p:clrMapOvr>
+</p:notes>
 </file>
 
 <file path=ppt/slideLayouts/slideLayout1.xml><?xml version="1.0" encoding="utf-8"?>
@@ -3479,7 +4414,7 @@
                 <a:ea typeface="+mj-ea"/>
                 <a:cs typeface="+mj-cs"/>
               </a:rPr>
-              <a:t>…to artificial networks</a:t>
+              <a:t>…to artificial networks!</a:t>
             </a:r>
           </a:p>
         </p:txBody>
@@ -3606,6 +4541,5920 @@
   <p:clrMapOvr>
     <a:masterClrMapping/>
   </p:clrMapOvr>
+</p:sld>
+</file>
+
+<file path=ppt/slides/slide2.xml><?xml version="1.0" encoding="utf-8"?>
+<p:sld xmlns:a="http://schemas.openxmlformats.org/drawingml/2006/main" xmlns:r="http://schemas.openxmlformats.org/officeDocument/2006/relationships" xmlns:p="http://schemas.openxmlformats.org/presentationml/2006/main">
+  <p:cSld>
+    <p:spTree>
+      <p:nvGrpSpPr>
+        <p:cNvPr id="1" name=""/>
+        <p:cNvGrpSpPr/>
+        <p:nvPr/>
+      </p:nvGrpSpPr>
+      <p:grpSpPr>
+        <a:xfrm>
+          <a:off x="0" y="0"/>
+          <a:ext cx="0" cy="0"/>
+          <a:chOff x="0" y="0"/>
+          <a:chExt cx="0" cy="0"/>
+        </a:xfrm>
+      </p:grpSpPr>
+      <p:sp>
+        <p:nvSpPr>
+          <p:cNvPr id="2" name="Title 1">
+            <a:extLst>
+              <a:ext uri="{FF2B5EF4-FFF2-40B4-BE49-F238E27FC236}">
+                <a16:creationId xmlns:a16="http://schemas.microsoft.com/office/drawing/2014/main" id="{FE6B189F-1AC9-8B3A-FE03-2A342158480B}"/>
+              </a:ext>
+            </a:extLst>
+          </p:cNvPr>
+          <p:cNvSpPr>
+            <a:spLocks noGrp="1"/>
+          </p:cNvSpPr>
+          <p:nvPr>
+            <p:ph type="title"/>
+          </p:nvPr>
+        </p:nvSpPr>
+        <p:spPr/>
+        <p:txBody>
+          <a:bodyPr>
+            <a:normAutofit/>
+          </a:bodyPr>
+          <a:lstStyle/>
+          <a:p>
+            <a:r>
+              <a:rPr lang="en-US" dirty="0"/>
+              <a:t>Biological Neuron</a:t>
+            </a:r>
+            <a:endParaRPr lang="fr-FR" dirty="0"/>
+          </a:p>
+        </p:txBody>
+      </p:sp>
+      <p:pic>
+        <p:nvPicPr>
+          <p:cNvPr id="6" name="Picture 5" descr="A spider on a web&#10;&#10;Description automatically generated with medium confidence">
+            <a:extLst>
+              <a:ext uri="{FF2B5EF4-FFF2-40B4-BE49-F238E27FC236}">
+                <a16:creationId xmlns:a16="http://schemas.microsoft.com/office/drawing/2014/main" id="{0DD8B82A-6E22-8B1B-3ED3-257506838287}"/>
+              </a:ext>
+            </a:extLst>
+          </p:cNvPr>
+          <p:cNvPicPr>
+            <a:picLocks noChangeAspect="1"/>
+          </p:cNvPicPr>
+          <p:nvPr/>
+        </p:nvPicPr>
+        <p:blipFill>
+          <a:blip r:embed="rId3">
+            <a:extLst>
+              <a:ext uri="{28A0092B-C50C-407E-A947-70E740481C1C}">
+                <a14:useLocalDpi xmlns:a14="http://schemas.microsoft.com/office/drawing/2010/main" val="0"/>
+              </a:ext>
+            </a:extLst>
+          </a:blip>
+          <a:stretch>
+            <a:fillRect/>
+          </a:stretch>
+        </p:blipFill>
+        <p:spPr>
+          <a:xfrm>
+            <a:off x="2478723" y="1690688"/>
+            <a:ext cx="7234554" cy="4521596"/>
+          </a:xfrm>
+          <a:prstGeom prst="rect">
+            <a:avLst/>
+          </a:prstGeom>
+          <a:ln>
+            <a:noFill/>
+          </a:ln>
+          <a:effectLst>
+            <a:softEdge rad="112500"/>
+          </a:effectLst>
+        </p:spPr>
+      </p:pic>
+    </p:spTree>
+    <p:extLst>
+      <p:ext uri="{BB962C8B-B14F-4D97-AF65-F5344CB8AC3E}">
+        <p14:creationId xmlns:p14="http://schemas.microsoft.com/office/powerpoint/2010/main" val="2457456464"/>
+      </p:ext>
+    </p:extLst>
+  </p:cSld>
+  <p:clrMapOvr>
+    <a:masterClrMapping/>
+  </p:clrMapOvr>
+</p:sld>
+</file>
+
+<file path=ppt/slides/slide3.xml><?xml version="1.0" encoding="utf-8"?>
+<p:sld xmlns:a="http://schemas.openxmlformats.org/drawingml/2006/main" xmlns:r="http://schemas.openxmlformats.org/officeDocument/2006/relationships" xmlns:p="http://schemas.openxmlformats.org/presentationml/2006/main">
+  <p:cSld>
+    <p:spTree>
+      <p:nvGrpSpPr>
+        <p:cNvPr id="1" name=""/>
+        <p:cNvGrpSpPr/>
+        <p:nvPr/>
+      </p:nvGrpSpPr>
+      <p:grpSpPr>
+        <a:xfrm>
+          <a:off x="0" y="0"/>
+          <a:ext cx="0" cy="0"/>
+          <a:chOff x="0" y="0"/>
+          <a:chExt cx="0" cy="0"/>
+        </a:xfrm>
+      </p:grpSpPr>
+      <p:sp>
+        <p:nvSpPr>
+          <p:cNvPr id="2" name="Title 1">
+            <a:extLst>
+              <a:ext uri="{FF2B5EF4-FFF2-40B4-BE49-F238E27FC236}">
+                <a16:creationId xmlns:a16="http://schemas.microsoft.com/office/drawing/2014/main" id="{FE6B189F-1AC9-8B3A-FE03-2A342158480B}"/>
+              </a:ext>
+            </a:extLst>
+          </p:cNvPr>
+          <p:cNvSpPr>
+            <a:spLocks noGrp="1"/>
+          </p:cNvSpPr>
+          <p:nvPr>
+            <p:ph type="title"/>
+          </p:nvPr>
+        </p:nvSpPr>
+        <p:spPr/>
+        <p:txBody>
+          <a:bodyPr>
+            <a:normAutofit/>
+          </a:bodyPr>
+          <a:lstStyle/>
+          <a:p>
+            <a:r>
+              <a:rPr lang="en-US" dirty="0"/>
+              <a:t>Biological Neuron</a:t>
+            </a:r>
+          </a:p>
+        </p:txBody>
+      </p:sp>
+      <p:pic>
+        <p:nvPicPr>
+          <p:cNvPr id="5" name="Picture 4">
+            <a:extLst>
+              <a:ext uri="{FF2B5EF4-FFF2-40B4-BE49-F238E27FC236}">
+                <a16:creationId xmlns:a16="http://schemas.microsoft.com/office/drawing/2014/main" id="{43CBDCE9-D17B-1DB4-FAB3-507A25877BA2}"/>
+              </a:ext>
+            </a:extLst>
+          </p:cNvPr>
+          <p:cNvPicPr>
+            <a:picLocks noChangeAspect="1"/>
+          </p:cNvPicPr>
+          <p:nvPr/>
+        </p:nvPicPr>
+        <p:blipFill>
+          <a:blip r:embed="rId3">
+            <a:extLst>
+              <a:ext uri="{28A0092B-C50C-407E-A947-70E740481C1C}">
+                <a14:useLocalDpi xmlns:a14="http://schemas.microsoft.com/office/drawing/2010/main" val="0"/>
+              </a:ext>
+            </a:extLst>
+          </a:blip>
+          <a:stretch>
+            <a:fillRect/>
+          </a:stretch>
+        </p:blipFill>
+        <p:spPr>
+          <a:xfrm rot="10800000">
+            <a:off x="1868041" y="2117925"/>
+            <a:ext cx="8455918" cy="3421631"/>
+          </a:xfrm>
+          <a:prstGeom prst="rect">
+            <a:avLst/>
+          </a:prstGeom>
+        </p:spPr>
+      </p:pic>
+      <p:cxnSp>
+        <p:nvCxnSpPr>
+          <p:cNvPr id="7" name="Straight Arrow Connector 6">
+            <a:extLst>
+              <a:ext uri="{FF2B5EF4-FFF2-40B4-BE49-F238E27FC236}">
+                <a16:creationId xmlns:a16="http://schemas.microsoft.com/office/drawing/2014/main" id="{F10BE17B-C6A5-E32B-B99A-D2BDD239B32C}"/>
+              </a:ext>
+            </a:extLst>
+          </p:cNvPr>
+          <p:cNvCxnSpPr>
+            <a:cxnSpLocks/>
+          </p:cNvCxnSpPr>
+          <p:nvPr/>
+        </p:nvCxnSpPr>
+        <p:spPr>
+          <a:xfrm>
+            <a:off x="4572000" y="2881423"/>
+            <a:ext cx="407474" cy="786809"/>
+          </a:xfrm>
+          <a:prstGeom prst="straightConnector1">
+            <a:avLst/>
+          </a:prstGeom>
+          <a:ln w="38100">
+            <a:solidFill>
+              <a:schemeClr val="tx1"/>
+            </a:solidFill>
+            <a:headEnd type="none" w="med" len="med"/>
+            <a:tailEnd type="arrow" w="med" len="med"/>
+          </a:ln>
+        </p:spPr>
+        <p:style>
+          <a:lnRef idx="1">
+            <a:schemeClr val="accent1"/>
+          </a:lnRef>
+          <a:fillRef idx="0">
+            <a:schemeClr val="accent1"/>
+          </a:fillRef>
+          <a:effectRef idx="0">
+            <a:schemeClr val="accent1"/>
+          </a:effectRef>
+          <a:fontRef idx="minor">
+            <a:schemeClr val="tx1"/>
+          </a:fontRef>
+        </p:style>
+      </p:cxnSp>
+      <p:sp>
+        <p:nvSpPr>
+          <p:cNvPr id="11" name="TextBox 10">
+            <a:extLst>
+              <a:ext uri="{FF2B5EF4-FFF2-40B4-BE49-F238E27FC236}">
+                <a16:creationId xmlns:a16="http://schemas.microsoft.com/office/drawing/2014/main" id="{F9E2B5A0-DD30-269C-7F9A-BC1067D71B25}"/>
+              </a:ext>
+            </a:extLst>
+          </p:cNvPr>
+          <p:cNvSpPr txBox="1"/>
+          <p:nvPr/>
+        </p:nvSpPr>
+        <p:spPr>
+          <a:xfrm>
+            <a:off x="456742" y="2034925"/>
+            <a:ext cx="1182696" cy="461665"/>
+          </a:xfrm>
+          <a:prstGeom prst="rect">
+            <a:avLst/>
+          </a:prstGeom>
+          <a:noFill/>
+        </p:spPr>
+        <p:txBody>
+          <a:bodyPr wrap="none" rtlCol="0">
+            <a:spAutoFit/>
+          </a:bodyPr>
+          <a:lstStyle/>
+          <a:p>
+            <a:r>
+              <a:rPr lang="en-US" sz="2400" dirty="0"/>
+              <a:t>synapse</a:t>
+            </a:r>
+            <a:endParaRPr lang="en-US" dirty="0"/>
+          </a:p>
+        </p:txBody>
+      </p:sp>
+      <p:sp>
+        <p:nvSpPr>
+          <p:cNvPr id="12" name="TextBox 11">
+            <a:extLst>
+              <a:ext uri="{FF2B5EF4-FFF2-40B4-BE49-F238E27FC236}">
+                <a16:creationId xmlns:a16="http://schemas.microsoft.com/office/drawing/2014/main" id="{3EFDEAFD-2988-C134-D680-8D61E2A04EE3}"/>
+              </a:ext>
+            </a:extLst>
+          </p:cNvPr>
+          <p:cNvSpPr txBox="1"/>
+          <p:nvPr/>
+        </p:nvSpPr>
+        <p:spPr>
+          <a:xfrm>
+            <a:off x="5184794" y="5281654"/>
+            <a:ext cx="1255344" cy="461665"/>
+          </a:xfrm>
+          <a:prstGeom prst="rect">
+            <a:avLst/>
+          </a:prstGeom>
+          <a:noFill/>
+        </p:spPr>
+        <p:txBody>
+          <a:bodyPr wrap="none" rtlCol="0">
+            <a:spAutoFit/>
+          </a:bodyPr>
+          <a:lstStyle/>
+          <a:p>
+            <a:r>
+              <a:rPr lang="en-US" sz="2400" dirty="0"/>
+              <a:t>dendrite</a:t>
+            </a:r>
+            <a:endParaRPr lang="en-US" dirty="0"/>
+          </a:p>
+        </p:txBody>
+      </p:sp>
+      <p:cxnSp>
+        <p:nvCxnSpPr>
+          <p:cNvPr id="13" name="Straight Arrow Connector 12">
+            <a:extLst>
+              <a:ext uri="{FF2B5EF4-FFF2-40B4-BE49-F238E27FC236}">
+                <a16:creationId xmlns:a16="http://schemas.microsoft.com/office/drawing/2014/main" id="{94F346BA-51D6-073F-8735-2EA1FBC9F311}"/>
+              </a:ext>
+            </a:extLst>
+          </p:cNvPr>
+          <p:cNvCxnSpPr>
+            <a:cxnSpLocks/>
+          </p:cNvCxnSpPr>
+          <p:nvPr/>
+        </p:nvCxnSpPr>
+        <p:spPr>
+          <a:xfrm flipV="1">
+            <a:off x="6379535" y="5135528"/>
+            <a:ext cx="733645" cy="357861"/>
+          </a:xfrm>
+          <a:prstGeom prst="straightConnector1">
+            <a:avLst/>
+          </a:prstGeom>
+          <a:ln w="38100">
+            <a:solidFill>
+              <a:schemeClr val="tx1"/>
+            </a:solidFill>
+            <a:headEnd type="none" w="med" len="med"/>
+            <a:tailEnd type="arrow" w="med" len="med"/>
+          </a:ln>
+        </p:spPr>
+        <p:style>
+          <a:lnRef idx="1">
+            <a:schemeClr val="accent1"/>
+          </a:lnRef>
+          <a:fillRef idx="0">
+            <a:schemeClr val="accent1"/>
+          </a:fillRef>
+          <a:effectRef idx="0">
+            <a:schemeClr val="accent1"/>
+          </a:effectRef>
+          <a:fontRef idx="minor">
+            <a:schemeClr val="tx1"/>
+          </a:fontRef>
+        </p:style>
+      </p:cxnSp>
+      <p:cxnSp>
+        <p:nvCxnSpPr>
+          <p:cNvPr id="18" name="Straight Arrow Connector 17">
+            <a:extLst>
+              <a:ext uri="{FF2B5EF4-FFF2-40B4-BE49-F238E27FC236}">
+                <a16:creationId xmlns:a16="http://schemas.microsoft.com/office/drawing/2014/main" id="{4976A291-03F7-0C71-BF75-1C87F45F2079}"/>
+              </a:ext>
+            </a:extLst>
+          </p:cNvPr>
+          <p:cNvCxnSpPr>
+            <a:cxnSpLocks/>
+          </p:cNvCxnSpPr>
+          <p:nvPr/>
+        </p:nvCxnSpPr>
+        <p:spPr>
+          <a:xfrm>
+            <a:off x="1563368" y="2427469"/>
+            <a:ext cx="609345" cy="478465"/>
+          </a:xfrm>
+          <a:prstGeom prst="straightConnector1">
+            <a:avLst/>
+          </a:prstGeom>
+          <a:ln w="38100">
+            <a:solidFill>
+              <a:schemeClr val="tx1"/>
+            </a:solidFill>
+            <a:headEnd type="none" w="med" len="med"/>
+            <a:tailEnd type="arrow" w="med" len="med"/>
+          </a:ln>
+        </p:spPr>
+        <p:style>
+          <a:lnRef idx="1">
+            <a:schemeClr val="accent1"/>
+          </a:lnRef>
+          <a:fillRef idx="0">
+            <a:schemeClr val="accent1"/>
+          </a:fillRef>
+          <a:effectRef idx="0">
+            <a:schemeClr val="accent1"/>
+          </a:effectRef>
+          <a:fontRef idx="minor">
+            <a:schemeClr val="tx1"/>
+          </a:fontRef>
+        </p:style>
+      </p:cxnSp>
+      <p:cxnSp>
+        <p:nvCxnSpPr>
+          <p:cNvPr id="21" name="Straight Arrow Connector 20">
+            <a:extLst>
+              <a:ext uri="{FF2B5EF4-FFF2-40B4-BE49-F238E27FC236}">
+                <a16:creationId xmlns:a16="http://schemas.microsoft.com/office/drawing/2014/main" id="{53F9DBEC-7780-BB29-A87E-1B792E19B2D2}"/>
+              </a:ext>
+            </a:extLst>
+          </p:cNvPr>
+          <p:cNvCxnSpPr>
+            <a:cxnSpLocks/>
+          </p:cNvCxnSpPr>
+          <p:nvPr/>
+        </p:nvCxnSpPr>
+        <p:spPr>
+          <a:xfrm flipH="1">
+            <a:off x="8463516" y="1842056"/>
+            <a:ext cx="1212112" cy="1826176"/>
+          </a:xfrm>
+          <a:prstGeom prst="straightConnector1">
+            <a:avLst/>
+          </a:prstGeom>
+          <a:ln w="38100">
+            <a:solidFill>
+              <a:schemeClr val="tx1"/>
+            </a:solidFill>
+            <a:headEnd type="none" w="med" len="med"/>
+            <a:tailEnd type="arrow" w="med" len="med"/>
+          </a:ln>
+        </p:spPr>
+        <p:style>
+          <a:lnRef idx="1">
+            <a:schemeClr val="accent1"/>
+          </a:lnRef>
+          <a:fillRef idx="0">
+            <a:schemeClr val="accent1"/>
+          </a:fillRef>
+          <a:effectRef idx="0">
+            <a:schemeClr val="accent1"/>
+          </a:effectRef>
+          <a:fontRef idx="minor">
+            <a:schemeClr val="tx1"/>
+          </a:fontRef>
+        </p:style>
+      </p:cxnSp>
+      <p:cxnSp>
+        <p:nvCxnSpPr>
+          <p:cNvPr id="24" name="Straight Arrow Connector 23">
+            <a:extLst>
+              <a:ext uri="{FF2B5EF4-FFF2-40B4-BE49-F238E27FC236}">
+                <a16:creationId xmlns:a16="http://schemas.microsoft.com/office/drawing/2014/main" id="{D57BC3B4-5082-E8B0-D584-8A02CF2C127A}"/>
+              </a:ext>
+            </a:extLst>
+          </p:cNvPr>
+          <p:cNvCxnSpPr>
+            <a:cxnSpLocks/>
+          </p:cNvCxnSpPr>
+          <p:nvPr/>
+        </p:nvCxnSpPr>
+        <p:spPr>
+          <a:xfrm flipH="1" flipV="1">
+            <a:off x="8623005" y="4157330"/>
+            <a:ext cx="1342870" cy="1058127"/>
+          </a:xfrm>
+          <a:prstGeom prst="straightConnector1">
+            <a:avLst/>
+          </a:prstGeom>
+          <a:ln w="38100">
+            <a:solidFill>
+              <a:schemeClr val="tx1"/>
+            </a:solidFill>
+            <a:headEnd type="none" w="med" len="med"/>
+            <a:tailEnd type="arrow" w="med" len="med"/>
+          </a:ln>
+        </p:spPr>
+        <p:style>
+          <a:lnRef idx="1">
+            <a:schemeClr val="accent1"/>
+          </a:lnRef>
+          <a:fillRef idx="0">
+            <a:schemeClr val="accent1"/>
+          </a:fillRef>
+          <a:effectRef idx="0">
+            <a:schemeClr val="accent1"/>
+          </a:effectRef>
+          <a:fontRef idx="minor">
+            <a:schemeClr val="tx1"/>
+          </a:fontRef>
+        </p:style>
+      </p:cxnSp>
+      <p:sp>
+        <p:nvSpPr>
+          <p:cNvPr id="27" name="TextBox 26">
+            <a:extLst>
+              <a:ext uri="{FF2B5EF4-FFF2-40B4-BE49-F238E27FC236}">
+                <a16:creationId xmlns:a16="http://schemas.microsoft.com/office/drawing/2014/main" id="{1A59464B-C4F0-8FA3-0538-264A571BE37E}"/>
+              </a:ext>
+            </a:extLst>
+          </p:cNvPr>
+          <p:cNvSpPr txBox="1"/>
+          <p:nvPr/>
+        </p:nvSpPr>
+        <p:spPr>
+          <a:xfrm>
+            <a:off x="3853109" y="2454187"/>
+            <a:ext cx="777842" cy="461665"/>
+          </a:xfrm>
+          <a:prstGeom prst="rect">
+            <a:avLst/>
+          </a:prstGeom>
+          <a:noFill/>
+        </p:spPr>
+        <p:txBody>
+          <a:bodyPr wrap="none" rtlCol="0">
+            <a:spAutoFit/>
+          </a:bodyPr>
+          <a:lstStyle/>
+          <a:p>
+            <a:r>
+              <a:rPr lang="en-US" sz="2400" dirty="0"/>
+              <a:t>axon</a:t>
+            </a:r>
+            <a:endParaRPr lang="en-US" dirty="0"/>
+          </a:p>
+        </p:txBody>
+      </p:sp>
+      <p:sp>
+        <p:nvSpPr>
+          <p:cNvPr id="28" name="TextBox 27">
+            <a:extLst>
+              <a:ext uri="{FF2B5EF4-FFF2-40B4-BE49-F238E27FC236}">
+                <a16:creationId xmlns:a16="http://schemas.microsoft.com/office/drawing/2014/main" id="{6DBF3913-79FD-E029-CDCB-3A6C7A65DB4C}"/>
+              </a:ext>
+            </a:extLst>
+          </p:cNvPr>
+          <p:cNvSpPr txBox="1"/>
+          <p:nvPr/>
+        </p:nvSpPr>
+        <p:spPr>
+          <a:xfrm>
+            <a:off x="9667975" y="1411710"/>
+            <a:ext cx="961802" cy="461665"/>
+          </a:xfrm>
+          <a:prstGeom prst="rect">
+            <a:avLst/>
+          </a:prstGeom>
+          <a:noFill/>
+        </p:spPr>
+        <p:txBody>
+          <a:bodyPr wrap="none" rtlCol="0">
+            <a:spAutoFit/>
+          </a:bodyPr>
+          <a:lstStyle/>
+          <a:p>
+            <a:r>
+              <a:rPr lang="fr-FR" sz="2400" dirty="0"/>
+              <a:t>kernel</a:t>
+            </a:r>
+            <a:endParaRPr lang="fr-FR" dirty="0"/>
+          </a:p>
+        </p:txBody>
+      </p:sp>
+      <p:sp>
+        <p:nvSpPr>
+          <p:cNvPr id="29" name="TextBox 28">
+            <a:extLst>
+              <a:ext uri="{FF2B5EF4-FFF2-40B4-BE49-F238E27FC236}">
+                <a16:creationId xmlns:a16="http://schemas.microsoft.com/office/drawing/2014/main" id="{F7A60886-EE0A-C4C7-458F-4A3A610CA3E0}"/>
+              </a:ext>
+            </a:extLst>
+          </p:cNvPr>
+          <p:cNvSpPr txBox="1"/>
+          <p:nvPr/>
+        </p:nvSpPr>
+        <p:spPr>
+          <a:xfrm>
+            <a:off x="9891851" y="5077891"/>
+            <a:ext cx="609462" cy="461665"/>
+          </a:xfrm>
+          <a:prstGeom prst="rect">
+            <a:avLst/>
+          </a:prstGeom>
+          <a:noFill/>
+        </p:spPr>
+        <p:txBody>
+          <a:bodyPr wrap="none" rtlCol="0">
+            <a:spAutoFit/>
+          </a:bodyPr>
+          <a:lstStyle/>
+          <a:p>
+            <a:r>
+              <a:rPr lang="en-US" sz="2400" dirty="0"/>
+              <a:t>cell</a:t>
+            </a:r>
+            <a:endParaRPr lang="en-US" dirty="0"/>
+          </a:p>
+        </p:txBody>
+      </p:sp>
+    </p:spTree>
+    <p:extLst>
+      <p:ext uri="{BB962C8B-B14F-4D97-AF65-F5344CB8AC3E}">
+        <p14:creationId xmlns:p14="http://schemas.microsoft.com/office/powerpoint/2010/main" val="821921933"/>
+      </p:ext>
+    </p:extLst>
+  </p:cSld>
+  <p:clrMapOvr>
+    <a:masterClrMapping/>
+  </p:clrMapOvr>
+  <p:timing>
+    <p:tnLst>
+      <p:par>
+        <p:cTn id="1" dur="indefinite" restart="never" nodeType="tmRoot">
+          <p:childTnLst>
+            <p:seq concurrent="1" nextAc="seek">
+              <p:cTn id="2" dur="indefinite" nodeType="mainSeq">
+                <p:childTnLst>
+                  <p:par>
+                    <p:cTn id="3" fill="hold">
+                      <p:stCondLst>
+                        <p:cond delay="indefinite"/>
+                      </p:stCondLst>
+                      <p:childTnLst>
+                        <p:par>
+                          <p:cTn id="4" fill="hold">
+                            <p:stCondLst>
+                              <p:cond delay="0"/>
+                            </p:stCondLst>
+                            <p:childTnLst>
+                              <p:par>
+                                <p:cTn id="5" presetID="10" presetClass="entr" presetSubtype="0" fill="hold" nodeType="clickEffect">
+                                  <p:stCondLst>
+                                    <p:cond delay="0"/>
+                                  </p:stCondLst>
+                                  <p:childTnLst>
+                                    <p:set>
+                                      <p:cBhvr>
+                                        <p:cTn id="6" dur="1" fill="hold">
+                                          <p:stCondLst>
+                                            <p:cond delay="0"/>
+                                          </p:stCondLst>
+                                        </p:cTn>
+                                        <p:tgtEl>
+                                          <p:spTgt spid="21"/>
+                                        </p:tgtEl>
+                                        <p:attrNameLst>
+                                          <p:attrName>style.visibility</p:attrName>
+                                        </p:attrNameLst>
+                                      </p:cBhvr>
+                                      <p:to>
+                                        <p:strVal val="visible"/>
+                                      </p:to>
+                                    </p:set>
+                                    <p:animEffect transition="in" filter="fade">
+                                      <p:cBhvr>
+                                        <p:cTn id="7" dur="500"/>
+                                        <p:tgtEl>
+                                          <p:spTgt spid="21"/>
+                                        </p:tgtEl>
+                                      </p:cBhvr>
+                                    </p:animEffect>
+                                  </p:childTnLst>
+                                </p:cTn>
+                              </p:par>
+                              <p:par>
+                                <p:cTn id="8" presetID="10" presetClass="entr" presetSubtype="0" fill="hold" grpId="0" nodeType="withEffect">
+                                  <p:stCondLst>
+                                    <p:cond delay="0"/>
+                                  </p:stCondLst>
+                                  <p:childTnLst>
+                                    <p:set>
+                                      <p:cBhvr>
+                                        <p:cTn id="9" dur="1" fill="hold">
+                                          <p:stCondLst>
+                                            <p:cond delay="0"/>
+                                          </p:stCondLst>
+                                        </p:cTn>
+                                        <p:tgtEl>
+                                          <p:spTgt spid="28"/>
+                                        </p:tgtEl>
+                                        <p:attrNameLst>
+                                          <p:attrName>style.visibility</p:attrName>
+                                        </p:attrNameLst>
+                                      </p:cBhvr>
+                                      <p:to>
+                                        <p:strVal val="visible"/>
+                                      </p:to>
+                                    </p:set>
+                                    <p:animEffect transition="in" filter="fade">
+                                      <p:cBhvr>
+                                        <p:cTn id="10" dur="500"/>
+                                        <p:tgtEl>
+                                          <p:spTgt spid="28"/>
+                                        </p:tgtEl>
+                                      </p:cBhvr>
+                                    </p:animEffect>
+                                  </p:childTnLst>
+                                </p:cTn>
+                              </p:par>
+                            </p:childTnLst>
+                          </p:cTn>
+                        </p:par>
+                      </p:childTnLst>
+                    </p:cTn>
+                  </p:par>
+                  <p:par>
+                    <p:cTn id="11" fill="hold">
+                      <p:stCondLst>
+                        <p:cond delay="indefinite"/>
+                      </p:stCondLst>
+                      <p:childTnLst>
+                        <p:par>
+                          <p:cTn id="12" fill="hold">
+                            <p:stCondLst>
+                              <p:cond delay="0"/>
+                            </p:stCondLst>
+                            <p:childTnLst>
+                              <p:par>
+                                <p:cTn id="13" presetID="10" presetClass="entr" presetSubtype="0" fill="hold" nodeType="clickEffect">
+                                  <p:stCondLst>
+                                    <p:cond delay="0"/>
+                                  </p:stCondLst>
+                                  <p:childTnLst>
+                                    <p:set>
+                                      <p:cBhvr>
+                                        <p:cTn id="14" dur="1" fill="hold">
+                                          <p:stCondLst>
+                                            <p:cond delay="0"/>
+                                          </p:stCondLst>
+                                        </p:cTn>
+                                        <p:tgtEl>
+                                          <p:spTgt spid="24"/>
+                                        </p:tgtEl>
+                                        <p:attrNameLst>
+                                          <p:attrName>style.visibility</p:attrName>
+                                        </p:attrNameLst>
+                                      </p:cBhvr>
+                                      <p:to>
+                                        <p:strVal val="visible"/>
+                                      </p:to>
+                                    </p:set>
+                                    <p:animEffect transition="in" filter="fade">
+                                      <p:cBhvr>
+                                        <p:cTn id="15" dur="500"/>
+                                        <p:tgtEl>
+                                          <p:spTgt spid="24"/>
+                                        </p:tgtEl>
+                                      </p:cBhvr>
+                                    </p:animEffect>
+                                  </p:childTnLst>
+                                </p:cTn>
+                              </p:par>
+                              <p:par>
+                                <p:cTn id="16" presetID="10" presetClass="entr" presetSubtype="0" fill="hold" grpId="0" nodeType="withEffect">
+                                  <p:stCondLst>
+                                    <p:cond delay="0"/>
+                                  </p:stCondLst>
+                                  <p:childTnLst>
+                                    <p:set>
+                                      <p:cBhvr>
+                                        <p:cTn id="17" dur="1" fill="hold">
+                                          <p:stCondLst>
+                                            <p:cond delay="0"/>
+                                          </p:stCondLst>
+                                        </p:cTn>
+                                        <p:tgtEl>
+                                          <p:spTgt spid="29"/>
+                                        </p:tgtEl>
+                                        <p:attrNameLst>
+                                          <p:attrName>style.visibility</p:attrName>
+                                        </p:attrNameLst>
+                                      </p:cBhvr>
+                                      <p:to>
+                                        <p:strVal val="visible"/>
+                                      </p:to>
+                                    </p:set>
+                                    <p:animEffect transition="in" filter="fade">
+                                      <p:cBhvr>
+                                        <p:cTn id="18" dur="500"/>
+                                        <p:tgtEl>
+                                          <p:spTgt spid="29"/>
+                                        </p:tgtEl>
+                                      </p:cBhvr>
+                                    </p:animEffect>
+                                  </p:childTnLst>
+                                </p:cTn>
+                              </p:par>
+                            </p:childTnLst>
+                          </p:cTn>
+                        </p:par>
+                      </p:childTnLst>
+                    </p:cTn>
+                  </p:par>
+                  <p:par>
+                    <p:cTn id="19" fill="hold">
+                      <p:stCondLst>
+                        <p:cond delay="indefinite"/>
+                      </p:stCondLst>
+                      <p:childTnLst>
+                        <p:par>
+                          <p:cTn id="20" fill="hold">
+                            <p:stCondLst>
+                              <p:cond delay="0"/>
+                            </p:stCondLst>
+                            <p:childTnLst>
+                              <p:par>
+                                <p:cTn id="21" presetID="10" presetClass="entr" presetSubtype="0" fill="hold" grpId="0" nodeType="clickEffect">
+                                  <p:stCondLst>
+                                    <p:cond delay="0"/>
+                                  </p:stCondLst>
+                                  <p:childTnLst>
+                                    <p:set>
+                                      <p:cBhvr>
+                                        <p:cTn id="22" dur="1" fill="hold">
+                                          <p:stCondLst>
+                                            <p:cond delay="0"/>
+                                          </p:stCondLst>
+                                        </p:cTn>
+                                        <p:tgtEl>
+                                          <p:spTgt spid="12"/>
+                                        </p:tgtEl>
+                                        <p:attrNameLst>
+                                          <p:attrName>style.visibility</p:attrName>
+                                        </p:attrNameLst>
+                                      </p:cBhvr>
+                                      <p:to>
+                                        <p:strVal val="visible"/>
+                                      </p:to>
+                                    </p:set>
+                                    <p:animEffect transition="in" filter="fade">
+                                      <p:cBhvr>
+                                        <p:cTn id="23" dur="500"/>
+                                        <p:tgtEl>
+                                          <p:spTgt spid="12"/>
+                                        </p:tgtEl>
+                                      </p:cBhvr>
+                                    </p:animEffect>
+                                  </p:childTnLst>
+                                </p:cTn>
+                              </p:par>
+                              <p:par>
+                                <p:cTn id="24" presetID="10" presetClass="entr" presetSubtype="0" fill="hold" nodeType="withEffect">
+                                  <p:stCondLst>
+                                    <p:cond delay="0"/>
+                                  </p:stCondLst>
+                                  <p:childTnLst>
+                                    <p:set>
+                                      <p:cBhvr>
+                                        <p:cTn id="25" dur="1" fill="hold">
+                                          <p:stCondLst>
+                                            <p:cond delay="0"/>
+                                          </p:stCondLst>
+                                        </p:cTn>
+                                        <p:tgtEl>
+                                          <p:spTgt spid="13"/>
+                                        </p:tgtEl>
+                                        <p:attrNameLst>
+                                          <p:attrName>style.visibility</p:attrName>
+                                        </p:attrNameLst>
+                                      </p:cBhvr>
+                                      <p:to>
+                                        <p:strVal val="visible"/>
+                                      </p:to>
+                                    </p:set>
+                                    <p:animEffect transition="in" filter="fade">
+                                      <p:cBhvr>
+                                        <p:cTn id="26" dur="500"/>
+                                        <p:tgtEl>
+                                          <p:spTgt spid="13"/>
+                                        </p:tgtEl>
+                                      </p:cBhvr>
+                                    </p:animEffect>
+                                  </p:childTnLst>
+                                </p:cTn>
+                              </p:par>
+                            </p:childTnLst>
+                          </p:cTn>
+                        </p:par>
+                      </p:childTnLst>
+                    </p:cTn>
+                  </p:par>
+                  <p:par>
+                    <p:cTn id="27" fill="hold">
+                      <p:stCondLst>
+                        <p:cond delay="indefinite"/>
+                      </p:stCondLst>
+                      <p:childTnLst>
+                        <p:par>
+                          <p:cTn id="28" fill="hold">
+                            <p:stCondLst>
+                              <p:cond delay="0"/>
+                            </p:stCondLst>
+                            <p:childTnLst>
+                              <p:par>
+                                <p:cTn id="29" presetID="10" presetClass="entr" presetSubtype="0" fill="hold" nodeType="clickEffect">
+                                  <p:stCondLst>
+                                    <p:cond delay="0"/>
+                                  </p:stCondLst>
+                                  <p:childTnLst>
+                                    <p:set>
+                                      <p:cBhvr>
+                                        <p:cTn id="30" dur="1" fill="hold">
+                                          <p:stCondLst>
+                                            <p:cond delay="0"/>
+                                          </p:stCondLst>
+                                        </p:cTn>
+                                        <p:tgtEl>
+                                          <p:spTgt spid="7"/>
+                                        </p:tgtEl>
+                                        <p:attrNameLst>
+                                          <p:attrName>style.visibility</p:attrName>
+                                        </p:attrNameLst>
+                                      </p:cBhvr>
+                                      <p:to>
+                                        <p:strVal val="visible"/>
+                                      </p:to>
+                                    </p:set>
+                                    <p:animEffect transition="in" filter="fade">
+                                      <p:cBhvr>
+                                        <p:cTn id="31" dur="500"/>
+                                        <p:tgtEl>
+                                          <p:spTgt spid="7"/>
+                                        </p:tgtEl>
+                                      </p:cBhvr>
+                                    </p:animEffect>
+                                  </p:childTnLst>
+                                </p:cTn>
+                              </p:par>
+                              <p:par>
+                                <p:cTn id="32" presetID="10" presetClass="entr" presetSubtype="0" fill="hold" grpId="0" nodeType="withEffect">
+                                  <p:stCondLst>
+                                    <p:cond delay="0"/>
+                                  </p:stCondLst>
+                                  <p:childTnLst>
+                                    <p:set>
+                                      <p:cBhvr>
+                                        <p:cTn id="33" dur="1" fill="hold">
+                                          <p:stCondLst>
+                                            <p:cond delay="0"/>
+                                          </p:stCondLst>
+                                        </p:cTn>
+                                        <p:tgtEl>
+                                          <p:spTgt spid="27"/>
+                                        </p:tgtEl>
+                                        <p:attrNameLst>
+                                          <p:attrName>style.visibility</p:attrName>
+                                        </p:attrNameLst>
+                                      </p:cBhvr>
+                                      <p:to>
+                                        <p:strVal val="visible"/>
+                                      </p:to>
+                                    </p:set>
+                                    <p:animEffect transition="in" filter="fade">
+                                      <p:cBhvr>
+                                        <p:cTn id="34" dur="500"/>
+                                        <p:tgtEl>
+                                          <p:spTgt spid="27"/>
+                                        </p:tgtEl>
+                                      </p:cBhvr>
+                                    </p:animEffect>
+                                  </p:childTnLst>
+                                </p:cTn>
+                              </p:par>
+                            </p:childTnLst>
+                          </p:cTn>
+                        </p:par>
+                      </p:childTnLst>
+                    </p:cTn>
+                  </p:par>
+                  <p:par>
+                    <p:cTn id="35" fill="hold">
+                      <p:stCondLst>
+                        <p:cond delay="indefinite"/>
+                      </p:stCondLst>
+                      <p:childTnLst>
+                        <p:par>
+                          <p:cTn id="36" fill="hold">
+                            <p:stCondLst>
+                              <p:cond delay="0"/>
+                            </p:stCondLst>
+                            <p:childTnLst>
+                              <p:par>
+                                <p:cTn id="37" presetID="10" presetClass="entr" presetSubtype="0" fill="hold" grpId="0" nodeType="clickEffect">
+                                  <p:stCondLst>
+                                    <p:cond delay="0"/>
+                                  </p:stCondLst>
+                                  <p:childTnLst>
+                                    <p:set>
+                                      <p:cBhvr>
+                                        <p:cTn id="38" dur="1" fill="hold">
+                                          <p:stCondLst>
+                                            <p:cond delay="0"/>
+                                          </p:stCondLst>
+                                        </p:cTn>
+                                        <p:tgtEl>
+                                          <p:spTgt spid="11"/>
+                                        </p:tgtEl>
+                                        <p:attrNameLst>
+                                          <p:attrName>style.visibility</p:attrName>
+                                        </p:attrNameLst>
+                                      </p:cBhvr>
+                                      <p:to>
+                                        <p:strVal val="visible"/>
+                                      </p:to>
+                                    </p:set>
+                                    <p:animEffect transition="in" filter="fade">
+                                      <p:cBhvr>
+                                        <p:cTn id="39" dur="500"/>
+                                        <p:tgtEl>
+                                          <p:spTgt spid="11"/>
+                                        </p:tgtEl>
+                                      </p:cBhvr>
+                                    </p:animEffect>
+                                  </p:childTnLst>
+                                </p:cTn>
+                              </p:par>
+                              <p:par>
+                                <p:cTn id="40" presetID="10" presetClass="entr" presetSubtype="0" fill="hold" nodeType="withEffect">
+                                  <p:stCondLst>
+                                    <p:cond delay="0"/>
+                                  </p:stCondLst>
+                                  <p:childTnLst>
+                                    <p:set>
+                                      <p:cBhvr>
+                                        <p:cTn id="41" dur="1" fill="hold">
+                                          <p:stCondLst>
+                                            <p:cond delay="0"/>
+                                          </p:stCondLst>
+                                        </p:cTn>
+                                        <p:tgtEl>
+                                          <p:spTgt spid="18"/>
+                                        </p:tgtEl>
+                                        <p:attrNameLst>
+                                          <p:attrName>style.visibility</p:attrName>
+                                        </p:attrNameLst>
+                                      </p:cBhvr>
+                                      <p:to>
+                                        <p:strVal val="visible"/>
+                                      </p:to>
+                                    </p:set>
+                                    <p:animEffect transition="in" filter="fade">
+                                      <p:cBhvr>
+                                        <p:cTn id="42" dur="500"/>
+                                        <p:tgtEl>
+                                          <p:spTgt spid="18"/>
+                                        </p:tgtEl>
+                                      </p:cBhvr>
+                                    </p:animEffect>
+                                  </p:childTnLst>
+                                </p:cTn>
+                              </p:par>
+                            </p:childTnLst>
+                          </p:cTn>
+                        </p:par>
+                      </p:childTnLst>
+                    </p:cTn>
+                  </p:par>
+                </p:childTnLst>
+              </p:cTn>
+              <p:prevCondLst>
+                <p:cond evt="onPrev" delay="0">
+                  <p:tgtEl>
+                    <p:sldTgt/>
+                  </p:tgtEl>
+                </p:cond>
+              </p:prevCondLst>
+              <p:nextCondLst>
+                <p:cond evt="onNext" delay="0">
+                  <p:tgtEl>
+                    <p:sldTgt/>
+                  </p:tgtEl>
+                </p:cond>
+              </p:nextCondLst>
+            </p:seq>
+          </p:childTnLst>
+        </p:cTn>
+      </p:par>
+    </p:tnLst>
+    <p:bldLst>
+      <p:bldP spid="11" grpId="0"/>
+      <p:bldP spid="12" grpId="0"/>
+      <p:bldP spid="27" grpId="0"/>
+      <p:bldP spid="28" grpId="0"/>
+      <p:bldP spid="29" grpId="0"/>
+    </p:bldLst>
+  </p:timing>
+</p:sld>
+</file>
+
+<file path=ppt/slides/slide4.xml><?xml version="1.0" encoding="utf-8"?>
+<p:sld xmlns:a="http://schemas.openxmlformats.org/drawingml/2006/main" xmlns:r="http://schemas.openxmlformats.org/officeDocument/2006/relationships" xmlns:p="http://schemas.openxmlformats.org/presentationml/2006/main">
+  <p:cSld>
+    <p:spTree>
+      <p:nvGrpSpPr>
+        <p:cNvPr id="1" name=""/>
+        <p:cNvGrpSpPr/>
+        <p:nvPr/>
+      </p:nvGrpSpPr>
+      <p:grpSpPr>
+        <a:xfrm>
+          <a:off x="0" y="0"/>
+          <a:ext cx="0" cy="0"/>
+          <a:chOff x="0" y="0"/>
+          <a:chExt cx="0" cy="0"/>
+        </a:xfrm>
+      </p:grpSpPr>
+      <p:sp>
+        <p:nvSpPr>
+          <p:cNvPr id="2" name="Title 1">
+            <a:extLst>
+              <a:ext uri="{FF2B5EF4-FFF2-40B4-BE49-F238E27FC236}">
+                <a16:creationId xmlns:a16="http://schemas.microsoft.com/office/drawing/2014/main" id="{706C935F-66C6-5769-3D38-E3AEA8C9993C}"/>
+              </a:ext>
+            </a:extLst>
+          </p:cNvPr>
+          <p:cNvSpPr>
+            <a:spLocks noGrp="1"/>
+          </p:cNvSpPr>
+          <p:nvPr>
+            <p:ph type="title"/>
+          </p:nvPr>
+        </p:nvSpPr>
+        <p:spPr/>
+        <p:txBody>
+          <a:bodyPr/>
+          <a:lstStyle/>
+          <a:p>
+            <a:r>
+              <a:rPr lang="en-US" dirty="0"/>
+              <a:t>Synaptic integration</a:t>
+            </a:r>
+          </a:p>
+        </p:txBody>
+      </p:sp>
+      <p:grpSp>
+        <p:nvGrpSpPr>
+          <p:cNvPr id="10" name="Group 9">
+            <a:extLst>
+              <a:ext uri="{FF2B5EF4-FFF2-40B4-BE49-F238E27FC236}">
+                <a16:creationId xmlns:a16="http://schemas.microsoft.com/office/drawing/2014/main" id="{029BE3A8-A7EB-595A-24DD-CB08D616B730}"/>
+              </a:ext>
+            </a:extLst>
+          </p:cNvPr>
+          <p:cNvGrpSpPr/>
+          <p:nvPr/>
+        </p:nvGrpSpPr>
+        <p:grpSpPr>
+          <a:xfrm rot="10800000">
+            <a:off x="1304910" y="1879493"/>
+            <a:ext cx="7229489" cy="4365732"/>
+            <a:chOff x="923911" y="1365996"/>
+            <a:chExt cx="6623698" cy="3999908"/>
+          </a:xfrm>
+        </p:grpSpPr>
+        <p:pic>
+          <p:nvPicPr>
+            <p:cNvPr id="4" name="Picture 3">
+              <a:extLst>
+                <a:ext uri="{FF2B5EF4-FFF2-40B4-BE49-F238E27FC236}">
+                  <a16:creationId xmlns:a16="http://schemas.microsoft.com/office/drawing/2014/main" id="{A95F52F9-FBFA-F0AB-6E83-B43478E01746}"/>
+                </a:ext>
+              </a:extLst>
+            </p:cNvPr>
+            <p:cNvPicPr>
+              <a:picLocks noChangeAspect="1"/>
+            </p:cNvPicPr>
+            <p:nvPr/>
+          </p:nvPicPr>
+          <p:blipFill>
+            <a:blip r:embed="rId3"/>
+            <a:stretch>
+              <a:fillRect/>
+            </a:stretch>
+          </p:blipFill>
+          <p:spPr>
+            <a:xfrm>
+              <a:off x="923911" y="2471039"/>
+              <a:ext cx="3366149" cy="1361486"/>
+            </a:xfrm>
+            <a:prstGeom prst="rect">
+              <a:avLst/>
+            </a:prstGeom>
+          </p:spPr>
+        </p:pic>
+        <p:pic>
+          <p:nvPicPr>
+            <p:cNvPr id="6" name="Picture 5">
+              <a:extLst>
+                <a:ext uri="{FF2B5EF4-FFF2-40B4-BE49-F238E27FC236}">
+                  <a16:creationId xmlns:a16="http://schemas.microsoft.com/office/drawing/2014/main" id="{BDD48A01-C7C1-FC28-91C1-44C67E3E5156}"/>
+                </a:ext>
+              </a:extLst>
+            </p:cNvPr>
+            <p:cNvPicPr>
+              <a:picLocks noChangeAspect="1"/>
+            </p:cNvPicPr>
+            <p:nvPr/>
+          </p:nvPicPr>
+          <p:blipFill>
+            <a:blip r:embed="rId3"/>
+            <a:stretch>
+              <a:fillRect/>
+            </a:stretch>
+          </p:blipFill>
+          <p:spPr>
+            <a:xfrm rot="941488">
+              <a:off x="3162288" y="4004418"/>
+              <a:ext cx="3366146" cy="1361486"/>
+            </a:xfrm>
+            <a:prstGeom prst="rect">
+              <a:avLst/>
+            </a:prstGeom>
+          </p:spPr>
+        </p:pic>
+        <p:pic>
+          <p:nvPicPr>
+            <p:cNvPr id="7" name="Picture 6">
+              <a:extLst>
+                <a:ext uri="{FF2B5EF4-FFF2-40B4-BE49-F238E27FC236}">
+                  <a16:creationId xmlns:a16="http://schemas.microsoft.com/office/drawing/2014/main" id="{BDBBA70A-97C6-BBDA-E7F3-C01F4DF28F20}"/>
+                </a:ext>
+              </a:extLst>
+            </p:cNvPr>
+            <p:cNvPicPr>
+              <a:picLocks noChangeAspect="1"/>
+            </p:cNvPicPr>
+            <p:nvPr/>
+          </p:nvPicPr>
+          <p:blipFill>
+            <a:blip r:embed="rId3"/>
+            <a:stretch>
+              <a:fillRect/>
+            </a:stretch>
+          </p:blipFill>
+          <p:spPr>
+            <a:xfrm rot="21445380" flipV="1">
+              <a:off x="3664569" y="1365996"/>
+              <a:ext cx="3366147" cy="1361486"/>
+            </a:xfrm>
+            <a:prstGeom prst="rect">
+              <a:avLst/>
+            </a:prstGeom>
+          </p:spPr>
+        </p:pic>
+        <p:pic>
+          <p:nvPicPr>
+            <p:cNvPr id="9" name="Picture 8">
+              <a:extLst>
+                <a:ext uri="{FF2B5EF4-FFF2-40B4-BE49-F238E27FC236}">
+                  <a16:creationId xmlns:a16="http://schemas.microsoft.com/office/drawing/2014/main" id="{B8BFE8A0-5540-E6BE-9B9E-6F63CA93EA80}"/>
+                </a:ext>
+              </a:extLst>
+            </p:cNvPr>
+            <p:cNvPicPr>
+              <a:picLocks noChangeAspect="1"/>
+            </p:cNvPicPr>
+            <p:nvPr/>
+          </p:nvPicPr>
+          <p:blipFill>
+            <a:blip r:embed="rId3"/>
+            <a:stretch>
+              <a:fillRect/>
+            </a:stretch>
+          </p:blipFill>
+          <p:spPr>
+            <a:xfrm rot="21083102">
+              <a:off x="4181462" y="2748256"/>
+              <a:ext cx="3366147" cy="1361486"/>
+            </a:xfrm>
+            <a:prstGeom prst="rect">
+              <a:avLst/>
+            </a:prstGeom>
+          </p:spPr>
+        </p:pic>
+      </p:grpSp>
+      <p:sp>
+        <p:nvSpPr>
+          <p:cNvPr id="11" name="Oval 10">
+            <a:extLst>
+              <a:ext uri="{FF2B5EF4-FFF2-40B4-BE49-F238E27FC236}">
+                <a16:creationId xmlns:a16="http://schemas.microsoft.com/office/drawing/2014/main" id="{FF424C1F-1247-45CF-A9FD-4D104B9D6A22}"/>
+              </a:ext>
+            </a:extLst>
+          </p:cNvPr>
+          <p:cNvSpPr/>
+          <p:nvPr/>
+        </p:nvSpPr>
+        <p:spPr>
+          <a:xfrm>
+            <a:off x="3155950" y="2285775"/>
+            <a:ext cx="190725" cy="190725"/>
+          </a:xfrm>
+          <a:prstGeom prst="ellipse">
+            <a:avLst/>
+          </a:prstGeom>
+          <a:solidFill>
+            <a:srgbClr val="FF0000"/>
+          </a:solidFill>
+          <a:ln>
+            <a:noFill/>
+          </a:ln>
+        </p:spPr>
+        <p:style>
+          <a:lnRef idx="2">
+            <a:schemeClr val="accent1">
+              <a:shade val="50000"/>
+            </a:schemeClr>
+          </a:lnRef>
+          <a:fillRef idx="1">
+            <a:schemeClr val="accent1"/>
+          </a:fillRef>
+          <a:effectRef idx="0">
+            <a:schemeClr val="accent1"/>
+          </a:effectRef>
+          <a:fontRef idx="minor">
+            <a:schemeClr val="lt1"/>
+          </a:fontRef>
+        </p:style>
+        <p:txBody>
+          <a:bodyPr rtlCol="0" anchor="ctr"/>
+          <a:lstStyle/>
+          <a:p>
+            <a:pPr algn="ctr"/>
+            <a:endParaRPr lang="en-US"/>
+          </a:p>
+        </p:txBody>
+      </p:sp>
+      <mc:AlternateContent xmlns:mc="http://schemas.openxmlformats.org/markup-compatibility/2006" xmlns:a14="http://schemas.microsoft.com/office/drawing/2010/main">
+        <mc:Choice Requires="a14">
+          <p:sp>
+            <p:nvSpPr>
+              <p:cNvPr id="3" name="TextBox 2">
+                <a:extLst>
+                  <a:ext uri="{FF2B5EF4-FFF2-40B4-BE49-F238E27FC236}">
+                    <a16:creationId xmlns:a16="http://schemas.microsoft.com/office/drawing/2014/main" id="{2A17D6B5-85E8-3BD8-E86E-40E6670F110D}"/>
+                  </a:ext>
+                </a:extLst>
+              </p:cNvPr>
+              <p:cNvSpPr txBox="1"/>
+              <p:nvPr/>
+            </p:nvSpPr>
+            <p:spPr>
+              <a:xfrm>
+                <a:off x="6223793" y="3754222"/>
+                <a:ext cx="494045" cy="369332"/>
+              </a:xfrm>
+              <a:prstGeom prst="rect">
+                <a:avLst/>
+              </a:prstGeom>
+              <a:noFill/>
+            </p:spPr>
+            <p:txBody>
+              <a:bodyPr wrap="none" rtlCol="0">
+                <a:spAutoFit/>
+              </a:bodyPr>
+              <a:lstStyle/>
+              <a:p>
+                <a:pPr/>
+                <a14:m>
+                  <m:oMathPara xmlns:m="http://schemas.openxmlformats.org/officeDocument/2006/math">
+                    <m:oMathParaPr>
+                      <m:jc m:val="centerGroup"/>
+                    </m:oMathParaPr>
+                    <m:oMath xmlns:m="http://schemas.openxmlformats.org/officeDocument/2006/math">
+                      <m:sSub>
+                        <m:sSubPr>
+                          <m:ctrlPr>
+                            <a:rPr lang="fr-FR" b="0" i="1" smtClean="0">
+                              <a:latin typeface="Cambria Math" panose="02040503050406030204" pitchFamily="18" charset="0"/>
+                            </a:rPr>
+                          </m:ctrlPr>
+                        </m:sSubPr>
+                        <m:e>
+                          <m:r>
+                            <a:rPr lang="fr-FR" b="0" i="1" smtClean="0">
+                              <a:latin typeface="Cambria Math" panose="02040503050406030204" pitchFamily="18" charset="0"/>
+                            </a:rPr>
+                            <m:t>𝑁</m:t>
+                          </m:r>
+                        </m:e>
+                        <m:sub>
+                          <m:r>
+                            <a:rPr lang="fr-FR" b="0" i="1" smtClean="0">
+                              <a:latin typeface="Cambria Math" panose="02040503050406030204" pitchFamily="18" charset="0"/>
+                            </a:rPr>
+                            <m:t>0</m:t>
+                          </m:r>
+                        </m:sub>
+                      </m:sSub>
+                    </m:oMath>
+                  </m:oMathPara>
+                </a14:m>
+                <a:endParaRPr lang="fr-FR" b="0" dirty="0"/>
+              </a:p>
+            </p:txBody>
+          </p:sp>
+        </mc:Choice>
+        <mc:Fallback xmlns="">
+          <p:sp>
+            <p:nvSpPr>
+              <p:cNvPr id="3" name="TextBox 2">
+                <a:extLst>
+                  <a:ext uri="{FF2B5EF4-FFF2-40B4-BE49-F238E27FC236}">
+                    <a16:creationId xmlns:a16="http://schemas.microsoft.com/office/drawing/2014/main" id="{2A17D6B5-85E8-3BD8-E86E-40E6670F110D}"/>
+                  </a:ext>
+                </a:extLst>
+              </p:cNvPr>
+              <p:cNvSpPr txBox="1">
+                <a:spLocks noRot="1" noChangeAspect="1" noMove="1" noResize="1" noEditPoints="1" noAdjustHandles="1" noChangeArrowheads="1" noChangeShapeType="1" noTextEdit="1"/>
+              </p:cNvSpPr>
+              <p:nvPr/>
+            </p:nvSpPr>
+            <p:spPr>
+              <a:xfrm>
+                <a:off x="6223793" y="3754222"/>
+                <a:ext cx="494045" cy="369332"/>
+              </a:xfrm>
+              <a:prstGeom prst="rect">
+                <a:avLst/>
+              </a:prstGeom>
+              <a:blipFill>
+                <a:blip r:embed="rId4"/>
+                <a:stretch>
+                  <a:fillRect/>
+                </a:stretch>
+              </a:blipFill>
+            </p:spPr>
+            <p:txBody>
+              <a:bodyPr/>
+              <a:lstStyle/>
+              <a:p>
+                <a:r>
+                  <a:rPr lang="en-US">
+                    <a:noFill/>
+                  </a:rPr>
+                  <a:t> </a:t>
+                </a:r>
+              </a:p>
+            </p:txBody>
+          </p:sp>
+        </mc:Fallback>
+      </mc:AlternateContent>
+      <mc:AlternateContent xmlns:mc="http://schemas.openxmlformats.org/markup-compatibility/2006" xmlns:a14="http://schemas.microsoft.com/office/drawing/2010/main">
+        <mc:Choice Requires="a14">
+          <p:sp>
+            <p:nvSpPr>
+              <p:cNvPr id="12" name="TextBox 11">
+                <a:extLst>
+                  <a:ext uri="{FF2B5EF4-FFF2-40B4-BE49-F238E27FC236}">
+                    <a16:creationId xmlns:a16="http://schemas.microsoft.com/office/drawing/2014/main" id="{49C191BF-87D4-F951-3A29-C2CA3848A2E5}"/>
+                  </a:ext>
+                </a:extLst>
+              </p:cNvPr>
+              <p:cNvSpPr txBox="1"/>
+              <p:nvPr/>
+            </p:nvSpPr>
+            <p:spPr>
+              <a:xfrm>
+                <a:off x="2231655" y="2107168"/>
+                <a:ext cx="488724" cy="369332"/>
+              </a:xfrm>
+              <a:prstGeom prst="rect">
+                <a:avLst/>
+              </a:prstGeom>
+              <a:noFill/>
+            </p:spPr>
+            <p:txBody>
+              <a:bodyPr wrap="none" rtlCol="0">
+                <a:spAutoFit/>
+              </a:bodyPr>
+              <a:lstStyle/>
+              <a:p>
+                <a:pPr/>
+                <a14:m>
+                  <m:oMathPara xmlns:m="http://schemas.openxmlformats.org/officeDocument/2006/math">
+                    <m:oMathParaPr>
+                      <m:jc m:val="centerGroup"/>
+                    </m:oMathParaPr>
+                    <m:oMath xmlns:m="http://schemas.openxmlformats.org/officeDocument/2006/math">
+                      <m:sSub>
+                        <m:sSubPr>
+                          <m:ctrlPr>
+                            <a:rPr lang="fr-FR" b="0" i="1" smtClean="0">
+                              <a:latin typeface="Cambria Math" panose="02040503050406030204" pitchFamily="18" charset="0"/>
+                            </a:rPr>
+                          </m:ctrlPr>
+                        </m:sSubPr>
+                        <m:e>
+                          <m:r>
+                            <a:rPr lang="fr-FR" b="0" i="1" smtClean="0">
+                              <a:latin typeface="Cambria Math" panose="02040503050406030204" pitchFamily="18" charset="0"/>
+                            </a:rPr>
+                            <m:t>𝑁</m:t>
+                          </m:r>
+                        </m:e>
+                        <m:sub>
+                          <m:r>
+                            <a:rPr lang="fr-FR" b="0" i="1" smtClean="0">
+                              <a:latin typeface="Cambria Math" panose="02040503050406030204" pitchFamily="18" charset="0"/>
+                            </a:rPr>
+                            <m:t>1</m:t>
+                          </m:r>
+                        </m:sub>
+                      </m:sSub>
+                    </m:oMath>
+                  </m:oMathPara>
+                </a14:m>
+                <a:endParaRPr lang="fr-FR" b="0" dirty="0"/>
+              </a:p>
+            </p:txBody>
+          </p:sp>
+        </mc:Choice>
+        <mc:Fallback xmlns="">
+          <p:sp>
+            <p:nvSpPr>
+              <p:cNvPr id="12" name="TextBox 11">
+                <a:extLst>
+                  <a:ext uri="{FF2B5EF4-FFF2-40B4-BE49-F238E27FC236}">
+                    <a16:creationId xmlns:a16="http://schemas.microsoft.com/office/drawing/2014/main" id="{49C191BF-87D4-F951-3A29-C2CA3848A2E5}"/>
+                  </a:ext>
+                </a:extLst>
+              </p:cNvPr>
+              <p:cNvSpPr txBox="1">
+                <a:spLocks noRot="1" noChangeAspect="1" noMove="1" noResize="1" noEditPoints="1" noAdjustHandles="1" noChangeArrowheads="1" noChangeShapeType="1" noTextEdit="1"/>
+              </p:cNvSpPr>
+              <p:nvPr/>
+            </p:nvSpPr>
+            <p:spPr>
+              <a:xfrm>
+                <a:off x="2231655" y="2107168"/>
+                <a:ext cx="488724" cy="369332"/>
+              </a:xfrm>
+              <a:prstGeom prst="rect">
+                <a:avLst/>
+              </a:prstGeom>
+              <a:blipFill>
+                <a:blip r:embed="rId5"/>
+                <a:stretch>
+                  <a:fillRect/>
+                </a:stretch>
+              </a:blipFill>
+            </p:spPr>
+            <p:txBody>
+              <a:bodyPr/>
+              <a:lstStyle/>
+              <a:p>
+                <a:r>
+                  <a:rPr lang="en-US">
+                    <a:noFill/>
+                  </a:rPr>
+                  <a:t> </a:t>
+                </a:r>
+              </a:p>
+            </p:txBody>
+          </p:sp>
+        </mc:Fallback>
+      </mc:AlternateContent>
+      <mc:AlternateContent xmlns:mc="http://schemas.openxmlformats.org/markup-compatibility/2006" xmlns:a14="http://schemas.microsoft.com/office/drawing/2010/main">
+        <mc:Choice Requires="a14">
+          <p:sp>
+            <p:nvSpPr>
+              <p:cNvPr id="13" name="TextBox 12">
+                <a:extLst>
+                  <a:ext uri="{FF2B5EF4-FFF2-40B4-BE49-F238E27FC236}">
+                    <a16:creationId xmlns:a16="http://schemas.microsoft.com/office/drawing/2014/main" id="{4D6FE56D-F4CB-3426-086C-D1DA1CF9B3EB}"/>
+                  </a:ext>
+                </a:extLst>
+              </p:cNvPr>
+              <p:cNvSpPr txBox="1"/>
+              <p:nvPr/>
+            </p:nvSpPr>
+            <p:spPr>
+              <a:xfrm>
+                <a:off x="1851013" y="5946155"/>
+                <a:ext cx="494046" cy="369332"/>
+              </a:xfrm>
+              <a:prstGeom prst="rect">
+                <a:avLst/>
+              </a:prstGeom>
+              <a:noFill/>
+            </p:spPr>
+            <p:txBody>
+              <a:bodyPr wrap="none" rtlCol="0">
+                <a:spAutoFit/>
+              </a:bodyPr>
+              <a:lstStyle/>
+              <a:p>
+                <a:pPr/>
+                <a14:m>
+                  <m:oMathPara xmlns:m="http://schemas.openxmlformats.org/officeDocument/2006/math">
+                    <m:oMathParaPr>
+                      <m:jc m:val="centerGroup"/>
+                    </m:oMathParaPr>
+                    <m:oMath xmlns:m="http://schemas.openxmlformats.org/officeDocument/2006/math">
+                      <m:sSub>
+                        <m:sSubPr>
+                          <m:ctrlPr>
+                            <a:rPr lang="fr-FR" b="0" i="1" smtClean="0">
+                              <a:latin typeface="Cambria Math" panose="02040503050406030204" pitchFamily="18" charset="0"/>
+                            </a:rPr>
+                          </m:ctrlPr>
+                        </m:sSubPr>
+                        <m:e>
+                          <m:r>
+                            <a:rPr lang="fr-FR" b="0" i="1" smtClean="0">
+                              <a:latin typeface="Cambria Math" panose="02040503050406030204" pitchFamily="18" charset="0"/>
+                            </a:rPr>
+                            <m:t>𝑁</m:t>
+                          </m:r>
+                        </m:e>
+                        <m:sub>
+                          <m:r>
+                            <a:rPr lang="fr-FR" b="0" i="1" smtClean="0">
+                              <a:latin typeface="Cambria Math" panose="02040503050406030204" pitchFamily="18" charset="0"/>
+                            </a:rPr>
+                            <m:t>3</m:t>
+                          </m:r>
+                        </m:sub>
+                      </m:sSub>
+                    </m:oMath>
+                  </m:oMathPara>
+                </a14:m>
+                <a:endParaRPr lang="fr-FR" b="0" dirty="0"/>
+              </a:p>
+            </p:txBody>
+          </p:sp>
+        </mc:Choice>
+        <mc:Fallback xmlns="">
+          <p:sp>
+            <p:nvSpPr>
+              <p:cNvPr id="13" name="TextBox 12">
+                <a:extLst>
+                  <a:ext uri="{FF2B5EF4-FFF2-40B4-BE49-F238E27FC236}">
+                    <a16:creationId xmlns:a16="http://schemas.microsoft.com/office/drawing/2014/main" id="{4D6FE56D-F4CB-3426-086C-D1DA1CF9B3EB}"/>
+                  </a:ext>
+                </a:extLst>
+              </p:cNvPr>
+              <p:cNvSpPr txBox="1">
+                <a:spLocks noRot="1" noChangeAspect="1" noMove="1" noResize="1" noEditPoints="1" noAdjustHandles="1" noChangeArrowheads="1" noChangeShapeType="1" noTextEdit="1"/>
+              </p:cNvSpPr>
+              <p:nvPr/>
+            </p:nvSpPr>
+            <p:spPr>
+              <a:xfrm>
+                <a:off x="1851013" y="5946155"/>
+                <a:ext cx="494046" cy="369332"/>
+              </a:xfrm>
+              <a:prstGeom prst="rect">
+                <a:avLst/>
+              </a:prstGeom>
+              <a:blipFill>
+                <a:blip r:embed="rId6"/>
+                <a:stretch>
+                  <a:fillRect/>
+                </a:stretch>
+              </a:blipFill>
+            </p:spPr>
+            <p:txBody>
+              <a:bodyPr/>
+              <a:lstStyle/>
+              <a:p>
+                <a:r>
+                  <a:rPr lang="en-US">
+                    <a:noFill/>
+                  </a:rPr>
+                  <a:t> </a:t>
+                </a:r>
+              </a:p>
+            </p:txBody>
+          </p:sp>
+        </mc:Fallback>
+      </mc:AlternateContent>
+      <mc:AlternateContent xmlns:mc="http://schemas.openxmlformats.org/markup-compatibility/2006" xmlns:a14="http://schemas.microsoft.com/office/drawing/2010/main">
+        <mc:Choice Requires="a14">
+          <p:sp>
+            <p:nvSpPr>
+              <p:cNvPr id="14" name="TextBox 13">
+                <a:extLst>
+                  <a:ext uri="{FF2B5EF4-FFF2-40B4-BE49-F238E27FC236}">
+                    <a16:creationId xmlns:a16="http://schemas.microsoft.com/office/drawing/2014/main" id="{97269C53-6EF7-A3AD-94A9-766BD9D0A834}"/>
+                  </a:ext>
+                </a:extLst>
+              </p:cNvPr>
+              <p:cNvSpPr txBox="1"/>
+              <p:nvPr/>
+            </p:nvSpPr>
+            <p:spPr>
+              <a:xfrm>
+                <a:off x="1148455" y="3433041"/>
+                <a:ext cx="494046" cy="369332"/>
+              </a:xfrm>
+              <a:prstGeom prst="rect">
+                <a:avLst/>
+              </a:prstGeom>
+              <a:noFill/>
+            </p:spPr>
+            <p:txBody>
+              <a:bodyPr wrap="none" rtlCol="0">
+                <a:spAutoFit/>
+              </a:bodyPr>
+              <a:lstStyle/>
+              <a:p>
+                <a:pPr/>
+                <a14:m>
+                  <m:oMathPara xmlns:m="http://schemas.openxmlformats.org/officeDocument/2006/math">
+                    <m:oMathParaPr>
+                      <m:jc m:val="centerGroup"/>
+                    </m:oMathParaPr>
+                    <m:oMath xmlns:m="http://schemas.openxmlformats.org/officeDocument/2006/math">
+                      <m:sSub>
+                        <m:sSubPr>
+                          <m:ctrlPr>
+                            <a:rPr lang="fr-FR" b="0" i="1" smtClean="0">
+                              <a:latin typeface="Cambria Math" panose="02040503050406030204" pitchFamily="18" charset="0"/>
+                            </a:rPr>
+                          </m:ctrlPr>
+                        </m:sSubPr>
+                        <m:e>
+                          <m:r>
+                            <a:rPr lang="fr-FR" b="0" i="1" smtClean="0">
+                              <a:latin typeface="Cambria Math" panose="02040503050406030204" pitchFamily="18" charset="0"/>
+                            </a:rPr>
+                            <m:t>𝑁</m:t>
+                          </m:r>
+                        </m:e>
+                        <m:sub>
+                          <m:r>
+                            <a:rPr lang="fr-FR" b="0" i="1" smtClean="0">
+                              <a:latin typeface="Cambria Math" panose="02040503050406030204" pitchFamily="18" charset="0"/>
+                            </a:rPr>
+                            <m:t>2</m:t>
+                          </m:r>
+                        </m:sub>
+                      </m:sSub>
+                    </m:oMath>
+                  </m:oMathPara>
+                </a14:m>
+                <a:endParaRPr lang="fr-FR" b="0" dirty="0"/>
+              </a:p>
+            </p:txBody>
+          </p:sp>
+        </mc:Choice>
+        <mc:Fallback xmlns="">
+          <p:sp>
+            <p:nvSpPr>
+              <p:cNvPr id="14" name="TextBox 13">
+                <a:extLst>
+                  <a:ext uri="{FF2B5EF4-FFF2-40B4-BE49-F238E27FC236}">
+                    <a16:creationId xmlns:a16="http://schemas.microsoft.com/office/drawing/2014/main" id="{97269C53-6EF7-A3AD-94A9-766BD9D0A834}"/>
+                  </a:ext>
+                </a:extLst>
+              </p:cNvPr>
+              <p:cNvSpPr txBox="1">
+                <a:spLocks noRot="1" noChangeAspect="1" noMove="1" noResize="1" noEditPoints="1" noAdjustHandles="1" noChangeArrowheads="1" noChangeShapeType="1" noTextEdit="1"/>
+              </p:cNvSpPr>
+              <p:nvPr/>
+            </p:nvSpPr>
+            <p:spPr>
+              <a:xfrm>
+                <a:off x="1148455" y="3433041"/>
+                <a:ext cx="494046" cy="369332"/>
+              </a:xfrm>
+              <a:prstGeom prst="rect">
+                <a:avLst/>
+              </a:prstGeom>
+              <a:blipFill>
+                <a:blip r:embed="rId7"/>
+                <a:stretch>
+                  <a:fillRect/>
+                </a:stretch>
+              </a:blipFill>
+            </p:spPr>
+            <p:txBody>
+              <a:bodyPr/>
+              <a:lstStyle/>
+              <a:p>
+                <a:r>
+                  <a:rPr lang="en-US">
+                    <a:noFill/>
+                  </a:rPr>
+                  <a:t> </a:t>
+                </a:r>
+              </a:p>
+            </p:txBody>
+          </p:sp>
+        </mc:Fallback>
+      </mc:AlternateContent>
+    </p:spTree>
+    <p:extLst>
+      <p:ext uri="{BB962C8B-B14F-4D97-AF65-F5344CB8AC3E}">
+        <p14:creationId xmlns:p14="http://schemas.microsoft.com/office/powerpoint/2010/main" val="3145658015"/>
+      </p:ext>
+    </p:extLst>
+  </p:cSld>
+  <p:clrMapOvr>
+    <a:masterClrMapping/>
+  </p:clrMapOvr>
+  <p:timing>
+    <p:tnLst>
+      <p:par>
+        <p:cTn id="1" dur="indefinite" restart="never" nodeType="tmRoot">
+          <p:childTnLst>
+            <p:seq concurrent="1" nextAc="seek">
+              <p:cTn id="2" dur="indefinite" nodeType="mainSeq">
+                <p:childTnLst>
+                  <p:par>
+                    <p:cTn id="3" fill="hold">
+                      <p:stCondLst>
+                        <p:cond delay="indefinite"/>
+                      </p:stCondLst>
+                      <p:childTnLst>
+                        <p:par>
+                          <p:cTn id="4" fill="hold">
+                            <p:stCondLst>
+                              <p:cond delay="0"/>
+                            </p:stCondLst>
+                            <p:childTnLst>
+                              <p:par>
+                                <p:cTn id="5" presetID="0" presetClass="path" presetSubtype="0" accel="50000" decel="50000" fill="hold" grpId="0" nodeType="clickEffect">
+                                  <p:stCondLst>
+                                    <p:cond delay="0"/>
+                                  </p:stCondLst>
+                                  <p:childTnLst>
+                                    <p:animMotion origin="layout" path="M 3.33333E-6 -2.22222E-6 L 3.33333E-6 -2.22222E-6 C 0.00091 -2.22222E-6 0.00208 0.0007 0.00325 0.00139 C 0.0039 0.00162 0.00481 0.00185 0.0056 0.00232 C 0.00599 0.00232 0.00638 0.00278 0.0069 0.00324 C 0.00755 0.00347 0.00911 0.00371 0.00976 0.00417 C 0.0108 0.0044 0.01172 0.00509 0.01289 0.00556 C 0.01328 0.00556 0.01367 0.00579 0.01419 0.00602 C 0.0151 0.00625 0.01536 0.00648 0.01653 0.00695 C 0.01718 0.00695 0.0181 0.00718 0.01888 0.00741 C 0.02135 0.00834 0.02369 0.00949 0.02643 0.01019 C 0.02721 0.01019 0.02799 0.01042 0.02877 0.01065 C 0.02929 0.01065 0.02968 0.01088 0.03034 0.01111 C 0.03086 0.01111 0.03151 0.01134 0.03216 0.01181 C 0.03268 0.01181 0.0332 0.01204 0.03372 0.01227 C 0.03398 0.01227 0.03437 0.0125 0.03476 0.01273 C 0.03541 0.01273 0.03632 0.01297 0.03711 0.0132 C 0.03867 0.01343 0.03802 0.01343 0.03945 0.01412 C 0.04192 0.01459 0.03997 0.01412 0.04284 0.01482 C 0.0431 0.01482 0.04349 0.01505 0.04388 0.01528 C 0.0444 0.01528 0.04505 0.01551 0.0457 0.01574 C 0.04726 0.01667 0.04557 0.01574 0.04856 0.01667 C 0.04882 0.01667 0.04922 0.0169 0.04961 0.01713 C 0.05039 0.01736 0.0513 0.01759 0.05221 0.01806 L 0.05403 0.01898 C 0.05429 0.01898 0.05455 0.01922 0.05481 0.01945 C 0.05534 0.01968 0.05586 0.02014 0.05638 0.02084 C 0.05664 0.02107 0.05677 0.02153 0.05716 0.02176 C 0.05768 0.02199 0.05833 0.02222 0.05898 0.02269 C 0.05937 0.02315 0.05976 0.02384 0.06028 0.02431 C 0.06185 0.0257 0.06106 0.02454 0.06237 0.02616 C 0.06653 0.03148 0.06146 0.025 0.06445 0.0294 C 0.06458 0.02963 0.06497 0.02963 0.06523 0.03009 C 0.06614 0.03125 0.06627 0.03172 0.06757 0.03287 C 0.06771 0.03287 0.0681 0.0331 0.06836 0.03334 C 0.06862 0.03357 0.06875 0.03403 0.06914 0.03426 C 0.06979 0.03472 0.07148 0.03588 0.07148 0.03611 C 0.07213 0.03658 0.07343 0.03843 0.07409 0.03912 C 0.07435 0.03935 0.07474 0.03912 0.07513 0.03959 C 0.07591 0.04005 0.07682 0.04121 0.07773 0.0419 C 0.07929 0.04306 0.08125 0.04375 0.08294 0.04445 C 0.08528 0.0456 0.08476 0.0456 0.08711 0.04676 C 0.08776 0.04699 0.08867 0.04746 0.08945 0.04792 C 0.09023 0.04815 0.09114 0.04884 0.09205 0.04931 C 0.09271 0.04954 0.09336 0.04977 0.09414 0.05023 C 0.09453 0.05047 0.09492 0.0507 0.09544 0.05116 C 0.09583 0.05116 0.09622 0.05139 0.09674 0.05162 C 0.09713 0.05185 0.09752 0.05232 0.09804 0.05255 C 0.09882 0.05278 0.09974 0.05301 0.10065 0.05347 C 0.10651 0.05602 0.10351 0.05486 0.10794 0.05718 C 0.10859 0.05741 0.10924 0.05764 0.11002 0.0581 C 0.11106 0.05857 0.1125 0.05996 0.11341 0.06088 C 0.11445 0.06181 0.11523 0.0625 0.11653 0.0632 C 0.12018 0.06459 0.122 0.06412 0.12643 0.06459 C 0.12682 0.06459 0.12929 0.06459 0.13034 0.06551 C 0.1306 0.06551 0.13073 0.06621 0.13112 0.06644 C 0.13151 0.06667 0.13216 0.0669 0.13268 0.06736 C 0.1332 0.06806 0.13424 0.06945 0.13502 0.07014 C 0.13567 0.07037 0.13632 0.0706 0.13711 0.0713 C 0.13906 0.07222 0.13828 0.07222 0.14049 0.07315 C 0.14231 0.07384 0.14453 0.07384 0.14648 0.07408 C 0.14752 0.07408 0.14869 0.07431 0.14987 0.07454 C 0.15286 0.07523 0.14935 0.07408 0.15247 0.07616 C 0.15299 0.07639 0.15364 0.07662 0.15429 0.07709 C 0.15703 0.08056 0.15534 0.07871 0.1595 0.08172 L 0.1595 0.08195 C 0.16132 0.0838 0.16028 0.0831 0.16263 0.0838 C 0.16458 0.08519 0.16315 0.08426 0.16523 0.08519 C 0.16744 0.08611 0.16692 0.08588 0.16914 0.08704 C 0.1694 0.08704 0.16979 0.08727 0.17018 0.0875 C 0.1707 0.08773 0.172 0.08912 0.17252 0.08959 C 0.17278 0.08982 0.17304 0.09005 0.1733 0.09051 C 0.17356 0.09074 0.17369 0.09144 0.17409 0.0919 C 0.17435 0.09236 0.17617 0.09422 0.17669 0.09537 C 0.17799 0.09769 0.17604 0.09584 0.17825 0.09861 C 0.1832 0.10463 0.17877 0.09908 0.18242 0.10232 C 0.1858 0.10509 0.18151 0.10162 0.18424 0.10371 C 0.1845 0.10394 0.18489 0.10417 0.18528 0.10463 C 0.18541 0.10463 0.1858 0.10463 0.18606 0.10486 C 0.18698 0.10556 0.18698 0.10625 0.18789 0.10787 C 0.18802 0.1081 0.18841 0.10834 0.18867 0.1088 C 0.1888 0.10926 0.18893 0.10972 0.18919 0.11019 C 0.18932 0.11065 0.18971 0.11088 0.18997 0.11158 C 0.19023 0.11227 0.19049 0.11482 0.19075 0.11621 C 0.19049 0.12963 0.19062 0.12755 0.19023 0.13704 C 0.18997 0.1419 0.19023 0.14005 0.18971 0.14306 C 0.18984 0.14977 0.18971 0.15047 0.19023 0.15602 C 0.19023 0.15672 0.19036 0.15741 0.19049 0.15834 C 0.19062 0.15949 0.19101 0.16204 0.19101 0.16227 C 0.19088 0.16551 0.19101 0.16968 0.19075 0.17361 C 0.19062 0.17431 0.1901 0.17477 0.18997 0.17547 C 0.18971 0.1757 0.18958 0.17616 0.18945 0.17685 C 0.18802 0.18102 0.18997 0.17616 0.18789 0.18056 C 0.18763 0.18079 0.1875 0.18125 0.18737 0.18195 C 0.18632 0.18449 0.18659 0.18357 0.18606 0.18658 C 0.18593 0.18797 0.1858 0.18935 0.1858 0.19097 C 0.18554 0.19306 0.18528 0.19722 0.18528 0.19746 C 0.18489 0.20926 0.18489 0.20533 0.18528 0.21968 C 0.18528 0.2213 0.18541 0.22593 0.1858 0.22847 C 0.18619 0.23125 0.18659 0.23449 0.18737 0.2375 C 0.18776 0.23935 0.18828 0.24028 0.18867 0.24236 C 0.18867 0.24306 0.1888 0.24375 0.18893 0.24468 C 0.18906 0.24537 0.18919 0.24607 0.18945 0.24699 C 0.18971 0.24861 0.18958 0.24861 0.18997 0.25047 C 0.19062 0.25347 0.19049 0.25139 0.19101 0.25533 C 0.19101 0.25625 0.19114 0.25741 0.19127 0.25857 C 0.19127 0.25903 0.1914 0.25972 0.19153 0.26042 C 0.19153 0.26134 0.19166 0.26204 0.19179 0.26297 C 0.19192 0.26366 0.19205 0.26435 0.19231 0.26528 C 0.19231 0.26597 0.19231 0.26667 0.19257 0.26759 C 0.19257 0.26806 0.19284 0.26875 0.1931 0.26945 C 0.1931 0.26968 0.19323 0.27037 0.19336 0.27107 C 0.19349 0.27246 0.19388 0.27384 0.19414 0.27547 C 0.19414 0.27593 0.19414 0.27662 0.1944 0.27732 C 0.19453 0.27778 0.19492 0.27801 0.19518 0.27871 C 0.19687 0.28218 0.19531 0.2794 0.19622 0.28102 L 0.1983 0.28496 " pathEditMode="relative" rAng="0" ptsTypes="AAAAAAAAAAAAAAAAAAAAAAAAAAAAAAAAAAAAAAAAAAAAAAAAAAAAAAAAAAAAAAAAAAAAAAAAAAAAAAAAAAAAAAAAAAAAAAAAAAAAAAAAAAAAAAAAAAAAA">
+                                      <p:cBhvr>
+                                        <p:cTn id="6" dur="2000" fill="hold"/>
+                                        <p:tgtEl>
+                                          <p:spTgt spid="11"/>
+                                        </p:tgtEl>
+                                        <p:attrNameLst>
+                                          <p:attrName>ppt_x</p:attrName>
+                                          <p:attrName>ppt_y</p:attrName>
+                                        </p:attrNameLst>
+                                      </p:cBhvr>
+                                      <p:rCtr x="9909" y="14236"/>
+                                    </p:animMotion>
+                                  </p:childTnLst>
+                                </p:cTn>
+                              </p:par>
+                            </p:childTnLst>
+                          </p:cTn>
+                        </p:par>
+                      </p:childTnLst>
+                    </p:cTn>
+                  </p:par>
+                  <p:par>
+                    <p:cTn id="7" fill="hold">
+                      <p:stCondLst>
+                        <p:cond delay="indefinite"/>
+                      </p:stCondLst>
+                      <p:childTnLst>
+                        <p:par>
+                          <p:cTn id="8" fill="hold">
+                            <p:stCondLst>
+                              <p:cond delay="0"/>
+                            </p:stCondLst>
+                            <p:childTnLst>
+                              <p:par>
+                                <p:cTn id="9" presetID="10" presetClass="exit" presetSubtype="0" fill="hold" grpId="1" nodeType="clickEffect">
+                                  <p:stCondLst>
+                                    <p:cond delay="0"/>
+                                  </p:stCondLst>
+                                  <p:childTnLst>
+                                    <p:animEffect transition="out" filter="fade">
+                                      <p:cBhvr>
+                                        <p:cTn id="10" dur="500"/>
+                                        <p:tgtEl>
+                                          <p:spTgt spid="11"/>
+                                        </p:tgtEl>
+                                      </p:cBhvr>
+                                    </p:animEffect>
+                                    <p:set>
+                                      <p:cBhvr>
+                                        <p:cTn id="11" dur="1" fill="hold">
+                                          <p:stCondLst>
+                                            <p:cond delay="499"/>
+                                          </p:stCondLst>
+                                        </p:cTn>
+                                        <p:tgtEl>
+                                          <p:spTgt spid="11"/>
+                                        </p:tgtEl>
+                                        <p:attrNameLst>
+                                          <p:attrName>style.visibility</p:attrName>
+                                        </p:attrNameLst>
+                                      </p:cBhvr>
+                                      <p:to>
+                                        <p:strVal val="hidden"/>
+                                      </p:to>
+                                    </p:set>
+                                  </p:childTnLst>
+                                </p:cTn>
+                              </p:par>
+                            </p:childTnLst>
+                          </p:cTn>
+                        </p:par>
+                      </p:childTnLst>
+                    </p:cTn>
+                  </p:par>
+                </p:childTnLst>
+              </p:cTn>
+              <p:prevCondLst>
+                <p:cond evt="onPrev" delay="0">
+                  <p:tgtEl>
+                    <p:sldTgt/>
+                  </p:tgtEl>
+                </p:cond>
+              </p:prevCondLst>
+              <p:nextCondLst>
+                <p:cond evt="onNext" delay="0">
+                  <p:tgtEl>
+                    <p:sldTgt/>
+                  </p:tgtEl>
+                </p:cond>
+              </p:nextCondLst>
+            </p:seq>
+          </p:childTnLst>
+        </p:cTn>
+      </p:par>
+    </p:tnLst>
+    <p:bldLst>
+      <p:bldP spid="11" grpId="0" animBg="1"/>
+      <p:bldP spid="11" grpId="1" animBg="1"/>
+    </p:bldLst>
+  </p:timing>
+</p:sld>
+</file>
+
+<file path=ppt/slides/slide5.xml><?xml version="1.0" encoding="utf-8"?>
+<p:sld xmlns:a="http://schemas.openxmlformats.org/drawingml/2006/main" xmlns:r="http://schemas.openxmlformats.org/officeDocument/2006/relationships" xmlns:p="http://schemas.openxmlformats.org/presentationml/2006/main">
+  <p:cSld>
+    <p:spTree>
+      <p:nvGrpSpPr>
+        <p:cNvPr id="1" name=""/>
+        <p:cNvGrpSpPr/>
+        <p:nvPr/>
+      </p:nvGrpSpPr>
+      <p:grpSpPr>
+        <a:xfrm>
+          <a:off x="0" y="0"/>
+          <a:ext cx="0" cy="0"/>
+          <a:chOff x="0" y="0"/>
+          <a:chExt cx="0" cy="0"/>
+        </a:xfrm>
+      </p:grpSpPr>
+      <p:sp>
+        <p:nvSpPr>
+          <p:cNvPr id="2" name="Title 1">
+            <a:extLst>
+              <a:ext uri="{FF2B5EF4-FFF2-40B4-BE49-F238E27FC236}">
+                <a16:creationId xmlns:a16="http://schemas.microsoft.com/office/drawing/2014/main" id="{706C935F-66C6-5769-3D38-E3AEA8C9993C}"/>
+              </a:ext>
+            </a:extLst>
+          </p:cNvPr>
+          <p:cNvSpPr>
+            <a:spLocks noGrp="1"/>
+          </p:cNvSpPr>
+          <p:nvPr>
+            <p:ph type="title"/>
+          </p:nvPr>
+        </p:nvSpPr>
+        <p:spPr/>
+        <p:txBody>
+          <a:bodyPr/>
+          <a:lstStyle/>
+          <a:p>
+            <a:r>
+              <a:rPr lang="en-US" dirty="0"/>
+              <a:t>Synaptic integration</a:t>
+            </a:r>
+            <a:endParaRPr lang="fr-FR" dirty="0"/>
+          </a:p>
+        </p:txBody>
+      </p:sp>
+      <p:grpSp>
+        <p:nvGrpSpPr>
+          <p:cNvPr id="10" name="Group 9">
+            <a:extLst>
+              <a:ext uri="{FF2B5EF4-FFF2-40B4-BE49-F238E27FC236}">
+                <a16:creationId xmlns:a16="http://schemas.microsoft.com/office/drawing/2014/main" id="{029BE3A8-A7EB-595A-24DD-CB08D616B730}"/>
+              </a:ext>
+            </a:extLst>
+          </p:cNvPr>
+          <p:cNvGrpSpPr/>
+          <p:nvPr/>
+        </p:nvGrpSpPr>
+        <p:grpSpPr>
+          <a:xfrm rot="10800000">
+            <a:off x="1304910" y="1879493"/>
+            <a:ext cx="7229489" cy="4365732"/>
+            <a:chOff x="923911" y="1365996"/>
+            <a:chExt cx="6623698" cy="3999908"/>
+          </a:xfrm>
+        </p:grpSpPr>
+        <p:pic>
+          <p:nvPicPr>
+            <p:cNvPr id="4" name="Picture 3">
+              <a:extLst>
+                <a:ext uri="{FF2B5EF4-FFF2-40B4-BE49-F238E27FC236}">
+                  <a16:creationId xmlns:a16="http://schemas.microsoft.com/office/drawing/2014/main" id="{A95F52F9-FBFA-F0AB-6E83-B43478E01746}"/>
+                </a:ext>
+              </a:extLst>
+            </p:cNvPr>
+            <p:cNvPicPr>
+              <a:picLocks noChangeAspect="1"/>
+            </p:cNvPicPr>
+            <p:nvPr/>
+          </p:nvPicPr>
+          <p:blipFill>
+            <a:blip r:embed="rId3"/>
+            <a:stretch>
+              <a:fillRect/>
+            </a:stretch>
+          </p:blipFill>
+          <p:spPr>
+            <a:xfrm>
+              <a:off x="923911" y="2471039"/>
+              <a:ext cx="3366149" cy="1361486"/>
+            </a:xfrm>
+            <a:prstGeom prst="rect">
+              <a:avLst/>
+            </a:prstGeom>
+          </p:spPr>
+        </p:pic>
+        <p:pic>
+          <p:nvPicPr>
+            <p:cNvPr id="6" name="Picture 5">
+              <a:extLst>
+                <a:ext uri="{FF2B5EF4-FFF2-40B4-BE49-F238E27FC236}">
+                  <a16:creationId xmlns:a16="http://schemas.microsoft.com/office/drawing/2014/main" id="{BDD48A01-C7C1-FC28-91C1-44C67E3E5156}"/>
+                </a:ext>
+              </a:extLst>
+            </p:cNvPr>
+            <p:cNvPicPr>
+              <a:picLocks noChangeAspect="1"/>
+            </p:cNvPicPr>
+            <p:nvPr/>
+          </p:nvPicPr>
+          <p:blipFill>
+            <a:blip r:embed="rId3"/>
+            <a:stretch>
+              <a:fillRect/>
+            </a:stretch>
+          </p:blipFill>
+          <p:spPr>
+            <a:xfrm rot="941488">
+              <a:off x="3162287" y="4004418"/>
+              <a:ext cx="3366146" cy="1361486"/>
+            </a:xfrm>
+            <a:prstGeom prst="rect">
+              <a:avLst/>
+            </a:prstGeom>
+          </p:spPr>
+        </p:pic>
+        <p:pic>
+          <p:nvPicPr>
+            <p:cNvPr id="7" name="Picture 6">
+              <a:extLst>
+                <a:ext uri="{FF2B5EF4-FFF2-40B4-BE49-F238E27FC236}">
+                  <a16:creationId xmlns:a16="http://schemas.microsoft.com/office/drawing/2014/main" id="{BDBBA70A-97C6-BBDA-E7F3-C01F4DF28F20}"/>
+                </a:ext>
+              </a:extLst>
+            </p:cNvPr>
+            <p:cNvPicPr>
+              <a:picLocks noChangeAspect="1"/>
+            </p:cNvPicPr>
+            <p:nvPr/>
+          </p:nvPicPr>
+          <p:blipFill>
+            <a:blip r:embed="rId3"/>
+            <a:stretch>
+              <a:fillRect/>
+            </a:stretch>
+          </p:blipFill>
+          <p:spPr>
+            <a:xfrm rot="21445380" flipV="1">
+              <a:off x="3664568" y="1365996"/>
+              <a:ext cx="3366147" cy="1361486"/>
+            </a:xfrm>
+            <a:prstGeom prst="rect">
+              <a:avLst/>
+            </a:prstGeom>
+          </p:spPr>
+        </p:pic>
+        <p:pic>
+          <p:nvPicPr>
+            <p:cNvPr id="9" name="Picture 8">
+              <a:extLst>
+                <a:ext uri="{FF2B5EF4-FFF2-40B4-BE49-F238E27FC236}">
+                  <a16:creationId xmlns:a16="http://schemas.microsoft.com/office/drawing/2014/main" id="{B8BFE8A0-5540-E6BE-9B9E-6F63CA93EA80}"/>
+                </a:ext>
+              </a:extLst>
+            </p:cNvPr>
+            <p:cNvPicPr>
+              <a:picLocks noChangeAspect="1"/>
+            </p:cNvPicPr>
+            <p:nvPr/>
+          </p:nvPicPr>
+          <p:blipFill>
+            <a:blip r:embed="rId3"/>
+            <a:stretch>
+              <a:fillRect/>
+            </a:stretch>
+          </p:blipFill>
+          <p:spPr>
+            <a:xfrm rot="21083102">
+              <a:off x="4181462" y="2748256"/>
+              <a:ext cx="3366147" cy="1361486"/>
+            </a:xfrm>
+            <a:prstGeom prst="rect">
+              <a:avLst/>
+            </a:prstGeom>
+          </p:spPr>
+        </p:pic>
+      </p:grpSp>
+      <p:sp>
+        <p:nvSpPr>
+          <p:cNvPr id="11" name="Oval 10">
+            <a:extLst>
+              <a:ext uri="{FF2B5EF4-FFF2-40B4-BE49-F238E27FC236}">
+                <a16:creationId xmlns:a16="http://schemas.microsoft.com/office/drawing/2014/main" id="{FF424C1F-1247-45CF-A9FD-4D104B9D6A22}"/>
+              </a:ext>
+            </a:extLst>
+          </p:cNvPr>
+          <p:cNvSpPr/>
+          <p:nvPr/>
+        </p:nvSpPr>
+        <p:spPr>
+          <a:xfrm>
+            <a:off x="3012282" y="2141015"/>
+            <a:ext cx="466454" cy="466454"/>
+          </a:xfrm>
+          <a:prstGeom prst="ellipse">
+            <a:avLst/>
+          </a:prstGeom>
+          <a:solidFill>
+            <a:srgbClr val="FF0000"/>
+          </a:solidFill>
+          <a:ln>
+            <a:noFill/>
+          </a:ln>
+        </p:spPr>
+        <p:style>
+          <a:lnRef idx="2">
+            <a:schemeClr val="accent1">
+              <a:shade val="50000"/>
+            </a:schemeClr>
+          </a:lnRef>
+          <a:fillRef idx="1">
+            <a:schemeClr val="accent1"/>
+          </a:fillRef>
+          <a:effectRef idx="0">
+            <a:schemeClr val="accent1"/>
+          </a:effectRef>
+          <a:fontRef idx="minor">
+            <a:schemeClr val="lt1"/>
+          </a:fontRef>
+        </p:style>
+        <p:txBody>
+          <a:bodyPr rtlCol="0" anchor="ctr"/>
+          <a:lstStyle/>
+          <a:p>
+            <a:pPr algn="ctr"/>
+            <a:endParaRPr lang="en-US"/>
+          </a:p>
+        </p:txBody>
+      </p:sp>
+      <mc:AlternateContent xmlns:mc="http://schemas.openxmlformats.org/markup-compatibility/2006" xmlns:a14="http://schemas.microsoft.com/office/drawing/2010/main">
+        <mc:Choice Requires="a14">
+          <p:sp>
+            <p:nvSpPr>
+              <p:cNvPr id="12" name="TextBox 11">
+                <a:extLst>
+                  <a:ext uri="{FF2B5EF4-FFF2-40B4-BE49-F238E27FC236}">
+                    <a16:creationId xmlns:a16="http://schemas.microsoft.com/office/drawing/2014/main" id="{0545CA42-E072-E6F6-05CB-91E6FF7F207E}"/>
+                  </a:ext>
+                </a:extLst>
+              </p:cNvPr>
+              <p:cNvSpPr txBox="1"/>
+              <p:nvPr/>
+            </p:nvSpPr>
+            <p:spPr>
+              <a:xfrm>
+                <a:off x="6223793" y="3754222"/>
+                <a:ext cx="494045" cy="369332"/>
+              </a:xfrm>
+              <a:prstGeom prst="rect">
+                <a:avLst/>
+              </a:prstGeom>
+              <a:noFill/>
+            </p:spPr>
+            <p:txBody>
+              <a:bodyPr wrap="none" rtlCol="0">
+                <a:spAutoFit/>
+              </a:bodyPr>
+              <a:lstStyle/>
+              <a:p>
+                <a:pPr/>
+                <a14:m>
+                  <m:oMathPara xmlns:m="http://schemas.openxmlformats.org/officeDocument/2006/math">
+                    <m:oMathParaPr>
+                      <m:jc m:val="centerGroup"/>
+                    </m:oMathParaPr>
+                    <m:oMath xmlns:m="http://schemas.openxmlformats.org/officeDocument/2006/math">
+                      <m:sSub>
+                        <m:sSubPr>
+                          <m:ctrlPr>
+                            <a:rPr lang="fr-FR" b="0" i="1" smtClean="0">
+                              <a:latin typeface="Cambria Math" panose="02040503050406030204" pitchFamily="18" charset="0"/>
+                            </a:rPr>
+                          </m:ctrlPr>
+                        </m:sSubPr>
+                        <m:e>
+                          <m:r>
+                            <a:rPr lang="fr-FR" b="0" i="1" smtClean="0">
+                              <a:latin typeface="Cambria Math" panose="02040503050406030204" pitchFamily="18" charset="0"/>
+                            </a:rPr>
+                            <m:t>𝑁</m:t>
+                          </m:r>
+                        </m:e>
+                        <m:sub>
+                          <m:r>
+                            <a:rPr lang="fr-FR" b="0" i="1" smtClean="0">
+                              <a:latin typeface="Cambria Math" panose="02040503050406030204" pitchFamily="18" charset="0"/>
+                            </a:rPr>
+                            <m:t>0</m:t>
+                          </m:r>
+                        </m:sub>
+                      </m:sSub>
+                    </m:oMath>
+                  </m:oMathPara>
+                </a14:m>
+                <a:endParaRPr lang="fr-FR" b="0" dirty="0"/>
+              </a:p>
+            </p:txBody>
+          </p:sp>
+        </mc:Choice>
+        <mc:Fallback xmlns="">
+          <p:sp>
+            <p:nvSpPr>
+              <p:cNvPr id="12" name="TextBox 11">
+                <a:extLst>
+                  <a:ext uri="{FF2B5EF4-FFF2-40B4-BE49-F238E27FC236}">
+                    <a16:creationId xmlns:a16="http://schemas.microsoft.com/office/drawing/2014/main" id="{0545CA42-E072-E6F6-05CB-91E6FF7F207E}"/>
+                  </a:ext>
+                </a:extLst>
+              </p:cNvPr>
+              <p:cNvSpPr txBox="1">
+                <a:spLocks noRot="1" noChangeAspect="1" noMove="1" noResize="1" noEditPoints="1" noAdjustHandles="1" noChangeArrowheads="1" noChangeShapeType="1" noTextEdit="1"/>
+              </p:cNvSpPr>
+              <p:nvPr/>
+            </p:nvSpPr>
+            <p:spPr>
+              <a:xfrm>
+                <a:off x="6223793" y="3754222"/>
+                <a:ext cx="494045" cy="369332"/>
+              </a:xfrm>
+              <a:prstGeom prst="rect">
+                <a:avLst/>
+              </a:prstGeom>
+              <a:blipFill>
+                <a:blip r:embed="rId4"/>
+                <a:stretch>
+                  <a:fillRect/>
+                </a:stretch>
+              </a:blipFill>
+            </p:spPr>
+            <p:txBody>
+              <a:bodyPr/>
+              <a:lstStyle/>
+              <a:p>
+                <a:r>
+                  <a:rPr lang="en-US">
+                    <a:noFill/>
+                  </a:rPr>
+                  <a:t> </a:t>
+                </a:r>
+              </a:p>
+            </p:txBody>
+          </p:sp>
+        </mc:Fallback>
+      </mc:AlternateContent>
+      <mc:AlternateContent xmlns:mc="http://schemas.openxmlformats.org/markup-compatibility/2006" xmlns:a14="http://schemas.microsoft.com/office/drawing/2010/main">
+        <mc:Choice Requires="a14">
+          <p:sp>
+            <p:nvSpPr>
+              <p:cNvPr id="13" name="TextBox 12">
+                <a:extLst>
+                  <a:ext uri="{FF2B5EF4-FFF2-40B4-BE49-F238E27FC236}">
+                    <a16:creationId xmlns:a16="http://schemas.microsoft.com/office/drawing/2014/main" id="{A6CF8716-8D15-C511-C226-51DD239C06F8}"/>
+                  </a:ext>
+                </a:extLst>
+              </p:cNvPr>
+              <p:cNvSpPr txBox="1"/>
+              <p:nvPr/>
+            </p:nvSpPr>
+            <p:spPr>
+              <a:xfrm>
+                <a:off x="2231655" y="2107168"/>
+                <a:ext cx="488724" cy="369332"/>
+              </a:xfrm>
+              <a:prstGeom prst="rect">
+                <a:avLst/>
+              </a:prstGeom>
+              <a:noFill/>
+            </p:spPr>
+            <p:txBody>
+              <a:bodyPr wrap="none" rtlCol="0">
+                <a:spAutoFit/>
+              </a:bodyPr>
+              <a:lstStyle/>
+              <a:p>
+                <a:pPr/>
+                <a14:m>
+                  <m:oMathPara xmlns:m="http://schemas.openxmlformats.org/officeDocument/2006/math">
+                    <m:oMathParaPr>
+                      <m:jc m:val="centerGroup"/>
+                    </m:oMathParaPr>
+                    <m:oMath xmlns:m="http://schemas.openxmlformats.org/officeDocument/2006/math">
+                      <m:sSub>
+                        <m:sSubPr>
+                          <m:ctrlPr>
+                            <a:rPr lang="fr-FR" b="0" i="1" smtClean="0">
+                              <a:latin typeface="Cambria Math" panose="02040503050406030204" pitchFamily="18" charset="0"/>
+                            </a:rPr>
+                          </m:ctrlPr>
+                        </m:sSubPr>
+                        <m:e>
+                          <m:r>
+                            <a:rPr lang="fr-FR" b="0" i="1" smtClean="0">
+                              <a:latin typeface="Cambria Math" panose="02040503050406030204" pitchFamily="18" charset="0"/>
+                            </a:rPr>
+                            <m:t>𝑁</m:t>
+                          </m:r>
+                        </m:e>
+                        <m:sub>
+                          <m:r>
+                            <a:rPr lang="fr-FR" b="0" i="1" smtClean="0">
+                              <a:latin typeface="Cambria Math" panose="02040503050406030204" pitchFamily="18" charset="0"/>
+                            </a:rPr>
+                            <m:t>1</m:t>
+                          </m:r>
+                        </m:sub>
+                      </m:sSub>
+                    </m:oMath>
+                  </m:oMathPara>
+                </a14:m>
+                <a:endParaRPr lang="fr-FR" b="0" dirty="0"/>
+              </a:p>
+            </p:txBody>
+          </p:sp>
+        </mc:Choice>
+        <mc:Fallback xmlns="">
+          <p:sp>
+            <p:nvSpPr>
+              <p:cNvPr id="13" name="TextBox 12">
+                <a:extLst>
+                  <a:ext uri="{FF2B5EF4-FFF2-40B4-BE49-F238E27FC236}">
+                    <a16:creationId xmlns:a16="http://schemas.microsoft.com/office/drawing/2014/main" id="{A6CF8716-8D15-C511-C226-51DD239C06F8}"/>
+                  </a:ext>
+                </a:extLst>
+              </p:cNvPr>
+              <p:cNvSpPr txBox="1">
+                <a:spLocks noRot="1" noChangeAspect="1" noMove="1" noResize="1" noEditPoints="1" noAdjustHandles="1" noChangeArrowheads="1" noChangeShapeType="1" noTextEdit="1"/>
+              </p:cNvSpPr>
+              <p:nvPr/>
+            </p:nvSpPr>
+            <p:spPr>
+              <a:xfrm>
+                <a:off x="2231655" y="2107168"/>
+                <a:ext cx="488724" cy="369332"/>
+              </a:xfrm>
+              <a:prstGeom prst="rect">
+                <a:avLst/>
+              </a:prstGeom>
+              <a:blipFill>
+                <a:blip r:embed="rId5"/>
+                <a:stretch>
+                  <a:fillRect/>
+                </a:stretch>
+              </a:blipFill>
+            </p:spPr>
+            <p:txBody>
+              <a:bodyPr/>
+              <a:lstStyle/>
+              <a:p>
+                <a:r>
+                  <a:rPr lang="en-US">
+                    <a:noFill/>
+                  </a:rPr>
+                  <a:t> </a:t>
+                </a:r>
+              </a:p>
+            </p:txBody>
+          </p:sp>
+        </mc:Fallback>
+      </mc:AlternateContent>
+      <mc:AlternateContent xmlns:mc="http://schemas.openxmlformats.org/markup-compatibility/2006" xmlns:a14="http://schemas.microsoft.com/office/drawing/2010/main">
+        <mc:Choice Requires="a14">
+          <p:sp>
+            <p:nvSpPr>
+              <p:cNvPr id="14" name="TextBox 13">
+                <a:extLst>
+                  <a:ext uri="{FF2B5EF4-FFF2-40B4-BE49-F238E27FC236}">
+                    <a16:creationId xmlns:a16="http://schemas.microsoft.com/office/drawing/2014/main" id="{5CEACD57-2109-6B3C-46A5-002C34293DED}"/>
+                  </a:ext>
+                </a:extLst>
+              </p:cNvPr>
+              <p:cNvSpPr txBox="1"/>
+              <p:nvPr/>
+            </p:nvSpPr>
+            <p:spPr>
+              <a:xfrm>
+                <a:off x="1851013" y="5946155"/>
+                <a:ext cx="494046" cy="369332"/>
+              </a:xfrm>
+              <a:prstGeom prst="rect">
+                <a:avLst/>
+              </a:prstGeom>
+              <a:noFill/>
+            </p:spPr>
+            <p:txBody>
+              <a:bodyPr wrap="none" rtlCol="0">
+                <a:spAutoFit/>
+              </a:bodyPr>
+              <a:lstStyle/>
+              <a:p>
+                <a:pPr/>
+                <a14:m>
+                  <m:oMathPara xmlns:m="http://schemas.openxmlformats.org/officeDocument/2006/math">
+                    <m:oMathParaPr>
+                      <m:jc m:val="centerGroup"/>
+                    </m:oMathParaPr>
+                    <m:oMath xmlns:m="http://schemas.openxmlformats.org/officeDocument/2006/math">
+                      <m:sSub>
+                        <m:sSubPr>
+                          <m:ctrlPr>
+                            <a:rPr lang="fr-FR" b="0" i="1" smtClean="0">
+                              <a:latin typeface="Cambria Math" panose="02040503050406030204" pitchFamily="18" charset="0"/>
+                            </a:rPr>
+                          </m:ctrlPr>
+                        </m:sSubPr>
+                        <m:e>
+                          <m:r>
+                            <a:rPr lang="fr-FR" b="0" i="1" smtClean="0">
+                              <a:latin typeface="Cambria Math" panose="02040503050406030204" pitchFamily="18" charset="0"/>
+                            </a:rPr>
+                            <m:t>𝑁</m:t>
+                          </m:r>
+                        </m:e>
+                        <m:sub>
+                          <m:r>
+                            <a:rPr lang="fr-FR" b="0" i="1" smtClean="0">
+                              <a:latin typeface="Cambria Math" panose="02040503050406030204" pitchFamily="18" charset="0"/>
+                            </a:rPr>
+                            <m:t>3</m:t>
+                          </m:r>
+                        </m:sub>
+                      </m:sSub>
+                    </m:oMath>
+                  </m:oMathPara>
+                </a14:m>
+                <a:endParaRPr lang="fr-FR" b="0" dirty="0"/>
+              </a:p>
+            </p:txBody>
+          </p:sp>
+        </mc:Choice>
+        <mc:Fallback xmlns="">
+          <p:sp>
+            <p:nvSpPr>
+              <p:cNvPr id="14" name="TextBox 13">
+                <a:extLst>
+                  <a:ext uri="{FF2B5EF4-FFF2-40B4-BE49-F238E27FC236}">
+                    <a16:creationId xmlns:a16="http://schemas.microsoft.com/office/drawing/2014/main" id="{5CEACD57-2109-6B3C-46A5-002C34293DED}"/>
+                  </a:ext>
+                </a:extLst>
+              </p:cNvPr>
+              <p:cNvSpPr txBox="1">
+                <a:spLocks noRot="1" noChangeAspect="1" noMove="1" noResize="1" noEditPoints="1" noAdjustHandles="1" noChangeArrowheads="1" noChangeShapeType="1" noTextEdit="1"/>
+              </p:cNvSpPr>
+              <p:nvPr/>
+            </p:nvSpPr>
+            <p:spPr>
+              <a:xfrm>
+                <a:off x="1851013" y="5946155"/>
+                <a:ext cx="494046" cy="369332"/>
+              </a:xfrm>
+              <a:prstGeom prst="rect">
+                <a:avLst/>
+              </a:prstGeom>
+              <a:blipFill>
+                <a:blip r:embed="rId6"/>
+                <a:stretch>
+                  <a:fillRect/>
+                </a:stretch>
+              </a:blipFill>
+            </p:spPr>
+            <p:txBody>
+              <a:bodyPr/>
+              <a:lstStyle/>
+              <a:p>
+                <a:r>
+                  <a:rPr lang="en-US">
+                    <a:noFill/>
+                  </a:rPr>
+                  <a:t> </a:t>
+                </a:r>
+              </a:p>
+            </p:txBody>
+          </p:sp>
+        </mc:Fallback>
+      </mc:AlternateContent>
+      <mc:AlternateContent xmlns:mc="http://schemas.openxmlformats.org/markup-compatibility/2006" xmlns:a14="http://schemas.microsoft.com/office/drawing/2010/main">
+        <mc:Choice Requires="a14">
+          <p:sp>
+            <p:nvSpPr>
+              <p:cNvPr id="15" name="TextBox 14">
+                <a:extLst>
+                  <a:ext uri="{FF2B5EF4-FFF2-40B4-BE49-F238E27FC236}">
+                    <a16:creationId xmlns:a16="http://schemas.microsoft.com/office/drawing/2014/main" id="{973165E8-992C-2B70-8E99-CC395DB328CA}"/>
+                  </a:ext>
+                </a:extLst>
+              </p:cNvPr>
+              <p:cNvSpPr txBox="1"/>
+              <p:nvPr/>
+            </p:nvSpPr>
+            <p:spPr>
+              <a:xfrm>
+                <a:off x="1148455" y="3433041"/>
+                <a:ext cx="494046" cy="369332"/>
+              </a:xfrm>
+              <a:prstGeom prst="rect">
+                <a:avLst/>
+              </a:prstGeom>
+              <a:noFill/>
+            </p:spPr>
+            <p:txBody>
+              <a:bodyPr wrap="none" rtlCol="0">
+                <a:spAutoFit/>
+              </a:bodyPr>
+              <a:lstStyle/>
+              <a:p>
+                <a:pPr/>
+                <a14:m>
+                  <m:oMathPara xmlns:m="http://schemas.openxmlformats.org/officeDocument/2006/math">
+                    <m:oMathParaPr>
+                      <m:jc m:val="centerGroup"/>
+                    </m:oMathParaPr>
+                    <m:oMath xmlns:m="http://schemas.openxmlformats.org/officeDocument/2006/math">
+                      <m:sSub>
+                        <m:sSubPr>
+                          <m:ctrlPr>
+                            <a:rPr lang="fr-FR" b="0" i="1" smtClean="0">
+                              <a:latin typeface="Cambria Math" panose="02040503050406030204" pitchFamily="18" charset="0"/>
+                            </a:rPr>
+                          </m:ctrlPr>
+                        </m:sSubPr>
+                        <m:e>
+                          <m:r>
+                            <a:rPr lang="fr-FR" b="0" i="1" smtClean="0">
+                              <a:latin typeface="Cambria Math" panose="02040503050406030204" pitchFamily="18" charset="0"/>
+                            </a:rPr>
+                            <m:t>𝑁</m:t>
+                          </m:r>
+                        </m:e>
+                        <m:sub>
+                          <m:r>
+                            <a:rPr lang="fr-FR" b="0" i="1" smtClean="0">
+                              <a:latin typeface="Cambria Math" panose="02040503050406030204" pitchFamily="18" charset="0"/>
+                            </a:rPr>
+                            <m:t>2</m:t>
+                          </m:r>
+                        </m:sub>
+                      </m:sSub>
+                    </m:oMath>
+                  </m:oMathPara>
+                </a14:m>
+                <a:endParaRPr lang="fr-FR" b="0" dirty="0"/>
+              </a:p>
+            </p:txBody>
+          </p:sp>
+        </mc:Choice>
+        <mc:Fallback xmlns="">
+          <p:sp>
+            <p:nvSpPr>
+              <p:cNvPr id="15" name="TextBox 14">
+                <a:extLst>
+                  <a:ext uri="{FF2B5EF4-FFF2-40B4-BE49-F238E27FC236}">
+                    <a16:creationId xmlns:a16="http://schemas.microsoft.com/office/drawing/2014/main" id="{973165E8-992C-2B70-8E99-CC395DB328CA}"/>
+                  </a:ext>
+                </a:extLst>
+              </p:cNvPr>
+              <p:cNvSpPr txBox="1">
+                <a:spLocks noRot="1" noChangeAspect="1" noMove="1" noResize="1" noEditPoints="1" noAdjustHandles="1" noChangeArrowheads="1" noChangeShapeType="1" noTextEdit="1"/>
+              </p:cNvSpPr>
+              <p:nvPr/>
+            </p:nvSpPr>
+            <p:spPr>
+              <a:xfrm>
+                <a:off x="1148455" y="3433041"/>
+                <a:ext cx="494046" cy="369332"/>
+              </a:xfrm>
+              <a:prstGeom prst="rect">
+                <a:avLst/>
+              </a:prstGeom>
+              <a:blipFill>
+                <a:blip r:embed="rId7"/>
+                <a:stretch>
+                  <a:fillRect/>
+                </a:stretch>
+              </a:blipFill>
+            </p:spPr>
+            <p:txBody>
+              <a:bodyPr/>
+              <a:lstStyle/>
+              <a:p>
+                <a:r>
+                  <a:rPr lang="en-US">
+                    <a:noFill/>
+                  </a:rPr>
+                  <a:t> </a:t>
+                </a:r>
+              </a:p>
+            </p:txBody>
+          </p:sp>
+        </mc:Fallback>
+      </mc:AlternateContent>
+    </p:spTree>
+    <p:extLst>
+      <p:ext uri="{BB962C8B-B14F-4D97-AF65-F5344CB8AC3E}">
+        <p14:creationId xmlns:p14="http://schemas.microsoft.com/office/powerpoint/2010/main" val="1606368709"/>
+      </p:ext>
+    </p:extLst>
+  </p:cSld>
+  <p:clrMapOvr>
+    <a:masterClrMapping/>
+  </p:clrMapOvr>
+  <p:timing>
+    <p:tnLst>
+      <p:par>
+        <p:cTn id="1" dur="indefinite" restart="never" nodeType="tmRoot">
+          <p:childTnLst>
+            <p:seq concurrent="1" nextAc="seek">
+              <p:cTn id="2" dur="indefinite" nodeType="mainSeq">
+                <p:childTnLst>
+                  <p:par>
+                    <p:cTn id="3" fill="hold">
+                      <p:stCondLst>
+                        <p:cond delay="indefinite"/>
+                      </p:stCondLst>
+                      <p:childTnLst>
+                        <p:par>
+                          <p:cTn id="4" fill="hold">
+                            <p:stCondLst>
+                              <p:cond delay="0"/>
+                            </p:stCondLst>
+                            <p:childTnLst>
+                              <p:par>
+                                <p:cTn id="5" presetID="0" presetClass="path" presetSubtype="0" accel="50000" decel="50000" fill="hold" grpId="0" nodeType="clickEffect">
+                                  <p:stCondLst>
+                                    <p:cond delay="0"/>
+                                  </p:stCondLst>
+                                  <p:childTnLst>
+                                    <p:animMotion origin="layout" path="M 4.16667E-6 -4.44444E-6 L 4.16667E-6 -4.44444E-6 C 0.00091 -4.44444E-6 0.00208 0.00047 0.00325 0.00116 C 0.0039 0.00139 0.00481 0.00162 0.00559 0.00209 C 0.00599 0.00209 0.00638 0.00255 0.0069 0.00301 C 0.00755 0.00325 0.00911 0.00348 0.00976 0.00394 C 0.0108 0.00417 0.01171 0.00487 0.01289 0.00533 C 0.01328 0.00533 0.01367 0.00556 0.01419 0.00579 C 0.0151 0.00602 0.01536 0.00625 0.01653 0.00672 C 0.01718 0.00672 0.01809 0.00695 0.01888 0.00718 C 0.02135 0.00811 0.02369 0.00926 0.0263 0.00996 C 0.02708 0.00996 0.02786 0.01019 0.02864 0.01042 C 0.02916 0.01042 0.02955 0.01065 0.0302 0.01112 C 0.03073 0.01112 0.03138 0.01135 0.03203 0.01158 C 0.03255 0.01158 0.03307 0.01181 0.03359 0.01204 C 0.03385 0.01204 0.03424 0.01227 0.03463 0.0125 C 0.03528 0.0125 0.03619 0.01274 0.03698 0.01297 C 0.03854 0.0132 0.03789 0.0132 0.03932 0.01389 C 0.04179 0.01459 0.03984 0.01389 0.0427 0.01482 C 0.04296 0.01482 0.04336 0.01505 0.04375 0.01528 C 0.04427 0.01528 0.04492 0.01551 0.04557 0.01575 C 0.04713 0.01644 0.04544 0.01575 0.04843 0.01644 C 0.04869 0.01644 0.04908 0.01644 0.04948 0.01667 C 0.05026 0.0169 0.05117 0.01713 0.05208 0.01783 L 0.0539 0.01852 C 0.05416 0.01852 0.05442 0.01875 0.05468 0.01899 C 0.0552 0.01922 0.05573 0.01968 0.05625 0.02037 C 0.05651 0.02061 0.05664 0.02107 0.05703 0.0213 C 0.05755 0.02153 0.0582 0.02176 0.05885 0.02246 C 0.05924 0.02292 0.05963 0.02338 0.06015 0.02385 C 0.06171 0.02524 0.06093 0.02408 0.06224 0.0257 C 0.0664 0.03125 0.06132 0.02454 0.06432 0.02894 C 0.06445 0.02917 0.06484 0.0294 0.0651 0.02987 C 0.06601 0.03102 0.06614 0.03149 0.06744 0.03264 C 0.06757 0.03264 0.06796 0.03287 0.06823 0.03287 C 0.06849 0.03311 0.06862 0.03357 0.06901 0.0338 C 0.06966 0.03426 0.07135 0.03542 0.07135 0.03565 C 0.072 0.03612 0.0733 0.03774 0.07395 0.03843 C 0.07421 0.03866 0.07448 0.03843 0.07487 0.03889 C 0.07565 0.03936 0.07656 0.04051 0.07747 0.04121 C 0.07903 0.04237 0.08099 0.04306 0.08268 0.04399 C 0.08502 0.04537 0.0845 0.04537 0.08684 0.04653 C 0.0875 0.04676 0.08841 0.047 0.08919 0.04746 C 0.08997 0.04769 0.09088 0.04838 0.09179 0.04885 C 0.09244 0.04908 0.09309 0.04931 0.09388 0.04954 C 0.09427 0.04977 0.09466 0.04977 0.09518 0.05024 C 0.09557 0.05024 0.09596 0.05047 0.09648 0.0507 C 0.09687 0.05093 0.09726 0.05139 0.09778 0.05162 C 0.09856 0.05186 0.09948 0.05209 0.10039 0.05278 C 0.10625 0.05533 0.10325 0.05417 0.10768 0.05649 C 0.10833 0.05672 0.10898 0.05695 0.10976 0.05741 C 0.1108 0.05787 0.11224 0.05926 0.11315 0.06019 C 0.11419 0.06112 0.11497 0.06181 0.11627 0.0625 C 0.11992 0.06389 0.12174 0.06343 0.12604 0.06389 C 0.12643 0.06389 0.1289 0.06389 0.12994 0.06482 C 0.1302 0.06482 0.13033 0.06551 0.13073 0.06575 C 0.13112 0.06598 0.13177 0.06621 0.13229 0.06644 C 0.13281 0.0669 0.13385 0.06852 0.13463 0.06922 C 0.13528 0.06945 0.13593 0.06968 0.13671 0.07014 C 0.13867 0.0713 0.13789 0.0713 0.1401 0.07223 C 0.14192 0.07292 0.14414 0.07292 0.14609 0.07315 C 0.14713 0.07315 0.14843 0.07338 0.14948 0.07362 C 0.15247 0.07454 0.14895 0.07315 0.15208 0.07524 C 0.1526 0.07547 0.15325 0.0757 0.1539 0.07616 C 0.15664 0.07987 0.15494 0.07778 0.15911 0.08102 L 0.15911 0.08125 C 0.16093 0.08287 0.15989 0.08218 0.16224 0.08287 C 0.16419 0.0838 0.16276 0.08287 0.16484 0.0838 C 0.16705 0.08473 0.16653 0.0845 0.16875 0.08565 C 0.16901 0.08565 0.1694 0.08588 0.16979 0.08612 C 0.17031 0.08635 0.17161 0.08774 0.17213 0.08866 C 0.17239 0.08889 0.17265 0.08912 0.17291 0.08959 C 0.17317 0.08982 0.17317 0.09075 0.17356 0.09121 C 0.17382 0.09167 0.17565 0.09352 0.17617 0.09422 C 0.17747 0.09653 0.17552 0.09468 0.17773 0.09746 C 0.18268 0.10348 0.17825 0.09792 0.1819 0.1007 C 0.18528 0.10394 0.18099 0.1 0.18372 0.10232 C 0.18398 0.10255 0.18437 0.10278 0.18476 0.10325 C 0.18489 0.10325 0.18528 0.10348 0.18554 0.10371 C 0.18645 0.1044 0.18645 0.1051 0.18737 0.10672 C 0.1875 0.10695 0.18789 0.10718 0.18815 0.10764 C 0.18828 0.10811 0.18841 0.10857 0.18867 0.10903 C 0.1888 0.1095 0.18919 0.10973 0.18945 0.11042 C 0.18971 0.11112 0.18997 0.11366 0.19023 0.11505 C 0.18997 0.12848 0.1901 0.12639 0.18971 0.13542 C 0.18945 0.14028 0.18971 0.13843 0.18919 0.14167 C 0.18932 0.14885 0.18919 0.14931 0.18971 0.15417 C 0.18971 0.15487 0.18984 0.15556 0.18997 0.15649 C 0.1901 0.15787 0.19049 0.16065 0.19049 0.16088 C 0.19036 0.16436 0.19049 0.16783 0.19023 0.17176 C 0.1901 0.17246 0.18958 0.17292 0.18945 0.17362 C 0.18919 0.17385 0.18906 0.17431 0.18893 0.175 C 0.1875 0.1794 0.18945 0.17431 0.18737 0.17894 C 0.18711 0.17917 0.18698 0.17963 0.18684 0.18033 C 0.1858 0.18264 0.18606 0.18218 0.18554 0.18473 C 0.18541 0.18612 0.18528 0.1875 0.18528 0.18866 C 0.18502 0.19075 0.18476 0.19561 0.18476 0.19584 C 0.18437 0.20695 0.18437 0.20325 0.18476 0.21737 C 0.18476 0.21899 0.18489 0.22362 0.18528 0.22616 C 0.18567 0.22894 0.18606 0.23241 0.18684 0.23473 C 0.18724 0.23681 0.18776 0.23797 0.18815 0.24005 C 0.18815 0.24075 0.18828 0.24144 0.18841 0.24237 C 0.18854 0.24306 0.18867 0.24375 0.18893 0.24445 C 0.18919 0.24607 0.18906 0.24607 0.18945 0.24792 C 0.1901 0.2507 0.18997 0.24908 0.19049 0.25278 C 0.19049 0.25371 0.19062 0.25487 0.19075 0.25602 C 0.19075 0.25649 0.19088 0.25718 0.19101 0.25787 C 0.19101 0.25857 0.19114 0.2595 0.19127 0.26042 C 0.1914 0.26112 0.19153 0.26181 0.19179 0.26274 C 0.19179 0.2632 0.19179 0.26389 0.19205 0.26505 C 0.19205 0.26551 0.19231 0.26575 0.19257 0.26644 C 0.19257 0.2669 0.1927 0.2676 0.19283 0.26829 C 0.19296 0.26968 0.19336 0.27107 0.19362 0.27269 C 0.19362 0.27315 0.19362 0.27385 0.19388 0.27454 C 0.19401 0.275 0.1944 0.27524 0.19466 0.27593 C 0.19635 0.2794 0.19479 0.27662 0.1957 0.27825 L 0.19804 0.28241 " pathEditMode="relative" rAng="0" ptsTypes="AAAAAAAAAAAAAAAAAAAAAAAAAAAAAAAAAAAAAAAAAAAAAAAAAAAAAAAAAAAAAAAAAAAAAAAAAAAAAAAAAAAAAAAAAAAAAAAAAAAAAAAAAAAAAAAAAAAAA">
+                                      <p:cBhvr>
+                                        <p:cTn id="6" dur="2000" fill="hold"/>
+                                        <p:tgtEl>
+                                          <p:spTgt spid="11"/>
+                                        </p:tgtEl>
+                                        <p:attrNameLst>
+                                          <p:attrName>ppt_x</p:attrName>
+                                          <p:attrName>ppt_y</p:attrName>
+                                        </p:attrNameLst>
+                                      </p:cBhvr>
+                                      <p:rCtr x="9896" y="14120"/>
+                                    </p:animMotion>
+                                  </p:childTnLst>
+                                </p:cTn>
+                              </p:par>
+                            </p:childTnLst>
+                          </p:cTn>
+                        </p:par>
+                      </p:childTnLst>
+                    </p:cTn>
+                  </p:par>
+                  <p:par>
+                    <p:cTn id="7" fill="hold">
+                      <p:stCondLst>
+                        <p:cond delay="indefinite"/>
+                      </p:stCondLst>
+                      <p:childTnLst>
+                        <p:par>
+                          <p:cTn id="8" fill="hold">
+                            <p:stCondLst>
+                              <p:cond delay="0"/>
+                            </p:stCondLst>
+                            <p:childTnLst>
+                              <p:par>
+                                <p:cTn id="9" presetID="6" presetClass="emph" presetSubtype="0" fill="hold" grpId="2" nodeType="clickEffect">
+                                  <p:stCondLst>
+                                    <p:cond delay="0"/>
+                                  </p:stCondLst>
+                                  <p:childTnLst>
+                                    <p:animScale>
+                                      <p:cBhvr>
+                                        <p:cTn id="10" dur="1000" fill="hold"/>
+                                        <p:tgtEl>
+                                          <p:spTgt spid="11"/>
+                                        </p:tgtEl>
+                                      </p:cBhvr>
+                                      <p:by x="50000" y="50000"/>
+                                    </p:animScale>
+                                  </p:childTnLst>
+                                </p:cTn>
+                              </p:par>
+                            </p:childTnLst>
+                          </p:cTn>
+                        </p:par>
+                      </p:childTnLst>
+                    </p:cTn>
+                  </p:par>
+                  <p:par>
+                    <p:cTn id="11" fill="hold">
+                      <p:stCondLst>
+                        <p:cond delay="indefinite"/>
+                      </p:stCondLst>
+                      <p:childTnLst>
+                        <p:par>
+                          <p:cTn id="12" fill="hold">
+                            <p:stCondLst>
+                              <p:cond delay="0"/>
+                            </p:stCondLst>
+                            <p:childTnLst>
+                              <p:par>
+                                <p:cTn id="13" presetID="0" presetClass="path" presetSubtype="0" accel="50000" fill="hold" grpId="1" nodeType="clickEffect">
+                                  <p:stCondLst>
+                                    <p:cond delay="0"/>
+                                  </p:stCondLst>
+                                  <p:childTnLst>
+                                    <p:animMotion origin="layout" path="M 0.19882 0.28889 L 0.19882 0.28889 C 0.20143 0.28912 0.20416 0.28935 0.20677 0.28935 C 0.21484 0.28912 0.21432 0.28889 0.21953 0.28819 C 0.22044 0.28819 0.22148 0.28796 0.22239 0.28796 C 0.22669 0.28726 0.22474 0.2875 0.22825 0.28657 C 0.22929 0.28611 0.2302 0.28611 0.23125 0.28588 C 0.23281 0.28426 0.23164 0.28518 0.23476 0.28449 C 0.23776 0.28356 0.23398 0.28426 0.24023 0.28379 C 0.2427 0.2831 0.24257 0.2831 0.24622 0.2831 C 0.25039 0.2831 0.25455 0.28333 0.25872 0.28333 C 0.25924 0.28356 0.25976 0.28356 0.26028 0.28379 C 0.26132 0.28379 0.26224 0.28379 0.26328 0.28402 C 0.26354 0.28402 0.26393 0.28426 0.26419 0.28449 C 0.26601 0.28495 0.26692 0.28495 0.26849 0.28541 C 0.26888 0.28564 0.26914 0.28588 0.26953 0.28611 C 0.27083 0.2868 0.27018 0.28588 0.27187 0.28726 C 0.27252 0.28773 0.27304 0.28842 0.27382 0.28889 C 0.27487 0.28958 0.27656 0.29074 0.27773 0.29097 C 0.27838 0.2912 0.27903 0.2912 0.27968 0.29143 C 0.28385 0.29213 0.27786 0.29143 0.28684 0.29213 L 0.29114 0.29236 C 0.29257 0.29259 0.2944 0.29305 0.2957 0.29305 C 0.29778 0.29328 0.29987 0.29328 0.30195 0.29351 C 0.30599 0.29328 0.31002 0.29328 0.31406 0.29305 C 0.32044 0.29259 0.31588 0.29259 0.3207 0.29166 C 0.32187 0.29143 0.32317 0.29143 0.32434 0.29143 L 0.32786 0.29074 C 0.32942 0.29027 0.33177 0.28981 0.33333 0.28958 L 0.35013 0.28889 C 0.35065 0.28889 0.35117 0.28865 0.35169 0.28865 C 0.36276 0.28865 0.36093 0.28842 0.36718 0.28935 C 0.3694 0.28981 0.36731 0.28912 0.36953 0.29027 C 0.37005 0.29051 0.37057 0.29074 0.37109 0.29097 C 0.37122 0.2912 0.37148 0.2912 0.37161 0.29143 C 0.372 0.29166 0.37226 0.29213 0.37265 0.29236 C 0.37304 0.29259 0.37343 0.29259 0.37382 0.29282 C 0.37682 0.29375 0.37252 0.29236 0.37591 0.29351 C 0.3763 0.29375 0.37656 0.29398 0.37695 0.29421 C 0.37838 0.2949 0.37851 0.2949 0.37981 0.29514 C 0.3802 0.29537 0.38059 0.29537 0.38099 0.2956 C 0.38268 0.29606 0.38437 0.29629 0.38593 0.29652 C 0.38684 0.29676 0.38789 0.29676 0.3888 0.29699 C 0.39088 0.29861 0.38841 0.29676 0.39062 0.29791 C 0.39088 0.29814 0.39114 0.29861 0.3914 0.29861 C 0.39218 0.29907 0.39296 0.29907 0.39375 0.2993 C 0.39557 0.3 0.39453 0.29976 0.397 0.3 C 0.39739 0.30023 0.39765 0.30046 0.39804 0.30046 C 0.39948 0.30069 0.40234 0.30092 0.40234 0.30092 L 0.40377 0.30092 " pathEditMode="relative" ptsTypes="AAAAAAAAAAAAAAAAAAAAAAAAAAAAAAAAAAAAAAAAAAAAAAAAAA">
+                                      <p:cBhvr>
+                                        <p:cTn id="14" dur="1000" fill="hold"/>
+                                        <p:tgtEl>
+                                          <p:spTgt spid="11"/>
+                                        </p:tgtEl>
+                                        <p:attrNameLst>
+                                          <p:attrName>ppt_x</p:attrName>
+                                          <p:attrName>ppt_y</p:attrName>
+                                        </p:attrNameLst>
+                                      </p:cBhvr>
+                                    </p:animMotion>
+                                  </p:childTnLst>
+                                </p:cTn>
+                              </p:par>
+                            </p:childTnLst>
+                          </p:cTn>
+                        </p:par>
+                        <p:par>
+                          <p:cTn id="15" fill="hold">
+                            <p:stCondLst>
+                              <p:cond delay="1000"/>
+                            </p:stCondLst>
+                            <p:childTnLst>
+                              <p:par>
+                                <p:cTn id="16" presetID="2" presetClass="exit" presetSubtype="2" fill="hold" grpId="3" nodeType="afterEffect">
+                                  <p:stCondLst>
+                                    <p:cond delay="0"/>
+                                  </p:stCondLst>
+                                  <p:childTnLst>
+                                    <p:anim calcmode="lin" valueType="num">
+                                      <p:cBhvr additive="base">
+                                        <p:cTn id="17" dur="500"/>
+                                        <p:tgtEl>
+                                          <p:spTgt spid="11"/>
+                                        </p:tgtEl>
+                                        <p:attrNameLst>
+                                          <p:attrName>ppt_x</p:attrName>
+                                        </p:attrNameLst>
+                                      </p:cBhvr>
+                                      <p:tavLst>
+                                        <p:tav tm="0">
+                                          <p:val>
+                                            <p:strVal val="ppt_x"/>
+                                          </p:val>
+                                        </p:tav>
+                                        <p:tav tm="100000">
+                                          <p:val>
+                                            <p:strVal val="1+ppt_w/2"/>
+                                          </p:val>
+                                        </p:tav>
+                                      </p:tavLst>
+                                    </p:anim>
+                                    <p:anim calcmode="lin" valueType="num">
+                                      <p:cBhvr additive="base">
+                                        <p:cTn id="18" dur="500"/>
+                                        <p:tgtEl>
+                                          <p:spTgt spid="11"/>
+                                        </p:tgtEl>
+                                        <p:attrNameLst>
+                                          <p:attrName>ppt_y</p:attrName>
+                                        </p:attrNameLst>
+                                      </p:cBhvr>
+                                      <p:tavLst>
+                                        <p:tav tm="0">
+                                          <p:val>
+                                            <p:strVal val="ppt_y"/>
+                                          </p:val>
+                                        </p:tav>
+                                        <p:tav tm="100000">
+                                          <p:val>
+                                            <p:strVal val="ppt_y"/>
+                                          </p:val>
+                                        </p:tav>
+                                      </p:tavLst>
+                                    </p:anim>
+                                    <p:set>
+                                      <p:cBhvr>
+                                        <p:cTn id="19" dur="1" fill="hold">
+                                          <p:stCondLst>
+                                            <p:cond delay="499"/>
+                                          </p:stCondLst>
+                                        </p:cTn>
+                                        <p:tgtEl>
+                                          <p:spTgt spid="11"/>
+                                        </p:tgtEl>
+                                        <p:attrNameLst>
+                                          <p:attrName>style.visibility</p:attrName>
+                                        </p:attrNameLst>
+                                      </p:cBhvr>
+                                      <p:to>
+                                        <p:strVal val="hidden"/>
+                                      </p:to>
+                                    </p:set>
+                                  </p:childTnLst>
+                                </p:cTn>
+                              </p:par>
+                            </p:childTnLst>
+                          </p:cTn>
+                        </p:par>
+                      </p:childTnLst>
+                    </p:cTn>
+                  </p:par>
+                </p:childTnLst>
+              </p:cTn>
+              <p:prevCondLst>
+                <p:cond evt="onPrev" delay="0">
+                  <p:tgtEl>
+                    <p:sldTgt/>
+                  </p:tgtEl>
+                </p:cond>
+              </p:prevCondLst>
+              <p:nextCondLst>
+                <p:cond evt="onNext" delay="0">
+                  <p:tgtEl>
+                    <p:sldTgt/>
+                  </p:tgtEl>
+                </p:cond>
+              </p:nextCondLst>
+            </p:seq>
+          </p:childTnLst>
+        </p:cTn>
+      </p:par>
+    </p:tnLst>
+    <p:bldLst>
+      <p:bldP spid="11" grpId="0" animBg="1"/>
+      <p:bldP spid="11" grpId="1" animBg="1"/>
+      <p:bldP spid="11" grpId="2" animBg="1"/>
+      <p:bldP spid="11" grpId="3" animBg="1"/>
+    </p:bldLst>
+  </p:timing>
+</p:sld>
+</file>
+
+<file path=ppt/slides/slide6.xml><?xml version="1.0" encoding="utf-8"?>
+<p:sld xmlns:a="http://schemas.openxmlformats.org/drawingml/2006/main" xmlns:r="http://schemas.openxmlformats.org/officeDocument/2006/relationships" xmlns:p="http://schemas.openxmlformats.org/presentationml/2006/main">
+  <p:cSld>
+    <p:spTree>
+      <p:nvGrpSpPr>
+        <p:cNvPr id="1" name=""/>
+        <p:cNvGrpSpPr/>
+        <p:nvPr/>
+      </p:nvGrpSpPr>
+      <p:grpSpPr>
+        <a:xfrm>
+          <a:off x="0" y="0"/>
+          <a:ext cx="0" cy="0"/>
+          <a:chOff x="0" y="0"/>
+          <a:chExt cx="0" cy="0"/>
+        </a:xfrm>
+      </p:grpSpPr>
+      <p:sp>
+        <p:nvSpPr>
+          <p:cNvPr id="2" name="Title 1">
+            <a:extLst>
+              <a:ext uri="{FF2B5EF4-FFF2-40B4-BE49-F238E27FC236}">
+                <a16:creationId xmlns:a16="http://schemas.microsoft.com/office/drawing/2014/main" id="{706C935F-66C6-5769-3D38-E3AEA8C9993C}"/>
+              </a:ext>
+            </a:extLst>
+          </p:cNvPr>
+          <p:cNvSpPr>
+            <a:spLocks noGrp="1"/>
+          </p:cNvSpPr>
+          <p:nvPr>
+            <p:ph type="title"/>
+          </p:nvPr>
+        </p:nvSpPr>
+        <p:spPr/>
+        <p:txBody>
+          <a:bodyPr/>
+          <a:lstStyle/>
+          <a:p>
+            <a:r>
+              <a:rPr lang="en-US" dirty="0"/>
+              <a:t>Synaptic integration</a:t>
+            </a:r>
+            <a:endParaRPr lang="fr-FR" dirty="0"/>
+          </a:p>
+        </p:txBody>
+      </p:sp>
+      <p:grpSp>
+        <p:nvGrpSpPr>
+          <p:cNvPr id="10" name="Group 9">
+            <a:extLst>
+              <a:ext uri="{FF2B5EF4-FFF2-40B4-BE49-F238E27FC236}">
+                <a16:creationId xmlns:a16="http://schemas.microsoft.com/office/drawing/2014/main" id="{029BE3A8-A7EB-595A-24DD-CB08D616B730}"/>
+              </a:ext>
+            </a:extLst>
+          </p:cNvPr>
+          <p:cNvGrpSpPr/>
+          <p:nvPr/>
+        </p:nvGrpSpPr>
+        <p:grpSpPr>
+          <a:xfrm rot="10800000">
+            <a:off x="1304910" y="1879493"/>
+            <a:ext cx="7229489" cy="4365732"/>
+            <a:chOff x="923911" y="1365996"/>
+            <a:chExt cx="6623698" cy="3999908"/>
+          </a:xfrm>
+        </p:grpSpPr>
+        <p:pic>
+          <p:nvPicPr>
+            <p:cNvPr id="4" name="Picture 3">
+              <a:extLst>
+                <a:ext uri="{FF2B5EF4-FFF2-40B4-BE49-F238E27FC236}">
+                  <a16:creationId xmlns:a16="http://schemas.microsoft.com/office/drawing/2014/main" id="{A95F52F9-FBFA-F0AB-6E83-B43478E01746}"/>
+                </a:ext>
+              </a:extLst>
+            </p:cNvPr>
+            <p:cNvPicPr>
+              <a:picLocks noChangeAspect="1"/>
+            </p:cNvPicPr>
+            <p:nvPr/>
+          </p:nvPicPr>
+          <p:blipFill>
+            <a:blip r:embed="rId3"/>
+            <a:stretch>
+              <a:fillRect/>
+            </a:stretch>
+          </p:blipFill>
+          <p:spPr>
+            <a:xfrm>
+              <a:off x="923911" y="2471039"/>
+              <a:ext cx="3366149" cy="1361486"/>
+            </a:xfrm>
+            <a:prstGeom prst="rect">
+              <a:avLst/>
+            </a:prstGeom>
+          </p:spPr>
+        </p:pic>
+        <p:pic>
+          <p:nvPicPr>
+            <p:cNvPr id="6" name="Picture 5">
+              <a:extLst>
+                <a:ext uri="{FF2B5EF4-FFF2-40B4-BE49-F238E27FC236}">
+                  <a16:creationId xmlns:a16="http://schemas.microsoft.com/office/drawing/2014/main" id="{BDD48A01-C7C1-FC28-91C1-44C67E3E5156}"/>
+                </a:ext>
+              </a:extLst>
+            </p:cNvPr>
+            <p:cNvPicPr>
+              <a:picLocks noChangeAspect="1"/>
+            </p:cNvPicPr>
+            <p:nvPr/>
+          </p:nvPicPr>
+          <p:blipFill>
+            <a:blip r:embed="rId3"/>
+            <a:stretch>
+              <a:fillRect/>
+            </a:stretch>
+          </p:blipFill>
+          <p:spPr>
+            <a:xfrm rot="941488">
+              <a:off x="3162287" y="4004418"/>
+              <a:ext cx="3366146" cy="1361486"/>
+            </a:xfrm>
+            <a:prstGeom prst="rect">
+              <a:avLst/>
+            </a:prstGeom>
+          </p:spPr>
+        </p:pic>
+        <p:pic>
+          <p:nvPicPr>
+            <p:cNvPr id="7" name="Picture 6">
+              <a:extLst>
+                <a:ext uri="{FF2B5EF4-FFF2-40B4-BE49-F238E27FC236}">
+                  <a16:creationId xmlns:a16="http://schemas.microsoft.com/office/drawing/2014/main" id="{BDBBA70A-97C6-BBDA-E7F3-C01F4DF28F20}"/>
+                </a:ext>
+              </a:extLst>
+            </p:cNvPr>
+            <p:cNvPicPr>
+              <a:picLocks noChangeAspect="1"/>
+            </p:cNvPicPr>
+            <p:nvPr/>
+          </p:nvPicPr>
+          <p:blipFill>
+            <a:blip r:embed="rId3"/>
+            <a:stretch>
+              <a:fillRect/>
+            </a:stretch>
+          </p:blipFill>
+          <p:spPr>
+            <a:xfrm rot="21445380" flipV="1">
+              <a:off x="3664568" y="1365996"/>
+              <a:ext cx="3366147" cy="1361486"/>
+            </a:xfrm>
+            <a:prstGeom prst="rect">
+              <a:avLst/>
+            </a:prstGeom>
+          </p:spPr>
+        </p:pic>
+        <p:pic>
+          <p:nvPicPr>
+            <p:cNvPr id="9" name="Picture 8">
+              <a:extLst>
+                <a:ext uri="{FF2B5EF4-FFF2-40B4-BE49-F238E27FC236}">
+                  <a16:creationId xmlns:a16="http://schemas.microsoft.com/office/drawing/2014/main" id="{B8BFE8A0-5540-E6BE-9B9E-6F63CA93EA80}"/>
+                </a:ext>
+              </a:extLst>
+            </p:cNvPr>
+            <p:cNvPicPr>
+              <a:picLocks noChangeAspect="1"/>
+            </p:cNvPicPr>
+            <p:nvPr/>
+          </p:nvPicPr>
+          <p:blipFill>
+            <a:blip r:embed="rId3"/>
+            <a:stretch>
+              <a:fillRect/>
+            </a:stretch>
+          </p:blipFill>
+          <p:spPr>
+            <a:xfrm rot="21083102">
+              <a:off x="4181462" y="2748256"/>
+              <a:ext cx="3366147" cy="1361486"/>
+            </a:xfrm>
+            <a:prstGeom prst="rect">
+              <a:avLst/>
+            </a:prstGeom>
+          </p:spPr>
+        </p:pic>
+      </p:grpSp>
+      <p:sp>
+        <p:nvSpPr>
+          <p:cNvPr id="11" name="Oval 10">
+            <a:extLst>
+              <a:ext uri="{FF2B5EF4-FFF2-40B4-BE49-F238E27FC236}">
+                <a16:creationId xmlns:a16="http://schemas.microsoft.com/office/drawing/2014/main" id="{FF424C1F-1247-45CF-A9FD-4D104B9D6A22}"/>
+              </a:ext>
+            </a:extLst>
+          </p:cNvPr>
+          <p:cNvSpPr/>
+          <p:nvPr/>
+        </p:nvSpPr>
+        <p:spPr>
+          <a:xfrm>
+            <a:off x="3155950" y="2285775"/>
+            <a:ext cx="190725" cy="190725"/>
+          </a:xfrm>
+          <a:prstGeom prst="ellipse">
+            <a:avLst/>
+          </a:prstGeom>
+          <a:solidFill>
+            <a:srgbClr val="FF0000"/>
+          </a:solidFill>
+          <a:ln>
+            <a:noFill/>
+          </a:ln>
+        </p:spPr>
+        <p:style>
+          <a:lnRef idx="2">
+            <a:schemeClr val="accent1">
+              <a:shade val="50000"/>
+            </a:schemeClr>
+          </a:lnRef>
+          <a:fillRef idx="1">
+            <a:schemeClr val="accent1"/>
+          </a:fillRef>
+          <a:effectRef idx="0">
+            <a:schemeClr val="accent1"/>
+          </a:effectRef>
+          <a:fontRef idx="minor">
+            <a:schemeClr val="lt1"/>
+          </a:fontRef>
+        </p:style>
+        <p:txBody>
+          <a:bodyPr rtlCol="0" anchor="ctr"/>
+          <a:lstStyle/>
+          <a:p>
+            <a:pPr algn="ctr"/>
+            <a:endParaRPr lang="en-US"/>
+          </a:p>
+        </p:txBody>
+      </p:sp>
+      <p:sp>
+        <p:nvSpPr>
+          <p:cNvPr id="12" name="Oval 11">
+            <a:extLst>
+              <a:ext uri="{FF2B5EF4-FFF2-40B4-BE49-F238E27FC236}">
+                <a16:creationId xmlns:a16="http://schemas.microsoft.com/office/drawing/2014/main" id="{01599F7B-E8F6-F83D-BBB5-5BEA53FF2439}"/>
+              </a:ext>
+            </a:extLst>
+          </p:cNvPr>
+          <p:cNvSpPr/>
+          <p:nvPr/>
+        </p:nvSpPr>
+        <p:spPr>
+          <a:xfrm>
+            <a:off x="2030571" y="4093854"/>
+            <a:ext cx="190725" cy="190725"/>
+          </a:xfrm>
+          <a:prstGeom prst="ellipse">
+            <a:avLst/>
+          </a:prstGeom>
+          <a:solidFill>
+            <a:srgbClr val="FF0000"/>
+          </a:solidFill>
+          <a:ln>
+            <a:noFill/>
+          </a:ln>
+        </p:spPr>
+        <p:style>
+          <a:lnRef idx="2">
+            <a:schemeClr val="accent1">
+              <a:shade val="50000"/>
+            </a:schemeClr>
+          </a:lnRef>
+          <a:fillRef idx="1">
+            <a:schemeClr val="accent1"/>
+          </a:fillRef>
+          <a:effectRef idx="0">
+            <a:schemeClr val="accent1"/>
+          </a:effectRef>
+          <a:fontRef idx="minor">
+            <a:schemeClr val="lt1"/>
+          </a:fontRef>
+        </p:style>
+        <p:txBody>
+          <a:bodyPr rtlCol="0" anchor="ctr"/>
+          <a:lstStyle/>
+          <a:p>
+            <a:pPr algn="ctr"/>
+            <a:endParaRPr lang="en-US"/>
+          </a:p>
+        </p:txBody>
+      </p:sp>
+      <p:sp>
+        <p:nvSpPr>
+          <p:cNvPr id="13" name="Oval 12">
+            <a:extLst>
+              <a:ext uri="{FF2B5EF4-FFF2-40B4-BE49-F238E27FC236}">
+                <a16:creationId xmlns:a16="http://schemas.microsoft.com/office/drawing/2014/main" id="{435AF5BE-68A2-BA82-F451-9814770B3050}"/>
+              </a:ext>
+            </a:extLst>
+          </p:cNvPr>
+          <p:cNvSpPr/>
+          <p:nvPr/>
+        </p:nvSpPr>
+        <p:spPr>
+          <a:xfrm>
+            <a:off x="2576830" y="5406859"/>
+            <a:ext cx="190725" cy="190725"/>
+          </a:xfrm>
+          <a:prstGeom prst="ellipse">
+            <a:avLst/>
+          </a:prstGeom>
+          <a:solidFill>
+            <a:srgbClr val="FF0000"/>
+          </a:solidFill>
+          <a:ln>
+            <a:noFill/>
+          </a:ln>
+        </p:spPr>
+        <p:style>
+          <a:lnRef idx="2">
+            <a:schemeClr val="accent1">
+              <a:shade val="50000"/>
+            </a:schemeClr>
+          </a:lnRef>
+          <a:fillRef idx="1">
+            <a:schemeClr val="accent1"/>
+          </a:fillRef>
+          <a:effectRef idx="0">
+            <a:schemeClr val="accent1"/>
+          </a:effectRef>
+          <a:fontRef idx="minor">
+            <a:schemeClr val="lt1"/>
+          </a:fontRef>
+        </p:style>
+        <p:txBody>
+          <a:bodyPr rtlCol="0" anchor="ctr"/>
+          <a:lstStyle/>
+          <a:p>
+            <a:pPr algn="ctr"/>
+            <a:endParaRPr lang="en-US" dirty="0"/>
+          </a:p>
+        </p:txBody>
+      </p:sp>
+      <mc:AlternateContent xmlns:mc="http://schemas.openxmlformats.org/markup-compatibility/2006" xmlns:a14="http://schemas.microsoft.com/office/drawing/2010/main">
+        <mc:Choice Requires="a14">
+          <p:sp>
+            <p:nvSpPr>
+              <p:cNvPr id="14" name="TextBox 13">
+                <a:extLst>
+                  <a:ext uri="{FF2B5EF4-FFF2-40B4-BE49-F238E27FC236}">
+                    <a16:creationId xmlns:a16="http://schemas.microsoft.com/office/drawing/2014/main" id="{FE9E3075-40D5-5758-0788-459FD96CB8C1}"/>
+                  </a:ext>
+                </a:extLst>
+              </p:cNvPr>
+              <p:cNvSpPr txBox="1"/>
+              <p:nvPr/>
+            </p:nvSpPr>
+            <p:spPr>
+              <a:xfrm>
+                <a:off x="6223793" y="3754222"/>
+                <a:ext cx="494045" cy="369332"/>
+              </a:xfrm>
+              <a:prstGeom prst="rect">
+                <a:avLst/>
+              </a:prstGeom>
+              <a:noFill/>
+            </p:spPr>
+            <p:txBody>
+              <a:bodyPr wrap="none" rtlCol="0">
+                <a:spAutoFit/>
+              </a:bodyPr>
+              <a:lstStyle/>
+              <a:p>
+                <a:pPr/>
+                <a14:m>
+                  <m:oMathPara xmlns:m="http://schemas.openxmlformats.org/officeDocument/2006/math">
+                    <m:oMathParaPr>
+                      <m:jc m:val="centerGroup"/>
+                    </m:oMathParaPr>
+                    <m:oMath xmlns:m="http://schemas.openxmlformats.org/officeDocument/2006/math">
+                      <m:sSub>
+                        <m:sSubPr>
+                          <m:ctrlPr>
+                            <a:rPr lang="fr-FR" b="0" i="1" smtClean="0">
+                              <a:latin typeface="Cambria Math" panose="02040503050406030204" pitchFamily="18" charset="0"/>
+                            </a:rPr>
+                          </m:ctrlPr>
+                        </m:sSubPr>
+                        <m:e>
+                          <m:r>
+                            <a:rPr lang="fr-FR" b="0" i="1" smtClean="0">
+                              <a:latin typeface="Cambria Math" panose="02040503050406030204" pitchFamily="18" charset="0"/>
+                            </a:rPr>
+                            <m:t>𝑁</m:t>
+                          </m:r>
+                        </m:e>
+                        <m:sub>
+                          <m:r>
+                            <a:rPr lang="fr-FR" b="0" i="1" smtClean="0">
+                              <a:latin typeface="Cambria Math" panose="02040503050406030204" pitchFamily="18" charset="0"/>
+                            </a:rPr>
+                            <m:t>0</m:t>
+                          </m:r>
+                        </m:sub>
+                      </m:sSub>
+                    </m:oMath>
+                  </m:oMathPara>
+                </a14:m>
+                <a:endParaRPr lang="fr-FR" b="0" dirty="0"/>
+              </a:p>
+            </p:txBody>
+          </p:sp>
+        </mc:Choice>
+        <mc:Fallback xmlns="">
+          <p:sp>
+            <p:nvSpPr>
+              <p:cNvPr id="14" name="TextBox 13">
+                <a:extLst>
+                  <a:ext uri="{FF2B5EF4-FFF2-40B4-BE49-F238E27FC236}">
+                    <a16:creationId xmlns:a16="http://schemas.microsoft.com/office/drawing/2014/main" id="{FE9E3075-40D5-5758-0788-459FD96CB8C1}"/>
+                  </a:ext>
+                </a:extLst>
+              </p:cNvPr>
+              <p:cNvSpPr txBox="1">
+                <a:spLocks noRot="1" noChangeAspect="1" noMove="1" noResize="1" noEditPoints="1" noAdjustHandles="1" noChangeArrowheads="1" noChangeShapeType="1" noTextEdit="1"/>
+              </p:cNvSpPr>
+              <p:nvPr/>
+            </p:nvSpPr>
+            <p:spPr>
+              <a:xfrm>
+                <a:off x="6223793" y="3754222"/>
+                <a:ext cx="494045" cy="369332"/>
+              </a:xfrm>
+              <a:prstGeom prst="rect">
+                <a:avLst/>
+              </a:prstGeom>
+              <a:blipFill>
+                <a:blip r:embed="rId4"/>
+                <a:stretch>
+                  <a:fillRect/>
+                </a:stretch>
+              </a:blipFill>
+            </p:spPr>
+            <p:txBody>
+              <a:bodyPr/>
+              <a:lstStyle/>
+              <a:p>
+                <a:r>
+                  <a:rPr lang="en-US">
+                    <a:noFill/>
+                  </a:rPr>
+                  <a:t> </a:t>
+                </a:r>
+              </a:p>
+            </p:txBody>
+          </p:sp>
+        </mc:Fallback>
+      </mc:AlternateContent>
+      <mc:AlternateContent xmlns:mc="http://schemas.openxmlformats.org/markup-compatibility/2006" xmlns:a14="http://schemas.microsoft.com/office/drawing/2010/main">
+        <mc:Choice Requires="a14">
+          <p:sp>
+            <p:nvSpPr>
+              <p:cNvPr id="15" name="TextBox 14">
+                <a:extLst>
+                  <a:ext uri="{FF2B5EF4-FFF2-40B4-BE49-F238E27FC236}">
+                    <a16:creationId xmlns:a16="http://schemas.microsoft.com/office/drawing/2014/main" id="{D52CE794-6A98-8781-0C40-BE47DDFC872C}"/>
+                  </a:ext>
+                </a:extLst>
+              </p:cNvPr>
+              <p:cNvSpPr txBox="1"/>
+              <p:nvPr/>
+            </p:nvSpPr>
+            <p:spPr>
+              <a:xfrm>
+                <a:off x="2231655" y="2107168"/>
+                <a:ext cx="488724" cy="369332"/>
+              </a:xfrm>
+              <a:prstGeom prst="rect">
+                <a:avLst/>
+              </a:prstGeom>
+              <a:noFill/>
+            </p:spPr>
+            <p:txBody>
+              <a:bodyPr wrap="none" rtlCol="0">
+                <a:spAutoFit/>
+              </a:bodyPr>
+              <a:lstStyle/>
+              <a:p>
+                <a:pPr/>
+                <a14:m>
+                  <m:oMathPara xmlns:m="http://schemas.openxmlformats.org/officeDocument/2006/math">
+                    <m:oMathParaPr>
+                      <m:jc m:val="centerGroup"/>
+                    </m:oMathParaPr>
+                    <m:oMath xmlns:m="http://schemas.openxmlformats.org/officeDocument/2006/math">
+                      <m:sSub>
+                        <m:sSubPr>
+                          <m:ctrlPr>
+                            <a:rPr lang="fr-FR" b="0" i="1" smtClean="0">
+                              <a:latin typeface="Cambria Math" panose="02040503050406030204" pitchFamily="18" charset="0"/>
+                            </a:rPr>
+                          </m:ctrlPr>
+                        </m:sSubPr>
+                        <m:e>
+                          <m:r>
+                            <a:rPr lang="fr-FR" b="0" i="1" smtClean="0">
+                              <a:latin typeface="Cambria Math" panose="02040503050406030204" pitchFamily="18" charset="0"/>
+                            </a:rPr>
+                            <m:t>𝑁</m:t>
+                          </m:r>
+                        </m:e>
+                        <m:sub>
+                          <m:r>
+                            <a:rPr lang="fr-FR" b="0" i="1" smtClean="0">
+                              <a:latin typeface="Cambria Math" panose="02040503050406030204" pitchFamily="18" charset="0"/>
+                            </a:rPr>
+                            <m:t>1</m:t>
+                          </m:r>
+                        </m:sub>
+                      </m:sSub>
+                    </m:oMath>
+                  </m:oMathPara>
+                </a14:m>
+                <a:endParaRPr lang="fr-FR" b="0" dirty="0"/>
+              </a:p>
+            </p:txBody>
+          </p:sp>
+        </mc:Choice>
+        <mc:Fallback xmlns="">
+          <p:sp>
+            <p:nvSpPr>
+              <p:cNvPr id="15" name="TextBox 14">
+                <a:extLst>
+                  <a:ext uri="{FF2B5EF4-FFF2-40B4-BE49-F238E27FC236}">
+                    <a16:creationId xmlns:a16="http://schemas.microsoft.com/office/drawing/2014/main" id="{D52CE794-6A98-8781-0C40-BE47DDFC872C}"/>
+                  </a:ext>
+                </a:extLst>
+              </p:cNvPr>
+              <p:cNvSpPr txBox="1">
+                <a:spLocks noRot="1" noChangeAspect="1" noMove="1" noResize="1" noEditPoints="1" noAdjustHandles="1" noChangeArrowheads="1" noChangeShapeType="1" noTextEdit="1"/>
+              </p:cNvSpPr>
+              <p:nvPr/>
+            </p:nvSpPr>
+            <p:spPr>
+              <a:xfrm>
+                <a:off x="2231655" y="2107168"/>
+                <a:ext cx="488724" cy="369332"/>
+              </a:xfrm>
+              <a:prstGeom prst="rect">
+                <a:avLst/>
+              </a:prstGeom>
+              <a:blipFill>
+                <a:blip r:embed="rId5"/>
+                <a:stretch>
+                  <a:fillRect/>
+                </a:stretch>
+              </a:blipFill>
+            </p:spPr>
+            <p:txBody>
+              <a:bodyPr/>
+              <a:lstStyle/>
+              <a:p>
+                <a:r>
+                  <a:rPr lang="en-US">
+                    <a:noFill/>
+                  </a:rPr>
+                  <a:t> </a:t>
+                </a:r>
+              </a:p>
+            </p:txBody>
+          </p:sp>
+        </mc:Fallback>
+      </mc:AlternateContent>
+      <mc:AlternateContent xmlns:mc="http://schemas.openxmlformats.org/markup-compatibility/2006" xmlns:a14="http://schemas.microsoft.com/office/drawing/2010/main">
+        <mc:Choice Requires="a14">
+          <p:sp>
+            <p:nvSpPr>
+              <p:cNvPr id="16" name="TextBox 15">
+                <a:extLst>
+                  <a:ext uri="{FF2B5EF4-FFF2-40B4-BE49-F238E27FC236}">
+                    <a16:creationId xmlns:a16="http://schemas.microsoft.com/office/drawing/2014/main" id="{5D3DFFB7-A7F7-E503-EA3B-28A5F3F0DD61}"/>
+                  </a:ext>
+                </a:extLst>
+              </p:cNvPr>
+              <p:cNvSpPr txBox="1"/>
+              <p:nvPr/>
+            </p:nvSpPr>
+            <p:spPr>
+              <a:xfrm>
+                <a:off x="1851013" y="5946155"/>
+                <a:ext cx="494046" cy="369332"/>
+              </a:xfrm>
+              <a:prstGeom prst="rect">
+                <a:avLst/>
+              </a:prstGeom>
+              <a:noFill/>
+            </p:spPr>
+            <p:txBody>
+              <a:bodyPr wrap="none" rtlCol="0">
+                <a:spAutoFit/>
+              </a:bodyPr>
+              <a:lstStyle/>
+              <a:p>
+                <a:pPr/>
+                <a14:m>
+                  <m:oMathPara xmlns:m="http://schemas.openxmlformats.org/officeDocument/2006/math">
+                    <m:oMathParaPr>
+                      <m:jc m:val="centerGroup"/>
+                    </m:oMathParaPr>
+                    <m:oMath xmlns:m="http://schemas.openxmlformats.org/officeDocument/2006/math">
+                      <m:sSub>
+                        <m:sSubPr>
+                          <m:ctrlPr>
+                            <a:rPr lang="fr-FR" b="0" i="1" smtClean="0">
+                              <a:latin typeface="Cambria Math" panose="02040503050406030204" pitchFamily="18" charset="0"/>
+                            </a:rPr>
+                          </m:ctrlPr>
+                        </m:sSubPr>
+                        <m:e>
+                          <m:r>
+                            <a:rPr lang="fr-FR" b="0" i="1" smtClean="0">
+                              <a:latin typeface="Cambria Math" panose="02040503050406030204" pitchFamily="18" charset="0"/>
+                            </a:rPr>
+                            <m:t>𝑁</m:t>
+                          </m:r>
+                        </m:e>
+                        <m:sub>
+                          <m:r>
+                            <a:rPr lang="fr-FR" b="0" i="1" smtClean="0">
+                              <a:latin typeface="Cambria Math" panose="02040503050406030204" pitchFamily="18" charset="0"/>
+                            </a:rPr>
+                            <m:t>3</m:t>
+                          </m:r>
+                        </m:sub>
+                      </m:sSub>
+                    </m:oMath>
+                  </m:oMathPara>
+                </a14:m>
+                <a:endParaRPr lang="fr-FR" b="0" dirty="0"/>
+              </a:p>
+            </p:txBody>
+          </p:sp>
+        </mc:Choice>
+        <mc:Fallback xmlns="">
+          <p:sp>
+            <p:nvSpPr>
+              <p:cNvPr id="16" name="TextBox 15">
+                <a:extLst>
+                  <a:ext uri="{FF2B5EF4-FFF2-40B4-BE49-F238E27FC236}">
+                    <a16:creationId xmlns:a16="http://schemas.microsoft.com/office/drawing/2014/main" id="{5D3DFFB7-A7F7-E503-EA3B-28A5F3F0DD61}"/>
+                  </a:ext>
+                </a:extLst>
+              </p:cNvPr>
+              <p:cNvSpPr txBox="1">
+                <a:spLocks noRot="1" noChangeAspect="1" noMove="1" noResize="1" noEditPoints="1" noAdjustHandles="1" noChangeArrowheads="1" noChangeShapeType="1" noTextEdit="1"/>
+              </p:cNvSpPr>
+              <p:nvPr/>
+            </p:nvSpPr>
+            <p:spPr>
+              <a:xfrm>
+                <a:off x="1851013" y="5946155"/>
+                <a:ext cx="494046" cy="369332"/>
+              </a:xfrm>
+              <a:prstGeom prst="rect">
+                <a:avLst/>
+              </a:prstGeom>
+              <a:blipFill>
+                <a:blip r:embed="rId6"/>
+                <a:stretch>
+                  <a:fillRect/>
+                </a:stretch>
+              </a:blipFill>
+            </p:spPr>
+            <p:txBody>
+              <a:bodyPr/>
+              <a:lstStyle/>
+              <a:p>
+                <a:r>
+                  <a:rPr lang="en-US">
+                    <a:noFill/>
+                  </a:rPr>
+                  <a:t> </a:t>
+                </a:r>
+              </a:p>
+            </p:txBody>
+          </p:sp>
+        </mc:Fallback>
+      </mc:AlternateContent>
+      <mc:AlternateContent xmlns:mc="http://schemas.openxmlformats.org/markup-compatibility/2006" xmlns:a14="http://schemas.microsoft.com/office/drawing/2010/main">
+        <mc:Choice Requires="a14">
+          <p:sp>
+            <p:nvSpPr>
+              <p:cNvPr id="17" name="TextBox 16">
+                <a:extLst>
+                  <a:ext uri="{FF2B5EF4-FFF2-40B4-BE49-F238E27FC236}">
+                    <a16:creationId xmlns:a16="http://schemas.microsoft.com/office/drawing/2014/main" id="{9455FBB3-A9C8-E52F-3C76-76BA17682E9A}"/>
+                  </a:ext>
+                </a:extLst>
+              </p:cNvPr>
+              <p:cNvSpPr txBox="1"/>
+              <p:nvPr/>
+            </p:nvSpPr>
+            <p:spPr>
+              <a:xfrm>
+                <a:off x="1148455" y="3433041"/>
+                <a:ext cx="494046" cy="369332"/>
+              </a:xfrm>
+              <a:prstGeom prst="rect">
+                <a:avLst/>
+              </a:prstGeom>
+              <a:noFill/>
+            </p:spPr>
+            <p:txBody>
+              <a:bodyPr wrap="none" rtlCol="0">
+                <a:spAutoFit/>
+              </a:bodyPr>
+              <a:lstStyle/>
+              <a:p>
+                <a:pPr/>
+                <a14:m>
+                  <m:oMathPara xmlns:m="http://schemas.openxmlformats.org/officeDocument/2006/math">
+                    <m:oMathParaPr>
+                      <m:jc m:val="centerGroup"/>
+                    </m:oMathParaPr>
+                    <m:oMath xmlns:m="http://schemas.openxmlformats.org/officeDocument/2006/math">
+                      <m:sSub>
+                        <m:sSubPr>
+                          <m:ctrlPr>
+                            <a:rPr lang="fr-FR" b="0" i="1" smtClean="0">
+                              <a:latin typeface="Cambria Math" panose="02040503050406030204" pitchFamily="18" charset="0"/>
+                            </a:rPr>
+                          </m:ctrlPr>
+                        </m:sSubPr>
+                        <m:e>
+                          <m:r>
+                            <a:rPr lang="fr-FR" b="0" i="1" smtClean="0">
+                              <a:latin typeface="Cambria Math" panose="02040503050406030204" pitchFamily="18" charset="0"/>
+                            </a:rPr>
+                            <m:t>𝑁</m:t>
+                          </m:r>
+                        </m:e>
+                        <m:sub>
+                          <m:r>
+                            <a:rPr lang="fr-FR" b="0" i="1" smtClean="0">
+                              <a:latin typeface="Cambria Math" panose="02040503050406030204" pitchFamily="18" charset="0"/>
+                            </a:rPr>
+                            <m:t>2</m:t>
+                          </m:r>
+                        </m:sub>
+                      </m:sSub>
+                    </m:oMath>
+                  </m:oMathPara>
+                </a14:m>
+                <a:endParaRPr lang="fr-FR" b="0" dirty="0"/>
+              </a:p>
+            </p:txBody>
+          </p:sp>
+        </mc:Choice>
+        <mc:Fallback xmlns="">
+          <p:sp>
+            <p:nvSpPr>
+              <p:cNvPr id="17" name="TextBox 16">
+                <a:extLst>
+                  <a:ext uri="{FF2B5EF4-FFF2-40B4-BE49-F238E27FC236}">
+                    <a16:creationId xmlns:a16="http://schemas.microsoft.com/office/drawing/2014/main" id="{9455FBB3-A9C8-E52F-3C76-76BA17682E9A}"/>
+                  </a:ext>
+                </a:extLst>
+              </p:cNvPr>
+              <p:cNvSpPr txBox="1">
+                <a:spLocks noRot="1" noChangeAspect="1" noMove="1" noResize="1" noEditPoints="1" noAdjustHandles="1" noChangeArrowheads="1" noChangeShapeType="1" noTextEdit="1"/>
+              </p:cNvSpPr>
+              <p:nvPr/>
+            </p:nvSpPr>
+            <p:spPr>
+              <a:xfrm>
+                <a:off x="1148455" y="3433041"/>
+                <a:ext cx="494046" cy="369332"/>
+              </a:xfrm>
+              <a:prstGeom prst="rect">
+                <a:avLst/>
+              </a:prstGeom>
+              <a:blipFill>
+                <a:blip r:embed="rId7"/>
+                <a:stretch>
+                  <a:fillRect/>
+                </a:stretch>
+              </a:blipFill>
+            </p:spPr>
+            <p:txBody>
+              <a:bodyPr/>
+              <a:lstStyle/>
+              <a:p>
+                <a:r>
+                  <a:rPr lang="en-US">
+                    <a:noFill/>
+                  </a:rPr>
+                  <a:t> </a:t>
+                </a:r>
+              </a:p>
+            </p:txBody>
+          </p:sp>
+        </mc:Fallback>
+      </mc:AlternateContent>
+    </p:spTree>
+    <p:extLst>
+      <p:ext uri="{BB962C8B-B14F-4D97-AF65-F5344CB8AC3E}">
+        <p14:creationId xmlns:p14="http://schemas.microsoft.com/office/powerpoint/2010/main" val="1939492519"/>
+      </p:ext>
+    </p:extLst>
+  </p:cSld>
+  <p:clrMapOvr>
+    <a:masterClrMapping/>
+  </p:clrMapOvr>
+  <p:timing>
+    <p:tnLst>
+      <p:par>
+        <p:cTn id="1" dur="indefinite" restart="never" nodeType="tmRoot">
+          <p:childTnLst>
+            <p:seq concurrent="1" nextAc="seek">
+              <p:cTn id="2" dur="indefinite" nodeType="mainSeq">
+                <p:childTnLst>
+                  <p:par>
+                    <p:cTn id="3" fill="hold">
+                      <p:stCondLst>
+                        <p:cond delay="indefinite"/>
+                      </p:stCondLst>
+                      <p:childTnLst>
+                        <p:par>
+                          <p:cTn id="4" fill="hold">
+                            <p:stCondLst>
+                              <p:cond delay="0"/>
+                            </p:stCondLst>
+                            <p:childTnLst>
+                              <p:par>
+                                <p:cTn id="5" presetID="0" presetClass="path" presetSubtype="0" accel="50000" decel="50000" fill="hold" grpId="0" nodeType="clickEffect">
+                                  <p:stCondLst>
+                                    <p:cond delay="0"/>
+                                  </p:stCondLst>
+                                  <p:childTnLst>
+                                    <p:animMotion origin="layout" path="M 3.33333E-6 -2.22222E-6 L 3.33333E-6 0.00023 C 0.00091 0.00023 0.00208 0.00093 0.00325 0.00162 C 0.0039 0.00185 0.00481 0.00209 0.0056 0.00255 C 0.00599 0.00255 0.00638 0.00301 0.0069 0.00347 C 0.00755 0.00371 0.00911 0.00394 0.00976 0.0044 C 0.0108 0.00463 0.01172 0.00533 0.01289 0.00579 C 0.01328 0.00579 0.01367 0.00602 0.01419 0.00625 C 0.0151 0.00648 0.01536 0.00672 0.01653 0.00718 C 0.01718 0.00718 0.0181 0.00741 0.01888 0.00764 C 0.02135 0.00857 0.02369 0.00972 0.02643 0.01042 C 0.02721 0.01042 0.02799 0.01065 0.02877 0.01088 C 0.02929 0.01088 0.02968 0.01111 0.03034 0.01134 C 0.03086 0.01134 0.03151 0.01158 0.03216 0.01204 C 0.03268 0.01204 0.0332 0.01227 0.03372 0.0125 C 0.03398 0.0125 0.03437 0.01273 0.03476 0.01297 C 0.03541 0.01297 0.03632 0.0132 0.03711 0.01343 C 0.03867 0.01366 0.03802 0.01366 0.03945 0.01435 C 0.04192 0.01482 0.03997 0.01435 0.04284 0.01505 C 0.0431 0.01505 0.04349 0.01528 0.04388 0.01551 C 0.0444 0.01551 0.04505 0.01574 0.0457 0.01597 C 0.04726 0.0169 0.04557 0.01597 0.04856 0.0169 C 0.04882 0.0169 0.04922 0.01713 0.04948 0.01736 C 0.05026 0.01759 0.05117 0.01783 0.05208 0.01829 L 0.0539 0.01922 C 0.05416 0.01922 0.05442 0.01945 0.05468 0.01968 C 0.05521 0.01991 0.05573 0.02037 0.05625 0.02107 C 0.05651 0.0213 0.05664 0.02176 0.05703 0.02199 C 0.05755 0.02222 0.0582 0.02246 0.05885 0.02292 C 0.05924 0.02338 0.05963 0.02408 0.06015 0.02454 C 0.06172 0.02593 0.06093 0.02477 0.06224 0.02639 C 0.0664 0.03172 0.06132 0.02523 0.06432 0.02963 C 0.06445 0.02986 0.06484 0.02986 0.0651 0.03033 C 0.06601 0.03148 0.06614 0.03195 0.06744 0.0331 C 0.06757 0.0331 0.06797 0.03334 0.06823 0.03357 C 0.06849 0.0338 0.06862 0.03426 0.06901 0.03449 C 0.06966 0.03496 0.07135 0.03611 0.07135 0.03634 C 0.072 0.03681 0.0733 0.03866 0.07396 0.03935 C 0.07422 0.03959 0.07461 0.03935 0.075 0.03982 C 0.07578 0.04028 0.07669 0.04144 0.0776 0.04213 C 0.07916 0.04329 0.08112 0.04398 0.08281 0.04468 C 0.08515 0.04584 0.08463 0.04584 0.08698 0.04699 C 0.08763 0.04722 0.08854 0.04769 0.08932 0.04815 C 0.0901 0.04838 0.09101 0.04908 0.09192 0.04954 C 0.09257 0.04977 0.09323 0.05 0.09401 0.05047 C 0.0944 0.0507 0.09479 0.05093 0.09531 0.05139 C 0.0957 0.05139 0.09609 0.05162 0.09661 0.05185 C 0.097 0.05209 0.09739 0.05255 0.09791 0.05278 C 0.09869 0.05301 0.09948 0.05324 0.10039 0.05371 C 0.10625 0.05625 0.10325 0.05509 0.10768 0.05741 C 0.10833 0.05764 0.10898 0.05787 0.10976 0.05834 C 0.1108 0.0588 0.11224 0.06019 0.11315 0.06111 C 0.11419 0.06204 0.11497 0.06273 0.11627 0.06343 C 0.11992 0.06482 0.12174 0.06435 0.12617 0.06482 C 0.12656 0.06482 0.12903 0.06482 0.13007 0.06574 C 0.13034 0.06574 0.13047 0.06644 0.13086 0.06667 C 0.13125 0.0669 0.1319 0.06713 0.13242 0.06759 C 0.13294 0.06829 0.13398 0.06968 0.13476 0.07037 C 0.13541 0.0706 0.13606 0.07084 0.13685 0.07153 C 0.1388 0.07246 0.13802 0.07246 0.14023 0.07338 C 0.14205 0.07408 0.14427 0.07408 0.14622 0.07431 C 0.14726 0.07431 0.1483 0.07454 0.14948 0.07477 C 0.15247 0.07547 0.14896 0.07431 0.15208 0.07639 C 0.1526 0.07662 0.15325 0.07685 0.1539 0.07732 C 0.15664 0.08079 0.15494 0.07894 0.15911 0.08195 L 0.15911 0.08218 C 0.16093 0.08403 0.15989 0.08334 0.16224 0.08403 C 0.16419 0.08542 0.16276 0.08449 0.16484 0.08542 C 0.16705 0.08634 0.16653 0.08611 0.16875 0.08727 C 0.16901 0.08727 0.1694 0.0875 0.16979 0.08773 C 0.17031 0.08797 0.17161 0.08935 0.17213 0.08982 C 0.17239 0.09005 0.17265 0.09028 0.17291 0.09074 C 0.17317 0.09097 0.1733 0.09167 0.17369 0.09213 C 0.17396 0.09259 0.17578 0.09445 0.1763 0.0956 C 0.1776 0.09792 0.17565 0.09607 0.17786 0.09884 C 0.18281 0.10486 0.17838 0.09931 0.18203 0.10255 C 0.18541 0.10533 0.18112 0.10185 0.18385 0.10394 C 0.18411 0.10417 0.1845 0.1044 0.18489 0.10486 C 0.18502 0.10486 0.18541 0.10486 0.18567 0.10509 C 0.18659 0.10579 0.18659 0.10648 0.1875 0.1081 C 0.18763 0.10834 0.18802 0.10857 0.18828 0.10903 C 0.18841 0.10949 0.18854 0.10996 0.1888 0.11042 C 0.18893 0.11088 0.18932 0.11111 0.18958 0.11181 C 0.18984 0.1125 0.1901 0.11505 0.19036 0.11644 C 0.1901 0.12986 0.19023 0.12778 0.18984 0.13727 C 0.18958 0.14213 0.18984 0.14028 0.18932 0.14352 C 0.18945 0.15023 0.18932 0.15093 0.18984 0.15648 C 0.18984 0.15718 0.18997 0.15787 0.1901 0.1588 C 0.19023 0.15996 0.19062 0.1625 0.19062 0.16273 C 0.19049 0.16597 0.19062 0.17014 0.19036 0.17408 C 0.19023 0.17477 0.18971 0.17523 0.18958 0.17593 C 0.18932 0.17616 0.18919 0.17662 0.18906 0.17732 C 0.18763 0.18148 0.18958 0.17662 0.1875 0.18102 C 0.18724 0.18125 0.18711 0.18172 0.18698 0.18241 C 0.18593 0.18496 0.18619 0.18403 0.18567 0.18704 C 0.18554 0.18843 0.18541 0.18982 0.18541 0.19144 C 0.18515 0.19352 0.18489 0.19769 0.18489 0.19792 C 0.1845 0.20972 0.1845 0.20579 0.18489 0.22014 C 0.18489 0.22176 0.18502 0.22639 0.18541 0.22894 C 0.1858 0.23172 0.18619 0.23496 0.18698 0.23797 C 0.18737 0.23982 0.18789 0.24074 0.18828 0.24283 C 0.18828 0.24352 0.18841 0.24422 0.18854 0.24514 C 0.18867 0.24584 0.1888 0.24653 0.18906 0.24746 C 0.18932 0.24908 0.18919 0.24908 0.18958 0.25093 C 0.19023 0.25394 0.1901 0.25185 0.19062 0.25579 C 0.19062 0.25672 0.19075 0.25787 0.19088 0.25903 C 0.19088 0.25949 0.19101 0.26019 0.19114 0.26088 C 0.19114 0.26181 0.19127 0.2625 0.1914 0.26343 C 0.19153 0.26412 0.19166 0.26482 0.19192 0.26574 C 0.19192 0.26644 0.19192 0.26713 0.19218 0.26806 C 0.19218 0.26852 0.19244 0.26922 0.19271 0.26991 C 0.19271 0.27014 0.19284 0.27084 0.19297 0.27153 C 0.1931 0.27292 0.19349 0.27431 0.19375 0.27593 C 0.19375 0.27639 0.19375 0.27709 0.19401 0.27778 C 0.19414 0.27824 0.19453 0.27847 0.19479 0.27917 C 0.19648 0.28264 0.19492 0.27986 0.19583 0.28148 L 0.19778 0.28542 " pathEditMode="relative" rAng="0" ptsTypes="AAAAAAAAAAAAAAAAAAAAAAAAAAAAAAAAAAAAAAAAAAAAAAAAAAAAAAAAAAAAAAAAAAAAAAAAAAAAAAAAAAAAAAAAAAAAAAAAAAAAAAAAAAAAAAAAAAAAA">
+                                      <p:cBhvr>
+                                        <p:cTn id="6" dur="2000" fill="hold"/>
+                                        <p:tgtEl>
+                                          <p:spTgt spid="11"/>
+                                        </p:tgtEl>
+                                        <p:attrNameLst>
+                                          <p:attrName>ppt_x</p:attrName>
+                                          <p:attrName>ppt_y</p:attrName>
+                                        </p:attrNameLst>
+                                      </p:cBhvr>
+                                      <p:rCtr x="9883" y="14259"/>
+                                    </p:animMotion>
+                                  </p:childTnLst>
+                                </p:cTn>
+                              </p:par>
+                              <p:par>
+                                <p:cTn id="7" presetID="0" presetClass="path" presetSubtype="0" accel="50000" decel="50000" fill="hold" grpId="0" nodeType="withEffect">
+                                  <p:stCondLst>
+                                    <p:cond delay="0"/>
+                                  </p:stCondLst>
+                                  <p:childTnLst>
+                                    <p:animMotion origin="layout" path="M -0.00104 0.00232 L -0.00104 0.00255 C 0.00052 0.00116 0.00195 -1.48148E-6 0.00365 -0.00116 C 0.00937 -0.00417 0.01523 -0.00301 0.02161 -0.00347 C 0.02227 -0.0037 0.02292 -0.00393 0.0237 -0.0044 C 0.02448 -0.00463 0.02539 -0.00463 0.0263 -0.00509 C 0.03229 -0.00833 0.02318 -0.00555 0.03216 -0.00787 C 0.03268 -0.0081 0.03307 -0.0081 0.03372 -0.00856 C 0.03437 -0.00879 0.03503 -0.00903 0.03581 -0.00949 C 0.04206 -0.0125 0.03477 -0.00972 0.04115 -0.0118 C 0.0418 -0.01204 0.04245 -0.01227 0.04323 -0.01273 C 0.04375 -0.01296 0.04414 -0.01342 0.04492 -0.01366 C 0.05091 -0.01458 0.0651 -0.01504 0.06862 -0.01528 C 0.08346 -0.01458 0.09544 -0.01366 0.11042 -0.01528 C 0.11094 -0.01528 0.11133 -0.01667 0.11198 -0.01713 C 0.11263 -0.01736 0.11328 -0.01736 0.11406 -0.01782 C 0.11458 -0.01875 0.11484 -0.01967 0.11575 -0.02037 C 0.11654 -0.02083 0.11745 -0.0206 0.11836 -0.02106 C 0.11888 -0.02129 0.1194 -0.02153 0.11992 -0.02199 C 0.12083 -0.02245 0.12292 -0.02384 0.12422 -0.02454 C 0.1276 -0.02592 0.12943 -0.02569 0.13359 -0.02639 C 0.13424 -0.02662 0.13503 -0.02685 0.13581 -0.02708 C 0.13802 -0.02754 0.14453 -0.02824 0.14648 -0.0287 C 0.14753 -0.02917 0.14844 -0.02986 0.14961 -0.03032 L 0.15508 -0.03217 C 0.15586 -0.03241 0.15677 -0.03264 0.15768 -0.03287 C 0.15898 -0.03333 0.16042 -0.03379 0.16185 -0.03472 C 0.16406 -0.03565 0.16276 -0.03518 0.16549 -0.03565 C 0.16823 -0.03565 0.17083 -0.03565 0.17344 -0.03565 C 0.17435 -0.03542 0.17526 -0.03472 0.17617 -0.03472 C 0.1776 -0.03426 0.1793 -0.03403 0.18086 -0.03379 C 0.18724 -0.03403 0.19362 -0.03403 0.2 -0.03472 C 0.20065 -0.03472 0.2013 -0.03542 0.20208 -0.03565 C 0.20338 -0.03565 0.20482 -0.03565 0.20625 -0.03565 C 0.20703 -0.03565 0.20807 -0.03565 0.20885 -0.03565 C 0.20924 -0.03495 0.20898 -0.03356 0.20937 -0.03287 C 0.21029 -0.03055 0.21146 -0.02963 0.21315 -0.0287 C 0.21367 -0.02824 0.21432 -0.02801 0.21484 -0.02778 C 0.21719 -0.02199 0.21562 -0.02338 0.21849 -0.02199 C 0.21875 -0.0206 0.21888 -0.01944 0.21953 -0.01875 C 0.21979 -0.01805 0.22057 -0.01805 0.22109 -0.01782 C 0.22161 -0.01736 0.22213 -0.01667 0.22266 -0.0162 C 0.22422 -0.01088 0.22318 -0.01366 0.22578 -0.00787 C 0.22604 -0.00694 0.22617 -0.00555 0.22682 -0.00509 C 0.2276 -0.0044 0.22838 -0.00324 0.22956 -0.00254 C 0.23021 -0.00208 0.23086 -0.00208 0.23164 -0.00185 C 0.23281 -0.00069 0.23359 0.00116 0.2349 0.00139 C 0.23555 0.00185 0.2362 0.00208 0.23698 0.00232 C 0.2375 0.00278 0.23789 0.00301 0.23854 0.00324 C 0.23984 0.00394 0.24141 0.00417 0.24271 0.00486 C 0.24622 0.00764 0.24323 0.00579 0.247 0.00741 C 0.24805 0.00787 0.24896 0.00857 0.25013 0.00903 C 0.25078 0.00949 0.25156 0.00972 0.25234 0.00996 C 0.25286 0.01042 0.25325 0.01065 0.25391 0.01065 C 0.26328 0.01389 0.25338 0.01019 0.25977 0.0125 C 0.26029 0.0132 0.26068 0.01366 0.26133 0.01412 C 0.26224 0.01482 0.26445 0.01574 0.26445 0.01597 C 0.2651 0.01667 0.26575 0.01759 0.26654 0.01829 C 0.26706 0.01898 0.26784 0.01898 0.26862 0.01921 C 0.27266 0.0206 0.27018 0.01968 0.27565 0.02083 C 0.27643 0.02107 0.27734 0.02176 0.27825 0.02176 C 0.28385 0.02292 0.28424 0.02269 0.2901 0.02269 L 0.2901 0.02292 " pathEditMode="relative" rAng="0" ptsTypes="AAAAAAAAAAAAAAAAAAAAAAAAAAAAAAAAAAAAAAAAAAAAAAAAAAAAAAAAAAAAAAA">
+                                      <p:cBhvr>
+                                        <p:cTn id="8" dur="2000" fill="hold"/>
+                                        <p:tgtEl>
+                                          <p:spTgt spid="12"/>
+                                        </p:tgtEl>
+                                        <p:attrNameLst>
+                                          <p:attrName>ppt_x</p:attrName>
+                                          <p:attrName>ppt_y</p:attrName>
+                                        </p:attrNameLst>
+                                      </p:cBhvr>
+                                      <p:rCtr x="14557" y="-880"/>
+                                    </p:animMotion>
+                                  </p:childTnLst>
+                                </p:cTn>
+                              </p:par>
+                              <p:par>
+                                <p:cTn id="9" presetID="0" presetClass="path" presetSubtype="0" accel="50000" decel="50000" fill="hold" grpId="0" nodeType="withEffect">
+                                  <p:stCondLst>
+                                    <p:cond delay="0"/>
+                                  </p:stCondLst>
+                                  <p:childTnLst>
+                                    <p:animMotion origin="layout" path="M -6.25E-7 0.00115 L -6.25E-7 0.00162 L 0.0375 0.00069 C 0.03815 0.00046 0.0388 0.00023 0.03958 0.00023 C 0.0418 -0.00023 0.04427 -0.00023 0.04662 -0.00023 C 0.04792 -0.0007 0.05091 -0.00162 0.0526 -0.00162 C 0.05404 -0.00185 0.05573 -0.00209 0.05729 -0.00209 C 0.05742 -0.00232 0.06029 -0.00301 0.06068 -0.00301 C 0.06094 -0.00324 0.06133 -0.00394 0.06172 -0.00394 C 0.0625 -0.0044 0.06341 -0.0044 0.06432 -0.0044 C 0.06458 -0.00463 0.06497 -0.00486 0.06537 -0.00486 C 0.06589 -0.00533 0.06628 -0.00579 0.06693 -0.00579 C 0.06745 -0.00625 0.0681 -0.00625 0.06875 -0.00625 C 0.06901 -0.00648 0.0694 -0.00672 0.06979 -0.00672 C 0.07018 -0.00695 0.07057 -0.00718 0.07109 -0.00718 C 0.07422 -0.00903 0.07031 -0.00764 0.07396 -0.00857 C 0.07578 -0.01042 0.07461 -0.00949 0.0776 -0.01042 C 0.08073 -0.01158 0.07669 -0.01019 0.08047 -0.01135 C 0.08086 -0.01158 0.08125 -0.01158 0.08203 -0.01158 C 0.08229 -0.01181 0.08268 -0.01204 0.08307 -0.01204 C 0.08464 -0.0125 0.08633 -0.0125 0.08802 -0.0125 C 0.09037 -0.01366 0.08737 -0.01227 0.09089 -0.01389 C 0.09115 -0.01435 0.09154 -0.01459 0.09193 -0.01459 C 0.09232 -0.01505 0.09271 -0.01528 0.09323 -0.01551 C 0.09375 -0.01597 0.09544 -0.0169 0.09583 -0.0169 C 0.09662 -0.01736 0.10065 -0.01783 0.1013 -0.01783 C 0.10156 -0.01806 0.10195 -0.01829 0.10234 -0.01829 C 0.10625 -0.01829 0.11029 -0.01806 0.11432 -0.01783 L 0.13229 -0.01736 C 0.14258 -0.01435 0.13581 -0.01621 0.1612 -0.01736 C 0.16172 -0.0176 0.16211 -0.01829 0.16276 -0.01829 C 0.16628 -0.01968 0.16185 -0.01806 0.16563 -0.01968 C 0.16602 -0.01991 0.16641 -0.02014 0.16693 -0.02014 C 0.16719 -0.02037 0.16758 -0.0206 0.16797 -0.0206 C 0.16836 -0.02084 0.16875 -0.02107 0.16927 -0.02107 C 0.17162 -0.02176 0.17109 -0.0213 0.17318 -0.02199 C 0.17578 -0.02315 0.17227 -0.02199 0.17552 -0.02338 C 0.17591 -0.02385 0.17656 -0.02385 0.17708 -0.02385 C 0.1776 -0.02431 0.178 -0.02454 0.17865 -0.02477 C 0.1793 -0.025 0.17995 -0.02523 0.18073 -0.02547 C 0.18151 -0.02593 0.18242 -0.02593 0.18333 -0.02639 C 0.18607 -0.02847 0.1832 -0.02662 0.18568 -0.02778 C 0.18646 -0.02824 0.18711 -0.02917 0.18802 -0.02917 L 0.19063 -0.02986 C 0.19284 -0.03102 0.19089 -0.03033 0.19531 -0.03079 C 0.19609 -0.03102 0.19688 -0.03125 0.19766 -0.03125 C 0.19792 -0.03148 0.19805 -0.03172 0.19844 -0.03172 C 0.19961 -0.03218 0.20208 -0.03264 0.20208 -0.03241 C 0.20417 -0.03472 0.20195 -0.03287 0.20521 -0.03403 C 0.20573 -0.03426 0.20612 -0.03472 0.20677 -0.03496 C 0.20716 -0.03519 0.20755 -0.03542 0.20807 -0.03542 C 0.21172 -0.03866 0.20768 -0.03519 0.21094 -0.03797 C 0.21211 -0.03935 0.21185 -0.03866 0.21302 -0.04028 C 0.21419 -0.04236 0.2138 -0.04167 0.21458 -0.04352 C 0.2151 -0.04491 0.21537 -0.04584 0.21589 -0.04699 C 0.21615 -0.04815 0.21654 -0.04931 0.21693 -0.05023 C 0.21693 -0.05093 0.21706 -0.05209 0.21719 -0.05278 C 0.21758 -0.05718 0.21719 -0.05255 0.21771 -0.05602 C 0.21771 -0.05695 0.21784 -0.05764 0.21797 -0.05834 C 0.2181 -0.05926 0.21823 -0.05996 0.21849 -0.06088 C 0.21849 -0.06135 0.21862 -0.06204 0.21875 -0.06227 C 0.21888 -0.06297 0.21901 -0.06366 0.21927 -0.06389 C 0.21966 -0.06551 0.22018 -0.0669 0.22083 -0.06806 C 0.22096 -0.06875 0.22135 -0.06898 0.22162 -0.06945 C 0.22214 -0.07292 0.22135 -0.06898 0.22266 -0.07222 C 0.22279 -0.07269 0.22279 -0.07338 0.22292 -0.07361 C 0.22305 -0.07431 0.22318 -0.07454 0.22344 -0.075 C 0.22357 -0.07593 0.2237 -0.07685 0.22396 -0.07732 C 0.22409 -0.07824 0.22448 -0.07894 0.22474 -0.07963 C 0.22487 -0.08056 0.225 -0.08148 0.22526 -0.08241 C 0.22539 -0.08403 0.22578 -0.08704 0.22578 -0.08681 C 0.22578 -0.08889 0.22578 -0.09028 0.22604 -0.09213 C 0.22617 -0.09375 0.22656 -0.09491 0.22682 -0.0963 L 0.22708 -0.09769 C 0.22708 -0.09815 0.22721 -0.09885 0.22734 -0.09908 C 0.22774 -0.10116 0.22826 -0.10324 0.22865 -0.10486 C 0.22865 -0.10579 0.22865 -0.10718 0.22891 -0.10787 C 0.22917 -0.10996 0.22956 -0.11158 0.22995 -0.11343 C 0.23008 -0.11482 0.23021 -0.11528 0.23047 -0.11644 C 0.23047 -0.11736 0.2306 -0.11852 0.23073 -0.11922 C 0.23073 -0.12014 0.23086 -0.12084 0.23099 -0.12153 C 0.23099 -0.12292 0.23099 -0.12408 0.23125 -0.125 C 0.23125 -0.1257 0.23151 -0.12639 0.23177 -0.12685 C 0.23177 -0.12732 0.2319 -0.12801 0.23203 -0.12824 C 0.23216 -0.12917 0.23229 -0.12963 0.23255 -0.13033 C 0.23255 -0.13102 0.23268 -0.13172 0.23281 -0.13218 C 0.23346 -0.13565 0.23307 -0.13287 0.23385 -0.13542 C 0.23385 -0.13588 0.23385 -0.13658 0.23412 -0.13681 C 0.23438 -0.1382 0.23477 -0.13889 0.23516 -0.13982 L 0.23568 -0.14167 C 0.23568 -0.14236 0.23568 -0.14306 0.23594 -0.14375 C 0.2362 -0.14514 0.23659 -0.1463 0.23698 -0.14746 C 0.23711 -0.14815 0.23737 -0.14885 0.2375 -0.14931 C 0.23802 -0.15232 0.23737 -0.14931 0.23828 -0.15255 C 0.23841 -0.15371 0.23854 -0.1544 0.2388 -0.1551 C 0.23893 -0.15556 0.23906 -0.15625 0.23932 -0.15672 C 0.23932 -0.15718 0.23932 -0.15787 0.23958 -0.1581 C 0.23971 -0.1588 0.2401 -0.15903 0.24037 -0.15949 C 0.24154 -0.16227 0.2405 -0.16065 0.24193 -0.16227 C 0.2431 -0.16574 0.24154 -0.16158 0.24323 -0.16505 C 0.24388 -0.16667 0.24336 -0.16644 0.24401 -0.16644 L 0.24531 -0.16852 " pathEditMode="relative" rAng="0" ptsTypes="AAAAAAAAAAAAAAAAAAAAAAAAAAAAAAAAAAAAAAAAAAAAAAAAAAAAAAAAAAAAAAAAAAAAAAAAAAAAAAAAAAAAAAAAAAAAAAAAAAAAAA">
+                                      <p:cBhvr>
+                                        <p:cTn id="10" dur="2000" fill="hold"/>
+                                        <p:tgtEl>
+                                          <p:spTgt spid="13"/>
+                                        </p:tgtEl>
+                                        <p:attrNameLst>
+                                          <p:attrName>ppt_x</p:attrName>
+                                          <p:attrName>ppt_y</p:attrName>
+                                        </p:attrNameLst>
+                                      </p:cBhvr>
+                                      <p:rCtr x="12266" y="-8472"/>
+                                    </p:animMotion>
+                                  </p:childTnLst>
+                                </p:cTn>
+                              </p:par>
+                            </p:childTnLst>
+                          </p:cTn>
+                        </p:par>
+                      </p:childTnLst>
+                    </p:cTn>
+                  </p:par>
+                  <p:par>
+                    <p:cTn id="11" fill="hold">
+                      <p:stCondLst>
+                        <p:cond delay="indefinite"/>
+                      </p:stCondLst>
+                      <p:childTnLst>
+                        <p:par>
+                          <p:cTn id="12" fill="hold">
+                            <p:stCondLst>
+                              <p:cond delay="0"/>
+                            </p:stCondLst>
+                            <p:childTnLst>
+                              <p:par>
+                                <p:cTn id="13" presetID="6" presetClass="emph" presetSubtype="0" fill="hold" grpId="1" nodeType="clickEffect">
+                                  <p:stCondLst>
+                                    <p:cond delay="0"/>
+                                  </p:stCondLst>
+                                  <p:childTnLst>
+                                    <p:animScale>
+                                      <p:cBhvr>
+                                        <p:cTn id="14" dur="500" fill="hold"/>
+                                        <p:tgtEl>
+                                          <p:spTgt spid="12"/>
+                                        </p:tgtEl>
+                                      </p:cBhvr>
+                                      <p:by x="200000" y="200000"/>
+                                    </p:animScale>
+                                  </p:childTnLst>
+                                </p:cTn>
+                              </p:par>
+                              <p:par>
+                                <p:cTn id="15" presetID="10" presetClass="exit" presetSubtype="0" fill="hold" grpId="1" nodeType="withEffect">
+                                  <p:stCondLst>
+                                    <p:cond delay="0"/>
+                                  </p:stCondLst>
+                                  <p:childTnLst>
+                                    <p:animEffect transition="out" filter="fade">
+                                      <p:cBhvr>
+                                        <p:cTn id="16" dur="500"/>
+                                        <p:tgtEl>
+                                          <p:spTgt spid="11"/>
+                                        </p:tgtEl>
+                                      </p:cBhvr>
+                                    </p:animEffect>
+                                    <p:set>
+                                      <p:cBhvr>
+                                        <p:cTn id="17" dur="1" fill="hold">
+                                          <p:stCondLst>
+                                            <p:cond delay="499"/>
+                                          </p:stCondLst>
+                                        </p:cTn>
+                                        <p:tgtEl>
+                                          <p:spTgt spid="11"/>
+                                        </p:tgtEl>
+                                        <p:attrNameLst>
+                                          <p:attrName>style.visibility</p:attrName>
+                                        </p:attrNameLst>
+                                      </p:cBhvr>
+                                      <p:to>
+                                        <p:strVal val="hidden"/>
+                                      </p:to>
+                                    </p:set>
+                                  </p:childTnLst>
+                                </p:cTn>
+                              </p:par>
+                              <p:par>
+                                <p:cTn id="18" presetID="10" presetClass="exit" presetSubtype="0" fill="hold" grpId="1" nodeType="withEffect">
+                                  <p:stCondLst>
+                                    <p:cond delay="0"/>
+                                  </p:stCondLst>
+                                  <p:childTnLst>
+                                    <p:animEffect transition="out" filter="fade">
+                                      <p:cBhvr>
+                                        <p:cTn id="19" dur="500"/>
+                                        <p:tgtEl>
+                                          <p:spTgt spid="13"/>
+                                        </p:tgtEl>
+                                      </p:cBhvr>
+                                    </p:animEffect>
+                                    <p:set>
+                                      <p:cBhvr>
+                                        <p:cTn id="20" dur="1" fill="hold">
+                                          <p:stCondLst>
+                                            <p:cond delay="499"/>
+                                          </p:stCondLst>
+                                        </p:cTn>
+                                        <p:tgtEl>
+                                          <p:spTgt spid="13"/>
+                                        </p:tgtEl>
+                                        <p:attrNameLst>
+                                          <p:attrName>style.visibility</p:attrName>
+                                        </p:attrNameLst>
+                                      </p:cBhvr>
+                                      <p:to>
+                                        <p:strVal val="hidden"/>
+                                      </p:to>
+                                    </p:set>
+                                  </p:childTnLst>
+                                </p:cTn>
+                              </p:par>
+                            </p:childTnLst>
+                          </p:cTn>
+                        </p:par>
+                        <p:par>
+                          <p:cTn id="21" fill="hold">
+                            <p:stCondLst>
+                              <p:cond delay="500"/>
+                            </p:stCondLst>
+                            <p:childTnLst>
+                              <p:par>
+                                <p:cTn id="22" presetID="6" presetClass="emph" presetSubtype="0" fill="hold" grpId="3" nodeType="afterEffect">
+                                  <p:stCondLst>
+                                    <p:cond delay="0"/>
+                                  </p:stCondLst>
+                                  <p:childTnLst>
+                                    <p:animScale>
+                                      <p:cBhvr>
+                                        <p:cTn id="23" dur="500" fill="hold"/>
+                                        <p:tgtEl>
+                                          <p:spTgt spid="12"/>
+                                        </p:tgtEl>
+                                      </p:cBhvr>
+                                      <p:by x="50000" y="50000"/>
+                                    </p:animScale>
+                                  </p:childTnLst>
+                                </p:cTn>
+                              </p:par>
+                            </p:childTnLst>
+                          </p:cTn>
+                        </p:par>
+                      </p:childTnLst>
+                    </p:cTn>
+                  </p:par>
+                  <p:par>
+                    <p:cTn id="24" fill="hold">
+                      <p:stCondLst>
+                        <p:cond delay="indefinite"/>
+                      </p:stCondLst>
+                      <p:childTnLst>
+                        <p:par>
+                          <p:cTn id="25" fill="hold">
+                            <p:stCondLst>
+                              <p:cond delay="0"/>
+                            </p:stCondLst>
+                            <p:childTnLst>
+                              <p:par>
+                                <p:cTn id="26" presetID="0" presetClass="path" presetSubtype="0" accel="50000" fill="hold" grpId="2" nodeType="clickEffect">
+                                  <p:stCondLst>
+                                    <p:cond delay="0"/>
+                                  </p:stCondLst>
+                                  <p:childTnLst>
+                                    <p:animMotion origin="layout" path="M 0.2901 0.02407 L 0.2901 0.02407 C 0.29349 0.02454 0.29284 0.02454 0.29766 0.02407 C 0.29857 0.02384 0.29935 0.02361 0.30026 0.02338 C 0.30052 0.02315 0.30091 0.02292 0.30117 0.02268 C 0.30117 0.02268 0.3026 0.0213 0.30286 0.0213 C 0.30521 0.02106 0.30755 0.02106 0.30976 0.02083 C 0.31484 0.02014 0.30898 0.02106 0.31953 0.02014 C 0.32187 0.02014 0.32539 0.01991 0.32812 0.01921 C 0.3306 0.01852 0.32786 0.01898 0.33086 0.01852 L 0.33489 0.01782 L 0.33724 0.01759 C 0.34297 0.01759 0.34883 0.01759 0.35443 0.01782 C 0.35495 0.01782 0.35573 0.01921 0.35599 0.01944 C 0.3569 0.02037 0.35716 0.02083 0.35807 0.0213 C 0.35872 0.02176 0.3595 0.02245 0.36042 0.02268 L 0.36641 0.02361 C 0.36706 0.02384 0.36758 0.02384 0.36823 0.02407 L 0.37266 0.02477 L 0.375 0.025 C 0.37604 0.02546 0.37721 0.02593 0.37838 0.02616 C 0.38151 0.02662 0.3862 0.02685 0.38945 0.02708 C 0.39831 0.02847 0.39167 0.02755 0.41146 0.02708 L 0.42135 0.02685 C 0.42279 0.02639 0.42487 0.02593 0.42617 0.02569 C 0.43463 0.025 0.42904 0.02546 0.44323 0.025 C 0.45013 0.02361 0.44661 0.02407 0.45833 0.02477 C 0.45911 0.02477 0.46016 0.02569 0.46068 0.02569 C 0.46133 0.02593 0.46198 0.02593 0.46276 0.02616 C 0.46289 0.02616 0.46302 0.02639 0.46328 0.02639 C 0.46497 0.02708 0.46419 0.02662 0.46562 0.02708 C 0.46614 0.02731 0.46654 0.02755 0.46693 0.02778 C 0.46758 0.02801 0.46927 0.0287 0.46953 0.02893 C 0.47005 0.02893 0.4707 0.02917 0.47135 0.02917 C 0.47292 0.03032 0.47161 0.02963 0.47344 0.03032 C 0.47409 0.03056 0.47461 0.03079 0.47526 0.03102 C 0.47552 0.03102 0.47565 0.03125 0.47604 0.03125 C 0.47669 0.03148 0.4776 0.03148 0.47838 0.03171 C 0.47891 0.03194 0.4793 0.03218 0.47995 0.03241 C 0.48164 0.03287 0.48346 0.0331 0.48516 0.03333 C 0.48724 0.03403 0.48529 0.03356 0.48906 0.03403 C 0.48971 0.03403 0.49023 0.03426 0.49088 0.03449 C 0.49154 0.03449 0.49245 0.03472 0.49323 0.03472 L 0.49427 0.03518 L 0.49557 0.03518 " pathEditMode="relative" ptsTypes="AAAAAAAAAAAAAAAAAAAAAAAAAAAAAAAAAAAAAAAAAAAAA">
+                                      <p:cBhvr>
+                                        <p:cTn id="27" dur="2000" fill="hold"/>
+                                        <p:tgtEl>
+                                          <p:spTgt spid="12"/>
+                                        </p:tgtEl>
+                                        <p:attrNameLst>
+                                          <p:attrName>ppt_x</p:attrName>
+                                          <p:attrName>ppt_y</p:attrName>
+                                        </p:attrNameLst>
+                                      </p:cBhvr>
+                                    </p:animMotion>
+                                  </p:childTnLst>
+                                </p:cTn>
+                              </p:par>
+                            </p:childTnLst>
+                          </p:cTn>
+                        </p:par>
+                        <p:par>
+                          <p:cTn id="28" fill="hold">
+                            <p:stCondLst>
+                              <p:cond delay="2000"/>
+                            </p:stCondLst>
+                            <p:childTnLst>
+                              <p:par>
+                                <p:cTn id="29" presetID="2" presetClass="exit" presetSubtype="2" fill="hold" grpId="4" nodeType="afterEffect">
+                                  <p:stCondLst>
+                                    <p:cond delay="0"/>
+                                  </p:stCondLst>
+                                  <p:childTnLst>
+                                    <p:anim calcmode="lin" valueType="num">
+                                      <p:cBhvr additive="base">
+                                        <p:cTn id="30" dur="500"/>
+                                        <p:tgtEl>
+                                          <p:spTgt spid="12"/>
+                                        </p:tgtEl>
+                                        <p:attrNameLst>
+                                          <p:attrName>ppt_x</p:attrName>
+                                        </p:attrNameLst>
+                                      </p:cBhvr>
+                                      <p:tavLst>
+                                        <p:tav tm="0">
+                                          <p:val>
+                                            <p:strVal val="ppt_x"/>
+                                          </p:val>
+                                        </p:tav>
+                                        <p:tav tm="100000">
+                                          <p:val>
+                                            <p:strVal val="1+ppt_w/2"/>
+                                          </p:val>
+                                        </p:tav>
+                                      </p:tavLst>
+                                    </p:anim>
+                                    <p:anim calcmode="lin" valueType="num">
+                                      <p:cBhvr additive="base">
+                                        <p:cTn id="31" dur="500"/>
+                                        <p:tgtEl>
+                                          <p:spTgt spid="12"/>
+                                        </p:tgtEl>
+                                        <p:attrNameLst>
+                                          <p:attrName>ppt_y</p:attrName>
+                                        </p:attrNameLst>
+                                      </p:cBhvr>
+                                      <p:tavLst>
+                                        <p:tav tm="0">
+                                          <p:val>
+                                            <p:strVal val="ppt_y"/>
+                                          </p:val>
+                                        </p:tav>
+                                        <p:tav tm="100000">
+                                          <p:val>
+                                            <p:strVal val="ppt_y"/>
+                                          </p:val>
+                                        </p:tav>
+                                      </p:tavLst>
+                                    </p:anim>
+                                    <p:set>
+                                      <p:cBhvr>
+                                        <p:cTn id="32" dur="1" fill="hold">
+                                          <p:stCondLst>
+                                            <p:cond delay="499"/>
+                                          </p:stCondLst>
+                                        </p:cTn>
+                                        <p:tgtEl>
+                                          <p:spTgt spid="12"/>
+                                        </p:tgtEl>
+                                        <p:attrNameLst>
+                                          <p:attrName>style.visibility</p:attrName>
+                                        </p:attrNameLst>
+                                      </p:cBhvr>
+                                      <p:to>
+                                        <p:strVal val="hidden"/>
+                                      </p:to>
+                                    </p:set>
+                                  </p:childTnLst>
+                                </p:cTn>
+                              </p:par>
+                            </p:childTnLst>
+                          </p:cTn>
+                        </p:par>
+                      </p:childTnLst>
+                    </p:cTn>
+                  </p:par>
+                </p:childTnLst>
+              </p:cTn>
+              <p:prevCondLst>
+                <p:cond evt="onPrev" delay="0">
+                  <p:tgtEl>
+                    <p:sldTgt/>
+                  </p:tgtEl>
+                </p:cond>
+              </p:prevCondLst>
+              <p:nextCondLst>
+                <p:cond evt="onNext" delay="0">
+                  <p:tgtEl>
+                    <p:sldTgt/>
+                  </p:tgtEl>
+                </p:cond>
+              </p:nextCondLst>
+            </p:seq>
+          </p:childTnLst>
+        </p:cTn>
+      </p:par>
+    </p:tnLst>
+    <p:bldLst>
+      <p:bldP spid="11" grpId="0" animBg="1"/>
+      <p:bldP spid="11" grpId="1" animBg="1"/>
+      <p:bldP spid="12" grpId="0" animBg="1"/>
+      <p:bldP spid="12" grpId="1" animBg="1"/>
+      <p:bldP spid="12" grpId="2" animBg="1"/>
+      <p:bldP spid="12" grpId="3" animBg="1"/>
+      <p:bldP spid="12" grpId="4" animBg="1"/>
+      <p:bldP spid="13" grpId="0" animBg="1"/>
+      <p:bldP spid="13" grpId="1" animBg="1"/>
+    </p:bldLst>
+  </p:timing>
+</p:sld>
+</file>
+
+<file path=ppt/slides/slide7.xml><?xml version="1.0" encoding="utf-8"?>
+<p:sld xmlns:a="http://schemas.openxmlformats.org/drawingml/2006/main" xmlns:r="http://schemas.openxmlformats.org/officeDocument/2006/relationships" xmlns:p="http://schemas.openxmlformats.org/presentationml/2006/main">
+  <p:cSld>
+    <p:spTree>
+      <p:nvGrpSpPr>
+        <p:cNvPr id="1" name=""/>
+        <p:cNvGrpSpPr/>
+        <p:nvPr/>
+      </p:nvGrpSpPr>
+      <p:grpSpPr>
+        <a:xfrm>
+          <a:off x="0" y="0"/>
+          <a:ext cx="0" cy="0"/>
+          <a:chOff x="0" y="0"/>
+          <a:chExt cx="0" cy="0"/>
+        </a:xfrm>
+      </p:grpSpPr>
+      <p:sp>
+        <p:nvSpPr>
+          <p:cNvPr id="2" name="Title 1">
+            <a:extLst>
+              <a:ext uri="{FF2B5EF4-FFF2-40B4-BE49-F238E27FC236}">
+                <a16:creationId xmlns:a16="http://schemas.microsoft.com/office/drawing/2014/main" id="{D18953F0-7D9F-B466-812A-9247418D7FAA}"/>
+              </a:ext>
+            </a:extLst>
+          </p:cNvPr>
+          <p:cNvSpPr>
+            <a:spLocks noGrp="1"/>
+          </p:cNvSpPr>
+          <p:nvPr>
+            <p:ph type="title"/>
+          </p:nvPr>
+        </p:nvSpPr>
+        <p:spPr/>
+        <p:txBody>
+          <a:bodyPr/>
+          <a:lstStyle/>
+          <a:p>
+            <a:r>
+              <a:rPr lang="en-US" dirty="0"/>
+              <a:t>Simulation of a neuron</a:t>
+            </a:r>
+            <a:endParaRPr lang="fr-FR" dirty="0"/>
+          </a:p>
+        </p:txBody>
+      </p:sp>
+      <p:pic>
+        <p:nvPicPr>
+          <p:cNvPr id="4" name="Picture 3">
+            <a:extLst>
+              <a:ext uri="{FF2B5EF4-FFF2-40B4-BE49-F238E27FC236}">
+                <a16:creationId xmlns:a16="http://schemas.microsoft.com/office/drawing/2014/main" id="{BCE59DB4-9EAB-BBE3-E7F7-0FFF1CF7FD51}"/>
+              </a:ext>
+            </a:extLst>
+          </p:cNvPr>
+          <p:cNvPicPr>
+            <a:picLocks noChangeAspect="1"/>
+          </p:cNvPicPr>
+          <p:nvPr/>
+        </p:nvPicPr>
+        <p:blipFill>
+          <a:blip r:embed="rId3"/>
+          <a:stretch>
+            <a:fillRect/>
+          </a:stretch>
+        </p:blipFill>
+        <p:spPr>
+          <a:xfrm>
+            <a:off x="1147216" y="1934016"/>
+            <a:ext cx="4794929" cy="3967614"/>
+          </a:xfrm>
+          <a:prstGeom prst="rect">
+            <a:avLst/>
+          </a:prstGeom>
+        </p:spPr>
+      </p:pic>
+      <p:pic>
+        <p:nvPicPr>
+          <p:cNvPr id="8" name="Picture 7">
+            <a:extLst>
+              <a:ext uri="{FF2B5EF4-FFF2-40B4-BE49-F238E27FC236}">
+                <a16:creationId xmlns:a16="http://schemas.microsoft.com/office/drawing/2014/main" id="{69AA6CD6-68AC-7D72-8E72-BD42E98E046C}"/>
+              </a:ext>
+            </a:extLst>
+          </p:cNvPr>
+          <p:cNvPicPr>
+            <a:picLocks noChangeAspect="1"/>
+          </p:cNvPicPr>
+          <p:nvPr/>
+        </p:nvPicPr>
+        <p:blipFill>
+          <a:blip r:embed="rId4"/>
+          <a:stretch>
+            <a:fillRect/>
+          </a:stretch>
+        </p:blipFill>
+        <p:spPr>
+          <a:xfrm>
+            <a:off x="8116178" y="1934013"/>
+            <a:ext cx="2928606" cy="3967615"/>
+          </a:xfrm>
+          <a:prstGeom prst="rect">
+            <a:avLst/>
+          </a:prstGeom>
+        </p:spPr>
+      </p:pic>
+      <p:sp>
+        <p:nvSpPr>
+          <p:cNvPr id="9" name="TextBox 8">
+            <a:extLst>
+              <a:ext uri="{FF2B5EF4-FFF2-40B4-BE49-F238E27FC236}">
+                <a16:creationId xmlns:a16="http://schemas.microsoft.com/office/drawing/2014/main" id="{11DD3288-C37B-3251-6783-EB0678747528}"/>
+              </a:ext>
+            </a:extLst>
+          </p:cNvPr>
+          <p:cNvSpPr txBox="1"/>
+          <p:nvPr/>
+        </p:nvSpPr>
+        <p:spPr>
+          <a:xfrm>
+            <a:off x="2404294" y="5901628"/>
+            <a:ext cx="1807033" cy="369332"/>
+          </a:xfrm>
+          <a:prstGeom prst="rect">
+            <a:avLst/>
+          </a:prstGeom>
+          <a:noFill/>
+        </p:spPr>
+        <p:txBody>
+          <a:bodyPr wrap="none" rtlCol="0">
+            <a:spAutoFit/>
+          </a:bodyPr>
+          <a:lstStyle/>
+          <a:p>
+            <a:r>
+              <a:rPr lang="en-US" i="1" dirty="0"/>
+              <a:t>Biological neuron</a:t>
+            </a:r>
+          </a:p>
+        </p:txBody>
+      </p:sp>
+      <p:sp>
+        <p:nvSpPr>
+          <p:cNvPr id="10" name="TextBox 9">
+            <a:extLst>
+              <a:ext uri="{FF2B5EF4-FFF2-40B4-BE49-F238E27FC236}">
+                <a16:creationId xmlns:a16="http://schemas.microsoft.com/office/drawing/2014/main" id="{A7EC6DEB-D796-E1A0-5906-1699A8A33DA9}"/>
+              </a:ext>
+            </a:extLst>
+          </p:cNvPr>
+          <p:cNvSpPr txBox="1"/>
+          <p:nvPr/>
+        </p:nvSpPr>
+        <p:spPr>
+          <a:xfrm>
+            <a:off x="8540176" y="5960287"/>
+            <a:ext cx="1823641" cy="369332"/>
+          </a:xfrm>
+          <a:prstGeom prst="rect">
+            <a:avLst/>
+          </a:prstGeom>
+          <a:noFill/>
+        </p:spPr>
+        <p:txBody>
+          <a:bodyPr wrap="none" rtlCol="0">
+            <a:spAutoFit/>
+          </a:bodyPr>
+          <a:lstStyle/>
+          <a:p>
+            <a:r>
+              <a:rPr lang="en-US" i="1" dirty="0"/>
+              <a:t>Computer neuron</a:t>
+            </a:r>
+          </a:p>
+        </p:txBody>
+      </p:sp>
+      <p:cxnSp>
+        <p:nvCxnSpPr>
+          <p:cNvPr id="12" name="Straight Arrow Connector 11">
+            <a:extLst>
+              <a:ext uri="{FF2B5EF4-FFF2-40B4-BE49-F238E27FC236}">
+                <a16:creationId xmlns:a16="http://schemas.microsoft.com/office/drawing/2014/main" id="{FA155C19-16D5-74F1-FDB9-DD6CCA68AFB5}"/>
+              </a:ext>
+            </a:extLst>
+          </p:cNvPr>
+          <p:cNvCxnSpPr>
+            <a:cxnSpLocks/>
+          </p:cNvCxnSpPr>
+          <p:nvPr/>
+        </p:nvCxnSpPr>
+        <p:spPr>
+          <a:xfrm flipV="1">
+            <a:off x="2636585" y="3569110"/>
+            <a:ext cx="908095" cy="816077"/>
+          </a:xfrm>
+          <a:prstGeom prst="straightConnector1">
+            <a:avLst/>
+          </a:prstGeom>
+          <a:ln w="28575">
+            <a:tailEnd type="triangle"/>
+          </a:ln>
+        </p:spPr>
+        <p:style>
+          <a:lnRef idx="1">
+            <a:schemeClr val="accent1"/>
+          </a:lnRef>
+          <a:fillRef idx="0">
+            <a:schemeClr val="accent1"/>
+          </a:fillRef>
+          <a:effectRef idx="0">
+            <a:schemeClr val="accent1"/>
+          </a:effectRef>
+          <a:fontRef idx="minor">
+            <a:schemeClr val="tx1"/>
+          </a:fontRef>
+        </p:style>
+      </p:cxnSp>
+      <p:cxnSp>
+        <p:nvCxnSpPr>
+          <p:cNvPr id="14" name="Straight Arrow Connector 13">
+            <a:extLst>
+              <a:ext uri="{FF2B5EF4-FFF2-40B4-BE49-F238E27FC236}">
+                <a16:creationId xmlns:a16="http://schemas.microsoft.com/office/drawing/2014/main" id="{C5D07D96-942A-241C-B12F-F4EF75EB0CA6}"/>
+              </a:ext>
+            </a:extLst>
+          </p:cNvPr>
+          <p:cNvCxnSpPr>
+            <a:cxnSpLocks/>
+          </p:cNvCxnSpPr>
+          <p:nvPr/>
+        </p:nvCxnSpPr>
+        <p:spPr>
+          <a:xfrm flipV="1">
+            <a:off x="2685128" y="3667432"/>
+            <a:ext cx="1031466" cy="755343"/>
+          </a:xfrm>
+          <a:prstGeom prst="straightConnector1">
+            <a:avLst/>
+          </a:prstGeom>
+          <a:ln w="28575">
+            <a:tailEnd type="triangle"/>
+          </a:ln>
+        </p:spPr>
+        <p:style>
+          <a:lnRef idx="1">
+            <a:schemeClr val="accent1"/>
+          </a:lnRef>
+          <a:fillRef idx="0">
+            <a:schemeClr val="accent1"/>
+          </a:fillRef>
+          <a:effectRef idx="0">
+            <a:schemeClr val="accent1"/>
+          </a:effectRef>
+          <a:fontRef idx="minor">
+            <a:schemeClr val="tx1"/>
+          </a:fontRef>
+        </p:style>
+      </p:cxnSp>
+      <p:cxnSp>
+        <p:nvCxnSpPr>
+          <p:cNvPr id="19" name="Straight Arrow Connector 18">
+            <a:extLst>
+              <a:ext uri="{FF2B5EF4-FFF2-40B4-BE49-F238E27FC236}">
+                <a16:creationId xmlns:a16="http://schemas.microsoft.com/office/drawing/2014/main" id="{E53CF1AC-2F1E-E9DB-4121-AC4F69D58587}"/>
+              </a:ext>
+            </a:extLst>
+          </p:cNvPr>
+          <p:cNvCxnSpPr>
+            <a:cxnSpLocks/>
+          </p:cNvCxnSpPr>
+          <p:nvPr/>
+        </p:nvCxnSpPr>
+        <p:spPr>
+          <a:xfrm flipV="1">
+            <a:off x="2753032" y="3861930"/>
+            <a:ext cx="914401" cy="621580"/>
+          </a:xfrm>
+          <a:prstGeom prst="straightConnector1">
+            <a:avLst/>
+          </a:prstGeom>
+          <a:ln w="28575">
+            <a:tailEnd type="triangle"/>
+          </a:ln>
+        </p:spPr>
+        <p:style>
+          <a:lnRef idx="1">
+            <a:schemeClr val="accent1"/>
+          </a:lnRef>
+          <a:fillRef idx="0">
+            <a:schemeClr val="accent1"/>
+          </a:fillRef>
+          <a:effectRef idx="0">
+            <a:schemeClr val="accent1"/>
+          </a:effectRef>
+          <a:fontRef idx="minor">
+            <a:schemeClr val="tx1"/>
+          </a:fontRef>
+        </p:style>
+      </p:cxnSp>
+      <p:cxnSp>
+        <p:nvCxnSpPr>
+          <p:cNvPr id="21" name="Straight Arrow Connector 20">
+            <a:extLst>
+              <a:ext uri="{FF2B5EF4-FFF2-40B4-BE49-F238E27FC236}">
+                <a16:creationId xmlns:a16="http://schemas.microsoft.com/office/drawing/2014/main" id="{C459D183-CA98-AB35-FED0-E89475D08F83}"/>
+              </a:ext>
+            </a:extLst>
+          </p:cNvPr>
+          <p:cNvCxnSpPr>
+            <a:cxnSpLocks/>
+          </p:cNvCxnSpPr>
+          <p:nvPr/>
+        </p:nvCxnSpPr>
+        <p:spPr>
+          <a:xfrm flipV="1">
+            <a:off x="2566220" y="3355279"/>
+            <a:ext cx="811160" cy="1029908"/>
+          </a:xfrm>
+          <a:prstGeom prst="straightConnector1">
+            <a:avLst/>
+          </a:prstGeom>
+          <a:ln w="28575">
+            <a:tailEnd type="triangle"/>
+          </a:ln>
+        </p:spPr>
+        <p:style>
+          <a:lnRef idx="1">
+            <a:schemeClr val="accent1"/>
+          </a:lnRef>
+          <a:fillRef idx="0">
+            <a:schemeClr val="accent1"/>
+          </a:fillRef>
+          <a:effectRef idx="0">
+            <a:schemeClr val="accent1"/>
+          </a:effectRef>
+          <a:fontRef idx="minor">
+            <a:schemeClr val="tx1"/>
+          </a:fontRef>
+        </p:style>
+      </p:cxnSp>
+      <p:cxnSp>
+        <p:nvCxnSpPr>
+          <p:cNvPr id="26" name="Straight Arrow Connector 25">
+            <a:extLst>
+              <a:ext uri="{FF2B5EF4-FFF2-40B4-BE49-F238E27FC236}">
+                <a16:creationId xmlns:a16="http://schemas.microsoft.com/office/drawing/2014/main" id="{ADA97667-60DF-71DC-4282-B477815DEC01}"/>
+              </a:ext>
+            </a:extLst>
+          </p:cNvPr>
+          <p:cNvCxnSpPr>
+            <a:cxnSpLocks/>
+          </p:cNvCxnSpPr>
+          <p:nvPr/>
+        </p:nvCxnSpPr>
+        <p:spPr>
+          <a:xfrm flipV="1">
+            <a:off x="2487561" y="3667432"/>
+            <a:ext cx="530942" cy="717755"/>
+          </a:xfrm>
+          <a:prstGeom prst="straightConnector1">
+            <a:avLst/>
+          </a:prstGeom>
+          <a:ln w="28575">
+            <a:tailEnd type="triangle"/>
+          </a:ln>
+        </p:spPr>
+        <p:style>
+          <a:lnRef idx="1">
+            <a:schemeClr val="accent1"/>
+          </a:lnRef>
+          <a:fillRef idx="0">
+            <a:schemeClr val="accent1"/>
+          </a:fillRef>
+          <a:effectRef idx="0">
+            <a:schemeClr val="accent1"/>
+          </a:effectRef>
+          <a:fontRef idx="minor">
+            <a:schemeClr val="tx1"/>
+          </a:fontRef>
+        </p:style>
+      </p:cxnSp>
+      <p:sp>
+        <p:nvSpPr>
+          <p:cNvPr id="31" name="TextBox 30">
+            <a:extLst>
+              <a:ext uri="{FF2B5EF4-FFF2-40B4-BE49-F238E27FC236}">
+                <a16:creationId xmlns:a16="http://schemas.microsoft.com/office/drawing/2014/main" id="{4BFB6EE6-42EE-6B49-73FA-DB106FA1C837}"/>
+              </a:ext>
+            </a:extLst>
+          </p:cNvPr>
+          <p:cNvSpPr txBox="1"/>
+          <p:nvPr/>
+        </p:nvSpPr>
+        <p:spPr>
+          <a:xfrm>
+            <a:off x="1693637" y="4357506"/>
+            <a:ext cx="1039259" cy="369332"/>
+          </a:xfrm>
+          <a:prstGeom prst="rect">
+            <a:avLst/>
+          </a:prstGeom>
+          <a:noFill/>
+        </p:spPr>
+        <p:txBody>
+          <a:bodyPr wrap="none" rtlCol="0">
+            <a:spAutoFit/>
+          </a:bodyPr>
+          <a:lstStyle/>
+          <a:p>
+            <a:r>
+              <a:rPr lang="en-US" b="1" dirty="0">
+                <a:solidFill>
+                  <a:schemeClr val="accent1"/>
+                </a:solidFill>
+              </a:rPr>
+              <a:t>synapses</a:t>
+            </a:r>
+          </a:p>
+        </p:txBody>
+      </p:sp>
+      <p:cxnSp>
+        <p:nvCxnSpPr>
+          <p:cNvPr id="32" name="Straight Arrow Connector 31">
+            <a:extLst>
+              <a:ext uri="{FF2B5EF4-FFF2-40B4-BE49-F238E27FC236}">
+                <a16:creationId xmlns:a16="http://schemas.microsoft.com/office/drawing/2014/main" id="{5EC0EC78-B258-0CE9-7486-C00CCABD7D29}"/>
+              </a:ext>
+            </a:extLst>
+          </p:cNvPr>
+          <p:cNvCxnSpPr>
+            <a:cxnSpLocks/>
+          </p:cNvCxnSpPr>
+          <p:nvPr/>
+        </p:nvCxnSpPr>
+        <p:spPr>
+          <a:xfrm flipV="1">
+            <a:off x="8518292" y="2895600"/>
+            <a:ext cx="920676" cy="924232"/>
+          </a:xfrm>
+          <a:prstGeom prst="straightConnector1">
+            <a:avLst/>
+          </a:prstGeom>
+          <a:ln w="28575">
+            <a:tailEnd type="triangle"/>
+          </a:ln>
+        </p:spPr>
+        <p:style>
+          <a:lnRef idx="1">
+            <a:schemeClr val="accent1"/>
+          </a:lnRef>
+          <a:fillRef idx="0">
+            <a:schemeClr val="accent1"/>
+          </a:fillRef>
+          <a:effectRef idx="0">
+            <a:schemeClr val="accent1"/>
+          </a:effectRef>
+          <a:fontRef idx="minor">
+            <a:schemeClr val="tx1"/>
+          </a:fontRef>
+        </p:style>
+      </p:cxnSp>
+      <p:cxnSp>
+        <p:nvCxnSpPr>
+          <p:cNvPr id="33" name="Straight Arrow Connector 32">
+            <a:extLst>
+              <a:ext uri="{FF2B5EF4-FFF2-40B4-BE49-F238E27FC236}">
+                <a16:creationId xmlns:a16="http://schemas.microsoft.com/office/drawing/2014/main" id="{1EB674AE-21AA-0073-AA90-635004B8223B}"/>
+              </a:ext>
+            </a:extLst>
+          </p:cNvPr>
+          <p:cNvCxnSpPr>
+            <a:cxnSpLocks/>
+          </p:cNvCxnSpPr>
+          <p:nvPr/>
+        </p:nvCxnSpPr>
+        <p:spPr>
+          <a:xfrm flipV="1">
+            <a:off x="8598441" y="2962275"/>
+            <a:ext cx="1174209" cy="899655"/>
+          </a:xfrm>
+          <a:prstGeom prst="straightConnector1">
+            <a:avLst/>
+          </a:prstGeom>
+          <a:ln w="28575">
+            <a:tailEnd type="triangle"/>
+          </a:ln>
+        </p:spPr>
+        <p:style>
+          <a:lnRef idx="1">
+            <a:schemeClr val="accent1"/>
+          </a:lnRef>
+          <a:fillRef idx="0">
+            <a:schemeClr val="accent1"/>
+          </a:fillRef>
+          <a:effectRef idx="0">
+            <a:schemeClr val="accent1"/>
+          </a:effectRef>
+          <a:fontRef idx="minor">
+            <a:schemeClr val="tx1"/>
+          </a:fontRef>
+        </p:style>
+      </p:cxnSp>
+      <p:cxnSp>
+        <p:nvCxnSpPr>
+          <p:cNvPr id="34" name="Straight Arrow Connector 33">
+            <a:extLst>
+              <a:ext uri="{FF2B5EF4-FFF2-40B4-BE49-F238E27FC236}">
+                <a16:creationId xmlns:a16="http://schemas.microsoft.com/office/drawing/2014/main" id="{BE487D33-1CE2-76E6-BD58-A997A74C8B8E}"/>
+              </a:ext>
+            </a:extLst>
+          </p:cNvPr>
+          <p:cNvCxnSpPr>
+            <a:cxnSpLocks/>
+          </p:cNvCxnSpPr>
+          <p:nvPr/>
+        </p:nvCxnSpPr>
+        <p:spPr>
+          <a:xfrm flipV="1">
+            <a:off x="8655943" y="3279775"/>
+            <a:ext cx="1532632" cy="638380"/>
+          </a:xfrm>
+          <a:prstGeom prst="straightConnector1">
+            <a:avLst/>
+          </a:prstGeom>
+          <a:ln w="28575">
+            <a:tailEnd type="triangle"/>
+          </a:ln>
+        </p:spPr>
+        <p:style>
+          <a:lnRef idx="1">
+            <a:schemeClr val="accent1"/>
+          </a:lnRef>
+          <a:fillRef idx="0">
+            <a:schemeClr val="accent1"/>
+          </a:fillRef>
+          <a:effectRef idx="0">
+            <a:schemeClr val="accent1"/>
+          </a:effectRef>
+          <a:fontRef idx="minor">
+            <a:schemeClr val="tx1"/>
+          </a:fontRef>
+        </p:style>
+      </p:cxnSp>
+      <p:cxnSp>
+        <p:nvCxnSpPr>
+          <p:cNvPr id="35" name="Straight Arrow Connector 34">
+            <a:extLst>
+              <a:ext uri="{FF2B5EF4-FFF2-40B4-BE49-F238E27FC236}">
+                <a16:creationId xmlns:a16="http://schemas.microsoft.com/office/drawing/2014/main" id="{DC92BFDF-AD62-6604-3DA3-23F30336E365}"/>
+              </a:ext>
+            </a:extLst>
+          </p:cNvPr>
+          <p:cNvCxnSpPr>
+            <a:cxnSpLocks/>
+          </p:cNvCxnSpPr>
+          <p:nvPr/>
+        </p:nvCxnSpPr>
+        <p:spPr>
+          <a:xfrm flipV="1">
+            <a:off x="8469131" y="3006725"/>
+            <a:ext cx="658994" cy="813107"/>
+          </a:xfrm>
+          <a:prstGeom prst="straightConnector1">
+            <a:avLst/>
+          </a:prstGeom>
+          <a:ln w="28575">
+            <a:tailEnd type="triangle"/>
+          </a:ln>
+        </p:spPr>
+        <p:style>
+          <a:lnRef idx="1">
+            <a:schemeClr val="accent1"/>
+          </a:lnRef>
+          <a:fillRef idx="0">
+            <a:schemeClr val="accent1"/>
+          </a:fillRef>
+          <a:effectRef idx="0">
+            <a:schemeClr val="accent1"/>
+          </a:effectRef>
+          <a:fontRef idx="minor">
+            <a:schemeClr val="tx1"/>
+          </a:fontRef>
+        </p:style>
+      </p:cxnSp>
+      <p:cxnSp>
+        <p:nvCxnSpPr>
+          <p:cNvPr id="36" name="Straight Arrow Connector 35">
+            <a:extLst>
+              <a:ext uri="{FF2B5EF4-FFF2-40B4-BE49-F238E27FC236}">
+                <a16:creationId xmlns:a16="http://schemas.microsoft.com/office/drawing/2014/main" id="{45096295-873C-4299-7F05-D47886E447BA}"/>
+              </a:ext>
+            </a:extLst>
+          </p:cNvPr>
+          <p:cNvCxnSpPr>
+            <a:cxnSpLocks/>
+          </p:cNvCxnSpPr>
+          <p:nvPr/>
+        </p:nvCxnSpPr>
+        <p:spPr>
+          <a:xfrm flipV="1">
+            <a:off x="8390472" y="3171825"/>
+            <a:ext cx="356653" cy="648007"/>
+          </a:xfrm>
+          <a:prstGeom prst="straightConnector1">
+            <a:avLst/>
+          </a:prstGeom>
+          <a:ln w="28575">
+            <a:tailEnd type="triangle"/>
+          </a:ln>
+        </p:spPr>
+        <p:style>
+          <a:lnRef idx="1">
+            <a:schemeClr val="accent1"/>
+          </a:lnRef>
+          <a:fillRef idx="0">
+            <a:schemeClr val="accent1"/>
+          </a:fillRef>
+          <a:effectRef idx="0">
+            <a:schemeClr val="accent1"/>
+          </a:effectRef>
+          <a:fontRef idx="minor">
+            <a:schemeClr val="tx1"/>
+          </a:fontRef>
+        </p:style>
+      </p:cxnSp>
+      <p:sp>
+        <p:nvSpPr>
+          <p:cNvPr id="37" name="TextBox 36">
+            <a:extLst>
+              <a:ext uri="{FF2B5EF4-FFF2-40B4-BE49-F238E27FC236}">
+                <a16:creationId xmlns:a16="http://schemas.microsoft.com/office/drawing/2014/main" id="{0CBE7A1F-DD79-E697-8793-5F6A768D16D8}"/>
+              </a:ext>
+            </a:extLst>
+          </p:cNvPr>
+          <p:cNvSpPr txBox="1"/>
+          <p:nvPr/>
+        </p:nvSpPr>
+        <p:spPr>
+          <a:xfrm>
+            <a:off x="7662083" y="3800266"/>
+            <a:ext cx="1300579" cy="369332"/>
+          </a:xfrm>
+          <a:prstGeom prst="rect">
+            <a:avLst/>
+          </a:prstGeom>
+          <a:noFill/>
+        </p:spPr>
+        <p:txBody>
+          <a:bodyPr wrap="square" rtlCol="0">
+            <a:spAutoFit/>
+          </a:bodyPr>
+          <a:lstStyle/>
+          <a:p>
+            <a:r>
+              <a:rPr lang="en-US" b="1" dirty="0">
+                <a:solidFill>
+                  <a:schemeClr val="accent1"/>
+                </a:solidFill>
+              </a:rPr>
+              <a:t>weights</a:t>
+            </a:r>
+          </a:p>
+        </p:txBody>
+      </p:sp>
+      <p:cxnSp>
+        <p:nvCxnSpPr>
+          <p:cNvPr id="20" name="Straight Arrow Connector 19">
+            <a:extLst>
+              <a:ext uri="{FF2B5EF4-FFF2-40B4-BE49-F238E27FC236}">
+                <a16:creationId xmlns:a16="http://schemas.microsoft.com/office/drawing/2014/main" id="{E2FFC374-5521-7778-B7CE-F6A07A55C65E}"/>
+              </a:ext>
+            </a:extLst>
+          </p:cNvPr>
+          <p:cNvCxnSpPr>
+            <a:cxnSpLocks/>
+          </p:cNvCxnSpPr>
+          <p:nvPr/>
+        </p:nvCxnSpPr>
+        <p:spPr>
+          <a:xfrm flipH="1" flipV="1">
+            <a:off x="3374151" y="3773637"/>
+            <a:ext cx="657075" cy="395961"/>
+          </a:xfrm>
+          <a:prstGeom prst="straightConnector1">
+            <a:avLst/>
+          </a:prstGeom>
+          <a:ln w="28575">
+            <a:solidFill>
+              <a:srgbClr val="00B050"/>
+            </a:solidFill>
+            <a:tailEnd type="triangle"/>
+          </a:ln>
+        </p:spPr>
+        <p:style>
+          <a:lnRef idx="1">
+            <a:schemeClr val="accent1"/>
+          </a:lnRef>
+          <a:fillRef idx="0">
+            <a:schemeClr val="accent1"/>
+          </a:fillRef>
+          <a:effectRef idx="0">
+            <a:schemeClr val="accent1"/>
+          </a:effectRef>
+          <a:fontRef idx="minor">
+            <a:schemeClr val="tx1"/>
+          </a:fontRef>
+        </p:style>
+      </p:cxnSp>
+      <p:sp>
+        <p:nvSpPr>
+          <p:cNvPr id="22" name="TextBox 21">
+            <a:extLst>
+              <a:ext uri="{FF2B5EF4-FFF2-40B4-BE49-F238E27FC236}">
+                <a16:creationId xmlns:a16="http://schemas.microsoft.com/office/drawing/2014/main" id="{07DBA391-55FA-4184-AF09-1AC72F2F6307}"/>
+              </a:ext>
+            </a:extLst>
+          </p:cNvPr>
+          <p:cNvSpPr txBox="1"/>
+          <p:nvPr/>
+        </p:nvSpPr>
+        <p:spPr>
+          <a:xfrm>
+            <a:off x="4031226" y="4043594"/>
+            <a:ext cx="508473" cy="369332"/>
+          </a:xfrm>
+          <a:prstGeom prst="rect">
+            <a:avLst/>
+          </a:prstGeom>
+          <a:noFill/>
+        </p:spPr>
+        <p:txBody>
+          <a:bodyPr wrap="none" rtlCol="0">
+            <a:spAutoFit/>
+          </a:bodyPr>
+          <a:lstStyle/>
+          <a:p>
+            <a:r>
+              <a:rPr lang="en-US" b="1" dirty="0">
+                <a:solidFill>
+                  <a:srgbClr val="00B050"/>
+                </a:solidFill>
+              </a:rPr>
+              <a:t>cell</a:t>
+            </a:r>
+          </a:p>
+        </p:txBody>
+      </p:sp>
+      <p:cxnSp>
+        <p:nvCxnSpPr>
+          <p:cNvPr id="23" name="Straight Arrow Connector 22">
+            <a:extLst>
+              <a:ext uri="{FF2B5EF4-FFF2-40B4-BE49-F238E27FC236}">
+                <a16:creationId xmlns:a16="http://schemas.microsoft.com/office/drawing/2014/main" id="{00C8F0E1-A967-7A7D-5CF6-DD7C6007DC55}"/>
+              </a:ext>
+            </a:extLst>
+          </p:cNvPr>
+          <p:cNvCxnSpPr>
+            <a:cxnSpLocks/>
+          </p:cNvCxnSpPr>
+          <p:nvPr/>
+        </p:nvCxnSpPr>
+        <p:spPr>
+          <a:xfrm flipV="1">
+            <a:off x="8378688" y="4240527"/>
+            <a:ext cx="776749" cy="471228"/>
+          </a:xfrm>
+          <a:prstGeom prst="straightConnector1">
+            <a:avLst/>
+          </a:prstGeom>
+          <a:ln w="28575">
+            <a:solidFill>
+              <a:srgbClr val="00B050"/>
+            </a:solidFill>
+            <a:tailEnd type="triangle"/>
+          </a:ln>
+        </p:spPr>
+        <p:style>
+          <a:lnRef idx="1">
+            <a:schemeClr val="accent1"/>
+          </a:lnRef>
+          <a:fillRef idx="0">
+            <a:schemeClr val="accent1"/>
+          </a:fillRef>
+          <a:effectRef idx="0">
+            <a:schemeClr val="accent1"/>
+          </a:effectRef>
+          <a:fontRef idx="minor">
+            <a:schemeClr val="tx1"/>
+          </a:fontRef>
+        </p:style>
+      </p:cxnSp>
+      <p:sp>
+        <p:nvSpPr>
+          <p:cNvPr id="24" name="TextBox 23">
+            <a:extLst>
+              <a:ext uri="{FF2B5EF4-FFF2-40B4-BE49-F238E27FC236}">
+                <a16:creationId xmlns:a16="http://schemas.microsoft.com/office/drawing/2014/main" id="{3AA90C42-89B9-30E4-67D6-261C0E3965A4}"/>
+              </a:ext>
+            </a:extLst>
+          </p:cNvPr>
+          <p:cNvSpPr txBox="1"/>
+          <p:nvPr/>
+        </p:nvSpPr>
+        <p:spPr>
+          <a:xfrm>
+            <a:off x="7086599" y="4447248"/>
+            <a:ext cx="1468718" cy="646331"/>
+          </a:xfrm>
+          <a:prstGeom prst="rect">
+            <a:avLst/>
+          </a:prstGeom>
+          <a:noFill/>
+        </p:spPr>
+        <p:txBody>
+          <a:bodyPr wrap="square" rtlCol="0">
+            <a:spAutoFit/>
+          </a:bodyPr>
+          <a:lstStyle/>
+          <a:p>
+            <a:r>
+              <a:rPr lang="en-US" b="1" dirty="0">
+                <a:solidFill>
+                  <a:srgbClr val="00B050"/>
+                </a:solidFill>
+              </a:rPr>
+              <a:t>aggregation function</a:t>
+            </a:r>
+          </a:p>
+        </p:txBody>
+      </p:sp>
+      <p:cxnSp>
+        <p:nvCxnSpPr>
+          <p:cNvPr id="25" name="Straight Arrow Connector 24">
+            <a:extLst>
+              <a:ext uri="{FF2B5EF4-FFF2-40B4-BE49-F238E27FC236}">
+                <a16:creationId xmlns:a16="http://schemas.microsoft.com/office/drawing/2014/main" id="{99763354-7708-CD22-1A4C-8C3A5844ADF0}"/>
+              </a:ext>
+            </a:extLst>
+          </p:cNvPr>
+          <p:cNvCxnSpPr>
+            <a:cxnSpLocks/>
+          </p:cNvCxnSpPr>
+          <p:nvPr/>
+        </p:nvCxnSpPr>
+        <p:spPr>
+          <a:xfrm flipH="1" flipV="1">
+            <a:off x="3629790" y="5136337"/>
+            <a:ext cx="657075" cy="395961"/>
+          </a:xfrm>
+          <a:prstGeom prst="straightConnector1">
+            <a:avLst/>
+          </a:prstGeom>
+          <a:ln w="28575">
+            <a:solidFill>
+              <a:srgbClr val="FF0000"/>
+            </a:solidFill>
+            <a:tailEnd type="triangle"/>
+          </a:ln>
+        </p:spPr>
+        <p:style>
+          <a:lnRef idx="1">
+            <a:schemeClr val="accent1"/>
+          </a:lnRef>
+          <a:fillRef idx="0">
+            <a:schemeClr val="accent1"/>
+          </a:fillRef>
+          <a:effectRef idx="0">
+            <a:schemeClr val="accent1"/>
+          </a:effectRef>
+          <a:fontRef idx="minor">
+            <a:schemeClr val="tx1"/>
+          </a:fontRef>
+        </p:style>
+      </p:cxnSp>
+      <p:sp>
+        <p:nvSpPr>
+          <p:cNvPr id="27" name="TextBox 26">
+            <a:extLst>
+              <a:ext uri="{FF2B5EF4-FFF2-40B4-BE49-F238E27FC236}">
+                <a16:creationId xmlns:a16="http://schemas.microsoft.com/office/drawing/2014/main" id="{788622FF-EF92-B844-6153-7915E2684100}"/>
+              </a:ext>
+            </a:extLst>
+          </p:cNvPr>
+          <p:cNvSpPr txBox="1"/>
+          <p:nvPr/>
+        </p:nvSpPr>
+        <p:spPr>
+          <a:xfrm>
+            <a:off x="4254965" y="5341197"/>
+            <a:ext cx="643702" cy="369332"/>
+          </a:xfrm>
+          <a:prstGeom prst="rect">
+            <a:avLst/>
+          </a:prstGeom>
+          <a:noFill/>
+        </p:spPr>
+        <p:txBody>
+          <a:bodyPr wrap="none" rtlCol="0">
+            <a:spAutoFit/>
+          </a:bodyPr>
+          <a:lstStyle/>
+          <a:p>
+            <a:r>
+              <a:rPr lang="en-US" b="1" dirty="0">
+                <a:solidFill>
+                  <a:srgbClr val="FF0000"/>
+                </a:solidFill>
+              </a:rPr>
+              <a:t>axon</a:t>
+            </a:r>
+          </a:p>
+        </p:txBody>
+      </p:sp>
+      <p:cxnSp>
+        <p:nvCxnSpPr>
+          <p:cNvPr id="28" name="Straight Arrow Connector 27">
+            <a:extLst>
+              <a:ext uri="{FF2B5EF4-FFF2-40B4-BE49-F238E27FC236}">
+                <a16:creationId xmlns:a16="http://schemas.microsoft.com/office/drawing/2014/main" id="{F7540C07-FD18-576B-7BD6-F6BD64A95994}"/>
+              </a:ext>
+            </a:extLst>
+          </p:cNvPr>
+          <p:cNvCxnSpPr>
+            <a:cxnSpLocks/>
+          </p:cNvCxnSpPr>
+          <p:nvPr/>
+        </p:nvCxnSpPr>
+        <p:spPr>
+          <a:xfrm flipV="1">
+            <a:off x="8311579" y="5532298"/>
+            <a:ext cx="1056681" cy="163046"/>
+          </a:xfrm>
+          <a:prstGeom prst="straightConnector1">
+            <a:avLst/>
+          </a:prstGeom>
+          <a:ln w="28575">
+            <a:solidFill>
+              <a:srgbClr val="FF0000"/>
+            </a:solidFill>
+            <a:tailEnd type="triangle"/>
+          </a:ln>
+        </p:spPr>
+        <p:style>
+          <a:lnRef idx="1">
+            <a:schemeClr val="accent1"/>
+          </a:lnRef>
+          <a:fillRef idx="0">
+            <a:schemeClr val="accent1"/>
+          </a:fillRef>
+          <a:effectRef idx="0">
+            <a:schemeClr val="accent1"/>
+          </a:effectRef>
+          <a:fontRef idx="minor">
+            <a:schemeClr val="tx1"/>
+          </a:fontRef>
+        </p:style>
+      </p:cxnSp>
+      <p:sp>
+        <p:nvSpPr>
+          <p:cNvPr id="29" name="TextBox 28">
+            <a:extLst>
+              <a:ext uri="{FF2B5EF4-FFF2-40B4-BE49-F238E27FC236}">
+                <a16:creationId xmlns:a16="http://schemas.microsoft.com/office/drawing/2014/main" id="{7C2D2F31-60BB-BD94-E05B-966D0BEDDF53}"/>
+              </a:ext>
+            </a:extLst>
+          </p:cNvPr>
+          <p:cNvSpPr txBox="1"/>
+          <p:nvPr/>
+        </p:nvSpPr>
+        <p:spPr>
+          <a:xfrm>
+            <a:off x="7441905" y="5512784"/>
+            <a:ext cx="1022966" cy="369332"/>
+          </a:xfrm>
+          <a:prstGeom prst="rect">
+            <a:avLst/>
+          </a:prstGeom>
+          <a:noFill/>
+        </p:spPr>
+        <p:txBody>
+          <a:bodyPr wrap="square" rtlCol="0">
+            <a:spAutoFit/>
+          </a:bodyPr>
+          <a:lstStyle/>
+          <a:p>
+            <a:r>
+              <a:rPr lang="en-US" b="1" dirty="0">
+                <a:solidFill>
+                  <a:srgbClr val="FF0000"/>
+                </a:solidFill>
+              </a:rPr>
+              <a:t>outputs</a:t>
+            </a:r>
+          </a:p>
+        </p:txBody>
+      </p:sp>
+    </p:spTree>
+    <p:extLst>
+      <p:ext uri="{BB962C8B-B14F-4D97-AF65-F5344CB8AC3E}">
+        <p14:creationId xmlns:p14="http://schemas.microsoft.com/office/powerpoint/2010/main" val="1293831720"/>
+      </p:ext>
+    </p:extLst>
+  </p:cSld>
+  <p:clrMapOvr>
+    <a:masterClrMapping/>
+  </p:clrMapOvr>
+  <p:timing>
+    <p:tnLst>
+      <p:par>
+        <p:cTn id="1" dur="indefinite" restart="never" nodeType="tmRoot">
+          <p:childTnLst>
+            <p:seq concurrent="1" nextAc="seek">
+              <p:cTn id="2" dur="indefinite" nodeType="mainSeq">
+                <p:childTnLst>
+                  <p:par>
+                    <p:cTn id="3" fill="hold">
+                      <p:stCondLst>
+                        <p:cond delay="indefinite"/>
+                      </p:stCondLst>
+                      <p:childTnLst>
+                        <p:par>
+                          <p:cTn id="4" fill="hold">
+                            <p:stCondLst>
+                              <p:cond delay="0"/>
+                            </p:stCondLst>
+                            <p:childTnLst>
+                              <p:par>
+                                <p:cTn id="5" presetID="10" presetClass="entr" presetSubtype="0" fill="hold" nodeType="clickEffect">
+                                  <p:stCondLst>
+                                    <p:cond delay="0"/>
+                                  </p:stCondLst>
+                                  <p:childTnLst>
+                                    <p:set>
+                                      <p:cBhvr>
+                                        <p:cTn id="6" dur="1" fill="hold">
+                                          <p:stCondLst>
+                                            <p:cond delay="0"/>
+                                          </p:stCondLst>
+                                        </p:cTn>
+                                        <p:tgtEl>
+                                          <p:spTgt spid="12"/>
+                                        </p:tgtEl>
+                                        <p:attrNameLst>
+                                          <p:attrName>style.visibility</p:attrName>
+                                        </p:attrNameLst>
+                                      </p:cBhvr>
+                                      <p:to>
+                                        <p:strVal val="visible"/>
+                                      </p:to>
+                                    </p:set>
+                                    <p:animEffect transition="in" filter="fade">
+                                      <p:cBhvr>
+                                        <p:cTn id="7" dur="500"/>
+                                        <p:tgtEl>
+                                          <p:spTgt spid="12"/>
+                                        </p:tgtEl>
+                                      </p:cBhvr>
+                                    </p:animEffect>
+                                  </p:childTnLst>
+                                </p:cTn>
+                              </p:par>
+                              <p:par>
+                                <p:cTn id="8" presetID="10" presetClass="entr" presetSubtype="0" fill="hold" nodeType="withEffect">
+                                  <p:stCondLst>
+                                    <p:cond delay="0"/>
+                                  </p:stCondLst>
+                                  <p:childTnLst>
+                                    <p:set>
+                                      <p:cBhvr>
+                                        <p:cTn id="9" dur="1" fill="hold">
+                                          <p:stCondLst>
+                                            <p:cond delay="0"/>
+                                          </p:stCondLst>
+                                        </p:cTn>
+                                        <p:tgtEl>
+                                          <p:spTgt spid="14"/>
+                                        </p:tgtEl>
+                                        <p:attrNameLst>
+                                          <p:attrName>style.visibility</p:attrName>
+                                        </p:attrNameLst>
+                                      </p:cBhvr>
+                                      <p:to>
+                                        <p:strVal val="visible"/>
+                                      </p:to>
+                                    </p:set>
+                                    <p:animEffect transition="in" filter="fade">
+                                      <p:cBhvr>
+                                        <p:cTn id="10" dur="500"/>
+                                        <p:tgtEl>
+                                          <p:spTgt spid="14"/>
+                                        </p:tgtEl>
+                                      </p:cBhvr>
+                                    </p:animEffect>
+                                  </p:childTnLst>
+                                </p:cTn>
+                              </p:par>
+                              <p:par>
+                                <p:cTn id="11" presetID="10" presetClass="entr" presetSubtype="0" fill="hold" nodeType="withEffect">
+                                  <p:stCondLst>
+                                    <p:cond delay="0"/>
+                                  </p:stCondLst>
+                                  <p:childTnLst>
+                                    <p:set>
+                                      <p:cBhvr>
+                                        <p:cTn id="12" dur="1" fill="hold">
+                                          <p:stCondLst>
+                                            <p:cond delay="0"/>
+                                          </p:stCondLst>
+                                        </p:cTn>
+                                        <p:tgtEl>
+                                          <p:spTgt spid="19"/>
+                                        </p:tgtEl>
+                                        <p:attrNameLst>
+                                          <p:attrName>style.visibility</p:attrName>
+                                        </p:attrNameLst>
+                                      </p:cBhvr>
+                                      <p:to>
+                                        <p:strVal val="visible"/>
+                                      </p:to>
+                                    </p:set>
+                                    <p:animEffect transition="in" filter="fade">
+                                      <p:cBhvr>
+                                        <p:cTn id="13" dur="500"/>
+                                        <p:tgtEl>
+                                          <p:spTgt spid="19"/>
+                                        </p:tgtEl>
+                                      </p:cBhvr>
+                                    </p:animEffect>
+                                  </p:childTnLst>
+                                </p:cTn>
+                              </p:par>
+                              <p:par>
+                                <p:cTn id="14" presetID="10" presetClass="entr" presetSubtype="0" fill="hold" nodeType="withEffect">
+                                  <p:stCondLst>
+                                    <p:cond delay="0"/>
+                                  </p:stCondLst>
+                                  <p:childTnLst>
+                                    <p:set>
+                                      <p:cBhvr>
+                                        <p:cTn id="15" dur="1" fill="hold">
+                                          <p:stCondLst>
+                                            <p:cond delay="0"/>
+                                          </p:stCondLst>
+                                        </p:cTn>
+                                        <p:tgtEl>
+                                          <p:spTgt spid="21"/>
+                                        </p:tgtEl>
+                                        <p:attrNameLst>
+                                          <p:attrName>style.visibility</p:attrName>
+                                        </p:attrNameLst>
+                                      </p:cBhvr>
+                                      <p:to>
+                                        <p:strVal val="visible"/>
+                                      </p:to>
+                                    </p:set>
+                                    <p:animEffect transition="in" filter="fade">
+                                      <p:cBhvr>
+                                        <p:cTn id="16" dur="500"/>
+                                        <p:tgtEl>
+                                          <p:spTgt spid="21"/>
+                                        </p:tgtEl>
+                                      </p:cBhvr>
+                                    </p:animEffect>
+                                  </p:childTnLst>
+                                </p:cTn>
+                              </p:par>
+                              <p:par>
+                                <p:cTn id="17" presetID="10" presetClass="entr" presetSubtype="0" fill="hold" nodeType="withEffect">
+                                  <p:stCondLst>
+                                    <p:cond delay="0"/>
+                                  </p:stCondLst>
+                                  <p:childTnLst>
+                                    <p:set>
+                                      <p:cBhvr>
+                                        <p:cTn id="18" dur="1" fill="hold">
+                                          <p:stCondLst>
+                                            <p:cond delay="0"/>
+                                          </p:stCondLst>
+                                        </p:cTn>
+                                        <p:tgtEl>
+                                          <p:spTgt spid="26"/>
+                                        </p:tgtEl>
+                                        <p:attrNameLst>
+                                          <p:attrName>style.visibility</p:attrName>
+                                        </p:attrNameLst>
+                                      </p:cBhvr>
+                                      <p:to>
+                                        <p:strVal val="visible"/>
+                                      </p:to>
+                                    </p:set>
+                                    <p:animEffect transition="in" filter="fade">
+                                      <p:cBhvr>
+                                        <p:cTn id="19" dur="500"/>
+                                        <p:tgtEl>
+                                          <p:spTgt spid="26"/>
+                                        </p:tgtEl>
+                                      </p:cBhvr>
+                                    </p:animEffect>
+                                  </p:childTnLst>
+                                </p:cTn>
+                              </p:par>
+                              <p:par>
+                                <p:cTn id="20" presetID="10" presetClass="entr" presetSubtype="0" fill="hold" grpId="0" nodeType="withEffect">
+                                  <p:stCondLst>
+                                    <p:cond delay="0"/>
+                                  </p:stCondLst>
+                                  <p:childTnLst>
+                                    <p:set>
+                                      <p:cBhvr>
+                                        <p:cTn id="21" dur="1" fill="hold">
+                                          <p:stCondLst>
+                                            <p:cond delay="0"/>
+                                          </p:stCondLst>
+                                        </p:cTn>
+                                        <p:tgtEl>
+                                          <p:spTgt spid="31"/>
+                                        </p:tgtEl>
+                                        <p:attrNameLst>
+                                          <p:attrName>style.visibility</p:attrName>
+                                        </p:attrNameLst>
+                                      </p:cBhvr>
+                                      <p:to>
+                                        <p:strVal val="visible"/>
+                                      </p:to>
+                                    </p:set>
+                                    <p:animEffect transition="in" filter="fade">
+                                      <p:cBhvr>
+                                        <p:cTn id="22" dur="500"/>
+                                        <p:tgtEl>
+                                          <p:spTgt spid="31"/>
+                                        </p:tgtEl>
+                                      </p:cBhvr>
+                                    </p:animEffect>
+                                  </p:childTnLst>
+                                </p:cTn>
+                              </p:par>
+                            </p:childTnLst>
+                          </p:cTn>
+                        </p:par>
+                      </p:childTnLst>
+                    </p:cTn>
+                  </p:par>
+                  <p:par>
+                    <p:cTn id="23" fill="hold">
+                      <p:stCondLst>
+                        <p:cond delay="indefinite"/>
+                      </p:stCondLst>
+                      <p:childTnLst>
+                        <p:par>
+                          <p:cTn id="24" fill="hold">
+                            <p:stCondLst>
+                              <p:cond delay="0"/>
+                            </p:stCondLst>
+                            <p:childTnLst>
+                              <p:par>
+                                <p:cTn id="25" presetID="10" presetClass="entr" presetSubtype="0" fill="hold" nodeType="clickEffect">
+                                  <p:stCondLst>
+                                    <p:cond delay="0"/>
+                                  </p:stCondLst>
+                                  <p:childTnLst>
+                                    <p:set>
+                                      <p:cBhvr>
+                                        <p:cTn id="26" dur="1" fill="hold">
+                                          <p:stCondLst>
+                                            <p:cond delay="0"/>
+                                          </p:stCondLst>
+                                        </p:cTn>
+                                        <p:tgtEl>
+                                          <p:spTgt spid="32"/>
+                                        </p:tgtEl>
+                                        <p:attrNameLst>
+                                          <p:attrName>style.visibility</p:attrName>
+                                        </p:attrNameLst>
+                                      </p:cBhvr>
+                                      <p:to>
+                                        <p:strVal val="visible"/>
+                                      </p:to>
+                                    </p:set>
+                                    <p:animEffect transition="in" filter="fade">
+                                      <p:cBhvr>
+                                        <p:cTn id="27" dur="500"/>
+                                        <p:tgtEl>
+                                          <p:spTgt spid="32"/>
+                                        </p:tgtEl>
+                                      </p:cBhvr>
+                                    </p:animEffect>
+                                  </p:childTnLst>
+                                </p:cTn>
+                              </p:par>
+                              <p:par>
+                                <p:cTn id="28" presetID="10" presetClass="entr" presetSubtype="0" fill="hold" nodeType="withEffect">
+                                  <p:stCondLst>
+                                    <p:cond delay="0"/>
+                                  </p:stCondLst>
+                                  <p:childTnLst>
+                                    <p:set>
+                                      <p:cBhvr>
+                                        <p:cTn id="29" dur="1" fill="hold">
+                                          <p:stCondLst>
+                                            <p:cond delay="0"/>
+                                          </p:stCondLst>
+                                        </p:cTn>
+                                        <p:tgtEl>
+                                          <p:spTgt spid="33"/>
+                                        </p:tgtEl>
+                                        <p:attrNameLst>
+                                          <p:attrName>style.visibility</p:attrName>
+                                        </p:attrNameLst>
+                                      </p:cBhvr>
+                                      <p:to>
+                                        <p:strVal val="visible"/>
+                                      </p:to>
+                                    </p:set>
+                                    <p:animEffect transition="in" filter="fade">
+                                      <p:cBhvr>
+                                        <p:cTn id="30" dur="500"/>
+                                        <p:tgtEl>
+                                          <p:spTgt spid="33"/>
+                                        </p:tgtEl>
+                                      </p:cBhvr>
+                                    </p:animEffect>
+                                  </p:childTnLst>
+                                </p:cTn>
+                              </p:par>
+                              <p:par>
+                                <p:cTn id="31" presetID="10" presetClass="entr" presetSubtype="0" fill="hold" nodeType="withEffect">
+                                  <p:stCondLst>
+                                    <p:cond delay="0"/>
+                                  </p:stCondLst>
+                                  <p:childTnLst>
+                                    <p:set>
+                                      <p:cBhvr>
+                                        <p:cTn id="32" dur="1" fill="hold">
+                                          <p:stCondLst>
+                                            <p:cond delay="0"/>
+                                          </p:stCondLst>
+                                        </p:cTn>
+                                        <p:tgtEl>
+                                          <p:spTgt spid="34"/>
+                                        </p:tgtEl>
+                                        <p:attrNameLst>
+                                          <p:attrName>style.visibility</p:attrName>
+                                        </p:attrNameLst>
+                                      </p:cBhvr>
+                                      <p:to>
+                                        <p:strVal val="visible"/>
+                                      </p:to>
+                                    </p:set>
+                                    <p:animEffect transition="in" filter="fade">
+                                      <p:cBhvr>
+                                        <p:cTn id="33" dur="500"/>
+                                        <p:tgtEl>
+                                          <p:spTgt spid="34"/>
+                                        </p:tgtEl>
+                                      </p:cBhvr>
+                                    </p:animEffect>
+                                  </p:childTnLst>
+                                </p:cTn>
+                              </p:par>
+                              <p:par>
+                                <p:cTn id="34" presetID="10" presetClass="entr" presetSubtype="0" fill="hold" nodeType="withEffect">
+                                  <p:stCondLst>
+                                    <p:cond delay="0"/>
+                                  </p:stCondLst>
+                                  <p:childTnLst>
+                                    <p:set>
+                                      <p:cBhvr>
+                                        <p:cTn id="35" dur="1" fill="hold">
+                                          <p:stCondLst>
+                                            <p:cond delay="0"/>
+                                          </p:stCondLst>
+                                        </p:cTn>
+                                        <p:tgtEl>
+                                          <p:spTgt spid="35"/>
+                                        </p:tgtEl>
+                                        <p:attrNameLst>
+                                          <p:attrName>style.visibility</p:attrName>
+                                        </p:attrNameLst>
+                                      </p:cBhvr>
+                                      <p:to>
+                                        <p:strVal val="visible"/>
+                                      </p:to>
+                                    </p:set>
+                                    <p:animEffect transition="in" filter="fade">
+                                      <p:cBhvr>
+                                        <p:cTn id="36" dur="500"/>
+                                        <p:tgtEl>
+                                          <p:spTgt spid="35"/>
+                                        </p:tgtEl>
+                                      </p:cBhvr>
+                                    </p:animEffect>
+                                  </p:childTnLst>
+                                </p:cTn>
+                              </p:par>
+                              <p:par>
+                                <p:cTn id="37" presetID="10" presetClass="entr" presetSubtype="0" fill="hold" nodeType="withEffect">
+                                  <p:stCondLst>
+                                    <p:cond delay="0"/>
+                                  </p:stCondLst>
+                                  <p:childTnLst>
+                                    <p:set>
+                                      <p:cBhvr>
+                                        <p:cTn id="38" dur="1" fill="hold">
+                                          <p:stCondLst>
+                                            <p:cond delay="0"/>
+                                          </p:stCondLst>
+                                        </p:cTn>
+                                        <p:tgtEl>
+                                          <p:spTgt spid="36"/>
+                                        </p:tgtEl>
+                                        <p:attrNameLst>
+                                          <p:attrName>style.visibility</p:attrName>
+                                        </p:attrNameLst>
+                                      </p:cBhvr>
+                                      <p:to>
+                                        <p:strVal val="visible"/>
+                                      </p:to>
+                                    </p:set>
+                                    <p:animEffect transition="in" filter="fade">
+                                      <p:cBhvr>
+                                        <p:cTn id="39" dur="500"/>
+                                        <p:tgtEl>
+                                          <p:spTgt spid="36"/>
+                                        </p:tgtEl>
+                                      </p:cBhvr>
+                                    </p:animEffect>
+                                  </p:childTnLst>
+                                </p:cTn>
+                              </p:par>
+                              <p:par>
+                                <p:cTn id="40" presetID="10" presetClass="entr" presetSubtype="0" fill="hold" grpId="0" nodeType="withEffect">
+                                  <p:stCondLst>
+                                    <p:cond delay="0"/>
+                                  </p:stCondLst>
+                                  <p:childTnLst>
+                                    <p:set>
+                                      <p:cBhvr>
+                                        <p:cTn id="41" dur="1" fill="hold">
+                                          <p:stCondLst>
+                                            <p:cond delay="0"/>
+                                          </p:stCondLst>
+                                        </p:cTn>
+                                        <p:tgtEl>
+                                          <p:spTgt spid="37"/>
+                                        </p:tgtEl>
+                                        <p:attrNameLst>
+                                          <p:attrName>style.visibility</p:attrName>
+                                        </p:attrNameLst>
+                                      </p:cBhvr>
+                                      <p:to>
+                                        <p:strVal val="visible"/>
+                                      </p:to>
+                                    </p:set>
+                                    <p:animEffect transition="in" filter="fade">
+                                      <p:cBhvr>
+                                        <p:cTn id="42" dur="500"/>
+                                        <p:tgtEl>
+                                          <p:spTgt spid="37"/>
+                                        </p:tgtEl>
+                                      </p:cBhvr>
+                                    </p:animEffect>
+                                  </p:childTnLst>
+                                </p:cTn>
+                              </p:par>
+                            </p:childTnLst>
+                          </p:cTn>
+                        </p:par>
+                      </p:childTnLst>
+                    </p:cTn>
+                  </p:par>
+                  <p:par>
+                    <p:cTn id="43" fill="hold">
+                      <p:stCondLst>
+                        <p:cond delay="indefinite"/>
+                      </p:stCondLst>
+                      <p:childTnLst>
+                        <p:par>
+                          <p:cTn id="44" fill="hold">
+                            <p:stCondLst>
+                              <p:cond delay="0"/>
+                            </p:stCondLst>
+                            <p:childTnLst>
+                              <p:par>
+                                <p:cTn id="45" presetID="10" presetClass="entr" presetSubtype="0" fill="hold" nodeType="clickEffect">
+                                  <p:stCondLst>
+                                    <p:cond delay="0"/>
+                                  </p:stCondLst>
+                                  <p:childTnLst>
+                                    <p:set>
+                                      <p:cBhvr>
+                                        <p:cTn id="46" dur="1" fill="hold">
+                                          <p:stCondLst>
+                                            <p:cond delay="0"/>
+                                          </p:stCondLst>
+                                        </p:cTn>
+                                        <p:tgtEl>
+                                          <p:spTgt spid="20"/>
+                                        </p:tgtEl>
+                                        <p:attrNameLst>
+                                          <p:attrName>style.visibility</p:attrName>
+                                        </p:attrNameLst>
+                                      </p:cBhvr>
+                                      <p:to>
+                                        <p:strVal val="visible"/>
+                                      </p:to>
+                                    </p:set>
+                                    <p:animEffect transition="in" filter="fade">
+                                      <p:cBhvr>
+                                        <p:cTn id="47" dur="500"/>
+                                        <p:tgtEl>
+                                          <p:spTgt spid="20"/>
+                                        </p:tgtEl>
+                                      </p:cBhvr>
+                                    </p:animEffect>
+                                  </p:childTnLst>
+                                </p:cTn>
+                              </p:par>
+                              <p:par>
+                                <p:cTn id="48" presetID="10" presetClass="entr" presetSubtype="0" fill="hold" grpId="0" nodeType="withEffect">
+                                  <p:stCondLst>
+                                    <p:cond delay="0"/>
+                                  </p:stCondLst>
+                                  <p:childTnLst>
+                                    <p:set>
+                                      <p:cBhvr>
+                                        <p:cTn id="49" dur="1" fill="hold">
+                                          <p:stCondLst>
+                                            <p:cond delay="0"/>
+                                          </p:stCondLst>
+                                        </p:cTn>
+                                        <p:tgtEl>
+                                          <p:spTgt spid="22"/>
+                                        </p:tgtEl>
+                                        <p:attrNameLst>
+                                          <p:attrName>style.visibility</p:attrName>
+                                        </p:attrNameLst>
+                                      </p:cBhvr>
+                                      <p:to>
+                                        <p:strVal val="visible"/>
+                                      </p:to>
+                                    </p:set>
+                                    <p:animEffect transition="in" filter="fade">
+                                      <p:cBhvr>
+                                        <p:cTn id="50" dur="500"/>
+                                        <p:tgtEl>
+                                          <p:spTgt spid="22"/>
+                                        </p:tgtEl>
+                                      </p:cBhvr>
+                                    </p:animEffect>
+                                  </p:childTnLst>
+                                </p:cTn>
+                              </p:par>
+                            </p:childTnLst>
+                          </p:cTn>
+                        </p:par>
+                      </p:childTnLst>
+                    </p:cTn>
+                  </p:par>
+                  <p:par>
+                    <p:cTn id="51" fill="hold">
+                      <p:stCondLst>
+                        <p:cond delay="indefinite"/>
+                      </p:stCondLst>
+                      <p:childTnLst>
+                        <p:par>
+                          <p:cTn id="52" fill="hold">
+                            <p:stCondLst>
+                              <p:cond delay="0"/>
+                            </p:stCondLst>
+                            <p:childTnLst>
+                              <p:par>
+                                <p:cTn id="53" presetID="10" presetClass="entr" presetSubtype="0" fill="hold" nodeType="clickEffect">
+                                  <p:stCondLst>
+                                    <p:cond delay="0"/>
+                                  </p:stCondLst>
+                                  <p:childTnLst>
+                                    <p:set>
+                                      <p:cBhvr>
+                                        <p:cTn id="54" dur="1" fill="hold">
+                                          <p:stCondLst>
+                                            <p:cond delay="0"/>
+                                          </p:stCondLst>
+                                        </p:cTn>
+                                        <p:tgtEl>
+                                          <p:spTgt spid="23"/>
+                                        </p:tgtEl>
+                                        <p:attrNameLst>
+                                          <p:attrName>style.visibility</p:attrName>
+                                        </p:attrNameLst>
+                                      </p:cBhvr>
+                                      <p:to>
+                                        <p:strVal val="visible"/>
+                                      </p:to>
+                                    </p:set>
+                                    <p:animEffect transition="in" filter="fade">
+                                      <p:cBhvr>
+                                        <p:cTn id="55" dur="500"/>
+                                        <p:tgtEl>
+                                          <p:spTgt spid="23"/>
+                                        </p:tgtEl>
+                                      </p:cBhvr>
+                                    </p:animEffect>
+                                  </p:childTnLst>
+                                </p:cTn>
+                              </p:par>
+                              <p:par>
+                                <p:cTn id="56" presetID="10" presetClass="entr" presetSubtype="0" fill="hold" grpId="0" nodeType="withEffect">
+                                  <p:stCondLst>
+                                    <p:cond delay="0"/>
+                                  </p:stCondLst>
+                                  <p:childTnLst>
+                                    <p:set>
+                                      <p:cBhvr>
+                                        <p:cTn id="57" dur="1" fill="hold">
+                                          <p:stCondLst>
+                                            <p:cond delay="0"/>
+                                          </p:stCondLst>
+                                        </p:cTn>
+                                        <p:tgtEl>
+                                          <p:spTgt spid="24"/>
+                                        </p:tgtEl>
+                                        <p:attrNameLst>
+                                          <p:attrName>style.visibility</p:attrName>
+                                        </p:attrNameLst>
+                                      </p:cBhvr>
+                                      <p:to>
+                                        <p:strVal val="visible"/>
+                                      </p:to>
+                                    </p:set>
+                                    <p:animEffect transition="in" filter="fade">
+                                      <p:cBhvr>
+                                        <p:cTn id="58" dur="500"/>
+                                        <p:tgtEl>
+                                          <p:spTgt spid="24"/>
+                                        </p:tgtEl>
+                                      </p:cBhvr>
+                                    </p:animEffect>
+                                  </p:childTnLst>
+                                </p:cTn>
+                              </p:par>
+                            </p:childTnLst>
+                          </p:cTn>
+                        </p:par>
+                      </p:childTnLst>
+                    </p:cTn>
+                  </p:par>
+                  <p:par>
+                    <p:cTn id="59" fill="hold">
+                      <p:stCondLst>
+                        <p:cond delay="indefinite"/>
+                      </p:stCondLst>
+                      <p:childTnLst>
+                        <p:par>
+                          <p:cTn id="60" fill="hold">
+                            <p:stCondLst>
+                              <p:cond delay="0"/>
+                            </p:stCondLst>
+                            <p:childTnLst>
+                              <p:par>
+                                <p:cTn id="61" presetID="10" presetClass="entr" presetSubtype="0" fill="hold" nodeType="clickEffect">
+                                  <p:stCondLst>
+                                    <p:cond delay="0"/>
+                                  </p:stCondLst>
+                                  <p:childTnLst>
+                                    <p:set>
+                                      <p:cBhvr>
+                                        <p:cTn id="62" dur="1" fill="hold">
+                                          <p:stCondLst>
+                                            <p:cond delay="0"/>
+                                          </p:stCondLst>
+                                        </p:cTn>
+                                        <p:tgtEl>
+                                          <p:spTgt spid="25"/>
+                                        </p:tgtEl>
+                                        <p:attrNameLst>
+                                          <p:attrName>style.visibility</p:attrName>
+                                        </p:attrNameLst>
+                                      </p:cBhvr>
+                                      <p:to>
+                                        <p:strVal val="visible"/>
+                                      </p:to>
+                                    </p:set>
+                                    <p:animEffect transition="in" filter="fade">
+                                      <p:cBhvr>
+                                        <p:cTn id="63" dur="500"/>
+                                        <p:tgtEl>
+                                          <p:spTgt spid="25"/>
+                                        </p:tgtEl>
+                                      </p:cBhvr>
+                                    </p:animEffect>
+                                  </p:childTnLst>
+                                </p:cTn>
+                              </p:par>
+                              <p:par>
+                                <p:cTn id="64" presetID="10" presetClass="entr" presetSubtype="0" fill="hold" grpId="0" nodeType="withEffect">
+                                  <p:stCondLst>
+                                    <p:cond delay="0"/>
+                                  </p:stCondLst>
+                                  <p:childTnLst>
+                                    <p:set>
+                                      <p:cBhvr>
+                                        <p:cTn id="65" dur="1" fill="hold">
+                                          <p:stCondLst>
+                                            <p:cond delay="0"/>
+                                          </p:stCondLst>
+                                        </p:cTn>
+                                        <p:tgtEl>
+                                          <p:spTgt spid="27"/>
+                                        </p:tgtEl>
+                                        <p:attrNameLst>
+                                          <p:attrName>style.visibility</p:attrName>
+                                        </p:attrNameLst>
+                                      </p:cBhvr>
+                                      <p:to>
+                                        <p:strVal val="visible"/>
+                                      </p:to>
+                                    </p:set>
+                                    <p:animEffect transition="in" filter="fade">
+                                      <p:cBhvr>
+                                        <p:cTn id="66" dur="500"/>
+                                        <p:tgtEl>
+                                          <p:spTgt spid="27"/>
+                                        </p:tgtEl>
+                                      </p:cBhvr>
+                                    </p:animEffect>
+                                  </p:childTnLst>
+                                </p:cTn>
+                              </p:par>
+                            </p:childTnLst>
+                          </p:cTn>
+                        </p:par>
+                      </p:childTnLst>
+                    </p:cTn>
+                  </p:par>
+                  <p:par>
+                    <p:cTn id="67" fill="hold">
+                      <p:stCondLst>
+                        <p:cond delay="indefinite"/>
+                      </p:stCondLst>
+                      <p:childTnLst>
+                        <p:par>
+                          <p:cTn id="68" fill="hold">
+                            <p:stCondLst>
+                              <p:cond delay="0"/>
+                            </p:stCondLst>
+                            <p:childTnLst>
+                              <p:par>
+                                <p:cTn id="69" presetID="10" presetClass="entr" presetSubtype="0" fill="hold" nodeType="clickEffect">
+                                  <p:stCondLst>
+                                    <p:cond delay="0"/>
+                                  </p:stCondLst>
+                                  <p:childTnLst>
+                                    <p:set>
+                                      <p:cBhvr>
+                                        <p:cTn id="70" dur="1" fill="hold">
+                                          <p:stCondLst>
+                                            <p:cond delay="0"/>
+                                          </p:stCondLst>
+                                        </p:cTn>
+                                        <p:tgtEl>
+                                          <p:spTgt spid="28"/>
+                                        </p:tgtEl>
+                                        <p:attrNameLst>
+                                          <p:attrName>style.visibility</p:attrName>
+                                        </p:attrNameLst>
+                                      </p:cBhvr>
+                                      <p:to>
+                                        <p:strVal val="visible"/>
+                                      </p:to>
+                                    </p:set>
+                                    <p:animEffect transition="in" filter="fade">
+                                      <p:cBhvr>
+                                        <p:cTn id="71" dur="500"/>
+                                        <p:tgtEl>
+                                          <p:spTgt spid="28"/>
+                                        </p:tgtEl>
+                                      </p:cBhvr>
+                                    </p:animEffect>
+                                  </p:childTnLst>
+                                </p:cTn>
+                              </p:par>
+                              <p:par>
+                                <p:cTn id="72" presetID="10" presetClass="entr" presetSubtype="0" fill="hold" grpId="0" nodeType="withEffect">
+                                  <p:stCondLst>
+                                    <p:cond delay="0"/>
+                                  </p:stCondLst>
+                                  <p:childTnLst>
+                                    <p:set>
+                                      <p:cBhvr>
+                                        <p:cTn id="73" dur="1" fill="hold">
+                                          <p:stCondLst>
+                                            <p:cond delay="0"/>
+                                          </p:stCondLst>
+                                        </p:cTn>
+                                        <p:tgtEl>
+                                          <p:spTgt spid="29"/>
+                                        </p:tgtEl>
+                                        <p:attrNameLst>
+                                          <p:attrName>style.visibility</p:attrName>
+                                        </p:attrNameLst>
+                                      </p:cBhvr>
+                                      <p:to>
+                                        <p:strVal val="visible"/>
+                                      </p:to>
+                                    </p:set>
+                                    <p:animEffect transition="in" filter="fade">
+                                      <p:cBhvr>
+                                        <p:cTn id="74" dur="500"/>
+                                        <p:tgtEl>
+                                          <p:spTgt spid="29"/>
+                                        </p:tgtEl>
+                                      </p:cBhvr>
+                                    </p:animEffect>
+                                  </p:childTnLst>
+                                </p:cTn>
+                              </p:par>
+                            </p:childTnLst>
+                          </p:cTn>
+                        </p:par>
+                      </p:childTnLst>
+                    </p:cTn>
+                  </p:par>
+                </p:childTnLst>
+              </p:cTn>
+              <p:prevCondLst>
+                <p:cond evt="onPrev" delay="0">
+                  <p:tgtEl>
+                    <p:sldTgt/>
+                  </p:tgtEl>
+                </p:cond>
+              </p:prevCondLst>
+              <p:nextCondLst>
+                <p:cond evt="onNext" delay="0">
+                  <p:tgtEl>
+                    <p:sldTgt/>
+                  </p:tgtEl>
+                </p:cond>
+              </p:nextCondLst>
+            </p:seq>
+          </p:childTnLst>
+        </p:cTn>
+      </p:par>
+    </p:tnLst>
+    <p:bldLst>
+      <p:bldP spid="31" grpId="0"/>
+      <p:bldP spid="37" grpId="0"/>
+      <p:bldP spid="22" grpId="0"/>
+      <p:bldP spid="24" grpId="0"/>
+      <p:bldP spid="27" grpId="0"/>
+      <p:bldP spid="29" grpId="0"/>
+    </p:bldLst>
+  </p:timing>
 </p:sld>
 </file>
 
@@ -3902,4 +10751,299 @@
     </a:ext>
   </a:extLst>
 </a:theme>
+</file>
+
+<file path=ppt/theme/theme2.xml><?xml version="1.0" encoding="utf-8"?>
+<a:theme xmlns:a="http://schemas.openxmlformats.org/drawingml/2006/main" name="Office Theme">
+  <a:themeElements>
+    <a:clrScheme name="Office">
+      <a:dk1>
+        <a:sysClr val="windowText" lastClr="000000"/>
+      </a:dk1>
+      <a:lt1>
+        <a:sysClr val="window" lastClr="FFFFFF"/>
+      </a:lt1>
+      <a:dk2>
+        <a:srgbClr val="44546A"/>
+      </a:dk2>
+      <a:lt2>
+        <a:srgbClr val="E7E6E6"/>
+      </a:lt2>
+      <a:accent1>
+        <a:srgbClr val="4472C4"/>
+      </a:accent1>
+      <a:accent2>
+        <a:srgbClr val="ED7D31"/>
+      </a:accent2>
+      <a:accent3>
+        <a:srgbClr val="A5A5A5"/>
+      </a:accent3>
+      <a:accent4>
+        <a:srgbClr val="FFC000"/>
+      </a:accent4>
+      <a:accent5>
+        <a:srgbClr val="5B9BD5"/>
+      </a:accent5>
+      <a:accent6>
+        <a:srgbClr val="70AD47"/>
+      </a:accent6>
+      <a:hlink>
+        <a:srgbClr val="0563C1"/>
+      </a:hlink>
+      <a:folHlink>
+        <a:srgbClr val="954F72"/>
+      </a:folHlink>
+    </a:clrScheme>
+    <a:fontScheme name="Office">
+      <a:majorFont>
+        <a:latin typeface="Calibri Light" panose="020F0302020204030204"/>
+        <a:ea typeface=""/>
+        <a:cs typeface=""/>
+        <a:font script="Jpan" typeface="游ゴシック Light"/>
+        <a:font script="Hang" typeface="맑은 고딕"/>
+        <a:font script="Hans" typeface="等线 Light"/>
+        <a:font script="Hant" typeface="新細明體"/>
+        <a:font script="Arab" typeface="Times New Roman"/>
+        <a:font script="Hebr" typeface="Times New Roman"/>
+        <a:font script="Thai" typeface="Angsana New"/>
+        <a:font script="Ethi" typeface="Nyala"/>
+        <a:font script="Beng" typeface="Vrinda"/>
+        <a:font script="Gujr" typeface="Shruti"/>
+        <a:font script="Khmr" typeface="MoolBoran"/>
+        <a:font script="Knda" typeface="Tunga"/>
+        <a:font script="Guru" typeface="Raavi"/>
+        <a:font script="Cans" typeface="Euphemia"/>
+        <a:font script="Cher" typeface="Plantagenet Cherokee"/>
+        <a:font script="Yiii" typeface="Microsoft Yi Baiti"/>
+        <a:font script="Tibt" typeface="Microsoft Himalaya"/>
+        <a:font script="Thaa" typeface="MV Boli"/>
+        <a:font script="Deva" typeface="Mangal"/>
+        <a:font script="Telu" typeface="Gautami"/>
+        <a:font script="Taml" typeface="Latha"/>
+        <a:font script="Syrc" typeface="Estrangelo Edessa"/>
+        <a:font script="Orya" typeface="Kalinga"/>
+        <a:font script="Mlym" typeface="Kartika"/>
+        <a:font script="Laoo" typeface="DokChampa"/>
+        <a:font script="Sinh" typeface="Iskoola Pota"/>
+        <a:font script="Mong" typeface="Mongolian Baiti"/>
+        <a:font script="Viet" typeface="Times New Roman"/>
+        <a:font script="Uigh" typeface="Microsoft Uighur"/>
+        <a:font script="Geor" typeface="Sylfaen"/>
+        <a:font script="Armn" typeface="Arial"/>
+        <a:font script="Bugi" typeface="Leelawadee UI"/>
+        <a:font script="Bopo" typeface="Microsoft JhengHei"/>
+        <a:font script="Java" typeface="Javanese Text"/>
+        <a:font script="Lisu" typeface="Segoe UI"/>
+        <a:font script="Mymr" typeface="Myanmar Text"/>
+        <a:font script="Nkoo" typeface="Ebrima"/>
+        <a:font script="Olck" typeface="Nirmala UI"/>
+        <a:font script="Osma" typeface="Ebrima"/>
+        <a:font script="Phag" typeface="Phagspa"/>
+        <a:font script="Syrn" typeface="Estrangelo Edessa"/>
+        <a:font script="Syrj" typeface="Estrangelo Edessa"/>
+        <a:font script="Syre" typeface="Estrangelo Edessa"/>
+        <a:font script="Sora" typeface="Nirmala UI"/>
+        <a:font script="Tale" typeface="Microsoft Tai Le"/>
+        <a:font script="Talu" typeface="Microsoft New Tai Lue"/>
+        <a:font script="Tfng" typeface="Ebrima"/>
+      </a:majorFont>
+      <a:minorFont>
+        <a:latin typeface="Calibri" panose="020F0502020204030204"/>
+        <a:ea typeface=""/>
+        <a:cs typeface=""/>
+        <a:font script="Jpan" typeface="游ゴシック"/>
+        <a:font script="Hang" typeface="맑은 고딕"/>
+        <a:font script="Hans" typeface="等线"/>
+        <a:font script="Hant" typeface="新細明體"/>
+        <a:font script="Arab" typeface="Arial"/>
+        <a:font script="Hebr" typeface="Arial"/>
+        <a:font script="Thai" typeface="Cordia New"/>
+        <a:font script="Ethi" typeface="Nyala"/>
+        <a:font script="Beng" typeface="Vrinda"/>
+        <a:font script="Gujr" typeface="Shruti"/>
+        <a:font script="Khmr" typeface="DaunPenh"/>
+        <a:font script="Knda" typeface="Tunga"/>
+        <a:font script="Guru" typeface="Raavi"/>
+        <a:font script="Cans" typeface="Euphemia"/>
+        <a:font script="Cher" typeface="Plantagenet Cherokee"/>
+        <a:font script="Yiii" typeface="Microsoft Yi Baiti"/>
+        <a:font script="Tibt" typeface="Microsoft Himalaya"/>
+        <a:font script="Thaa" typeface="MV Boli"/>
+        <a:font script="Deva" typeface="Mangal"/>
+        <a:font script="Telu" typeface="Gautami"/>
+        <a:font script="Taml" typeface="Latha"/>
+        <a:font script="Syrc" typeface="Estrangelo Edessa"/>
+        <a:font script="Orya" typeface="Kalinga"/>
+        <a:font script="Mlym" typeface="Kartika"/>
+        <a:font script="Laoo" typeface="DokChampa"/>
+        <a:font script="Sinh" typeface="Iskoola Pota"/>
+        <a:font script="Mong" typeface="Mongolian Baiti"/>
+        <a:font script="Viet" typeface="Arial"/>
+        <a:font script="Uigh" typeface="Microsoft Uighur"/>
+        <a:font script="Geor" typeface="Sylfaen"/>
+        <a:font script="Armn" typeface="Arial"/>
+        <a:font script="Bugi" typeface="Leelawadee UI"/>
+        <a:font script="Bopo" typeface="Microsoft JhengHei"/>
+        <a:font script="Java" typeface="Javanese Text"/>
+        <a:font script="Lisu" typeface="Segoe UI"/>
+        <a:font script="Mymr" typeface="Myanmar Text"/>
+        <a:font script="Nkoo" typeface="Ebrima"/>
+        <a:font script="Olck" typeface="Nirmala UI"/>
+        <a:font script="Osma" typeface="Ebrima"/>
+        <a:font script="Phag" typeface="Phagspa"/>
+        <a:font script="Syrn" typeface="Estrangelo Edessa"/>
+        <a:font script="Syrj" typeface="Estrangelo Edessa"/>
+        <a:font script="Syre" typeface="Estrangelo Edessa"/>
+        <a:font script="Sora" typeface="Nirmala UI"/>
+        <a:font script="Tale" typeface="Microsoft Tai Le"/>
+        <a:font script="Talu" typeface="Microsoft New Tai Lue"/>
+        <a:font script="Tfng" typeface="Ebrima"/>
+      </a:minorFont>
+    </a:fontScheme>
+    <a:fmtScheme name="Office">
+      <a:fillStyleLst>
+        <a:solidFill>
+          <a:schemeClr val="phClr"/>
+        </a:solidFill>
+        <a:gradFill rotWithShape="1">
+          <a:gsLst>
+            <a:gs pos="0">
+              <a:schemeClr val="phClr">
+                <a:lumMod val="110000"/>
+                <a:satMod val="105000"/>
+                <a:tint val="67000"/>
+              </a:schemeClr>
+            </a:gs>
+            <a:gs pos="50000">
+              <a:schemeClr val="phClr">
+                <a:lumMod val="105000"/>
+                <a:satMod val="103000"/>
+                <a:tint val="73000"/>
+              </a:schemeClr>
+            </a:gs>
+            <a:gs pos="100000">
+              <a:schemeClr val="phClr">
+                <a:lumMod val="105000"/>
+                <a:satMod val="109000"/>
+                <a:tint val="81000"/>
+              </a:schemeClr>
+            </a:gs>
+          </a:gsLst>
+          <a:lin ang="5400000" scaled="0"/>
+        </a:gradFill>
+        <a:gradFill rotWithShape="1">
+          <a:gsLst>
+            <a:gs pos="0">
+              <a:schemeClr val="phClr">
+                <a:satMod val="103000"/>
+                <a:lumMod val="102000"/>
+                <a:tint val="94000"/>
+              </a:schemeClr>
+            </a:gs>
+            <a:gs pos="50000">
+              <a:schemeClr val="phClr">
+                <a:satMod val="110000"/>
+                <a:lumMod val="100000"/>
+                <a:shade val="100000"/>
+              </a:schemeClr>
+            </a:gs>
+            <a:gs pos="100000">
+              <a:schemeClr val="phClr">
+                <a:lumMod val="99000"/>
+                <a:satMod val="120000"/>
+                <a:shade val="78000"/>
+              </a:schemeClr>
+            </a:gs>
+          </a:gsLst>
+          <a:lin ang="5400000" scaled="0"/>
+        </a:gradFill>
+      </a:fillStyleLst>
+      <a:lnStyleLst>
+        <a:ln w="6350" cap="flat" cmpd="sng" algn="ctr">
+          <a:solidFill>
+            <a:schemeClr val="phClr"/>
+          </a:solidFill>
+          <a:prstDash val="solid"/>
+          <a:miter lim="800000"/>
+        </a:ln>
+        <a:ln w="12700" cap="flat" cmpd="sng" algn="ctr">
+          <a:solidFill>
+            <a:schemeClr val="phClr"/>
+          </a:solidFill>
+          <a:prstDash val="solid"/>
+          <a:miter lim="800000"/>
+        </a:ln>
+        <a:ln w="19050" cap="flat" cmpd="sng" algn="ctr">
+          <a:solidFill>
+            <a:schemeClr val="phClr"/>
+          </a:solidFill>
+          <a:prstDash val="solid"/>
+          <a:miter lim="800000"/>
+        </a:ln>
+      </a:lnStyleLst>
+      <a:effectStyleLst>
+        <a:effectStyle>
+          <a:effectLst/>
+        </a:effectStyle>
+        <a:effectStyle>
+          <a:effectLst/>
+        </a:effectStyle>
+        <a:effectStyle>
+          <a:effectLst>
+            <a:outerShdw blurRad="57150" dist="19050" dir="5400000" algn="ctr" rotWithShape="0">
+              <a:srgbClr val="000000">
+                <a:alpha val="63000"/>
+              </a:srgbClr>
+            </a:outerShdw>
+          </a:effectLst>
+        </a:effectStyle>
+      </a:effectStyleLst>
+      <a:bgFillStyleLst>
+        <a:solidFill>
+          <a:schemeClr val="phClr"/>
+        </a:solidFill>
+        <a:solidFill>
+          <a:schemeClr val="phClr">
+            <a:tint val="95000"/>
+            <a:satMod val="170000"/>
+          </a:schemeClr>
+        </a:solidFill>
+        <a:gradFill rotWithShape="1">
+          <a:gsLst>
+            <a:gs pos="0">
+              <a:schemeClr val="phClr">
+                <a:tint val="93000"/>
+                <a:satMod val="150000"/>
+                <a:shade val="98000"/>
+                <a:lumMod val="102000"/>
+              </a:schemeClr>
+            </a:gs>
+            <a:gs pos="50000">
+              <a:schemeClr val="phClr">
+                <a:tint val="98000"/>
+                <a:satMod val="130000"/>
+                <a:shade val="90000"/>
+                <a:lumMod val="103000"/>
+              </a:schemeClr>
+            </a:gs>
+            <a:gs pos="100000">
+              <a:schemeClr val="phClr">
+                <a:shade val="63000"/>
+                <a:satMod val="120000"/>
+              </a:schemeClr>
+            </a:gs>
+          </a:gsLst>
+          <a:lin ang="5400000" scaled="0"/>
+        </a:gradFill>
+      </a:bgFillStyleLst>
+    </a:fmtScheme>
+  </a:themeElements>
+  <a:objectDefaults/>
+  <a:extraClrSchemeLst/>
+  <a:extLst>
+    <a:ext uri="{05A4C25C-085E-4340-85A3-A5531E510DB2}">
+      <thm15:themeFamily xmlns:thm15="http://schemas.microsoft.com/office/thememl/2012/main" name="Office Theme" id="{62F939B6-93AF-4DB8-9C6B-D6C7DFDC589F}" vid="{4A3C46E8-61CC-4603-A589-7422A47A8E4A}"/>
+    </a:ext>
+  </a:extLst>
+</a:theme>
 </file>
--- a/FromBiologyToComputers.pptx
+++ b/FromBiologyToComputers.pptx
@@ -5,16 +5,12 @@
     <p:sldMasterId id="2147483648" r:id="rId1"/>
   </p:sldMasterIdLst>
   <p:notesMasterIdLst>
-    <p:notesMasterId r:id="rId9"/>
+    <p:notesMasterId r:id="rId5"/>
   </p:notesMasterIdLst>
   <p:sldIdLst>
     <p:sldId id="256" r:id="rId2"/>
     <p:sldId id="313" r:id="rId3"/>
     <p:sldId id="312" r:id="rId4"/>
-    <p:sldId id="264" r:id="rId5"/>
-    <p:sldId id="265" r:id="rId6"/>
-    <p:sldId id="266" r:id="rId7"/>
-    <p:sldId id="270" r:id="rId8"/>
   </p:sldIdLst>
   <p:sldSz cx="12192000" cy="6858000"/>
   <p:notesSz cx="6858000" cy="9144000"/>
@@ -125,10 +121,6 @@
           <p14:sldIdLst>
             <p14:sldId id="313"/>
             <p14:sldId id="312"/>
-            <p14:sldId id="264"/>
-            <p14:sldId id="265"/>
-            <p14:sldId id="266"/>
-            <p14:sldId id="270"/>
           </p14:sldIdLst>
         </p14:section>
       </p14:sectionLst>
@@ -646,393 +638,6 @@
     <p:extLst>
       <p:ext uri="{BB962C8B-B14F-4D97-AF65-F5344CB8AC3E}">
         <p14:creationId xmlns:p14="http://schemas.microsoft.com/office/powerpoint/2010/main" val="2712312342"/>
-      </p:ext>
-    </p:extLst>
-  </p:cSld>
-  <p:clrMapOvr>
-    <a:masterClrMapping/>
-  </p:clrMapOvr>
-</p:notes>
-</file>
-
-<file path=ppt/notesSlides/notesSlide3.xml><?xml version="1.0" encoding="utf-8"?>
-<p:notes xmlns:a="http://schemas.openxmlformats.org/drawingml/2006/main" xmlns:r="http://schemas.openxmlformats.org/officeDocument/2006/relationships" xmlns:p="http://schemas.openxmlformats.org/presentationml/2006/main">
-  <p:cSld>
-    <p:spTree>
-      <p:nvGrpSpPr>
-        <p:cNvPr id="1" name=""/>
-        <p:cNvGrpSpPr/>
-        <p:nvPr/>
-      </p:nvGrpSpPr>
-      <p:grpSpPr>
-        <a:xfrm>
-          <a:off x="0" y="0"/>
-          <a:ext cx="0" cy="0"/>
-          <a:chOff x="0" y="0"/>
-          <a:chExt cx="0" cy="0"/>
-        </a:xfrm>
-      </p:grpSpPr>
-      <p:sp>
-        <p:nvSpPr>
-          <p:cNvPr id="2" name="Slide Image Placeholder 1"/>
-          <p:cNvSpPr>
-            <a:spLocks noGrp="1" noRot="1" noChangeAspect="1"/>
-          </p:cNvSpPr>
-          <p:nvPr>
-            <p:ph type="sldImg"/>
-          </p:nvPr>
-        </p:nvSpPr>
-        <p:spPr/>
-      </p:sp>
-      <p:sp>
-        <p:nvSpPr>
-          <p:cNvPr id="3" name="Notes Placeholder 2"/>
-          <p:cNvSpPr>
-            <a:spLocks noGrp="1"/>
-          </p:cNvSpPr>
-          <p:nvPr>
-            <p:ph type="body" idx="1"/>
-          </p:nvPr>
-        </p:nvSpPr>
-        <p:spPr/>
-        <p:txBody>
-          <a:bodyPr/>
-          <a:lstStyle/>
-          <a:p>
-            <a:endParaRPr lang="fr-FR" noProof="0" dirty="0"/>
-          </a:p>
-        </p:txBody>
-      </p:sp>
-      <p:sp>
-        <p:nvSpPr>
-          <p:cNvPr id="4" name="Slide Number Placeholder 3"/>
-          <p:cNvSpPr>
-            <a:spLocks noGrp="1"/>
-          </p:cNvSpPr>
-          <p:nvPr>
-            <p:ph type="sldNum" sz="quarter" idx="5"/>
-          </p:nvPr>
-        </p:nvSpPr>
-        <p:spPr/>
-        <p:txBody>
-          <a:bodyPr/>
-          <a:lstStyle/>
-          <a:p>
-            <a:fld id="{E4A24938-BD76-4D94-ABC1-81818C90BE90}" type="slidenum">
-              <a:rPr lang="en-US" smtClean="0"/>
-              <a:t>4</a:t>
-            </a:fld>
-            <a:endParaRPr lang="en-US"/>
-          </a:p>
-        </p:txBody>
-      </p:sp>
-    </p:spTree>
-    <p:extLst>
-      <p:ext uri="{BB962C8B-B14F-4D97-AF65-F5344CB8AC3E}">
-        <p14:creationId xmlns:p14="http://schemas.microsoft.com/office/powerpoint/2010/main" val="3934001869"/>
-      </p:ext>
-    </p:extLst>
-  </p:cSld>
-  <p:clrMapOvr>
-    <a:masterClrMapping/>
-  </p:clrMapOvr>
-</p:notes>
-</file>
-
-<file path=ppt/notesSlides/notesSlide4.xml><?xml version="1.0" encoding="utf-8"?>
-<p:notes xmlns:a="http://schemas.openxmlformats.org/drawingml/2006/main" xmlns:r="http://schemas.openxmlformats.org/officeDocument/2006/relationships" xmlns:p="http://schemas.openxmlformats.org/presentationml/2006/main">
-  <p:cSld>
-    <p:spTree>
-      <p:nvGrpSpPr>
-        <p:cNvPr id="1" name=""/>
-        <p:cNvGrpSpPr/>
-        <p:nvPr/>
-      </p:nvGrpSpPr>
-      <p:grpSpPr>
-        <a:xfrm>
-          <a:off x="0" y="0"/>
-          <a:ext cx="0" cy="0"/>
-          <a:chOff x="0" y="0"/>
-          <a:chExt cx="0" cy="0"/>
-        </a:xfrm>
-      </p:grpSpPr>
-      <p:sp>
-        <p:nvSpPr>
-          <p:cNvPr id="2" name="Slide Image Placeholder 1"/>
-          <p:cNvSpPr>
-            <a:spLocks noGrp="1" noRot="1" noChangeAspect="1"/>
-          </p:cNvSpPr>
-          <p:nvPr>
-            <p:ph type="sldImg"/>
-          </p:nvPr>
-        </p:nvSpPr>
-        <p:spPr/>
-      </p:sp>
-      <p:sp>
-        <p:nvSpPr>
-          <p:cNvPr id="3" name="Notes Placeholder 2"/>
-          <p:cNvSpPr>
-            <a:spLocks noGrp="1"/>
-          </p:cNvSpPr>
-          <p:nvPr>
-            <p:ph type="body" idx="1"/>
-          </p:nvPr>
-        </p:nvSpPr>
-        <p:spPr/>
-        <p:txBody>
-          <a:bodyPr/>
-          <a:lstStyle/>
-          <a:p>
-            <a:pPr marL="0" marR="0" lvl="0" indent="0" algn="l" defTabSz="914400" rtl="0" eaLnBrk="1" fontAlgn="auto" latinLnBrk="0" hangingPunct="1">
-              <a:lnSpc>
-                <a:spcPct val="100000"/>
-              </a:lnSpc>
-              <a:spcBef>
-                <a:spcPts val="0"/>
-              </a:spcBef>
-              <a:spcAft>
-                <a:spcPts val="0"/>
-              </a:spcAft>
-              <a:buClrTx/>
-              <a:buSzTx/>
-              <a:buFontTx/>
-              <a:buNone/>
-              <a:tabLst/>
-              <a:defRPr/>
-            </a:pPr>
-            <a:endParaRPr lang="fr-FR" noProof="0" dirty="0"/>
-          </a:p>
-        </p:txBody>
-      </p:sp>
-      <p:sp>
-        <p:nvSpPr>
-          <p:cNvPr id="4" name="Slide Number Placeholder 3"/>
-          <p:cNvSpPr>
-            <a:spLocks noGrp="1"/>
-          </p:cNvSpPr>
-          <p:nvPr>
-            <p:ph type="sldNum" sz="quarter" idx="5"/>
-          </p:nvPr>
-        </p:nvSpPr>
-        <p:spPr/>
-        <p:txBody>
-          <a:bodyPr/>
-          <a:lstStyle/>
-          <a:p>
-            <a:fld id="{E4A24938-BD76-4D94-ABC1-81818C90BE90}" type="slidenum">
-              <a:rPr lang="en-US" smtClean="0"/>
-              <a:t>5</a:t>
-            </a:fld>
-            <a:endParaRPr lang="en-US"/>
-          </a:p>
-        </p:txBody>
-      </p:sp>
-    </p:spTree>
-    <p:extLst>
-      <p:ext uri="{BB962C8B-B14F-4D97-AF65-F5344CB8AC3E}">
-        <p14:creationId xmlns:p14="http://schemas.microsoft.com/office/powerpoint/2010/main" val="2603403796"/>
-      </p:ext>
-    </p:extLst>
-  </p:cSld>
-  <p:clrMapOvr>
-    <a:masterClrMapping/>
-  </p:clrMapOvr>
-</p:notes>
-</file>
-
-<file path=ppt/notesSlides/notesSlide5.xml><?xml version="1.0" encoding="utf-8"?>
-<p:notes xmlns:a="http://schemas.openxmlformats.org/drawingml/2006/main" xmlns:r="http://schemas.openxmlformats.org/officeDocument/2006/relationships" xmlns:p="http://schemas.openxmlformats.org/presentationml/2006/main">
-  <p:cSld>
-    <p:spTree>
-      <p:nvGrpSpPr>
-        <p:cNvPr id="1" name=""/>
-        <p:cNvGrpSpPr/>
-        <p:nvPr/>
-      </p:nvGrpSpPr>
-      <p:grpSpPr>
-        <a:xfrm>
-          <a:off x="0" y="0"/>
-          <a:ext cx="0" cy="0"/>
-          <a:chOff x="0" y="0"/>
-          <a:chExt cx="0" cy="0"/>
-        </a:xfrm>
-      </p:grpSpPr>
-      <p:sp>
-        <p:nvSpPr>
-          <p:cNvPr id="2" name="Slide Image Placeholder 1"/>
-          <p:cNvSpPr>
-            <a:spLocks noGrp="1" noRot="1" noChangeAspect="1"/>
-          </p:cNvSpPr>
-          <p:nvPr>
-            <p:ph type="sldImg"/>
-          </p:nvPr>
-        </p:nvSpPr>
-        <p:spPr/>
-      </p:sp>
-      <p:sp>
-        <p:nvSpPr>
-          <p:cNvPr id="3" name="Notes Placeholder 2"/>
-          <p:cNvSpPr>
-            <a:spLocks noGrp="1"/>
-          </p:cNvSpPr>
-          <p:nvPr>
-            <p:ph type="body" idx="1"/>
-          </p:nvPr>
-        </p:nvSpPr>
-        <p:spPr/>
-        <p:txBody>
-          <a:bodyPr/>
-          <a:lstStyle/>
-          <a:p>
-            <a:pPr marL="0" marR="0" lvl="0" indent="0" algn="l" defTabSz="914400" rtl="0" eaLnBrk="1" fontAlgn="auto" latinLnBrk="0" hangingPunct="1">
-              <a:lnSpc>
-                <a:spcPct val="100000"/>
-              </a:lnSpc>
-              <a:spcBef>
-                <a:spcPts val="0"/>
-              </a:spcBef>
-              <a:spcAft>
-                <a:spcPts val="0"/>
-              </a:spcAft>
-              <a:buClrTx/>
-              <a:buSzTx/>
-              <a:buFontTx/>
-              <a:buNone/>
-              <a:tabLst/>
-              <a:defRPr/>
-            </a:pPr>
-            <a:endParaRPr lang="fr-FR" noProof="0" dirty="0"/>
-          </a:p>
-        </p:txBody>
-      </p:sp>
-      <p:sp>
-        <p:nvSpPr>
-          <p:cNvPr id="4" name="Slide Number Placeholder 3"/>
-          <p:cNvSpPr>
-            <a:spLocks noGrp="1"/>
-          </p:cNvSpPr>
-          <p:nvPr>
-            <p:ph type="sldNum" sz="quarter" idx="5"/>
-          </p:nvPr>
-        </p:nvSpPr>
-        <p:spPr/>
-        <p:txBody>
-          <a:bodyPr/>
-          <a:lstStyle/>
-          <a:p>
-            <a:fld id="{E4A24938-BD76-4D94-ABC1-81818C90BE90}" type="slidenum">
-              <a:rPr lang="en-US" smtClean="0"/>
-              <a:t>6</a:t>
-            </a:fld>
-            <a:endParaRPr lang="en-US"/>
-          </a:p>
-        </p:txBody>
-      </p:sp>
-    </p:spTree>
-    <p:extLst>
-      <p:ext uri="{BB962C8B-B14F-4D97-AF65-F5344CB8AC3E}">
-        <p14:creationId xmlns:p14="http://schemas.microsoft.com/office/powerpoint/2010/main" val="1356062300"/>
-      </p:ext>
-    </p:extLst>
-  </p:cSld>
-  <p:clrMapOvr>
-    <a:masterClrMapping/>
-  </p:clrMapOvr>
-</p:notes>
-</file>
-
-<file path=ppt/notesSlides/notesSlide6.xml><?xml version="1.0" encoding="utf-8"?>
-<p:notes xmlns:a="http://schemas.openxmlformats.org/drawingml/2006/main" xmlns:r="http://schemas.openxmlformats.org/officeDocument/2006/relationships" xmlns:p="http://schemas.openxmlformats.org/presentationml/2006/main">
-  <p:cSld>
-    <p:spTree>
-      <p:nvGrpSpPr>
-        <p:cNvPr id="1" name=""/>
-        <p:cNvGrpSpPr/>
-        <p:nvPr/>
-      </p:nvGrpSpPr>
-      <p:grpSpPr>
-        <a:xfrm>
-          <a:off x="0" y="0"/>
-          <a:ext cx="0" cy="0"/>
-          <a:chOff x="0" y="0"/>
-          <a:chExt cx="0" cy="0"/>
-        </a:xfrm>
-      </p:grpSpPr>
-      <p:sp>
-        <p:nvSpPr>
-          <p:cNvPr id="2" name="Slide Image Placeholder 1"/>
-          <p:cNvSpPr>
-            <a:spLocks noGrp="1" noRot="1" noChangeAspect="1"/>
-          </p:cNvSpPr>
-          <p:nvPr>
-            <p:ph type="sldImg"/>
-          </p:nvPr>
-        </p:nvSpPr>
-        <p:spPr/>
-      </p:sp>
-      <p:sp>
-        <p:nvSpPr>
-          <p:cNvPr id="3" name="Notes Placeholder 2"/>
-          <p:cNvSpPr>
-            <a:spLocks noGrp="1"/>
-          </p:cNvSpPr>
-          <p:nvPr>
-            <p:ph type="body" idx="1"/>
-          </p:nvPr>
-        </p:nvSpPr>
-        <p:spPr/>
-        <p:txBody>
-          <a:bodyPr/>
-          <a:lstStyle/>
-          <a:p>
-            <a:pPr marL="0" marR="0" lvl="0" indent="0" algn="l" defTabSz="914400" rtl="0" eaLnBrk="1" fontAlgn="auto" latinLnBrk="0" hangingPunct="1">
-              <a:lnSpc>
-                <a:spcPct val="100000"/>
-              </a:lnSpc>
-              <a:spcBef>
-                <a:spcPts val="0"/>
-              </a:spcBef>
-              <a:spcAft>
-                <a:spcPts val="0"/>
-              </a:spcAft>
-              <a:buClrTx/>
-              <a:buSzTx/>
-              <a:buFontTx/>
-              <a:buNone/>
-              <a:tabLst/>
-              <a:defRPr/>
-            </a:pPr>
-            <a:endParaRPr lang="fr-FR" noProof="0" dirty="0"/>
-          </a:p>
-        </p:txBody>
-      </p:sp>
-      <p:sp>
-        <p:nvSpPr>
-          <p:cNvPr id="4" name="Slide Number Placeholder 3"/>
-          <p:cNvSpPr>
-            <a:spLocks noGrp="1"/>
-          </p:cNvSpPr>
-          <p:nvPr>
-            <p:ph type="sldNum" sz="quarter" idx="5"/>
-          </p:nvPr>
-        </p:nvSpPr>
-        <p:spPr/>
-        <p:txBody>
-          <a:bodyPr/>
-          <a:lstStyle/>
-          <a:p>
-            <a:fld id="{E4A24938-BD76-4D94-ABC1-81818C90BE90}" type="slidenum">
-              <a:rPr lang="en-US" smtClean="0"/>
-              <a:t>7</a:t>
-            </a:fld>
-            <a:endParaRPr lang="en-US"/>
-          </a:p>
-        </p:txBody>
-      </p:sp>
-    </p:spTree>
-    <p:extLst>
-      <p:ext uri="{BB962C8B-B14F-4D97-AF65-F5344CB8AC3E}">
-        <p14:creationId xmlns:p14="http://schemas.microsoft.com/office/powerpoint/2010/main" val="3841344482"/>
       </p:ext>
     </p:extLst>
   </p:cSld>
@@ -5619,4839 +5224,6 @@
       <p:bldP spid="12" grpId="0"/>
       <p:bldP spid="27" grpId="0"/>
       <p:bldP spid="28" grpId="0"/>
-      <p:bldP spid="29" grpId="0"/>
-    </p:bldLst>
-  </p:timing>
-</p:sld>
-</file>
-
-<file path=ppt/slides/slide4.xml><?xml version="1.0" encoding="utf-8"?>
-<p:sld xmlns:a="http://schemas.openxmlformats.org/drawingml/2006/main" xmlns:r="http://schemas.openxmlformats.org/officeDocument/2006/relationships" xmlns:p="http://schemas.openxmlformats.org/presentationml/2006/main">
-  <p:cSld>
-    <p:spTree>
-      <p:nvGrpSpPr>
-        <p:cNvPr id="1" name=""/>
-        <p:cNvGrpSpPr/>
-        <p:nvPr/>
-      </p:nvGrpSpPr>
-      <p:grpSpPr>
-        <a:xfrm>
-          <a:off x="0" y="0"/>
-          <a:ext cx="0" cy="0"/>
-          <a:chOff x="0" y="0"/>
-          <a:chExt cx="0" cy="0"/>
-        </a:xfrm>
-      </p:grpSpPr>
-      <p:sp>
-        <p:nvSpPr>
-          <p:cNvPr id="2" name="Title 1">
-            <a:extLst>
-              <a:ext uri="{FF2B5EF4-FFF2-40B4-BE49-F238E27FC236}">
-                <a16:creationId xmlns:a16="http://schemas.microsoft.com/office/drawing/2014/main" id="{706C935F-66C6-5769-3D38-E3AEA8C9993C}"/>
-              </a:ext>
-            </a:extLst>
-          </p:cNvPr>
-          <p:cNvSpPr>
-            <a:spLocks noGrp="1"/>
-          </p:cNvSpPr>
-          <p:nvPr>
-            <p:ph type="title"/>
-          </p:nvPr>
-        </p:nvSpPr>
-        <p:spPr/>
-        <p:txBody>
-          <a:bodyPr/>
-          <a:lstStyle/>
-          <a:p>
-            <a:r>
-              <a:rPr lang="en-US" dirty="0"/>
-              <a:t>Synaptic integration</a:t>
-            </a:r>
-          </a:p>
-        </p:txBody>
-      </p:sp>
-      <p:grpSp>
-        <p:nvGrpSpPr>
-          <p:cNvPr id="10" name="Group 9">
-            <a:extLst>
-              <a:ext uri="{FF2B5EF4-FFF2-40B4-BE49-F238E27FC236}">
-                <a16:creationId xmlns:a16="http://schemas.microsoft.com/office/drawing/2014/main" id="{029BE3A8-A7EB-595A-24DD-CB08D616B730}"/>
-              </a:ext>
-            </a:extLst>
-          </p:cNvPr>
-          <p:cNvGrpSpPr/>
-          <p:nvPr/>
-        </p:nvGrpSpPr>
-        <p:grpSpPr>
-          <a:xfrm rot="10800000">
-            <a:off x="1304910" y="1879493"/>
-            <a:ext cx="7229489" cy="4365732"/>
-            <a:chOff x="923911" y="1365996"/>
-            <a:chExt cx="6623698" cy="3999908"/>
-          </a:xfrm>
-        </p:grpSpPr>
-        <p:pic>
-          <p:nvPicPr>
-            <p:cNvPr id="4" name="Picture 3">
-              <a:extLst>
-                <a:ext uri="{FF2B5EF4-FFF2-40B4-BE49-F238E27FC236}">
-                  <a16:creationId xmlns:a16="http://schemas.microsoft.com/office/drawing/2014/main" id="{A95F52F9-FBFA-F0AB-6E83-B43478E01746}"/>
-                </a:ext>
-              </a:extLst>
-            </p:cNvPr>
-            <p:cNvPicPr>
-              <a:picLocks noChangeAspect="1"/>
-            </p:cNvPicPr>
-            <p:nvPr/>
-          </p:nvPicPr>
-          <p:blipFill>
-            <a:blip r:embed="rId3"/>
-            <a:stretch>
-              <a:fillRect/>
-            </a:stretch>
-          </p:blipFill>
-          <p:spPr>
-            <a:xfrm>
-              <a:off x="923911" y="2471039"/>
-              <a:ext cx="3366149" cy="1361486"/>
-            </a:xfrm>
-            <a:prstGeom prst="rect">
-              <a:avLst/>
-            </a:prstGeom>
-          </p:spPr>
-        </p:pic>
-        <p:pic>
-          <p:nvPicPr>
-            <p:cNvPr id="6" name="Picture 5">
-              <a:extLst>
-                <a:ext uri="{FF2B5EF4-FFF2-40B4-BE49-F238E27FC236}">
-                  <a16:creationId xmlns:a16="http://schemas.microsoft.com/office/drawing/2014/main" id="{BDD48A01-C7C1-FC28-91C1-44C67E3E5156}"/>
-                </a:ext>
-              </a:extLst>
-            </p:cNvPr>
-            <p:cNvPicPr>
-              <a:picLocks noChangeAspect="1"/>
-            </p:cNvPicPr>
-            <p:nvPr/>
-          </p:nvPicPr>
-          <p:blipFill>
-            <a:blip r:embed="rId3"/>
-            <a:stretch>
-              <a:fillRect/>
-            </a:stretch>
-          </p:blipFill>
-          <p:spPr>
-            <a:xfrm rot="941488">
-              <a:off x="3162288" y="4004418"/>
-              <a:ext cx="3366146" cy="1361486"/>
-            </a:xfrm>
-            <a:prstGeom prst="rect">
-              <a:avLst/>
-            </a:prstGeom>
-          </p:spPr>
-        </p:pic>
-        <p:pic>
-          <p:nvPicPr>
-            <p:cNvPr id="7" name="Picture 6">
-              <a:extLst>
-                <a:ext uri="{FF2B5EF4-FFF2-40B4-BE49-F238E27FC236}">
-                  <a16:creationId xmlns:a16="http://schemas.microsoft.com/office/drawing/2014/main" id="{BDBBA70A-97C6-BBDA-E7F3-C01F4DF28F20}"/>
-                </a:ext>
-              </a:extLst>
-            </p:cNvPr>
-            <p:cNvPicPr>
-              <a:picLocks noChangeAspect="1"/>
-            </p:cNvPicPr>
-            <p:nvPr/>
-          </p:nvPicPr>
-          <p:blipFill>
-            <a:blip r:embed="rId3"/>
-            <a:stretch>
-              <a:fillRect/>
-            </a:stretch>
-          </p:blipFill>
-          <p:spPr>
-            <a:xfrm rot="21445380" flipV="1">
-              <a:off x="3664569" y="1365996"/>
-              <a:ext cx="3366147" cy="1361486"/>
-            </a:xfrm>
-            <a:prstGeom prst="rect">
-              <a:avLst/>
-            </a:prstGeom>
-          </p:spPr>
-        </p:pic>
-        <p:pic>
-          <p:nvPicPr>
-            <p:cNvPr id="9" name="Picture 8">
-              <a:extLst>
-                <a:ext uri="{FF2B5EF4-FFF2-40B4-BE49-F238E27FC236}">
-                  <a16:creationId xmlns:a16="http://schemas.microsoft.com/office/drawing/2014/main" id="{B8BFE8A0-5540-E6BE-9B9E-6F63CA93EA80}"/>
-                </a:ext>
-              </a:extLst>
-            </p:cNvPr>
-            <p:cNvPicPr>
-              <a:picLocks noChangeAspect="1"/>
-            </p:cNvPicPr>
-            <p:nvPr/>
-          </p:nvPicPr>
-          <p:blipFill>
-            <a:blip r:embed="rId3"/>
-            <a:stretch>
-              <a:fillRect/>
-            </a:stretch>
-          </p:blipFill>
-          <p:spPr>
-            <a:xfrm rot="21083102">
-              <a:off x="4181462" y="2748256"/>
-              <a:ext cx="3366147" cy="1361486"/>
-            </a:xfrm>
-            <a:prstGeom prst="rect">
-              <a:avLst/>
-            </a:prstGeom>
-          </p:spPr>
-        </p:pic>
-      </p:grpSp>
-      <p:sp>
-        <p:nvSpPr>
-          <p:cNvPr id="11" name="Oval 10">
-            <a:extLst>
-              <a:ext uri="{FF2B5EF4-FFF2-40B4-BE49-F238E27FC236}">
-                <a16:creationId xmlns:a16="http://schemas.microsoft.com/office/drawing/2014/main" id="{FF424C1F-1247-45CF-A9FD-4D104B9D6A22}"/>
-              </a:ext>
-            </a:extLst>
-          </p:cNvPr>
-          <p:cNvSpPr/>
-          <p:nvPr/>
-        </p:nvSpPr>
-        <p:spPr>
-          <a:xfrm>
-            <a:off x="3155950" y="2285775"/>
-            <a:ext cx="190725" cy="190725"/>
-          </a:xfrm>
-          <a:prstGeom prst="ellipse">
-            <a:avLst/>
-          </a:prstGeom>
-          <a:solidFill>
-            <a:srgbClr val="FF0000"/>
-          </a:solidFill>
-          <a:ln>
-            <a:noFill/>
-          </a:ln>
-        </p:spPr>
-        <p:style>
-          <a:lnRef idx="2">
-            <a:schemeClr val="accent1">
-              <a:shade val="50000"/>
-            </a:schemeClr>
-          </a:lnRef>
-          <a:fillRef idx="1">
-            <a:schemeClr val="accent1"/>
-          </a:fillRef>
-          <a:effectRef idx="0">
-            <a:schemeClr val="accent1"/>
-          </a:effectRef>
-          <a:fontRef idx="minor">
-            <a:schemeClr val="lt1"/>
-          </a:fontRef>
-        </p:style>
-        <p:txBody>
-          <a:bodyPr rtlCol="0" anchor="ctr"/>
-          <a:lstStyle/>
-          <a:p>
-            <a:pPr algn="ctr"/>
-            <a:endParaRPr lang="en-US"/>
-          </a:p>
-        </p:txBody>
-      </p:sp>
-      <mc:AlternateContent xmlns:mc="http://schemas.openxmlformats.org/markup-compatibility/2006" xmlns:a14="http://schemas.microsoft.com/office/drawing/2010/main">
-        <mc:Choice Requires="a14">
-          <p:sp>
-            <p:nvSpPr>
-              <p:cNvPr id="3" name="TextBox 2">
-                <a:extLst>
-                  <a:ext uri="{FF2B5EF4-FFF2-40B4-BE49-F238E27FC236}">
-                    <a16:creationId xmlns:a16="http://schemas.microsoft.com/office/drawing/2014/main" id="{2A17D6B5-85E8-3BD8-E86E-40E6670F110D}"/>
-                  </a:ext>
-                </a:extLst>
-              </p:cNvPr>
-              <p:cNvSpPr txBox="1"/>
-              <p:nvPr/>
-            </p:nvSpPr>
-            <p:spPr>
-              <a:xfrm>
-                <a:off x="6223793" y="3754222"/>
-                <a:ext cx="494045" cy="369332"/>
-              </a:xfrm>
-              <a:prstGeom prst="rect">
-                <a:avLst/>
-              </a:prstGeom>
-              <a:noFill/>
-            </p:spPr>
-            <p:txBody>
-              <a:bodyPr wrap="none" rtlCol="0">
-                <a:spAutoFit/>
-              </a:bodyPr>
-              <a:lstStyle/>
-              <a:p>
-                <a:pPr/>
-                <a14:m>
-                  <m:oMathPara xmlns:m="http://schemas.openxmlformats.org/officeDocument/2006/math">
-                    <m:oMathParaPr>
-                      <m:jc m:val="centerGroup"/>
-                    </m:oMathParaPr>
-                    <m:oMath xmlns:m="http://schemas.openxmlformats.org/officeDocument/2006/math">
-                      <m:sSub>
-                        <m:sSubPr>
-                          <m:ctrlPr>
-                            <a:rPr lang="fr-FR" b="0" i="1" smtClean="0">
-                              <a:latin typeface="Cambria Math" panose="02040503050406030204" pitchFamily="18" charset="0"/>
-                            </a:rPr>
-                          </m:ctrlPr>
-                        </m:sSubPr>
-                        <m:e>
-                          <m:r>
-                            <a:rPr lang="fr-FR" b="0" i="1" smtClean="0">
-                              <a:latin typeface="Cambria Math" panose="02040503050406030204" pitchFamily="18" charset="0"/>
-                            </a:rPr>
-                            <m:t>𝑁</m:t>
-                          </m:r>
-                        </m:e>
-                        <m:sub>
-                          <m:r>
-                            <a:rPr lang="fr-FR" b="0" i="1" smtClean="0">
-                              <a:latin typeface="Cambria Math" panose="02040503050406030204" pitchFamily="18" charset="0"/>
-                            </a:rPr>
-                            <m:t>0</m:t>
-                          </m:r>
-                        </m:sub>
-                      </m:sSub>
-                    </m:oMath>
-                  </m:oMathPara>
-                </a14:m>
-                <a:endParaRPr lang="fr-FR" b="0" dirty="0"/>
-              </a:p>
-            </p:txBody>
-          </p:sp>
-        </mc:Choice>
-        <mc:Fallback xmlns="">
-          <p:sp>
-            <p:nvSpPr>
-              <p:cNvPr id="3" name="TextBox 2">
-                <a:extLst>
-                  <a:ext uri="{FF2B5EF4-FFF2-40B4-BE49-F238E27FC236}">
-                    <a16:creationId xmlns:a16="http://schemas.microsoft.com/office/drawing/2014/main" id="{2A17D6B5-85E8-3BD8-E86E-40E6670F110D}"/>
-                  </a:ext>
-                </a:extLst>
-              </p:cNvPr>
-              <p:cNvSpPr txBox="1">
-                <a:spLocks noRot="1" noChangeAspect="1" noMove="1" noResize="1" noEditPoints="1" noAdjustHandles="1" noChangeArrowheads="1" noChangeShapeType="1" noTextEdit="1"/>
-              </p:cNvSpPr>
-              <p:nvPr/>
-            </p:nvSpPr>
-            <p:spPr>
-              <a:xfrm>
-                <a:off x="6223793" y="3754222"/>
-                <a:ext cx="494045" cy="369332"/>
-              </a:xfrm>
-              <a:prstGeom prst="rect">
-                <a:avLst/>
-              </a:prstGeom>
-              <a:blipFill>
-                <a:blip r:embed="rId4"/>
-                <a:stretch>
-                  <a:fillRect/>
-                </a:stretch>
-              </a:blipFill>
-            </p:spPr>
-            <p:txBody>
-              <a:bodyPr/>
-              <a:lstStyle/>
-              <a:p>
-                <a:r>
-                  <a:rPr lang="en-US">
-                    <a:noFill/>
-                  </a:rPr>
-                  <a:t> </a:t>
-                </a:r>
-              </a:p>
-            </p:txBody>
-          </p:sp>
-        </mc:Fallback>
-      </mc:AlternateContent>
-      <mc:AlternateContent xmlns:mc="http://schemas.openxmlformats.org/markup-compatibility/2006" xmlns:a14="http://schemas.microsoft.com/office/drawing/2010/main">
-        <mc:Choice Requires="a14">
-          <p:sp>
-            <p:nvSpPr>
-              <p:cNvPr id="12" name="TextBox 11">
-                <a:extLst>
-                  <a:ext uri="{FF2B5EF4-FFF2-40B4-BE49-F238E27FC236}">
-                    <a16:creationId xmlns:a16="http://schemas.microsoft.com/office/drawing/2014/main" id="{49C191BF-87D4-F951-3A29-C2CA3848A2E5}"/>
-                  </a:ext>
-                </a:extLst>
-              </p:cNvPr>
-              <p:cNvSpPr txBox="1"/>
-              <p:nvPr/>
-            </p:nvSpPr>
-            <p:spPr>
-              <a:xfrm>
-                <a:off x="2231655" y="2107168"/>
-                <a:ext cx="488724" cy="369332"/>
-              </a:xfrm>
-              <a:prstGeom prst="rect">
-                <a:avLst/>
-              </a:prstGeom>
-              <a:noFill/>
-            </p:spPr>
-            <p:txBody>
-              <a:bodyPr wrap="none" rtlCol="0">
-                <a:spAutoFit/>
-              </a:bodyPr>
-              <a:lstStyle/>
-              <a:p>
-                <a:pPr/>
-                <a14:m>
-                  <m:oMathPara xmlns:m="http://schemas.openxmlformats.org/officeDocument/2006/math">
-                    <m:oMathParaPr>
-                      <m:jc m:val="centerGroup"/>
-                    </m:oMathParaPr>
-                    <m:oMath xmlns:m="http://schemas.openxmlformats.org/officeDocument/2006/math">
-                      <m:sSub>
-                        <m:sSubPr>
-                          <m:ctrlPr>
-                            <a:rPr lang="fr-FR" b="0" i="1" smtClean="0">
-                              <a:latin typeface="Cambria Math" panose="02040503050406030204" pitchFamily="18" charset="0"/>
-                            </a:rPr>
-                          </m:ctrlPr>
-                        </m:sSubPr>
-                        <m:e>
-                          <m:r>
-                            <a:rPr lang="fr-FR" b="0" i="1" smtClean="0">
-                              <a:latin typeface="Cambria Math" panose="02040503050406030204" pitchFamily="18" charset="0"/>
-                            </a:rPr>
-                            <m:t>𝑁</m:t>
-                          </m:r>
-                        </m:e>
-                        <m:sub>
-                          <m:r>
-                            <a:rPr lang="fr-FR" b="0" i="1" smtClean="0">
-                              <a:latin typeface="Cambria Math" panose="02040503050406030204" pitchFamily="18" charset="0"/>
-                            </a:rPr>
-                            <m:t>1</m:t>
-                          </m:r>
-                        </m:sub>
-                      </m:sSub>
-                    </m:oMath>
-                  </m:oMathPara>
-                </a14:m>
-                <a:endParaRPr lang="fr-FR" b="0" dirty="0"/>
-              </a:p>
-            </p:txBody>
-          </p:sp>
-        </mc:Choice>
-        <mc:Fallback xmlns="">
-          <p:sp>
-            <p:nvSpPr>
-              <p:cNvPr id="12" name="TextBox 11">
-                <a:extLst>
-                  <a:ext uri="{FF2B5EF4-FFF2-40B4-BE49-F238E27FC236}">
-                    <a16:creationId xmlns:a16="http://schemas.microsoft.com/office/drawing/2014/main" id="{49C191BF-87D4-F951-3A29-C2CA3848A2E5}"/>
-                  </a:ext>
-                </a:extLst>
-              </p:cNvPr>
-              <p:cNvSpPr txBox="1">
-                <a:spLocks noRot="1" noChangeAspect="1" noMove="1" noResize="1" noEditPoints="1" noAdjustHandles="1" noChangeArrowheads="1" noChangeShapeType="1" noTextEdit="1"/>
-              </p:cNvSpPr>
-              <p:nvPr/>
-            </p:nvSpPr>
-            <p:spPr>
-              <a:xfrm>
-                <a:off x="2231655" y="2107168"/>
-                <a:ext cx="488724" cy="369332"/>
-              </a:xfrm>
-              <a:prstGeom prst="rect">
-                <a:avLst/>
-              </a:prstGeom>
-              <a:blipFill>
-                <a:blip r:embed="rId5"/>
-                <a:stretch>
-                  <a:fillRect/>
-                </a:stretch>
-              </a:blipFill>
-            </p:spPr>
-            <p:txBody>
-              <a:bodyPr/>
-              <a:lstStyle/>
-              <a:p>
-                <a:r>
-                  <a:rPr lang="en-US">
-                    <a:noFill/>
-                  </a:rPr>
-                  <a:t> </a:t>
-                </a:r>
-              </a:p>
-            </p:txBody>
-          </p:sp>
-        </mc:Fallback>
-      </mc:AlternateContent>
-      <mc:AlternateContent xmlns:mc="http://schemas.openxmlformats.org/markup-compatibility/2006" xmlns:a14="http://schemas.microsoft.com/office/drawing/2010/main">
-        <mc:Choice Requires="a14">
-          <p:sp>
-            <p:nvSpPr>
-              <p:cNvPr id="13" name="TextBox 12">
-                <a:extLst>
-                  <a:ext uri="{FF2B5EF4-FFF2-40B4-BE49-F238E27FC236}">
-                    <a16:creationId xmlns:a16="http://schemas.microsoft.com/office/drawing/2014/main" id="{4D6FE56D-F4CB-3426-086C-D1DA1CF9B3EB}"/>
-                  </a:ext>
-                </a:extLst>
-              </p:cNvPr>
-              <p:cNvSpPr txBox="1"/>
-              <p:nvPr/>
-            </p:nvSpPr>
-            <p:spPr>
-              <a:xfrm>
-                <a:off x="1851013" y="5946155"/>
-                <a:ext cx="494046" cy="369332"/>
-              </a:xfrm>
-              <a:prstGeom prst="rect">
-                <a:avLst/>
-              </a:prstGeom>
-              <a:noFill/>
-            </p:spPr>
-            <p:txBody>
-              <a:bodyPr wrap="none" rtlCol="0">
-                <a:spAutoFit/>
-              </a:bodyPr>
-              <a:lstStyle/>
-              <a:p>
-                <a:pPr/>
-                <a14:m>
-                  <m:oMathPara xmlns:m="http://schemas.openxmlformats.org/officeDocument/2006/math">
-                    <m:oMathParaPr>
-                      <m:jc m:val="centerGroup"/>
-                    </m:oMathParaPr>
-                    <m:oMath xmlns:m="http://schemas.openxmlformats.org/officeDocument/2006/math">
-                      <m:sSub>
-                        <m:sSubPr>
-                          <m:ctrlPr>
-                            <a:rPr lang="fr-FR" b="0" i="1" smtClean="0">
-                              <a:latin typeface="Cambria Math" panose="02040503050406030204" pitchFamily="18" charset="0"/>
-                            </a:rPr>
-                          </m:ctrlPr>
-                        </m:sSubPr>
-                        <m:e>
-                          <m:r>
-                            <a:rPr lang="fr-FR" b="0" i="1" smtClean="0">
-                              <a:latin typeface="Cambria Math" panose="02040503050406030204" pitchFamily="18" charset="0"/>
-                            </a:rPr>
-                            <m:t>𝑁</m:t>
-                          </m:r>
-                        </m:e>
-                        <m:sub>
-                          <m:r>
-                            <a:rPr lang="fr-FR" b="0" i="1" smtClean="0">
-                              <a:latin typeface="Cambria Math" panose="02040503050406030204" pitchFamily="18" charset="0"/>
-                            </a:rPr>
-                            <m:t>3</m:t>
-                          </m:r>
-                        </m:sub>
-                      </m:sSub>
-                    </m:oMath>
-                  </m:oMathPara>
-                </a14:m>
-                <a:endParaRPr lang="fr-FR" b="0" dirty="0"/>
-              </a:p>
-            </p:txBody>
-          </p:sp>
-        </mc:Choice>
-        <mc:Fallback xmlns="">
-          <p:sp>
-            <p:nvSpPr>
-              <p:cNvPr id="13" name="TextBox 12">
-                <a:extLst>
-                  <a:ext uri="{FF2B5EF4-FFF2-40B4-BE49-F238E27FC236}">
-                    <a16:creationId xmlns:a16="http://schemas.microsoft.com/office/drawing/2014/main" id="{4D6FE56D-F4CB-3426-086C-D1DA1CF9B3EB}"/>
-                  </a:ext>
-                </a:extLst>
-              </p:cNvPr>
-              <p:cNvSpPr txBox="1">
-                <a:spLocks noRot="1" noChangeAspect="1" noMove="1" noResize="1" noEditPoints="1" noAdjustHandles="1" noChangeArrowheads="1" noChangeShapeType="1" noTextEdit="1"/>
-              </p:cNvSpPr>
-              <p:nvPr/>
-            </p:nvSpPr>
-            <p:spPr>
-              <a:xfrm>
-                <a:off x="1851013" y="5946155"/>
-                <a:ext cx="494046" cy="369332"/>
-              </a:xfrm>
-              <a:prstGeom prst="rect">
-                <a:avLst/>
-              </a:prstGeom>
-              <a:blipFill>
-                <a:blip r:embed="rId6"/>
-                <a:stretch>
-                  <a:fillRect/>
-                </a:stretch>
-              </a:blipFill>
-            </p:spPr>
-            <p:txBody>
-              <a:bodyPr/>
-              <a:lstStyle/>
-              <a:p>
-                <a:r>
-                  <a:rPr lang="en-US">
-                    <a:noFill/>
-                  </a:rPr>
-                  <a:t> </a:t>
-                </a:r>
-              </a:p>
-            </p:txBody>
-          </p:sp>
-        </mc:Fallback>
-      </mc:AlternateContent>
-      <mc:AlternateContent xmlns:mc="http://schemas.openxmlformats.org/markup-compatibility/2006" xmlns:a14="http://schemas.microsoft.com/office/drawing/2010/main">
-        <mc:Choice Requires="a14">
-          <p:sp>
-            <p:nvSpPr>
-              <p:cNvPr id="14" name="TextBox 13">
-                <a:extLst>
-                  <a:ext uri="{FF2B5EF4-FFF2-40B4-BE49-F238E27FC236}">
-                    <a16:creationId xmlns:a16="http://schemas.microsoft.com/office/drawing/2014/main" id="{97269C53-6EF7-A3AD-94A9-766BD9D0A834}"/>
-                  </a:ext>
-                </a:extLst>
-              </p:cNvPr>
-              <p:cNvSpPr txBox="1"/>
-              <p:nvPr/>
-            </p:nvSpPr>
-            <p:spPr>
-              <a:xfrm>
-                <a:off x="1148455" y="3433041"/>
-                <a:ext cx="494046" cy="369332"/>
-              </a:xfrm>
-              <a:prstGeom prst="rect">
-                <a:avLst/>
-              </a:prstGeom>
-              <a:noFill/>
-            </p:spPr>
-            <p:txBody>
-              <a:bodyPr wrap="none" rtlCol="0">
-                <a:spAutoFit/>
-              </a:bodyPr>
-              <a:lstStyle/>
-              <a:p>
-                <a:pPr/>
-                <a14:m>
-                  <m:oMathPara xmlns:m="http://schemas.openxmlformats.org/officeDocument/2006/math">
-                    <m:oMathParaPr>
-                      <m:jc m:val="centerGroup"/>
-                    </m:oMathParaPr>
-                    <m:oMath xmlns:m="http://schemas.openxmlformats.org/officeDocument/2006/math">
-                      <m:sSub>
-                        <m:sSubPr>
-                          <m:ctrlPr>
-                            <a:rPr lang="fr-FR" b="0" i="1" smtClean="0">
-                              <a:latin typeface="Cambria Math" panose="02040503050406030204" pitchFamily="18" charset="0"/>
-                            </a:rPr>
-                          </m:ctrlPr>
-                        </m:sSubPr>
-                        <m:e>
-                          <m:r>
-                            <a:rPr lang="fr-FR" b="0" i="1" smtClean="0">
-                              <a:latin typeface="Cambria Math" panose="02040503050406030204" pitchFamily="18" charset="0"/>
-                            </a:rPr>
-                            <m:t>𝑁</m:t>
-                          </m:r>
-                        </m:e>
-                        <m:sub>
-                          <m:r>
-                            <a:rPr lang="fr-FR" b="0" i="1" smtClean="0">
-                              <a:latin typeface="Cambria Math" panose="02040503050406030204" pitchFamily="18" charset="0"/>
-                            </a:rPr>
-                            <m:t>2</m:t>
-                          </m:r>
-                        </m:sub>
-                      </m:sSub>
-                    </m:oMath>
-                  </m:oMathPara>
-                </a14:m>
-                <a:endParaRPr lang="fr-FR" b="0" dirty="0"/>
-              </a:p>
-            </p:txBody>
-          </p:sp>
-        </mc:Choice>
-        <mc:Fallback xmlns="">
-          <p:sp>
-            <p:nvSpPr>
-              <p:cNvPr id="14" name="TextBox 13">
-                <a:extLst>
-                  <a:ext uri="{FF2B5EF4-FFF2-40B4-BE49-F238E27FC236}">
-                    <a16:creationId xmlns:a16="http://schemas.microsoft.com/office/drawing/2014/main" id="{97269C53-6EF7-A3AD-94A9-766BD9D0A834}"/>
-                  </a:ext>
-                </a:extLst>
-              </p:cNvPr>
-              <p:cNvSpPr txBox="1">
-                <a:spLocks noRot="1" noChangeAspect="1" noMove="1" noResize="1" noEditPoints="1" noAdjustHandles="1" noChangeArrowheads="1" noChangeShapeType="1" noTextEdit="1"/>
-              </p:cNvSpPr>
-              <p:nvPr/>
-            </p:nvSpPr>
-            <p:spPr>
-              <a:xfrm>
-                <a:off x="1148455" y="3433041"/>
-                <a:ext cx="494046" cy="369332"/>
-              </a:xfrm>
-              <a:prstGeom prst="rect">
-                <a:avLst/>
-              </a:prstGeom>
-              <a:blipFill>
-                <a:blip r:embed="rId7"/>
-                <a:stretch>
-                  <a:fillRect/>
-                </a:stretch>
-              </a:blipFill>
-            </p:spPr>
-            <p:txBody>
-              <a:bodyPr/>
-              <a:lstStyle/>
-              <a:p>
-                <a:r>
-                  <a:rPr lang="en-US">
-                    <a:noFill/>
-                  </a:rPr>
-                  <a:t> </a:t>
-                </a:r>
-              </a:p>
-            </p:txBody>
-          </p:sp>
-        </mc:Fallback>
-      </mc:AlternateContent>
-    </p:spTree>
-    <p:extLst>
-      <p:ext uri="{BB962C8B-B14F-4D97-AF65-F5344CB8AC3E}">
-        <p14:creationId xmlns:p14="http://schemas.microsoft.com/office/powerpoint/2010/main" val="3145658015"/>
-      </p:ext>
-    </p:extLst>
-  </p:cSld>
-  <p:clrMapOvr>
-    <a:masterClrMapping/>
-  </p:clrMapOvr>
-  <p:timing>
-    <p:tnLst>
-      <p:par>
-        <p:cTn id="1" dur="indefinite" restart="never" nodeType="tmRoot">
-          <p:childTnLst>
-            <p:seq concurrent="1" nextAc="seek">
-              <p:cTn id="2" dur="indefinite" nodeType="mainSeq">
-                <p:childTnLst>
-                  <p:par>
-                    <p:cTn id="3" fill="hold">
-                      <p:stCondLst>
-                        <p:cond delay="indefinite"/>
-                      </p:stCondLst>
-                      <p:childTnLst>
-                        <p:par>
-                          <p:cTn id="4" fill="hold">
-                            <p:stCondLst>
-                              <p:cond delay="0"/>
-                            </p:stCondLst>
-                            <p:childTnLst>
-                              <p:par>
-                                <p:cTn id="5" presetID="0" presetClass="path" presetSubtype="0" accel="50000" decel="50000" fill="hold" grpId="0" nodeType="clickEffect">
-                                  <p:stCondLst>
-                                    <p:cond delay="0"/>
-                                  </p:stCondLst>
-                                  <p:childTnLst>
-                                    <p:animMotion origin="layout" path="M 3.33333E-6 -2.22222E-6 L 3.33333E-6 -2.22222E-6 C 0.00091 -2.22222E-6 0.00208 0.0007 0.00325 0.00139 C 0.0039 0.00162 0.00481 0.00185 0.0056 0.00232 C 0.00599 0.00232 0.00638 0.00278 0.0069 0.00324 C 0.00755 0.00347 0.00911 0.00371 0.00976 0.00417 C 0.0108 0.0044 0.01172 0.00509 0.01289 0.00556 C 0.01328 0.00556 0.01367 0.00579 0.01419 0.00602 C 0.0151 0.00625 0.01536 0.00648 0.01653 0.00695 C 0.01718 0.00695 0.0181 0.00718 0.01888 0.00741 C 0.02135 0.00834 0.02369 0.00949 0.02643 0.01019 C 0.02721 0.01019 0.02799 0.01042 0.02877 0.01065 C 0.02929 0.01065 0.02968 0.01088 0.03034 0.01111 C 0.03086 0.01111 0.03151 0.01134 0.03216 0.01181 C 0.03268 0.01181 0.0332 0.01204 0.03372 0.01227 C 0.03398 0.01227 0.03437 0.0125 0.03476 0.01273 C 0.03541 0.01273 0.03632 0.01297 0.03711 0.0132 C 0.03867 0.01343 0.03802 0.01343 0.03945 0.01412 C 0.04192 0.01459 0.03997 0.01412 0.04284 0.01482 C 0.0431 0.01482 0.04349 0.01505 0.04388 0.01528 C 0.0444 0.01528 0.04505 0.01551 0.0457 0.01574 C 0.04726 0.01667 0.04557 0.01574 0.04856 0.01667 C 0.04882 0.01667 0.04922 0.0169 0.04961 0.01713 C 0.05039 0.01736 0.0513 0.01759 0.05221 0.01806 L 0.05403 0.01898 C 0.05429 0.01898 0.05455 0.01922 0.05481 0.01945 C 0.05534 0.01968 0.05586 0.02014 0.05638 0.02084 C 0.05664 0.02107 0.05677 0.02153 0.05716 0.02176 C 0.05768 0.02199 0.05833 0.02222 0.05898 0.02269 C 0.05937 0.02315 0.05976 0.02384 0.06028 0.02431 C 0.06185 0.0257 0.06106 0.02454 0.06237 0.02616 C 0.06653 0.03148 0.06146 0.025 0.06445 0.0294 C 0.06458 0.02963 0.06497 0.02963 0.06523 0.03009 C 0.06614 0.03125 0.06627 0.03172 0.06757 0.03287 C 0.06771 0.03287 0.0681 0.0331 0.06836 0.03334 C 0.06862 0.03357 0.06875 0.03403 0.06914 0.03426 C 0.06979 0.03472 0.07148 0.03588 0.07148 0.03611 C 0.07213 0.03658 0.07343 0.03843 0.07409 0.03912 C 0.07435 0.03935 0.07474 0.03912 0.07513 0.03959 C 0.07591 0.04005 0.07682 0.04121 0.07773 0.0419 C 0.07929 0.04306 0.08125 0.04375 0.08294 0.04445 C 0.08528 0.0456 0.08476 0.0456 0.08711 0.04676 C 0.08776 0.04699 0.08867 0.04746 0.08945 0.04792 C 0.09023 0.04815 0.09114 0.04884 0.09205 0.04931 C 0.09271 0.04954 0.09336 0.04977 0.09414 0.05023 C 0.09453 0.05047 0.09492 0.0507 0.09544 0.05116 C 0.09583 0.05116 0.09622 0.05139 0.09674 0.05162 C 0.09713 0.05185 0.09752 0.05232 0.09804 0.05255 C 0.09882 0.05278 0.09974 0.05301 0.10065 0.05347 C 0.10651 0.05602 0.10351 0.05486 0.10794 0.05718 C 0.10859 0.05741 0.10924 0.05764 0.11002 0.0581 C 0.11106 0.05857 0.1125 0.05996 0.11341 0.06088 C 0.11445 0.06181 0.11523 0.0625 0.11653 0.0632 C 0.12018 0.06459 0.122 0.06412 0.12643 0.06459 C 0.12682 0.06459 0.12929 0.06459 0.13034 0.06551 C 0.1306 0.06551 0.13073 0.06621 0.13112 0.06644 C 0.13151 0.06667 0.13216 0.0669 0.13268 0.06736 C 0.1332 0.06806 0.13424 0.06945 0.13502 0.07014 C 0.13567 0.07037 0.13632 0.0706 0.13711 0.0713 C 0.13906 0.07222 0.13828 0.07222 0.14049 0.07315 C 0.14231 0.07384 0.14453 0.07384 0.14648 0.07408 C 0.14752 0.07408 0.14869 0.07431 0.14987 0.07454 C 0.15286 0.07523 0.14935 0.07408 0.15247 0.07616 C 0.15299 0.07639 0.15364 0.07662 0.15429 0.07709 C 0.15703 0.08056 0.15534 0.07871 0.1595 0.08172 L 0.1595 0.08195 C 0.16132 0.0838 0.16028 0.0831 0.16263 0.0838 C 0.16458 0.08519 0.16315 0.08426 0.16523 0.08519 C 0.16744 0.08611 0.16692 0.08588 0.16914 0.08704 C 0.1694 0.08704 0.16979 0.08727 0.17018 0.0875 C 0.1707 0.08773 0.172 0.08912 0.17252 0.08959 C 0.17278 0.08982 0.17304 0.09005 0.1733 0.09051 C 0.17356 0.09074 0.17369 0.09144 0.17409 0.0919 C 0.17435 0.09236 0.17617 0.09422 0.17669 0.09537 C 0.17799 0.09769 0.17604 0.09584 0.17825 0.09861 C 0.1832 0.10463 0.17877 0.09908 0.18242 0.10232 C 0.1858 0.10509 0.18151 0.10162 0.18424 0.10371 C 0.1845 0.10394 0.18489 0.10417 0.18528 0.10463 C 0.18541 0.10463 0.1858 0.10463 0.18606 0.10486 C 0.18698 0.10556 0.18698 0.10625 0.18789 0.10787 C 0.18802 0.1081 0.18841 0.10834 0.18867 0.1088 C 0.1888 0.10926 0.18893 0.10972 0.18919 0.11019 C 0.18932 0.11065 0.18971 0.11088 0.18997 0.11158 C 0.19023 0.11227 0.19049 0.11482 0.19075 0.11621 C 0.19049 0.12963 0.19062 0.12755 0.19023 0.13704 C 0.18997 0.1419 0.19023 0.14005 0.18971 0.14306 C 0.18984 0.14977 0.18971 0.15047 0.19023 0.15602 C 0.19023 0.15672 0.19036 0.15741 0.19049 0.15834 C 0.19062 0.15949 0.19101 0.16204 0.19101 0.16227 C 0.19088 0.16551 0.19101 0.16968 0.19075 0.17361 C 0.19062 0.17431 0.1901 0.17477 0.18997 0.17547 C 0.18971 0.1757 0.18958 0.17616 0.18945 0.17685 C 0.18802 0.18102 0.18997 0.17616 0.18789 0.18056 C 0.18763 0.18079 0.1875 0.18125 0.18737 0.18195 C 0.18632 0.18449 0.18659 0.18357 0.18606 0.18658 C 0.18593 0.18797 0.1858 0.18935 0.1858 0.19097 C 0.18554 0.19306 0.18528 0.19722 0.18528 0.19746 C 0.18489 0.20926 0.18489 0.20533 0.18528 0.21968 C 0.18528 0.2213 0.18541 0.22593 0.1858 0.22847 C 0.18619 0.23125 0.18659 0.23449 0.18737 0.2375 C 0.18776 0.23935 0.18828 0.24028 0.18867 0.24236 C 0.18867 0.24306 0.1888 0.24375 0.18893 0.24468 C 0.18906 0.24537 0.18919 0.24607 0.18945 0.24699 C 0.18971 0.24861 0.18958 0.24861 0.18997 0.25047 C 0.19062 0.25347 0.19049 0.25139 0.19101 0.25533 C 0.19101 0.25625 0.19114 0.25741 0.19127 0.25857 C 0.19127 0.25903 0.1914 0.25972 0.19153 0.26042 C 0.19153 0.26134 0.19166 0.26204 0.19179 0.26297 C 0.19192 0.26366 0.19205 0.26435 0.19231 0.26528 C 0.19231 0.26597 0.19231 0.26667 0.19257 0.26759 C 0.19257 0.26806 0.19284 0.26875 0.1931 0.26945 C 0.1931 0.26968 0.19323 0.27037 0.19336 0.27107 C 0.19349 0.27246 0.19388 0.27384 0.19414 0.27547 C 0.19414 0.27593 0.19414 0.27662 0.1944 0.27732 C 0.19453 0.27778 0.19492 0.27801 0.19518 0.27871 C 0.19687 0.28218 0.19531 0.2794 0.19622 0.28102 L 0.1983 0.28496 " pathEditMode="relative" rAng="0" ptsTypes="AAAAAAAAAAAAAAAAAAAAAAAAAAAAAAAAAAAAAAAAAAAAAAAAAAAAAAAAAAAAAAAAAAAAAAAAAAAAAAAAAAAAAAAAAAAAAAAAAAAAAAAAAAAAAAAAAAAAA">
-                                      <p:cBhvr>
-                                        <p:cTn id="6" dur="2000" fill="hold"/>
-                                        <p:tgtEl>
-                                          <p:spTgt spid="11"/>
-                                        </p:tgtEl>
-                                        <p:attrNameLst>
-                                          <p:attrName>ppt_x</p:attrName>
-                                          <p:attrName>ppt_y</p:attrName>
-                                        </p:attrNameLst>
-                                      </p:cBhvr>
-                                      <p:rCtr x="9909" y="14236"/>
-                                    </p:animMotion>
-                                  </p:childTnLst>
-                                </p:cTn>
-                              </p:par>
-                            </p:childTnLst>
-                          </p:cTn>
-                        </p:par>
-                      </p:childTnLst>
-                    </p:cTn>
-                  </p:par>
-                  <p:par>
-                    <p:cTn id="7" fill="hold">
-                      <p:stCondLst>
-                        <p:cond delay="indefinite"/>
-                      </p:stCondLst>
-                      <p:childTnLst>
-                        <p:par>
-                          <p:cTn id="8" fill="hold">
-                            <p:stCondLst>
-                              <p:cond delay="0"/>
-                            </p:stCondLst>
-                            <p:childTnLst>
-                              <p:par>
-                                <p:cTn id="9" presetID="10" presetClass="exit" presetSubtype="0" fill="hold" grpId="1" nodeType="clickEffect">
-                                  <p:stCondLst>
-                                    <p:cond delay="0"/>
-                                  </p:stCondLst>
-                                  <p:childTnLst>
-                                    <p:animEffect transition="out" filter="fade">
-                                      <p:cBhvr>
-                                        <p:cTn id="10" dur="500"/>
-                                        <p:tgtEl>
-                                          <p:spTgt spid="11"/>
-                                        </p:tgtEl>
-                                      </p:cBhvr>
-                                    </p:animEffect>
-                                    <p:set>
-                                      <p:cBhvr>
-                                        <p:cTn id="11" dur="1" fill="hold">
-                                          <p:stCondLst>
-                                            <p:cond delay="499"/>
-                                          </p:stCondLst>
-                                        </p:cTn>
-                                        <p:tgtEl>
-                                          <p:spTgt spid="11"/>
-                                        </p:tgtEl>
-                                        <p:attrNameLst>
-                                          <p:attrName>style.visibility</p:attrName>
-                                        </p:attrNameLst>
-                                      </p:cBhvr>
-                                      <p:to>
-                                        <p:strVal val="hidden"/>
-                                      </p:to>
-                                    </p:set>
-                                  </p:childTnLst>
-                                </p:cTn>
-                              </p:par>
-                            </p:childTnLst>
-                          </p:cTn>
-                        </p:par>
-                      </p:childTnLst>
-                    </p:cTn>
-                  </p:par>
-                </p:childTnLst>
-              </p:cTn>
-              <p:prevCondLst>
-                <p:cond evt="onPrev" delay="0">
-                  <p:tgtEl>
-                    <p:sldTgt/>
-                  </p:tgtEl>
-                </p:cond>
-              </p:prevCondLst>
-              <p:nextCondLst>
-                <p:cond evt="onNext" delay="0">
-                  <p:tgtEl>
-                    <p:sldTgt/>
-                  </p:tgtEl>
-                </p:cond>
-              </p:nextCondLst>
-            </p:seq>
-          </p:childTnLst>
-        </p:cTn>
-      </p:par>
-    </p:tnLst>
-    <p:bldLst>
-      <p:bldP spid="11" grpId="0" animBg="1"/>
-      <p:bldP spid="11" grpId="1" animBg="1"/>
-    </p:bldLst>
-  </p:timing>
-</p:sld>
-</file>
-
-<file path=ppt/slides/slide5.xml><?xml version="1.0" encoding="utf-8"?>
-<p:sld xmlns:a="http://schemas.openxmlformats.org/drawingml/2006/main" xmlns:r="http://schemas.openxmlformats.org/officeDocument/2006/relationships" xmlns:p="http://schemas.openxmlformats.org/presentationml/2006/main">
-  <p:cSld>
-    <p:spTree>
-      <p:nvGrpSpPr>
-        <p:cNvPr id="1" name=""/>
-        <p:cNvGrpSpPr/>
-        <p:nvPr/>
-      </p:nvGrpSpPr>
-      <p:grpSpPr>
-        <a:xfrm>
-          <a:off x="0" y="0"/>
-          <a:ext cx="0" cy="0"/>
-          <a:chOff x="0" y="0"/>
-          <a:chExt cx="0" cy="0"/>
-        </a:xfrm>
-      </p:grpSpPr>
-      <p:sp>
-        <p:nvSpPr>
-          <p:cNvPr id="2" name="Title 1">
-            <a:extLst>
-              <a:ext uri="{FF2B5EF4-FFF2-40B4-BE49-F238E27FC236}">
-                <a16:creationId xmlns:a16="http://schemas.microsoft.com/office/drawing/2014/main" id="{706C935F-66C6-5769-3D38-E3AEA8C9993C}"/>
-              </a:ext>
-            </a:extLst>
-          </p:cNvPr>
-          <p:cNvSpPr>
-            <a:spLocks noGrp="1"/>
-          </p:cNvSpPr>
-          <p:nvPr>
-            <p:ph type="title"/>
-          </p:nvPr>
-        </p:nvSpPr>
-        <p:spPr/>
-        <p:txBody>
-          <a:bodyPr/>
-          <a:lstStyle/>
-          <a:p>
-            <a:r>
-              <a:rPr lang="en-US" dirty="0"/>
-              <a:t>Synaptic integration</a:t>
-            </a:r>
-            <a:endParaRPr lang="fr-FR" dirty="0"/>
-          </a:p>
-        </p:txBody>
-      </p:sp>
-      <p:grpSp>
-        <p:nvGrpSpPr>
-          <p:cNvPr id="10" name="Group 9">
-            <a:extLst>
-              <a:ext uri="{FF2B5EF4-FFF2-40B4-BE49-F238E27FC236}">
-                <a16:creationId xmlns:a16="http://schemas.microsoft.com/office/drawing/2014/main" id="{029BE3A8-A7EB-595A-24DD-CB08D616B730}"/>
-              </a:ext>
-            </a:extLst>
-          </p:cNvPr>
-          <p:cNvGrpSpPr/>
-          <p:nvPr/>
-        </p:nvGrpSpPr>
-        <p:grpSpPr>
-          <a:xfrm rot="10800000">
-            <a:off x="1304910" y="1879493"/>
-            <a:ext cx="7229489" cy="4365732"/>
-            <a:chOff x="923911" y="1365996"/>
-            <a:chExt cx="6623698" cy="3999908"/>
-          </a:xfrm>
-        </p:grpSpPr>
-        <p:pic>
-          <p:nvPicPr>
-            <p:cNvPr id="4" name="Picture 3">
-              <a:extLst>
-                <a:ext uri="{FF2B5EF4-FFF2-40B4-BE49-F238E27FC236}">
-                  <a16:creationId xmlns:a16="http://schemas.microsoft.com/office/drawing/2014/main" id="{A95F52F9-FBFA-F0AB-6E83-B43478E01746}"/>
-                </a:ext>
-              </a:extLst>
-            </p:cNvPr>
-            <p:cNvPicPr>
-              <a:picLocks noChangeAspect="1"/>
-            </p:cNvPicPr>
-            <p:nvPr/>
-          </p:nvPicPr>
-          <p:blipFill>
-            <a:blip r:embed="rId3"/>
-            <a:stretch>
-              <a:fillRect/>
-            </a:stretch>
-          </p:blipFill>
-          <p:spPr>
-            <a:xfrm>
-              <a:off x="923911" y="2471039"/>
-              <a:ext cx="3366149" cy="1361486"/>
-            </a:xfrm>
-            <a:prstGeom prst="rect">
-              <a:avLst/>
-            </a:prstGeom>
-          </p:spPr>
-        </p:pic>
-        <p:pic>
-          <p:nvPicPr>
-            <p:cNvPr id="6" name="Picture 5">
-              <a:extLst>
-                <a:ext uri="{FF2B5EF4-FFF2-40B4-BE49-F238E27FC236}">
-                  <a16:creationId xmlns:a16="http://schemas.microsoft.com/office/drawing/2014/main" id="{BDD48A01-C7C1-FC28-91C1-44C67E3E5156}"/>
-                </a:ext>
-              </a:extLst>
-            </p:cNvPr>
-            <p:cNvPicPr>
-              <a:picLocks noChangeAspect="1"/>
-            </p:cNvPicPr>
-            <p:nvPr/>
-          </p:nvPicPr>
-          <p:blipFill>
-            <a:blip r:embed="rId3"/>
-            <a:stretch>
-              <a:fillRect/>
-            </a:stretch>
-          </p:blipFill>
-          <p:spPr>
-            <a:xfrm rot="941488">
-              <a:off x="3162287" y="4004418"/>
-              <a:ext cx="3366146" cy="1361486"/>
-            </a:xfrm>
-            <a:prstGeom prst="rect">
-              <a:avLst/>
-            </a:prstGeom>
-          </p:spPr>
-        </p:pic>
-        <p:pic>
-          <p:nvPicPr>
-            <p:cNvPr id="7" name="Picture 6">
-              <a:extLst>
-                <a:ext uri="{FF2B5EF4-FFF2-40B4-BE49-F238E27FC236}">
-                  <a16:creationId xmlns:a16="http://schemas.microsoft.com/office/drawing/2014/main" id="{BDBBA70A-97C6-BBDA-E7F3-C01F4DF28F20}"/>
-                </a:ext>
-              </a:extLst>
-            </p:cNvPr>
-            <p:cNvPicPr>
-              <a:picLocks noChangeAspect="1"/>
-            </p:cNvPicPr>
-            <p:nvPr/>
-          </p:nvPicPr>
-          <p:blipFill>
-            <a:blip r:embed="rId3"/>
-            <a:stretch>
-              <a:fillRect/>
-            </a:stretch>
-          </p:blipFill>
-          <p:spPr>
-            <a:xfrm rot="21445380" flipV="1">
-              <a:off x="3664568" y="1365996"/>
-              <a:ext cx="3366147" cy="1361486"/>
-            </a:xfrm>
-            <a:prstGeom prst="rect">
-              <a:avLst/>
-            </a:prstGeom>
-          </p:spPr>
-        </p:pic>
-        <p:pic>
-          <p:nvPicPr>
-            <p:cNvPr id="9" name="Picture 8">
-              <a:extLst>
-                <a:ext uri="{FF2B5EF4-FFF2-40B4-BE49-F238E27FC236}">
-                  <a16:creationId xmlns:a16="http://schemas.microsoft.com/office/drawing/2014/main" id="{B8BFE8A0-5540-E6BE-9B9E-6F63CA93EA80}"/>
-                </a:ext>
-              </a:extLst>
-            </p:cNvPr>
-            <p:cNvPicPr>
-              <a:picLocks noChangeAspect="1"/>
-            </p:cNvPicPr>
-            <p:nvPr/>
-          </p:nvPicPr>
-          <p:blipFill>
-            <a:blip r:embed="rId3"/>
-            <a:stretch>
-              <a:fillRect/>
-            </a:stretch>
-          </p:blipFill>
-          <p:spPr>
-            <a:xfrm rot="21083102">
-              <a:off x="4181462" y="2748256"/>
-              <a:ext cx="3366147" cy="1361486"/>
-            </a:xfrm>
-            <a:prstGeom prst="rect">
-              <a:avLst/>
-            </a:prstGeom>
-          </p:spPr>
-        </p:pic>
-      </p:grpSp>
-      <p:sp>
-        <p:nvSpPr>
-          <p:cNvPr id="11" name="Oval 10">
-            <a:extLst>
-              <a:ext uri="{FF2B5EF4-FFF2-40B4-BE49-F238E27FC236}">
-                <a16:creationId xmlns:a16="http://schemas.microsoft.com/office/drawing/2014/main" id="{FF424C1F-1247-45CF-A9FD-4D104B9D6A22}"/>
-              </a:ext>
-            </a:extLst>
-          </p:cNvPr>
-          <p:cNvSpPr/>
-          <p:nvPr/>
-        </p:nvSpPr>
-        <p:spPr>
-          <a:xfrm>
-            <a:off x="3012282" y="2141015"/>
-            <a:ext cx="466454" cy="466454"/>
-          </a:xfrm>
-          <a:prstGeom prst="ellipse">
-            <a:avLst/>
-          </a:prstGeom>
-          <a:solidFill>
-            <a:srgbClr val="FF0000"/>
-          </a:solidFill>
-          <a:ln>
-            <a:noFill/>
-          </a:ln>
-        </p:spPr>
-        <p:style>
-          <a:lnRef idx="2">
-            <a:schemeClr val="accent1">
-              <a:shade val="50000"/>
-            </a:schemeClr>
-          </a:lnRef>
-          <a:fillRef idx="1">
-            <a:schemeClr val="accent1"/>
-          </a:fillRef>
-          <a:effectRef idx="0">
-            <a:schemeClr val="accent1"/>
-          </a:effectRef>
-          <a:fontRef idx="minor">
-            <a:schemeClr val="lt1"/>
-          </a:fontRef>
-        </p:style>
-        <p:txBody>
-          <a:bodyPr rtlCol="0" anchor="ctr"/>
-          <a:lstStyle/>
-          <a:p>
-            <a:pPr algn="ctr"/>
-            <a:endParaRPr lang="en-US"/>
-          </a:p>
-        </p:txBody>
-      </p:sp>
-      <mc:AlternateContent xmlns:mc="http://schemas.openxmlformats.org/markup-compatibility/2006" xmlns:a14="http://schemas.microsoft.com/office/drawing/2010/main">
-        <mc:Choice Requires="a14">
-          <p:sp>
-            <p:nvSpPr>
-              <p:cNvPr id="12" name="TextBox 11">
-                <a:extLst>
-                  <a:ext uri="{FF2B5EF4-FFF2-40B4-BE49-F238E27FC236}">
-                    <a16:creationId xmlns:a16="http://schemas.microsoft.com/office/drawing/2014/main" id="{0545CA42-E072-E6F6-05CB-91E6FF7F207E}"/>
-                  </a:ext>
-                </a:extLst>
-              </p:cNvPr>
-              <p:cNvSpPr txBox="1"/>
-              <p:nvPr/>
-            </p:nvSpPr>
-            <p:spPr>
-              <a:xfrm>
-                <a:off x="6223793" y="3754222"/>
-                <a:ext cx="494045" cy="369332"/>
-              </a:xfrm>
-              <a:prstGeom prst="rect">
-                <a:avLst/>
-              </a:prstGeom>
-              <a:noFill/>
-            </p:spPr>
-            <p:txBody>
-              <a:bodyPr wrap="none" rtlCol="0">
-                <a:spAutoFit/>
-              </a:bodyPr>
-              <a:lstStyle/>
-              <a:p>
-                <a:pPr/>
-                <a14:m>
-                  <m:oMathPara xmlns:m="http://schemas.openxmlformats.org/officeDocument/2006/math">
-                    <m:oMathParaPr>
-                      <m:jc m:val="centerGroup"/>
-                    </m:oMathParaPr>
-                    <m:oMath xmlns:m="http://schemas.openxmlformats.org/officeDocument/2006/math">
-                      <m:sSub>
-                        <m:sSubPr>
-                          <m:ctrlPr>
-                            <a:rPr lang="fr-FR" b="0" i="1" smtClean="0">
-                              <a:latin typeface="Cambria Math" panose="02040503050406030204" pitchFamily="18" charset="0"/>
-                            </a:rPr>
-                          </m:ctrlPr>
-                        </m:sSubPr>
-                        <m:e>
-                          <m:r>
-                            <a:rPr lang="fr-FR" b="0" i="1" smtClean="0">
-                              <a:latin typeface="Cambria Math" panose="02040503050406030204" pitchFamily="18" charset="0"/>
-                            </a:rPr>
-                            <m:t>𝑁</m:t>
-                          </m:r>
-                        </m:e>
-                        <m:sub>
-                          <m:r>
-                            <a:rPr lang="fr-FR" b="0" i="1" smtClean="0">
-                              <a:latin typeface="Cambria Math" panose="02040503050406030204" pitchFamily="18" charset="0"/>
-                            </a:rPr>
-                            <m:t>0</m:t>
-                          </m:r>
-                        </m:sub>
-                      </m:sSub>
-                    </m:oMath>
-                  </m:oMathPara>
-                </a14:m>
-                <a:endParaRPr lang="fr-FR" b="0" dirty="0"/>
-              </a:p>
-            </p:txBody>
-          </p:sp>
-        </mc:Choice>
-        <mc:Fallback xmlns="">
-          <p:sp>
-            <p:nvSpPr>
-              <p:cNvPr id="12" name="TextBox 11">
-                <a:extLst>
-                  <a:ext uri="{FF2B5EF4-FFF2-40B4-BE49-F238E27FC236}">
-                    <a16:creationId xmlns:a16="http://schemas.microsoft.com/office/drawing/2014/main" id="{0545CA42-E072-E6F6-05CB-91E6FF7F207E}"/>
-                  </a:ext>
-                </a:extLst>
-              </p:cNvPr>
-              <p:cNvSpPr txBox="1">
-                <a:spLocks noRot="1" noChangeAspect="1" noMove="1" noResize="1" noEditPoints="1" noAdjustHandles="1" noChangeArrowheads="1" noChangeShapeType="1" noTextEdit="1"/>
-              </p:cNvSpPr>
-              <p:nvPr/>
-            </p:nvSpPr>
-            <p:spPr>
-              <a:xfrm>
-                <a:off x="6223793" y="3754222"/>
-                <a:ext cx="494045" cy="369332"/>
-              </a:xfrm>
-              <a:prstGeom prst="rect">
-                <a:avLst/>
-              </a:prstGeom>
-              <a:blipFill>
-                <a:blip r:embed="rId4"/>
-                <a:stretch>
-                  <a:fillRect/>
-                </a:stretch>
-              </a:blipFill>
-            </p:spPr>
-            <p:txBody>
-              <a:bodyPr/>
-              <a:lstStyle/>
-              <a:p>
-                <a:r>
-                  <a:rPr lang="en-US">
-                    <a:noFill/>
-                  </a:rPr>
-                  <a:t> </a:t>
-                </a:r>
-              </a:p>
-            </p:txBody>
-          </p:sp>
-        </mc:Fallback>
-      </mc:AlternateContent>
-      <mc:AlternateContent xmlns:mc="http://schemas.openxmlformats.org/markup-compatibility/2006" xmlns:a14="http://schemas.microsoft.com/office/drawing/2010/main">
-        <mc:Choice Requires="a14">
-          <p:sp>
-            <p:nvSpPr>
-              <p:cNvPr id="13" name="TextBox 12">
-                <a:extLst>
-                  <a:ext uri="{FF2B5EF4-FFF2-40B4-BE49-F238E27FC236}">
-                    <a16:creationId xmlns:a16="http://schemas.microsoft.com/office/drawing/2014/main" id="{A6CF8716-8D15-C511-C226-51DD239C06F8}"/>
-                  </a:ext>
-                </a:extLst>
-              </p:cNvPr>
-              <p:cNvSpPr txBox="1"/>
-              <p:nvPr/>
-            </p:nvSpPr>
-            <p:spPr>
-              <a:xfrm>
-                <a:off x="2231655" y="2107168"/>
-                <a:ext cx="488724" cy="369332"/>
-              </a:xfrm>
-              <a:prstGeom prst="rect">
-                <a:avLst/>
-              </a:prstGeom>
-              <a:noFill/>
-            </p:spPr>
-            <p:txBody>
-              <a:bodyPr wrap="none" rtlCol="0">
-                <a:spAutoFit/>
-              </a:bodyPr>
-              <a:lstStyle/>
-              <a:p>
-                <a:pPr/>
-                <a14:m>
-                  <m:oMathPara xmlns:m="http://schemas.openxmlformats.org/officeDocument/2006/math">
-                    <m:oMathParaPr>
-                      <m:jc m:val="centerGroup"/>
-                    </m:oMathParaPr>
-                    <m:oMath xmlns:m="http://schemas.openxmlformats.org/officeDocument/2006/math">
-                      <m:sSub>
-                        <m:sSubPr>
-                          <m:ctrlPr>
-                            <a:rPr lang="fr-FR" b="0" i="1" smtClean="0">
-                              <a:latin typeface="Cambria Math" panose="02040503050406030204" pitchFamily="18" charset="0"/>
-                            </a:rPr>
-                          </m:ctrlPr>
-                        </m:sSubPr>
-                        <m:e>
-                          <m:r>
-                            <a:rPr lang="fr-FR" b="0" i="1" smtClean="0">
-                              <a:latin typeface="Cambria Math" panose="02040503050406030204" pitchFamily="18" charset="0"/>
-                            </a:rPr>
-                            <m:t>𝑁</m:t>
-                          </m:r>
-                        </m:e>
-                        <m:sub>
-                          <m:r>
-                            <a:rPr lang="fr-FR" b="0" i="1" smtClean="0">
-                              <a:latin typeface="Cambria Math" panose="02040503050406030204" pitchFamily="18" charset="0"/>
-                            </a:rPr>
-                            <m:t>1</m:t>
-                          </m:r>
-                        </m:sub>
-                      </m:sSub>
-                    </m:oMath>
-                  </m:oMathPara>
-                </a14:m>
-                <a:endParaRPr lang="fr-FR" b="0" dirty="0"/>
-              </a:p>
-            </p:txBody>
-          </p:sp>
-        </mc:Choice>
-        <mc:Fallback xmlns="">
-          <p:sp>
-            <p:nvSpPr>
-              <p:cNvPr id="13" name="TextBox 12">
-                <a:extLst>
-                  <a:ext uri="{FF2B5EF4-FFF2-40B4-BE49-F238E27FC236}">
-                    <a16:creationId xmlns:a16="http://schemas.microsoft.com/office/drawing/2014/main" id="{A6CF8716-8D15-C511-C226-51DD239C06F8}"/>
-                  </a:ext>
-                </a:extLst>
-              </p:cNvPr>
-              <p:cNvSpPr txBox="1">
-                <a:spLocks noRot="1" noChangeAspect="1" noMove="1" noResize="1" noEditPoints="1" noAdjustHandles="1" noChangeArrowheads="1" noChangeShapeType="1" noTextEdit="1"/>
-              </p:cNvSpPr>
-              <p:nvPr/>
-            </p:nvSpPr>
-            <p:spPr>
-              <a:xfrm>
-                <a:off x="2231655" y="2107168"/>
-                <a:ext cx="488724" cy="369332"/>
-              </a:xfrm>
-              <a:prstGeom prst="rect">
-                <a:avLst/>
-              </a:prstGeom>
-              <a:blipFill>
-                <a:blip r:embed="rId5"/>
-                <a:stretch>
-                  <a:fillRect/>
-                </a:stretch>
-              </a:blipFill>
-            </p:spPr>
-            <p:txBody>
-              <a:bodyPr/>
-              <a:lstStyle/>
-              <a:p>
-                <a:r>
-                  <a:rPr lang="en-US">
-                    <a:noFill/>
-                  </a:rPr>
-                  <a:t> </a:t>
-                </a:r>
-              </a:p>
-            </p:txBody>
-          </p:sp>
-        </mc:Fallback>
-      </mc:AlternateContent>
-      <mc:AlternateContent xmlns:mc="http://schemas.openxmlformats.org/markup-compatibility/2006" xmlns:a14="http://schemas.microsoft.com/office/drawing/2010/main">
-        <mc:Choice Requires="a14">
-          <p:sp>
-            <p:nvSpPr>
-              <p:cNvPr id="14" name="TextBox 13">
-                <a:extLst>
-                  <a:ext uri="{FF2B5EF4-FFF2-40B4-BE49-F238E27FC236}">
-                    <a16:creationId xmlns:a16="http://schemas.microsoft.com/office/drawing/2014/main" id="{5CEACD57-2109-6B3C-46A5-002C34293DED}"/>
-                  </a:ext>
-                </a:extLst>
-              </p:cNvPr>
-              <p:cNvSpPr txBox="1"/>
-              <p:nvPr/>
-            </p:nvSpPr>
-            <p:spPr>
-              <a:xfrm>
-                <a:off x="1851013" y="5946155"/>
-                <a:ext cx="494046" cy="369332"/>
-              </a:xfrm>
-              <a:prstGeom prst="rect">
-                <a:avLst/>
-              </a:prstGeom>
-              <a:noFill/>
-            </p:spPr>
-            <p:txBody>
-              <a:bodyPr wrap="none" rtlCol="0">
-                <a:spAutoFit/>
-              </a:bodyPr>
-              <a:lstStyle/>
-              <a:p>
-                <a:pPr/>
-                <a14:m>
-                  <m:oMathPara xmlns:m="http://schemas.openxmlformats.org/officeDocument/2006/math">
-                    <m:oMathParaPr>
-                      <m:jc m:val="centerGroup"/>
-                    </m:oMathParaPr>
-                    <m:oMath xmlns:m="http://schemas.openxmlformats.org/officeDocument/2006/math">
-                      <m:sSub>
-                        <m:sSubPr>
-                          <m:ctrlPr>
-                            <a:rPr lang="fr-FR" b="0" i="1" smtClean="0">
-                              <a:latin typeface="Cambria Math" panose="02040503050406030204" pitchFamily="18" charset="0"/>
-                            </a:rPr>
-                          </m:ctrlPr>
-                        </m:sSubPr>
-                        <m:e>
-                          <m:r>
-                            <a:rPr lang="fr-FR" b="0" i="1" smtClean="0">
-                              <a:latin typeface="Cambria Math" panose="02040503050406030204" pitchFamily="18" charset="0"/>
-                            </a:rPr>
-                            <m:t>𝑁</m:t>
-                          </m:r>
-                        </m:e>
-                        <m:sub>
-                          <m:r>
-                            <a:rPr lang="fr-FR" b="0" i="1" smtClean="0">
-                              <a:latin typeface="Cambria Math" panose="02040503050406030204" pitchFamily="18" charset="0"/>
-                            </a:rPr>
-                            <m:t>3</m:t>
-                          </m:r>
-                        </m:sub>
-                      </m:sSub>
-                    </m:oMath>
-                  </m:oMathPara>
-                </a14:m>
-                <a:endParaRPr lang="fr-FR" b="0" dirty="0"/>
-              </a:p>
-            </p:txBody>
-          </p:sp>
-        </mc:Choice>
-        <mc:Fallback xmlns="">
-          <p:sp>
-            <p:nvSpPr>
-              <p:cNvPr id="14" name="TextBox 13">
-                <a:extLst>
-                  <a:ext uri="{FF2B5EF4-FFF2-40B4-BE49-F238E27FC236}">
-                    <a16:creationId xmlns:a16="http://schemas.microsoft.com/office/drawing/2014/main" id="{5CEACD57-2109-6B3C-46A5-002C34293DED}"/>
-                  </a:ext>
-                </a:extLst>
-              </p:cNvPr>
-              <p:cNvSpPr txBox="1">
-                <a:spLocks noRot="1" noChangeAspect="1" noMove="1" noResize="1" noEditPoints="1" noAdjustHandles="1" noChangeArrowheads="1" noChangeShapeType="1" noTextEdit="1"/>
-              </p:cNvSpPr>
-              <p:nvPr/>
-            </p:nvSpPr>
-            <p:spPr>
-              <a:xfrm>
-                <a:off x="1851013" y="5946155"/>
-                <a:ext cx="494046" cy="369332"/>
-              </a:xfrm>
-              <a:prstGeom prst="rect">
-                <a:avLst/>
-              </a:prstGeom>
-              <a:blipFill>
-                <a:blip r:embed="rId6"/>
-                <a:stretch>
-                  <a:fillRect/>
-                </a:stretch>
-              </a:blipFill>
-            </p:spPr>
-            <p:txBody>
-              <a:bodyPr/>
-              <a:lstStyle/>
-              <a:p>
-                <a:r>
-                  <a:rPr lang="en-US">
-                    <a:noFill/>
-                  </a:rPr>
-                  <a:t> </a:t>
-                </a:r>
-              </a:p>
-            </p:txBody>
-          </p:sp>
-        </mc:Fallback>
-      </mc:AlternateContent>
-      <mc:AlternateContent xmlns:mc="http://schemas.openxmlformats.org/markup-compatibility/2006" xmlns:a14="http://schemas.microsoft.com/office/drawing/2010/main">
-        <mc:Choice Requires="a14">
-          <p:sp>
-            <p:nvSpPr>
-              <p:cNvPr id="15" name="TextBox 14">
-                <a:extLst>
-                  <a:ext uri="{FF2B5EF4-FFF2-40B4-BE49-F238E27FC236}">
-                    <a16:creationId xmlns:a16="http://schemas.microsoft.com/office/drawing/2014/main" id="{973165E8-992C-2B70-8E99-CC395DB328CA}"/>
-                  </a:ext>
-                </a:extLst>
-              </p:cNvPr>
-              <p:cNvSpPr txBox="1"/>
-              <p:nvPr/>
-            </p:nvSpPr>
-            <p:spPr>
-              <a:xfrm>
-                <a:off x="1148455" y="3433041"/>
-                <a:ext cx="494046" cy="369332"/>
-              </a:xfrm>
-              <a:prstGeom prst="rect">
-                <a:avLst/>
-              </a:prstGeom>
-              <a:noFill/>
-            </p:spPr>
-            <p:txBody>
-              <a:bodyPr wrap="none" rtlCol="0">
-                <a:spAutoFit/>
-              </a:bodyPr>
-              <a:lstStyle/>
-              <a:p>
-                <a:pPr/>
-                <a14:m>
-                  <m:oMathPara xmlns:m="http://schemas.openxmlformats.org/officeDocument/2006/math">
-                    <m:oMathParaPr>
-                      <m:jc m:val="centerGroup"/>
-                    </m:oMathParaPr>
-                    <m:oMath xmlns:m="http://schemas.openxmlformats.org/officeDocument/2006/math">
-                      <m:sSub>
-                        <m:sSubPr>
-                          <m:ctrlPr>
-                            <a:rPr lang="fr-FR" b="0" i="1" smtClean="0">
-                              <a:latin typeface="Cambria Math" panose="02040503050406030204" pitchFamily="18" charset="0"/>
-                            </a:rPr>
-                          </m:ctrlPr>
-                        </m:sSubPr>
-                        <m:e>
-                          <m:r>
-                            <a:rPr lang="fr-FR" b="0" i="1" smtClean="0">
-                              <a:latin typeface="Cambria Math" panose="02040503050406030204" pitchFamily="18" charset="0"/>
-                            </a:rPr>
-                            <m:t>𝑁</m:t>
-                          </m:r>
-                        </m:e>
-                        <m:sub>
-                          <m:r>
-                            <a:rPr lang="fr-FR" b="0" i="1" smtClean="0">
-                              <a:latin typeface="Cambria Math" panose="02040503050406030204" pitchFamily="18" charset="0"/>
-                            </a:rPr>
-                            <m:t>2</m:t>
-                          </m:r>
-                        </m:sub>
-                      </m:sSub>
-                    </m:oMath>
-                  </m:oMathPara>
-                </a14:m>
-                <a:endParaRPr lang="fr-FR" b="0" dirty="0"/>
-              </a:p>
-            </p:txBody>
-          </p:sp>
-        </mc:Choice>
-        <mc:Fallback xmlns="">
-          <p:sp>
-            <p:nvSpPr>
-              <p:cNvPr id="15" name="TextBox 14">
-                <a:extLst>
-                  <a:ext uri="{FF2B5EF4-FFF2-40B4-BE49-F238E27FC236}">
-                    <a16:creationId xmlns:a16="http://schemas.microsoft.com/office/drawing/2014/main" id="{973165E8-992C-2B70-8E99-CC395DB328CA}"/>
-                  </a:ext>
-                </a:extLst>
-              </p:cNvPr>
-              <p:cNvSpPr txBox="1">
-                <a:spLocks noRot="1" noChangeAspect="1" noMove="1" noResize="1" noEditPoints="1" noAdjustHandles="1" noChangeArrowheads="1" noChangeShapeType="1" noTextEdit="1"/>
-              </p:cNvSpPr>
-              <p:nvPr/>
-            </p:nvSpPr>
-            <p:spPr>
-              <a:xfrm>
-                <a:off x="1148455" y="3433041"/>
-                <a:ext cx="494046" cy="369332"/>
-              </a:xfrm>
-              <a:prstGeom prst="rect">
-                <a:avLst/>
-              </a:prstGeom>
-              <a:blipFill>
-                <a:blip r:embed="rId7"/>
-                <a:stretch>
-                  <a:fillRect/>
-                </a:stretch>
-              </a:blipFill>
-            </p:spPr>
-            <p:txBody>
-              <a:bodyPr/>
-              <a:lstStyle/>
-              <a:p>
-                <a:r>
-                  <a:rPr lang="en-US">
-                    <a:noFill/>
-                  </a:rPr>
-                  <a:t> </a:t>
-                </a:r>
-              </a:p>
-            </p:txBody>
-          </p:sp>
-        </mc:Fallback>
-      </mc:AlternateContent>
-    </p:spTree>
-    <p:extLst>
-      <p:ext uri="{BB962C8B-B14F-4D97-AF65-F5344CB8AC3E}">
-        <p14:creationId xmlns:p14="http://schemas.microsoft.com/office/powerpoint/2010/main" val="1606368709"/>
-      </p:ext>
-    </p:extLst>
-  </p:cSld>
-  <p:clrMapOvr>
-    <a:masterClrMapping/>
-  </p:clrMapOvr>
-  <p:timing>
-    <p:tnLst>
-      <p:par>
-        <p:cTn id="1" dur="indefinite" restart="never" nodeType="tmRoot">
-          <p:childTnLst>
-            <p:seq concurrent="1" nextAc="seek">
-              <p:cTn id="2" dur="indefinite" nodeType="mainSeq">
-                <p:childTnLst>
-                  <p:par>
-                    <p:cTn id="3" fill="hold">
-                      <p:stCondLst>
-                        <p:cond delay="indefinite"/>
-                      </p:stCondLst>
-                      <p:childTnLst>
-                        <p:par>
-                          <p:cTn id="4" fill="hold">
-                            <p:stCondLst>
-                              <p:cond delay="0"/>
-                            </p:stCondLst>
-                            <p:childTnLst>
-                              <p:par>
-                                <p:cTn id="5" presetID="0" presetClass="path" presetSubtype="0" accel="50000" decel="50000" fill="hold" grpId="0" nodeType="clickEffect">
-                                  <p:stCondLst>
-                                    <p:cond delay="0"/>
-                                  </p:stCondLst>
-                                  <p:childTnLst>
-                                    <p:animMotion origin="layout" path="M 4.16667E-6 -4.44444E-6 L 4.16667E-6 -4.44444E-6 C 0.00091 -4.44444E-6 0.00208 0.00047 0.00325 0.00116 C 0.0039 0.00139 0.00481 0.00162 0.00559 0.00209 C 0.00599 0.00209 0.00638 0.00255 0.0069 0.00301 C 0.00755 0.00325 0.00911 0.00348 0.00976 0.00394 C 0.0108 0.00417 0.01171 0.00487 0.01289 0.00533 C 0.01328 0.00533 0.01367 0.00556 0.01419 0.00579 C 0.0151 0.00602 0.01536 0.00625 0.01653 0.00672 C 0.01718 0.00672 0.01809 0.00695 0.01888 0.00718 C 0.02135 0.00811 0.02369 0.00926 0.0263 0.00996 C 0.02708 0.00996 0.02786 0.01019 0.02864 0.01042 C 0.02916 0.01042 0.02955 0.01065 0.0302 0.01112 C 0.03073 0.01112 0.03138 0.01135 0.03203 0.01158 C 0.03255 0.01158 0.03307 0.01181 0.03359 0.01204 C 0.03385 0.01204 0.03424 0.01227 0.03463 0.0125 C 0.03528 0.0125 0.03619 0.01274 0.03698 0.01297 C 0.03854 0.0132 0.03789 0.0132 0.03932 0.01389 C 0.04179 0.01459 0.03984 0.01389 0.0427 0.01482 C 0.04296 0.01482 0.04336 0.01505 0.04375 0.01528 C 0.04427 0.01528 0.04492 0.01551 0.04557 0.01575 C 0.04713 0.01644 0.04544 0.01575 0.04843 0.01644 C 0.04869 0.01644 0.04908 0.01644 0.04948 0.01667 C 0.05026 0.0169 0.05117 0.01713 0.05208 0.01783 L 0.0539 0.01852 C 0.05416 0.01852 0.05442 0.01875 0.05468 0.01899 C 0.0552 0.01922 0.05573 0.01968 0.05625 0.02037 C 0.05651 0.02061 0.05664 0.02107 0.05703 0.0213 C 0.05755 0.02153 0.0582 0.02176 0.05885 0.02246 C 0.05924 0.02292 0.05963 0.02338 0.06015 0.02385 C 0.06171 0.02524 0.06093 0.02408 0.06224 0.0257 C 0.0664 0.03125 0.06132 0.02454 0.06432 0.02894 C 0.06445 0.02917 0.06484 0.0294 0.0651 0.02987 C 0.06601 0.03102 0.06614 0.03149 0.06744 0.03264 C 0.06757 0.03264 0.06796 0.03287 0.06823 0.03287 C 0.06849 0.03311 0.06862 0.03357 0.06901 0.0338 C 0.06966 0.03426 0.07135 0.03542 0.07135 0.03565 C 0.072 0.03612 0.0733 0.03774 0.07395 0.03843 C 0.07421 0.03866 0.07448 0.03843 0.07487 0.03889 C 0.07565 0.03936 0.07656 0.04051 0.07747 0.04121 C 0.07903 0.04237 0.08099 0.04306 0.08268 0.04399 C 0.08502 0.04537 0.0845 0.04537 0.08684 0.04653 C 0.0875 0.04676 0.08841 0.047 0.08919 0.04746 C 0.08997 0.04769 0.09088 0.04838 0.09179 0.04885 C 0.09244 0.04908 0.09309 0.04931 0.09388 0.04954 C 0.09427 0.04977 0.09466 0.04977 0.09518 0.05024 C 0.09557 0.05024 0.09596 0.05047 0.09648 0.0507 C 0.09687 0.05093 0.09726 0.05139 0.09778 0.05162 C 0.09856 0.05186 0.09948 0.05209 0.10039 0.05278 C 0.10625 0.05533 0.10325 0.05417 0.10768 0.05649 C 0.10833 0.05672 0.10898 0.05695 0.10976 0.05741 C 0.1108 0.05787 0.11224 0.05926 0.11315 0.06019 C 0.11419 0.06112 0.11497 0.06181 0.11627 0.0625 C 0.11992 0.06389 0.12174 0.06343 0.12604 0.06389 C 0.12643 0.06389 0.1289 0.06389 0.12994 0.06482 C 0.1302 0.06482 0.13033 0.06551 0.13073 0.06575 C 0.13112 0.06598 0.13177 0.06621 0.13229 0.06644 C 0.13281 0.0669 0.13385 0.06852 0.13463 0.06922 C 0.13528 0.06945 0.13593 0.06968 0.13671 0.07014 C 0.13867 0.0713 0.13789 0.0713 0.1401 0.07223 C 0.14192 0.07292 0.14414 0.07292 0.14609 0.07315 C 0.14713 0.07315 0.14843 0.07338 0.14948 0.07362 C 0.15247 0.07454 0.14895 0.07315 0.15208 0.07524 C 0.1526 0.07547 0.15325 0.0757 0.1539 0.07616 C 0.15664 0.07987 0.15494 0.07778 0.15911 0.08102 L 0.15911 0.08125 C 0.16093 0.08287 0.15989 0.08218 0.16224 0.08287 C 0.16419 0.0838 0.16276 0.08287 0.16484 0.0838 C 0.16705 0.08473 0.16653 0.0845 0.16875 0.08565 C 0.16901 0.08565 0.1694 0.08588 0.16979 0.08612 C 0.17031 0.08635 0.17161 0.08774 0.17213 0.08866 C 0.17239 0.08889 0.17265 0.08912 0.17291 0.08959 C 0.17317 0.08982 0.17317 0.09075 0.17356 0.09121 C 0.17382 0.09167 0.17565 0.09352 0.17617 0.09422 C 0.17747 0.09653 0.17552 0.09468 0.17773 0.09746 C 0.18268 0.10348 0.17825 0.09792 0.1819 0.1007 C 0.18528 0.10394 0.18099 0.1 0.18372 0.10232 C 0.18398 0.10255 0.18437 0.10278 0.18476 0.10325 C 0.18489 0.10325 0.18528 0.10348 0.18554 0.10371 C 0.18645 0.1044 0.18645 0.1051 0.18737 0.10672 C 0.1875 0.10695 0.18789 0.10718 0.18815 0.10764 C 0.18828 0.10811 0.18841 0.10857 0.18867 0.10903 C 0.1888 0.1095 0.18919 0.10973 0.18945 0.11042 C 0.18971 0.11112 0.18997 0.11366 0.19023 0.11505 C 0.18997 0.12848 0.1901 0.12639 0.18971 0.13542 C 0.18945 0.14028 0.18971 0.13843 0.18919 0.14167 C 0.18932 0.14885 0.18919 0.14931 0.18971 0.15417 C 0.18971 0.15487 0.18984 0.15556 0.18997 0.15649 C 0.1901 0.15787 0.19049 0.16065 0.19049 0.16088 C 0.19036 0.16436 0.19049 0.16783 0.19023 0.17176 C 0.1901 0.17246 0.18958 0.17292 0.18945 0.17362 C 0.18919 0.17385 0.18906 0.17431 0.18893 0.175 C 0.1875 0.1794 0.18945 0.17431 0.18737 0.17894 C 0.18711 0.17917 0.18698 0.17963 0.18684 0.18033 C 0.1858 0.18264 0.18606 0.18218 0.18554 0.18473 C 0.18541 0.18612 0.18528 0.1875 0.18528 0.18866 C 0.18502 0.19075 0.18476 0.19561 0.18476 0.19584 C 0.18437 0.20695 0.18437 0.20325 0.18476 0.21737 C 0.18476 0.21899 0.18489 0.22362 0.18528 0.22616 C 0.18567 0.22894 0.18606 0.23241 0.18684 0.23473 C 0.18724 0.23681 0.18776 0.23797 0.18815 0.24005 C 0.18815 0.24075 0.18828 0.24144 0.18841 0.24237 C 0.18854 0.24306 0.18867 0.24375 0.18893 0.24445 C 0.18919 0.24607 0.18906 0.24607 0.18945 0.24792 C 0.1901 0.2507 0.18997 0.24908 0.19049 0.25278 C 0.19049 0.25371 0.19062 0.25487 0.19075 0.25602 C 0.19075 0.25649 0.19088 0.25718 0.19101 0.25787 C 0.19101 0.25857 0.19114 0.2595 0.19127 0.26042 C 0.1914 0.26112 0.19153 0.26181 0.19179 0.26274 C 0.19179 0.2632 0.19179 0.26389 0.19205 0.26505 C 0.19205 0.26551 0.19231 0.26575 0.19257 0.26644 C 0.19257 0.2669 0.1927 0.2676 0.19283 0.26829 C 0.19296 0.26968 0.19336 0.27107 0.19362 0.27269 C 0.19362 0.27315 0.19362 0.27385 0.19388 0.27454 C 0.19401 0.275 0.1944 0.27524 0.19466 0.27593 C 0.19635 0.2794 0.19479 0.27662 0.1957 0.27825 L 0.19804 0.28241 " pathEditMode="relative" rAng="0" ptsTypes="AAAAAAAAAAAAAAAAAAAAAAAAAAAAAAAAAAAAAAAAAAAAAAAAAAAAAAAAAAAAAAAAAAAAAAAAAAAAAAAAAAAAAAAAAAAAAAAAAAAAAAAAAAAAAAAAAAAAA">
-                                      <p:cBhvr>
-                                        <p:cTn id="6" dur="2000" fill="hold"/>
-                                        <p:tgtEl>
-                                          <p:spTgt spid="11"/>
-                                        </p:tgtEl>
-                                        <p:attrNameLst>
-                                          <p:attrName>ppt_x</p:attrName>
-                                          <p:attrName>ppt_y</p:attrName>
-                                        </p:attrNameLst>
-                                      </p:cBhvr>
-                                      <p:rCtr x="9896" y="14120"/>
-                                    </p:animMotion>
-                                  </p:childTnLst>
-                                </p:cTn>
-                              </p:par>
-                            </p:childTnLst>
-                          </p:cTn>
-                        </p:par>
-                      </p:childTnLst>
-                    </p:cTn>
-                  </p:par>
-                  <p:par>
-                    <p:cTn id="7" fill="hold">
-                      <p:stCondLst>
-                        <p:cond delay="indefinite"/>
-                      </p:stCondLst>
-                      <p:childTnLst>
-                        <p:par>
-                          <p:cTn id="8" fill="hold">
-                            <p:stCondLst>
-                              <p:cond delay="0"/>
-                            </p:stCondLst>
-                            <p:childTnLst>
-                              <p:par>
-                                <p:cTn id="9" presetID="6" presetClass="emph" presetSubtype="0" fill="hold" grpId="2" nodeType="clickEffect">
-                                  <p:stCondLst>
-                                    <p:cond delay="0"/>
-                                  </p:stCondLst>
-                                  <p:childTnLst>
-                                    <p:animScale>
-                                      <p:cBhvr>
-                                        <p:cTn id="10" dur="1000" fill="hold"/>
-                                        <p:tgtEl>
-                                          <p:spTgt spid="11"/>
-                                        </p:tgtEl>
-                                      </p:cBhvr>
-                                      <p:by x="50000" y="50000"/>
-                                    </p:animScale>
-                                  </p:childTnLst>
-                                </p:cTn>
-                              </p:par>
-                            </p:childTnLst>
-                          </p:cTn>
-                        </p:par>
-                      </p:childTnLst>
-                    </p:cTn>
-                  </p:par>
-                  <p:par>
-                    <p:cTn id="11" fill="hold">
-                      <p:stCondLst>
-                        <p:cond delay="indefinite"/>
-                      </p:stCondLst>
-                      <p:childTnLst>
-                        <p:par>
-                          <p:cTn id="12" fill="hold">
-                            <p:stCondLst>
-                              <p:cond delay="0"/>
-                            </p:stCondLst>
-                            <p:childTnLst>
-                              <p:par>
-                                <p:cTn id="13" presetID="0" presetClass="path" presetSubtype="0" accel="50000" fill="hold" grpId="1" nodeType="clickEffect">
-                                  <p:stCondLst>
-                                    <p:cond delay="0"/>
-                                  </p:stCondLst>
-                                  <p:childTnLst>
-                                    <p:animMotion origin="layout" path="M 0.19882 0.28889 L 0.19882 0.28889 C 0.20143 0.28912 0.20416 0.28935 0.20677 0.28935 C 0.21484 0.28912 0.21432 0.28889 0.21953 0.28819 C 0.22044 0.28819 0.22148 0.28796 0.22239 0.28796 C 0.22669 0.28726 0.22474 0.2875 0.22825 0.28657 C 0.22929 0.28611 0.2302 0.28611 0.23125 0.28588 C 0.23281 0.28426 0.23164 0.28518 0.23476 0.28449 C 0.23776 0.28356 0.23398 0.28426 0.24023 0.28379 C 0.2427 0.2831 0.24257 0.2831 0.24622 0.2831 C 0.25039 0.2831 0.25455 0.28333 0.25872 0.28333 C 0.25924 0.28356 0.25976 0.28356 0.26028 0.28379 C 0.26132 0.28379 0.26224 0.28379 0.26328 0.28402 C 0.26354 0.28402 0.26393 0.28426 0.26419 0.28449 C 0.26601 0.28495 0.26692 0.28495 0.26849 0.28541 C 0.26888 0.28564 0.26914 0.28588 0.26953 0.28611 C 0.27083 0.2868 0.27018 0.28588 0.27187 0.28726 C 0.27252 0.28773 0.27304 0.28842 0.27382 0.28889 C 0.27487 0.28958 0.27656 0.29074 0.27773 0.29097 C 0.27838 0.2912 0.27903 0.2912 0.27968 0.29143 C 0.28385 0.29213 0.27786 0.29143 0.28684 0.29213 L 0.29114 0.29236 C 0.29257 0.29259 0.2944 0.29305 0.2957 0.29305 C 0.29778 0.29328 0.29987 0.29328 0.30195 0.29351 C 0.30599 0.29328 0.31002 0.29328 0.31406 0.29305 C 0.32044 0.29259 0.31588 0.29259 0.3207 0.29166 C 0.32187 0.29143 0.32317 0.29143 0.32434 0.29143 L 0.32786 0.29074 C 0.32942 0.29027 0.33177 0.28981 0.33333 0.28958 L 0.35013 0.28889 C 0.35065 0.28889 0.35117 0.28865 0.35169 0.28865 C 0.36276 0.28865 0.36093 0.28842 0.36718 0.28935 C 0.3694 0.28981 0.36731 0.28912 0.36953 0.29027 C 0.37005 0.29051 0.37057 0.29074 0.37109 0.29097 C 0.37122 0.2912 0.37148 0.2912 0.37161 0.29143 C 0.372 0.29166 0.37226 0.29213 0.37265 0.29236 C 0.37304 0.29259 0.37343 0.29259 0.37382 0.29282 C 0.37682 0.29375 0.37252 0.29236 0.37591 0.29351 C 0.3763 0.29375 0.37656 0.29398 0.37695 0.29421 C 0.37838 0.2949 0.37851 0.2949 0.37981 0.29514 C 0.3802 0.29537 0.38059 0.29537 0.38099 0.2956 C 0.38268 0.29606 0.38437 0.29629 0.38593 0.29652 C 0.38684 0.29676 0.38789 0.29676 0.3888 0.29699 C 0.39088 0.29861 0.38841 0.29676 0.39062 0.29791 C 0.39088 0.29814 0.39114 0.29861 0.3914 0.29861 C 0.39218 0.29907 0.39296 0.29907 0.39375 0.2993 C 0.39557 0.3 0.39453 0.29976 0.397 0.3 C 0.39739 0.30023 0.39765 0.30046 0.39804 0.30046 C 0.39948 0.30069 0.40234 0.30092 0.40234 0.30092 L 0.40377 0.30092 " pathEditMode="relative" ptsTypes="AAAAAAAAAAAAAAAAAAAAAAAAAAAAAAAAAAAAAAAAAAAAAAAAAA">
-                                      <p:cBhvr>
-                                        <p:cTn id="14" dur="1000" fill="hold"/>
-                                        <p:tgtEl>
-                                          <p:spTgt spid="11"/>
-                                        </p:tgtEl>
-                                        <p:attrNameLst>
-                                          <p:attrName>ppt_x</p:attrName>
-                                          <p:attrName>ppt_y</p:attrName>
-                                        </p:attrNameLst>
-                                      </p:cBhvr>
-                                    </p:animMotion>
-                                  </p:childTnLst>
-                                </p:cTn>
-                              </p:par>
-                            </p:childTnLst>
-                          </p:cTn>
-                        </p:par>
-                        <p:par>
-                          <p:cTn id="15" fill="hold">
-                            <p:stCondLst>
-                              <p:cond delay="1000"/>
-                            </p:stCondLst>
-                            <p:childTnLst>
-                              <p:par>
-                                <p:cTn id="16" presetID="2" presetClass="exit" presetSubtype="2" fill="hold" grpId="3" nodeType="afterEffect">
-                                  <p:stCondLst>
-                                    <p:cond delay="0"/>
-                                  </p:stCondLst>
-                                  <p:childTnLst>
-                                    <p:anim calcmode="lin" valueType="num">
-                                      <p:cBhvr additive="base">
-                                        <p:cTn id="17" dur="500"/>
-                                        <p:tgtEl>
-                                          <p:spTgt spid="11"/>
-                                        </p:tgtEl>
-                                        <p:attrNameLst>
-                                          <p:attrName>ppt_x</p:attrName>
-                                        </p:attrNameLst>
-                                      </p:cBhvr>
-                                      <p:tavLst>
-                                        <p:tav tm="0">
-                                          <p:val>
-                                            <p:strVal val="ppt_x"/>
-                                          </p:val>
-                                        </p:tav>
-                                        <p:tav tm="100000">
-                                          <p:val>
-                                            <p:strVal val="1+ppt_w/2"/>
-                                          </p:val>
-                                        </p:tav>
-                                      </p:tavLst>
-                                    </p:anim>
-                                    <p:anim calcmode="lin" valueType="num">
-                                      <p:cBhvr additive="base">
-                                        <p:cTn id="18" dur="500"/>
-                                        <p:tgtEl>
-                                          <p:spTgt spid="11"/>
-                                        </p:tgtEl>
-                                        <p:attrNameLst>
-                                          <p:attrName>ppt_y</p:attrName>
-                                        </p:attrNameLst>
-                                      </p:cBhvr>
-                                      <p:tavLst>
-                                        <p:tav tm="0">
-                                          <p:val>
-                                            <p:strVal val="ppt_y"/>
-                                          </p:val>
-                                        </p:tav>
-                                        <p:tav tm="100000">
-                                          <p:val>
-                                            <p:strVal val="ppt_y"/>
-                                          </p:val>
-                                        </p:tav>
-                                      </p:tavLst>
-                                    </p:anim>
-                                    <p:set>
-                                      <p:cBhvr>
-                                        <p:cTn id="19" dur="1" fill="hold">
-                                          <p:stCondLst>
-                                            <p:cond delay="499"/>
-                                          </p:stCondLst>
-                                        </p:cTn>
-                                        <p:tgtEl>
-                                          <p:spTgt spid="11"/>
-                                        </p:tgtEl>
-                                        <p:attrNameLst>
-                                          <p:attrName>style.visibility</p:attrName>
-                                        </p:attrNameLst>
-                                      </p:cBhvr>
-                                      <p:to>
-                                        <p:strVal val="hidden"/>
-                                      </p:to>
-                                    </p:set>
-                                  </p:childTnLst>
-                                </p:cTn>
-                              </p:par>
-                            </p:childTnLst>
-                          </p:cTn>
-                        </p:par>
-                      </p:childTnLst>
-                    </p:cTn>
-                  </p:par>
-                </p:childTnLst>
-              </p:cTn>
-              <p:prevCondLst>
-                <p:cond evt="onPrev" delay="0">
-                  <p:tgtEl>
-                    <p:sldTgt/>
-                  </p:tgtEl>
-                </p:cond>
-              </p:prevCondLst>
-              <p:nextCondLst>
-                <p:cond evt="onNext" delay="0">
-                  <p:tgtEl>
-                    <p:sldTgt/>
-                  </p:tgtEl>
-                </p:cond>
-              </p:nextCondLst>
-            </p:seq>
-          </p:childTnLst>
-        </p:cTn>
-      </p:par>
-    </p:tnLst>
-    <p:bldLst>
-      <p:bldP spid="11" grpId="0" animBg="1"/>
-      <p:bldP spid="11" grpId="1" animBg="1"/>
-      <p:bldP spid="11" grpId="2" animBg="1"/>
-      <p:bldP spid="11" grpId="3" animBg="1"/>
-    </p:bldLst>
-  </p:timing>
-</p:sld>
-</file>
-
-<file path=ppt/slides/slide6.xml><?xml version="1.0" encoding="utf-8"?>
-<p:sld xmlns:a="http://schemas.openxmlformats.org/drawingml/2006/main" xmlns:r="http://schemas.openxmlformats.org/officeDocument/2006/relationships" xmlns:p="http://schemas.openxmlformats.org/presentationml/2006/main">
-  <p:cSld>
-    <p:spTree>
-      <p:nvGrpSpPr>
-        <p:cNvPr id="1" name=""/>
-        <p:cNvGrpSpPr/>
-        <p:nvPr/>
-      </p:nvGrpSpPr>
-      <p:grpSpPr>
-        <a:xfrm>
-          <a:off x="0" y="0"/>
-          <a:ext cx="0" cy="0"/>
-          <a:chOff x="0" y="0"/>
-          <a:chExt cx="0" cy="0"/>
-        </a:xfrm>
-      </p:grpSpPr>
-      <p:sp>
-        <p:nvSpPr>
-          <p:cNvPr id="2" name="Title 1">
-            <a:extLst>
-              <a:ext uri="{FF2B5EF4-FFF2-40B4-BE49-F238E27FC236}">
-                <a16:creationId xmlns:a16="http://schemas.microsoft.com/office/drawing/2014/main" id="{706C935F-66C6-5769-3D38-E3AEA8C9993C}"/>
-              </a:ext>
-            </a:extLst>
-          </p:cNvPr>
-          <p:cNvSpPr>
-            <a:spLocks noGrp="1"/>
-          </p:cNvSpPr>
-          <p:nvPr>
-            <p:ph type="title"/>
-          </p:nvPr>
-        </p:nvSpPr>
-        <p:spPr/>
-        <p:txBody>
-          <a:bodyPr/>
-          <a:lstStyle/>
-          <a:p>
-            <a:r>
-              <a:rPr lang="en-US" dirty="0"/>
-              <a:t>Synaptic integration</a:t>
-            </a:r>
-            <a:endParaRPr lang="fr-FR" dirty="0"/>
-          </a:p>
-        </p:txBody>
-      </p:sp>
-      <p:grpSp>
-        <p:nvGrpSpPr>
-          <p:cNvPr id="10" name="Group 9">
-            <a:extLst>
-              <a:ext uri="{FF2B5EF4-FFF2-40B4-BE49-F238E27FC236}">
-                <a16:creationId xmlns:a16="http://schemas.microsoft.com/office/drawing/2014/main" id="{029BE3A8-A7EB-595A-24DD-CB08D616B730}"/>
-              </a:ext>
-            </a:extLst>
-          </p:cNvPr>
-          <p:cNvGrpSpPr/>
-          <p:nvPr/>
-        </p:nvGrpSpPr>
-        <p:grpSpPr>
-          <a:xfrm rot="10800000">
-            <a:off x="1304910" y="1879493"/>
-            <a:ext cx="7229489" cy="4365732"/>
-            <a:chOff x="923911" y="1365996"/>
-            <a:chExt cx="6623698" cy="3999908"/>
-          </a:xfrm>
-        </p:grpSpPr>
-        <p:pic>
-          <p:nvPicPr>
-            <p:cNvPr id="4" name="Picture 3">
-              <a:extLst>
-                <a:ext uri="{FF2B5EF4-FFF2-40B4-BE49-F238E27FC236}">
-                  <a16:creationId xmlns:a16="http://schemas.microsoft.com/office/drawing/2014/main" id="{A95F52F9-FBFA-F0AB-6E83-B43478E01746}"/>
-                </a:ext>
-              </a:extLst>
-            </p:cNvPr>
-            <p:cNvPicPr>
-              <a:picLocks noChangeAspect="1"/>
-            </p:cNvPicPr>
-            <p:nvPr/>
-          </p:nvPicPr>
-          <p:blipFill>
-            <a:blip r:embed="rId3"/>
-            <a:stretch>
-              <a:fillRect/>
-            </a:stretch>
-          </p:blipFill>
-          <p:spPr>
-            <a:xfrm>
-              <a:off x="923911" y="2471039"/>
-              <a:ext cx="3366149" cy="1361486"/>
-            </a:xfrm>
-            <a:prstGeom prst="rect">
-              <a:avLst/>
-            </a:prstGeom>
-          </p:spPr>
-        </p:pic>
-        <p:pic>
-          <p:nvPicPr>
-            <p:cNvPr id="6" name="Picture 5">
-              <a:extLst>
-                <a:ext uri="{FF2B5EF4-FFF2-40B4-BE49-F238E27FC236}">
-                  <a16:creationId xmlns:a16="http://schemas.microsoft.com/office/drawing/2014/main" id="{BDD48A01-C7C1-FC28-91C1-44C67E3E5156}"/>
-                </a:ext>
-              </a:extLst>
-            </p:cNvPr>
-            <p:cNvPicPr>
-              <a:picLocks noChangeAspect="1"/>
-            </p:cNvPicPr>
-            <p:nvPr/>
-          </p:nvPicPr>
-          <p:blipFill>
-            <a:blip r:embed="rId3"/>
-            <a:stretch>
-              <a:fillRect/>
-            </a:stretch>
-          </p:blipFill>
-          <p:spPr>
-            <a:xfrm rot="941488">
-              <a:off x="3162287" y="4004418"/>
-              <a:ext cx="3366146" cy="1361486"/>
-            </a:xfrm>
-            <a:prstGeom prst="rect">
-              <a:avLst/>
-            </a:prstGeom>
-          </p:spPr>
-        </p:pic>
-        <p:pic>
-          <p:nvPicPr>
-            <p:cNvPr id="7" name="Picture 6">
-              <a:extLst>
-                <a:ext uri="{FF2B5EF4-FFF2-40B4-BE49-F238E27FC236}">
-                  <a16:creationId xmlns:a16="http://schemas.microsoft.com/office/drawing/2014/main" id="{BDBBA70A-97C6-BBDA-E7F3-C01F4DF28F20}"/>
-                </a:ext>
-              </a:extLst>
-            </p:cNvPr>
-            <p:cNvPicPr>
-              <a:picLocks noChangeAspect="1"/>
-            </p:cNvPicPr>
-            <p:nvPr/>
-          </p:nvPicPr>
-          <p:blipFill>
-            <a:blip r:embed="rId3"/>
-            <a:stretch>
-              <a:fillRect/>
-            </a:stretch>
-          </p:blipFill>
-          <p:spPr>
-            <a:xfrm rot="21445380" flipV="1">
-              <a:off x="3664568" y="1365996"/>
-              <a:ext cx="3366147" cy="1361486"/>
-            </a:xfrm>
-            <a:prstGeom prst="rect">
-              <a:avLst/>
-            </a:prstGeom>
-          </p:spPr>
-        </p:pic>
-        <p:pic>
-          <p:nvPicPr>
-            <p:cNvPr id="9" name="Picture 8">
-              <a:extLst>
-                <a:ext uri="{FF2B5EF4-FFF2-40B4-BE49-F238E27FC236}">
-                  <a16:creationId xmlns:a16="http://schemas.microsoft.com/office/drawing/2014/main" id="{B8BFE8A0-5540-E6BE-9B9E-6F63CA93EA80}"/>
-                </a:ext>
-              </a:extLst>
-            </p:cNvPr>
-            <p:cNvPicPr>
-              <a:picLocks noChangeAspect="1"/>
-            </p:cNvPicPr>
-            <p:nvPr/>
-          </p:nvPicPr>
-          <p:blipFill>
-            <a:blip r:embed="rId3"/>
-            <a:stretch>
-              <a:fillRect/>
-            </a:stretch>
-          </p:blipFill>
-          <p:spPr>
-            <a:xfrm rot="21083102">
-              <a:off x="4181462" y="2748256"/>
-              <a:ext cx="3366147" cy="1361486"/>
-            </a:xfrm>
-            <a:prstGeom prst="rect">
-              <a:avLst/>
-            </a:prstGeom>
-          </p:spPr>
-        </p:pic>
-      </p:grpSp>
-      <p:sp>
-        <p:nvSpPr>
-          <p:cNvPr id="11" name="Oval 10">
-            <a:extLst>
-              <a:ext uri="{FF2B5EF4-FFF2-40B4-BE49-F238E27FC236}">
-                <a16:creationId xmlns:a16="http://schemas.microsoft.com/office/drawing/2014/main" id="{FF424C1F-1247-45CF-A9FD-4D104B9D6A22}"/>
-              </a:ext>
-            </a:extLst>
-          </p:cNvPr>
-          <p:cNvSpPr/>
-          <p:nvPr/>
-        </p:nvSpPr>
-        <p:spPr>
-          <a:xfrm>
-            <a:off x="3155950" y="2285775"/>
-            <a:ext cx="190725" cy="190725"/>
-          </a:xfrm>
-          <a:prstGeom prst="ellipse">
-            <a:avLst/>
-          </a:prstGeom>
-          <a:solidFill>
-            <a:srgbClr val="FF0000"/>
-          </a:solidFill>
-          <a:ln>
-            <a:noFill/>
-          </a:ln>
-        </p:spPr>
-        <p:style>
-          <a:lnRef idx="2">
-            <a:schemeClr val="accent1">
-              <a:shade val="50000"/>
-            </a:schemeClr>
-          </a:lnRef>
-          <a:fillRef idx="1">
-            <a:schemeClr val="accent1"/>
-          </a:fillRef>
-          <a:effectRef idx="0">
-            <a:schemeClr val="accent1"/>
-          </a:effectRef>
-          <a:fontRef idx="minor">
-            <a:schemeClr val="lt1"/>
-          </a:fontRef>
-        </p:style>
-        <p:txBody>
-          <a:bodyPr rtlCol="0" anchor="ctr"/>
-          <a:lstStyle/>
-          <a:p>
-            <a:pPr algn="ctr"/>
-            <a:endParaRPr lang="en-US"/>
-          </a:p>
-        </p:txBody>
-      </p:sp>
-      <p:sp>
-        <p:nvSpPr>
-          <p:cNvPr id="12" name="Oval 11">
-            <a:extLst>
-              <a:ext uri="{FF2B5EF4-FFF2-40B4-BE49-F238E27FC236}">
-                <a16:creationId xmlns:a16="http://schemas.microsoft.com/office/drawing/2014/main" id="{01599F7B-E8F6-F83D-BBB5-5BEA53FF2439}"/>
-              </a:ext>
-            </a:extLst>
-          </p:cNvPr>
-          <p:cNvSpPr/>
-          <p:nvPr/>
-        </p:nvSpPr>
-        <p:spPr>
-          <a:xfrm>
-            <a:off x="2030571" y="4093854"/>
-            <a:ext cx="190725" cy="190725"/>
-          </a:xfrm>
-          <a:prstGeom prst="ellipse">
-            <a:avLst/>
-          </a:prstGeom>
-          <a:solidFill>
-            <a:srgbClr val="FF0000"/>
-          </a:solidFill>
-          <a:ln>
-            <a:noFill/>
-          </a:ln>
-        </p:spPr>
-        <p:style>
-          <a:lnRef idx="2">
-            <a:schemeClr val="accent1">
-              <a:shade val="50000"/>
-            </a:schemeClr>
-          </a:lnRef>
-          <a:fillRef idx="1">
-            <a:schemeClr val="accent1"/>
-          </a:fillRef>
-          <a:effectRef idx="0">
-            <a:schemeClr val="accent1"/>
-          </a:effectRef>
-          <a:fontRef idx="minor">
-            <a:schemeClr val="lt1"/>
-          </a:fontRef>
-        </p:style>
-        <p:txBody>
-          <a:bodyPr rtlCol="0" anchor="ctr"/>
-          <a:lstStyle/>
-          <a:p>
-            <a:pPr algn="ctr"/>
-            <a:endParaRPr lang="en-US"/>
-          </a:p>
-        </p:txBody>
-      </p:sp>
-      <p:sp>
-        <p:nvSpPr>
-          <p:cNvPr id="13" name="Oval 12">
-            <a:extLst>
-              <a:ext uri="{FF2B5EF4-FFF2-40B4-BE49-F238E27FC236}">
-                <a16:creationId xmlns:a16="http://schemas.microsoft.com/office/drawing/2014/main" id="{435AF5BE-68A2-BA82-F451-9814770B3050}"/>
-              </a:ext>
-            </a:extLst>
-          </p:cNvPr>
-          <p:cNvSpPr/>
-          <p:nvPr/>
-        </p:nvSpPr>
-        <p:spPr>
-          <a:xfrm>
-            <a:off x="2576830" y="5406859"/>
-            <a:ext cx="190725" cy="190725"/>
-          </a:xfrm>
-          <a:prstGeom prst="ellipse">
-            <a:avLst/>
-          </a:prstGeom>
-          <a:solidFill>
-            <a:srgbClr val="FF0000"/>
-          </a:solidFill>
-          <a:ln>
-            <a:noFill/>
-          </a:ln>
-        </p:spPr>
-        <p:style>
-          <a:lnRef idx="2">
-            <a:schemeClr val="accent1">
-              <a:shade val="50000"/>
-            </a:schemeClr>
-          </a:lnRef>
-          <a:fillRef idx="1">
-            <a:schemeClr val="accent1"/>
-          </a:fillRef>
-          <a:effectRef idx="0">
-            <a:schemeClr val="accent1"/>
-          </a:effectRef>
-          <a:fontRef idx="minor">
-            <a:schemeClr val="lt1"/>
-          </a:fontRef>
-        </p:style>
-        <p:txBody>
-          <a:bodyPr rtlCol="0" anchor="ctr"/>
-          <a:lstStyle/>
-          <a:p>
-            <a:pPr algn="ctr"/>
-            <a:endParaRPr lang="en-US" dirty="0"/>
-          </a:p>
-        </p:txBody>
-      </p:sp>
-      <mc:AlternateContent xmlns:mc="http://schemas.openxmlformats.org/markup-compatibility/2006" xmlns:a14="http://schemas.microsoft.com/office/drawing/2010/main">
-        <mc:Choice Requires="a14">
-          <p:sp>
-            <p:nvSpPr>
-              <p:cNvPr id="14" name="TextBox 13">
-                <a:extLst>
-                  <a:ext uri="{FF2B5EF4-FFF2-40B4-BE49-F238E27FC236}">
-                    <a16:creationId xmlns:a16="http://schemas.microsoft.com/office/drawing/2014/main" id="{FE9E3075-40D5-5758-0788-459FD96CB8C1}"/>
-                  </a:ext>
-                </a:extLst>
-              </p:cNvPr>
-              <p:cNvSpPr txBox="1"/>
-              <p:nvPr/>
-            </p:nvSpPr>
-            <p:spPr>
-              <a:xfrm>
-                <a:off x="6223793" y="3754222"/>
-                <a:ext cx="494045" cy="369332"/>
-              </a:xfrm>
-              <a:prstGeom prst="rect">
-                <a:avLst/>
-              </a:prstGeom>
-              <a:noFill/>
-            </p:spPr>
-            <p:txBody>
-              <a:bodyPr wrap="none" rtlCol="0">
-                <a:spAutoFit/>
-              </a:bodyPr>
-              <a:lstStyle/>
-              <a:p>
-                <a:pPr/>
-                <a14:m>
-                  <m:oMathPara xmlns:m="http://schemas.openxmlformats.org/officeDocument/2006/math">
-                    <m:oMathParaPr>
-                      <m:jc m:val="centerGroup"/>
-                    </m:oMathParaPr>
-                    <m:oMath xmlns:m="http://schemas.openxmlformats.org/officeDocument/2006/math">
-                      <m:sSub>
-                        <m:sSubPr>
-                          <m:ctrlPr>
-                            <a:rPr lang="fr-FR" b="0" i="1" smtClean="0">
-                              <a:latin typeface="Cambria Math" panose="02040503050406030204" pitchFamily="18" charset="0"/>
-                            </a:rPr>
-                          </m:ctrlPr>
-                        </m:sSubPr>
-                        <m:e>
-                          <m:r>
-                            <a:rPr lang="fr-FR" b="0" i="1" smtClean="0">
-                              <a:latin typeface="Cambria Math" panose="02040503050406030204" pitchFamily="18" charset="0"/>
-                            </a:rPr>
-                            <m:t>𝑁</m:t>
-                          </m:r>
-                        </m:e>
-                        <m:sub>
-                          <m:r>
-                            <a:rPr lang="fr-FR" b="0" i="1" smtClean="0">
-                              <a:latin typeface="Cambria Math" panose="02040503050406030204" pitchFamily="18" charset="0"/>
-                            </a:rPr>
-                            <m:t>0</m:t>
-                          </m:r>
-                        </m:sub>
-                      </m:sSub>
-                    </m:oMath>
-                  </m:oMathPara>
-                </a14:m>
-                <a:endParaRPr lang="fr-FR" b="0" dirty="0"/>
-              </a:p>
-            </p:txBody>
-          </p:sp>
-        </mc:Choice>
-        <mc:Fallback xmlns="">
-          <p:sp>
-            <p:nvSpPr>
-              <p:cNvPr id="14" name="TextBox 13">
-                <a:extLst>
-                  <a:ext uri="{FF2B5EF4-FFF2-40B4-BE49-F238E27FC236}">
-                    <a16:creationId xmlns:a16="http://schemas.microsoft.com/office/drawing/2014/main" id="{FE9E3075-40D5-5758-0788-459FD96CB8C1}"/>
-                  </a:ext>
-                </a:extLst>
-              </p:cNvPr>
-              <p:cNvSpPr txBox="1">
-                <a:spLocks noRot="1" noChangeAspect="1" noMove="1" noResize="1" noEditPoints="1" noAdjustHandles="1" noChangeArrowheads="1" noChangeShapeType="1" noTextEdit="1"/>
-              </p:cNvSpPr>
-              <p:nvPr/>
-            </p:nvSpPr>
-            <p:spPr>
-              <a:xfrm>
-                <a:off x="6223793" y="3754222"/>
-                <a:ext cx="494045" cy="369332"/>
-              </a:xfrm>
-              <a:prstGeom prst="rect">
-                <a:avLst/>
-              </a:prstGeom>
-              <a:blipFill>
-                <a:blip r:embed="rId4"/>
-                <a:stretch>
-                  <a:fillRect/>
-                </a:stretch>
-              </a:blipFill>
-            </p:spPr>
-            <p:txBody>
-              <a:bodyPr/>
-              <a:lstStyle/>
-              <a:p>
-                <a:r>
-                  <a:rPr lang="en-US">
-                    <a:noFill/>
-                  </a:rPr>
-                  <a:t> </a:t>
-                </a:r>
-              </a:p>
-            </p:txBody>
-          </p:sp>
-        </mc:Fallback>
-      </mc:AlternateContent>
-      <mc:AlternateContent xmlns:mc="http://schemas.openxmlformats.org/markup-compatibility/2006" xmlns:a14="http://schemas.microsoft.com/office/drawing/2010/main">
-        <mc:Choice Requires="a14">
-          <p:sp>
-            <p:nvSpPr>
-              <p:cNvPr id="15" name="TextBox 14">
-                <a:extLst>
-                  <a:ext uri="{FF2B5EF4-FFF2-40B4-BE49-F238E27FC236}">
-                    <a16:creationId xmlns:a16="http://schemas.microsoft.com/office/drawing/2014/main" id="{D52CE794-6A98-8781-0C40-BE47DDFC872C}"/>
-                  </a:ext>
-                </a:extLst>
-              </p:cNvPr>
-              <p:cNvSpPr txBox="1"/>
-              <p:nvPr/>
-            </p:nvSpPr>
-            <p:spPr>
-              <a:xfrm>
-                <a:off x="2231655" y="2107168"/>
-                <a:ext cx="488724" cy="369332"/>
-              </a:xfrm>
-              <a:prstGeom prst="rect">
-                <a:avLst/>
-              </a:prstGeom>
-              <a:noFill/>
-            </p:spPr>
-            <p:txBody>
-              <a:bodyPr wrap="none" rtlCol="0">
-                <a:spAutoFit/>
-              </a:bodyPr>
-              <a:lstStyle/>
-              <a:p>
-                <a:pPr/>
-                <a14:m>
-                  <m:oMathPara xmlns:m="http://schemas.openxmlformats.org/officeDocument/2006/math">
-                    <m:oMathParaPr>
-                      <m:jc m:val="centerGroup"/>
-                    </m:oMathParaPr>
-                    <m:oMath xmlns:m="http://schemas.openxmlformats.org/officeDocument/2006/math">
-                      <m:sSub>
-                        <m:sSubPr>
-                          <m:ctrlPr>
-                            <a:rPr lang="fr-FR" b="0" i="1" smtClean="0">
-                              <a:latin typeface="Cambria Math" panose="02040503050406030204" pitchFamily="18" charset="0"/>
-                            </a:rPr>
-                          </m:ctrlPr>
-                        </m:sSubPr>
-                        <m:e>
-                          <m:r>
-                            <a:rPr lang="fr-FR" b="0" i="1" smtClean="0">
-                              <a:latin typeface="Cambria Math" panose="02040503050406030204" pitchFamily="18" charset="0"/>
-                            </a:rPr>
-                            <m:t>𝑁</m:t>
-                          </m:r>
-                        </m:e>
-                        <m:sub>
-                          <m:r>
-                            <a:rPr lang="fr-FR" b="0" i="1" smtClean="0">
-                              <a:latin typeface="Cambria Math" panose="02040503050406030204" pitchFamily="18" charset="0"/>
-                            </a:rPr>
-                            <m:t>1</m:t>
-                          </m:r>
-                        </m:sub>
-                      </m:sSub>
-                    </m:oMath>
-                  </m:oMathPara>
-                </a14:m>
-                <a:endParaRPr lang="fr-FR" b="0" dirty="0"/>
-              </a:p>
-            </p:txBody>
-          </p:sp>
-        </mc:Choice>
-        <mc:Fallback xmlns="">
-          <p:sp>
-            <p:nvSpPr>
-              <p:cNvPr id="15" name="TextBox 14">
-                <a:extLst>
-                  <a:ext uri="{FF2B5EF4-FFF2-40B4-BE49-F238E27FC236}">
-                    <a16:creationId xmlns:a16="http://schemas.microsoft.com/office/drawing/2014/main" id="{D52CE794-6A98-8781-0C40-BE47DDFC872C}"/>
-                  </a:ext>
-                </a:extLst>
-              </p:cNvPr>
-              <p:cNvSpPr txBox="1">
-                <a:spLocks noRot="1" noChangeAspect="1" noMove="1" noResize="1" noEditPoints="1" noAdjustHandles="1" noChangeArrowheads="1" noChangeShapeType="1" noTextEdit="1"/>
-              </p:cNvSpPr>
-              <p:nvPr/>
-            </p:nvSpPr>
-            <p:spPr>
-              <a:xfrm>
-                <a:off x="2231655" y="2107168"/>
-                <a:ext cx="488724" cy="369332"/>
-              </a:xfrm>
-              <a:prstGeom prst="rect">
-                <a:avLst/>
-              </a:prstGeom>
-              <a:blipFill>
-                <a:blip r:embed="rId5"/>
-                <a:stretch>
-                  <a:fillRect/>
-                </a:stretch>
-              </a:blipFill>
-            </p:spPr>
-            <p:txBody>
-              <a:bodyPr/>
-              <a:lstStyle/>
-              <a:p>
-                <a:r>
-                  <a:rPr lang="en-US">
-                    <a:noFill/>
-                  </a:rPr>
-                  <a:t> </a:t>
-                </a:r>
-              </a:p>
-            </p:txBody>
-          </p:sp>
-        </mc:Fallback>
-      </mc:AlternateContent>
-      <mc:AlternateContent xmlns:mc="http://schemas.openxmlformats.org/markup-compatibility/2006" xmlns:a14="http://schemas.microsoft.com/office/drawing/2010/main">
-        <mc:Choice Requires="a14">
-          <p:sp>
-            <p:nvSpPr>
-              <p:cNvPr id="16" name="TextBox 15">
-                <a:extLst>
-                  <a:ext uri="{FF2B5EF4-FFF2-40B4-BE49-F238E27FC236}">
-                    <a16:creationId xmlns:a16="http://schemas.microsoft.com/office/drawing/2014/main" id="{5D3DFFB7-A7F7-E503-EA3B-28A5F3F0DD61}"/>
-                  </a:ext>
-                </a:extLst>
-              </p:cNvPr>
-              <p:cNvSpPr txBox="1"/>
-              <p:nvPr/>
-            </p:nvSpPr>
-            <p:spPr>
-              <a:xfrm>
-                <a:off x="1851013" y="5946155"/>
-                <a:ext cx="494046" cy="369332"/>
-              </a:xfrm>
-              <a:prstGeom prst="rect">
-                <a:avLst/>
-              </a:prstGeom>
-              <a:noFill/>
-            </p:spPr>
-            <p:txBody>
-              <a:bodyPr wrap="none" rtlCol="0">
-                <a:spAutoFit/>
-              </a:bodyPr>
-              <a:lstStyle/>
-              <a:p>
-                <a:pPr/>
-                <a14:m>
-                  <m:oMathPara xmlns:m="http://schemas.openxmlformats.org/officeDocument/2006/math">
-                    <m:oMathParaPr>
-                      <m:jc m:val="centerGroup"/>
-                    </m:oMathParaPr>
-                    <m:oMath xmlns:m="http://schemas.openxmlformats.org/officeDocument/2006/math">
-                      <m:sSub>
-                        <m:sSubPr>
-                          <m:ctrlPr>
-                            <a:rPr lang="fr-FR" b="0" i="1" smtClean="0">
-                              <a:latin typeface="Cambria Math" panose="02040503050406030204" pitchFamily="18" charset="0"/>
-                            </a:rPr>
-                          </m:ctrlPr>
-                        </m:sSubPr>
-                        <m:e>
-                          <m:r>
-                            <a:rPr lang="fr-FR" b="0" i="1" smtClean="0">
-                              <a:latin typeface="Cambria Math" panose="02040503050406030204" pitchFamily="18" charset="0"/>
-                            </a:rPr>
-                            <m:t>𝑁</m:t>
-                          </m:r>
-                        </m:e>
-                        <m:sub>
-                          <m:r>
-                            <a:rPr lang="fr-FR" b="0" i="1" smtClean="0">
-                              <a:latin typeface="Cambria Math" panose="02040503050406030204" pitchFamily="18" charset="0"/>
-                            </a:rPr>
-                            <m:t>3</m:t>
-                          </m:r>
-                        </m:sub>
-                      </m:sSub>
-                    </m:oMath>
-                  </m:oMathPara>
-                </a14:m>
-                <a:endParaRPr lang="fr-FR" b="0" dirty="0"/>
-              </a:p>
-            </p:txBody>
-          </p:sp>
-        </mc:Choice>
-        <mc:Fallback xmlns="">
-          <p:sp>
-            <p:nvSpPr>
-              <p:cNvPr id="16" name="TextBox 15">
-                <a:extLst>
-                  <a:ext uri="{FF2B5EF4-FFF2-40B4-BE49-F238E27FC236}">
-                    <a16:creationId xmlns:a16="http://schemas.microsoft.com/office/drawing/2014/main" id="{5D3DFFB7-A7F7-E503-EA3B-28A5F3F0DD61}"/>
-                  </a:ext>
-                </a:extLst>
-              </p:cNvPr>
-              <p:cNvSpPr txBox="1">
-                <a:spLocks noRot="1" noChangeAspect="1" noMove="1" noResize="1" noEditPoints="1" noAdjustHandles="1" noChangeArrowheads="1" noChangeShapeType="1" noTextEdit="1"/>
-              </p:cNvSpPr>
-              <p:nvPr/>
-            </p:nvSpPr>
-            <p:spPr>
-              <a:xfrm>
-                <a:off x="1851013" y="5946155"/>
-                <a:ext cx="494046" cy="369332"/>
-              </a:xfrm>
-              <a:prstGeom prst="rect">
-                <a:avLst/>
-              </a:prstGeom>
-              <a:blipFill>
-                <a:blip r:embed="rId6"/>
-                <a:stretch>
-                  <a:fillRect/>
-                </a:stretch>
-              </a:blipFill>
-            </p:spPr>
-            <p:txBody>
-              <a:bodyPr/>
-              <a:lstStyle/>
-              <a:p>
-                <a:r>
-                  <a:rPr lang="en-US">
-                    <a:noFill/>
-                  </a:rPr>
-                  <a:t> </a:t>
-                </a:r>
-              </a:p>
-            </p:txBody>
-          </p:sp>
-        </mc:Fallback>
-      </mc:AlternateContent>
-      <mc:AlternateContent xmlns:mc="http://schemas.openxmlformats.org/markup-compatibility/2006" xmlns:a14="http://schemas.microsoft.com/office/drawing/2010/main">
-        <mc:Choice Requires="a14">
-          <p:sp>
-            <p:nvSpPr>
-              <p:cNvPr id="17" name="TextBox 16">
-                <a:extLst>
-                  <a:ext uri="{FF2B5EF4-FFF2-40B4-BE49-F238E27FC236}">
-                    <a16:creationId xmlns:a16="http://schemas.microsoft.com/office/drawing/2014/main" id="{9455FBB3-A9C8-E52F-3C76-76BA17682E9A}"/>
-                  </a:ext>
-                </a:extLst>
-              </p:cNvPr>
-              <p:cNvSpPr txBox="1"/>
-              <p:nvPr/>
-            </p:nvSpPr>
-            <p:spPr>
-              <a:xfrm>
-                <a:off x="1148455" y="3433041"/>
-                <a:ext cx="494046" cy="369332"/>
-              </a:xfrm>
-              <a:prstGeom prst="rect">
-                <a:avLst/>
-              </a:prstGeom>
-              <a:noFill/>
-            </p:spPr>
-            <p:txBody>
-              <a:bodyPr wrap="none" rtlCol="0">
-                <a:spAutoFit/>
-              </a:bodyPr>
-              <a:lstStyle/>
-              <a:p>
-                <a:pPr/>
-                <a14:m>
-                  <m:oMathPara xmlns:m="http://schemas.openxmlformats.org/officeDocument/2006/math">
-                    <m:oMathParaPr>
-                      <m:jc m:val="centerGroup"/>
-                    </m:oMathParaPr>
-                    <m:oMath xmlns:m="http://schemas.openxmlformats.org/officeDocument/2006/math">
-                      <m:sSub>
-                        <m:sSubPr>
-                          <m:ctrlPr>
-                            <a:rPr lang="fr-FR" b="0" i="1" smtClean="0">
-                              <a:latin typeface="Cambria Math" panose="02040503050406030204" pitchFamily="18" charset="0"/>
-                            </a:rPr>
-                          </m:ctrlPr>
-                        </m:sSubPr>
-                        <m:e>
-                          <m:r>
-                            <a:rPr lang="fr-FR" b="0" i="1" smtClean="0">
-                              <a:latin typeface="Cambria Math" panose="02040503050406030204" pitchFamily="18" charset="0"/>
-                            </a:rPr>
-                            <m:t>𝑁</m:t>
-                          </m:r>
-                        </m:e>
-                        <m:sub>
-                          <m:r>
-                            <a:rPr lang="fr-FR" b="0" i="1" smtClean="0">
-                              <a:latin typeface="Cambria Math" panose="02040503050406030204" pitchFamily="18" charset="0"/>
-                            </a:rPr>
-                            <m:t>2</m:t>
-                          </m:r>
-                        </m:sub>
-                      </m:sSub>
-                    </m:oMath>
-                  </m:oMathPara>
-                </a14:m>
-                <a:endParaRPr lang="fr-FR" b="0" dirty="0"/>
-              </a:p>
-            </p:txBody>
-          </p:sp>
-        </mc:Choice>
-        <mc:Fallback xmlns="">
-          <p:sp>
-            <p:nvSpPr>
-              <p:cNvPr id="17" name="TextBox 16">
-                <a:extLst>
-                  <a:ext uri="{FF2B5EF4-FFF2-40B4-BE49-F238E27FC236}">
-                    <a16:creationId xmlns:a16="http://schemas.microsoft.com/office/drawing/2014/main" id="{9455FBB3-A9C8-E52F-3C76-76BA17682E9A}"/>
-                  </a:ext>
-                </a:extLst>
-              </p:cNvPr>
-              <p:cNvSpPr txBox="1">
-                <a:spLocks noRot="1" noChangeAspect="1" noMove="1" noResize="1" noEditPoints="1" noAdjustHandles="1" noChangeArrowheads="1" noChangeShapeType="1" noTextEdit="1"/>
-              </p:cNvSpPr>
-              <p:nvPr/>
-            </p:nvSpPr>
-            <p:spPr>
-              <a:xfrm>
-                <a:off x="1148455" y="3433041"/>
-                <a:ext cx="494046" cy="369332"/>
-              </a:xfrm>
-              <a:prstGeom prst="rect">
-                <a:avLst/>
-              </a:prstGeom>
-              <a:blipFill>
-                <a:blip r:embed="rId7"/>
-                <a:stretch>
-                  <a:fillRect/>
-                </a:stretch>
-              </a:blipFill>
-            </p:spPr>
-            <p:txBody>
-              <a:bodyPr/>
-              <a:lstStyle/>
-              <a:p>
-                <a:r>
-                  <a:rPr lang="en-US">
-                    <a:noFill/>
-                  </a:rPr>
-                  <a:t> </a:t>
-                </a:r>
-              </a:p>
-            </p:txBody>
-          </p:sp>
-        </mc:Fallback>
-      </mc:AlternateContent>
-    </p:spTree>
-    <p:extLst>
-      <p:ext uri="{BB962C8B-B14F-4D97-AF65-F5344CB8AC3E}">
-        <p14:creationId xmlns:p14="http://schemas.microsoft.com/office/powerpoint/2010/main" val="1939492519"/>
-      </p:ext>
-    </p:extLst>
-  </p:cSld>
-  <p:clrMapOvr>
-    <a:masterClrMapping/>
-  </p:clrMapOvr>
-  <p:timing>
-    <p:tnLst>
-      <p:par>
-        <p:cTn id="1" dur="indefinite" restart="never" nodeType="tmRoot">
-          <p:childTnLst>
-            <p:seq concurrent="1" nextAc="seek">
-              <p:cTn id="2" dur="indefinite" nodeType="mainSeq">
-                <p:childTnLst>
-                  <p:par>
-                    <p:cTn id="3" fill="hold">
-                      <p:stCondLst>
-                        <p:cond delay="indefinite"/>
-                      </p:stCondLst>
-                      <p:childTnLst>
-                        <p:par>
-                          <p:cTn id="4" fill="hold">
-                            <p:stCondLst>
-                              <p:cond delay="0"/>
-                            </p:stCondLst>
-                            <p:childTnLst>
-                              <p:par>
-                                <p:cTn id="5" presetID="0" presetClass="path" presetSubtype="0" accel="50000" decel="50000" fill="hold" grpId="0" nodeType="clickEffect">
-                                  <p:stCondLst>
-                                    <p:cond delay="0"/>
-                                  </p:stCondLst>
-                                  <p:childTnLst>
-                                    <p:animMotion origin="layout" path="M 3.33333E-6 -2.22222E-6 L 3.33333E-6 0.00023 C 0.00091 0.00023 0.00208 0.00093 0.00325 0.00162 C 0.0039 0.00185 0.00481 0.00209 0.0056 0.00255 C 0.00599 0.00255 0.00638 0.00301 0.0069 0.00347 C 0.00755 0.00371 0.00911 0.00394 0.00976 0.0044 C 0.0108 0.00463 0.01172 0.00533 0.01289 0.00579 C 0.01328 0.00579 0.01367 0.00602 0.01419 0.00625 C 0.0151 0.00648 0.01536 0.00672 0.01653 0.00718 C 0.01718 0.00718 0.0181 0.00741 0.01888 0.00764 C 0.02135 0.00857 0.02369 0.00972 0.02643 0.01042 C 0.02721 0.01042 0.02799 0.01065 0.02877 0.01088 C 0.02929 0.01088 0.02968 0.01111 0.03034 0.01134 C 0.03086 0.01134 0.03151 0.01158 0.03216 0.01204 C 0.03268 0.01204 0.0332 0.01227 0.03372 0.0125 C 0.03398 0.0125 0.03437 0.01273 0.03476 0.01297 C 0.03541 0.01297 0.03632 0.0132 0.03711 0.01343 C 0.03867 0.01366 0.03802 0.01366 0.03945 0.01435 C 0.04192 0.01482 0.03997 0.01435 0.04284 0.01505 C 0.0431 0.01505 0.04349 0.01528 0.04388 0.01551 C 0.0444 0.01551 0.04505 0.01574 0.0457 0.01597 C 0.04726 0.0169 0.04557 0.01597 0.04856 0.0169 C 0.04882 0.0169 0.04922 0.01713 0.04948 0.01736 C 0.05026 0.01759 0.05117 0.01783 0.05208 0.01829 L 0.0539 0.01922 C 0.05416 0.01922 0.05442 0.01945 0.05468 0.01968 C 0.05521 0.01991 0.05573 0.02037 0.05625 0.02107 C 0.05651 0.0213 0.05664 0.02176 0.05703 0.02199 C 0.05755 0.02222 0.0582 0.02246 0.05885 0.02292 C 0.05924 0.02338 0.05963 0.02408 0.06015 0.02454 C 0.06172 0.02593 0.06093 0.02477 0.06224 0.02639 C 0.0664 0.03172 0.06132 0.02523 0.06432 0.02963 C 0.06445 0.02986 0.06484 0.02986 0.0651 0.03033 C 0.06601 0.03148 0.06614 0.03195 0.06744 0.0331 C 0.06757 0.0331 0.06797 0.03334 0.06823 0.03357 C 0.06849 0.0338 0.06862 0.03426 0.06901 0.03449 C 0.06966 0.03496 0.07135 0.03611 0.07135 0.03634 C 0.072 0.03681 0.0733 0.03866 0.07396 0.03935 C 0.07422 0.03959 0.07461 0.03935 0.075 0.03982 C 0.07578 0.04028 0.07669 0.04144 0.0776 0.04213 C 0.07916 0.04329 0.08112 0.04398 0.08281 0.04468 C 0.08515 0.04584 0.08463 0.04584 0.08698 0.04699 C 0.08763 0.04722 0.08854 0.04769 0.08932 0.04815 C 0.0901 0.04838 0.09101 0.04908 0.09192 0.04954 C 0.09257 0.04977 0.09323 0.05 0.09401 0.05047 C 0.0944 0.0507 0.09479 0.05093 0.09531 0.05139 C 0.0957 0.05139 0.09609 0.05162 0.09661 0.05185 C 0.097 0.05209 0.09739 0.05255 0.09791 0.05278 C 0.09869 0.05301 0.09948 0.05324 0.10039 0.05371 C 0.10625 0.05625 0.10325 0.05509 0.10768 0.05741 C 0.10833 0.05764 0.10898 0.05787 0.10976 0.05834 C 0.1108 0.0588 0.11224 0.06019 0.11315 0.06111 C 0.11419 0.06204 0.11497 0.06273 0.11627 0.06343 C 0.11992 0.06482 0.12174 0.06435 0.12617 0.06482 C 0.12656 0.06482 0.12903 0.06482 0.13007 0.06574 C 0.13034 0.06574 0.13047 0.06644 0.13086 0.06667 C 0.13125 0.0669 0.1319 0.06713 0.13242 0.06759 C 0.13294 0.06829 0.13398 0.06968 0.13476 0.07037 C 0.13541 0.0706 0.13606 0.07084 0.13685 0.07153 C 0.1388 0.07246 0.13802 0.07246 0.14023 0.07338 C 0.14205 0.07408 0.14427 0.07408 0.14622 0.07431 C 0.14726 0.07431 0.1483 0.07454 0.14948 0.07477 C 0.15247 0.07547 0.14896 0.07431 0.15208 0.07639 C 0.1526 0.07662 0.15325 0.07685 0.1539 0.07732 C 0.15664 0.08079 0.15494 0.07894 0.15911 0.08195 L 0.15911 0.08218 C 0.16093 0.08403 0.15989 0.08334 0.16224 0.08403 C 0.16419 0.08542 0.16276 0.08449 0.16484 0.08542 C 0.16705 0.08634 0.16653 0.08611 0.16875 0.08727 C 0.16901 0.08727 0.1694 0.0875 0.16979 0.08773 C 0.17031 0.08797 0.17161 0.08935 0.17213 0.08982 C 0.17239 0.09005 0.17265 0.09028 0.17291 0.09074 C 0.17317 0.09097 0.1733 0.09167 0.17369 0.09213 C 0.17396 0.09259 0.17578 0.09445 0.1763 0.0956 C 0.1776 0.09792 0.17565 0.09607 0.17786 0.09884 C 0.18281 0.10486 0.17838 0.09931 0.18203 0.10255 C 0.18541 0.10533 0.18112 0.10185 0.18385 0.10394 C 0.18411 0.10417 0.1845 0.1044 0.18489 0.10486 C 0.18502 0.10486 0.18541 0.10486 0.18567 0.10509 C 0.18659 0.10579 0.18659 0.10648 0.1875 0.1081 C 0.18763 0.10834 0.18802 0.10857 0.18828 0.10903 C 0.18841 0.10949 0.18854 0.10996 0.1888 0.11042 C 0.18893 0.11088 0.18932 0.11111 0.18958 0.11181 C 0.18984 0.1125 0.1901 0.11505 0.19036 0.11644 C 0.1901 0.12986 0.19023 0.12778 0.18984 0.13727 C 0.18958 0.14213 0.18984 0.14028 0.18932 0.14352 C 0.18945 0.15023 0.18932 0.15093 0.18984 0.15648 C 0.18984 0.15718 0.18997 0.15787 0.1901 0.1588 C 0.19023 0.15996 0.19062 0.1625 0.19062 0.16273 C 0.19049 0.16597 0.19062 0.17014 0.19036 0.17408 C 0.19023 0.17477 0.18971 0.17523 0.18958 0.17593 C 0.18932 0.17616 0.18919 0.17662 0.18906 0.17732 C 0.18763 0.18148 0.18958 0.17662 0.1875 0.18102 C 0.18724 0.18125 0.18711 0.18172 0.18698 0.18241 C 0.18593 0.18496 0.18619 0.18403 0.18567 0.18704 C 0.18554 0.18843 0.18541 0.18982 0.18541 0.19144 C 0.18515 0.19352 0.18489 0.19769 0.18489 0.19792 C 0.1845 0.20972 0.1845 0.20579 0.18489 0.22014 C 0.18489 0.22176 0.18502 0.22639 0.18541 0.22894 C 0.1858 0.23172 0.18619 0.23496 0.18698 0.23797 C 0.18737 0.23982 0.18789 0.24074 0.18828 0.24283 C 0.18828 0.24352 0.18841 0.24422 0.18854 0.24514 C 0.18867 0.24584 0.1888 0.24653 0.18906 0.24746 C 0.18932 0.24908 0.18919 0.24908 0.18958 0.25093 C 0.19023 0.25394 0.1901 0.25185 0.19062 0.25579 C 0.19062 0.25672 0.19075 0.25787 0.19088 0.25903 C 0.19088 0.25949 0.19101 0.26019 0.19114 0.26088 C 0.19114 0.26181 0.19127 0.2625 0.1914 0.26343 C 0.19153 0.26412 0.19166 0.26482 0.19192 0.26574 C 0.19192 0.26644 0.19192 0.26713 0.19218 0.26806 C 0.19218 0.26852 0.19244 0.26922 0.19271 0.26991 C 0.19271 0.27014 0.19284 0.27084 0.19297 0.27153 C 0.1931 0.27292 0.19349 0.27431 0.19375 0.27593 C 0.19375 0.27639 0.19375 0.27709 0.19401 0.27778 C 0.19414 0.27824 0.19453 0.27847 0.19479 0.27917 C 0.19648 0.28264 0.19492 0.27986 0.19583 0.28148 L 0.19778 0.28542 " pathEditMode="relative" rAng="0" ptsTypes="AAAAAAAAAAAAAAAAAAAAAAAAAAAAAAAAAAAAAAAAAAAAAAAAAAAAAAAAAAAAAAAAAAAAAAAAAAAAAAAAAAAAAAAAAAAAAAAAAAAAAAAAAAAAAAAAAAAAA">
-                                      <p:cBhvr>
-                                        <p:cTn id="6" dur="2000" fill="hold"/>
-                                        <p:tgtEl>
-                                          <p:spTgt spid="11"/>
-                                        </p:tgtEl>
-                                        <p:attrNameLst>
-                                          <p:attrName>ppt_x</p:attrName>
-                                          <p:attrName>ppt_y</p:attrName>
-                                        </p:attrNameLst>
-                                      </p:cBhvr>
-                                      <p:rCtr x="9883" y="14259"/>
-                                    </p:animMotion>
-                                  </p:childTnLst>
-                                </p:cTn>
-                              </p:par>
-                              <p:par>
-                                <p:cTn id="7" presetID="0" presetClass="path" presetSubtype="0" accel="50000" decel="50000" fill="hold" grpId="0" nodeType="withEffect">
-                                  <p:stCondLst>
-                                    <p:cond delay="0"/>
-                                  </p:stCondLst>
-                                  <p:childTnLst>
-                                    <p:animMotion origin="layout" path="M -0.00104 0.00232 L -0.00104 0.00255 C 0.00052 0.00116 0.00195 -1.48148E-6 0.00365 -0.00116 C 0.00937 -0.00417 0.01523 -0.00301 0.02161 -0.00347 C 0.02227 -0.0037 0.02292 -0.00393 0.0237 -0.0044 C 0.02448 -0.00463 0.02539 -0.00463 0.0263 -0.00509 C 0.03229 -0.00833 0.02318 -0.00555 0.03216 -0.00787 C 0.03268 -0.0081 0.03307 -0.0081 0.03372 -0.00856 C 0.03437 -0.00879 0.03503 -0.00903 0.03581 -0.00949 C 0.04206 -0.0125 0.03477 -0.00972 0.04115 -0.0118 C 0.0418 -0.01204 0.04245 -0.01227 0.04323 -0.01273 C 0.04375 -0.01296 0.04414 -0.01342 0.04492 -0.01366 C 0.05091 -0.01458 0.0651 -0.01504 0.06862 -0.01528 C 0.08346 -0.01458 0.09544 -0.01366 0.11042 -0.01528 C 0.11094 -0.01528 0.11133 -0.01667 0.11198 -0.01713 C 0.11263 -0.01736 0.11328 -0.01736 0.11406 -0.01782 C 0.11458 -0.01875 0.11484 -0.01967 0.11575 -0.02037 C 0.11654 -0.02083 0.11745 -0.0206 0.11836 -0.02106 C 0.11888 -0.02129 0.1194 -0.02153 0.11992 -0.02199 C 0.12083 -0.02245 0.12292 -0.02384 0.12422 -0.02454 C 0.1276 -0.02592 0.12943 -0.02569 0.13359 -0.02639 C 0.13424 -0.02662 0.13503 -0.02685 0.13581 -0.02708 C 0.13802 -0.02754 0.14453 -0.02824 0.14648 -0.0287 C 0.14753 -0.02917 0.14844 -0.02986 0.14961 -0.03032 L 0.15508 -0.03217 C 0.15586 -0.03241 0.15677 -0.03264 0.15768 -0.03287 C 0.15898 -0.03333 0.16042 -0.03379 0.16185 -0.03472 C 0.16406 -0.03565 0.16276 -0.03518 0.16549 -0.03565 C 0.16823 -0.03565 0.17083 -0.03565 0.17344 -0.03565 C 0.17435 -0.03542 0.17526 -0.03472 0.17617 -0.03472 C 0.1776 -0.03426 0.1793 -0.03403 0.18086 -0.03379 C 0.18724 -0.03403 0.19362 -0.03403 0.2 -0.03472 C 0.20065 -0.03472 0.2013 -0.03542 0.20208 -0.03565 C 0.20338 -0.03565 0.20482 -0.03565 0.20625 -0.03565 C 0.20703 -0.03565 0.20807 -0.03565 0.20885 -0.03565 C 0.20924 -0.03495 0.20898 -0.03356 0.20937 -0.03287 C 0.21029 -0.03055 0.21146 -0.02963 0.21315 -0.0287 C 0.21367 -0.02824 0.21432 -0.02801 0.21484 -0.02778 C 0.21719 -0.02199 0.21562 -0.02338 0.21849 -0.02199 C 0.21875 -0.0206 0.21888 -0.01944 0.21953 -0.01875 C 0.21979 -0.01805 0.22057 -0.01805 0.22109 -0.01782 C 0.22161 -0.01736 0.22213 -0.01667 0.22266 -0.0162 C 0.22422 -0.01088 0.22318 -0.01366 0.22578 -0.00787 C 0.22604 -0.00694 0.22617 -0.00555 0.22682 -0.00509 C 0.2276 -0.0044 0.22838 -0.00324 0.22956 -0.00254 C 0.23021 -0.00208 0.23086 -0.00208 0.23164 -0.00185 C 0.23281 -0.00069 0.23359 0.00116 0.2349 0.00139 C 0.23555 0.00185 0.2362 0.00208 0.23698 0.00232 C 0.2375 0.00278 0.23789 0.00301 0.23854 0.00324 C 0.23984 0.00394 0.24141 0.00417 0.24271 0.00486 C 0.24622 0.00764 0.24323 0.00579 0.247 0.00741 C 0.24805 0.00787 0.24896 0.00857 0.25013 0.00903 C 0.25078 0.00949 0.25156 0.00972 0.25234 0.00996 C 0.25286 0.01042 0.25325 0.01065 0.25391 0.01065 C 0.26328 0.01389 0.25338 0.01019 0.25977 0.0125 C 0.26029 0.0132 0.26068 0.01366 0.26133 0.01412 C 0.26224 0.01482 0.26445 0.01574 0.26445 0.01597 C 0.2651 0.01667 0.26575 0.01759 0.26654 0.01829 C 0.26706 0.01898 0.26784 0.01898 0.26862 0.01921 C 0.27266 0.0206 0.27018 0.01968 0.27565 0.02083 C 0.27643 0.02107 0.27734 0.02176 0.27825 0.02176 C 0.28385 0.02292 0.28424 0.02269 0.2901 0.02269 L 0.2901 0.02292 " pathEditMode="relative" rAng="0" ptsTypes="AAAAAAAAAAAAAAAAAAAAAAAAAAAAAAAAAAAAAAAAAAAAAAAAAAAAAAAAAAAAAAA">
-                                      <p:cBhvr>
-                                        <p:cTn id="8" dur="2000" fill="hold"/>
-                                        <p:tgtEl>
-                                          <p:spTgt spid="12"/>
-                                        </p:tgtEl>
-                                        <p:attrNameLst>
-                                          <p:attrName>ppt_x</p:attrName>
-                                          <p:attrName>ppt_y</p:attrName>
-                                        </p:attrNameLst>
-                                      </p:cBhvr>
-                                      <p:rCtr x="14557" y="-880"/>
-                                    </p:animMotion>
-                                  </p:childTnLst>
-                                </p:cTn>
-                              </p:par>
-                              <p:par>
-                                <p:cTn id="9" presetID="0" presetClass="path" presetSubtype="0" accel="50000" decel="50000" fill="hold" grpId="0" nodeType="withEffect">
-                                  <p:stCondLst>
-                                    <p:cond delay="0"/>
-                                  </p:stCondLst>
-                                  <p:childTnLst>
-                                    <p:animMotion origin="layout" path="M -6.25E-7 0.00115 L -6.25E-7 0.00162 L 0.0375 0.00069 C 0.03815 0.00046 0.0388 0.00023 0.03958 0.00023 C 0.0418 -0.00023 0.04427 -0.00023 0.04662 -0.00023 C 0.04792 -0.0007 0.05091 -0.00162 0.0526 -0.00162 C 0.05404 -0.00185 0.05573 -0.00209 0.05729 -0.00209 C 0.05742 -0.00232 0.06029 -0.00301 0.06068 -0.00301 C 0.06094 -0.00324 0.06133 -0.00394 0.06172 -0.00394 C 0.0625 -0.0044 0.06341 -0.0044 0.06432 -0.0044 C 0.06458 -0.00463 0.06497 -0.00486 0.06537 -0.00486 C 0.06589 -0.00533 0.06628 -0.00579 0.06693 -0.00579 C 0.06745 -0.00625 0.0681 -0.00625 0.06875 -0.00625 C 0.06901 -0.00648 0.0694 -0.00672 0.06979 -0.00672 C 0.07018 -0.00695 0.07057 -0.00718 0.07109 -0.00718 C 0.07422 -0.00903 0.07031 -0.00764 0.07396 -0.00857 C 0.07578 -0.01042 0.07461 -0.00949 0.0776 -0.01042 C 0.08073 -0.01158 0.07669 -0.01019 0.08047 -0.01135 C 0.08086 -0.01158 0.08125 -0.01158 0.08203 -0.01158 C 0.08229 -0.01181 0.08268 -0.01204 0.08307 -0.01204 C 0.08464 -0.0125 0.08633 -0.0125 0.08802 -0.0125 C 0.09037 -0.01366 0.08737 -0.01227 0.09089 -0.01389 C 0.09115 -0.01435 0.09154 -0.01459 0.09193 -0.01459 C 0.09232 -0.01505 0.09271 -0.01528 0.09323 -0.01551 C 0.09375 -0.01597 0.09544 -0.0169 0.09583 -0.0169 C 0.09662 -0.01736 0.10065 -0.01783 0.1013 -0.01783 C 0.10156 -0.01806 0.10195 -0.01829 0.10234 -0.01829 C 0.10625 -0.01829 0.11029 -0.01806 0.11432 -0.01783 L 0.13229 -0.01736 C 0.14258 -0.01435 0.13581 -0.01621 0.1612 -0.01736 C 0.16172 -0.0176 0.16211 -0.01829 0.16276 -0.01829 C 0.16628 -0.01968 0.16185 -0.01806 0.16563 -0.01968 C 0.16602 -0.01991 0.16641 -0.02014 0.16693 -0.02014 C 0.16719 -0.02037 0.16758 -0.0206 0.16797 -0.0206 C 0.16836 -0.02084 0.16875 -0.02107 0.16927 -0.02107 C 0.17162 -0.02176 0.17109 -0.0213 0.17318 -0.02199 C 0.17578 -0.02315 0.17227 -0.02199 0.17552 -0.02338 C 0.17591 -0.02385 0.17656 -0.02385 0.17708 -0.02385 C 0.1776 -0.02431 0.178 -0.02454 0.17865 -0.02477 C 0.1793 -0.025 0.17995 -0.02523 0.18073 -0.02547 C 0.18151 -0.02593 0.18242 -0.02593 0.18333 -0.02639 C 0.18607 -0.02847 0.1832 -0.02662 0.18568 -0.02778 C 0.18646 -0.02824 0.18711 -0.02917 0.18802 -0.02917 L 0.19063 -0.02986 C 0.19284 -0.03102 0.19089 -0.03033 0.19531 -0.03079 C 0.19609 -0.03102 0.19688 -0.03125 0.19766 -0.03125 C 0.19792 -0.03148 0.19805 -0.03172 0.19844 -0.03172 C 0.19961 -0.03218 0.20208 -0.03264 0.20208 -0.03241 C 0.20417 -0.03472 0.20195 -0.03287 0.20521 -0.03403 C 0.20573 -0.03426 0.20612 -0.03472 0.20677 -0.03496 C 0.20716 -0.03519 0.20755 -0.03542 0.20807 -0.03542 C 0.21172 -0.03866 0.20768 -0.03519 0.21094 -0.03797 C 0.21211 -0.03935 0.21185 -0.03866 0.21302 -0.04028 C 0.21419 -0.04236 0.2138 -0.04167 0.21458 -0.04352 C 0.2151 -0.04491 0.21537 -0.04584 0.21589 -0.04699 C 0.21615 -0.04815 0.21654 -0.04931 0.21693 -0.05023 C 0.21693 -0.05093 0.21706 -0.05209 0.21719 -0.05278 C 0.21758 -0.05718 0.21719 -0.05255 0.21771 -0.05602 C 0.21771 -0.05695 0.21784 -0.05764 0.21797 -0.05834 C 0.2181 -0.05926 0.21823 -0.05996 0.21849 -0.06088 C 0.21849 -0.06135 0.21862 -0.06204 0.21875 -0.06227 C 0.21888 -0.06297 0.21901 -0.06366 0.21927 -0.06389 C 0.21966 -0.06551 0.22018 -0.0669 0.22083 -0.06806 C 0.22096 -0.06875 0.22135 -0.06898 0.22162 -0.06945 C 0.22214 -0.07292 0.22135 -0.06898 0.22266 -0.07222 C 0.22279 -0.07269 0.22279 -0.07338 0.22292 -0.07361 C 0.22305 -0.07431 0.22318 -0.07454 0.22344 -0.075 C 0.22357 -0.07593 0.2237 -0.07685 0.22396 -0.07732 C 0.22409 -0.07824 0.22448 -0.07894 0.22474 -0.07963 C 0.22487 -0.08056 0.225 -0.08148 0.22526 -0.08241 C 0.22539 -0.08403 0.22578 -0.08704 0.22578 -0.08681 C 0.22578 -0.08889 0.22578 -0.09028 0.22604 -0.09213 C 0.22617 -0.09375 0.22656 -0.09491 0.22682 -0.0963 L 0.22708 -0.09769 C 0.22708 -0.09815 0.22721 -0.09885 0.22734 -0.09908 C 0.22774 -0.10116 0.22826 -0.10324 0.22865 -0.10486 C 0.22865 -0.10579 0.22865 -0.10718 0.22891 -0.10787 C 0.22917 -0.10996 0.22956 -0.11158 0.22995 -0.11343 C 0.23008 -0.11482 0.23021 -0.11528 0.23047 -0.11644 C 0.23047 -0.11736 0.2306 -0.11852 0.23073 -0.11922 C 0.23073 -0.12014 0.23086 -0.12084 0.23099 -0.12153 C 0.23099 -0.12292 0.23099 -0.12408 0.23125 -0.125 C 0.23125 -0.1257 0.23151 -0.12639 0.23177 -0.12685 C 0.23177 -0.12732 0.2319 -0.12801 0.23203 -0.12824 C 0.23216 -0.12917 0.23229 -0.12963 0.23255 -0.13033 C 0.23255 -0.13102 0.23268 -0.13172 0.23281 -0.13218 C 0.23346 -0.13565 0.23307 -0.13287 0.23385 -0.13542 C 0.23385 -0.13588 0.23385 -0.13658 0.23412 -0.13681 C 0.23438 -0.1382 0.23477 -0.13889 0.23516 -0.13982 L 0.23568 -0.14167 C 0.23568 -0.14236 0.23568 -0.14306 0.23594 -0.14375 C 0.2362 -0.14514 0.23659 -0.1463 0.23698 -0.14746 C 0.23711 -0.14815 0.23737 -0.14885 0.2375 -0.14931 C 0.23802 -0.15232 0.23737 -0.14931 0.23828 -0.15255 C 0.23841 -0.15371 0.23854 -0.1544 0.2388 -0.1551 C 0.23893 -0.15556 0.23906 -0.15625 0.23932 -0.15672 C 0.23932 -0.15718 0.23932 -0.15787 0.23958 -0.1581 C 0.23971 -0.1588 0.2401 -0.15903 0.24037 -0.15949 C 0.24154 -0.16227 0.2405 -0.16065 0.24193 -0.16227 C 0.2431 -0.16574 0.24154 -0.16158 0.24323 -0.16505 C 0.24388 -0.16667 0.24336 -0.16644 0.24401 -0.16644 L 0.24531 -0.16852 " pathEditMode="relative" rAng="0" ptsTypes="AAAAAAAAAAAAAAAAAAAAAAAAAAAAAAAAAAAAAAAAAAAAAAAAAAAAAAAAAAAAAAAAAAAAAAAAAAAAAAAAAAAAAAAAAAAAAAAAAAAAAA">
-                                      <p:cBhvr>
-                                        <p:cTn id="10" dur="2000" fill="hold"/>
-                                        <p:tgtEl>
-                                          <p:spTgt spid="13"/>
-                                        </p:tgtEl>
-                                        <p:attrNameLst>
-                                          <p:attrName>ppt_x</p:attrName>
-                                          <p:attrName>ppt_y</p:attrName>
-                                        </p:attrNameLst>
-                                      </p:cBhvr>
-                                      <p:rCtr x="12266" y="-8472"/>
-                                    </p:animMotion>
-                                  </p:childTnLst>
-                                </p:cTn>
-                              </p:par>
-                            </p:childTnLst>
-                          </p:cTn>
-                        </p:par>
-                      </p:childTnLst>
-                    </p:cTn>
-                  </p:par>
-                  <p:par>
-                    <p:cTn id="11" fill="hold">
-                      <p:stCondLst>
-                        <p:cond delay="indefinite"/>
-                      </p:stCondLst>
-                      <p:childTnLst>
-                        <p:par>
-                          <p:cTn id="12" fill="hold">
-                            <p:stCondLst>
-                              <p:cond delay="0"/>
-                            </p:stCondLst>
-                            <p:childTnLst>
-                              <p:par>
-                                <p:cTn id="13" presetID="6" presetClass="emph" presetSubtype="0" fill="hold" grpId="1" nodeType="clickEffect">
-                                  <p:stCondLst>
-                                    <p:cond delay="0"/>
-                                  </p:stCondLst>
-                                  <p:childTnLst>
-                                    <p:animScale>
-                                      <p:cBhvr>
-                                        <p:cTn id="14" dur="500" fill="hold"/>
-                                        <p:tgtEl>
-                                          <p:spTgt spid="12"/>
-                                        </p:tgtEl>
-                                      </p:cBhvr>
-                                      <p:by x="200000" y="200000"/>
-                                    </p:animScale>
-                                  </p:childTnLst>
-                                </p:cTn>
-                              </p:par>
-                              <p:par>
-                                <p:cTn id="15" presetID="10" presetClass="exit" presetSubtype="0" fill="hold" grpId="1" nodeType="withEffect">
-                                  <p:stCondLst>
-                                    <p:cond delay="0"/>
-                                  </p:stCondLst>
-                                  <p:childTnLst>
-                                    <p:animEffect transition="out" filter="fade">
-                                      <p:cBhvr>
-                                        <p:cTn id="16" dur="500"/>
-                                        <p:tgtEl>
-                                          <p:spTgt spid="11"/>
-                                        </p:tgtEl>
-                                      </p:cBhvr>
-                                    </p:animEffect>
-                                    <p:set>
-                                      <p:cBhvr>
-                                        <p:cTn id="17" dur="1" fill="hold">
-                                          <p:stCondLst>
-                                            <p:cond delay="499"/>
-                                          </p:stCondLst>
-                                        </p:cTn>
-                                        <p:tgtEl>
-                                          <p:spTgt spid="11"/>
-                                        </p:tgtEl>
-                                        <p:attrNameLst>
-                                          <p:attrName>style.visibility</p:attrName>
-                                        </p:attrNameLst>
-                                      </p:cBhvr>
-                                      <p:to>
-                                        <p:strVal val="hidden"/>
-                                      </p:to>
-                                    </p:set>
-                                  </p:childTnLst>
-                                </p:cTn>
-                              </p:par>
-                              <p:par>
-                                <p:cTn id="18" presetID="10" presetClass="exit" presetSubtype="0" fill="hold" grpId="1" nodeType="withEffect">
-                                  <p:stCondLst>
-                                    <p:cond delay="0"/>
-                                  </p:stCondLst>
-                                  <p:childTnLst>
-                                    <p:animEffect transition="out" filter="fade">
-                                      <p:cBhvr>
-                                        <p:cTn id="19" dur="500"/>
-                                        <p:tgtEl>
-                                          <p:spTgt spid="13"/>
-                                        </p:tgtEl>
-                                      </p:cBhvr>
-                                    </p:animEffect>
-                                    <p:set>
-                                      <p:cBhvr>
-                                        <p:cTn id="20" dur="1" fill="hold">
-                                          <p:stCondLst>
-                                            <p:cond delay="499"/>
-                                          </p:stCondLst>
-                                        </p:cTn>
-                                        <p:tgtEl>
-                                          <p:spTgt spid="13"/>
-                                        </p:tgtEl>
-                                        <p:attrNameLst>
-                                          <p:attrName>style.visibility</p:attrName>
-                                        </p:attrNameLst>
-                                      </p:cBhvr>
-                                      <p:to>
-                                        <p:strVal val="hidden"/>
-                                      </p:to>
-                                    </p:set>
-                                  </p:childTnLst>
-                                </p:cTn>
-                              </p:par>
-                            </p:childTnLst>
-                          </p:cTn>
-                        </p:par>
-                        <p:par>
-                          <p:cTn id="21" fill="hold">
-                            <p:stCondLst>
-                              <p:cond delay="500"/>
-                            </p:stCondLst>
-                            <p:childTnLst>
-                              <p:par>
-                                <p:cTn id="22" presetID="6" presetClass="emph" presetSubtype="0" fill="hold" grpId="3" nodeType="afterEffect">
-                                  <p:stCondLst>
-                                    <p:cond delay="0"/>
-                                  </p:stCondLst>
-                                  <p:childTnLst>
-                                    <p:animScale>
-                                      <p:cBhvr>
-                                        <p:cTn id="23" dur="500" fill="hold"/>
-                                        <p:tgtEl>
-                                          <p:spTgt spid="12"/>
-                                        </p:tgtEl>
-                                      </p:cBhvr>
-                                      <p:by x="50000" y="50000"/>
-                                    </p:animScale>
-                                  </p:childTnLst>
-                                </p:cTn>
-                              </p:par>
-                            </p:childTnLst>
-                          </p:cTn>
-                        </p:par>
-                      </p:childTnLst>
-                    </p:cTn>
-                  </p:par>
-                  <p:par>
-                    <p:cTn id="24" fill="hold">
-                      <p:stCondLst>
-                        <p:cond delay="indefinite"/>
-                      </p:stCondLst>
-                      <p:childTnLst>
-                        <p:par>
-                          <p:cTn id="25" fill="hold">
-                            <p:stCondLst>
-                              <p:cond delay="0"/>
-                            </p:stCondLst>
-                            <p:childTnLst>
-                              <p:par>
-                                <p:cTn id="26" presetID="0" presetClass="path" presetSubtype="0" accel="50000" fill="hold" grpId="2" nodeType="clickEffect">
-                                  <p:stCondLst>
-                                    <p:cond delay="0"/>
-                                  </p:stCondLst>
-                                  <p:childTnLst>
-                                    <p:animMotion origin="layout" path="M 0.2901 0.02407 L 0.2901 0.02407 C 0.29349 0.02454 0.29284 0.02454 0.29766 0.02407 C 0.29857 0.02384 0.29935 0.02361 0.30026 0.02338 C 0.30052 0.02315 0.30091 0.02292 0.30117 0.02268 C 0.30117 0.02268 0.3026 0.0213 0.30286 0.0213 C 0.30521 0.02106 0.30755 0.02106 0.30976 0.02083 C 0.31484 0.02014 0.30898 0.02106 0.31953 0.02014 C 0.32187 0.02014 0.32539 0.01991 0.32812 0.01921 C 0.3306 0.01852 0.32786 0.01898 0.33086 0.01852 L 0.33489 0.01782 L 0.33724 0.01759 C 0.34297 0.01759 0.34883 0.01759 0.35443 0.01782 C 0.35495 0.01782 0.35573 0.01921 0.35599 0.01944 C 0.3569 0.02037 0.35716 0.02083 0.35807 0.0213 C 0.35872 0.02176 0.3595 0.02245 0.36042 0.02268 L 0.36641 0.02361 C 0.36706 0.02384 0.36758 0.02384 0.36823 0.02407 L 0.37266 0.02477 L 0.375 0.025 C 0.37604 0.02546 0.37721 0.02593 0.37838 0.02616 C 0.38151 0.02662 0.3862 0.02685 0.38945 0.02708 C 0.39831 0.02847 0.39167 0.02755 0.41146 0.02708 L 0.42135 0.02685 C 0.42279 0.02639 0.42487 0.02593 0.42617 0.02569 C 0.43463 0.025 0.42904 0.02546 0.44323 0.025 C 0.45013 0.02361 0.44661 0.02407 0.45833 0.02477 C 0.45911 0.02477 0.46016 0.02569 0.46068 0.02569 C 0.46133 0.02593 0.46198 0.02593 0.46276 0.02616 C 0.46289 0.02616 0.46302 0.02639 0.46328 0.02639 C 0.46497 0.02708 0.46419 0.02662 0.46562 0.02708 C 0.46614 0.02731 0.46654 0.02755 0.46693 0.02778 C 0.46758 0.02801 0.46927 0.0287 0.46953 0.02893 C 0.47005 0.02893 0.4707 0.02917 0.47135 0.02917 C 0.47292 0.03032 0.47161 0.02963 0.47344 0.03032 C 0.47409 0.03056 0.47461 0.03079 0.47526 0.03102 C 0.47552 0.03102 0.47565 0.03125 0.47604 0.03125 C 0.47669 0.03148 0.4776 0.03148 0.47838 0.03171 C 0.47891 0.03194 0.4793 0.03218 0.47995 0.03241 C 0.48164 0.03287 0.48346 0.0331 0.48516 0.03333 C 0.48724 0.03403 0.48529 0.03356 0.48906 0.03403 C 0.48971 0.03403 0.49023 0.03426 0.49088 0.03449 C 0.49154 0.03449 0.49245 0.03472 0.49323 0.03472 L 0.49427 0.03518 L 0.49557 0.03518 " pathEditMode="relative" ptsTypes="AAAAAAAAAAAAAAAAAAAAAAAAAAAAAAAAAAAAAAAAAAAAA">
-                                      <p:cBhvr>
-                                        <p:cTn id="27" dur="2000" fill="hold"/>
-                                        <p:tgtEl>
-                                          <p:spTgt spid="12"/>
-                                        </p:tgtEl>
-                                        <p:attrNameLst>
-                                          <p:attrName>ppt_x</p:attrName>
-                                          <p:attrName>ppt_y</p:attrName>
-                                        </p:attrNameLst>
-                                      </p:cBhvr>
-                                    </p:animMotion>
-                                  </p:childTnLst>
-                                </p:cTn>
-                              </p:par>
-                            </p:childTnLst>
-                          </p:cTn>
-                        </p:par>
-                        <p:par>
-                          <p:cTn id="28" fill="hold">
-                            <p:stCondLst>
-                              <p:cond delay="2000"/>
-                            </p:stCondLst>
-                            <p:childTnLst>
-                              <p:par>
-                                <p:cTn id="29" presetID="2" presetClass="exit" presetSubtype="2" fill="hold" grpId="4" nodeType="afterEffect">
-                                  <p:stCondLst>
-                                    <p:cond delay="0"/>
-                                  </p:stCondLst>
-                                  <p:childTnLst>
-                                    <p:anim calcmode="lin" valueType="num">
-                                      <p:cBhvr additive="base">
-                                        <p:cTn id="30" dur="500"/>
-                                        <p:tgtEl>
-                                          <p:spTgt spid="12"/>
-                                        </p:tgtEl>
-                                        <p:attrNameLst>
-                                          <p:attrName>ppt_x</p:attrName>
-                                        </p:attrNameLst>
-                                      </p:cBhvr>
-                                      <p:tavLst>
-                                        <p:tav tm="0">
-                                          <p:val>
-                                            <p:strVal val="ppt_x"/>
-                                          </p:val>
-                                        </p:tav>
-                                        <p:tav tm="100000">
-                                          <p:val>
-                                            <p:strVal val="1+ppt_w/2"/>
-                                          </p:val>
-                                        </p:tav>
-                                      </p:tavLst>
-                                    </p:anim>
-                                    <p:anim calcmode="lin" valueType="num">
-                                      <p:cBhvr additive="base">
-                                        <p:cTn id="31" dur="500"/>
-                                        <p:tgtEl>
-                                          <p:spTgt spid="12"/>
-                                        </p:tgtEl>
-                                        <p:attrNameLst>
-                                          <p:attrName>ppt_y</p:attrName>
-                                        </p:attrNameLst>
-                                      </p:cBhvr>
-                                      <p:tavLst>
-                                        <p:tav tm="0">
-                                          <p:val>
-                                            <p:strVal val="ppt_y"/>
-                                          </p:val>
-                                        </p:tav>
-                                        <p:tav tm="100000">
-                                          <p:val>
-                                            <p:strVal val="ppt_y"/>
-                                          </p:val>
-                                        </p:tav>
-                                      </p:tavLst>
-                                    </p:anim>
-                                    <p:set>
-                                      <p:cBhvr>
-                                        <p:cTn id="32" dur="1" fill="hold">
-                                          <p:stCondLst>
-                                            <p:cond delay="499"/>
-                                          </p:stCondLst>
-                                        </p:cTn>
-                                        <p:tgtEl>
-                                          <p:spTgt spid="12"/>
-                                        </p:tgtEl>
-                                        <p:attrNameLst>
-                                          <p:attrName>style.visibility</p:attrName>
-                                        </p:attrNameLst>
-                                      </p:cBhvr>
-                                      <p:to>
-                                        <p:strVal val="hidden"/>
-                                      </p:to>
-                                    </p:set>
-                                  </p:childTnLst>
-                                </p:cTn>
-                              </p:par>
-                            </p:childTnLst>
-                          </p:cTn>
-                        </p:par>
-                      </p:childTnLst>
-                    </p:cTn>
-                  </p:par>
-                </p:childTnLst>
-              </p:cTn>
-              <p:prevCondLst>
-                <p:cond evt="onPrev" delay="0">
-                  <p:tgtEl>
-                    <p:sldTgt/>
-                  </p:tgtEl>
-                </p:cond>
-              </p:prevCondLst>
-              <p:nextCondLst>
-                <p:cond evt="onNext" delay="0">
-                  <p:tgtEl>
-                    <p:sldTgt/>
-                  </p:tgtEl>
-                </p:cond>
-              </p:nextCondLst>
-            </p:seq>
-          </p:childTnLst>
-        </p:cTn>
-      </p:par>
-    </p:tnLst>
-    <p:bldLst>
-      <p:bldP spid="11" grpId="0" animBg="1"/>
-      <p:bldP spid="11" grpId="1" animBg="1"/>
-      <p:bldP spid="12" grpId="0" animBg="1"/>
-      <p:bldP spid="12" grpId="1" animBg="1"/>
-      <p:bldP spid="12" grpId="2" animBg="1"/>
-      <p:bldP spid="12" grpId="3" animBg="1"/>
-      <p:bldP spid="12" grpId="4" animBg="1"/>
-      <p:bldP spid="13" grpId="0" animBg="1"/>
-      <p:bldP spid="13" grpId="1" animBg="1"/>
-    </p:bldLst>
-  </p:timing>
-</p:sld>
-</file>
-
-<file path=ppt/slides/slide7.xml><?xml version="1.0" encoding="utf-8"?>
-<p:sld xmlns:a="http://schemas.openxmlformats.org/drawingml/2006/main" xmlns:r="http://schemas.openxmlformats.org/officeDocument/2006/relationships" xmlns:p="http://schemas.openxmlformats.org/presentationml/2006/main">
-  <p:cSld>
-    <p:spTree>
-      <p:nvGrpSpPr>
-        <p:cNvPr id="1" name=""/>
-        <p:cNvGrpSpPr/>
-        <p:nvPr/>
-      </p:nvGrpSpPr>
-      <p:grpSpPr>
-        <a:xfrm>
-          <a:off x="0" y="0"/>
-          <a:ext cx="0" cy="0"/>
-          <a:chOff x="0" y="0"/>
-          <a:chExt cx="0" cy="0"/>
-        </a:xfrm>
-      </p:grpSpPr>
-      <p:sp>
-        <p:nvSpPr>
-          <p:cNvPr id="2" name="Title 1">
-            <a:extLst>
-              <a:ext uri="{FF2B5EF4-FFF2-40B4-BE49-F238E27FC236}">
-                <a16:creationId xmlns:a16="http://schemas.microsoft.com/office/drawing/2014/main" id="{D18953F0-7D9F-B466-812A-9247418D7FAA}"/>
-              </a:ext>
-            </a:extLst>
-          </p:cNvPr>
-          <p:cNvSpPr>
-            <a:spLocks noGrp="1"/>
-          </p:cNvSpPr>
-          <p:nvPr>
-            <p:ph type="title"/>
-          </p:nvPr>
-        </p:nvSpPr>
-        <p:spPr/>
-        <p:txBody>
-          <a:bodyPr/>
-          <a:lstStyle/>
-          <a:p>
-            <a:r>
-              <a:rPr lang="en-US" dirty="0"/>
-              <a:t>Simulation of a neuron</a:t>
-            </a:r>
-            <a:endParaRPr lang="fr-FR" dirty="0"/>
-          </a:p>
-        </p:txBody>
-      </p:sp>
-      <p:pic>
-        <p:nvPicPr>
-          <p:cNvPr id="4" name="Picture 3">
-            <a:extLst>
-              <a:ext uri="{FF2B5EF4-FFF2-40B4-BE49-F238E27FC236}">
-                <a16:creationId xmlns:a16="http://schemas.microsoft.com/office/drawing/2014/main" id="{BCE59DB4-9EAB-BBE3-E7F7-0FFF1CF7FD51}"/>
-              </a:ext>
-            </a:extLst>
-          </p:cNvPr>
-          <p:cNvPicPr>
-            <a:picLocks noChangeAspect="1"/>
-          </p:cNvPicPr>
-          <p:nvPr/>
-        </p:nvPicPr>
-        <p:blipFill>
-          <a:blip r:embed="rId3"/>
-          <a:stretch>
-            <a:fillRect/>
-          </a:stretch>
-        </p:blipFill>
-        <p:spPr>
-          <a:xfrm>
-            <a:off x="1147216" y="1934016"/>
-            <a:ext cx="4794929" cy="3967614"/>
-          </a:xfrm>
-          <a:prstGeom prst="rect">
-            <a:avLst/>
-          </a:prstGeom>
-        </p:spPr>
-      </p:pic>
-      <p:pic>
-        <p:nvPicPr>
-          <p:cNvPr id="8" name="Picture 7">
-            <a:extLst>
-              <a:ext uri="{FF2B5EF4-FFF2-40B4-BE49-F238E27FC236}">
-                <a16:creationId xmlns:a16="http://schemas.microsoft.com/office/drawing/2014/main" id="{69AA6CD6-68AC-7D72-8E72-BD42E98E046C}"/>
-              </a:ext>
-            </a:extLst>
-          </p:cNvPr>
-          <p:cNvPicPr>
-            <a:picLocks noChangeAspect="1"/>
-          </p:cNvPicPr>
-          <p:nvPr/>
-        </p:nvPicPr>
-        <p:blipFill>
-          <a:blip r:embed="rId4"/>
-          <a:stretch>
-            <a:fillRect/>
-          </a:stretch>
-        </p:blipFill>
-        <p:spPr>
-          <a:xfrm>
-            <a:off x="8116178" y="1934013"/>
-            <a:ext cx="2928606" cy="3967615"/>
-          </a:xfrm>
-          <a:prstGeom prst="rect">
-            <a:avLst/>
-          </a:prstGeom>
-        </p:spPr>
-      </p:pic>
-      <p:sp>
-        <p:nvSpPr>
-          <p:cNvPr id="9" name="TextBox 8">
-            <a:extLst>
-              <a:ext uri="{FF2B5EF4-FFF2-40B4-BE49-F238E27FC236}">
-                <a16:creationId xmlns:a16="http://schemas.microsoft.com/office/drawing/2014/main" id="{11DD3288-C37B-3251-6783-EB0678747528}"/>
-              </a:ext>
-            </a:extLst>
-          </p:cNvPr>
-          <p:cNvSpPr txBox="1"/>
-          <p:nvPr/>
-        </p:nvSpPr>
-        <p:spPr>
-          <a:xfrm>
-            <a:off x="2404294" y="5901628"/>
-            <a:ext cx="1807033" cy="369332"/>
-          </a:xfrm>
-          <a:prstGeom prst="rect">
-            <a:avLst/>
-          </a:prstGeom>
-          <a:noFill/>
-        </p:spPr>
-        <p:txBody>
-          <a:bodyPr wrap="none" rtlCol="0">
-            <a:spAutoFit/>
-          </a:bodyPr>
-          <a:lstStyle/>
-          <a:p>
-            <a:r>
-              <a:rPr lang="en-US" i="1" dirty="0"/>
-              <a:t>Biological neuron</a:t>
-            </a:r>
-          </a:p>
-        </p:txBody>
-      </p:sp>
-      <p:sp>
-        <p:nvSpPr>
-          <p:cNvPr id="10" name="TextBox 9">
-            <a:extLst>
-              <a:ext uri="{FF2B5EF4-FFF2-40B4-BE49-F238E27FC236}">
-                <a16:creationId xmlns:a16="http://schemas.microsoft.com/office/drawing/2014/main" id="{A7EC6DEB-D796-E1A0-5906-1699A8A33DA9}"/>
-              </a:ext>
-            </a:extLst>
-          </p:cNvPr>
-          <p:cNvSpPr txBox="1"/>
-          <p:nvPr/>
-        </p:nvSpPr>
-        <p:spPr>
-          <a:xfrm>
-            <a:off x="8540176" y="5960287"/>
-            <a:ext cx="1823641" cy="369332"/>
-          </a:xfrm>
-          <a:prstGeom prst="rect">
-            <a:avLst/>
-          </a:prstGeom>
-          <a:noFill/>
-        </p:spPr>
-        <p:txBody>
-          <a:bodyPr wrap="none" rtlCol="0">
-            <a:spAutoFit/>
-          </a:bodyPr>
-          <a:lstStyle/>
-          <a:p>
-            <a:r>
-              <a:rPr lang="en-US" i="1" dirty="0"/>
-              <a:t>Computer neuron</a:t>
-            </a:r>
-          </a:p>
-        </p:txBody>
-      </p:sp>
-      <p:cxnSp>
-        <p:nvCxnSpPr>
-          <p:cNvPr id="12" name="Straight Arrow Connector 11">
-            <a:extLst>
-              <a:ext uri="{FF2B5EF4-FFF2-40B4-BE49-F238E27FC236}">
-                <a16:creationId xmlns:a16="http://schemas.microsoft.com/office/drawing/2014/main" id="{FA155C19-16D5-74F1-FDB9-DD6CCA68AFB5}"/>
-              </a:ext>
-            </a:extLst>
-          </p:cNvPr>
-          <p:cNvCxnSpPr>
-            <a:cxnSpLocks/>
-          </p:cNvCxnSpPr>
-          <p:nvPr/>
-        </p:nvCxnSpPr>
-        <p:spPr>
-          <a:xfrm flipV="1">
-            <a:off x="2636585" y="3569110"/>
-            <a:ext cx="908095" cy="816077"/>
-          </a:xfrm>
-          <a:prstGeom prst="straightConnector1">
-            <a:avLst/>
-          </a:prstGeom>
-          <a:ln w="28575">
-            <a:tailEnd type="triangle"/>
-          </a:ln>
-        </p:spPr>
-        <p:style>
-          <a:lnRef idx="1">
-            <a:schemeClr val="accent1"/>
-          </a:lnRef>
-          <a:fillRef idx="0">
-            <a:schemeClr val="accent1"/>
-          </a:fillRef>
-          <a:effectRef idx="0">
-            <a:schemeClr val="accent1"/>
-          </a:effectRef>
-          <a:fontRef idx="minor">
-            <a:schemeClr val="tx1"/>
-          </a:fontRef>
-        </p:style>
-      </p:cxnSp>
-      <p:cxnSp>
-        <p:nvCxnSpPr>
-          <p:cNvPr id="14" name="Straight Arrow Connector 13">
-            <a:extLst>
-              <a:ext uri="{FF2B5EF4-FFF2-40B4-BE49-F238E27FC236}">
-                <a16:creationId xmlns:a16="http://schemas.microsoft.com/office/drawing/2014/main" id="{C5D07D96-942A-241C-B12F-F4EF75EB0CA6}"/>
-              </a:ext>
-            </a:extLst>
-          </p:cNvPr>
-          <p:cNvCxnSpPr>
-            <a:cxnSpLocks/>
-          </p:cNvCxnSpPr>
-          <p:nvPr/>
-        </p:nvCxnSpPr>
-        <p:spPr>
-          <a:xfrm flipV="1">
-            <a:off x="2685128" y="3667432"/>
-            <a:ext cx="1031466" cy="755343"/>
-          </a:xfrm>
-          <a:prstGeom prst="straightConnector1">
-            <a:avLst/>
-          </a:prstGeom>
-          <a:ln w="28575">
-            <a:tailEnd type="triangle"/>
-          </a:ln>
-        </p:spPr>
-        <p:style>
-          <a:lnRef idx="1">
-            <a:schemeClr val="accent1"/>
-          </a:lnRef>
-          <a:fillRef idx="0">
-            <a:schemeClr val="accent1"/>
-          </a:fillRef>
-          <a:effectRef idx="0">
-            <a:schemeClr val="accent1"/>
-          </a:effectRef>
-          <a:fontRef idx="minor">
-            <a:schemeClr val="tx1"/>
-          </a:fontRef>
-        </p:style>
-      </p:cxnSp>
-      <p:cxnSp>
-        <p:nvCxnSpPr>
-          <p:cNvPr id="19" name="Straight Arrow Connector 18">
-            <a:extLst>
-              <a:ext uri="{FF2B5EF4-FFF2-40B4-BE49-F238E27FC236}">
-                <a16:creationId xmlns:a16="http://schemas.microsoft.com/office/drawing/2014/main" id="{E53CF1AC-2F1E-E9DB-4121-AC4F69D58587}"/>
-              </a:ext>
-            </a:extLst>
-          </p:cNvPr>
-          <p:cNvCxnSpPr>
-            <a:cxnSpLocks/>
-          </p:cNvCxnSpPr>
-          <p:nvPr/>
-        </p:nvCxnSpPr>
-        <p:spPr>
-          <a:xfrm flipV="1">
-            <a:off x="2753032" y="3861930"/>
-            <a:ext cx="914401" cy="621580"/>
-          </a:xfrm>
-          <a:prstGeom prst="straightConnector1">
-            <a:avLst/>
-          </a:prstGeom>
-          <a:ln w="28575">
-            <a:tailEnd type="triangle"/>
-          </a:ln>
-        </p:spPr>
-        <p:style>
-          <a:lnRef idx="1">
-            <a:schemeClr val="accent1"/>
-          </a:lnRef>
-          <a:fillRef idx="0">
-            <a:schemeClr val="accent1"/>
-          </a:fillRef>
-          <a:effectRef idx="0">
-            <a:schemeClr val="accent1"/>
-          </a:effectRef>
-          <a:fontRef idx="minor">
-            <a:schemeClr val="tx1"/>
-          </a:fontRef>
-        </p:style>
-      </p:cxnSp>
-      <p:cxnSp>
-        <p:nvCxnSpPr>
-          <p:cNvPr id="21" name="Straight Arrow Connector 20">
-            <a:extLst>
-              <a:ext uri="{FF2B5EF4-FFF2-40B4-BE49-F238E27FC236}">
-                <a16:creationId xmlns:a16="http://schemas.microsoft.com/office/drawing/2014/main" id="{C459D183-CA98-AB35-FED0-E89475D08F83}"/>
-              </a:ext>
-            </a:extLst>
-          </p:cNvPr>
-          <p:cNvCxnSpPr>
-            <a:cxnSpLocks/>
-          </p:cNvCxnSpPr>
-          <p:nvPr/>
-        </p:nvCxnSpPr>
-        <p:spPr>
-          <a:xfrm flipV="1">
-            <a:off x="2566220" y="3355279"/>
-            <a:ext cx="811160" cy="1029908"/>
-          </a:xfrm>
-          <a:prstGeom prst="straightConnector1">
-            <a:avLst/>
-          </a:prstGeom>
-          <a:ln w="28575">
-            <a:tailEnd type="triangle"/>
-          </a:ln>
-        </p:spPr>
-        <p:style>
-          <a:lnRef idx="1">
-            <a:schemeClr val="accent1"/>
-          </a:lnRef>
-          <a:fillRef idx="0">
-            <a:schemeClr val="accent1"/>
-          </a:fillRef>
-          <a:effectRef idx="0">
-            <a:schemeClr val="accent1"/>
-          </a:effectRef>
-          <a:fontRef idx="minor">
-            <a:schemeClr val="tx1"/>
-          </a:fontRef>
-        </p:style>
-      </p:cxnSp>
-      <p:cxnSp>
-        <p:nvCxnSpPr>
-          <p:cNvPr id="26" name="Straight Arrow Connector 25">
-            <a:extLst>
-              <a:ext uri="{FF2B5EF4-FFF2-40B4-BE49-F238E27FC236}">
-                <a16:creationId xmlns:a16="http://schemas.microsoft.com/office/drawing/2014/main" id="{ADA97667-60DF-71DC-4282-B477815DEC01}"/>
-              </a:ext>
-            </a:extLst>
-          </p:cNvPr>
-          <p:cNvCxnSpPr>
-            <a:cxnSpLocks/>
-          </p:cNvCxnSpPr>
-          <p:nvPr/>
-        </p:nvCxnSpPr>
-        <p:spPr>
-          <a:xfrm flipV="1">
-            <a:off x="2487561" y="3667432"/>
-            <a:ext cx="530942" cy="717755"/>
-          </a:xfrm>
-          <a:prstGeom prst="straightConnector1">
-            <a:avLst/>
-          </a:prstGeom>
-          <a:ln w="28575">
-            <a:tailEnd type="triangle"/>
-          </a:ln>
-        </p:spPr>
-        <p:style>
-          <a:lnRef idx="1">
-            <a:schemeClr val="accent1"/>
-          </a:lnRef>
-          <a:fillRef idx="0">
-            <a:schemeClr val="accent1"/>
-          </a:fillRef>
-          <a:effectRef idx="0">
-            <a:schemeClr val="accent1"/>
-          </a:effectRef>
-          <a:fontRef idx="minor">
-            <a:schemeClr val="tx1"/>
-          </a:fontRef>
-        </p:style>
-      </p:cxnSp>
-      <p:sp>
-        <p:nvSpPr>
-          <p:cNvPr id="31" name="TextBox 30">
-            <a:extLst>
-              <a:ext uri="{FF2B5EF4-FFF2-40B4-BE49-F238E27FC236}">
-                <a16:creationId xmlns:a16="http://schemas.microsoft.com/office/drawing/2014/main" id="{4BFB6EE6-42EE-6B49-73FA-DB106FA1C837}"/>
-              </a:ext>
-            </a:extLst>
-          </p:cNvPr>
-          <p:cNvSpPr txBox="1"/>
-          <p:nvPr/>
-        </p:nvSpPr>
-        <p:spPr>
-          <a:xfrm>
-            <a:off x="1693637" y="4357506"/>
-            <a:ext cx="1039259" cy="369332"/>
-          </a:xfrm>
-          <a:prstGeom prst="rect">
-            <a:avLst/>
-          </a:prstGeom>
-          <a:noFill/>
-        </p:spPr>
-        <p:txBody>
-          <a:bodyPr wrap="none" rtlCol="0">
-            <a:spAutoFit/>
-          </a:bodyPr>
-          <a:lstStyle/>
-          <a:p>
-            <a:r>
-              <a:rPr lang="en-US" b="1" dirty="0">
-                <a:solidFill>
-                  <a:schemeClr val="accent1"/>
-                </a:solidFill>
-              </a:rPr>
-              <a:t>synapses</a:t>
-            </a:r>
-          </a:p>
-        </p:txBody>
-      </p:sp>
-      <p:cxnSp>
-        <p:nvCxnSpPr>
-          <p:cNvPr id="32" name="Straight Arrow Connector 31">
-            <a:extLst>
-              <a:ext uri="{FF2B5EF4-FFF2-40B4-BE49-F238E27FC236}">
-                <a16:creationId xmlns:a16="http://schemas.microsoft.com/office/drawing/2014/main" id="{5EC0EC78-B258-0CE9-7486-C00CCABD7D29}"/>
-              </a:ext>
-            </a:extLst>
-          </p:cNvPr>
-          <p:cNvCxnSpPr>
-            <a:cxnSpLocks/>
-          </p:cNvCxnSpPr>
-          <p:nvPr/>
-        </p:nvCxnSpPr>
-        <p:spPr>
-          <a:xfrm flipV="1">
-            <a:off x="8518292" y="2895600"/>
-            <a:ext cx="920676" cy="924232"/>
-          </a:xfrm>
-          <a:prstGeom prst="straightConnector1">
-            <a:avLst/>
-          </a:prstGeom>
-          <a:ln w="28575">
-            <a:tailEnd type="triangle"/>
-          </a:ln>
-        </p:spPr>
-        <p:style>
-          <a:lnRef idx="1">
-            <a:schemeClr val="accent1"/>
-          </a:lnRef>
-          <a:fillRef idx="0">
-            <a:schemeClr val="accent1"/>
-          </a:fillRef>
-          <a:effectRef idx="0">
-            <a:schemeClr val="accent1"/>
-          </a:effectRef>
-          <a:fontRef idx="minor">
-            <a:schemeClr val="tx1"/>
-          </a:fontRef>
-        </p:style>
-      </p:cxnSp>
-      <p:cxnSp>
-        <p:nvCxnSpPr>
-          <p:cNvPr id="33" name="Straight Arrow Connector 32">
-            <a:extLst>
-              <a:ext uri="{FF2B5EF4-FFF2-40B4-BE49-F238E27FC236}">
-                <a16:creationId xmlns:a16="http://schemas.microsoft.com/office/drawing/2014/main" id="{1EB674AE-21AA-0073-AA90-635004B8223B}"/>
-              </a:ext>
-            </a:extLst>
-          </p:cNvPr>
-          <p:cNvCxnSpPr>
-            <a:cxnSpLocks/>
-          </p:cNvCxnSpPr>
-          <p:nvPr/>
-        </p:nvCxnSpPr>
-        <p:spPr>
-          <a:xfrm flipV="1">
-            <a:off x="8598441" y="2962275"/>
-            <a:ext cx="1174209" cy="899655"/>
-          </a:xfrm>
-          <a:prstGeom prst="straightConnector1">
-            <a:avLst/>
-          </a:prstGeom>
-          <a:ln w="28575">
-            <a:tailEnd type="triangle"/>
-          </a:ln>
-        </p:spPr>
-        <p:style>
-          <a:lnRef idx="1">
-            <a:schemeClr val="accent1"/>
-          </a:lnRef>
-          <a:fillRef idx="0">
-            <a:schemeClr val="accent1"/>
-          </a:fillRef>
-          <a:effectRef idx="0">
-            <a:schemeClr val="accent1"/>
-          </a:effectRef>
-          <a:fontRef idx="minor">
-            <a:schemeClr val="tx1"/>
-          </a:fontRef>
-        </p:style>
-      </p:cxnSp>
-      <p:cxnSp>
-        <p:nvCxnSpPr>
-          <p:cNvPr id="34" name="Straight Arrow Connector 33">
-            <a:extLst>
-              <a:ext uri="{FF2B5EF4-FFF2-40B4-BE49-F238E27FC236}">
-                <a16:creationId xmlns:a16="http://schemas.microsoft.com/office/drawing/2014/main" id="{BE487D33-1CE2-76E6-BD58-A997A74C8B8E}"/>
-              </a:ext>
-            </a:extLst>
-          </p:cNvPr>
-          <p:cNvCxnSpPr>
-            <a:cxnSpLocks/>
-          </p:cNvCxnSpPr>
-          <p:nvPr/>
-        </p:nvCxnSpPr>
-        <p:spPr>
-          <a:xfrm flipV="1">
-            <a:off x="8655943" y="3279775"/>
-            <a:ext cx="1532632" cy="638380"/>
-          </a:xfrm>
-          <a:prstGeom prst="straightConnector1">
-            <a:avLst/>
-          </a:prstGeom>
-          <a:ln w="28575">
-            <a:tailEnd type="triangle"/>
-          </a:ln>
-        </p:spPr>
-        <p:style>
-          <a:lnRef idx="1">
-            <a:schemeClr val="accent1"/>
-          </a:lnRef>
-          <a:fillRef idx="0">
-            <a:schemeClr val="accent1"/>
-          </a:fillRef>
-          <a:effectRef idx="0">
-            <a:schemeClr val="accent1"/>
-          </a:effectRef>
-          <a:fontRef idx="minor">
-            <a:schemeClr val="tx1"/>
-          </a:fontRef>
-        </p:style>
-      </p:cxnSp>
-      <p:cxnSp>
-        <p:nvCxnSpPr>
-          <p:cNvPr id="35" name="Straight Arrow Connector 34">
-            <a:extLst>
-              <a:ext uri="{FF2B5EF4-FFF2-40B4-BE49-F238E27FC236}">
-                <a16:creationId xmlns:a16="http://schemas.microsoft.com/office/drawing/2014/main" id="{DC92BFDF-AD62-6604-3DA3-23F30336E365}"/>
-              </a:ext>
-            </a:extLst>
-          </p:cNvPr>
-          <p:cNvCxnSpPr>
-            <a:cxnSpLocks/>
-          </p:cNvCxnSpPr>
-          <p:nvPr/>
-        </p:nvCxnSpPr>
-        <p:spPr>
-          <a:xfrm flipV="1">
-            <a:off x="8469131" y="3006725"/>
-            <a:ext cx="658994" cy="813107"/>
-          </a:xfrm>
-          <a:prstGeom prst="straightConnector1">
-            <a:avLst/>
-          </a:prstGeom>
-          <a:ln w="28575">
-            <a:tailEnd type="triangle"/>
-          </a:ln>
-        </p:spPr>
-        <p:style>
-          <a:lnRef idx="1">
-            <a:schemeClr val="accent1"/>
-          </a:lnRef>
-          <a:fillRef idx="0">
-            <a:schemeClr val="accent1"/>
-          </a:fillRef>
-          <a:effectRef idx="0">
-            <a:schemeClr val="accent1"/>
-          </a:effectRef>
-          <a:fontRef idx="minor">
-            <a:schemeClr val="tx1"/>
-          </a:fontRef>
-        </p:style>
-      </p:cxnSp>
-      <p:cxnSp>
-        <p:nvCxnSpPr>
-          <p:cNvPr id="36" name="Straight Arrow Connector 35">
-            <a:extLst>
-              <a:ext uri="{FF2B5EF4-FFF2-40B4-BE49-F238E27FC236}">
-                <a16:creationId xmlns:a16="http://schemas.microsoft.com/office/drawing/2014/main" id="{45096295-873C-4299-7F05-D47886E447BA}"/>
-              </a:ext>
-            </a:extLst>
-          </p:cNvPr>
-          <p:cNvCxnSpPr>
-            <a:cxnSpLocks/>
-          </p:cNvCxnSpPr>
-          <p:nvPr/>
-        </p:nvCxnSpPr>
-        <p:spPr>
-          <a:xfrm flipV="1">
-            <a:off x="8390472" y="3171825"/>
-            <a:ext cx="356653" cy="648007"/>
-          </a:xfrm>
-          <a:prstGeom prst="straightConnector1">
-            <a:avLst/>
-          </a:prstGeom>
-          <a:ln w="28575">
-            <a:tailEnd type="triangle"/>
-          </a:ln>
-        </p:spPr>
-        <p:style>
-          <a:lnRef idx="1">
-            <a:schemeClr val="accent1"/>
-          </a:lnRef>
-          <a:fillRef idx="0">
-            <a:schemeClr val="accent1"/>
-          </a:fillRef>
-          <a:effectRef idx="0">
-            <a:schemeClr val="accent1"/>
-          </a:effectRef>
-          <a:fontRef idx="minor">
-            <a:schemeClr val="tx1"/>
-          </a:fontRef>
-        </p:style>
-      </p:cxnSp>
-      <p:sp>
-        <p:nvSpPr>
-          <p:cNvPr id="37" name="TextBox 36">
-            <a:extLst>
-              <a:ext uri="{FF2B5EF4-FFF2-40B4-BE49-F238E27FC236}">
-                <a16:creationId xmlns:a16="http://schemas.microsoft.com/office/drawing/2014/main" id="{0CBE7A1F-DD79-E697-8793-5F6A768D16D8}"/>
-              </a:ext>
-            </a:extLst>
-          </p:cNvPr>
-          <p:cNvSpPr txBox="1"/>
-          <p:nvPr/>
-        </p:nvSpPr>
-        <p:spPr>
-          <a:xfrm>
-            <a:off x="7662083" y="3800266"/>
-            <a:ext cx="1300579" cy="369332"/>
-          </a:xfrm>
-          <a:prstGeom prst="rect">
-            <a:avLst/>
-          </a:prstGeom>
-          <a:noFill/>
-        </p:spPr>
-        <p:txBody>
-          <a:bodyPr wrap="square" rtlCol="0">
-            <a:spAutoFit/>
-          </a:bodyPr>
-          <a:lstStyle/>
-          <a:p>
-            <a:r>
-              <a:rPr lang="en-US" b="1" dirty="0">
-                <a:solidFill>
-                  <a:schemeClr val="accent1"/>
-                </a:solidFill>
-              </a:rPr>
-              <a:t>weights</a:t>
-            </a:r>
-          </a:p>
-        </p:txBody>
-      </p:sp>
-      <p:cxnSp>
-        <p:nvCxnSpPr>
-          <p:cNvPr id="20" name="Straight Arrow Connector 19">
-            <a:extLst>
-              <a:ext uri="{FF2B5EF4-FFF2-40B4-BE49-F238E27FC236}">
-                <a16:creationId xmlns:a16="http://schemas.microsoft.com/office/drawing/2014/main" id="{E2FFC374-5521-7778-B7CE-F6A07A55C65E}"/>
-              </a:ext>
-            </a:extLst>
-          </p:cNvPr>
-          <p:cNvCxnSpPr>
-            <a:cxnSpLocks/>
-          </p:cNvCxnSpPr>
-          <p:nvPr/>
-        </p:nvCxnSpPr>
-        <p:spPr>
-          <a:xfrm flipH="1" flipV="1">
-            <a:off x="3374151" y="3773637"/>
-            <a:ext cx="657075" cy="395961"/>
-          </a:xfrm>
-          <a:prstGeom prst="straightConnector1">
-            <a:avLst/>
-          </a:prstGeom>
-          <a:ln w="28575">
-            <a:solidFill>
-              <a:srgbClr val="00B050"/>
-            </a:solidFill>
-            <a:tailEnd type="triangle"/>
-          </a:ln>
-        </p:spPr>
-        <p:style>
-          <a:lnRef idx="1">
-            <a:schemeClr val="accent1"/>
-          </a:lnRef>
-          <a:fillRef idx="0">
-            <a:schemeClr val="accent1"/>
-          </a:fillRef>
-          <a:effectRef idx="0">
-            <a:schemeClr val="accent1"/>
-          </a:effectRef>
-          <a:fontRef idx="minor">
-            <a:schemeClr val="tx1"/>
-          </a:fontRef>
-        </p:style>
-      </p:cxnSp>
-      <p:sp>
-        <p:nvSpPr>
-          <p:cNvPr id="22" name="TextBox 21">
-            <a:extLst>
-              <a:ext uri="{FF2B5EF4-FFF2-40B4-BE49-F238E27FC236}">
-                <a16:creationId xmlns:a16="http://schemas.microsoft.com/office/drawing/2014/main" id="{07DBA391-55FA-4184-AF09-1AC72F2F6307}"/>
-              </a:ext>
-            </a:extLst>
-          </p:cNvPr>
-          <p:cNvSpPr txBox="1"/>
-          <p:nvPr/>
-        </p:nvSpPr>
-        <p:spPr>
-          <a:xfrm>
-            <a:off x="4031226" y="4043594"/>
-            <a:ext cx="508473" cy="369332"/>
-          </a:xfrm>
-          <a:prstGeom prst="rect">
-            <a:avLst/>
-          </a:prstGeom>
-          <a:noFill/>
-        </p:spPr>
-        <p:txBody>
-          <a:bodyPr wrap="none" rtlCol="0">
-            <a:spAutoFit/>
-          </a:bodyPr>
-          <a:lstStyle/>
-          <a:p>
-            <a:r>
-              <a:rPr lang="en-US" b="1" dirty="0">
-                <a:solidFill>
-                  <a:srgbClr val="00B050"/>
-                </a:solidFill>
-              </a:rPr>
-              <a:t>cell</a:t>
-            </a:r>
-          </a:p>
-        </p:txBody>
-      </p:sp>
-      <p:cxnSp>
-        <p:nvCxnSpPr>
-          <p:cNvPr id="23" name="Straight Arrow Connector 22">
-            <a:extLst>
-              <a:ext uri="{FF2B5EF4-FFF2-40B4-BE49-F238E27FC236}">
-                <a16:creationId xmlns:a16="http://schemas.microsoft.com/office/drawing/2014/main" id="{00C8F0E1-A967-7A7D-5CF6-DD7C6007DC55}"/>
-              </a:ext>
-            </a:extLst>
-          </p:cNvPr>
-          <p:cNvCxnSpPr>
-            <a:cxnSpLocks/>
-          </p:cNvCxnSpPr>
-          <p:nvPr/>
-        </p:nvCxnSpPr>
-        <p:spPr>
-          <a:xfrm flipV="1">
-            <a:off x="8378688" y="4240527"/>
-            <a:ext cx="776749" cy="471228"/>
-          </a:xfrm>
-          <a:prstGeom prst="straightConnector1">
-            <a:avLst/>
-          </a:prstGeom>
-          <a:ln w="28575">
-            <a:solidFill>
-              <a:srgbClr val="00B050"/>
-            </a:solidFill>
-            <a:tailEnd type="triangle"/>
-          </a:ln>
-        </p:spPr>
-        <p:style>
-          <a:lnRef idx="1">
-            <a:schemeClr val="accent1"/>
-          </a:lnRef>
-          <a:fillRef idx="0">
-            <a:schemeClr val="accent1"/>
-          </a:fillRef>
-          <a:effectRef idx="0">
-            <a:schemeClr val="accent1"/>
-          </a:effectRef>
-          <a:fontRef idx="minor">
-            <a:schemeClr val="tx1"/>
-          </a:fontRef>
-        </p:style>
-      </p:cxnSp>
-      <p:sp>
-        <p:nvSpPr>
-          <p:cNvPr id="24" name="TextBox 23">
-            <a:extLst>
-              <a:ext uri="{FF2B5EF4-FFF2-40B4-BE49-F238E27FC236}">
-                <a16:creationId xmlns:a16="http://schemas.microsoft.com/office/drawing/2014/main" id="{3AA90C42-89B9-30E4-67D6-261C0E3965A4}"/>
-              </a:ext>
-            </a:extLst>
-          </p:cNvPr>
-          <p:cNvSpPr txBox="1"/>
-          <p:nvPr/>
-        </p:nvSpPr>
-        <p:spPr>
-          <a:xfrm>
-            <a:off x="7086599" y="4447248"/>
-            <a:ext cx="1468718" cy="646331"/>
-          </a:xfrm>
-          <a:prstGeom prst="rect">
-            <a:avLst/>
-          </a:prstGeom>
-          <a:noFill/>
-        </p:spPr>
-        <p:txBody>
-          <a:bodyPr wrap="square" rtlCol="0">
-            <a:spAutoFit/>
-          </a:bodyPr>
-          <a:lstStyle/>
-          <a:p>
-            <a:r>
-              <a:rPr lang="en-US" b="1" dirty="0">
-                <a:solidFill>
-                  <a:srgbClr val="00B050"/>
-                </a:solidFill>
-              </a:rPr>
-              <a:t>aggregation function</a:t>
-            </a:r>
-          </a:p>
-        </p:txBody>
-      </p:sp>
-      <p:cxnSp>
-        <p:nvCxnSpPr>
-          <p:cNvPr id="25" name="Straight Arrow Connector 24">
-            <a:extLst>
-              <a:ext uri="{FF2B5EF4-FFF2-40B4-BE49-F238E27FC236}">
-                <a16:creationId xmlns:a16="http://schemas.microsoft.com/office/drawing/2014/main" id="{99763354-7708-CD22-1A4C-8C3A5844ADF0}"/>
-              </a:ext>
-            </a:extLst>
-          </p:cNvPr>
-          <p:cNvCxnSpPr>
-            <a:cxnSpLocks/>
-          </p:cNvCxnSpPr>
-          <p:nvPr/>
-        </p:nvCxnSpPr>
-        <p:spPr>
-          <a:xfrm flipH="1" flipV="1">
-            <a:off x="3629790" y="5136337"/>
-            <a:ext cx="657075" cy="395961"/>
-          </a:xfrm>
-          <a:prstGeom prst="straightConnector1">
-            <a:avLst/>
-          </a:prstGeom>
-          <a:ln w="28575">
-            <a:solidFill>
-              <a:srgbClr val="FF0000"/>
-            </a:solidFill>
-            <a:tailEnd type="triangle"/>
-          </a:ln>
-        </p:spPr>
-        <p:style>
-          <a:lnRef idx="1">
-            <a:schemeClr val="accent1"/>
-          </a:lnRef>
-          <a:fillRef idx="0">
-            <a:schemeClr val="accent1"/>
-          </a:fillRef>
-          <a:effectRef idx="0">
-            <a:schemeClr val="accent1"/>
-          </a:effectRef>
-          <a:fontRef idx="minor">
-            <a:schemeClr val="tx1"/>
-          </a:fontRef>
-        </p:style>
-      </p:cxnSp>
-      <p:sp>
-        <p:nvSpPr>
-          <p:cNvPr id="27" name="TextBox 26">
-            <a:extLst>
-              <a:ext uri="{FF2B5EF4-FFF2-40B4-BE49-F238E27FC236}">
-                <a16:creationId xmlns:a16="http://schemas.microsoft.com/office/drawing/2014/main" id="{788622FF-EF92-B844-6153-7915E2684100}"/>
-              </a:ext>
-            </a:extLst>
-          </p:cNvPr>
-          <p:cNvSpPr txBox="1"/>
-          <p:nvPr/>
-        </p:nvSpPr>
-        <p:spPr>
-          <a:xfrm>
-            <a:off x="4254965" y="5341197"/>
-            <a:ext cx="643702" cy="369332"/>
-          </a:xfrm>
-          <a:prstGeom prst="rect">
-            <a:avLst/>
-          </a:prstGeom>
-          <a:noFill/>
-        </p:spPr>
-        <p:txBody>
-          <a:bodyPr wrap="none" rtlCol="0">
-            <a:spAutoFit/>
-          </a:bodyPr>
-          <a:lstStyle/>
-          <a:p>
-            <a:r>
-              <a:rPr lang="en-US" b="1" dirty="0">
-                <a:solidFill>
-                  <a:srgbClr val="FF0000"/>
-                </a:solidFill>
-              </a:rPr>
-              <a:t>axon</a:t>
-            </a:r>
-          </a:p>
-        </p:txBody>
-      </p:sp>
-      <p:cxnSp>
-        <p:nvCxnSpPr>
-          <p:cNvPr id="28" name="Straight Arrow Connector 27">
-            <a:extLst>
-              <a:ext uri="{FF2B5EF4-FFF2-40B4-BE49-F238E27FC236}">
-                <a16:creationId xmlns:a16="http://schemas.microsoft.com/office/drawing/2014/main" id="{F7540C07-FD18-576B-7BD6-F6BD64A95994}"/>
-              </a:ext>
-            </a:extLst>
-          </p:cNvPr>
-          <p:cNvCxnSpPr>
-            <a:cxnSpLocks/>
-          </p:cNvCxnSpPr>
-          <p:nvPr/>
-        </p:nvCxnSpPr>
-        <p:spPr>
-          <a:xfrm flipV="1">
-            <a:off x="8311579" y="5532298"/>
-            <a:ext cx="1056681" cy="163046"/>
-          </a:xfrm>
-          <a:prstGeom prst="straightConnector1">
-            <a:avLst/>
-          </a:prstGeom>
-          <a:ln w="28575">
-            <a:solidFill>
-              <a:srgbClr val="FF0000"/>
-            </a:solidFill>
-            <a:tailEnd type="triangle"/>
-          </a:ln>
-        </p:spPr>
-        <p:style>
-          <a:lnRef idx="1">
-            <a:schemeClr val="accent1"/>
-          </a:lnRef>
-          <a:fillRef idx="0">
-            <a:schemeClr val="accent1"/>
-          </a:fillRef>
-          <a:effectRef idx="0">
-            <a:schemeClr val="accent1"/>
-          </a:effectRef>
-          <a:fontRef idx="minor">
-            <a:schemeClr val="tx1"/>
-          </a:fontRef>
-        </p:style>
-      </p:cxnSp>
-      <p:sp>
-        <p:nvSpPr>
-          <p:cNvPr id="29" name="TextBox 28">
-            <a:extLst>
-              <a:ext uri="{FF2B5EF4-FFF2-40B4-BE49-F238E27FC236}">
-                <a16:creationId xmlns:a16="http://schemas.microsoft.com/office/drawing/2014/main" id="{7C2D2F31-60BB-BD94-E05B-966D0BEDDF53}"/>
-              </a:ext>
-            </a:extLst>
-          </p:cNvPr>
-          <p:cNvSpPr txBox="1"/>
-          <p:nvPr/>
-        </p:nvSpPr>
-        <p:spPr>
-          <a:xfrm>
-            <a:off x="7441905" y="5512784"/>
-            <a:ext cx="1022966" cy="369332"/>
-          </a:xfrm>
-          <a:prstGeom prst="rect">
-            <a:avLst/>
-          </a:prstGeom>
-          <a:noFill/>
-        </p:spPr>
-        <p:txBody>
-          <a:bodyPr wrap="square" rtlCol="0">
-            <a:spAutoFit/>
-          </a:bodyPr>
-          <a:lstStyle/>
-          <a:p>
-            <a:r>
-              <a:rPr lang="en-US" b="1" dirty="0">
-                <a:solidFill>
-                  <a:srgbClr val="FF0000"/>
-                </a:solidFill>
-              </a:rPr>
-              <a:t>outputs</a:t>
-            </a:r>
-          </a:p>
-        </p:txBody>
-      </p:sp>
-    </p:spTree>
-    <p:extLst>
-      <p:ext uri="{BB962C8B-B14F-4D97-AF65-F5344CB8AC3E}">
-        <p14:creationId xmlns:p14="http://schemas.microsoft.com/office/powerpoint/2010/main" val="1293831720"/>
-      </p:ext>
-    </p:extLst>
-  </p:cSld>
-  <p:clrMapOvr>
-    <a:masterClrMapping/>
-  </p:clrMapOvr>
-  <p:timing>
-    <p:tnLst>
-      <p:par>
-        <p:cTn id="1" dur="indefinite" restart="never" nodeType="tmRoot">
-          <p:childTnLst>
-            <p:seq concurrent="1" nextAc="seek">
-              <p:cTn id="2" dur="indefinite" nodeType="mainSeq">
-                <p:childTnLst>
-                  <p:par>
-                    <p:cTn id="3" fill="hold">
-                      <p:stCondLst>
-                        <p:cond delay="indefinite"/>
-                      </p:stCondLst>
-                      <p:childTnLst>
-                        <p:par>
-                          <p:cTn id="4" fill="hold">
-                            <p:stCondLst>
-                              <p:cond delay="0"/>
-                            </p:stCondLst>
-                            <p:childTnLst>
-                              <p:par>
-                                <p:cTn id="5" presetID="10" presetClass="entr" presetSubtype="0" fill="hold" nodeType="clickEffect">
-                                  <p:stCondLst>
-                                    <p:cond delay="0"/>
-                                  </p:stCondLst>
-                                  <p:childTnLst>
-                                    <p:set>
-                                      <p:cBhvr>
-                                        <p:cTn id="6" dur="1" fill="hold">
-                                          <p:stCondLst>
-                                            <p:cond delay="0"/>
-                                          </p:stCondLst>
-                                        </p:cTn>
-                                        <p:tgtEl>
-                                          <p:spTgt spid="12"/>
-                                        </p:tgtEl>
-                                        <p:attrNameLst>
-                                          <p:attrName>style.visibility</p:attrName>
-                                        </p:attrNameLst>
-                                      </p:cBhvr>
-                                      <p:to>
-                                        <p:strVal val="visible"/>
-                                      </p:to>
-                                    </p:set>
-                                    <p:animEffect transition="in" filter="fade">
-                                      <p:cBhvr>
-                                        <p:cTn id="7" dur="500"/>
-                                        <p:tgtEl>
-                                          <p:spTgt spid="12"/>
-                                        </p:tgtEl>
-                                      </p:cBhvr>
-                                    </p:animEffect>
-                                  </p:childTnLst>
-                                </p:cTn>
-                              </p:par>
-                              <p:par>
-                                <p:cTn id="8" presetID="10" presetClass="entr" presetSubtype="0" fill="hold" nodeType="withEffect">
-                                  <p:stCondLst>
-                                    <p:cond delay="0"/>
-                                  </p:stCondLst>
-                                  <p:childTnLst>
-                                    <p:set>
-                                      <p:cBhvr>
-                                        <p:cTn id="9" dur="1" fill="hold">
-                                          <p:stCondLst>
-                                            <p:cond delay="0"/>
-                                          </p:stCondLst>
-                                        </p:cTn>
-                                        <p:tgtEl>
-                                          <p:spTgt spid="14"/>
-                                        </p:tgtEl>
-                                        <p:attrNameLst>
-                                          <p:attrName>style.visibility</p:attrName>
-                                        </p:attrNameLst>
-                                      </p:cBhvr>
-                                      <p:to>
-                                        <p:strVal val="visible"/>
-                                      </p:to>
-                                    </p:set>
-                                    <p:animEffect transition="in" filter="fade">
-                                      <p:cBhvr>
-                                        <p:cTn id="10" dur="500"/>
-                                        <p:tgtEl>
-                                          <p:spTgt spid="14"/>
-                                        </p:tgtEl>
-                                      </p:cBhvr>
-                                    </p:animEffect>
-                                  </p:childTnLst>
-                                </p:cTn>
-                              </p:par>
-                              <p:par>
-                                <p:cTn id="11" presetID="10" presetClass="entr" presetSubtype="0" fill="hold" nodeType="withEffect">
-                                  <p:stCondLst>
-                                    <p:cond delay="0"/>
-                                  </p:stCondLst>
-                                  <p:childTnLst>
-                                    <p:set>
-                                      <p:cBhvr>
-                                        <p:cTn id="12" dur="1" fill="hold">
-                                          <p:stCondLst>
-                                            <p:cond delay="0"/>
-                                          </p:stCondLst>
-                                        </p:cTn>
-                                        <p:tgtEl>
-                                          <p:spTgt spid="19"/>
-                                        </p:tgtEl>
-                                        <p:attrNameLst>
-                                          <p:attrName>style.visibility</p:attrName>
-                                        </p:attrNameLst>
-                                      </p:cBhvr>
-                                      <p:to>
-                                        <p:strVal val="visible"/>
-                                      </p:to>
-                                    </p:set>
-                                    <p:animEffect transition="in" filter="fade">
-                                      <p:cBhvr>
-                                        <p:cTn id="13" dur="500"/>
-                                        <p:tgtEl>
-                                          <p:spTgt spid="19"/>
-                                        </p:tgtEl>
-                                      </p:cBhvr>
-                                    </p:animEffect>
-                                  </p:childTnLst>
-                                </p:cTn>
-                              </p:par>
-                              <p:par>
-                                <p:cTn id="14" presetID="10" presetClass="entr" presetSubtype="0" fill="hold" nodeType="withEffect">
-                                  <p:stCondLst>
-                                    <p:cond delay="0"/>
-                                  </p:stCondLst>
-                                  <p:childTnLst>
-                                    <p:set>
-                                      <p:cBhvr>
-                                        <p:cTn id="15" dur="1" fill="hold">
-                                          <p:stCondLst>
-                                            <p:cond delay="0"/>
-                                          </p:stCondLst>
-                                        </p:cTn>
-                                        <p:tgtEl>
-                                          <p:spTgt spid="21"/>
-                                        </p:tgtEl>
-                                        <p:attrNameLst>
-                                          <p:attrName>style.visibility</p:attrName>
-                                        </p:attrNameLst>
-                                      </p:cBhvr>
-                                      <p:to>
-                                        <p:strVal val="visible"/>
-                                      </p:to>
-                                    </p:set>
-                                    <p:animEffect transition="in" filter="fade">
-                                      <p:cBhvr>
-                                        <p:cTn id="16" dur="500"/>
-                                        <p:tgtEl>
-                                          <p:spTgt spid="21"/>
-                                        </p:tgtEl>
-                                      </p:cBhvr>
-                                    </p:animEffect>
-                                  </p:childTnLst>
-                                </p:cTn>
-                              </p:par>
-                              <p:par>
-                                <p:cTn id="17" presetID="10" presetClass="entr" presetSubtype="0" fill="hold" nodeType="withEffect">
-                                  <p:stCondLst>
-                                    <p:cond delay="0"/>
-                                  </p:stCondLst>
-                                  <p:childTnLst>
-                                    <p:set>
-                                      <p:cBhvr>
-                                        <p:cTn id="18" dur="1" fill="hold">
-                                          <p:stCondLst>
-                                            <p:cond delay="0"/>
-                                          </p:stCondLst>
-                                        </p:cTn>
-                                        <p:tgtEl>
-                                          <p:spTgt spid="26"/>
-                                        </p:tgtEl>
-                                        <p:attrNameLst>
-                                          <p:attrName>style.visibility</p:attrName>
-                                        </p:attrNameLst>
-                                      </p:cBhvr>
-                                      <p:to>
-                                        <p:strVal val="visible"/>
-                                      </p:to>
-                                    </p:set>
-                                    <p:animEffect transition="in" filter="fade">
-                                      <p:cBhvr>
-                                        <p:cTn id="19" dur="500"/>
-                                        <p:tgtEl>
-                                          <p:spTgt spid="26"/>
-                                        </p:tgtEl>
-                                      </p:cBhvr>
-                                    </p:animEffect>
-                                  </p:childTnLst>
-                                </p:cTn>
-                              </p:par>
-                              <p:par>
-                                <p:cTn id="20" presetID="10" presetClass="entr" presetSubtype="0" fill="hold" grpId="0" nodeType="withEffect">
-                                  <p:stCondLst>
-                                    <p:cond delay="0"/>
-                                  </p:stCondLst>
-                                  <p:childTnLst>
-                                    <p:set>
-                                      <p:cBhvr>
-                                        <p:cTn id="21" dur="1" fill="hold">
-                                          <p:stCondLst>
-                                            <p:cond delay="0"/>
-                                          </p:stCondLst>
-                                        </p:cTn>
-                                        <p:tgtEl>
-                                          <p:spTgt spid="31"/>
-                                        </p:tgtEl>
-                                        <p:attrNameLst>
-                                          <p:attrName>style.visibility</p:attrName>
-                                        </p:attrNameLst>
-                                      </p:cBhvr>
-                                      <p:to>
-                                        <p:strVal val="visible"/>
-                                      </p:to>
-                                    </p:set>
-                                    <p:animEffect transition="in" filter="fade">
-                                      <p:cBhvr>
-                                        <p:cTn id="22" dur="500"/>
-                                        <p:tgtEl>
-                                          <p:spTgt spid="31"/>
-                                        </p:tgtEl>
-                                      </p:cBhvr>
-                                    </p:animEffect>
-                                  </p:childTnLst>
-                                </p:cTn>
-                              </p:par>
-                            </p:childTnLst>
-                          </p:cTn>
-                        </p:par>
-                      </p:childTnLst>
-                    </p:cTn>
-                  </p:par>
-                  <p:par>
-                    <p:cTn id="23" fill="hold">
-                      <p:stCondLst>
-                        <p:cond delay="indefinite"/>
-                      </p:stCondLst>
-                      <p:childTnLst>
-                        <p:par>
-                          <p:cTn id="24" fill="hold">
-                            <p:stCondLst>
-                              <p:cond delay="0"/>
-                            </p:stCondLst>
-                            <p:childTnLst>
-                              <p:par>
-                                <p:cTn id="25" presetID="10" presetClass="entr" presetSubtype="0" fill="hold" nodeType="clickEffect">
-                                  <p:stCondLst>
-                                    <p:cond delay="0"/>
-                                  </p:stCondLst>
-                                  <p:childTnLst>
-                                    <p:set>
-                                      <p:cBhvr>
-                                        <p:cTn id="26" dur="1" fill="hold">
-                                          <p:stCondLst>
-                                            <p:cond delay="0"/>
-                                          </p:stCondLst>
-                                        </p:cTn>
-                                        <p:tgtEl>
-                                          <p:spTgt spid="32"/>
-                                        </p:tgtEl>
-                                        <p:attrNameLst>
-                                          <p:attrName>style.visibility</p:attrName>
-                                        </p:attrNameLst>
-                                      </p:cBhvr>
-                                      <p:to>
-                                        <p:strVal val="visible"/>
-                                      </p:to>
-                                    </p:set>
-                                    <p:animEffect transition="in" filter="fade">
-                                      <p:cBhvr>
-                                        <p:cTn id="27" dur="500"/>
-                                        <p:tgtEl>
-                                          <p:spTgt spid="32"/>
-                                        </p:tgtEl>
-                                      </p:cBhvr>
-                                    </p:animEffect>
-                                  </p:childTnLst>
-                                </p:cTn>
-                              </p:par>
-                              <p:par>
-                                <p:cTn id="28" presetID="10" presetClass="entr" presetSubtype="0" fill="hold" nodeType="withEffect">
-                                  <p:stCondLst>
-                                    <p:cond delay="0"/>
-                                  </p:stCondLst>
-                                  <p:childTnLst>
-                                    <p:set>
-                                      <p:cBhvr>
-                                        <p:cTn id="29" dur="1" fill="hold">
-                                          <p:stCondLst>
-                                            <p:cond delay="0"/>
-                                          </p:stCondLst>
-                                        </p:cTn>
-                                        <p:tgtEl>
-                                          <p:spTgt spid="33"/>
-                                        </p:tgtEl>
-                                        <p:attrNameLst>
-                                          <p:attrName>style.visibility</p:attrName>
-                                        </p:attrNameLst>
-                                      </p:cBhvr>
-                                      <p:to>
-                                        <p:strVal val="visible"/>
-                                      </p:to>
-                                    </p:set>
-                                    <p:animEffect transition="in" filter="fade">
-                                      <p:cBhvr>
-                                        <p:cTn id="30" dur="500"/>
-                                        <p:tgtEl>
-                                          <p:spTgt spid="33"/>
-                                        </p:tgtEl>
-                                      </p:cBhvr>
-                                    </p:animEffect>
-                                  </p:childTnLst>
-                                </p:cTn>
-                              </p:par>
-                              <p:par>
-                                <p:cTn id="31" presetID="10" presetClass="entr" presetSubtype="0" fill="hold" nodeType="withEffect">
-                                  <p:stCondLst>
-                                    <p:cond delay="0"/>
-                                  </p:stCondLst>
-                                  <p:childTnLst>
-                                    <p:set>
-                                      <p:cBhvr>
-                                        <p:cTn id="32" dur="1" fill="hold">
-                                          <p:stCondLst>
-                                            <p:cond delay="0"/>
-                                          </p:stCondLst>
-                                        </p:cTn>
-                                        <p:tgtEl>
-                                          <p:spTgt spid="34"/>
-                                        </p:tgtEl>
-                                        <p:attrNameLst>
-                                          <p:attrName>style.visibility</p:attrName>
-                                        </p:attrNameLst>
-                                      </p:cBhvr>
-                                      <p:to>
-                                        <p:strVal val="visible"/>
-                                      </p:to>
-                                    </p:set>
-                                    <p:animEffect transition="in" filter="fade">
-                                      <p:cBhvr>
-                                        <p:cTn id="33" dur="500"/>
-                                        <p:tgtEl>
-                                          <p:spTgt spid="34"/>
-                                        </p:tgtEl>
-                                      </p:cBhvr>
-                                    </p:animEffect>
-                                  </p:childTnLst>
-                                </p:cTn>
-                              </p:par>
-                              <p:par>
-                                <p:cTn id="34" presetID="10" presetClass="entr" presetSubtype="0" fill="hold" nodeType="withEffect">
-                                  <p:stCondLst>
-                                    <p:cond delay="0"/>
-                                  </p:stCondLst>
-                                  <p:childTnLst>
-                                    <p:set>
-                                      <p:cBhvr>
-                                        <p:cTn id="35" dur="1" fill="hold">
-                                          <p:stCondLst>
-                                            <p:cond delay="0"/>
-                                          </p:stCondLst>
-                                        </p:cTn>
-                                        <p:tgtEl>
-                                          <p:spTgt spid="35"/>
-                                        </p:tgtEl>
-                                        <p:attrNameLst>
-                                          <p:attrName>style.visibility</p:attrName>
-                                        </p:attrNameLst>
-                                      </p:cBhvr>
-                                      <p:to>
-                                        <p:strVal val="visible"/>
-                                      </p:to>
-                                    </p:set>
-                                    <p:animEffect transition="in" filter="fade">
-                                      <p:cBhvr>
-                                        <p:cTn id="36" dur="500"/>
-                                        <p:tgtEl>
-                                          <p:spTgt spid="35"/>
-                                        </p:tgtEl>
-                                      </p:cBhvr>
-                                    </p:animEffect>
-                                  </p:childTnLst>
-                                </p:cTn>
-                              </p:par>
-                              <p:par>
-                                <p:cTn id="37" presetID="10" presetClass="entr" presetSubtype="0" fill="hold" nodeType="withEffect">
-                                  <p:stCondLst>
-                                    <p:cond delay="0"/>
-                                  </p:stCondLst>
-                                  <p:childTnLst>
-                                    <p:set>
-                                      <p:cBhvr>
-                                        <p:cTn id="38" dur="1" fill="hold">
-                                          <p:stCondLst>
-                                            <p:cond delay="0"/>
-                                          </p:stCondLst>
-                                        </p:cTn>
-                                        <p:tgtEl>
-                                          <p:spTgt spid="36"/>
-                                        </p:tgtEl>
-                                        <p:attrNameLst>
-                                          <p:attrName>style.visibility</p:attrName>
-                                        </p:attrNameLst>
-                                      </p:cBhvr>
-                                      <p:to>
-                                        <p:strVal val="visible"/>
-                                      </p:to>
-                                    </p:set>
-                                    <p:animEffect transition="in" filter="fade">
-                                      <p:cBhvr>
-                                        <p:cTn id="39" dur="500"/>
-                                        <p:tgtEl>
-                                          <p:spTgt spid="36"/>
-                                        </p:tgtEl>
-                                      </p:cBhvr>
-                                    </p:animEffect>
-                                  </p:childTnLst>
-                                </p:cTn>
-                              </p:par>
-                              <p:par>
-                                <p:cTn id="40" presetID="10" presetClass="entr" presetSubtype="0" fill="hold" grpId="0" nodeType="withEffect">
-                                  <p:stCondLst>
-                                    <p:cond delay="0"/>
-                                  </p:stCondLst>
-                                  <p:childTnLst>
-                                    <p:set>
-                                      <p:cBhvr>
-                                        <p:cTn id="41" dur="1" fill="hold">
-                                          <p:stCondLst>
-                                            <p:cond delay="0"/>
-                                          </p:stCondLst>
-                                        </p:cTn>
-                                        <p:tgtEl>
-                                          <p:spTgt spid="37"/>
-                                        </p:tgtEl>
-                                        <p:attrNameLst>
-                                          <p:attrName>style.visibility</p:attrName>
-                                        </p:attrNameLst>
-                                      </p:cBhvr>
-                                      <p:to>
-                                        <p:strVal val="visible"/>
-                                      </p:to>
-                                    </p:set>
-                                    <p:animEffect transition="in" filter="fade">
-                                      <p:cBhvr>
-                                        <p:cTn id="42" dur="500"/>
-                                        <p:tgtEl>
-                                          <p:spTgt spid="37"/>
-                                        </p:tgtEl>
-                                      </p:cBhvr>
-                                    </p:animEffect>
-                                  </p:childTnLst>
-                                </p:cTn>
-                              </p:par>
-                            </p:childTnLst>
-                          </p:cTn>
-                        </p:par>
-                      </p:childTnLst>
-                    </p:cTn>
-                  </p:par>
-                  <p:par>
-                    <p:cTn id="43" fill="hold">
-                      <p:stCondLst>
-                        <p:cond delay="indefinite"/>
-                      </p:stCondLst>
-                      <p:childTnLst>
-                        <p:par>
-                          <p:cTn id="44" fill="hold">
-                            <p:stCondLst>
-                              <p:cond delay="0"/>
-                            </p:stCondLst>
-                            <p:childTnLst>
-                              <p:par>
-                                <p:cTn id="45" presetID="10" presetClass="entr" presetSubtype="0" fill="hold" nodeType="clickEffect">
-                                  <p:stCondLst>
-                                    <p:cond delay="0"/>
-                                  </p:stCondLst>
-                                  <p:childTnLst>
-                                    <p:set>
-                                      <p:cBhvr>
-                                        <p:cTn id="46" dur="1" fill="hold">
-                                          <p:stCondLst>
-                                            <p:cond delay="0"/>
-                                          </p:stCondLst>
-                                        </p:cTn>
-                                        <p:tgtEl>
-                                          <p:spTgt spid="20"/>
-                                        </p:tgtEl>
-                                        <p:attrNameLst>
-                                          <p:attrName>style.visibility</p:attrName>
-                                        </p:attrNameLst>
-                                      </p:cBhvr>
-                                      <p:to>
-                                        <p:strVal val="visible"/>
-                                      </p:to>
-                                    </p:set>
-                                    <p:animEffect transition="in" filter="fade">
-                                      <p:cBhvr>
-                                        <p:cTn id="47" dur="500"/>
-                                        <p:tgtEl>
-                                          <p:spTgt spid="20"/>
-                                        </p:tgtEl>
-                                      </p:cBhvr>
-                                    </p:animEffect>
-                                  </p:childTnLst>
-                                </p:cTn>
-                              </p:par>
-                              <p:par>
-                                <p:cTn id="48" presetID="10" presetClass="entr" presetSubtype="0" fill="hold" grpId="0" nodeType="withEffect">
-                                  <p:stCondLst>
-                                    <p:cond delay="0"/>
-                                  </p:stCondLst>
-                                  <p:childTnLst>
-                                    <p:set>
-                                      <p:cBhvr>
-                                        <p:cTn id="49" dur="1" fill="hold">
-                                          <p:stCondLst>
-                                            <p:cond delay="0"/>
-                                          </p:stCondLst>
-                                        </p:cTn>
-                                        <p:tgtEl>
-                                          <p:spTgt spid="22"/>
-                                        </p:tgtEl>
-                                        <p:attrNameLst>
-                                          <p:attrName>style.visibility</p:attrName>
-                                        </p:attrNameLst>
-                                      </p:cBhvr>
-                                      <p:to>
-                                        <p:strVal val="visible"/>
-                                      </p:to>
-                                    </p:set>
-                                    <p:animEffect transition="in" filter="fade">
-                                      <p:cBhvr>
-                                        <p:cTn id="50" dur="500"/>
-                                        <p:tgtEl>
-                                          <p:spTgt spid="22"/>
-                                        </p:tgtEl>
-                                      </p:cBhvr>
-                                    </p:animEffect>
-                                  </p:childTnLst>
-                                </p:cTn>
-                              </p:par>
-                            </p:childTnLst>
-                          </p:cTn>
-                        </p:par>
-                      </p:childTnLst>
-                    </p:cTn>
-                  </p:par>
-                  <p:par>
-                    <p:cTn id="51" fill="hold">
-                      <p:stCondLst>
-                        <p:cond delay="indefinite"/>
-                      </p:stCondLst>
-                      <p:childTnLst>
-                        <p:par>
-                          <p:cTn id="52" fill="hold">
-                            <p:stCondLst>
-                              <p:cond delay="0"/>
-                            </p:stCondLst>
-                            <p:childTnLst>
-                              <p:par>
-                                <p:cTn id="53" presetID="10" presetClass="entr" presetSubtype="0" fill="hold" nodeType="clickEffect">
-                                  <p:stCondLst>
-                                    <p:cond delay="0"/>
-                                  </p:stCondLst>
-                                  <p:childTnLst>
-                                    <p:set>
-                                      <p:cBhvr>
-                                        <p:cTn id="54" dur="1" fill="hold">
-                                          <p:stCondLst>
-                                            <p:cond delay="0"/>
-                                          </p:stCondLst>
-                                        </p:cTn>
-                                        <p:tgtEl>
-                                          <p:spTgt spid="23"/>
-                                        </p:tgtEl>
-                                        <p:attrNameLst>
-                                          <p:attrName>style.visibility</p:attrName>
-                                        </p:attrNameLst>
-                                      </p:cBhvr>
-                                      <p:to>
-                                        <p:strVal val="visible"/>
-                                      </p:to>
-                                    </p:set>
-                                    <p:animEffect transition="in" filter="fade">
-                                      <p:cBhvr>
-                                        <p:cTn id="55" dur="500"/>
-                                        <p:tgtEl>
-                                          <p:spTgt spid="23"/>
-                                        </p:tgtEl>
-                                      </p:cBhvr>
-                                    </p:animEffect>
-                                  </p:childTnLst>
-                                </p:cTn>
-                              </p:par>
-                              <p:par>
-                                <p:cTn id="56" presetID="10" presetClass="entr" presetSubtype="0" fill="hold" grpId="0" nodeType="withEffect">
-                                  <p:stCondLst>
-                                    <p:cond delay="0"/>
-                                  </p:stCondLst>
-                                  <p:childTnLst>
-                                    <p:set>
-                                      <p:cBhvr>
-                                        <p:cTn id="57" dur="1" fill="hold">
-                                          <p:stCondLst>
-                                            <p:cond delay="0"/>
-                                          </p:stCondLst>
-                                        </p:cTn>
-                                        <p:tgtEl>
-                                          <p:spTgt spid="24"/>
-                                        </p:tgtEl>
-                                        <p:attrNameLst>
-                                          <p:attrName>style.visibility</p:attrName>
-                                        </p:attrNameLst>
-                                      </p:cBhvr>
-                                      <p:to>
-                                        <p:strVal val="visible"/>
-                                      </p:to>
-                                    </p:set>
-                                    <p:animEffect transition="in" filter="fade">
-                                      <p:cBhvr>
-                                        <p:cTn id="58" dur="500"/>
-                                        <p:tgtEl>
-                                          <p:spTgt spid="24"/>
-                                        </p:tgtEl>
-                                      </p:cBhvr>
-                                    </p:animEffect>
-                                  </p:childTnLst>
-                                </p:cTn>
-                              </p:par>
-                            </p:childTnLst>
-                          </p:cTn>
-                        </p:par>
-                      </p:childTnLst>
-                    </p:cTn>
-                  </p:par>
-                  <p:par>
-                    <p:cTn id="59" fill="hold">
-                      <p:stCondLst>
-                        <p:cond delay="indefinite"/>
-                      </p:stCondLst>
-                      <p:childTnLst>
-                        <p:par>
-                          <p:cTn id="60" fill="hold">
-                            <p:stCondLst>
-                              <p:cond delay="0"/>
-                            </p:stCondLst>
-                            <p:childTnLst>
-                              <p:par>
-                                <p:cTn id="61" presetID="10" presetClass="entr" presetSubtype="0" fill="hold" nodeType="clickEffect">
-                                  <p:stCondLst>
-                                    <p:cond delay="0"/>
-                                  </p:stCondLst>
-                                  <p:childTnLst>
-                                    <p:set>
-                                      <p:cBhvr>
-                                        <p:cTn id="62" dur="1" fill="hold">
-                                          <p:stCondLst>
-                                            <p:cond delay="0"/>
-                                          </p:stCondLst>
-                                        </p:cTn>
-                                        <p:tgtEl>
-                                          <p:spTgt spid="25"/>
-                                        </p:tgtEl>
-                                        <p:attrNameLst>
-                                          <p:attrName>style.visibility</p:attrName>
-                                        </p:attrNameLst>
-                                      </p:cBhvr>
-                                      <p:to>
-                                        <p:strVal val="visible"/>
-                                      </p:to>
-                                    </p:set>
-                                    <p:animEffect transition="in" filter="fade">
-                                      <p:cBhvr>
-                                        <p:cTn id="63" dur="500"/>
-                                        <p:tgtEl>
-                                          <p:spTgt spid="25"/>
-                                        </p:tgtEl>
-                                      </p:cBhvr>
-                                    </p:animEffect>
-                                  </p:childTnLst>
-                                </p:cTn>
-                              </p:par>
-                              <p:par>
-                                <p:cTn id="64" presetID="10" presetClass="entr" presetSubtype="0" fill="hold" grpId="0" nodeType="withEffect">
-                                  <p:stCondLst>
-                                    <p:cond delay="0"/>
-                                  </p:stCondLst>
-                                  <p:childTnLst>
-                                    <p:set>
-                                      <p:cBhvr>
-                                        <p:cTn id="65" dur="1" fill="hold">
-                                          <p:stCondLst>
-                                            <p:cond delay="0"/>
-                                          </p:stCondLst>
-                                        </p:cTn>
-                                        <p:tgtEl>
-                                          <p:spTgt spid="27"/>
-                                        </p:tgtEl>
-                                        <p:attrNameLst>
-                                          <p:attrName>style.visibility</p:attrName>
-                                        </p:attrNameLst>
-                                      </p:cBhvr>
-                                      <p:to>
-                                        <p:strVal val="visible"/>
-                                      </p:to>
-                                    </p:set>
-                                    <p:animEffect transition="in" filter="fade">
-                                      <p:cBhvr>
-                                        <p:cTn id="66" dur="500"/>
-                                        <p:tgtEl>
-                                          <p:spTgt spid="27"/>
-                                        </p:tgtEl>
-                                      </p:cBhvr>
-                                    </p:animEffect>
-                                  </p:childTnLst>
-                                </p:cTn>
-                              </p:par>
-                            </p:childTnLst>
-                          </p:cTn>
-                        </p:par>
-                      </p:childTnLst>
-                    </p:cTn>
-                  </p:par>
-                  <p:par>
-                    <p:cTn id="67" fill="hold">
-                      <p:stCondLst>
-                        <p:cond delay="indefinite"/>
-                      </p:stCondLst>
-                      <p:childTnLst>
-                        <p:par>
-                          <p:cTn id="68" fill="hold">
-                            <p:stCondLst>
-                              <p:cond delay="0"/>
-                            </p:stCondLst>
-                            <p:childTnLst>
-                              <p:par>
-                                <p:cTn id="69" presetID="10" presetClass="entr" presetSubtype="0" fill="hold" nodeType="clickEffect">
-                                  <p:stCondLst>
-                                    <p:cond delay="0"/>
-                                  </p:stCondLst>
-                                  <p:childTnLst>
-                                    <p:set>
-                                      <p:cBhvr>
-                                        <p:cTn id="70" dur="1" fill="hold">
-                                          <p:stCondLst>
-                                            <p:cond delay="0"/>
-                                          </p:stCondLst>
-                                        </p:cTn>
-                                        <p:tgtEl>
-                                          <p:spTgt spid="28"/>
-                                        </p:tgtEl>
-                                        <p:attrNameLst>
-                                          <p:attrName>style.visibility</p:attrName>
-                                        </p:attrNameLst>
-                                      </p:cBhvr>
-                                      <p:to>
-                                        <p:strVal val="visible"/>
-                                      </p:to>
-                                    </p:set>
-                                    <p:animEffect transition="in" filter="fade">
-                                      <p:cBhvr>
-                                        <p:cTn id="71" dur="500"/>
-                                        <p:tgtEl>
-                                          <p:spTgt spid="28"/>
-                                        </p:tgtEl>
-                                      </p:cBhvr>
-                                    </p:animEffect>
-                                  </p:childTnLst>
-                                </p:cTn>
-                              </p:par>
-                              <p:par>
-                                <p:cTn id="72" presetID="10" presetClass="entr" presetSubtype="0" fill="hold" grpId="0" nodeType="withEffect">
-                                  <p:stCondLst>
-                                    <p:cond delay="0"/>
-                                  </p:stCondLst>
-                                  <p:childTnLst>
-                                    <p:set>
-                                      <p:cBhvr>
-                                        <p:cTn id="73" dur="1" fill="hold">
-                                          <p:stCondLst>
-                                            <p:cond delay="0"/>
-                                          </p:stCondLst>
-                                        </p:cTn>
-                                        <p:tgtEl>
-                                          <p:spTgt spid="29"/>
-                                        </p:tgtEl>
-                                        <p:attrNameLst>
-                                          <p:attrName>style.visibility</p:attrName>
-                                        </p:attrNameLst>
-                                      </p:cBhvr>
-                                      <p:to>
-                                        <p:strVal val="visible"/>
-                                      </p:to>
-                                    </p:set>
-                                    <p:animEffect transition="in" filter="fade">
-                                      <p:cBhvr>
-                                        <p:cTn id="74" dur="500"/>
-                                        <p:tgtEl>
-                                          <p:spTgt spid="29"/>
-                                        </p:tgtEl>
-                                      </p:cBhvr>
-                                    </p:animEffect>
-                                  </p:childTnLst>
-                                </p:cTn>
-                              </p:par>
-                            </p:childTnLst>
-                          </p:cTn>
-                        </p:par>
-                      </p:childTnLst>
-                    </p:cTn>
-                  </p:par>
-                </p:childTnLst>
-              </p:cTn>
-              <p:prevCondLst>
-                <p:cond evt="onPrev" delay="0">
-                  <p:tgtEl>
-                    <p:sldTgt/>
-                  </p:tgtEl>
-                </p:cond>
-              </p:prevCondLst>
-              <p:nextCondLst>
-                <p:cond evt="onNext" delay="0">
-                  <p:tgtEl>
-                    <p:sldTgt/>
-                  </p:tgtEl>
-                </p:cond>
-              </p:nextCondLst>
-            </p:seq>
-          </p:childTnLst>
-        </p:cTn>
-      </p:par>
-    </p:tnLst>
-    <p:bldLst>
-      <p:bldP spid="31" grpId="0"/>
-      <p:bldP spid="37" grpId="0"/>
-      <p:bldP spid="22" grpId="0"/>
-      <p:bldP spid="24" grpId="0"/>
-      <p:bldP spid="27" grpId="0"/>
       <p:bldP spid="29" grpId="0"/>
     </p:bldLst>
   </p:timing>

--- a/FromBiologyToComputers.pptx
+++ b/FromBiologyToComputers.pptx
@@ -5,12 +5,13 @@
     <p:sldMasterId id="2147483648" r:id="rId1"/>
   </p:sldMasterIdLst>
   <p:notesMasterIdLst>
-    <p:notesMasterId r:id="rId5"/>
+    <p:notesMasterId r:id="rId6"/>
   </p:notesMasterIdLst>
   <p:sldIdLst>
     <p:sldId id="256" r:id="rId2"/>
     <p:sldId id="313" r:id="rId3"/>
     <p:sldId id="312" r:id="rId4"/>
+    <p:sldId id="264" r:id="rId5"/>
   </p:sldIdLst>
   <p:sldSz cx="12192000" cy="6858000"/>
   <p:notesSz cx="6858000" cy="9144000"/>
@@ -121,6 +122,7 @@
           <p14:sldIdLst>
             <p14:sldId id="313"/>
             <p14:sldId id="312"/>
+            <p14:sldId id="264"/>
           </p14:sldIdLst>
         </p14:section>
       </p14:sectionLst>
@@ -638,6 +640,90 @@
     <p:extLst>
       <p:ext uri="{BB962C8B-B14F-4D97-AF65-F5344CB8AC3E}">
         <p14:creationId xmlns:p14="http://schemas.microsoft.com/office/powerpoint/2010/main" val="2712312342"/>
+      </p:ext>
+    </p:extLst>
+  </p:cSld>
+  <p:clrMapOvr>
+    <a:masterClrMapping/>
+  </p:clrMapOvr>
+</p:notes>
+</file>
+
+<file path=ppt/notesSlides/notesSlide3.xml><?xml version="1.0" encoding="utf-8"?>
+<p:notes xmlns:a="http://schemas.openxmlformats.org/drawingml/2006/main" xmlns:r="http://schemas.openxmlformats.org/officeDocument/2006/relationships" xmlns:p="http://schemas.openxmlformats.org/presentationml/2006/main">
+  <p:cSld>
+    <p:spTree>
+      <p:nvGrpSpPr>
+        <p:cNvPr id="1" name=""/>
+        <p:cNvGrpSpPr/>
+        <p:nvPr/>
+      </p:nvGrpSpPr>
+      <p:grpSpPr>
+        <a:xfrm>
+          <a:off x="0" y="0"/>
+          <a:ext cx="0" cy="0"/>
+          <a:chOff x="0" y="0"/>
+          <a:chExt cx="0" cy="0"/>
+        </a:xfrm>
+      </p:grpSpPr>
+      <p:sp>
+        <p:nvSpPr>
+          <p:cNvPr id="2" name="Slide Image Placeholder 1"/>
+          <p:cNvSpPr>
+            <a:spLocks noGrp="1" noRot="1" noChangeAspect="1"/>
+          </p:cNvSpPr>
+          <p:nvPr>
+            <p:ph type="sldImg"/>
+          </p:nvPr>
+        </p:nvSpPr>
+        <p:spPr/>
+      </p:sp>
+      <p:sp>
+        <p:nvSpPr>
+          <p:cNvPr id="3" name="Notes Placeholder 2"/>
+          <p:cNvSpPr>
+            <a:spLocks noGrp="1"/>
+          </p:cNvSpPr>
+          <p:nvPr>
+            <p:ph type="body" idx="1"/>
+          </p:nvPr>
+        </p:nvSpPr>
+        <p:spPr/>
+        <p:txBody>
+          <a:bodyPr/>
+          <a:lstStyle/>
+          <a:p>
+            <a:endParaRPr lang="fr-FR" noProof="0" dirty="0"/>
+          </a:p>
+        </p:txBody>
+      </p:sp>
+      <p:sp>
+        <p:nvSpPr>
+          <p:cNvPr id="4" name="Slide Number Placeholder 3"/>
+          <p:cNvSpPr>
+            <a:spLocks noGrp="1"/>
+          </p:cNvSpPr>
+          <p:nvPr>
+            <p:ph type="sldNum" sz="quarter" idx="5"/>
+          </p:nvPr>
+        </p:nvSpPr>
+        <p:spPr/>
+        <p:txBody>
+          <a:bodyPr/>
+          <a:lstStyle/>
+          <a:p>
+            <a:fld id="{E4A24938-BD76-4D94-ABC1-81818C90BE90}" type="slidenum">
+              <a:rPr lang="en-US" smtClean="0"/>
+              <a:t>4</a:t>
+            </a:fld>
+            <a:endParaRPr lang="en-US"/>
+          </a:p>
+        </p:txBody>
+      </p:sp>
+    </p:spTree>
+    <p:extLst>
+      <p:ext uri="{BB962C8B-B14F-4D97-AF65-F5344CB8AC3E}">
+        <p14:creationId xmlns:p14="http://schemas.microsoft.com/office/powerpoint/2010/main" val="3934001869"/>
       </p:ext>
     </p:extLst>
   </p:cSld>
@@ -5225,6 +5311,844 @@
       <p:bldP spid="27" grpId="0"/>
       <p:bldP spid="28" grpId="0"/>
       <p:bldP spid="29" grpId="0"/>
+    </p:bldLst>
+  </p:timing>
+</p:sld>
+</file>
+
+<file path=ppt/slides/slide4.xml><?xml version="1.0" encoding="utf-8"?>
+<p:sld xmlns:a="http://schemas.openxmlformats.org/drawingml/2006/main" xmlns:r="http://schemas.openxmlformats.org/officeDocument/2006/relationships" xmlns:p="http://schemas.openxmlformats.org/presentationml/2006/main">
+  <p:cSld>
+    <p:spTree>
+      <p:nvGrpSpPr>
+        <p:cNvPr id="1" name=""/>
+        <p:cNvGrpSpPr/>
+        <p:nvPr/>
+      </p:nvGrpSpPr>
+      <p:grpSpPr>
+        <a:xfrm>
+          <a:off x="0" y="0"/>
+          <a:ext cx="0" cy="0"/>
+          <a:chOff x="0" y="0"/>
+          <a:chExt cx="0" cy="0"/>
+        </a:xfrm>
+      </p:grpSpPr>
+      <p:sp>
+        <p:nvSpPr>
+          <p:cNvPr id="2" name="Title 1">
+            <a:extLst>
+              <a:ext uri="{FF2B5EF4-FFF2-40B4-BE49-F238E27FC236}">
+                <a16:creationId xmlns:a16="http://schemas.microsoft.com/office/drawing/2014/main" id="{706C935F-66C6-5769-3D38-E3AEA8C9993C}"/>
+              </a:ext>
+            </a:extLst>
+          </p:cNvPr>
+          <p:cNvSpPr>
+            <a:spLocks noGrp="1"/>
+          </p:cNvSpPr>
+          <p:nvPr>
+            <p:ph type="title"/>
+          </p:nvPr>
+        </p:nvSpPr>
+        <p:spPr/>
+        <p:txBody>
+          <a:bodyPr/>
+          <a:lstStyle/>
+          <a:p>
+            <a:r>
+              <a:rPr lang="en-US" dirty="0"/>
+              <a:t>Synaptic integration</a:t>
+            </a:r>
+          </a:p>
+        </p:txBody>
+      </p:sp>
+      <p:grpSp>
+        <p:nvGrpSpPr>
+          <p:cNvPr id="10" name="Group 9">
+            <a:extLst>
+              <a:ext uri="{FF2B5EF4-FFF2-40B4-BE49-F238E27FC236}">
+                <a16:creationId xmlns:a16="http://schemas.microsoft.com/office/drawing/2014/main" id="{029BE3A8-A7EB-595A-24DD-CB08D616B730}"/>
+              </a:ext>
+            </a:extLst>
+          </p:cNvPr>
+          <p:cNvGrpSpPr/>
+          <p:nvPr/>
+        </p:nvGrpSpPr>
+        <p:grpSpPr>
+          <a:xfrm rot="10800000">
+            <a:off x="1304910" y="1879493"/>
+            <a:ext cx="7229489" cy="4365732"/>
+            <a:chOff x="923911" y="1365996"/>
+            <a:chExt cx="6623698" cy="3999908"/>
+          </a:xfrm>
+        </p:grpSpPr>
+        <p:pic>
+          <p:nvPicPr>
+            <p:cNvPr id="4" name="Picture 3">
+              <a:extLst>
+                <a:ext uri="{FF2B5EF4-FFF2-40B4-BE49-F238E27FC236}">
+                  <a16:creationId xmlns:a16="http://schemas.microsoft.com/office/drawing/2014/main" id="{A95F52F9-FBFA-F0AB-6E83-B43478E01746}"/>
+                </a:ext>
+              </a:extLst>
+            </p:cNvPr>
+            <p:cNvPicPr>
+              <a:picLocks noChangeAspect="1"/>
+            </p:cNvPicPr>
+            <p:nvPr/>
+          </p:nvPicPr>
+          <p:blipFill>
+            <a:blip r:embed="rId3"/>
+            <a:stretch>
+              <a:fillRect/>
+            </a:stretch>
+          </p:blipFill>
+          <p:spPr>
+            <a:xfrm>
+              <a:off x="923911" y="2471039"/>
+              <a:ext cx="3366149" cy="1361486"/>
+            </a:xfrm>
+            <a:prstGeom prst="rect">
+              <a:avLst/>
+            </a:prstGeom>
+          </p:spPr>
+        </p:pic>
+        <p:pic>
+          <p:nvPicPr>
+            <p:cNvPr id="6" name="Picture 5">
+              <a:extLst>
+                <a:ext uri="{FF2B5EF4-FFF2-40B4-BE49-F238E27FC236}">
+                  <a16:creationId xmlns:a16="http://schemas.microsoft.com/office/drawing/2014/main" id="{BDD48A01-C7C1-FC28-91C1-44C67E3E5156}"/>
+                </a:ext>
+              </a:extLst>
+            </p:cNvPr>
+            <p:cNvPicPr>
+              <a:picLocks noChangeAspect="1"/>
+            </p:cNvPicPr>
+            <p:nvPr/>
+          </p:nvPicPr>
+          <p:blipFill>
+            <a:blip r:embed="rId3"/>
+            <a:stretch>
+              <a:fillRect/>
+            </a:stretch>
+          </p:blipFill>
+          <p:spPr>
+            <a:xfrm rot="941488">
+              <a:off x="3162288" y="4004418"/>
+              <a:ext cx="3366146" cy="1361486"/>
+            </a:xfrm>
+            <a:prstGeom prst="rect">
+              <a:avLst/>
+            </a:prstGeom>
+          </p:spPr>
+        </p:pic>
+        <p:pic>
+          <p:nvPicPr>
+            <p:cNvPr id="7" name="Picture 6">
+              <a:extLst>
+                <a:ext uri="{FF2B5EF4-FFF2-40B4-BE49-F238E27FC236}">
+                  <a16:creationId xmlns:a16="http://schemas.microsoft.com/office/drawing/2014/main" id="{BDBBA70A-97C6-BBDA-E7F3-C01F4DF28F20}"/>
+                </a:ext>
+              </a:extLst>
+            </p:cNvPr>
+            <p:cNvPicPr>
+              <a:picLocks noChangeAspect="1"/>
+            </p:cNvPicPr>
+            <p:nvPr/>
+          </p:nvPicPr>
+          <p:blipFill>
+            <a:blip r:embed="rId3"/>
+            <a:stretch>
+              <a:fillRect/>
+            </a:stretch>
+          </p:blipFill>
+          <p:spPr>
+            <a:xfrm rot="21445380" flipV="1">
+              <a:off x="3664569" y="1365996"/>
+              <a:ext cx="3366147" cy="1361486"/>
+            </a:xfrm>
+            <a:prstGeom prst="rect">
+              <a:avLst/>
+            </a:prstGeom>
+          </p:spPr>
+        </p:pic>
+        <p:pic>
+          <p:nvPicPr>
+            <p:cNvPr id="9" name="Picture 8">
+              <a:extLst>
+                <a:ext uri="{FF2B5EF4-FFF2-40B4-BE49-F238E27FC236}">
+                  <a16:creationId xmlns:a16="http://schemas.microsoft.com/office/drawing/2014/main" id="{B8BFE8A0-5540-E6BE-9B9E-6F63CA93EA80}"/>
+                </a:ext>
+              </a:extLst>
+            </p:cNvPr>
+            <p:cNvPicPr>
+              <a:picLocks noChangeAspect="1"/>
+            </p:cNvPicPr>
+            <p:nvPr/>
+          </p:nvPicPr>
+          <p:blipFill>
+            <a:blip r:embed="rId3"/>
+            <a:stretch>
+              <a:fillRect/>
+            </a:stretch>
+          </p:blipFill>
+          <p:spPr>
+            <a:xfrm rot="21083102">
+              <a:off x="4181462" y="2748256"/>
+              <a:ext cx="3366147" cy="1361486"/>
+            </a:xfrm>
+            <a:prstGeom prst="rect">
+              <a:avLst/>
+            </a:prstGeom>
+          </p:spPr>
+        </p:pic>
+      </p:grpSp>
+      <p:sp>
+        <p:nvSpPr>
+          <p:cNvPr id="11" name="Oval 10">
+            <a:extLst>
+              <a:ext uri="{FF2B5EF4-FFF2-40B4-BE49-F238E27FC236}">
+                <a16:creationId xmlns:a16="http://schemas.microsoft.com/office/drawing/2014/main" id="{FF424C1F-1247-45CF-A9FD-4D104B9D6A22}"/>
+              </a:ext>
+            </a:extLst>
+          </p:cNvPr>
+          <p:cNvSpPr/>
+          <p:nvPr/>
+        </p:nvSpPr>
+        <p:spPr>
+          <a:xfrm>
+            <a:off x="3155950" y="2285775"/>
+            <a:ext cx="190725" cy="190725"/>
+          </a:xfrm>
+          <a:prstGeom prst="ellipse">
+            <a:avLst/>
+          </a:prstGeom>
+          <a:solidFill>
+            <a:srgbClr val="FF0000"/>
+          </a:solidFill>
+          <a:ln>
+            <a:noFill/>
+          </a:ln>
+        </p:spPr>
+        <p:style>
+          <a:lnRef idx="2">
+            <a:schemeClr val="accent1">
+              <a:shade val="50000"/>
+            </a:schemeClr>
+          </a:lnRef>
+          <a:fillRef idx="1">
+            <a:schemeClr val="accent1"/>
+          </a:fillRef>
+          <a:effectRef idx="0">
+            <a:schemeClr val="accent1"/>
+          </a:effectRef>
+          <a:fontRef idx="minor">
+            <a:schemeClr val="lt1"/>
+          </a:fontRef>
+        </p:style>
+        <p:txBody>
+          <a:bodyPr rtlCol="0" anchor="ctr"/>
+          <a:lstStyle/>
+          <a:p>
+            <a:pPr algn="ctr"/>
+            <a:endParaRPr lang="en-US"/>
+          </a:p>
+        </p:txBody>
+      </p:sp>
+      <mc:AlternateContent xmlns:mc="http://schemas.openxmlformats.org/markup-compatibility/2006" xmlns:a14="http://schemas.microsoft.com/office/drawing/2010/main">
+        <mc:Choice Requires="a14">
+          <p:sp>
+            <p:nvSpPr>
+              <p:cNvPr id="3" name="TextBox 2">
+                <a:extLst>
+                  <a:ext uri="{FF2B5EF4-FFF2-40B4-BE49-F238E27FC236}">
+                    <a16:creationId xmlns:a16="http://schemas.microsoft.com/office/drawing/2014/main" id="{2A17D6B5-85E8-3BD8-E86E-40E6670F110D}"/>
+                  </a:ext>
+                </a:extLst>
+              </p:cNvPr>
+              <p:cNvSpPr txBox="1"/>
+              <p:nvPr/>
+            </p:nvSpPr>
+            <p:spPr>
+              <a:xfrm>
+                <a:off x="6223793" y="3754222"/>
+                <a:ext cx="494045" cy="369332"/>
+              </a:xfrm>
+              <a:prstGeom prst="rect">
+                <a:avLst/>
+              </a:prstGeom>
+              <a:noFill/>
+            </p:spPr>
+            <p:txBody>
+              <a:bodyPr wrap="none" rtlCol="0">
+                <a:spAutoFit/>
+              </a:bodyPr>
+              <a:lstStyle/>
+              <a:p>
+                <a:pPr/>
+                <a14:m>
+                  <m:oMathPara xmlns:m="http://schemas.openxmlformats.org/officeDocument/2006/math">
+                    <m:oMathParaPr>
+                      <m:jc m:val="centerGroup"/>
+                    </m:oMathParaPr>
+                    <m:oMath xmlns:m="http://schemas.openxmlformats.org/officeDocument/2006/math">
+                      <m:sSub>
+                        <m:sSubPr>
+                          <m:ctrlPr>
+                            <a:rPr lang="fr-FR" b="0" i="1" smtClean="0">
+                              <a:latin typeface="Cambria Math" panose="02040503050406030204" pitchFamily="18" charset="0"/>
+                            </a:rPr>
+                          </m:ctrlPr>
+                        </m:sSubPr>
+                        <m:e>
+                          <m:r>
+                            <a:rPr lang="fr-FR" b="0" i="1" smtClean="0">
+                              <a:latin typeface="Cambria Math" panose="02040503050406030204" pitchFamily="18" charset="0"/>
+                            </a:rPr>
+                            <m:t>𝑁</m:t>
+                          </m:r>
+                        </m:e>
+                        <m:sub>
+                          <m:r>
+                            <a:rPr lang="fr-FR" b="0" i="1" smtClean="0">
+                              <a:latin typeface="Cambria Math" panose="02040503050406030204" pitchFamily="18" charset="0"/>
+                            </a:rPr>
+                            <m:t>0</m:t>
+                          </m:r>
+                        </m:sub>
+                      </m:sSub>
+                    </m:oMath>
+                  </m:oMathPara>
+                </a14:m>
+                <a:endParaRPr lang="fr-FR" b="0" dirty="0"/>
+              </a:p>
+            </p:txBody>
+          </p:sp>
+        </mc:Choice>
+        <mc:Fallback xmlns="">
+          <p:sp>
+            <p:nvSpPr>
+              <p:cNvPr id="3" name="TextBox 2">
+                <a:extLst>
+                  <a:ext uri="{FF2B5EF4-FFF2-40B4-BE49-F238E27FC236}">
+                    <a16:creationId xmlns:a16="http://schemas.microsoft.com/office/drawing/2014/main" id="{2A17D6B5-85E8-3BD8-E86E-40E6670F110D}"/>
+                  </a:ext>
+                </a:extLst>
+              </p:cNvPr>
+              <p:cNvSpPr txBox="1">
+                <a:spLocks noRot="1" noChangeAspect="1" noMove="1" noResize="1" noEditPoints="1" noAdjustHandles="1" noChangeArrowheads="1" noChangeShapeType="1" noTextEdit="1"/>
+              </p:cNvSpPr>
+              <p:nvPr/>
+            </p:nvSpPr>
+            <p:spPr>
+              <a:xfrm>
+                <a:off x="6223793" y="3754222"/>
+                <a:ext cx="494045" cy="369332"/>
+              </a:xfrm>
+              <a:prstGeom prst="rect">
+                <a:avLst/>
+              </a:prstGeom>
+              <a:blipFill>
+                <a:blip r:embed="rId4"/>
+                <a:stretch>
+                  <a:fillRect/>
+                </a:stretch>
+              </a:blipFill>
+            </p:spPr>
+            <p:txBody>
+              <a:bodyPr/>
+              <a:lstStyle/>
+              <a:p>
+                <a:r>
+                  <a:rPr lang="en-US">
+                    <a:noFill/>
+                  </a:rPr>
+                  <a:t> </a:t>
+                </a:r>
+              </a:p>
+            </p:txBody>
+          </p:sp>
+        </mc:Fallback>
+      </mc:AlternateContent>
+      <mc:AlternateContent xmlns:mc="http://schemas.openxmlformats.org/markup-compatibility/2006" xmlns:a14="http://schemas.microsoft.com/office/drawing/2010/main">
+        <mc:Choice Requires="a14">
+          <p:sp>
+            <p:nvSpPr>
+              <p:cNvPr id="12" name="TextBox 11">
+                <a:extLst>
+                  <a:ext uri="{FF2B5EF4-FFF2-40B4-BE49-F238E27FC236}">
+                    <a16:creationId xmlns:a16="http://schemas.microsoft.com/office/drawing/2014/main" id="{49C191BF-87D4-F951-3A29-C2CA3848A2E5}"/>
+                  </a:ext>
+                </a:extLst>
+              </p:cNvPr>
+              <p:cNvSpPr txBox="1"/>
+              <p:nvPr/>
+            </p:nvSpPr>
+            <p:spPr>
+              <a:xfrm>
+                <a:off x="2231655" y="2107168"/>
+                <a:ext cx="488724" cy="369332"/>
+              </a:xfrm>
+              <a:prstGeom prst="rect">
+                <a:avLst/>
+              </a:prstGeom>
+              <a:noFill/>
+            </p:spPr>
+            <p:txBody>
+              <a:bodyPr wrap="none" rtlCol="0">
+                <a:spAutoFit/>
+              </a:bodyPr>
+              <a:lstStyle/>
+              <a:p>
+                <a:pPr/>
+                <a14:m>
+                  <m:oMathPara xmlns:m="http://schemas.openxmlformats.org/officeDocument/2006/math">
+                    <m:oMathParaPr>
+                      <m:jc m:val="centerGroup"/>
+                    </m:oMathParaPr>
+                    <m:oMath xmlns:m="http://schemas.openxmlformats.org/officeDocument/2006/math">
+                      <m:sSub>
+                        <m:sSubPr>
+                          <m:ctrlPr>
+                            <a:rPr lang="fr-FR" b="0" i="1" smtClean="0">
+                              <a:latin typeface="Cambria Math" panose="02040503050406030204" pitchFamily="18" charset="0"/>
+                            </a:rPr>
+                          </m:ctrlPr>
+                        </m:sSubPr>
+                        <m:e>
+                          <m:r>
+                            <a:rPr lang="fr-FR" b="0" i="1" smtClean="0">
+                              <a:latin typeface="Cambria Math" panose="02040503050406030204" pitchFamily="18" charset="0"/>
+                            </a:rPr>
+                            <m:t>𝑁</m:t>
+                          </m:r>
+                        </m:e>
+                        <m:sub>
+                          <m:r>
+                            <a:rPr lang="fr-FR" b="0" i="1" smtClean="0">
+                              <a:latin typeface="Cambria Math" panose="02040503050406030204" pitchFamily="18" charset="0"/>
+                            </a:rPr>
+                            <m:t>1</m:t>
+                          </m:r>
+                        </m:sub>
+                      </m:sSub>
+                    </m:oMath>
+                  </m:oMathPara>
+                </a14:m>
+                <a:endParaRPr lang="fr-FR" b="0" dirty="0"/>
+              </a:p>
+            </p:txBody>
+          </p:sp>
+        </mc:Choice>
+        <mc:Fallback xmlns="">
+          <p:sp>
+            <p:nvSpPr>
+              <p:cNvPr id="12" name="TextBox 11">
+                <a:extLst>
+                  <a:ext uri="{FF2B5EF4-FFF2-40B4-BE49-F238E27FC236}">
+                    <a16:creationId xmlns:a16="http://schemas.microsoft.com/office/drawing/2014/main" id="{49C191BF-87D4-F951-3A29-C2CA3848A2E5}"/>
+                  </a:ext>
+                </a:extLst>
+              </p:cNvPr>
+              <p:cNvSpPr txBox="1">
+                <a:spLocks noRot="1" noChangeAspect="1" noMove="1" noResize="1" noEditPoints="1" noAdjustHandles="1" noChangeArrowheads="1" noChangeShapeType="1" noTextEdit="1"/>
+              </p:cNvSpPr>
+              <p:nvPr/>
+            </p:nvSpPr>
+            <p:spPr>
+              <a:xfrm>
+                <a:off x="2231655" y="2107168"/>
+                <a:ext cx="488724" cy="369332"/>
+              </a:xfrm>
+              <a:prstGeom prst="rect">
+                <a:avLst/>
+              </a:prstGeom>
+              <a:blipFill>
+                <a:blip r:embed="rId5"/>
+                <a:stretch>
+                  <a:fillRect/>
+                </a:stretch>
+              </a:blipFill>
+            </p:spPr>
+            <p:txBody>
+              <a:bodyPr/>
+              <a:lstStyle/>
+              <a:p>
+                <a:r>
+                  <a:rPr lang="en-US">
+                    <a:noFill/>
+                  </a:rPr>
+                  <a:t> </a:t>
+                </a:r>
+              </a:p>
+            </p:txBody>
+          </p:sp>
+        </mc:Fallback>
+      </mc:AlternateContent>
+      <mc:AlternateContent xmlns:mc="http://schemas.openxmlformats.org/markup-compatibility/2006" xmlns:a14="http://schemas.microsoft.com/office/drawing/2010/main">
+        <mc:Choice Requires="a14">
+          <p:sp>
+            <p:nvSpPr>
+              <p:cNvPr id="13" name="TextBox 12">
+                <a:extLst>
+                  <a:ext uri="{FF2B5EF4-FFF2-40B4-BE49-F238E27FC236}">
+                    <a16:creationId xmlns:a16="http://schemas.microsoft.com/office/drawing/2014/main" id="{4D6FE56D-F4CB-3426-086C-D1DA1CF9B3EB}"/>
+                  </a:ext>
+                </a:extLst>
+              </p:cNvPr>
+              <p:cNvSpPr txBox="1"/>
+              <p:nvPr/>
+            </p:nvSpPr>
+            <p:spPr>
+              <a:xfrm>
+                <a:off x="1851013" y="5946155"/>
+                <a:ext cx="494046" cy="369332"/>
+              </a:xfrm>
+              <a:prstGeom prst="rect">
+                <a:avLst/>
+              </a:prstGeom>
+              <a:noFill/>
+            </p:spPr>
+            <p:txBody>
+              <a:bodyPr wrap="none" rtlCol="0">
+                <a:spAutoFit/>
+              </a:bodyPr>
+              <a:lstStyle/>
+              <a:p>
+                <a:pPr/>
+                <a14:m>
+                  <m:oMathPara xmlns:m="http://schemas.openxmlformats.org/officeDocument/2006/math">
+                    <m:oMathParaPr>
+                      <m:jc m:val="centerGroup"/>
+                    </m:oMathParaPr>
+                    <m:oMath xmlns:m="http://schemas.openxmlformats.org/officeDocument/2006/math">
+                      <m:sSub>
+                        <m:sSubPr>
+                          <m:ctrlPr>
+                            <a:rPr lang="fr-FR" b="0" i="1" smtClean="0">
+                              <a:latin typeface="Cambria Math" panose="02040503050406030204" pitchFamily="18" charset="0"/>
+                            </a:rPr>
+                          </m:ctrlPr>
+                        </m:sSubPr>
+                        <m:e>
+                          <m:r>
+                            <a:rPr lang="fr-FR" b="0" i="1" smtClean="0">
+                              <a:latin typeface="Cambria Math" panose="02040503050406030204" pitchFamily="18" charset="0"/>
+                            </a:rPr>
+                            <m:t>𝑁</m:t>
+                          </m:r>
+                        </m:e>
+                        <m:sub>
+                          <m:r>
+                            <a:rPr lang="fr-FR" b="0" i="1" smtClean="0">
+                              <a:latin typeface="Cambria Math" panose="02040503050406030204" pitchFamily="18" charset="0"/>
+                            </a:rPr>
+                            <m:t>3</m:t>
+                          </m:r>
+                        </m:sub>
+                      </m:sSub>
+                    </m:oMath>
+                  </m:oMathPara>
+                </a14:m>
+                <a:endParaRPr lang="fr-FR" b="0" dirty="0"/>
+              </a:p>
+            </p:txBody>
+          </p:sp>
+        </mc:Choice>
+        <mc:Fallback xmlns="">
+          <p:sp>
+            <p:nvSpPr>
+              <p:cNvPr id="13" name="TextBox 12">
+                <a:extLst>
+                  <a:ext uri="{FF2B5EF4-FFF2-40B4-BE49-F238E27FC236}">
+                    <a16:creationId xmlns:a16="http://schemas.microsoft.com/office/drawing/2014/main" id="{4D6FE56D-F4CB-3426-086C-D1DA1CF9B3EB}"/>
+                  </a:ext>
+                </a:extLst>
+              </p:cNvPr>
+              <p:cNvSpPr txBox="1">
+                <a:spLocks noRot="1" noChangeAspect="1" noMove="1" noResize="1" noEditPoints="1" noAdjustHandles="1" noChangeArrowheads="1" noChangeShapeType="1" noTextEdit="1"/>
+              </p:cNvSpPr>
+              <p:nvPr/>
+            </p:nvSpPr>
+            <p:spPr>
+              <a:xfrm>
+                <a:off x="1851013" y="5946155"/>
+                <a:ext cx="494046" cy="369332"/>
+              </a:xfrm>
+              <a:prstGeom prst="rect">
+                <a:avLst/>
+              </a:prstGeom>
+              <a:blipFill>
+                <a:blip r:embed="rId6"/>
+                <a:stretch>
+                  <a:fillRect/>
+                </a:stretch>
+              </a:blipFill>
+            </p:spPr>
+            <p:txBody>
+              <a:bodyPr/>
+              <a:lstStyle/>
+              <a:p>
+                <a:r>
+                  <a:rPr lang="en-US">
+                    <a:noFill/>
+                  </a:rPr>
+                  <a:t> </a:t>
+                </a:r>
+              </a:p>
+            </p:txBody>
+          </p:sp>
+        </mc:Fallback>
+      </mc:AlternateContent>
+      <mc:AlternateContent xmlns:mc="http://schemas.openxmlformats.org/markup-compatibility/2006" xmlns:a14="http://schemas.microsoft.com/office/drawing/2010/main">
+        <mc:Choice Requires="a14">
+          <p:sp>
+            <p:nvSpPr>
+              <p:cNvPr id="14" name="TextBox 13">
+                <a:extLst>
+                  <a:ext uri="{FF2B5EF4-FFF2-40B4-BE49-F238E27FC236}">
+                    <a16:creationId xmlns:a16="http://schemas.microsoft.com/office/drawing/2014/main" id="{97269C53-6EF7-A3AD-94A9-766BD9D0A834}"/>
+                  </a:ext>
+                </a:extLst>
+              </p:cNvPr>
+              <p:cNvSpPr txBox="1"/>
+              <p:nvPr/>
+            </p:nvSpPr>
+            <p:spPr>
+              <a:xfrm>
+                <a:off x="1148455" y="3433041"/>
+                <a:ext cx="494046" cy="369332"/>
+              </a:xfrm>
+              <a:prstGeom prst="rect">
+                <a:avLst/>
+              </a:prstGeom>
+              <a:noFill/>
+            </p:spPr>
+            <p:txBody>
+              <a:bodyPr wrap="none" rtlCol="0">
+                <a:spAutoFit/>
+              </a:bodyPr>
+              <a:lstStyle/>
+              <a:p>
+                <a:pPr/>
+                <a14:m>
+                  <m:oMathPara xmlns:m="http://schemas.openxmlformats.org/officeDocument/2006/math">
+                    <m:oMathParaPr>
+                      <m:jc m:val="centerGroup"/>
+                    </m:oMathParaPr>
+                    <m:oMath xmlns:m="http://schemas.openxmlformats.org/officeDocument/2006/math">
+                      <m:sSub>
+                        <m:sSubPr>
+                          <m:ctrlPr>
+                            <a:rPr lang="fr-FR" b="0" i="1" smtClean="0">
+                              <a:latin typeface="Cambria Math" panose="02040503050406030204" pitchFamily="18" charset="0"/>
+                            </a:rPr>
+                          </m:ctrlPr>
+                        </m:sSubPr>
+                        <m:e>
+                          <m:r>
+                            <a:rPr lang="fr-FR" b="0" i="1" smtClean="0">
+                              <a:latin typeface="Cambria Math" panose="02040503050406030204" pitchFamily="18" charset="0"/>
+                            </a:rPr>
+                            <m:t>𝑁</m:t>
+                          </m:r>
+                        </m:e>
+                        <m:sub>
+                          <m:r>
+                            <a:rPr lang="fr-FR" b="0" i="1" smtClean="0">
+                              <a:latin typeface="Cambria Math" panose="02040503050406030204" pitchFamily="18" charset="0"/>
+                            </a:rPr>
+                            <m:t>2</m:t>
+                          </m:r>
+                        </m:sub>
+                      </m:sSub>
+                    </m:oMath>
+                  </m:oMathPara>
+                </a14:m>
+                <a:endParaRPr lang="fr-FR" b="0" dirty="0"/>
+              </a:p>
+            </p:txBody>
+          </p:sp>
+        </mc:Choice>
+        <mc:Fallback xmlns="">
+          <p:sp>
+            <p:nvSpPr>
+              <p:cNvPr id="14" name="TextBox 13">
+                <a:extLst>
+                  <a:ext uri="{FF2B5EF4-FFF2-40B4-BE49-F238E27FC236}">
+                    <a16:creationId xmlns:a16="http://schemas.microsoft.com/office/drawing/2014/main" id="{97269C53-6EF7-A3AD-94A9-766BD9D0A834}"/>
+                  </a:ext>
+                </a:extLst>
+              </p:cNvPr>
+              <p:cNvSpPr txBox="1">
+                <a:spLocks noRot="1" noChangeAspect="1" noMove="1" noResize="1" noEditPoints="1" noAdjustHandles="1" noChangeArrowheads="1" noChangeShapeType="1" noTextEdit="1"/>
+              </p:cNvSpPr>
+              <p:nvPr/>
+            </p:nvSpPr>
+            <p:spPr>
+              <a:xfrm>
+                <a:off x="1148455" y="3433041"/>
+                <a:ext cx="494046" cy="369332"/>
+              </a:xfrm>
+              <a:prstGeom prst="rect">
+                <a:avLst/>
+              </a:prstGeom>
+              <a:blipFill>
+                <a:blip r:embed="rId7"/>
+                <a:stretch>
+                  <a:fillRect/>
+                </a:stretch>
+              </a:blipFill>
+            </p:spPr>
+            <p:txBody>
+              <a:bodyPr/>
+              <a:lstStyle/>
+              <a:p>
+                <a:r>
+                  <a:rPr lang="en-US">
+                    <a:noFill/>
+                  </a:rPr>
+                  <a:t> </a:t>
+                </a:r>
+              </a:p>
+            </p:txBody>
+          </p:sp>
+        </mc:Fallback>
+      </mc:AlternateContent>
+    </p:spTree>
+    <p:extLst>
+      <p:ext uri="{BB962C8B-B14F-4D97-AF65-F5344CB8AC3E}">
+        <p14:creationId xmlns:p14="http://schemas.microsoft.com/office/powerpoint/2010/main" val="3145658015"/>
+      </p:ext>
+    </p:extLst>
+  </p:cSld>
+  <p:clrMapOvr>
+    <a:masterClrMapping/>
+  </p:clrMapOvr>
+  <p:timing>
+    <p:tnLst>
+      <p:par>
+        <p:cTn id="1" dur="indefinite" restart="never" nodeType="tmRoot">
+          <p:childTnLst>
+            <p:seq concurrent="1" nextAc="seek">
+              <p:cTn id="2" dur="indefinite" nodeType="mainSeq">
+                <p:childTnLst>
+                  <p:par>
+                    <p:cTn id="3" fill="hold">
+                      <p:stCondLst>
+                        <p:cond delay="indefinite"/>
+                      </p:stCondLst>
+                      <p:childTnLst>
+                        <p:par>
+                          <p:cTn id="4" fill="hold">
+                            <p:stCondLst>
+                              <p:cond delay="0"/>
+                            </p:stCondLst>
+                            <p:childTnLst>
+                              <p:par>
+                                <p:cTn id="5" presetID="0" presetClass="path" presetSubtype="0" accel="50000" decel="50000" fill="hold" grpId="0" nodeType="clickEffect">
+                                  <p:stCondLst>
+                                    <p:cond delay="0"/>
+                                  </p:stCondLst>
+                                  <p:childTnLst>
+                                    <p:animMotion origin="layout" path="M 3.33333E-6 -2.22222E-6 L 3.33333E-6 -2.22222E-6 C 0.00091 -2.22222E-6 0.00208 0.0007 0.00325 0.00139 C 0.0039 0.00162 0.00481 0.00185 0.0056 0.00232 C 0.00599 0.00232 0.00638 0.00278 0.0069 0.00324 C 0.00755 0.00347 0.00911 0.00371 0.00976 0.00417 C 0.0108 0.0044 0.01172 0.00509 0.01289 0.00556 C 0.01328 0.00556 0.01367 0.00579 0.01419 0.00602 C 0.0151 0.00625 0.01536 0.00648 0.01653 0.00695 C 0.01718 0.00695 0.0181 0.00718 0.01888 0.00741 C 0.02135 0.00834 0.02369 0.00949 0.02643 0.01019 C 0.02721 0.01019 0.02799 0.01042 0.02877 0.01065 C 0.02929 0.01065 0.02968 0.01088 0.03034 0.01111 C 0.03086 0.01111 0.03151 0.01134 0.03216 0.01181 C 0.03268 0.01181 0.0332 0.01204 0.03372 0.01227 C 0.03398 0.01227 0.03437 0.0125 0.03476 0.01273 C 0.03541 0.01273 0.03632 0.01297 0.03711 0.0132 C 0.03867 0.01343 0.03802 0.01343 0.03945 0.01412 C 0.04192 0.01459 0.03997 0.01412 0.04284 0.01482 C 0.0431 0.01482 0.04349 0.01505 0.04388 0.01528 C 0.0444 0.01528 0.04505 0.01551 0.0457 0.01574 C 0.04726 0.01667 0.04557 0.01574 0.04856 0.01667 C 0.04882 0.01667 0.04922 0.0169 0.04961 0.01713 C 0.05039 0.01736 0.0513 0.01759 0.05221 0.01806 L 0.05403 0.01898 C 0.05429 0.01898 0.05455 0.01922 0.05481 0.01945 C 0.05534 0.01968 0.05586 0.02014 0.05638 0.02084 C 0.05664 0.02107 0.05677 0.02153 0.05716 0.02176 C 0.05768 0.02199 0.05833 0.02222 0.05898 0.02269 C 0.05937 0.02315 0.05976 0.02384 0.06028 0.02431 C 0.06185 0.0257 0.06106 0.02454 0.06237 0.02616 C 0.06653 0.03148 0.06146 0.025 0.06445 0.0294 C 0.06458 0.02963 0.06497 0.02963 0.06523 0.03009 C 0.06614 0.03125 0.06627 0.03172 0.06757 0.03287 C 0.06771 0.03287 0.0681 0.0331 0.06836 0.03334 C 0.06862 0.03357 0.06875 0.03403 0.06914 0.03426 C 0.06979 0.03472 0.07148 0.03588 0.07148 0.03611 C 0.07213 0.03658 0.07343 0.03843 0.07409 0.03912 C 0.07435 0.03935 0.07474 0.03912 0.07513 0.03959 C 0.07591 0.04005 0.07682 0.04121 0.07773 0.0419 C 0.07929 0.04306 0.08125 0.04375 0.08294 0.04445 C 0.08528 0.0456 0.08476 0.0456 0.08711 0.04676 C 0.08776 0.04699 0.08867 0.04746 0.08945 0.04792 C 0.09023 0.04815 0.09114 0.04884 0.09205 0.04931 C 0.09271 0.04954 0.09336 0.04977 0.09414 0.05023 C 0.09453 0.05047 0.09492 0.0507 0.09544 0.05116 C 0.09583 0.05116 0.09622 0.05139 0.09674 0.05162 C 0.09713 0.05185 0.09752 0.05232 0.09804 0.05255 C 0.09882 0.05278 0.09974 0.05301 0.10065 0.05347 C 0.10651 0.05602 0.10351 0.05486 0.10794 0.05718 C 0.10859 0.05741 0.10924 0.05764 0.11002 0.0581 C 0.11106 0.05857 0.1125 0.05996 0.11341 0.06088 C 0.11445 0.06181 0.11523 0.0625 0.11653 0.0632 C 0.12018 0.06459 0.122 0.06412 0.12643 0.06459 C 0.12682 0.06459 0.12929 0.06459 0.13034 0.06551 C 0.1306 0.06551 0.13073 0.06621 0.13112 0.06644 C 0.13151 0.06667 0.13216 0.0669 0.13268 0.06736 C 0.1332 0.06806 0.13424 0.06945 0.13502 0.07014 C 0.13567 0.07037 0.13632 0.0706 0.13711 0.0713 C 0.13906 0.07222 0.13828 0.07222 0.14049 0.07315 C 0.14231 0.07384 0.14453 0.07384 0.14648 0.07408 C 0.14752 0.07408 0.14869 0.07431 0.14987 0.07454 C 0.15286 0.07523 0.14935 0.07408 0.15247 0.07616 C 0.15299 0.07639 0.15364 0.07662 0.15429 0.07709 C 0.15703 0.08056 0.15534 0.07871 0.1595 0.08172 L 0.1595 0.08195 C 0.16132 0.0838 0.16028 0.0831 0.16263 0.0838 C 0.16458 0.08519 0.16315 0.08426 0.16523 0.08519 C 0.16744 0.08611 0.16692 0.08588 0.16914 0.08704 C 0.1694 0.08704 0.16979 0.08727 0.17018 0.0875 C 0.1707 0.08773 0.172 0.08912 0.17252 0.08959 C 0.17278 0.08982 0.17304 0.09005 0.1733 0.09051 C 0.17356 0.09074 0.17369 0.09144 0.17409 0.0919 C 0.17435 0.09236 0.17617 0.09422 0.17669 0.09537 C 0.17799 0.09769 0.17604 0.09584 0.17825 0.09861 C 0.1832 0.10463 0.17877 0.09908 0.18242 0.10232 C 0.1858 0.10509 0.18151 0.10162 0.18424 0.10371 C 0.1845 0.10394 0.18489 0.10417 0.18528 0.10463 C 0.18541 0.10463 0.1858 0.10463 0.18606 0.10486 C 0.18698 0.10556 0.18698 0.10625 0.18789 0.10787 C 0.18802 0.1081 0.18841 0.10834 0.18867 0.1088 C 0.1888 0.10926 0.18893 0.10972 0.18919 0.11019 C 0.18932 0.11065 0.18971 0.11088 0.18997 0.11158 C 0.19023 0.11227 0.19049 0.11482 0.19075 0.11621 C 0.19049 0.12963 0.19062 0.12755 0.19023 0.13704 C 0.18997 0.1419 0.19023 0.14005 0.18971 0.14306 C 0.18984 0.14977 0.18971 0.15047 0.19023 0.15602 C 0.19023 0.15672 0.19036 0.15741 0.19049 0.15834 C 0.19062 0.15949 0.19101 0.16204 0.19101 0.16227 C 0.19088 0.16551 0.19101 0.16968 0.19075 0.17361 C 0.19062 0.17431 0.1901 0.17477 0.18997 0.17547 C 0.18971 0.1757 0.18958 0.17616 0.18945 0.17685 C 0.18802 0.18102 0.18997 0.17616 0.18789 0.18056 C 0.18763 0.18079 0.1875 0.18125 0.18737 0.18195 C 0.18632 0.18449 0.18659 0.18357 0.18606 0.18658 C 0.18593 0.18797 0.1858 0.18935 0.1858 0.19097 C 0.18554 0.19306 0.18528 0.19722 0.18528 0.19746 C 0.18489 0.20926 0.18489 0.20533 0.18528 0.21968 C 0.18528 0.2213 0.18541 0.22593 0.1858 0.22847 C 0.18619 0.23125 0.18659 0.23449 0.18737 0.2375 C 0.18776 0.23935 0.18828 0.24028 0.18867 0.24236 C 0.18867 0.24306 0.1888 0.24375 0.18893 0.24468 C 0.18906 0.24537 0.18919 0.24607 0.18945 0.24699 C 0.18971 0.24861 0.18958 0.24861 0.18997 0.25047 C 0.19062 0.25347 0.19049 0.25139 0.19101 0.25533 C 0.19101 0.25625 0.19114 0.25741 0.19127 0.25857 C 0.19127 0.25903 0.1914 0.25972 0.19153 0.26042 C 0.19153 0.26134 0.19166 0.26204 0.19179 0.26297 C 0.19192 0.26366 0.19205 0.26435 0.19231 0.26528 C 0.19231 0.26597 0.19231 0.26667 0.19257 0.26759 C 0.19257 0.26806 0.19284 0.26875 0.1931 0.26945 C 0.1931 0.26968 0.19323 0.27037 0.19336 0.27107 C 0.19349 0.27246 0.19388 0.27384 0.19414 0.27547 C 0.19414 0.27593 0.19414 0.27662 0.1944 0.27732 C 0.19453 0.27778 0.19492 0.27801 0.19518 0.27871 C 0.19687 0.28218 0.19531 0.2794 0.19622 0.28102 L 0.1983 0.28496 " pathEditMode="relative" rAng="0" ptsTypes="AAAAAAAAAAAAAAAAAAAAAAAAAAAAAAAAAAAAAAAAAAAAAAAAAAAAAAAAAAAAAAAAAAAAAAAAAAAAAAAAAAAAAAAAAAAAAAAAAAAAAAAAAAAAAAAAAAAAA">
+                                      <p:cBhvr>
+                                        <p:cTn id="6" dur="2000" fill="hold"/>
+                                        <p:tgtEl>
+                                          <p:spTgt spid="11"/>
+                                        </p:tgtEl>
+                                        <p:attrNameLst>
+                                          <p:attrName>ppt_x</p:attrName>
+                                          <p:attrName>ppt_y</p:attrName>
+                                        </p:attrNameLst>
+                                      </p:cBhvr>
+                                      <p:rCtr x="9909" y="14236"/>
+                                    </p:animMotion>
+                                  </p:childTnLst>
+                                </p:cTn>
+                              </p:par>
+                            </p:childTnLst>
+                          </p:cTn>
+                        </p:par>
+                      </p:childTnLst>
+                    </p:cTn>
+                  </p:par>
+                  <p:par>
+                    <p:cTn id="7" fill="hold">
+                      <p:stCondLst>
+                        <p:cond delay="indefinite"/>
+                      </p:stCondLst>
+                      <p:childTnLst>
+                        <p:par>
+                          <p:cTn id="8" fill="hold">
+                            <p:stCondLst>
+                              <p:cond delay="0"/>
+                            </p:stCondLst>
+                            <p:childTnLst>
+                              <p:par>
+                                <p:cTn id="9" presetID="10" presetClass="exit" presetSubtype="0" fill="hold" grpId="1" nodeType="clickEffect">
+                                  <p:stCondLst>
+                                    <p:cond delay="0"/>
+                                  </p:stCondLst>
+                                  <p:childTnLst>
+                                    <p:animEffect transition="out" filter="fade">
+                                      <p:cBhvr>
+                                        <p:cTn id="10" dur="500"/>
+                                        <p:tgtEl>
+                                          <p:spTgt spid="11"/>
+                                        </p:tgtEl>
+                                      </p:cBhvr>
+                                    </p:animEffect>
+                                    <p:set>
+                                      <p:cBhvr>
+                                        <p:cTn id="11" dur="1" fill="hold">
+                                          <p:stCondLst>
+                                            <p:cond delay="499"/>
+                                          </p:stCondLst>
+                                        </p:cTn>
+                                        <p:tgtEl>
+                                          <p:spTgt spid="11"/>
+                                        </p:tgtEl>
+                                        <p:attrNameLst>
+                                          <p:attrName>style.visibility</p:attrName>
+                                        </p:attrNameLst>
+                                      </p:cBhvr>
+                                      <p:to>
+                                        <p:strVal val="hidden"/>
+                                      </p:to>
+                                    </p:set>
+                                  </p:childTnLst>
+                                </p:cTn>
+                              </p:par>
+                            </p:childTnLst>
+                          </p:cTn>
+                        </p:par>
+                      </p:childTnLst>
+                    </p:cTn>
+                  </p:par>
+                </p:childTnLst>
+              </p:cTn>
+              <p:prevCondLst>
+                <p:cond evt="onPrev" delay="0">
+                  <p:tgtEl>
+                    <p:sldTgt/>
+                  </p:tgtEl>
+                </p:cond>
+              </p:prevCondLst>
+              <p:nextCondLst>
+                <p:cond evt="onNext" delay="0">
+                  <p:tgtEl>
+                    <p:sldTgt/>
+                  </p:tgtEl>
+                </p:cond>
+              </p:nextCondLst>
+            </p:seq>
+          </p:childTnLst>
+        </p:cTn>
+      </p:par>
+    </p:tnLst>
+    <p:bldLst>
+      <p:bldP spid="11" grpId="0" animBg="1"/>
+      <p:bldP spid="11" grpId="1" animBg="1"/>
     </p:bldLst>
   </p:timing>
 </p:sld>

--- a/FromBiologyToComputers.pptx
+++ b/FromBiologyToComputers.pptx
@@ -5,13 +5,14 @@
     <p:sldMasterId id="2147483648" r:id="rId1"/>
   </p:sldMasterIdLst>
   <p:notesMasterIdLst>
-    <p:notesMasterId r:id="rId6"/>
+    <p:notesMasterId r:id="rId7"/>
   </p:notesMasterIdLst>
   <p:sldIdLst>
     <p:sldId id="256" r:id="rId2"/>
     <p:sldId id="313" r:id="rId3"/>
     <p:sldId id="312" r:id="rId4"/>
     <p:sldId id="264" r:id="rId5"/>
+    <p:sldId id="265" r:id="rId6"/>
   </p:sldIdLst>
   <p:sldSz cx="12192000" cy="6858000"/>
   <p:notesSz cx="6858000" cy="9144000"/>
@@ -123,6 +124,7 @@
             <p14:sldId id="313"/>
             <p14:sldId id="312"/>
             <p14:sldId id="264"/>
+            <p14:sldId id="265"/>
           </p14:sldIdLst>
         </p14:section>
       </p14:sectionLst>
@@ -724,6 +726,107 @@
     <p:extLst>
       <p:ext uri="{BB962C8B-B14F-4D97-AF65-F5344CB8AC3E}">
         <p14:creationId xmlns:p14="http://schemas.microsoft.com/office/powerpoint/2010/main" val="3934001869"/>
+      </p:ext>
+    </p:extLst>
+  </p:cSld>
+  <p:clrMapOvr>
+    <a:masterClrMapping/>
+  </p:clrMapOvr>
+</p:notes>
+</file>
+
+<file path=ppt/notesSlides/notesSlide4.xml><?xml version="1.0" encoding="utf-8"?>
+<p:notes xmlns:a="http://schemas.openxmlformats.org/drawingml/2006/main" xmlns:r="http://schemas.openxmlformats.org/officeDocument/2006/relationships" xmlns:p="http://schemas.openxmlformats.org/presentationml/2006/main">
+  <p:cSld>
+    <p:spTree>
+      <p:nvGrpSpPr>
+        <p:cNvPr id="1" name=""/>
+        <p:cNvGrpSpPr/>
+        <p:nvPr/>
+      </p:nvGrpSpPr>
+      <p:grpSpPr>
+        <a:xfrm>
+          <a:off x="0" y="0"/>
+          <a:ext cx="0" cy="0"/>
+          <a:chOff x="0" y="0"/>
+          <a:chExt cx="0" cy="0"/>
+        </a:xfrm>
+      </p:grpSpPr>
+      <p:sp>
+        <p:nvSpPr>
+          <p:cNvPr id="2" name="Slide Image Placeholder 1"/>
+          <p:cNvSpPr>
+            <a:spLocks noGrp="1" noRot="1" noChangeAspect="1"/>
+          </p:cNvSpPr>
+          <p:nvPr>
+            <p:ph type="sldImg"/>
+          </p:nvPr>
+        </p:nvSpPr>
+        <p:spPr/>
+      </p:sp>
+      <p:sp>
+        <p:nvSpPr>
+          <p:cNvPr id="3" name="Notes Placeholder 2"/>
+          <p:cNvSpPr>
+            <a:spLocks noGrp="1"/>
+          </p:cNvSpPr>
+          <p:nvPr>
+            <p:ph type="body" idx="1"/>
+          </p:nvPr>
+        </p:nvSpPr>
+        <p:spPr/>
+        <p:txBody>
+          <a:bodyPr/>
+          <a:lstStyle/>
+          <a:p>
+            <a:pPr marL="0" marR="0" lvl="0" indent="0" algn="l" defTabSz="914400" rtl="0" eaLnBrk="1" fontAlgn="auto" latinLnBrk="0" hangingPunct="1">
+              <a:lnSpc>
+                <a:spcPct val="100000"/>
+              </a:lnSpc>
+              <a:spcBef>
+                <a:spcPts val="0"/>
+              </a:spcBef>
+              <a:spcAft>
+                <a:spcPts val="0"/>
+              </a:spcAft>
+              <a:buClrTx/>
+              <a:buSzTx/>
+              <a:buFontTx/>
+              <a:buNone/>
+              <a:tabLst/>
+              <a:defRPr/>
+            </a:pPr>
+            <a:endParaRPr lang="fr-FR" noProof="0" dirty="0"/>
+          </a:p>
+        </p:txBody>
+      </p:sp>
+      <p:sp>
+        <p:nvSpPr>
+          <p:cNvPr id="4" name="Slide Number Placeholder 3"/>
+          <p:cNvSpPr>
+            <a:spLocks noGrp="1"/>
+          </p:cNvSpPr>
+          <p:nvPr>
+            <p:ph type="sldNum" sz="quarter" idx="5"/>
+          </p:nvPr>
+        </p:nvSpPr>
+        <p:spPr/>
+        <p:txBody>
+          <a:bodyPr/>
+          <a:lstStyle/>
+          <a:p>
+            <a:fld id="{E4A24938-BD76-4D94-ABC1-81818C90BE90}" type="slidenum">
+              <a:rPr lang="en-US" smtClean="0"/>
+              <a:t>5</a:t>
+            </a:fld>
+            <a:endParaRPr lang="en-US"/>
+          </a:p>
+        </p:txBody>
+      </p:sp>
+    </p:spTree>
+    <p:extLst>
+      <p:ext uri="{BB962C8B-B14F-4D97-AF65-F5344CB8AC3E}">
+        <p14:creationId xmlns:p14="http://schemas.microsoft.com/office/powerpoint/2010/main" val="2603403796"/>
       </p:ext>
     </p:extLst>
   </p:cSld>
@@ -6154,6 +6257,951 @@
 </p:sld>
 </file>
 
+<file path=ppt/slides/slide5.xml><?xml version="1.0" encoding="utf-8"?>
+<p:sld xmlns:a="http://schemas.openxmlformats.org/drawingml/2006/main" xmlns:r="http://schemas.openxmlformats.org/officeDocument/2006/relationships" xmlns:p="http://schemas.openxmlformats.org/presentationml/2006/main">
+  <p:cSld>
+    <p:spTree>
+      <p:nvGrpSpPr>
+        <p:cNvPr id="1" name=""/>
+        <p:cNvGrpSpPr/>
+        <p:nvPr/>
+      </p:nvGrpSpPr>
+      <p:grpSpPr>
+        <a:xfrm>
+          <a:off x="0" y="0"/>
+          <a:ext cx="0" cy="0"/>
+          <a:chOff x="0" y="0"/>
+          <a:chExt cx="0" cy="0"/>
+        </a:xfrm>
+      </p:grpSpPr>
+      <p:sp>
+        <p:nvSpPr>
+          <p:cNvPr id="2" name="Title 1">
+            <a:extLst>
+              <a:ext uri="{FF2B5EF4-FFF2-40B4-BE49-F238E27FC236}">
+                <a16:creationId xmlns:a16="http://schemas.microsoft.com/office/drawing/2014/main" id="{706C935F-66C6-5769-3D38-E3AEA8C9993C}"/>
+              </a:ext>
+            </a:extLst>
+          </p:cNvPr>
+          <p:cNvSpPr>
+            <a:spLocks noGrp="1"/>
+          </p:cNvSpPr>
+          <p:nvPr>
+            <p:ph type="title"/>
+          </p:nvPr>
+        </p:nvSpPr>
+        <p:spPr/>
+        <p:txBody>
+          <a:bodyPr/>
+          <a:lstStyle/>
+          <a:p>
+            <a:r>
+              <a:rPr lang="en-US" dirty="0"/>
+              <a:t>Synaptic integration</a:t>
+            </a:r>
+            <a:endParaRPr lang="fr-FR" dirty="0"/>
+          </a:p>
+        </p:txBody>
+      </p:sp>
+      <p:grpSp>
+        <p:nvGrpSpPr>
+          <p:cNvPr id="10" name="Group 9">
+            <a:extLst>
+              <a:ext uri="{FF2B5EF4-FFF2-40B4-BE49-F238E27FC236}">
+                <a16:creationId xmlns:a16="http://schemas.microsoft.com/office/drawing/2014/main" id="{029BE3A8-A7EB-595A-24DD-CB08D616B730}"/>
+              </a:ext>
+            </a:extLst>
+          </p:cNvPr>
+          <p:cNvGrpSpPr/>
+          <p:nvPr/>
+        </p:nvGrpSpPr>
+        <p:grpSpPr>
+          <a:xfrm rot="10800000">
+            <a:off x="1304910" y="1879493"/>
+            <a:ext cx="7229489" cy="4365732"/>
+            <a:chOff x="923911" y="1365996"/>
+            <a:chExt cx="6623698" cy="3999908"/>
+          </a:xfrm>
+        </p:grpSpPr>
+        <p:pic>
+          <p:nvPicPr>
+            <p:cNvPr id="4" name="Picture 3">
+              <a:extLst>
+                <a:ext uri="{FF2B5EF4-FFF2-40B4-BE49-F238E27FC236}">
+                  <a16:creationId xmlns:a16="http://schemas.microsoft.com/office/drawing/2014/main" id="{A95F52F9-FBFA-F0AB-6E83-B43478E01746}"/>
+                </a:ext>
+              </a:extLst>
+            </p:cNvPr>
+            <p:cNvPicPr>
+              <a:picLocks noChangeAspect="1"/>
+            </p:cNvPicPr>
+            <p:nvPr/>
+          </p:nvPicPr>
+          <p:blipFill>
+            <a:blip r:embed="rId3"/>
+            <a:stretch>
+              <a:fillRect/>
+            </a:stretch>
+          </p:blipFill>
+          <p:spPr>
+            <a:xfrm>
+              <a:off x="923911" y="2471039"/>
+              <a:ext cx="3366149" cy="1361486"/>
+            </a:xfrm>
+            <a:prstGeom prst="rect">
+              <a:avLst/>
+            </a:prstGeom>
+          </p:spPr>
+        </p:pic>
+        <p:pic>
+          <p:nvPicPr>
+            <p:cNvPr id="6" name="Picture 5">
+              <a:extLst>
+                <a:ext uri="{FF2B5EF4-FFF2-40B4-BE49-F238E27FC236}">
+                  <a16:creationId xmlns:a16="http://schemas.microsoft.com/office/drawing/2014/main" id="{BDD48A01-C7C1-FC28-91C1-44C67E3E5156}"/>
+                </a:ext>
+              </a:extLst>
+            </p:cNvPr>
+            <p:cNvPicPr>
+              <a:picLocks noChangeAspect="1"/>
+            </p:cNvPicPr>
+            <p:nvPr/>
+          </p:nvPicPr>
+          <p:blipFill>
+            <a:blip r:embed="rId3"/>
+            <a:stretch>
+              <a:fillRect/>
+            </a:stretch>
+          </p:blipFill>
+          <p:spPr>
+            <a:xfrm rot="941488">
+              <a:off x="3162287" y="4004418"/>
+              <a:ext cx="3366146" cy="1361486"/>
+            </a:xfrm>
+            <a:prstGeom prst="rect">
+              <a:avLst/>
+            </a:prstGeom>
+          </p:spPr>
+        </p:pic>
+        <p:pic>
+          <p:nvPicPr>
+            <p:cNvPr id="7" name="Picture 6">
+              <a:extLst>
+                <a:ext uri="{FF2B5EF4-FFF2-40B4-BE49-F238E27FC236}">
+                  <a16:creationId xmlns:a16="http://schemas.microsoft.com/office/drawing/2014/main" id="{BDBBA70A-97C6-BBDA-E7F3-C01F4DF28F20}"/>
+                </a:ext>
+              </a:extLst>
+            </p:cNvPr>
+            <p:cNvPicPr>
+              <a:picLocks noChangeAspect="1"/>
+            </p:cNvPicPr>
+            <p:nvPr/>
+          </p:nvPicPr>
+          <p:blipFill>
+            <a:blip r:embed="rId3"/>
+            <a:stretch>
+              <a:fillRect/>
+            </a:stretch>
+          </p:blipFill>
+          <p:spPr>
+            <a:xfrm rot="21445380" flipV="1">
+              <a:off x="3664568" y="1365996"/>
+              <a:ext cx="3366147" cy="1361486"/>
+            </a:xfrm>
+            <a:prstGeom prst="rect">
+              <a:avLst/>
+            </a:prstGeom>
+          </p:spPr>
+        </p:pic>
+        <p:pic>
+          <p:nvPicPr>
+            <p:cNvPr id="9" name="Picture 8">
+              <a:extLst>
+                <a:ext uri="{FF2B5EF4-FFF2-40B4-BE49-F238E27FC236}">
+                  <a16:creationId xmlns:a16="http://schemas.microsoft.com/office/drawing/2014/main" id="{B8BFE8A0-5540-E6BE-9B9E-6F63CA93EA80}"/>
+                </a:ext>
+              </a:extLst>
+            </p:cNvPr>
+            <p:cNvPicPr>
+              <a:picLocks noChangeAspect="1"/>
+            </p:cNvPicPr>
+            <p:nvPr/>
+          </p:nvPicPr>
+          <p:blipFill>
+            <a:blip r:embed="rId3"/>
+            <a:stretch>
+              <a:fillRect/>
+            </a:stretch>
+          </p:blipFill>
+          <p:spPr>
+            <a:xfrm rot="21083102">
+              <a:off x="4181462" y="2748256"/>
+              <a:ext cx="3366147" cy="1361486"/>
+            </a:xfrm>
+            <a:prstGeom prst="rect">
+              <a:avLst/>
+            </a:prstGeom>
+          </p:spPr>
+        </p:pic>
+      </p:grpSp>
+      <p:sp>
+        <p:nvSpPr>
+          <p:cNvPr id="11" name="Oval 10">
+            <a:extLst>
+              <a:ext uri="{FF2B5EF4-FFF2-40B4-BE49-F238E27FC236}">
+                <a16:creationId xmlns:a16="http://schemas.microsoft.com/office/drawing/2014/main" id="{FF424C1F-1247-45CF-A9FD-4D104B9D6A22}"/>
+              </a:ext>
+            </a:extLst>
+          </p:cNvPr>
+          <p:cNvSpPr/>
+          <p:nvPr/>
+        </p:nvSpPr>
+        <p:spPr>
+          <a:xfrm>
+            <a:off x="3012282" y="2141015"/>
+            <a:ext cx="466454" cy="466454"/>
+          </a:xfrm>
+          <a:prstGeom prst="ellipse">
+            <a:avLst/>
+          </a:prstGeom>
+          <a:solidFill>
+            <a:srgbClr val="FF0000"/>
+          </a:solidFill>
+          <a:ln>
+            <a:noFill/>
+          </a:ln>
+        </p:spPr>
+        <p:style>
+          <a:lnRef idx="2">
+            <a:schemeClr val="accent1">
+              <a:shade val="50000"/>
+            </a:schemeClr>
+          </a:lnRef>
+          <a:fillRef idx="1">
+            <a:schemeClr val="accent1"/>
+          </a:fillRef>
+          <a:effectRef idx="0">
+            <a:schemeClr val="accent1"/>
+          </a:effectRef>
+          <a:fontRef idx="minor">
+            <a:schemeClr val="lt1"/>
+          </a:fontRef>
+        </p:style>
+        <p:txBody>
+          <a:bodyPr rtlCol="0" anchor="ctr"/>
+          <a:lstStyle/>
+          <a:p>
+            <a:pPr algn="ctr"/>
+            <a:endParaRPr lang="en-US"/>
+          </a:p>
+        </p:txBody>
+      </p:sp>
+      <mc:AlternateContent xmlns:mc="http://schemas.openxmlformats.org/markup-compatibility/2006" xmlns:a14="http://schemas.microsoft.com/office/drawing/2010/main">
+        <mc:Choice Requires="a14">
+          <p:sp>
+            <p:nvSpPr>
+              <p:cNvPr id="12" name="TextBox 11">
+                <a:extLst>
+                  <a:ext uri="{FF2B5EF4-FFF2-40B4-BE49-F238E27FC236}">
+                    <a16:creationId xmlns:a16="http://schemas.microsoft.com/office/drawing/2014/main" id="{0545CA42-E072-E6F6-05CB-91E6FF7F207E}"/>
+                  </a:ext>
+                </a:extLst>
+              </p:cNvPr>
+              <p:cNvSpPr txBox="1"/>
+              <p:nvPr/>
+            </p:nvSpPr>
+            <p:spPr>
+              <a:xfrm>
+                <a:off x="6223793" y="3754222"/>
+                <a:ext cx="494045" cy="369332"/>
+              </a:xfrm>
+              <a:prstGeom prst="rect">
+                <a:avLst/>
+              </a:prstGeom>
+              <a:noFill/>
+            </p:spPr>
+            <p:txBody>
+              <a:bodyPr wrap="none" rtlCol="0">
+                <a:spAutoFit/>
+              </a:bodyPr>
+              <a:lstStyle/>
+              <a:p>
+                <a:pPr/>
+                <a14:m>
+                  <m:oMathPara xmlns:m="http://schemas.openxmlformats.org/officeDocument/2006/math">
+                    <m:oMathParaPr>
+                      <m:jc m:val="centerGroup"/>
+                    </m:oMathParaPr>
+                    <m:oMath xmlns:m="http://schemas.openxmlformats.org/officeDocument/2006/math">
+                      <m:sSub>
+                        <m:sSubPr>
+                          <m:ctrlPr>
+                            <a:rPr lang="fr-FR" b="0" i="1" smtClean="0">
+                              <a:latin typeface="Cambria Math" panose="02040503050406030204" pitchFamily="18" charset="0"/>
+                            </a:rPr>
+                          </m:ctrlPr>
+                        </m:sSubPr>
+                        <m:e>
+                          <m:r>
+                            <a:rPr lang="fr-FR" b="0" i="1" smtClean="0">
+                              <a:latin typeface="Cambria Math" panose="02040503050406030204" pitchFamily="18" charset="0"/>
+                            </a:rPr>
+                            <m:t>𝑁</m:t>
+                          </m:r>
+                        </m:e>
+                        <m:sub>
+                          <m:r>
+                            <a:rPr lang="fr-FR" b="0" i="1" smtClean="0">
+                              <a:latin typeface="Cambria Math" panose="02040503050406030204" pitchFamily="18" charset="0"/>
+                            </a:rPr>
+                            <m:t>0</m:t>
+                          </m:r>
+                        </m:sub>
+                      </m:sSub>
+                    </m:oMath>
+                  </m:oMathPara>
+                </a14:m>
+                <a:endParaRPr lang="fr-FR" b="0" dirty="0"/>
+              </a:p>
+            </p:txBody>
+          </p:sp>
+        </mc:Choice>
+        <mc:Fallback xmlns="">
+          <p:sp>
+            <p:nvSpPr>
+              <p:cNvPr id="12" name="TextBox 11">
+                <a:extLst>
+                  <a:ext uri="{FF2B5EF4-FFF2-40B4-BE49-F238E27FC236}">
+                    <a16:creationId xmlns:a16="http://schemas.microsoft.com/office/drawing/2014/main" id="{0545CA42-E072-E6F6-05CB-91E6FF7F207E}"/>
+                  </a:ext>
+                </a:extLst>
+              </p:cNvPr>
+              <p:cNvSpPr txBox="1">
+                <a:spLocks noRot="1" noChangeAspect="1" noMove="1" noResize="1" noEditPoints="1" noAdjustHandles="1" noChangeArrowheads="1" noChangeShapeType="1" noTextEdit="1"/>
+              </p:cNvSpPr>
+              <p:nvPr/>
+            </p:nvSpPr>
+            <p:spPr>
+              <a:xfrm>
+                <a:off x="6223793" y="3754222"/>
+                <a:ext cx="494045" cy="369332"/>
+              </a:xfrm>
+              <a:prstGeom prst="rect">
+                <a:avLst/>
+              </a:prstGeom>
+              <a:blipFill>
+                <a:blip r:embed="rId4"/>
+                <a:stretch>
+                  <a:fillRect/>
+                </a:stretch>
+              </a:blipFill>
+            </p:spPr>
+            <p:txBody>
+              <a:bodyPr/>
+              <a:lstStyle/>
+              <a:p>
+                <a:r>
+                  <a:rPr lang="en-US">
+                    <a:noFill/>
+                  </a:rPr>
+                  <a:t> </a:t>
+                </a:r>
+              </a:p>
+            </p:txBody>
+          </p:sp>
+        </mc:Fallback>
+      </mc:AlternateContent>
+      <mc:AlternateContent xmlns:mc="http://schemas.openxmlformats.org/markup-compatibility/2006" xmlns:a14="http://schemas.microsoft.com/office/drawing/2010/main">
+        <mc:Choice Requires="a14">
+          <p:sp>
+            <p:nvSpPr>
+              <p:cNvPr id="13" name="TextBox 12">
+                <a:extLst>
+                  <a:ext uri="{FF2B5EF4-FFF2-40B4-BE49-F238E27FC236}">
+                    <a16:creationId xmlns:a16="http://schemas.microsoft.com/office/drawing/2014/main" id="{A6CF8716-8D15-C511-C226-51DD239C06F8}"/>
+                  </a:ext>
+                </a:extLst>
+              </p:cNvPr>
+              <p:cNvSpPr txBox="1"/>
+              <p:nvPr/>
+            </p:nvSpPr>
+            <p:spPr>
+              <a:xfrm>
+                <a:off x="2231655" y="2107168"/>
+                <a:ext cx="488724" cy="369332"/>
+              </a:xfrm>
+              <a:prstGeom prst="rect">
+                <a:avLst/>
+              </a:prstGeom>
+              <a:noFill/>
+            </p:spPr>
+            <p:txBody>
+              <a:bodyPr wrap="none" rtlCol="0">
+                <a:spAutoFit/>
+              </a:bodyPr>
+              <a:lstStyle/>
+              <a:p>
+                <a:pPr/>
+                <a14:m>
+                  <m:oMathPara xmlns:m="http://schemas.openxmlformats.org/officeDocument/2006/math">
+                    <m:oMathParaPr>
+                      <m:jc m:val="centerGroup"/>
+                    </m:oMathParaPr>
+                    <m:oMath xmlns:m="http://schemas.openxmlformats.org/officeDocument/2006/math">
+                      <m:sSub>
+                        <m:sSubPr>
+                          <m:ctrlPr>
+                            <a:rPr lang="fr-FR" b="0" i="1" smtClean="0">
+                              <a:latin typeface="Cambria Math" panose="02040503050406030204" pitchFamily="18" charset="0"/>
+                            </a:rPr>
+                          </m:ctrlPr>
+                        </m:sSubPr>
+                        <m:e>
+                          <m:r>
+                            <a:rPr lang="fr-FR" b="0" i="1" smtClean="0">
+                              <a:latin typeface="Cambria Math" panose="02040503050406030204" pitchFamily="18" charset="0"/>
+                            </a:rPr>
+                            <m:t>𝑁</m:t>
+                          </m:r>
+                        </m:e>
+                        <m:sub>
+                          <m:r>
+                            <a:rPr lang="fr-FR" b="0" i="1" smtClean="0">
+                              <a:latin typeface="Cambria Math" panose="02040503050406030204" pitchFamily="18" charset="0"/>
+                            </a:rPr>
+                            <m:t>1</m:t>
+                          </m:r>
+                        </m:sub>
+                      </m:sSub>
+                    </m:oMath>
+                  </m:oMathPara>
+                </a14:m>
+                <a:endParaRPr lang="fr-FR" b="0" dirty="0"/>
+              </a:p>
+            </p:txBody>
+          </p:sp>
+        </mc:Choice>
+        <mc:Fallback xmlns="">
+          <p:sp>
+            <p:nvSpPr>
+              <p:cNvPr id="13" name="TextBox 12">
+                <a:extLst>
+                  <a:ext uri="{FF2B5EF4-FFF2-40B4-BE49-F238E27FC236}">
+                    <a16:creationId xmlns:a16="http://schemas.microsoft.com/office/drawing/2014/main" id="{A6CF8716-8D15-C511-C226-51DD239C06F8}"/>
+                  </a:ext>
+                </a:extLst>
+              </p:cNvPr>
+              <p:cNvSpPr txBox="1">
+                <a:spLocks noRot="1" noChangeAspect="1" noMove="1" noResize="1" noEditPoints="1" noAdjustHandles="1" noChangeArrowheads="1" noChangeShapeType="1" noTextEdit="1"/>
+              </p:cNvSpPr>
+              <p:nvPr/>
+            </p:nvSpPr>
+            <p:spPr>
+              <a:xfrm>
+                <a:off x="2231655" y="2107168"/>
+                <a:ext cx="488724" cy="369332"/>
+              </a:xfrm>
+              <a:prstGeom prst="rect">
+                <a:avLst/>
+              </a:prstGeom>
+              <a:blipFill>
+                <a:blip r:embed="rId5"/>
+                <a:stretch>
+                  <a:fillRect/>
+                </a:stretch>
+              </a:blipFill>
+            </p:spPr>
+            <p:txBody>
+              <a:bodyPr/>
+              <a:lstStyle/>
+              <a:p>
+                <a:r>
+                  <a:rPr lang="en-US">
+                    <a:noFill/>
+                  </a:rPr>
+                  <a:t> </a:t>
+                </a:r>
+              </a:p>
+            </p:txBody>
+          </p:sp>
+        </mc:Fallback>
+      </mc:AlternateContent>
+      <mc:AlternateContent xmlns:mc="http://schemas.openxmlformats.org/markup-compatibility/2006" xmlns:a14="http://schemas.microsoft.com/office/drawing/2010/main">
+        <mc:Choice Requires="a14">
+          <p:sp>
+            <p:nvSpPr>
+              <p:cNvPr id="14" name="TextBox 13">
+                <a:extLst>
+                  <a:ext uri="{FF2B5EF4-FFF2-40B4-BE49-F238E27FC236}">
+                    <a16:creationId xmlns:a16="http://schemas.microsoft.com/office/drawing/2014/main" id="{5CEACD57-2109-6B3C-46A5-002C34293DED}"/>
+                  </a:ext>
+                </a:extLst>
+              </p:cNvPr>
+              <p:cNvSpPr txBox="1"/>
+              <p:nvPr/>
+            </p:nvSpPr>
+            <p:spPr>
+              <a:xfrm>
+                <a:off x="1851013" y="5946155"/>
+                <a:ext cx="494046" cy="369332"/>
+              </a:xfrm>
+              <a:prstGeom prst="rect">
+                <a:avLst/>
+              </a:prstGeom>
+              <a:noFill/>
+            </p:spPr>
+            <p:txBody>
+              <a:bodyPr wrap="none" rtlCol="0">
+                <a:spAutoFit/>
+              </a:bodyPr>
+              <a:lstStyle/>
+              <a:p>
+                <a:pPr/>
+                <a14:m>
+                  <m:oMathPara xmlns:m="http://schemas.openxmlformats.org/officeDocument/2006/math">
+                    <m:oMathParaPr>
+                      <m:jc m:val="centerGroup"/>
+                    </m:oMathParaPr>
+                    <m:oMath xmlns:m="http://schemas.openxmlformats.org/officeDocument/2006/math">
+                      <m:sSub>
+                        <m:sSubPr>
+                          <m:ctrlPr>
+                            <a:rPr lang="fr-FR" b="0" i="1" smtClean="0">
+                              <a:latin typeface="Cambria Math" panose="02040503050406030204" pitchFamily="18" charset="0"/>
+                            </a:rPr>
+                          </m:ctrlPr>
+                        </m:sSubPr>
+                        <m:e>
+                          <m:r>
+                            <a:rPr lang="fr-FR" b="0" i="1" smtClean="0">
+                              <a:latin typeface="Cambria Math" panose="02040503050406030204" pitchFamily="18" charset="0"/>
+                            </a:rPr>
+                            <m:t>𝑁</m:t>
+                          </m:r>
+                        </m:e>
+                        <m:sub>
+                          <m:r>
+                            <a:rPr lang="fr-FR" b="0" i="1" smtClean="0">
+                              <a:latin typeface="Cambria Math" panose="02040503050406030204" pitchFamily="18" charset="0"/>
+                            </a:rPr>
+                            <m:t>3</m:t>
+                          </m:r>
+                        </m:sub>
+                      </m:sSub>
+                    </m:oMath>
+                  </m:oMathPara>
+                </a14:m>
+                <a:endParaRPr lang="fr-FR" b="0" dirty="0"/>
+              </a:p>
+            </p:txBody>
+          </p:sp>
+        </mc:Choice>
+        <mc:Fallback xmlns="">
+          <p:sp>
+            <p:nvSpPr>
+              <p:cNvPr id="14" name="TextBox 13">
+                <a:extLst>
+                  <a:ext uri="{FF2B5EF4-FFF2-40B4-BE49-F238E27FC236}">
+                    <a16:creationId xmlns:a16="http://schemas.microsoft.com/office/drawing/2014/main" id="{5CEACD57-2109-6B3C-46A5-002C34293DED}"/>
+                  </a:ext>
+                </a:extLst>
+              </p:cNvPr>
+              <p:cNvSpPr txBox="1">
+                <a:spLocks noRot="1" noChangeAspect="1" noMove="1" noResize="1" noEditPoints="1" noAdjustHandles="1" noChangeArrowheads="1" noChangeShapeType="1" noTextEdit="1"/>
+              </p:cNvSpPr>
+              <p:nvPr/>
+            </p:nvSpPr>
+            <p:spPr>
+              <a:xfrm>
+                <a:off x="1851013" y="5946155"/>
+                <a:ext cx="494046" cy="369332"/>
+              </a:xfrm>
+              <a:prstGeom prst="rect">
+                <a:avLst/>
+              </a:prstGeom>
+              <a:blipFill>
+                <a:blip r:embed="rId6"/>
+                <a:stretch>
+                  <a:fillRect/>
+                </a:stretch>
+              </a:blipFill>
+            </p:spPr>
+            <p:txBody>
+              <a:bodyPr/>
+              <a:lstStyle/>
+              <a:p>
+                <a:r>
+                  <a:rPr lang="en-US">
+                    <a:noFill/>
+                  </a:rPr>
+                  <a:t> </a:t>
+                </a:r>
+              </a:p>
+            </p:txBody>
+          </p:sp>
+        </mc:Fallback>
+      </mc:AlternateContent>
+      <mc:AlternateContent xmlns:mc="http://schemas.openxmlformats.org/markup-compatibility/2006" xmlns:a14="http://schemas.microsoft.com/office/drawing/2010/main">
+        <mc:Choice Requires="a14">
+          <p:sp>
+            <p:nvSpPr>
+              <p:cNvPr id="15" name="TextBox 14">
+                <a:extLst>
+                  <a:ext uri="{FF2B5EF4-FFF2-40B4-BE49-F238E27FC236}">
+                    <a16:creationId xmlns:a16="http://schemas.microsoft.com/office/drawing/2014/main" id="{973165E8-992C-2B70-8E99-CC395DB328CA}"/>
+                  </a:ext>
+                </a:extLst>
+              </p:cNvPr>
+              <p:cNvSpPr txBox="1"/>
+              <p:nvPr/>
+            </p:nvSpPr>
+            <p:spPr>
+              <a:xfrm>
+                <a:off x="1148455" y="3433041"/>
+                <a:ext cx="494046" cy="369332"/>
+              </a:xfrm>
+              <a:prstGeom prst="rect">
+                <a:avLst/>
+              </a:prstGeom>
+              <a:noFill/>
+            </p:spPr>
+            <p:txBody>
+              <a:bodyPr wrap="none" rtlCol="0">
+                <a:spAutoFit/>
+              </a:bodyPr>
+              <a:lstStyle/>
+              <a:p>
+                <a:pPr/>
+                <a14:m>
+                  <m:oMathPara xmlns:m="http://schemas.openxmlformats.org/officeDocument/2006/math">
+                    <m:oMathParaPr>
+                      <m:jc m:val="centerGroup"/>
+                    </m:oMathParaPr>
+                    <m:oMath xmlns:m="http://schemas.openxmlformats.org/officeDocument/2006/math">
+                      <m:sSub>
+                        <m:sSubPr>
+                          <m:ctrlPr>
+                            <a:rPr lang="fr-FR" b="0" i="1" smtClean="0">
+                              <a:latin typeface="Cambria Math" panose="02040503050406030204" pitchFamily="18" charset="0"/>
+                            </a:rPr>
+                          </m:ctrlPr>
+                        </m:sSubPr>
+                        <m:e>
+                          <m:r>
+                            <a:rPr lang="fr-FR" b="0" i="1" smtClean="0">
+                              <a:latin typeface="Cambria Math" panose="02040503050406030204" pitchFamily="18" charset="0"/>
+                            </a:rPr>
+                            <m:t>𝑁</m:t>
+                          </m:r>
+                        </m:e>
+                        <m:sub>
+                          <m:r>
+                            <a:rPr lang="fr-FR" b="0" i="1" smtClean="0">
+                              <a:latin typeface="Cambria Math" panose="02040503050406030204" pitchFamily="18" charset="0"/>
+                            </a:rPr>
+                            <m:t>2</m:t>
+                          </m:r>
+                        </m:sub>
+                      </m:sSub>
+                    </m:oMath>
+                  </m:oMathPara>
+                </a14:m>
+                <a:endParaRPr lang="fr-FR" b="0" dirty="0"/>
+              </a:p>
+            </p:txBody>
+          </p:sp>
+        </mc:Choice>
+        <mc:Fallback xmlns="">
+          <p:sp>
+            <p:nvSpPr>
+              <p:cNvPr id="15" name="TextBox 14">
+                <a:extLst>
+                  <a:ext uri="{FF2B5EF4-FFF2-40B4-BE49-F238E27FC236}">
+                    <a16:creationId xmlns:a16="http://schemas.microsoft.com/office/drawing/2014/main" id="{973165E8-992C-2B70-8E99-CC395DB328CA}"/>
+                  </a:ext>
+                </a:extLst>
+              </p:cNvPr>
+              <p:cNvSpPr txBox="1">
+                <a:spLocks noRot="1" noChangeAspect="1" noMove="1" noResize="1" noEditPoints="1" noAdjustHandles="1" noChangeArrowheads="1" noChangeShapeType="1" noTextEdit="1"/>
+              </p:cNvSpPr>
+              <p:nvPr/>
+            </p:nvSpPr>
+            <p:spPr>
+              <a:xfrm>
+                <a:off x="1148455" y="3433041"/>
+                <a:ext cx="494046" cy="369332"/>
+              </a:xfrm>
+              <a:prstGeom prst="rect">
+                <a:avLst/>
+              </a:prstGeom>
+              <a:blipFill>
+                <a:blip r:embed="rId7"/>
+                <a:stretch>
+                  <a:fillRect/>
+                </a:stretch>
+              </a:blipFill>
+            </p:spPr>
+            <p:txBody>
+              <a:bodyPr/>
+              <a:lstStyle/>
+              <a:p>
+                <a:r>
+                  <a:rPr lang="en-US">
+                    <a:noFill/>
+                  </a:rPr>
+                  <a:t> </a:t>
+                </a:r>
+              </a:p>
+            </p:txBody>
+          </p:sp>
+        </mc:Fallback>
+      </mc:AlternateContent>
+    </p:spTree>
+    <p:extLst>
+      <p:ext uri="{BB962C8B-B14F-4D97-AF65-F5344CB8AC3E}">
+        <p14:creationId xmlns:p14="http://schemas.microsoft.com/office/powerpoint/2010/main" val="1606368709"/>
+      </p:ext>
+    </p:extLst>
+  </p:cSld>
+  <p:clrMapOvr>
+    <a:masterClrMapping/>
+  </p:clrMapOvr>
+  <p:timing>
+    <p:tnLst>
+      <p:par>
+        <p:cTn id="1" dur="indefinite" restart="never" nodeType="tmRoot">
+          <p:childTnLst>
+            <p:seq concurrent="1" nextAc="seek">
+              <p:cTn id="2" dur="indefinite" nodeType="mainSeq">
+                <p:childTnLst>
+                  <p:par>
+                    <p:cTn id="3" fill="hold">
+                      <p:stCondLst>
+                        <p:cond delay="indefinite"/>
+                      </p:stCondLst>
+                      <p:childTnLst>
+                        <p:par>
+                          <p:cTn id="4" fill="hold">
+                            <p:stCondLst>
+                              <p:cond delay="0"/>
+                            </p:stCondLst>
+                            <p:childTnLst>
+                              <p:par>
+                                <p:cTn id="5" presetID="0" presetClass="path" presetSubtype="0" accel="50000" decel="50000" fill="hold" grpId="0" nodeType="clickEffect">
+                                  <p:stCondLst>
+                                    <p:cond delay="0"/>
+                                  </p:stCondLst>
+                                  <p:childTnLst>
+                                    <p:animMotion origin="layout" path="M 4.16667E-6 -4.44444E-6 L 4.16667E-6 -4.44444E-6 C 0.00091 -4.44444E-6 0.00208 0.00047 0.00325 0.00116 C 0.0039 0.00139 0.00481 0.00162 0.00559 0.00209 C 0.00599 0.00209 0.00638 0.00255 0.0069 0.00301 C 0.00755 0.00325 0.00911 0.00348 0.00976 0.00394 C 0.0108 0.00417 0.01171 0.00487 0.01289 0.00533 C 0.01328 0.00533 0.01367 0.00556 0.01419 0.00579 C 0.0151 0.00602 0.01536 0.00625 0.01653 0.00672 C 0.01718 0.00672 0.01809 0.00695 0.01888 0.00718 C 0.02135 0.00811 0.02369 0.00926 0.0263 0.00996 C 0.02708 0.00996 0.02786 0.01019 0.02864 0.01042 C 0.02916 0.01042 0.02955 0.01065 0.0302 0.01112 C 0.03073 0.01112 0.03138 0.01135 0.03203 0.01158 C 0.03255 0.01158 0.03307 0.01181 0.03359 0.01204 C 0.03385 0.01204 0.03424 0.01227 0.03463 0.0125 C 0.03528 0.0125 0.03619 0.01274 0.03698 0.01297 C 0.03854 0.0132 0.03789 0.0132 0.03932 0.01389 C 0.04179 0.01459 0.03984 0.01389 0.0427 0.01482 C 0.04296 0.01482 0.04336 0.01505 0.04375 0.01528 C 0.04427 0.01528 0.04492 0.01551 0.04557 0.01575 C 0.04713 0.01644 0.04544 0.01575 0.04843 0.01644 C 0.04869 0.01644 0.04908 0.01644 0.04948 0.01667 C 0.05026 0.0169 0.05117 0.01713 0.05208 0.01783 L 0.0539 0.01852 C 0.05416 0.01852 0.05442 0.01875 0.05468 0.01899 C 0.0552 0.01922 0.05573 0.01968 0.05625 0.02037 C 0.05651 0.02061 0.05664 0.02107 0.05703 0.0213 C 0.05755 0.02153 0.0582 0.02176 0.05885 0.02246 C 0.05924 0.02292 0.05963 0.02338 0.06015 0.02385 C 0.06171 0.02524 0.06093 0.02408 0.06224 0.0257 C 0.0664 0.03125 0.06132 0.02454 0.06432 0.02894 C 0.06445 0.02917 0.06484 0.0294 0.0651 0.02987 C 0.06601 0.03102 0.06614 0.03149 0.06744 0.03264 C 0.06757 0.03264 0.06796 0.03287 0.06823 0.03287 C 0.06849 0.03311 0.06862 0.03357 0.06901 0.0338 C 0.06966 0.03426 0.07135 0.03542 0.07135 0.03565 C 0.072 0.03612 0.0733 0.03774 0.07395 0.03843 C 0.07421 0.03866 0.07448 0.03843 0.07487 0.03889 C 0.07565 0.03936 0.07656 0.04051 0.07747 0.04121 C 0.07903 0.04237 0.08099 0.04306 0.08268 0.04399 C 0.08502 0.04537 0.0845 0.04537 0.08684 0.04653 C 0.0875 0.04676 0.08841 0.047 0.08919 0.04746 C 0.08997 0.04769 0.09088 0.04838 0.09179 0.04885 C 0.09244 0.04908 0.09309 0.04931 0.09388 0.04954 C 0.09427 0.04977 0.09466 0.04977 0.09518 0.05024 C 0.09557 0.05024 0.09596 0.05047 0.09648 0.0507 C 0.09687 0.05093 0.09726 0.05139 0.09778 0.05162 C 0.09856 0.05186 0.09948 0.05209 0.10039 0.05278 C 0.10625 0.05533 0.10325 0.05417 0.10768 0.05649 C 0.10833 0.05672 0.10898 0.05695 0.10976 0.05741 C 0.1108 0.05787 0.11224 0.05926 0.11315 0.06019 C 0.11419 0.06112 0.11497 0.06181 0.11627 0.0625 C 0.11992 0.06389 0.12174 0.06343 0.12604 0.06389 C 0.12643 0.06389 0.1289 0.06389 0.12994 0.06482 C 0.1302 0.06482 0.13033 0.06551 0.13073 0.06575 C 0.13112 0.06598 0.13177 0.06621 0.13229 0.06644 C 0.13281 0.0669 0.13385 0.06852 0.13463 0.06922 C 0.13528 0.06945 0.13593 0.06968 0.13671 0.07014 C 0.13867 0.0713 0.13789 0.0713 0.1401 0.07223 C 0.14192 0.07292 0.14414 0.07292 0.14609 0.07315 C 0.14713 0.07315 0.14843 0.07338 0.14948 0.07362 C 0.15247 0.07454 0.14895 0.07315 0.15208 0.07524 C 0.1526 0.07547 0.15325 0.0757 0.1539 0.07616 C 0.15664 0.07987 0.15494 0.07778 0.15911 0.08102 L 0.15911 0.08125 C 0.16093 0.08287 0.15989 0.08218 0.16224 0.08287 C 0.16419 0.0838 0.16276 0.08287 0.16484 0.0838 C 0.16705 0.08473 0.16653 0.0845 0.16875 0.08565 C 0.16901 0.08565 0.1694 0.08588 0.16979 0.08612 C 0.17031 0.08635 0.17161 0.08774 0.17213 0.08866 C 0.17239 0.08889 0.17265 0.08912 0.17291 0.08959 C 0.17317 0.08982 0.17317 0.09075 0.17356 0.09121 C 0.17382 0.09167 0.17565 0.09352 0.17617 0.09422 C 0.17747 0.09653 0.17552 0.09468 0.17773 0.09746 C 0.18268 0.10348 0.17825 0.09792 0.1819 0.1007 C 0.18528 0.10394 0.18099 0.1 0.18372 0.10232 C 0.18398 0.10255 0.18437 0.10278 0.18476 0.10325 C 0.18489 0.10325 0.18528 0.10348 0.18554 0.10371 C 0.18645 0.1044 0.18645 0.1051 0.18737 0.10672 C 0.1875 0.10695 0.18789 0.10718 0.18815 0.10764 C 0.18828 0.10811 0.18841 0.10857 0.18867 0.10903 C 0.1888 0.1095 0.18919 0.10973 0.18945 0.11042 C 0.18971 0.11112 0.18997 0.11366 0.19023 0.11505 C 0.18997 0.12848 0.1901 0.12639 0.18971 0.13542 C 0.18945 0.14028 0.18971 0.13843 0.18919 0.14167 C 0.18932 0.14885 0.18919 0.14931 0.18971 0.15417 C 0.18971 0.15487 0.18984 0.15556 0.18997 0.15649 C 0.1901 0.15787 0.19049 0.16065 0.19049 0.16088 C 0.19036 0.16436 0.19049 0.16783 0.19023 0.17176 C 0.1901 0.17246 0.18958 0.17292 0.18945 0.17362 C 0.18919 0.17385 0.18906 0.17431 0.18893 0.175 C 0.1875 0.1794 0.18945 0.17431 0.18737 0.17894 C 0.18711 0.17917 0.18698 0.17963 0.18684 0.18033 C 0.1858 0.18264 0.18606 0.18218 0.18554 0.18473 C 0.18541 0.18612 0.18528 0.1875 0.18528 0.18866 C 0.18502 0.19075 0.18476 0.19561 0.18476 0.19584 C 0.18437 0.20695 0.18437 0.20325 0.18476 0.21737 C 0.18476 0.21899 0.18489 0.22362 0.18528 0.22616 C 0.18567 0.22894 0.18606 0.23241 0.18684 0.23473 C 0.18724 0.23681 0.18776 0.23797 0.18815 0.24005 C 0.18815 0.24075 0.18828 0.24144 0.18841 0.24237 C 0.18854 0.24306 0.18867 0.24375 0.18893 0.24445 C 0.18919 0.24607 0.18906 0.24607 0.18945 0.24792 C 0.1901 0.2507 0.18997 0.24908 0.19049 0.25278 C 0.19049 0.25371 0.19062 0.25487 0.19075 0.25602 C 0.19075 0.25649 0.19088 0.25718 0.19101 0.25787 C 0.19101 0.25857 0.19114 0.2595 0.19127 0.26042 C 0.1914 0.26112 0.19153 0.26181 0.19179 0.26274 C 0.19179 0.2632 0.19179 0.26389 0.19205 0.26505 C 0.19205 0.26551 0.19231 0.26575 0.19257 0.26644 C 0.19257 0.2669 0.1927 0.2676 0.19283 0.26829 C 0.19296 0.26968 0.19336 0.27107 0.19362 0.27269 C 0.19362 0.27315 0.19362 0.27385 0.19388 0.27454 C 0.19401 0.275 0.1944 0.27524 0.19466 0.27593 C 0.19635 0.2794 0.19479 0.27662 0.1957 0.27825 L 0.19804 0.28241 " pathEditMode="relative" rAng="0" ptsTypes="AAAAAAAAAAAAAAAAAAAAAAAAAAAAAAAAAAAAAAAAAAAAAAAAAAAAAAAAAAAAAAAAAAAAAAAAAAAAAAAAAAAAAAAAAAAAAAAAAAAAAAAAAAAAAAAAAAAAA">
+                                      <p:cBhvr>
+                                        <p:cTn id="6" dur="2000" fill="hold"/>
+                                        <p:tgtEl>
+                                          <p:spTgt spid="11"/>
+                                        </p:tgtEl>
+                                        <p:attrNameLst>
+                                          <p:attrName>ppt_x</p:attrName>
+                                          <p:attrName>ppt_y</p:attrName>
+                                        </p:attrNameLst>
+                                      </p:cBhvr>
+                                      <p:rCtr x="9896" y="14120"/>
+                                    </p:animMotion>
+                                  </p:childTnLst>
+                                </p:cTn>
+                              </p:par>
+                            </p:childTnLst>
+                          </p:cTn>
+                        </p:par>
+                      </p:childTnLst>
+                    </p:cTn>
+                  </p:par>
+                  <p:par>
+                    <p:cTn id="7" fill="hold">
+                      <p:stCondLst>
+                        <p:cond delay="indefinite"/>
+                      </p:stCondLst>
+                      <p:childTnLst>
+                        <p:par>
+                          <p:cTn id="8" fill="hold">
+                            <p:stCondLst>
+                              <p:cond delay="0"/>
+                            </p:stCondLst>
+                            <p:childTnLst>
+                              <p:par>
+                                <p:cTn id="9" presetID="6" presetClass="emph" presetSubtype="0" fill="hold" grpId="2" nodeType="clickEffect">
+                                  <p:stCondLst>
+                                    <p:cond delay="0"/>
+                                  </p:stCondLst>
+                                  <p:childTnLst>
+                                    <p:animScale>
+                                      <p:cBhvr>
+                                        <p:cTn id="10" dur="1000" fill="hold"/>
+                                        <p:tgtEl>
+                                          <p:spTgt spid="11"/>
+                                        </p:tgtEl>
+                                      </p:cBhvr>
+                                      <p:by x="50000" y="50000"/>
+                                    </p:animScale>
+                                  </p:childTnLst>
+                                </p:cTn>
+                              </p:par>
+                            </p:childTnLst>
+                          </p:cTn>
+                        </p:par>
+                      </p:childTnLst>
+                    </p:cTn>
+                  </p:par>
+                  <p:par>
+                    <p:cTn id="11" fill="hold">
+                      <p:stCondLst>
+                        <p:cond delay="indefinite"/>
+                      </p:stCondLst>
+                      <p:childTnLst>
+                        <p:par>
+                          <p:cTn id="12" fill="hold">
+                            <p:stCondLst>
+                              <p:cond delay="0"/>
+                            </p:stCondLst>
+                            <p:childTnLst>
+                              <p:par>
+                                <p:cTn id="13" presetID="0" presetClass="path" presetSubtype="0" accel="50000" fill="hold" grpId="1" nodeType="clickEffect">
+                                  <p:stCondLst>
+                                    <p:cond delay="0"/>
+                                  </p:stCondLst>
+                                  <p:childTnLst>
+                                    <p:animMotion origin="layout" path="M 0.19882 0.28889 L 0.19882 0.28889 C 0.20143 0.28912 0.20416 0.28935 0.20677 0.28935 C 0.21484 0.28912 0.21432 0.28889 0.21953 0.28819 C 0.22044 0.28819 0.22148 0.28796 0.22239 0.28796 C 0.22669 0.28726 0.22474 0.2875 0.22825 0.28657 C 0.22929 0.28611 0.2302 0.28611 0.23125 0.28588 C 0.23281 0.28426 0.23164 0.28518 0.23476 0.28449 C 0.23776 0.28356 0.23398 0.28426 0.24023 0.28379 C 0.2427 0.2831 0.24257 0.2831 0.24622 0.2831 C 0.25039 0.2831 0.25455 0.28333 0.25872 0.28333 C 0.25924 0.28356 0.25976 0.28356 0.26028 0.28379 C 0.26132 0.28379 0.26224 0.28379 0.26328 0.28402 C 0.26354 0.28402 0.26393 0.28426 0.26419 0.28449 C 0.26601 0.28495 0.26692 0.28495 0.26849 0.28541 C 0.26888 0.28564 0.26914 0.28588 0.26953 0.28611 C 0.27083 0.2868 0.27018 0.28588 0.27187 0.28726 C 0.27252 0.28773 0.27304 0.28842 0.27382 0.28889 C 0.27487 0.28958 0.27656 0.29074 0.27773 0.29097 C 0.27838 0.2912 0.27903 0.2912 0.27968 0.29143 C 0.28385 0.29213 0.27786 0.29143 0.28684 0.29213 L 0.29114 0.29236 C 0.29257 0.29259 0.2944 0.29305 0.2957 0.29305 C 0.29778 0.29328 0.29987 0.29328 0.30195 0.29351 C 0.30599 0.29328 0.31002 0.29328 0.31406 0.29305 C 0.32044 0.29259 0.31588 0.29259 0.3207 0.29166 C 0.32187 0.29143 0.32317 0.29143 0.32434 0.29143 L 0.32786 0.29074 C 0.32942 0.29027 0.33177 0.28981 0.33333 0.28958 L 0.35013 0.28889 C 0.35065 0.28889 0.35117 0.28865 0.35169 0.28865 C 0.36276 0.28865 0.36093 0.28842 0.36718 0.28935 C 0.3694 0.28981 0.36731 0.28912 0.36953 0.29027 C 0.37005 0.29051 0.37057 0.29074 0.37109 0.29097 C 0.37122 0.2912 0.37148 0.2912 0.37161 0.29143 C 0.372 0.29166 0.37226 0.29213 0.37265 0.29236 C 0.37304 0.29259 0.37343 0.29259 0.37382 0.29282 C 0.37682 0.29375 0.37252 0.29236 0.37591 0.29351 C 0.3763 0.29375 0.37656 0.29398 0.37695 0.29421 C 0.37838 0.2949 0.37851 0.2949 0.37981 0.29514 C 0.3802 0.29537 0.38059 0.29537 0.38099 0.2956 C 0.38268 0.29606 0.38437 0.29629 0.38593 0.29652 C 0.38684 0.29676 0.38789 0.29676 0.3888 0.29699 C 0.39088 0.29861 0.38841 0.29676 0.39062 0.29791 C 0.39088 0.29814 0.39114 0.29861 0.3914 0.29861 C 0.39218 0.29907 0.39296 0.29907 0.39375 0.2993 C 0.39557 0.3 0.39453 0.29976 0.397 0.3 C 0.39739 0.30023 0.39765 0.30046 0.39804 0.30046 C 0.39948 0.30069 0.40234 0.30092 0.40234 0.30092 L 0.40377 0.30092 " pathEditMode="relative" ptsTypes="AAAAAAAAAAAAAAAAAAAAAAAAAAAAAAAAAAAAAAAAAAAAAAAAAA">
+                                      <p:cBhvr>
+                                        <p:cTn id="14" dur="1000" fill="hold"/>
+                                        <p:tgtEl>
+                                          <p:spTgt spid="11"/>
+                                        </p:tgtEl>
+                                        <p:attrNameLst>
+                                          <p:attrName>ppt_x</p:attrName>
+                                          <p:attrName>ppt_y</p:attrName>
+                                        </p:attrNameLst>
+                                      </p:cBhvr>
+                                    </p:animMotion>
+                                  </p:childTnLst>
+                                </p:cTn>
+                              </p:par>
+                            </p:childTnLst>
+                          </p:cTn>
+                        </p:par>
+                        <p:par>
+                          <p:cTn id="15" fill="hold">
+                            <p:stCondLst>
+                              <p:cond delay="1000"/>
+                            </p:stCondLst>
+                            <p:childTnLst>
+                              <p:par>
+                                <p:cTn id="16" presetID="2" presetClass="exit" presetSubtype="2" fill="hold" grpId="3" nodeType="afterEffect">
+                                  <p:stCondLst>
+                                    <p:cond delay="0"/>
+                                  </p:stCondLst>
+                                  <p:childTnLst>
+                                    <p:anim calcmode="lin" valueType="num">
+                                      <p:cBhvr additive="base">
+                                        <p:cTn id="17" dur="500"/>
+                                        <p:tgtEl>
+                                          <p:spTgt spid="11"/>
+                                        </p:tgtEl>
+                                        <p:attrNameLst>
+                                          <p:attrName>ppt_x</p:attrName>
+                                        </p:attrNameLst>
+                                      </p:cBhvr>
+                                      <p:tavLst>
+                                        <p:tav tm="0">
+                                          <p:val>
+                                            <p:strVal val="ppt_x"/>
+                                          </p:val>
+                                        </p:tav>
+                                        <p:tav tm="100000">
+                                          <p:val>
+                                            <p:strVal val="1+ppt_w/2"/>
+                                          </p:val>
+                                        </p:tav>
+                                      </p:tavLst>
+                                    </p:anim>
+                                    <p:anim calcmode="lin" valueType="num">
+                                      <p:cBhvr additive="base">
+                                        <p:cTn id="18" dur="500"/>
+                                        <p:tgtEl>
+                                          <p:spTgt spid="11"/>
+                                        </p:tgtEl>
+                                        <p:attrNameLst>
+                                          <p:attrName>ppt_y</p:attrName>
+                                        </p:attrNameLst>
+                                      </p:cBhvr>
+                                      <p:tavLst>
+                                        <p:tav tm="0">
+                                          <p:val>
+                                            <p:strVal val="ppt_y"/>
+                                          </p:val>
+                                        </p:tav>
+                                        <p:tav tm="100000">
+                                          <p:val>
+                                            <p:strVal val="ppt_y"/>
+                                          </p:val>
+                                        </p:tav>
+                                      </p:tavLst>
+                                    </p:anim>
+                                    <p:set>
+                                      <p:cBhvr>
+                                        <p:cTn id="19" dur="1" fill="hold">
+                                          <p:stCondLst>
+                                            <p:cond delay="499"/>
+                                          </p:stCondLst>
+                                        </p:cTn>
+                                        <p:tgtEl>
+                                          <p:spTgt spid="11"/>
+                                        </p:tgtEl>
+                                        <p:attrNameLst>
+                                          <p:attrName>style.visibility</p:attrName>
+                                        </p:attrNameLst>
+                                      </p:cBhvr>
+                                      <p:to>
+                                        <p:strVal val="hidden"/>
+                                      </p:to>
+                                    </p:set>
+                                  </p:childTnLst>
+                                </p:cTn>
+                              </p:par>
+                            </p:childTnLst>
+                          </p:cTn>
+                        </p:par>
+                      </p:childTnLst>
+                    </p:cTn>
+                  </p:par>
+                </p:childTnLst>
+              </p:cTn>
+              <p:prevCondLst>
+                <p:cond evt="onPrev" delay="0">
+                  <p:tgtEl>
+                    <p:sldTgt/>
+                  </p:tgtEl>
+                </p:cond>
+              </p:prevCondLst>
+              <p:nextCondLst>
+                <p:cond evt="onNext" delay="0">
+                  <p:tgtEl>
+                    <p:sldTgt/>
+                  </p:tgtEl>
+                </p:cond>
+              </p:nextCondLst>
+            </p:seq>
+          </p:childTnLst>
+        </p:cTn>
+      </p:par>
+    </p:tnLst>
+    <p:bldLst>
+      <p:bldP spid="11" grpId="0" animBg="1"/>
+      <p:bldP spid="11" grpId="1" animBg="1"/>
+      <p:bldP spid="11" grpId="2" animBg="1"/>
+      <p:bldP spid="11" grpId="3" animBg="1"/>
+    </p:bldLst>
+  </p:timing>
+</p:sld>
+</file>
+
 <file path=ppt/theme/theme1.xml><?xml version="1.0" encoding="utf-8"?>
 <a:theme xmlns:a="http://schemas.openxmlformats.org/drawingml/2006/main" name="Office Theme">
   <a:themeElements>

--- a/FromBiologyToComputers.pptx
+++ b/FromBiologyToComputers.pptx
@@ -5,7 +5,7 @@
     <p:sldMasterId id="2147483648" r:id="rId1"/>
   </p:sldMasterIdLst>
   <p:notesMasterIdLst>
-    <p:notesMasterId r:id="rId7"/>
+    <p:notesMasterId r:id="rId8"/>
   </p:notesMasterIdLst>
   <p:sldIdLst>
     <p:sldId id="256" r:id="rId2"/>
@@ -13,6 +13,7 @@
     <p:sldId id="312" r:id="rId4"/>
     <p:sldId id="264" r:id="rId5"/>
     <p:sldId id="265" r:id="rId6"/>
+    <p:sldId id="266" r:id="rId7"/>
   </p:sldIdLst>
   <p:sldSz cx="12192000" cy="6858000"/>
   <p:notesSz cx="6858000" cy="9144000"/>
@@ -125,6 +126,7 @@
             <p14:sldId id="312"/>
             <p14:sldId id="264"/>
             <p14:sldId id="265"/>
+            <p14:sldId id="266"/>
           </p14:sldIdLst>
         </p14:section>
       </p14:sectionLst>
@@ -827,6 +829,107 @@
     <p:extLst>
       <p:ext uri="{BB962C8B-B14F-4D97-AF65-F5344CB8AC3E}">
         <p14:creationId xmlns:p14="http://schemas.microsoft.com/office/powerpoint/2010/main" val="2603403796"/>
+      </p:ext>
+    </p:extLst>
+  </p:cSld>
+  <p:clrMapOvr>
+    <a:masterClrMapping/>
+  </p:clrMapOvr>
+</p:notes>
+</file>
+
+<file path=ppt/notesSlides/notesSlide5.xml><?xml version="1.0" encoding="utf-8"?>
+<p:notes xmlns:a="http://schemas.openxmlformats.org/drawingml/2006/main" xmlns:r="http://schemas.openxmlformats.org/officeDocument/2006/relationships" xmlns:p="http://schemas.openxmlformats.org/presentationml/2006/main">
+  <p:cSld>
+    <p:spTree>
+      <p:nvGrpSpPr>
+        <p:cNvPr id="1" name=""/>
+        <p:cNvGrpSpPr/>
+        <p:nvPr/>
+      </p:nvGrpSpPr>
+      <p:grpSpPr>
+        <a:xfrm>
+          <a:off x="0" y="0"/>
+          <a:ext cx="0" cy="0"/>
+          <a:chOff x="0" y="0"/>
+          <a:chExt cx="0" cy="0"/>
+        </a:xfrm>
+      </p:grpSpPr>
+      <p:sp>
+        <p:nvSpPr>
+          <p:cNvPr id="2" name="Slide Image Placeholder 1"/>
+          <p:cNvSpPr>
+            <a:spLocks noGrp="1" noRot="1" noChangeAspect="1"/>
+          </p:cNvSpPr>
+          <p:nvPr>
+            <p:ph type="sldImg"/>
+          </p:nvPr>
+        </p:nvSpPr>
+        <p:spPr/>
+      </p:sp>
+      <p:sp>
+        <p:nvSpPr>
+          <p:cNvPr id="3" name="Notes Placeholder 2"/>
+          <p:cNvSpPr>
+            <a:spLocks noGrp="1"/>
+          </p:cNvSpPr>
+          <p:nvPr>
+            <p:ph type="body" idx="1"/>
+          </p:nvPr>
+        </p:nvSpPr>
+        <p:spPr/>
+        <p:txBody>
+          <a:bodyPr/>
+          <a:lstStyle/>
+          <a:p>
+            <a:pPr marL="0" marR="0" lvl="0" indent="0" algn="l" defTabSz="914400" rtl="0" eaLnBrk="1" fontAlgn="auto" latinLnBrk="0" hangingPunct="1">
+              <a:lnSpc>
+                <a:spcPct val="100000"/>
+              </a:lnSpc>
+              <a:spcBef>
+                <a:spcPts val="0"/>
+              </a:spcBef>
+              <a:spcAft>
+                <a:spcPts val="0"/>
+              </a:spcAft>
+              <a:buClrTx/>
+              <a:buSzTx/>
+              <a:buFontTx/>
+              <a:buNone/>
+              <a:tabLst/>
+              <a:defRPr/>
+            </a:pPr>
+            <a:endParaRPr lang="fr-FR" noProof="0" dirty="0"/>
+          </a:p>
+        </p:txBody>
+      </p:sp>
+      <p:sp>
+        <p:nvSpPr>
+          <p:cNvPr id="4" name="Slide Number Placeholder 3"/>
+          <p:cNvSpPr>
+            <a:spLocks noGrp="1"/>
+          </p:cNvSpPr>
+          <p:nvPr>
+            <p:ph type="sldNum" sz="quarter" idx="5"/>
+          </p:nvPr>
+        </p:nvSpPr>
+        <p:spPr/>
+        <p:txBody>
+          <a:bodyPr/>
+          <a:lstStyle/>
+          <a:p>
+            <a:fld id="{E4A24938-BD76-4D94-ABC1-81818C90BE90}" type="slidenum">
+              <a:rPr lang="en-US" smtClean="0"/>
+              <a:t>6</a:t>
+            </a:fld>
+            <a:endParaRPr lang="en-US"/>
+          </a:p>
+        </p:txBody>
+      </p:sp>
+    </p:spTree>
+    <p:extLst>
+      <p:ext uri="{BB962C8B-B14F-4D97-AF65-F5344CB8AC3E}">
+        <p14:creationId xmlns:p14="http://schemas.microsoft.com/office/powerpoint/2010/main" val="1356062300"/>
       </p:ext>
     </p:extLst>
   </p:cSld>
@@ -7202,6 +7305,1201 @@
 </p:sld>
 </file>
 
+<file path=ppt/slides/slide6.xml><?xml version="1.0" encoding="utf-8"?>
+<p:sld xmlns:a="http://schemas.openxmlformats.org/drawingml/2006/main" xmlns:r="http://schemas.openxmlformats.org/officeDocument/2006/relationships" xmlns:p="http://schemas.openxmlformats.org/presentationml/2006/main">
+  <p:cSld>
+    <p:spTree>
+      <p:nvGrpSpPr>
+        <p:cNvPr id="1" name=""/>
+        <p:cNvGrpSpPr/>
+        <p:nvPr/>
+      </p:nvGrpSpPr>
+      <p:grpSpPr>
+        <a:xfrm>
+          <a:off x="0" y="0"/>
+          <a:ext cx="0" cy="0"/>
+          <a:chOff x="0" y="0"/>
+          <a:chExt cx="0" cy="0"/>
+        </a:xfrm>
+      </p:grpSpPr>
+      <p:sp>
+        <p:nvSpPr>
+          <p:cNvPr id="2" name="Title 1">
+            <a:extLst>
+              <a:ext uri="{FF2B5EF4-FFF2-40B4-BE49-F238E27FC236}">
+                <a16:creationId xmlns:a16="http://schemas.microsoft.com/office/drawing/2014/main" id="{706C935F-66C6-5769-3D38-E3AEA8C9993C}"/>
+              </a:ext>
+            </a:extLst>
+          </p:cNvPr>
+          <p:cNvSpPr>
+            <a:spLocks noGrp="1"/>
+          </p:cNvSpPr>
+          <p:nvPr>
+            <p:ph type="title"/>
+          </p:nvPr>
+        </p:nvSpPr>
+        <p:spPr/>
+        <p:txBody>
+          <a:bodyPr/>
+          <a:lstStyle/>
+          <a:p>
+            <a:r>
+              <a:rPr lang="en-US" dirty="0"/>
+              <a:t>Synaptic integration</a:t>
+            </a:r>
+            <a:endParaRPr lang="fr-FR" dirty="0"/>
+          </a:p>
+        </p:txBody>
+      </p:sp>
+      <p:grpSp>
+        <p:nvGrpSpPr>
+          <p:cNvPr id="10" name="Group 9">
+            <a:extLst>
+              <a:ext uri="{FF2B5EF4-FFF2-40B4-BE49-F238E27FC236}">
+                <a16:creationId xmlns:a16="http://schemas.microsoft.com/office/drawing/2014/main" id="{029BE3A8-A7EB-595A-24DD-CB08D616B730}"/>
+              </a:ext>
+            </a:extLst>
+          </p:cNvPr>
+          <p:cNvGrpSpPr/>
+          <p:nvPr/>
+        </p:nvGrpSpPr>
+        <p:grpSpPr>
+          <a:xfrm rot="10800000">
+            <a:off x="1304910" y="1879493"/>
+            <a:ext cx="7229489" cy="4365732"/>
+            <a:chOff x="923911" y="1365996"/>
+            <a:chExt cx="6623698" cy="3999908"/>
+          </a:xfrm>
+        </p:grpSpPr>
+        <p:pic>
+          <p:nvPicPr>
+            <p:cNvPr id="4" name="Picture 3">
+              <a:extLst>
+                <a:ext uri="{FF2B5EF4-FFF2-40B4-BE49-F238E27FC236}">
+                  <a16:creationId xmlns:a16="http://schemas.microsoft.com/office/drawing/2014/main" id="{A95F52F9-FBFA-F0AB-6E83-B43478E01746}"/>
+                </a:ext>
+              </a:extLst>
+            </p:cNvPr>
+            <p:cNvPicPr>
+              <a:picLocks noChangeAspect="1"/>
+            </p:cNvPicPr>
+            <p:nvPr/>
+          </p:nvPicPr>
+          <p:blipFill>
+            <a:blip r:embed="rId3"/>
+            <a:stretch>
+              <a:fillRect/>
+            </a:stretch>
+          </p:blipFill>
+          <p:spPr>
+            <a:xfrm>
+              <a:off x="923911" y="2471039"/>
+              <a:ext cx="3366149" cy="1361486"/>
+            </a:xfrm>
+            <a:prstGeom prst="rect">
+              <a:avLst/>
+            </a:prstGeom>
+          </p:spPr>
+        </p:pic>
+        <p:pic>
+          <p:nvPicPr>
+            <p:cNvPr id="6" name="Picture 5">
+              <a:extLst>
+                <a:ext uri="{FF2B5EF4-FFF2-40B4-BE49-F238E27FC236}">
+                  <a16:creationId xmlns:a16="http://schemas.microsoft.com/office/drawing/2014/main" id="{BDD48A01-C7C1-FC28-91C1-44C67E3E5156}"/>
+                </a:ext>
+              </a:extLst>
+            </p:cNvPr>
+            <p:cNvPicPr>
+              <a:picLocks noChangeAspect="1"/>
+            </p:cNvPicPr>
+            <p:nvPr/>
+          </p:nvPicPr>
+          <p:blipFill>
+            <a:blip r:embed="rId3"/>
+            <a:stretch>
+              <a:fillRect/>
+            </a:stretch>
+          </p:blipFill>
+          <p:spPr>
+            <a:xfrm rot="941488">
+              <a:off x="3162287" y="4004418"/>
+              <a:ext cx="3366146" cy="1361486"/>
+            </a:xfrm>
+            <a:prstGeom prst="rect">
+              <a:avLst/>
+            </a:prstGeom>
+          </p:spPr>
+        </p:pic>
+        <p:pic>
+          <p:nvPicPr>
+            <p:cNvPr id="7" name="Picture 6">
+              <a:extLst>
+                <a:ext uri="{FF2B5EF4-FFF2-40B4-BE49-F238E27FC236}">
+                  <a16:creationId xmlns:a16="http://schemas.microsoft.com/office/drawing/2014/main" id="{BDBBA70A-97C6-BBDA-E7F3-C01F4DF28F20}"/>
+                </a:ext>
+              </a:extLst>
+            </p:cNvPr>
+            <p:cNvPicPr>
+              <a:picLocks noChangeAspect="1"/>
+            </p:cNvPicPr>
+            <p:nvPr/>
+          </p:nvPicPr>
+          <p:blipFill>
+            <a:blip r:embed="rId3"/>
+            <a:stretch>
+              <a:fillRect/>
+            </a:stretch>
+          </p:blipFill>
+          <p:spPr>
+            <a:xfrm rot="21445380" flipV="1">
+              <a:off x="3664568" y="1365996"/>
+              <a:ext cx="3366147" cy="1361486"/>
+            </a:xfrm>
+            <a:prstGeom prst="rect">
+              <a:avLst/>
+            </a:prstGeom>
+          </p:spPr>
+        </p:pic>
+        <p:pic>
+          <p:nvPicPr>
+            <p:cNvPr id="9" name="Picture 8">
+              <a:extLst>
+                <a:ext uri="{FF2B5EF4-FFF2-40B4-BE49-F238E27FC236}">
+                  <a16:creationId xmlns:a16="http://schemas.microsoft.com/office/drawing/2014/main" id="{B8BFE8A0-5540-E6BE-9B9E-6F63CA93EA80}"/>
+                </a:ext>
+              </a:extLst>
+            </p:cNvPr>
+            <p:cNvPicPr>
+              <a:picLocks noChangeAspect="1"/>
+            </p:cNvPicPr>
+            <p:nvPr/>
+          </p:nvPicPr>
+          <p:blipFill>
+            <a:blip r:embed="rId3"/>
+            <a:stretch>
+              <a:fillRect/>
+            </a:stretch>
+          </p:blipFill>
+          <p:spPr>
+            <a:xfrm rot="21083102">
+              <a:off x="4181462" y="2748256"/>
+              <a:ext cx="3366147" cy="1361486"/>
+            </a:xfrm>
+            <a:prstGeom prst="rect">
+              <a:avLst/>
+            </a:prstGeom>
+          </p:spPr>
+        </p:pic>
+      </p:grpSp>
+      <p:sp>
+        <p:nvSpPr>
+          <p:cNvPr id="11" name="Oval 10">
+            <a:extLst>
+              <a:ext uri="{FF2B5EF4-FFF2-40B4-BE49-F238E27FC236}">
+                <a16:creationId xmlns:a16="http://schemas.microsoft.com/office/drawing/2014/main" id="{FF424C1F-1247-45CF-A9FD-4D104B9D6A22}"/>
+              </a:ext>
+            </a:extLst>
+          </p:cNvPr>
+          <p:cNvSpPr/>
+          <p:nvPr/>
+        </p:nvSpPr>
+        <p:spPr>
+          <a:xfrm>
+            <a:off x="3155950" y="2285775"/>
+            <a:ext cx="190725" cy="190725"/>
+          </a:xfrm>
+          <a:prstGeom prst="ellipse">
+            <a:avLst/>
+          </a:prstGeom>
+          <a:solidFill>
+            <a:srgbClr val="FF0000"/>
+          </a:solidFill>
+          <a:ln>
+            <a:noFill/>
+          </a:ln>
+        </p:spPr>
+        <p:style>
+          <a:lnRef idx="2">
+            <a:schemeClr val="accent1">
+              <a:shade val="50000"/>
+            </a:schemeClr>
+          </a:lnRef>
+          <a:fillRef idx="1">
+            <a:schemeClr val="accent1"/>
+          </a:fillRef>
+          <a:effectRef idx="0">
+            <a:schemeClr val="accent1"/>
+          </a:effectRef>
+          <a:fontRef idx="minor">
+            <a:schemeClr val="lt1"/>
+          </a:fontRef>
+        </p:style>
+        <p:txBody>
+          <a:bodyPr rtlCol="0" anchor="ctr"/>
+          <a:lstStyle/>
+          <a:p>
+            <a:pPr algn="ctr"/>
+            <a:endParaRPr lang="en-US"/>
+          </a:p>
+        </p:txBody>
+      </p:sp>
+      <p:sp>
+        <p:nvSpPr>
+          <p:cNvPr id="12" name="Oval 11">
+            <a:extLst>
+              <a:ext uri="{FF2B5EF4-FFF2-40B4-BE49-F238E27FC236}">
+                <a16:creationId xmlns:a16="http://schemas.microsoft.com/office/drawing/2014/main" id="{01599F7B-E8F6-F83D-BBB5-5BEA53FF2439}"/>
+              </a:ext>
+            </a:extLst>
+          </p:cNvPr>
+          <p:cNvSpPr/>
+          <p:nvPr/>
+        </p:nvSpPr>
+        <p:spPr>
+          <a:xfrm>
+            <a:off x="2030571" y="4093854"/>
+            <a:ext cx="190725" cy="190725"/>
+          </a:xfrm>
+          <a:prstGeom prst="ellipse">
+            <a:avLst/>
+          </a:prstGeom>
+          <a:solidFill>
+            <a:srgbClr val="FF0000"/>
+          </a:solidFill>
+          <a:ln>
+            <a:noFill/>
+          </a:ln>
+        </p:spPr>
+        <p:style>
+          <a:lnRef idx="2">
+            <a:schemeClr val="accent1">
+              <a:shade val="50000"/>
+            </a:schemeClr>
+          </a:lnRef>
+          <a:fillRef idx="1">
+            <a:schemeClr val="accent1"/>
+          </a:fillRef>
+          <a:effectRef idx="0">
+            <a:schemeClr val="accent1"/>
+          </a:effectRef>
+          <a:fontRef idx="minor">
+            <a:schemeClr val="lt1"/>
+          </a:fontRef>
+        </p:style>
+        <p:txBody>
+          <a:bodyPr rtlCol="0" anchor="ctr"/>
+          <a:lstStyle/>
+          <a:p>
+            <a:pPr algn="ctr"/>
+            <a:endParaRPr lang="en-US"/>
+          </a:p>
+        </p:txBody>
+      </p:sp>
+      <p:sp>
+        <p:nvSpPr>
+          <p:cNvPr id="13" name="Oval 12">
+            <a:extLst>
+              <a:ext uri="{FF2B5EF4-FFF2-40B4-BE49-F238E27FC236}">
+                <a16:creationId xmlns:a16="http://schemas.microsoft.com/office/drawing/2014/main" id="{435AF5BE-68A2-BA82-F451-9814770B3050}"/>
+              </a:ext>
+            </a:extLst>
+          </p:cNvPr>
+          <p:cNvSpPr/>
+          <p:nvPr/>
+        </p:nvSpPr>
+        <p:spPr>
+          <a:xfrm>
+            <a:off x="2576830" y="5406859"/>
+            <a:ext cx="190725" cy="190725"/>
+          </a:xfrm>
+          <a:prstGeom prst="ellipse">
+            <a:avLst/>
+          </a:prstGeom>
+          <a:solidFill>
+            <a:srgbClr val="FF0000"/>
+          </a:solidFill>
+          <a:ln>
+            <a:noFill/>
+          </a:ln>
+        </p:spPr>
+        <p:style>
+          <a:lnRef idx="2">
+            <a:schemeClr val="accent1">
+              <a:shade val="50000"/>
+            </a:schemeClr>
+          </a:lnRef>
+          <a:fillRef idx="1">
+            <a:schemeClr val="accent1"/>
+          </a:fillRef>
+          <a:effectRef idx="0">
+            <a:schemeClr val="accent1"/>
+          </a:effectRef>
+          <a:fontRef idx="minor">
+            <a:schemeClr val="lt1"/>
+          </a:fontRef>
+        </p:style>
+        <p:txBody>
+          <a:bodyPr rtlCol="0" anchor="ctr"/>
+          <a:lstStyle/>
+          <a:p>
+            <a:pPr algn="ctr"/>
+            <a:endParaRPr lang="en-US" dirty="0"/>
+          </a:p>
+        </p:txBody>
+      </p:sp>
+      <mc:AlternateContent xmlns:mc="http://schemas.openxmlformats.org/markup-compatibility/2006" xmlns:a14="http://schemas.microsoft.com/office/drawing/2010/main">
+        <mc:Choice Requires="a14">
+          <p:sp>
+            <p:nvSpPr>
+              <p:cNvPr id="14" name="TextBox 13">
+                <a:extLst>
+                  <a:ext uri="{FF2B5EF4-FFF2-40B4-BE49-F238E27FC236}">
+                    <a16:creationId xmlns:a16="http://schemas.microsoft.com/office/drawing/2014/main" id="{FE9E3075-40D5-5758-0788-459FD96CB8C1}"/>
+                  </a:ext>
+                </a:extLst>
+              </p:cNvPr>
+              <p:cNvSpPr txBox="1"/>
+              <p:nvPr/>
+            </p:nvSpPr>
+            <p:spPr>
+              <a:xfrm>
+                <a:off x="6223793" y="3754222"/>
+                <a:ext cx="494045" cy="369332"/>
+              </a:xfrm>
+              <a:prstGeom prst="rect">
+                <a:avLst/>
+              </a:prstGeom>
+              <a:noFill/>
+            </p:spPr>
+            <p:txBody>
+              <a:bodyPr wrap="none" rtlCol="0">
+                <a:spAutoFit/>
+              </a:bodyPr>
+              <a:lstStyle/>
+              <a:p>
+                <a:pPr/>
+                <a14:m>
+                  <m:oMathPara xmlns:m="http://schemas.openxmlformats.org/officeDocument/2006/math">
+                    <m:oMathParaPr>
+                      <m:jc m:val="centerGroup"/>
+                    </m:oMathParaPr>
+                    <m:oMath xmlns:m="http://schemas.openxmlformats.org/officeDocument/2006/math">
+                      <m:sSub>
+                        <m:sSubPr>
+                          <m:ctrlPr>
+                            <a:rPr lang="fr-FR" b="0" i="1" smtClean="0">
+                              <a:latin typeface="Cambria Math" panose="02040503050406030204" pitchFamily="18" charset="0"/>
+                            </a:rPr>
+                          </m:ctrlPr>
+                        </m:sSubPr>
+                        <m:e>
+                          <m:r>
+                            <a:rPr lang="fr-FR" b="0" i="1" smtClean="0">
+                              <a:latin typeface="Cambria Math" panose="02040503050406030204" pitchFamily="18" charset="0"/>
+                            </a:rPr>
+                            <m:t>𝑁</m:t>
+                          </m:r>
+                        </m:e>
+                        <m:sub>
+                          <m:r>
+                            <a:rPr lang="fr-FR" b="0" i="1" smtClean="0">
+                              <a:latin typeface="Cambria Math" panose="02040503050406030204" pitchFamily="18" charset="0"/>
+                            </a:rPr>
+                            <m:t>0</m:t>
+                          </m:r>
+                        </m:sub>
+                      </m:sSub>
+                    </m:oMath>
+                  </m:oMathPara>
+                </a14:m>
+                <a:endParaRPr lang="fr-FR" b="0" dirty="0"/>
+              </a:p>
+            </p:txBody>
+          </p:sp>
+        </mc:Choice>
+        <mc:Fallback xmlns="">
+          <p:sp>
+            <p:nvSpPr>
+              <p:cNvPr id="14" name="TextBox 13">
+                <a:extLst>
+                  <a:ext uri="{FF2B5EF4-FFF2-40B4-BE49-F238E27FC236}">
+                    <a16:creationId xmlns:a16="http://schemas.microsoft.com/office/drawing/2014/main" id="{FE9E3075-40D5-5758-0788-459FD96CB8C1}"/>
+                  </a:ext>
+                </a:extLst>
+              </p:cNvPr>
+              <p:cNvSpPr txBox="1">
+                <a:spLocks noRot="1" noChangeAspect="1" noMove="1" noResize="1" noEditPoints="1" noAdjustHandles="1" noChangeArrowheads="1" noChangeShapeType="1" noTextEdit="1"/>
+              </p:cNvSpPr>
+              <p:nvPr/>
+            </p:nvSpPr>
+            <p:spPr>
+              <a:xfrm>
+                <a:off x="6223793" y="3754222"/>
+                <a:ext cx="494045" cy="369332"/>
+              </a:xfrm>
+              <a:prstGeom prst="rect">
+                <a:avLst/>
+              </a:prstGeom>
+              <a:blipFill>
+                <a:blip r:embed="rId4"/>
+                <a:stretch>
+                  <a:fillRect/>
+                </a:stretch>
+              </a:blipFill>
+            </p:spPr>
+            <p:txBody>
+              <a:bodyPr/>
+              <a:lstStyle/>
+              <a:p>
+                <a:r>
+                  <a:rPr lang="en-US">
+                    <a:noFill/>
+                  </a:rPr>
+                  <a:t> </a:t>
+                </a:r>
+              </a:p>
+            </p:txBody>
+          </p:sp>
+        </mc:Fallback>
+      </mc:AlternateContent>
+      <mc:AlternateContent xmlns:mc="http://schemas.openxmlformats.org/markup-compatibility/2006" xmlns:a14="http://schemas.microsoft.com/office/drawing/2010/main">
+        <mc:Choice Requires="a14">
+          <p:sp>
+            <p:nvSpPr>
+              <p:cNvPr id="15" name="TextBox 14">
+                <a:extLst>
+                  <a:ext uri="{FF2B5EF4-FFF2-40B4-BE49-F238E27FC236}">
+                    <a16:creationId xmlns:a16="http://schemas.microsoft.com/office/drawing/2014/main" id="{D52CE794-6A98-8781-0C40-BE47DDFC872C}"/>
+                  </a:ext>
+                </a:extLst>
+              </p:cNvPr>
+              <p:cNvSpPr txBox="1"/>
+              <p:nvPr/>
+            </p:nvSpPr>
+            <p:spPr>
+              <a:xfrm>
+                <a:off x="2231655" y="2107168"/>
+                <a:ext cx="488724" cy="369332"/>
+              </a:xfrm>
+              <a:prstGeom prst="rect">
+                <a:avLst/>
+              </a:prstGeom>
+              <a:noFill/>
+            </p:spPr>
+            <p:txBody>
+              <a:bodyPr wrap="none" rtlCol="0">
+                <a:spAutoFit/>
+              </a:bodyPr>
+              <a:lstStyle/>
+              <a:p>
+                <a:pPr/>
+                <a14:m>
+                  <m:oMathPara xmlns:m="http://schemas.openxmlformats.org/officeDocument/2006/math">
+                    <m:oMathParaPr>
+                      <m:jc m:val="centerGroup"/>
+                    </m:oMathParaPr>
+                    <m:oMath xmlns:m="http://schemas.openxmlformats.org/officeDocument/2006/math">
+                      <m:sSub>
+                        <m:sSubPr>
+                          <m:ctrlPr>
+                            <a:rPr lang="fr-FR" b="0" i="1" smtClean="0">
+                              <a:latin typeface="Cambria Math" panose="02040503050406030204" pitchFamily="18" charset="0"/>
+                            </a:rPr>
+                          </m:ctrlPr>
+                        </m:sSubPr>
+                        <m:e>
+                          <m:r>
+                            <a:rPr lang="fr-FR" b="0" i="1" smtClean="0">
+                              <a:latin typeface="Cambria Math" panose="02040503050406030204" pitchFamily="18" charset="0"/>
+                            </a:rPr>
+                            <m:t>𝑁</m:t>
+                          </m:r>
+                        </m:e>
+                        <m:sub>
+                          <m:r>
+                            <a:rPr lang="fr-FR" b="0" i="1" smtClean="0">
+                              <a:latin typeface="Cambria Math" panose="02040503050406030204" pitchFamily="18" charset="0"/>
+                            </a:rPr>
+                            <m:t>1</m:t>
+                          </m:r>
+                        </m:sub>
+                      </m:sSub>
+                    </m:oMath>
+                  </m:oMathPara>
+                </a14:m>
+                <a:endParaRPr lang="fr-FR" b="0" dirty="0"/>
+              </a:p>
+            </p:txBody>
+          </p:sp>
+        </mc:Choice>
+        <mc:Fallback xmlns="">
+          <p:sp>
+            <p:nvSpPr>
+              <p:cNvPr id="15" name="TextBox 14">
+                <a:extLst>
+                  <a:ext uri="{FF2B5EF4-FFF2-40B4-BE49-F238E27FC236}">
+                    <a16:creationId xmlns:a16="http://schemas.microsoft.com/office/drawing/2014/main" id="{D52CE794-6A98-8781-0C40-BE47DDFC872C}"/>
+                  </a:ext>
+                </a:extLst>
+              </p:cNvPr>
+              <p:cNvSpPr txBox="1">
+                <a:spLocks noRot="1" noChangeAspect="1" noMove="1" noResize="1" noEditPoints="1" noAdjustHandles="1" noChangeArrowheads="1" noChangeShapeType="1" noTextEdit="1"/>
+              </p:cNvSpPr>
+              <p:nvPr/>
+            </p:nvSpPr>
+            <p:spPr>
+              <a:xfrm>
+                <a:off x="2231655" y="2107168"/>
+                <a:ext cx="488724" cy="369332"/>
+              </a:xfrm>
+              <a:prstGeom prst="rect">
+                <a:avLst/>
+              </a:prstGeom>
+              <a:blipFill>
+                <a:blip r:embed="rId5"/>
+                <a:stretch>
+                  <a:fillRect/>
+                </a:stretch>
+              </a:blipFill>
+            </p:spPr>
+            <p:txBody>
+              <a:bodyPr/>
+              <a:lstStyle/>
+              <a:p>
+                <a:r>
+                  <a:rPr lang="en-US">
+                    <a:noFill/>
+                  </a:rPr>
+                  <a:t> </a:t>
+                </a:r>
+              </a:p>
+            </p:txBody>
+          </p:sp>
+        </mc:Fallback>
+      </mc:AlternateContent>
+      <mc:AlternateContent xmlns:mc="http://schemas.openxmlformats.org/markup-compatibility/2006" xmlns:a14="http://schemas.microsoft.com/office/drawing/2010/main">
+        <mc:Choice Requires="a14">
+          <p:sp>
+            <p:nvSpPr>
+              <p:cNvPr id="16" name="TextBox 15">
+                <a:extLst>
+                  <a:ext uri="{FF2B5EF4-FFF2-40B4-BE49-F238E27FC236}">
+                    <a16:creationId xmlns:a16="http://schemas.microsoft.com/office/drawing/2014/main" id="{5D3DFFB7-A7F7-E503-EA3B-28A5F3F0DD61}"/>
+                  </a:ext>
+                </a:extLst>
+              </p:cNvPr>
+              <p:cNvSpPr txBox="1"/>
+              <p:nvPr/>
+            </p:nvSpPr>
+            <p:spPr>
+              <a:xfrm>
+                <a:off x="1851013" y="5946155"/>
+                <a:ext cx="494046" cy="369332"/>
+              </a:xfrm>
+              <a:prstGeom prst="rect">
+                <a:avLst/>
+              </a:prstGeom>
+              <a:noFill/>
+            </p:spPr>
+            <p:txBody>
+              <a:bodyPr wrap="none" rtlCol="0">
+                <a:spAutoFit/>
+              </a:bodyPr>
+              <a:lstStyle/>
+              <a:p>
+                <a:pPr/>
+                <a14:m>
+                  <m:oMathPara xmlns:m="http://schemas.openxmlformats.org/officeDocument/2006/math">
+                    <m:oMathParaPr>
+                      <m:jc m:val="centerGroup"/>
+                    </m:oMathParaPr>
+                    <m:oMath xmlns:m="http://schemas.openxmlformats.org/officeDocument/2006/math">
+                      <m:sSub>
+                        <m:sSubPr>
+                          <m:ctrlPr>
+                            <a:rPr lang="fr-FR" b="0" i="1" smtClean="0">
+                              <a:latin typeface="Cambria Math" panose="02040503050406030204" pitchFamily="18" charset="0"/>
+                            </a:rPr>
+                          </m:ctrlPr>
+                        </m:sSubPr>
+                        <m:e>
+                          <m:r>
+                            <a:rPr lang="fr-FR" b="0" i="1" smtClean="0">
+                              <a:latin typeface="Cambria Math" panose="02040503050406030204" pitchFamily="18" charset="0"/>
+                            </a:rPr>
+                            <m:t>𝑁</m:t>
+                          </m:r>
+                        </m:e>
+                        <m:sub>
+                          <m:r>
+                            <a:rPr lang="fr-FR" b="0" i="1" smtClean="0">
+                              <a:latin typeface="Cambria Math" panose="02040503050406030204" pitchFamily="18" charset="0"/>
+                            </a:rPr>
+                            <m:t>3</m:t>
+                          </m:r>
+                        </m:sub>
+                      </m:sSub>
+                    </m:oMath>
+                  </m:oMathPara>
+                </a14:m>
+                <a:endParaRPr lang="fr-FR" b="0" dirty="0"/>
+              </a:p>
+            </p:txBody>
+          </p:sp>
+        </mc:Choice>
+        <mc:Fallback xmlns="">
+          <p:sp>
+            <p:nvSpPr>
+              <p:cNvPr id="16" name="TextBox 15">
+                <a:extLst>
+                  <a:ext uri="{FF2B5EF4-FFF2-40B4-BE49-F238E27FC236}">
+                    <a16:creationId xmlns:a16="http://schemas.microsoft.com/office/drawing/2014/main" id="{5D3DFFB7-A7F7-E503-EA3B-28A5F3F0DD61}"/>
+                  </a:ext>
+                </a:extLst>
+              </p:cNvPr>
+              <p:cNvSpPr txBox="1">
+                <a:spLocks noRot="1" noChangeAspect="1" noMove="1" noResize="1" noEditPoints="1" noAdjustHandles="1" noChangeArrowheads="1" noChangeShapeType="1" noTextEdit="1"/>
+              </p:cNvSpPr>
+              <p:nvPr/>
+            </p:nvSpPr>
+            <p:spPr>
+              <a:xfrm>
+                <a:off x="1851013" y="5946155"/>
+                <a:ext cx="494046" cy="369332"/>
+              </a:xfrm>
+              <a:prstGeom prst="rect">
+                <a:avLst/>
+              </a:prstGeom>
+              <a:blipFill>
+                <a:blip r:embed="rId6"/>
+                <a:stretch>
+                  <a:fillRect/>
+                </a:stretch>
+              </a:blipFill>
+            </p:spPr>
+            <p:txBody>
+              <a:bodyPr/>
+              <a:lstStyle/>
+              <a:p>
+                <a:r>
+                  <a:rPr lang="en-US">
+                    <a:noFill/>
+                  </a:rPr>
+                  <a:t> </a:t>
+                </a:r>
+              </a:p>
+            </p:txBody>
+          </p:sp>
+        </mc:Fallback>
+      </mc:AlternateContent>
+      <mc:AlternateContent xmlns:mc="http://schemas.openxmlformats.org/markup-compatibility/2006" xmlns:a14="http://schemas.microsoft.com/office/drawing/2010/main">
+        <mc:Choice Requires="a14">
+          <p:sp>
+            <p:nvSpPr>
+              <p:cNvPr id="17" name="TextBox 16">
+                <a:extLst>
+                  <a:ext uri="{FF2B5EF4-FFF2-40B4-BE49-F238E27FC236}">
+                    <a16:creationId xmlns:a16="http://schemas.microsoft.com/office/drawing/2014/main" id="{9455FBB3-A9C8-E52F-3C76-76BA17682E9A}"/>
+                  </a:ext>
+                </a:extLst>
+              </p:cNvPr>
+              <p:cNvSpPr txBox="1"/>
+              <p:nvPr/>
+            </p:nvSpPr>
+            <p:spPr>
+              <a:xfrm>
+                <a:off x="1148455" y="3433041"/>
+                <a:ext cx="494046" cy="369332"/>
+              </a:xfrm>
+              <a:prstGeom prst="rect">
+                <a:avLst/>
+              </a:prstGeom>
+              <a:noFill/>
+            </p:spPr>
+            <p:txBody>
+              <a:bodyPr wrap="none" rtlCol="0">
+                <a:spAutoFit/>
+              </a:bodyPr>
+              <a:lstStyle/>
+              <a:p>
+                <a:pPr/>
+                <a14:m>
+                  <m:oMathPara xmlns:m="http://schemas.openxmlformats.org/officeDocument/2006/math">
+                    <m:oMathParaPr>
+                      <m:jc m:val="centerGroup"/>
+                    </m:oMathParaPr>
+                    <m:oMath xmlns:m="http://schemas.openxmlformats.org/officeDocument/2006/math">
+                      <m:sSub>
+                        <m:sSubPr>
+                          <m:ctrlPr>
+                            <a:rPr lang="fr-FR" b="0" i="1" smtClean="0">
+                              <a:latin typeface="Cambria Math" panose="02040503050406030204" pitchFamily="18" charset="0"/>
+                            </a:rPr>
+                          </m:ctrlPr>
+                        </m:sSubPr>
+                        <m:e>
+                          <m:r>
+                            <a:rPr lang="fr-FR" b="0" i="1" smtClean="0">
+                              <a:latin typeface="Cambria Math" panose="02040503050406030204" pitchFamily="18" charset="0"/>
+                            </a:rPr>
+                            <m:t>𝑁</m:t>
+                          </m:r>
+                        </m:e>
+                        <m:sub>
+                          <m:r>
+                            <a:rPr lang="fr-FR" b="0" i="1" smtClean="0">
+                              <a:latin typeface="Cambria Math" panose="02040503050406030204" pitchFamily="18" charset="0"/>
+                            </a:rPr>
+                            <m:t>2</m:t>
+                          </m:r>
+                        </m:sub>
+                      </m:sSub>
+                    </m:oMath>
+                  </m:oMathPara>
+                </a14:m>
+                <a:endParaRPr lang="fr-FR" b="0" dirty="0"/>
+              </a:p>
+            </p:txBody>
+          </p:sp>
+        </mc:Choice>
+        <mc:Fallback xmlns="">
+          <p:sp>
+            <p:nvSpPr>
+              <p:cNvPr id="17" name="TextBox 16">
+                <a:extLst>
+                  <a:ext uri="{FF2B5EF4-FFF2-40B4-BE49-F238E27FC236}">
+                    <a16:creationId xmlns:a16="http://schemas.microsoft.com/office/drawing/2014/main" id="{9455FBB3-A9C8-E52F-3C76-76BA17682E9A}"/>
+                  </a:ext>
+                </a:extLst>
+              </p:cNvPr>
+              <p:cNvSpPr txBox="1">
+                <a:spLocks noRot="1" noChangeAspect="1" noMove="1" noResize="1" noEditPoints="1" noAdjustHandles="1" noChangeArrowheads="1" noChangeShapeType="1" noTextEdit="1"/>
+              </p:cNvSpPr>
+              <p:nvPr/>
+            </p:nvSpPr>
+            <p:spPr>
+              <a:xfrm>
+                <a:off x="1148455" y="3433041"/>
+                <a:ext cx="494046" cy="369332"/>
+              </a:xfrm>
+              <a:prstGeom prst="rect">
+                <a:avLst/>
+              </a:prstGeom>
+              <a:blipFill>
+                <a:blip r:embed="rId7"/>
+                <a:stretch>
+                  <a:fillRect/>
+                </a:stretch>
+              </a:blipFill>
+            </p:spPr>
+            <p:txBody>
+              <a:bodyPr/>
+              <a:lstStyle/>
+              <a:p>
+                <a:r>
+                  <a:rPr lang="en-US">
+                    <a:noFill/>
+                  </a:rPr>
+                  <a:t> </a:t>
+                </a:r>
+              </a:p>
+            </p:txBody>
+          </p:sp>
+        </mc:Fallback>
+      </mc:AlternateContent>
+    </p:spTree>
+    <p:extLst>
+      <p:ext uri="{BB962C8B-B14F-4D97-AF65-F5344CB8AC3E}">
+        <p14:creationId xmlns:p14="http://schemas.microsoft.com/office/powerpoint/2010/main" val="1939492519"/>
+      </p:ext>
+    </p:extLst>
+  </p:cSld>
+  <p:clrMapOvr>
+    <a:masterClrMapping/>
+  </p:clrMapOvr>
+  <p:timing>
+    <p:tnLst>
+      <p:par>
+        <p:cTn id="1" dur="indefinite" restart="never" nodeType="tmRoot">
+          <p:childTnLst>
+            <p:seq concurrent="1" nextAc="seek">
+              <p:cTn id="2" dur="indefinite" nodeType="mainSeq">
+                <p:childTnLst>
+                  <p:par>
+                    <p:cTn id="3" fill="hold">
+                      <p:stCondLst>
+                        <p:cond delay="indefinite"/>
+                      </p:stCondLst>
+                      <p:childTnLst>
+                        <p:par>
+                          <p:cTn id="4" fill="hold">
+                            <p:stCondLst>
+                              <p:cond delay="0"/>
+                            </p:stCondLst>
+                            <p:childTnLst>
+                              <p:par>
+                                <p:cTn id="5" presetID="0" presetClass="path" presetSubtype="0" accel="50000" decel="50000" fill="hold" grpId="0" nodeType="clickEffect">
+                                  <p:stCondLst>
+                                    <p:cond delay="0"/>
+                                  </p:stCondLst>
+                                  <p:childTnLst>
+                                    <p:animMotion origin="layout" path="M 3.33333E-6 -2.22222E-6 L 3.33333E-6 0.00023 C 0.00091 0.00023 0.00208 0.00093 0.00325 0.00162 C 0.0039 0.00185 0.00481 0.00209 0.0056 0.00255 C 0.00599 0.00255 0.00638 0.00301 0.0069 0.00347 C 0.00755 0.00371 0.00911 0.00394 0.00976 0.0044 C 0.0108 0.00463 0.01172 0.00533 0.01289 0.00579 C 0.01328 0.00579 0.01367 0.00602 0.01419 0.00625 C 0.0151 0.00648 0.01536 0.00672 0.01653 0.00718 C 0.01718 0.00718 0.0181 0.00741 0.01888 0.00764 C 0.02135 0.00857 0.02369 0.00972 0.02643 0.01042 C 0.02721 0.01042 0.02799 0.01065 0.02877 0.01088 C 0.02929 0.01088 0.02968 0.01111 0.03034 0.01134 C 0.03086 0.01134 0.03151 0.01158 0.03216 0.01204 C 0.03268 0.01204 0.0332 0.01227 0.03372 0.0125 C 0.03398 0.0125 0.03437 0.01273 0.03476 0.01297 C 0.03541 0.01297 0.03632 0.0132 0.03711 0.01343 C 0.03867 0.01366 0.03802 0.01366 0.03945 0.01435 C 0.04192 0.01482 0.03997 0.01435 0.04284 0.01505 C 0.0431 0.01505 0.04349 0.01528 0.04388 0.01551 C 0.0444 0.01551 0.04505 0.01574 0.0457 0.01597 C 0.04726 0.0169 0.04557 0.01597 0.04856 0.0169 C 0.04882 0.0169 0.04922 0.01713 0.04948 0.01736 C 0.05026 0.01759 0.05117 0.01783 0.05208 0.01829 L 0.0539 0.01922 C 0.05416 0.01922 0.05442 0.01945 0.05468 0.01968 C 0.05521 0.01991 0.05573 0.02037 0.05625 0.02107 C 0.05651 0.0213 0.05664 0.02176 0.05703 0.02199 C 0.05755 0.02222 0.0582 0.02246 0.05885 0.02292 C 0.05924 0.02338 0.05963 0.02408 0.06015 0.02454 C 0.06172 0.02593 0.06093 0.02477 0.06224 0.02639 C 0.0664 0.03172 0.06132 0.02523 0.06432 0.02963 C 0.06445 0.02986 0.06484 0.02986 0.0651 0.03033 C 0.06601 0.03148 0.06614 0.03195 0.06744 0.0331 C 0.06757 0.0331 0.06797 0.03334 0.06823 0.03357 C 0.06849 0.0338 0.06862 0.03426 0.06901 0.03449 C 0.06966 0.03496 0.07135 0.03611 0.07135 0.03634 C 0.072 0.03681 0.0733 0.03866 0.07396 0.03935 C 0.07422 0.03959 0.07461 0.03935 0.075 0.03982 C 0.07578 0.04028 0.07669 0.04144 0.0776 0.04213 C 0.07916 0.04329 0.08112 0.04398 0.08281 0.04468 C 0.08515 0.04584 0.08463 0.04584 0.08698 0.04699 C 0.08763 0.04722 0.08854 0.04769 0.08932 0.04815 C 0.0901 0.04838 0.09101 0.04908 0.09192 0.04954 C 0.09257 0.04977 0.09323 0.05 0.09401 0.05047 C 0.0944 0.0507 0.09479 0.05093 0.09531 0.05139 C 0.0957 0.05139 0.09609 0.05162 0.09661 0.05185 C 0.097 0.05209 0.09739 0.05255 0.09791 0.05278 C 0.09869 0.05301 0.09948 0.05324 0.10039 0.05371 C 0.10625 0.05625 0.10325 0.05509 0.10768 0.05741 C 0.10833 0.05764 0.10898 0.05787 0.10976 0.05834 C 0.1108 0.0588 0.11224 0.06019 0.11315 0.06111 C 0.11419 0.06204 0.11497 0.06273 0.11627 0.06343 C 0.11992 0.06482 0.12174 0.06435 0.12617 0.06482 C 0.12656 0.06482 0.12903 0.06482 0.13007 0.06574 C 0.13034 0.06574 0.13047 0.06644 0.13086 0.06667 C 0.13125 0.0669 0.1319 0.06713 0.13242 0.06759 C 0.13294 0.06829 0.13398 0.06968 0.13476 0.07037 C 0.13541 0.0706 0.13606 0.07084 0.13685 0.07153 C 0.1388 0.07246 0.13802 0.07246 0.14023 0.07338 C 0.14205 0.07408 0.14427 0.07408 0.14622 0.07431 C 0.14726 0.07431 0.1483 0.07454 0.14948 0.07477 C 0.15247 0.07547 0.14896 0.07431 0.15208 0.07639 C 0.1526 0.07662 0.15325 0.07685 0.1539 0.07732 C 0.15664 0.08079 0.15494 0.07894 0.15911 0.08195 L 0.15911 0.08218 C 0.16093 0.08403 0.15989 0.08334 0.16224 0.08403 C 0.16419 0.08542 0.16276 0.08449 0.16484 0.08542 C 0.16705 0.08634 0.16653 0.08611 0.16875 0.08727 C 0.16901 0.08727 0.1694 0.0875 0.16979 0.08773 C 0.17031 0.08797 0.17161 0.08935 0.17213 0.08982 C 0.17239 0.09005 0.17265 0.09028 0.17291 0.09074 C 0.17317 0.09097 0.1733 0.09167 0.17369 0.09213 C 0.17396 0.09259 0.17578 0.09445 0.1763 0.0956 C 0.1776 0.09792 0.17565 0.09607 0.17786 0.09884 C 0.18281 0.10486 0.17838 0.09931 0.18203 0.10255 C 0.18541 0.10533 0.18112 0.10185 0.18385 0.10394 C 0.18411 0.10417 0.1845 0.1044 0.18489 0.10486 C 0.18502 0.10486 0.18541 0.10486 0.18567 0.10509 C 0.18659 0.10579 0.18659 0.10648 0.1875 0.1081 C 0.18763 0.10834 0.18802 0.10857 0.18828 0.10903 C 0.18841 0.10949 0.18854 0.10996 0.1888 0.11042 C 0.18893 0.11088 0.18932 0.11111 0.18958 0.11181 C 0.18984 0.1125 0.1901 0.11505 0.19036 0.11644 C 0.1901 0.12986 0.19023 0.12778 0.18984 0.13727 C 0.18958 0.14213 0.18984 0.14028 0.18932 0.14352 C 0.18945 0.15023 0.18932 0.15093 0.18984 0.15648 C 0.18984 0.15718 0.18997 0.15787 0.1901 0.1588 C 0.19023 0.15996 0.19062 0.1625 0.19062 0.16273 C 0.19049 0.16597 0.19062 0.17014 0.19036 0.17408 C 0.19023 0.17477 0.18971 0.17523 0.18958 0.17593 C 0.18932 0.17616 0.18919 0.17662 0.18906 0.17732 C 0.18763 0.18148 0.18958 0.17662 0.1875 0.18102 C 0.18724 0.18125 0.18711 0.18172 0.18698 0.18241 C 0.18593 0.18496 0.18619 0.18403 0.18567 0.18704 C 0.18554 0.18843 0.18541 0.18982 0.18541 0.19144 C 0.18515 0.19352 0.18489 0.19769 0.18489 0.19792 C 0.1845 0.20972 0.1845 0.20579 0.18489 0.22014 C 0.18489 0.22176 0.18502 0.22639 0.18541 0.22894 C 0.1858 0.23172 0.18619 0.23496 0.18698 0.23797 C 0.18737 0.23982 0.18789 0.24074 0.18828 0.24283 C 0.18828 0.24352 0.18841 0.24422 0.18854 0.24514 C 0.18867 0.24584 0.1888 0.24653 0.18906 0.24746 C 0.18932 0.24908 0.18919 0.24908 0.18958 0.25093 C 0.19023 0.25394 0.1901 0.25185 0.19062 0.25579 C 0.19062 0.25672 0.19075 0.25787 0.19088 0.25903 C 0.19088 0.25949 0.19101 0.26019 0.19114 0.26088 C 0.19114 0.26181 0.19127 0.2625 0.1914 0.26343 C 0.19153 0.26412 0.19166 0.26482 0.19192 0.26574 C 0.19192 0.26644 0.19192 0.26713 0.19218 0.26806 C 0.19218 0.26852 0.19244 0.26922 0.19271 0.26991 C 0.19271 0.27014 0.19284 0.27084 0.19297 0.27153 C 0.1931 0.27292 0.19349 0.27431 0.19375 0.27593 C 0.19375 0.27639 0.19375 0.27709 0.19401 0.27778 C 0.19414 0.27824 0.19453 0.27847 0.19479 0.27917 C 0.19648 0.28264 0.19492 0.27986 0.19583 0.28148 L 0.19778 0.28542 " pathEditMode="relative" rAng="0" ptsTypes="AAAAAAAAAAAAAAAAAAAAAAAAAAAAAAAAAAAAAAAAAAAAAAAAAAAAAAAAAAAAAAAAAAAAAAAAAAAAAAAAAAAAAAAAAAAAAAAAAAAAAAAAAAAAAAAAAAAAA">
+                                      <p:cBhvr>
+                                        <p:cTn id="6" dur="2000" fill="hold"/>
+                                        <p:tgtEl>
+                                          <p:spTgt spid="11"/>
+                                        </p:tgtEl>
+                                        <p:attrNameLst>
+                                          <p:attrName>ppt_x</p:attrName>
+                                          <p:attrName>ppt_y</p:attrName>
+                                        </p:attrNameLst>
+                                      </p:cBhvr>
+                                      <p:rCtr x="9883" y="14259"/>
+                                    </p:animMotion>
+                                  </p:childTnLst>
+                                </p:cTn>
+                              </p:par>
+                              <p:par>
+                                <p:cTn id="7" presetID="0" presetClass="path" presetSubtype="0" accel="50000" decel="50000" fill="hold" grpId="0" nodeType="withEffect">
+                                  <p:stCondLst>
+                                    <p:cond delay="0"/>
+                                  </p:stCondLst>
+                                  <p:childTnLst>
+                                    <p:animMotion origin="layout" path="M -0.00104 0.00232 L -0.00104 0.00255 C 0.00052 0.00116 0.00195 -1.48148E-6 0.00365 -0.00116 C 0.00937 -0.00417 0.01523 -0.00301 0.02161 -0.00347 C 0.02227 -0.0037 0.02292 -0.00393 0.0237 -0.0044 C 0.02448 -0.00463 0.02539 -0.00463 0.0263 -0.00509 C 0.03229 -0.00833 0.02318 -0.00555 0.03216 -0.00787 C 0.03268 -0.0081 0.03307 -0.0081 0.03372 -0.00856 C 0.03437 -0.00879 0.03503 -0.00903 0.03581 -0.00949 C 0.04206 -0.0125 0.03477 -0.00972 0.04115 -0.0118 C 0.0418 -0.01204 0.04245 -0.01227 0.04323 -0.01273 C 0.04375 -0.01296 0.04414 -0.01342 0.04492 -0.01366 C 0.05091 -0.01458 0.0651 -0.01504 0.06862 -0.01528 C 0.08346 -0.01458 0.09544 -0.01366 0.11042 -0.01528 C 0.11094 -0.01528 0.11133 -0.01667 0.11198 -0.01713 C 0.11263 -0.01736 0.11328 -0.01736 0.11406 -0.01782 C 0.11458 -0.01875 0.11484 -0.01967 0.11575 -0.02037 C 0.11654 -0.02083 0.11745 -0.0206 0.11836 -0.02106 C 0.11888 -0.02129 0.1194 -0.02153 0.11992 -0.02199 C 0.12083 -0.02245 0.12292 -0.02384 0.12422 -0.02454 C 0.1276 -0.02592 0.12943 -0.02569 0.13359 -0.02639 C 0.13424 -0.02662 0.13503 -0.02685 0.13581 -0.02708 C 0.13802 -0.02754 0.14453 -0.02824 0.14648 -0.0287 C 0.14753 -0.02917 0.14844 -0.02986 0.14961 -0.03032 L 0.15508 -0.03217 C 0.15586 -0.03241 0.15677 -0.03264 0.15768 -0.03287 C 0.15898 -0.03333 0.16042 -0.03379 0.16185 -0.03472 C 0.16406 -0.03565 0.16276 -0.03518 0.16549 -0.03565 C 0.16823 -0.03565 0.17083 -0.03565 0.17344 -0.03565 C 0.17435 -0.03542 0.17526 -0.03472 0.17617 -0.03472 C 0.1776 -0.03426 0.1793 -0.03403 0.18086 -0.03379 C 0.18724 -0.03403 0.19362 -0.03403 0.2 -0.03472 C 0.20065 -0.03472 0.2013 -0.03542 0.20208 -0.03565 C 0.20338 -0.03565 0.20482 -0.03565 0.20625 -0.03565 C 0.20703 -0.03565 0.20807 -0.03565 0.20885 -0.03565 C 0.20924 -0.03495 0.20898 -0.03356 0.20937 -0.03287 C 0.21029 -0.03055 0.21146 -0.02963 0.21315 -0.0287 C 0.21367 -0.02824 0.21432 -0.02801 0.21484 -0.02778 C 0.21719 -0.02199 0.21562 -0.02338 0.21849 -0.02199 C 0.21875 -0.0206 0.21888 -0.01944 0.21953 -0.01875 C 0.21979 -0.01805 0.22057 -0.01805 0.22109 -0.01782 C 0.22161 -0.01736 0.22213 -0.01667 0.22266 -0.0162 C 0.22422 -0.01088 0.22318 -0.01366 0.22578 -0.00787 C 0.22604 -0.00694 0.22617 -0.00555 0.22682 -0.00509 C 0.2276 -0.0044 0.22838 -0.00324 0.22956 -0.00254 C 0.23021 -0.00208 0.23086 -0.00208 0.23164 -0.00185 C 0.23281 -0.00069 0.23359 0.00116 0.2349 0.00139 C 0.23555 0.00185 0.2362 0.00208 0.23698 0.00232 C 0.2375 0.00278 0.23789 0.00301 0.23854 0.00324 C 0.23984 0.00394 0.24141 0.00417 0.24271 0.00486 C 0.24622 0.00764 0.24323 0.00579 0.247 0.00741 C 0.24805 0.00787 0.24896 0.00857 0.25013 0.00903 C 0.25078 0.00949 0.25156 0.00972 0.25234 0.00996 C 0.25286 0.01042 0.25325 0.01065 0.25391 0.01065 C 0.26328 0.01389 0.25338 0.01019 0.25977 0.0125 C 0.26029 0.0132 0.26068 0.01366 0.26133 0.01412 C 0.26224 0.01482 0.26445 0.01574 0.26445 0.01597 C 0.2651 0.01667 0.26575 0.01759 0.26654 0.01829 C 0.26706 0.01898 0.26784 0.01898 0.26862 0.01921 C 0.27266 0.0206 0.27018 0.01968 0.27565 0.02083 C 0.27643 0.02107 0.27734 0.02176 0.27825 0.02176 C 0.28385 0.02292 0.28424 0.02269 0.2901 0.02269 L 0.2901 0.02292 " pathEditMode="relative" rAng="0" ptsTypes="AAAAAAAAAAAAAAAAAAAAAAAAAAAAAAAAAAAAAAAAAAAAAAAAAAAAAAAAAAAAAAA">
+                                      <p:cBhvr>
+                                        <p:cTn id="8" dur="2000" fill="hold"/>
+                                        <p:tgtEl>
+                                          <p:spTgt spid="12"/>
+                                        </p:tgtEl>
+                                        <p:attrNameLst>
+                                          <p:attrName>ppt_x</p:attrName>
+                                          <p:attrName>ppt_y</p:attrName>
+                                        </p:attrNameLst>
+                                      </p:cBhvr>
+                                      <p:rCtr x="14557" y="-880"/>
+                                    </p:animMotion>
+                                  </p:childTnLst>
+                                </p:cTn>
+                              </p:par>
+                              <p:par>
+                                <p:cTn id="9" presetID="0" presetClass="path" presetSubtype="0" accel="50000" decel="50000" fill="hold" grpId="0" nodeType="withEffect">
+                                  <p:stCondLst>
+                                    <p:cond delay="0"/>
+                                  </p:stCondLst>
+                                  <p:childTnLst>
+                                    <p:animMotion origin="layout" path="M -6.25E-7 0.00115 L -6.25E-7 0.00162 L 0.0375 0.00069 C 0.03815 0.00046 0.0388 0.00023 0.03958 0.00023 C 0.0418 -0.00023 0.04427 -0.00023 0.04662 -0.00023 C 0.04792 -0.0007 0.05091 -0.00162 0.0526 -0.00162 C 0.05404 -0.00185 0.05573 -0.00209 0.05729 -0.00209 C 0.05742 -0.00232 0.06029 -0.00301 0.06068 -0.00301 C 0.06094 -0.00324 0.06133 -0.00394 0.06172 -0.00394 C 0.0625 -0.0044 0.06341 -0.0044 0.06432 -0.0044 C 0.06458 -0.00463 0.06497 -0.00486 0.06537 -0.00486 C 0.06589 -0.00533 0.06628 -0.00579 0.06693 -0.00579 C 0.06745 -0.00625 0.0681 -0.00625 0.06875 -0.00625 C 0.06901 -0.00648 0.0694 -0.00672 0.06979 -0.00672 C 0.07018 -0.00695 0.07057 -0.00718 0.07109 -0.00718 C 0.07422 -0.00903 0.07031 -0.00764 0.07396 -0.00857 C 0.07578 -0.01042 0.07461 -0.00949 0.0776 -0.01042 C 0.08073 -0.01158 0.07669 -0.01019 0.08047 -0.01135 C 0.08086 -0.01158 0.08125 -0.01158 0.08203 -0.01158 C 0.08229 -0.01181 0.08268 -0.01204 0.08307 -0.01204 C 0.08464 -0.0125 0.08633 -0.0125 0.08802 -0.0125 C 0.09037 -0.01366 0.08737 -0.01227 0.09089 -0.01389 C 0.09115 -0.01435 0.09154 -0.01459 0.09193 -0.01459 C 0.09232 -0.01505 0.09271 -0.01528 0.09323 -0.01551 C 0.09375 -0.01597 0.09544 -0.0169 0.09583 -0.0169 C 0.09662 -0.01736 0.10065 -0.01783 0.1013 -0.01783 C 0.10156 -0.01806 0.10195 -0.01829 0.10234 -0.01829 C 0.10625 -0.01829 0.11029 -0.01806 0.11432 -0.01783 L 0.13229 -0.01736 C 0.14258 -0.01435 0.13581 -0.01621 0.1612 -0.01736 C 0.16172 -0.0176 0.16211 -0.01829 0.16276 -0.01829 C 0.16628 -0.01968 0.16185 -0.01806 0.16563 -0.01968 C 0.16602 -0.01991 0.16641 -0.02014 0.16693 -0.02014 C 0.16719 -0.02037 0.16758 -0.0206 0.16797 -0.0206 C 0.16836 -0.02084 0.16875 -0.02107 0.16927 -0.02107 C 0.17162 -0.02176 0.17109 -0.0213 0.17318 -0.02199 C 0.17578 -0.02315 0.17227 -0.02199 0.17552 -0.02338 C 0.17591 -0.02385 0.17656 -0.02385 0.17708 -0.02385 C 0.1776 -0.02431 0.178 -0.02454 0.17865 -0.02477 C 0.1793 -0.025 0.17995 -0.02523 0.18073 -0.02547 C 0.18151 -0.02593 0.18242 -0.02593 0.18333 -0.02639 C 0.18607 -0.02847 0.1832 -0.02662 0.18568 -0.02778 C 0.18646 -0.02824 0.18711 -0.02917 0.18802 -0.02917 L 0.19063 -0.02986 C 0.19284 -0.03102 0.19089 -0.03033 0.19531 -0.03079 C 0.19609 -0.03102 0.19688 -0.03125 0.19766 -0.03125 C 0.19792 -0.03148 0.19805 -0.03172 0.19844 -0.03172 C 0.19961 -0.03218 0.20208 -0.03264 0.20208 -0.03241 C 0.20417 -0.03472 0.20195 -0.03287 0.20521 -0.03403 C 0.20573 -0.03426 0.20612 -0.03472 0.20677 -0.03496 C 0.20716 -0.03519 0.20755 -0.03542 0.20807 -0.03542 C 0.21172 -0.03866 0.20768 -0.03519 0.21094 -0.03797 C 0.21211 -0.03935 0.21185 -0.03866 0.21302 -0.04028 C 0.21419 -0.04236 0.2138 -0.04167 0.21458 -0.04352 C 0.2151 -0.04491 0.21537 -0.04584 0.21589 -0.04699 C 0.21615 -0.04815 0.21654 -0.04931 0.21693 -0.05023 C 0.21693 -0.05093 0.21706 -0.05209 0.21719 -0.05278 C 0.21758 -0.05718 0.21719 -0.05255 0.21771 -0.05602 C 0.21771 -0.05695 0.21784 -0.05764 0.21797 -0.05834 C 0.2181 -0.05926 0.21823 -0.05996 0.21849 -0.06088 C 0.21849 -0.06135 0.21862 -0.06204 0.21875 -0.06227 C 0.21888 -0.06297 0.21901 -0.06366 0.21927 -0.06389 C 0.21966 -0.06551 0.22018 -0.0669 0.22083 -0.06806 C 0.22096 -0.06875 0.22135 -0.06898 0.22162 -0.06945 C 0.22214 -0.07292 0.22135 -0.06898 0.22266 -0.07222 C 0.22279 -0.07269 0.22279 -0.07338 0.22292 -0.07361 C 0.22305 -0.07431 0.22318 -0.07454 0.22344 -0.075 C 0.22357 -0.07593 0.2237 -0.07685 0.22396 -0.07732 C 0.22409 -0.07824 0.22448 -0.07894 0.22474 -0.07963 C 0.22487 -0.08056 0.225 -0.08148 0.22526 -0.08241 C 0.22539 -0.08403 0.22578 -0.08704 0.22578 -0.08681 C 0.22578 -0.08889 0.22578 -0.09028 0.22604 -0.09213 C 0.22617 -0.09375 0.22656 -0.09491 0.22682 -0.0963 L 0.22708 -0.09769 C 0.22708 -0.09815 0.22721 -0.09885 0.22734 -0.09908 C 0.22774 -0.10116 0.22826 -0.10324 0.22865 -0.10486 C 0.22865 -0.10579 0.22865 -0.10718 0.22891 -0.10787 C 0.22917 -0.10996 0.22956 -0.11158 0.22995 -0.11343 C 0.23008 -0.11482 0.23021 -0.11528 0.23047 -0.11644 C 0.23047 -0.11736 0.2306 -0.11852 0.23073 -0.11922 C 0.23073 -0.12014 0.23086 -0.12084 0.23099 -0.12153 C 0.23099 -0.12292 0.23099 -0.12408 0.23125 -0.125 C 0.23125 -0.1257 0.23151 -0.12639 0.23177 -0.12685 C 0.23177 -0.12732 0.2319 -0.12801 0.23203 -0.12824 C 0.23216 -0.12917 0.23229 -0.12963 0.23255 -0.13033 C 0.23255 -0.13102 0.23268 -0.13172 0.23281 -0.13218 C 0.23346 -0.13565 0.23307 -0.13287 0.23385 -0.13542 C 0.23385 -0.13588 0.23385 -0.13658 0.23412 -0.13681 C 0.23438 -0.1382 0.23477 -0.13889 0.23516 -0.13982 L 0.23568 -0.14167 C 0.23568 -0.14236 0.23568 -0.14306 0.23594 -0.14375 C 0.2362 -0.14514 0.23659 -0.1463 0.23698 -0.14746 C 0.23711 -0.14815 0.23737 -0.14885 0.2375 -0.14931 C 0.23802 -0.15232 0.23737 -0.14931 0.23828 -0.15255 C 0.23841 -0.15371 0.23854 -0.1544 0.2388 -0.1551 C 0.23893 -0.15556 0.23906 -0.15625 0.23932 -0.15672 C 0.23932 -0.15718 0.23932 -0.15787 0.23958 -0.1581 C 0.23971 -0.1588 0.2401 -0.15903 0.24037 -0.15949 C 0.24154 -0.16227 0.2405 -0.16065 0.24193 -0.16227 C 0.2431 -0.16574 0.24154 -0.16158 0.24323 -0.16505 C 0.24388 -0.16667 0.24336 -0.16644 0.24401 -0.16644 L 0.24531 -0.16852 " pathEditMode="relative" rAng="0" ptsTypes="AAAAAAAAAAAAAAAAAAAAAAAAAAAAAAAAAAAAAAAAAAAAAAAAAAAAAAAAAAAAAAAAAAAAAAAAAAAAAAAAAAAAAAAAAAAAAAAAAAAAAA">
+                                      <p:cBhvr>
+                                        <p:cTn id="10" dur="2000" fill="hold"/>
+                                        <p:tgtEl>
+                                          <p:spTgt spid="13"/>
+                                        </p:tgtEl>
+                                        <p:attrNameLst>
+                                          <p:attrName>ppt_x</p:attrName>
+                                          <p:attrName>ppt_y</p:attrName>
+                                        </p:attrNameLst>
+                                      </p:cBhvr>
+                                      <p:rCtr x="12266" y="-8472"/>
+                                    </p:animMotion>
+                                  </p:childTnLst>
+                                </p:cTn>
+                              </p:par>
+                            </p:childTnLst>
+                          </p:cTn>
+                        </p:par>
+                      </p:childTnLst>
+                    </p:cTn>
+                  </p:par>
+                  <p:par>
+                    <p:cTn id="11" fill="hold">
+                      <p:stCondLst>
+                        <p:cond delay="indefinite"/>
+                      </p:stCondLst>
+                      <p:childTnLst>
+                        <p:par>
+                          <p:cTn id="12" fill="hold">
+                            <p:stCondLst>
+                              <p:cond delay="0"/>
+                            </p:stCondLst>
+                            <p:childTnLst>
+                              <p:par>
+                                <p:cTn id="13" presetID="6" presetClass="emph" presetSubtype="0" fill="hold" grpId="1" nodeType="clickEffect">
+                                  <p:stCondLst>
+                                    <p:cond delay="0"/>
+                                  </p:stCondLst>
+                                  <p:childTnLst>
+                                    <p:animScale>
+                                      <p:cBhvr>
+                                        <p:cTn id="14" dur="500" fill="hold"/>
+                                        <p:tgtEl>
+                                          <p:spTgt spid="12"/>
+                                        </p:tgtEl>
+                                      </p:cBhvr>
+                                      <p:by x="200000" y="200000"/>
+                                    </p:animScale>
+                                  </p:childTnLst>
+                                </p:cTn>
+                              </p:par>
+                              <p:par>
+                                <p:cTn id="15" presetID="10" presetClass="exit" presetSubtype="0" fill="hold" grpId="1" nodeType="withEffect">
+                                  <p:stCondLst>
+                                    <p:cond delay="0"/>
+                                  </p:stCondLst>
+                                  <p:childTnLst>
+                                    <p:animEffect transition="out" filter="fade">
+                                      <p:cBhvr>
+                                        <p:cTn id="16" dur="500"/>
+                                        <p:tgtEl>
+                                          <p:spTgt spid="11"/>
+                                        </p:tgtEl>
+                                      </p:cBhvr>
+                                    </p:animEffect>
+                                    <p:set>
+                                      <p:cBhvr>
+                                        <p:cTn id="17" dur="1" fill="hold">
+                                          <p:stCondLst>
+                                            <p:cond delay="499"/>
+                                          </p:stCondLst>
+                                        </p:cTn>
+                                        <p:tgtEl>
+                                          <p:spTgt spid="11"/>
+                                        </p:tgtEl>
+                                        <p:attrNameLst>
+                                          <p:attrName>style.visibility</p:attrName>
+                                        </p:attrNameLst>
+                                      </p:cBhvr>
+                                      <p:to>
+                                        <p:strVal val="hidden"/>
+                                      </p:to>
+                                    </p:set>
+                                  </p:childTnLst>
+                                </p:cTn>
+                              </p:par>
+                              <p:par>
+                                <p:cTn id="18" presetID="10" presetClass="exit" presetSubtype="0" fill="hold" grpId="1" nodeType="withEffect">
+                                  <p:stCondLst>
+                                    <p:cond delay="0"/>
+                                  </p:stCondLst>
+                                  <p:childTnLst>
+                                    <p:animEffect transition="out" filter="fade">
+                                      <p:cBhvr>
+                                        <p:cTn id="19" dur="500"/>
+                                        <p:tgtEl>
+                                          <p:spTgt spid="13"/>
+                                        </p:tgtEl>
+                                      </p:cBhvr>
+                                    </p:animEffect>
+                                    <p:set>
+                                      <p:cBhvr>
+                                        <p:cTn id="20" dur="1" fill="hold">
+                                          <p:stCondLst>
+                                            <p:cond delay="499"/>
+                                          </p:stCondLst>
+                                        </p:cTn>
+                                        <p:tgtEl>
+                                          <p:spTgt spid="13"/>
+                                        </p:tgtEl>
+                                        <p:attrNameLst>
+                                          <p:attrName>style.visibility</p:attrName>
+                                        </p:attrNameLst>
+                                      </p:cBhvr>
+                                      <p:to>
+                                        <p:strVal val="hidden"/>
+                                      </p:to>
+                                    </p:set>
+                                  </p:childTnLst>
+                                </p:cTn>
+                              </p:par>
+                            </p:childTnLst>
+                          </p:cTn>
+                        </p:par>
+                        <p:par>
+                          <p:cTn id="21" fill="hold">
+                            <p:stCondLst>
+                              <p:cond delay="500"/>
+                            </p:stCondLst>
+                            <p:childTnLst>
+                              <p:par>
+                                <p:cTn id="22" presetID="6" presetClass="emph" presetSubtype="0" fill="hold" grpId="3" nodeType="afterEffect">
+                                  <p:stCondLst>
+                                    <p:cond delay="0"/>
+                                  </p:stCondLst>
+                                  <p:childTnLst>
+                                    <p:animScale>
+                                      <p:cBhvr>
+                                        <p:cTn id="23" dur="500" fill="hold"/>
+                                        <p:tgtEl>
+                                          <p:spTgt spid="12"/>
+                                        </p:tgtEl>
+                                      </p:cBhvr>
+                                      <p:by x="50000" y="50000"/>
+                                    </p:animScale>
+                                  </p:childTnLst>
+                                </p:cTn>
+                              </p:par>
+                            </p:childTnLst>
+                          </p:cTn>
+                        </p:par>
+                      </p:childTnLst>
+                    </p:cTn>
+                  </p:par>
+                  <p:par>
+                    <p:cTn id="24" fill="hold">
+                      <p:stCondLst>
+                        <p:cond delay="indefinite"/>
+                      </p:stCondLst>
+                      <p:childTnLst>
+                        <p:par>
+                          <p:cTn id="25" fill="hold">
+                            <p:stCondLst>
+                              <p:cond delay="0"/>
+                            </p:stCondLst>
+                            <p:childTnLst>
+                              <p:par>
+                                <p:cTn id="26" presetID="0" presetClass="path" presetSubtype="0" accel="50000" fill="hold" grpId="2" nodeType="clickEffect">
+                                  <p:stCondLst>
+                                    <p:cond delay="0"/>
+                                  </p:stCondLst>
+                                  <p:childTnLst>
+                                    <p:animMotion origin="layout" path="M 0.2901 0.02407 L 0.2901 0.02407 C 0.29349 0.02454 0.29284 0.02454 0.29766 0.02407 C 0.29857 0.02384 0.29935 0.02361 0.30026 0.02338 C 0.30052 0.02315 0.30091 0.02292 0.30117 0.02268 C 0.30117 0.02268 0.3026 0.0213 0.30286 0.0213 C 0.30521 0.02106 0.30755 0.02106 0.30976 0.02083 C 0.31484 0.02014 0.30898 0.02106 0.31953 0.02014 C 0.32187 0.02014 0.32539 0.01991 0.32812 0.01921 C 0.3306 0.01852 0.32786 0.01898 0.33086 0.01852 L 0.33489 0.01782 L 0.33724 0.01759 C 0.34297 0.01759 0.34883 0.01759 0.35443 0.01782 C 0.35495 0.01782 0.35573 0.01921 0.35599 0.01944 C 0.3569 0.02037 0.35716 0.02083 0.35807 0.0213 C 0.35872 0.02176 0.3595 0.02245 0.36042 0.02268 L 0.36641 0.02361 C 0.36706 0.02384 0.36758 0.02384 0.36823 0.02407 L 0.37266 0.02477 L 0.375 0.025 C 0.37604 0.02546 0.37721 0.02593 0.37838 0.02616 C 0.38151 0.02662 0.3862 0.02685 0.38945 0.02708 C 0.39831 0.02847 0.39167 0.02755 0.41146 0.02708 L 0.42135 0.02685 C 0.42279 0.02639 0.42487 0.02593 0.42617 0.02569 C 0.43463 0.025 0.42904 0.02546 0.44323 0.025 C 0.45013 0.02361 0.44661 0.02407 0.45833 0.02477 C 0.45911 0.02477 0.46016 0.02569 0.46068 0.02569 C 0.46133 0.02593 0.46198 0.02593 0.46276 0.02616 C 0.46289 0.02616 0.46302 0.02639 0.46328 0.02639 C 0.46497 0.02708 0.46419 0.02662 0.46562 0.02708 C 0.46614 0.02731 0.46654 0.02755 0.46693 0.02778 C 0.46758 0.02801 0.46927 0.0287 0.46953 0.02893 C 0.47005 0.02893 0.4707 0.02917 0.47135 0.02917 C 0.47292 0.03032 0.47161 0.02963 0.47344 0.03032 C 0.47409 0.03056 0.47461 0.03079 0.47526 0.03102 C 0.47552 0.03102 0.47565 0.03125 0.47604 0.03125 C 0.47669 0.03148 0.4776 0.03148 0.47838 0.03171 C 0.47891 0.03194 0.4793 0.03218 0.47995 0.03241 C 0.48164 0.03287 0.48346 0.0331 0.48516 0.03333 C 0.48724 0.03403 0.48529 0.03356 0.48906 0.03403 C 0.48971 0.03403 0.49023 0.03426 0.49088 0.03449 C 0.49154 0.03449 0.49245 0.03472 0.49323 0.03472 L 0.49427 0.03518 L 0.49557 0.03518 " pathEditMode="relative" ptsTypes="AAAAAAAAAAAAAAAAAAAAAAAAAAAAAAAAAAAAAAAAAAAAA">
+                                      <p:cBhvr>
+                                        <p:cTn id="27" dur="2000" fill="hold"/>
+                                        <p:tgtEl>
+                                          <p:spTgt spid="12"/>
+                                        </p:tgtEl>
+                                        <p:attrNameLst>
+                                          <p:attrName>ppt_x</p:attrName>
+                                          <p:attrName>ppt_y</p:attrName>
+                                        </p:attrNameLst>
+                                      </p:cBhvr>
+                                    </p:animMotion>
+                                  </p:childTnLst>
+                                </p:cTn>
+                              </p:par>
+                            </p:childTnLst>
+                          </p:cTn>
+                        </p:par>
+                        <p:par>
+                          <p:cTn id="28" fill="hold">
+                            <p:stCondLst>
+                              <p:cond delay="2000"/>
+                            </p:stCondLst>
+                            <p:childTnLst>
+                              <p:par>
+                                <p:cTn id="29" presetID="2" presetClass="exit" presetSubtype="2" fill="hold" grpId="4" nodeType="afterEffect">
+                                  <p:stCondLst>
+                                    <p:cond delay="0"/>
+                                  </p:stCondLst>
+                                  <p:childTnLst>
+                                    <p:anim calcmode="lin" valueType="num">
+                                      <p:cBhvr additive="base">
+                                        <p:cTn id="30" dur="500"/>
+                                        <p:tgtEl>
+                                          <p:spTgt spid="12"/>
+                                        </p:tgtEl>
+                                        <p:attrNameLst>
+                                          <p:attrName>ppt_x</p:attrName>
+                                        </p:attrNameLst>
+                                      </p:cBhvr>
+                                      <p:tavLst>
+                                        <p:tav tm="0">
+                                          <p:val>
+                                            <p:strVal val="ppt_x"/>
+                                          </p:val>
+                                        </p:tav>
+                                        <p:tav tm="100000">
+                                          <p:val>
+                                            <p:strVal val="1+ppt_w/2"/>
+                                          </p:val>
+                                        </p:tav>
+                                      </p:tavLst>
+                                    </p:anim>
+                                    <p:anim calcmode="lin" valueType="num">
+                                      <p:cBhvr additive="base">
+                                        <p:cTn id="31" dur="500"/>
+                                        <p:tgtEl>
+                                          <p:spTgt spid="12"/>
+                                        </p:tgtEl>
+                                        <p:attrNameLst>
+                                          <p:attrName>ppt_y</p:attrName>
+                                        </p:attrNameLst>
+                                      </p:cBhvr>
+                                      <p:tavLst>
+                                        <p:tav tm="0">
+                                          <p:val>
+                                            <p:strVal val="ppt_y"/>
+                                          </p:val>
+                                        </p:tav>
+                                        <p:tav tm="100000">
+                                          <p:val>
+                                            <p:strVal val="ppt_y"/>
+                                          </p:val>
+                                        </p:tav>
+                                      </p:tavLst>
+                                    </p:anim>
+                                    <p:set>
+                                      <p:cBhvr>
+                                        <p:cTn id="32" dur="1" fill="hold">
+                                          <p:stCondLst>
+                                            <p:cond delay="499"/>
+                                          </p:stCondLst>
+                                        </p:cTn>
+                                        <p:tgtEl>
+                                          <p:spTgt spid="12"/>
+                                        </p:tgtEl>
+                                        <p:attrNameLst>
+                                          <p:attrName>style.visibility</p:attrName>
+                                        </p:attrNameLst>
+                                      </p:cBhvr>
+                                      <p:to>
+                                        <p:strVal val="hidden"/>
+                                      </p:to>
+                                    </p:set>
+                                  </p:childTnLst>
+                                </p:cTn>
+                              </p:par>
+                            </p:childTnLst>
+                          </p:cTn>
+                        </p:par>
+                      </p:childTnLst>
+                    </p:cTn>
+                  </p:par>
+                </p:childTnLst>
+              </p:cTn>
+              <p:prevCondLst>
+                <p:cond evt="onPrev" delay="0">
+                  <p:tgtEl>
+                    <p:sldTgt/>
+                  </p:tgtEl>
+                </p:cond>
+              </p:prevCondLst>
+              <p:nextCondLst>
+                <p:cond evt="onNext" delay="0">
+                  <p:tgtEl>
+                    <p:sldTgt/>
+                  </p:tgtEl>
+                </p:cond>
+              </p:nextCondLst>
+            </p:seq>
+          </p:childTnLst>
+        </p:cTn>
+      </p:par>
+    </p:tnLst>
+    <p:bldLst>
+      <p:bldP spid="11" grpId="0" animBg="1"/>
+      <p:bldP spid="11" grpId="1" animBg="1"/>
+      <p:bldP spid="12" grpId="0" animBg="1"/>
+      <p:bldP spid="12" grpId="1" animBg="1"/>
+      <p:bldP spid="12" grpId="2" animBg="1"/>
+      <p:bldP spid="12" grpId="3" animBg="1"/>
+      <p:bldP spid="12" grpId="4" animBg="1"/>
+      <p:bldP spid="13" grpId="0" animBg="1"/>
+      <p:bldP spid="13" grpId="1" animBg="1"/>
+    </p:bldLst>
+  </p:timing>
+</p:sld>
+</file>
+
 <file path=ppt/theme/theme1.xml><?xml version="1.0" encoding="utf-8"?>
 <a:theme xmlns:a="http://schemas.openxmlformats.org/drawingml/2006/main" name="Office Theme">
   <a:themeElements>

--- a/FromBiologyToComputers.pptx
+++ b/FromBiologyToComputers.pptx
@@ -5,7 +5,7 @@
     <p:sldMasterId id="2147483648" r:id="rId1"/>
   </p:sldMasterIdLst>
   <p:notesMasterIdLst>
-    <p:notesMasterId r:id="rId8"/>
+    <p:notesMasterId r:id="rId9"/>
   </p:notesMasterIdLst>
   <p:sldIdLst>
     <p:sldId id="256" r:id="rId2"/>
@@ -14,6 +14,7 @@
     <p:sldId id="264" r:id="rId5"/>
     <p:sldId id="265" r:id="rId6"/>
     <p:sldId id="266" r:id="rId7"/>
+    <p:sldId id="270" r:id="rId8"/>
   </p:sldIdLst>
   <p:sldSz cx="12192000" cy="6858000"/>
   <p:notesSz cx="6858000" cy="9144000"/>
@@ -127,6 +128,7 @@
             <p14:sldId id="264"/>
             <p14:sldId id="265"/>
             <p14:sldId id="266"/>
+            <p14:sldId id="270"/>
           </p14:sldIdLst>
         </p14:section>
       </p14:sectionLst>
@@ -930,6 +932,107 @@
     <p:extLst>
       <p:ext uri="{BB962C8B-B14F-4D97-AF65-F5344CB8AC3E}">
         <p14:creationId xmlns:p14="http://schemas.microsoft.com/office/powerpoint/2010/main" val="1356062300"/>
+      </p:ext>
+    </p:extLst>
+  </p:cSld>
+  <p:clrMapOvr>
+    <a:masterClrMapping/>
+  </p:clrMapOvr>
+</p:notes>
+</file>
+
+<file path=ppt/notesSlides/notesSlide6.xml><?xml version="1.0" encoding="utf-8"?>
+<p:notes xmlns:a="http://schemas.openxmlformats.org/drawingml/2006/main" xmlns:r="http://schemas.openxmlformats.org/officeDocument/2006/relationships" xmlns:p="http://schemas.openxmlformats.org/presentationml/2006/main">
+  <p:cSld>
+    <p:spTree>
+      <p:nvGrpSpPr>
+        <p:cNvPr id="1" name=""/>
+        <p:cNvGrpSpPr/>
+        <p:nvPr/>
+      </p:nvGrpSpPr>
+      <p:grpSpPr>
+        <a:xfrm>
+          <a:off x="0" y="0"/>
+          <a:ext cx="0" cy="0"/>
+          <a:chOff x="0" y="0"/>
+          <a:chExt cx="0" cy="0"/>
+        </a:xfrm>
+      </p:grpSpPr>
+      <p:sp>
+        <p:nvSpPr>
+          <p:cNvPr id="2" name="Slide Image Placeholder 1"/>
+          <p:cNvSpPr>
+            <a:spLocks noGrp="1" noRot="1" noChangeAspect="1"/>
+          </p:cNvSpPr>
+          <p:nvPr>
+            <p:ph type="sldImg"/>
+          </p:nvPr>
+        </p:nvSpPr>
+        <p:spPr/>
+      </p:sp>
+      <p:sp>
+        <p:nvSpPr>
+          <p:cNvPr id="3" name="Notes Placeholder 2"/>
+          <p:cNvSpPr>
+            <a:spLocks noGrp="1"/>
+          </p:cNvSpPr>
+          <p:nvPr>
+            <p:ph type="body" idx="1"/>
+          </p:nvPr>
+        </p:nvSpPr>
+        <p:spPr/>
+        <p:txBody>
+          <a:bodyPr/>
+          <a:lstStyle/>
+          <a:p>
+            <a:pPr marL="0" marR="0" lvl="0" indent="0" algn="l" defTabSz="914400" rtl="0" eaLnBrk="1" fontAlgn="auto" latinLnBrk="0" hangingPunct="1">
+              <a:lnSpc>
+                <a:spcPct val="100000"/>
+              </a:lnSpc>
+              <a:spcBef>
+                <a:spcPts val="0"/>
+              </a:spcBef>
+              <a:spcAft>
+                <a:spcPts val="0"/>
+              </a:spcAft>
+              <a:buClrTx/>
+              <a:buSzTx/>
+              <a:buFontTx/>
+              <a:buNone/>
+              <a:tabLst/>
+              <a:defRPr/>
+            </a:pPr>
+            <a:endParaRPr lang="fr-FR" noProof="0" dirty="0"/>
+          </a:p>
+        </p:txBody>
+      </p:sp>
+      <p:sp>
+        <p:nvSpPr>
+          <p:cNvPr id="4" name="Slide Number Placeholder 3"/>
+          <p:cNvSpPr>
+            <a:spLocks noGrp="1"/>
+          </p:cNvSpPr>
+          <p:nvPr>
+            <p:ph type="sldNum" sz="quarter" idx="5"/>
+          </p:nvPr>
+        </p:nvSpPr>
+        <p:spPr/>
+        <p:txBody>
+          <a:bodyPr/>
+          <a:lstStyle/>
+          <a:p>
+            <a:fld id="{E4A24938-BD76-4D94-ABC1-81818C90BE90}" type="slidenum">
+              <a:rPr lang="en-US" smtClean="0"/>
+              <a:t>7</a:t>
+            </a:fld>
+            <a:endParaRPr lang="en-US"/>
+          </a:p>
+        </p:txBody>
+      </p:sp>
+    </p:spTree>
+    <p:extLst>
+      <p:ext uri="{BB962C8B-B14F-4D97-AF65-F5344CB8AC3E}">
+        <p14:creationId xmlns:p14="http://schemas.microsoft.com/office/powerpoint/2010/main" val="3841344482"/>
       </p:ext>
     </p:extLst>
   </p:cSld>
@@ -8500,6 +8603,1861 @@
 </p:sld>
 </file>
 
+<file path=ppt/slides/slide7.xml><?xml version="1.0" encoding="utf-8"?>
+<p:sld xmlns:a="http://schemas.openxmlformats.org/drawingml/2006/main" xmlns:r="http://schemas.openxmlformats.org/officeDocument/2006/relationships" xmlns:p="http://schemas.openxmlformats.org/presentationml/2006/main">
+  <p:cSld>
+    <p:spTree>
+      <p:nvGrpSpPr>
+        <p:cNvPr id="1" name=""/>
+        <p:cNvGrpSpPr/>
+        <p:nvPr/>
+      </p:nvGrpSpPr>
+      <p:grpSpPr>
+        <a:xfrm>
+          <a:off x="0" y="0"/>
+          <a:ext cx="0" cy="0"/>
+          <a:chOff x="0" y="0"/>
+          <a:chExt cx="0" cy="0"/>
+        </a:xfrm>
+      </p:grpSpPr>
+      <p:sp>
+        <p:nvSpPr>
+          <p:cNvPr id="2" name="Title 1">
+            <a:extLst>
+              <a:ext uri="{FF2B5EF4-FFF2-40B4-BE49-F238E27FC236}">
+                <a16:creationId xmlns:a16="http://schemas.microsoft.com/office/drawing/2014/main" id="{D18953F0-7D9F-B466-812A-9247418D7FAA}"/>
+              </a:ext>
+            </a:extLst>
+          </p:cNvPr>
+          <p:cNvSpPr>
+            <a:spLocks noGrp="1"/>
+          </p:cNvSpPr>
+          <p:nvPr>
+            <p:ph type="title"/>
+          </p:nvPr>
+        </p:nvSpPr>
+        <p:spPr/>
+        <p:txBody>
+          <a:bodyPr/>
+          <a:lstStyle/>
+          <a:p>
+            <a:r>
+              <a:rPr lang="en-US" dirty="0"/>
+              <a:t>Simulation of a neuron</a:t>
+            </a:r>
+            <a:endParaRPr lang="fr-FR" dirty="0"/>
+          </a:p>
+        </p:txBody>
+      </p:sp>
+      <p:pic>
+        <p:nvPicPr>
+          <p:cNvPr id="4" name="Picture 3">
+            <a:extLst>
+              <a:ext uri="{FF2B5EF4-FFF2-40B4-BE49-F238E27FC236}">
+                <a16:creationId xmlns:a16="http://schemas.microsoft.com/office/drawing/2014/main" id="{BCE59DB4-9EAB-BBE3-E7F7-0FFF1CF7FD51}"/>
+              </a:ext>
+            </a:extLst>
+          </p:cNvPr>
+          <p:cNvPicPr>
+            <a:picLocks noChangeAspect="1"/>
+          </p:cNvPicPr>
+          <p:nvPr/>
+        </p:nvPicPr>
+        <p:blipFill>
+          <a:blip r:embed="rId3"/>
+          <a:stretch>
+            <a:fillRect/>
+          </a:stretch>
+        </p:blipFill>
+        <p:spPr>
+          <a:xfrm>
+            <a:off x="1147216" y="1934016"/>
+            <a:ext cx="4794929" cy="3967614"/>
+          </a:xfrm>
+          <a:prstGeom prst="rect">
+            <a:avLst/>
+          </a:prstGeom>
+        </p:spPr>
+      </p:pic>
+      <p:pic>
+        <p:nvPicPr>
+          <p:cNvPr id="8" name="Picture 7">
+            <a:extLst>
+              <a:ext uri="{FF2B5EF4-FFF2-40B4-BE49-F238E27FC236}">
+                <a16:creationId xmlns:a16="http://schemas.microsoft.com/office/drawing/2014/main" id="{69AA6CD6-68AC-7D72-8E72-BD42E98E046C}"/>
+              </a:ext>
+            </a:extLst>
+          </p:cNvPr>
+          <p:cNvPicPr>
+            <a:picLocks noChangeAspect="1"/>
+          </p:cNvPicPr>
+          <p:nvPr/>
+        </p:nvPicPr>
+        <p:blipFill>
+          <a:blip r:embed="rId4"/>
+          <a:stretch>
+            <a:fillRect/>
+          </a:stretch>
+        </p:blipFill>
+        <p:spPr>
+          <a:xfrm>
+            <a:off x="8116178" y="1934013"/>
+            <a:ext cx="2928606" cy="3967615"/>
+          </a:xfrm>
+          <a:prstGeom prst="rect">
+            <a:avLst/>
+          </a:prstGeom>
+        </p:spPr>
+      </p:pic>
+      <p:sp>
+        <p:nvSpPr>
+          <p:cNvPr id="9" name="TextBox 8">
+            <a:extLst>
+              <a:ext uri="{FF2B5EF4-FFF2-40B4-BE49-F238E27FC236}">
+                <a16:creationId xmlns:a16="http://schemas.microsoft.com/office/drawing/2014/main" id="{11DD3288-C37B-3251-6783-EB0678747528}"/>
+              </a:ext>
+            </a:extLst>
+          </p:cNvPr>
+          <p:cNvSpPr txBox="1"/>
+          <p:nvPr/>
+        </p:nvSpPr>
+        <p:spPr>
+          <a:xfrm>
+            <a:off x="2404294" y="5901628"/>
+            <a:ext cx="1807033" cy="369332"/>
+          </a:xfrm>
+          <a:prstGeom prst="rect">
+            <a:avLst/>
+          </a:prstGeom>
+          <a:noFill/>
+        </p:spPr>
+        <p:txBody>
+          <a:bodyPr wrap="none" rtlCol="0">
+            <a:spAutoFit/>
+          </a:bodyPr>
+          <a:lstStyle/>
+          <a:p>
+            <a:r>
+              <a:rPr lang="en-US" i="1" dirty="0"/>
+              <a:t>Biological neuron</a:t>
+            </a:r>
+          </a:p>
+        </p:txBody>
+      </p:sp>
+      <p:sp>
+        <p:nvSpPr>
+          <p:cNvPr id="10" name="TextBox 9">
+            <a:extLst>
+              <a:ext uri="{FF2B5EF4-FFF2-40B4-BE49-F238E27FC236}">
+                <a16:creationId xmlns:a16="http://schemas.microsoft.com/office/drawing/2014/main" id="{A7EC6DEB-D796-E1A0-5906-1699A8A33DA9}"/>
+              </a:ext>
+            </a:extLst>
+          </p:cNvPr>
+          <p:cNvSpPr txBox="1"/>
+          <p:nvPr/>
+        </p:nvSpPr>
+        <p:spPr>
+          <a:xfrm>
+            <a:off x="8540176" y="5960287"/>
+            <a:ext cx="1823641" cy="369332"/>
+          </a:xfrm>
+          <a:prstGeom prst="rect">
+            <a:avLst/>
+          </a:prstGeom>
+          <a:noFill/>
+        </p:spPr>
+        <p:txBody>
+          <a:bodyPr wrap="none" rtlCol="0">
+            <a:spAutoFit/>
+          </a:bodyPr>
+          <a:lstStyle/>
+          <a:p>
+            <a:r>
+              <a:rPr lang="en-US" i="1" dirty="0"/>
+              <a:t>Computer neuron</a:t>
+            </a:r>
+          </a:p>
+        </p:txBody>
+      </p:sp>
+      <p:cxnSp>
+        <p:nvCxnSpPr>
+          <p:cNvPr id="12" name="Straight Arrow Connector 11">
+            <a:extLst>
+              <a:ext uri="{FF2B5EF4-FFF2-40B4-BE49-F238E27FC236}">
+                <a16:creationId xmlns:a16="http://schemas.microsoft.com/office/drawing/2014/main" id="{FA155C19-16D5-74F1-FDB9-DD6CCA68AFB5}"/>
+              </a:ext>
+            </a:extLst>
+          </p:cNvPr>
+          <p:cNvCxnSpPr>
+            <a:cxnSpLocks/>
+          </p:cNvCxnSpPr>
+          <p:nvPr/>
+        </p:nvCxnSpPr>
+        <p:spPr>
+          <a:xfrm flipV="1">
+            <a:off x="2636585" y="3569110"/>
+            <a:ext cx="908095" cy="816077"/>
+          </a:xfrm>
+          <a:prstGeom prst="straightConnector1">
+            <a:avLst/>
+          </a:prstGeom>
+          <a:ln w="28575">
+            <a:tailEnd type="triangle"/>
+          </a:ln>
+        </p:spPr>
+        <p:style>
+          <a:lnRef idx="1">
+            <a:schemeClr val="accent1"/>
+          </a:lnRef>
+          <a:fillRef idx="0">
+            <a:schemeClr val="accent1"/>
+          </a:fillRef>
+          <a:effectRef idx="0">
+            <a:schemeClr val="accent1"/>
+          </a:effectRef>
+          <a:fontRef idx="minor">
+            <a:schemeClr val="tx1"/>
+          </a:fontRef>
+        </p:style>
+      </p:cxnSp>
+      <p:cxnSp>
+        <p:nvCxnSpPr>
+          <p:cNvPr id="14" name="Straight Arrow Connector 13">
+            <a:extLst>
+              <a:ext uri="{FF2B5EF4-FFF2-40B4-BE49-F238E27FC236}">
+                <a16:creationId xmlns:a16="http://schemas.microsoft.com/office/drawing/2014/main" id="{C5D07D96-942A-241C-B12F-F4EF75EB0CA6}"/>
+              </a:ext>
+            </a:extLst>
+          </p:cNvPr>
+          <p:cNvCxnSpPr>
+            <a:cxnSpLocks/>
+          </p:cNvCxnSpPr>
+          <p:nvPr/>
+        </p:nvCxnSpPr>
+        <p:spPr>
+          <a:xfrm flipV="1">
+            <a:off x="2685128" y="3667432"/>
+            <a:ext cx="1031466" cy="755343"/>
+          </a:xfrm>
+          <a:prstGeom prst="straightConnector1">
+            <a:avLst/>
+          </a:prstGeom>
+          <a:ln w="28575">
+            <a:tailEnd type="triangle"/>
+          </a:ln>
+        </p:spPr>
+        <p:style>
+          <a:lnRef idx="1">
+            <a:schemeClr val="accent1"/>
+          </a:lnRef>
+          <a:fillRef idx="0">
+            <a:schemeClr val="accent1"/>
+          </a:fillRef>
+          <a:effectRef idx="0">
+            <a:schemeClr val="accent1"/>
+          </a:effectRef>
+          <a:fontRef idx="minor">
+            <a:schemeClr val="tx1"/>
+          </a:fontRef>
+        </p:style>
+      </p:cxnSp>
+      <p:cxnSp>
+        <p:nvCxnSpPr>
+          <p:cNvPr id="19" name="Straight Arrow Connector 18">
+            <a:extLst>
+              <a:ext uri="{FF2B5EF4-FFF2-40B4-BE49-F238E27FC236}">
+                <a16:creationId xmlns:a16="http://schemas.microsoft.com/office/drawing/2014/main" id="{E53CF1AC-2F1E-E9DB-4121-AC4F69D58587}"/>
+              </a:ext>
+            </a:extLst>
+          </p:cNvPr>
+          <p:cNvCxnSpPr>
+            <a:cxnSpLocks/>
+          </p:cNvCxnSpPr>
+          <p:nvPr/>
+        </p:nvCxnSpPr>
+        <p:spPr>
+          <a:xfrm flipV="1">
+            <a:off x="2753032" y="3861930"/>
+            <a:ext cx="914401" cy="621580"/>
+          </a:xfrm>
+          <a:prstGeom prst="straightConnector1">
+            <a:avLst/>
+          </a:prstGeom>
+          <a:ln w="28575">
+            <a:tailEnd type="triangle"/>
+          </a:ln>
+        </p:spPr>
+        <p:style>
+          <a:lnRef idx="1">
+            <a:schemeClr val="accent1"/>
+          </a:lnRef>
+          <a:fillRef idx="0">
+            <a:schemeClr val="accent1"/>
+          </a:fillRef>
+          <a:effectRef idx="0">
+            <a:schemeClr val="accent1"/>
+          </a:effectRef>
+          <a:fontRef idx="minor">
+            <a:schemeClr val="tx1"/>
+          </a:fontRef>
+        </p:style>
+      </p:cxnSp>
+      <p:cxnSp>
+        <p:nvCxnSpPr>
+          <p:cNvPr id="21" name="Straight Arrow Connector 20">
+            <a:extLst>
+              <a:ext uri="{FF2B5EF4-FFF2-40B4-BE49-F238E27FC236}">
+                <a16:creationId xmlns:a16="http://schemas.microsoft.com/office/drawing/2014/main" id="{C459D183-CA98-AB35-FED0-E89475D08F83}"/>
+              </a:ext>
+            </a:extLst>
+          </p:cNvPr>
+          <p:cNvCxnSpPr>
+            <a:cxnSpLocks/>
+          </p:cNvCxnSpPr>
+          <p:nvPr/>
+        </p:nvCxnSpPr>
+        <p:spPr>
+          <a:xfrm flipV="1">
+            <a:off x="2566220" y="3355279"/>
+            <a:ext cx="811160" cy="1029908"/>
+          </a:xfrm>
+          <a:prstGeom prst="straightConnector1">
+            <a:avLst/>
+          </a:prstGeom>
+          <a:ln w="28575">
+            <a:tailEnd type="triangle"/>
+          </a:ln>
+        </p:spPr>
+        <p:style>
+          <a:lnRef idx="1">
+            <a:schemeClr val="accent1"/>
+          </a:lnRef>
+          <a:fillRef idx="0">
+            <a:schemeClr val="accent1"/>
+          </a:fillRef>
+          <a:effectRef idx="0">
+            <a:schemeClr val="accent1"/>
+          </a:effectRef>
+          <a:fontRef idx="minor">
+            <a:schemeClr val="tx1"/>
+          </a:fontRef>
+        </p:style>
+      </p:cxnSp>
+      <p:cxnSp>
+        <p:nvCxnSpPr>
+          <p:cNvPr id="26" name="Straight Arrow Connector 25">
+            <a:extLst>
+              <a:ext uri="{FF2B5EF4-FFF2-40B4-BE49-F238E27FC236}">
+                <a16:creationId xmlns:a16="http://schemas.microsoft.com/office/drawing/2014/main" id="{ADA97667-60DF-71DC-4282-B477815DEC01}"/>
+              </a:ext>
+            </a:extLst>
+          </p:cNvPr>
+          <p:cNvCxnSpPr>
+            <a:cxnSpLocks/>
+          </p:cNvCxnSpPr>
+          <p:nvPr/>
+        </p:nvCxnSpPr>
+        <p:spPr>
+          <a:xfrm flipV="1">
+            <a:off x="2487561" y="3667432"/>
+            <a:ext cx="530942" cy="717755"/>
+          </a:xfrm>
+          <a:prstGeom prst="straightConnector1">
+            <a:avLst/>
+          </a:prstGeom>
+          <a:ln w="28575">
+            <a:tailEnd type="triangle"/>
+          </a:ln>
+        </p:spPr>
+        <p:style>
+          <a:lnRef idx="1">
+            <a:schemeClr val="accent1"/>
+          </a:lnRef>
+          <a:fillRef idx="0">
+            <a:schemeClr val="accent1"/>
+          </a:fillRef>
+          <a:effectRef idx="0">
+            <a:schemeClr val="accent1"/>
+          </a:effectRef>
+          <a:fontRef idx="minor">
+            <a:schemeClr val="tx1"/>
+          </a:fontRef>
+        </p:style>
+      </p:cxnSp>
+      <p:sp>
+        <p:nvSpPr>
+          <p:cNvPr id="31" name="TextBox 30">
+            <a:extLst>
+              <a:ext uri="{FF2B5EF4-FFF2-40B4-BE49-F238E27FC236}">
+                <a16:creationId xmlns:a16="http://schemas.microsoft.com/office/drawing/2014/main" id="{4BFB6EE6-42EE-6B49-73FA-DB106FA1C837}"/>
+              </a:ext>
+            </a:extLst>
+          </p:cNvPr>
+          <p:cNvSpPr txBox="1"/>
+          <p:nvPr/>
+        </p:nvSpPr>
+        <p:spPr>
+          <a:xfrm>
+            <a:off x="1693637" y="4357506"/>
+            <a:ext cx="1039259" cy="369332"/>
+          </a:xfrm>
+          <a:prstGeom prst="rect">
+            <a:avLst/>
+          </a:prstGeom>
+          <a:noFill/>
+        </p:spPr>
+        <p:txBody>
+          <a:bodyPr wrap="none" rtlCol="0">
+            <a:spAutoFit/>
+          </a:bodyPr>
+          <a:lstStyle/>
+          <a:p>
+            <a:r>
+              <a:rPr lang="en-US" b="1" dirty="0">
+                <a:solidFill>
+                  <a:schemeClr val="accent1"/>
+                </a:solidFill>
+              </a:rPr>
+              <a:t>synapses</a:t>
+            </a:r>
+          </a:p>
+        </p:txBody>
+      </p:sp>
+      <p:cxnSp>
+        <p:nvCxnSpPr>
+          <p:cNvPr id="32" name="Straight Arrow Connector 31">
+            <a:extLst>
+              <a:ext uri="{FF2B5EF4-FFF2-40B4-BE49-F238E27FC236}">
+                <a16:creationId xmlns:a16="http://schemas.microsoft.com/office/drawing/2014/main" id="{5EC0EC78-B258-0CE9-7486-C00CCABD7D29}"/>
+              </a:ext>
+            </a:extLst>
+          </p:cNvPr>
+          <p:cNvCxnSpPr>
+            <a:cxnSpLocks/>
+          </p:cNvCxnSpPr>
+          <p:nvPr/>
+        </p:nvCxnSpPr>
+        <p:spPr>
+          <a:xfrm flipV="1">
+            <a:off x="8518292" y="2895600"/>
+            <a:ext cx="920676" cy="924232"/>
+          </a:xfrm>
+          <a:prstGeom prst="straightConnector1">
+            <a:avLst/>
+          </a:prstGeom>
+          <a:ln w="28575">
+            <a:tailEnd type="triangle"/>
+          </a:ln>
+        </p:spPr>
+        <p:style>
+          <a:lnRef idx="1">
+            <a:schemeClr val="accent1"/>
+          </a:lnRef>
+          <a:fillRef idx="0">
+            <a:schemeClr val="accent1"/>
+          </a:fillRef>
+          <a:effectRef idx="0">
+            <a:schemeClr val="accent1"/>
+          </a:effectRef>
+          <a:fontRef idx="minor">
+            <a:schemeClr val="tx1"/>
+          </a:fontRef>
+        </p:style>
+      </p:cxnSp>
+      <p:cxnSp>
+        <p:nvCxnSpPr>
+          <p:cNvPr id="33" name="Straight Arrow Connector 32">
+            <a:extLst>
+              <a:ext uri="{FF2B5EF4-FFF2-40B4-BE49-F238E27FC236}">
+                <a16:creationId xmlns:a16="http://schemas.microsoft.com/office/drawing/2014/main" id="{1EB674AE-21AA-0073-AA90-635004B8223B}"/>
+              </a:ext>
+            </a:extLst>
+          </p:cNvPr>
+          <p:cNvCxnSpPr>
+            <a:cxnSpLocks/>
+          </p:cNvCxnSpPr>
+          <p:nvPr/>
+        </p:nvCxnSpPr>
+        <p:spPr>
+          <a:xfrm flipV="1">
+            <a:off x="8598441" y="2962275"/>
+            <a:ext cx="1174209" cy="899655"/>
+          </a:xfrm>
+          <a:prstGeom prst="straightConnector1">
+            <a:avLst/>
+          </a:prstGeom>
+          <a:ln w="28575">
+            <a:tailEnd type="triangle"/>
+          </a:ln>
+        </p:spPr>
+        <p:style>
+          <a:lnRef idx="1">
+            <a:schemeClr val="accent1"/>
+          </a:lnRef>
+          <a:fillRef idx="0">
+            <a:schemeClr val="accent1"/>
+          </a:fillRef>
+          <a:effectRef idx="0">
+            <a:schemeClr val="accent1"/>
+          </a:effectRef>
+          <a:fontRef idx="minor">
+            <a:schemeClr val="tx1"/>
+          </a:fontRef>
+        </p:style>
+      </p:cxnSp>
+      <p:cxnSp>
+        <p:nvCxnSpPr>
+          <p:cNvPr id="34" name="Straight Arrow Connector 33">
+            <a:extLst>
+              <a:ext uri="{FF2B5EF4-FFF2-40B4-BE49-F238E27FC236}">
+                <a16:creationId xmlns:a16="http://schemas.microsoft.com/office/drawing/2014/main" id="{BE487D33-1CE2-76E6-BD58-A997A74C8B8E}"/>
+              </a:ext>
+            </a:extLst>
+          </p:cNvPr>
+          <p:cNvCxnSpPr>
+            <a:cxnSpLocks/>
+          </p:cNvCxnSpPr>
+          <p:nvPr/>
+        </p:nvCxnSpPr>
+        <p:spPr>
+          <a:xfrm flipV="1">
+            <a:off x="8655943" y="3279775"/>
+            <a:ext cx="1532632" cy="638380"/>
+          </a:xfrm>
+          <a:prstGeom prst="straightConnector1">
+            <a:avLst/>
+          </a:prstGeom>
+          <a:ln w="28575">
+            <a:tailEnd type="triangle"/>
+          </a:ln>
+        </p:spPr>
+        <p:style>
+          <a:lnRef idx="1">
+            <a:schemeClr val="accent1"/>
+          </a:lnRef>
+          <a:fillRef idx="0">
+            <a:schemeClr val="accent1"/>
+          </a:fillRef>
+          <a:effectRef idx="0">
+            <a:schemeClr val="accent1"/>
+          </a:effectRef>
+          <a:fontRef idx="minor">
+            <a:schemeClr val="tx1"/>
+          </a:fontRef>
+        </p:style>
+      </p:cxnSp>
+      <p:cxnSp>
+        <p:nvCxnSpPr>
+          <p:cNvPr id="35" name="Straight Arrow Connector 34">
+            <a:extLst>
+              <a:ext uri="{FF2B5EF4-FFF2-40B4-BE49-F238E27FC236}">
+                <a16:creationId xmlns:a16="http://schemas.microsoft.com/office/drawing/2014/main" id="{DC92BFDF-AD62-6604-3DA3-23F30336E365}"/>
+              </a:ext>
+            </a:extLst>
+          </p:cNvPr>
+          <p:cNvCxnSpPr>
+            <a:cxnSpLocks/>
+          </p:cNvCxnSpPr>
+          <p:nvPr/>
+        </p:nvCxnSpPr>
+        <p:spPr>
+          <a:xfrm flipV="1">
+            <a:off x="8469131" y="3006725"/>
+            <a:ext cx="658994" cy="813107"/>
+          </a:xfrm>
+          <a:prstGeom prst="straightConnector1">
+            <a:avLst/>
+          </a:prstGeom>
+          <a:ln w="28575">
+            <a:tailEnd type="triangle"/>
+          </a:ln>
+        </p:spPr>
+        <p:style>
+          <a:lnRef idx="1">
+            <a:schemeClr val="accent1"/>
+          </a:lnRef>
+          <a:fillRef idx="0">
+            <a:schemeClr val="accent1"/>
+          </a:fillRef>
+          <a:effectRef idx="0">
+            <a:schemeClr val="accent1"/>
+          </a:effectRef>
+          <a:fontRef idx="minor">
+            <a:schemeClr val="tx1"/>
+          </a:fontRef>
+        </p:style>
+      </p:cxnSp>
+      <p:cxnSp>
+        <p:nvCxnSpPr>
+          <p:cNvPr id="36" name="Straight Arrow Connector 35">
+            <a:extLst>
+              <a:ext uri="{FF2B5EF4-FFF2-40B4-BE49-F238E27FC236}">
+                <a16:creationId xmlns:a16="http://schemas.microsoft.com/office/drawing/2014/main" id="{45096295-873C-4299-7F05-D47886E447BA}"/>
+              </a:ext>
+            </a:extLst>
+          </p:cNvPr>
+          <p:cNvCxnSpPr>
+            <a:cxnSpLocks/>
+          </p:cNvCxnSpPr>
+          <p:nvPr/>
+        </p:nvCxnSpPr>
+        <p:spPr>
+          <a:xfrm flipV="1">
+            <a:off x="8390472" y="3171825"/>
+            <a:ext cx="356653" cy="648007"/>
+          </a:xfrm>
+          <a:prstGeom prst="straightConnector1">
+            <a:avLst/>
+          </a:prstGeom>
+          <a:ln w="28575">
+            <a:tailEnd type="triangle"/>
+          </a:ln>
+        </p:spPr>
+        <p:style>
+          <a:lnRef idx="1">
+            <a:schemeClr val="accent1"/>
+          </a:lnRef>
+          <a:fillRef idx="0">
+            <a:schemeClr val="accent1"/>
+          </a:fillRef>
+          <a:effectRef idx="0">
+            <a:schemeClr val="accent1"/>
+          </a:effectRef>
+          <a:fontRef idx="minor">
+            <a:schemeClr val="tx1"/>
+          </a:fontRef>
+        </p:style>
+      </p:cxnSp>
+      <p:sp>
+        <p:nvSpPr>
+          <p:cNvPr id="37" name="TextBox 36">
+            <a:extLst>
+              <a:ext uri="{FF2B5EF4-FFF2-40B4-BE49-F238E27FC236}">
+                <a16:creationId xmlns:a16="http://schemas.microsoft.com/office/drawing/2014/main" id="{0CBE7A1F-DD79-E697-8793-5F6A768D16D8}"/>
+              </a:ext>
+            </a:extLst>
+          </p:cNvPr>
+          <p:cNvSpPr txBox="1"/>
+          <p:nvPr/>
+        </p:nvSpPr>
+        <p:spPr>
+          <a:xfrm>
+            <a:off x="7662083" y="3800266"/>
+            <a:ext cx="1300579" cy="369332"/>
+          </a:xfrm>
+          <a:prstGeom prst="rect">
+            <a:avLst/>
+          </a:prstGeom>
+          <a:noFill/>
+        </p:spPr>
+        <p:txBody>
+          <a:bodyPr wrap="square" rtlCol="0">
+            <a:spAutoFit/>
+          </a:bodyPr>
+          <a:lstStyle/>
+          <a:p>
+            <a:r>
+              <a:rPr lang="en-US" b="1" dirty="0">
+                <a:solidFill>
+                  <a:schemeClr val="accent1"/>
+                </a:solidFill>
+              </a:rPr>
+              <a:t>weights</a:t>
+            </a:r>
+          </a:p>
+        </p:txBody>
+      </p:sp>
+      <p:cxnSp>
+        <p:nvCxnSpPr>
+          <p:cNvPr id="20" name="Straight Arrow Connector 19">
+            <a:extLst>
+              <a:ext uri="{FF2B5EF4-FFF2-40B4-BE49-F238E27FC236}">
+                <a16:creationId xmlns:a16="http://schemas.microsoft.com/office/drawing/2014/main" id="{E2FFC374-5521-7778-B7CE-F6A07A55C65E}"/>
+              </a:ext>
+            </a:extLst>
+          </p:cNvPr>
+          <p:cNvCxnSpPr>
+            <a:cxnSpLocks/>
+          </p:cNvCxnSpPr>
+          <p:nvPr/>
+        </p:nvCxnSpPr>
+        <p:spPr>
+          <a:xfrm flipH="1" flipV="1">
+            <a:off x="3374151" y="3773637"/>
+            <a:ext cx="657075" cy="395961"/>
+          </a:xfrm>
+          <a:prstGeom prst="straightConnector1">
+            <a:avLst/>
+          </a:prstGeom>
+          <a:ln w="28575">
+            <a:solidFill>
+              <a:srgbClr val="00B050"/>
+            </a:solidFill>
+            <a:tailEnd type="triangle"/>
+          </a:ln>
+        </p:spPr>
+        <p:style>
+          <a:lnRef idx="1">
+            <a:schemeClr val="accent1"/>
+          </a:lnRef>
+          <a:fillRef idx="0">
+            <a:schemeClr val="accent1"/>
+          </a:fillRef>
+          <a:effectRef idx="0">
+            <a:schemeClr val="accent1"/>
+          </a:effectRef>
+          <a:fontRef idx="minor">
+            <a:schemeClr val="tx1"/>
+          </a:fontRef>
+        </p:style>
+      </p:cxnSp>
+      <p:sp>
+        <p:nvSpPr>
+          <p:cNvPr id="22" name="TextBox 21">
+            <a:extLst>
+              <a:ext uri="{FF2B5EF4-FFF2-40B4-BE49-F238E27FC236}">
+                <a16:creationId xmlns:a16="http://schemas.microsoft.com/office/drawing/2014/main" id="{07DBA391-55FA-4184-AF09-1AC72F2F6307}"/>
+              </a:ext>
+            </a:extLst>
+          </p:cNvPr>
+          <p:cNvSpPr txBox="1"/>
+          <p:nvPr/>
+        </p:nvSpPr>
+        <p:spPr>
+          <a:xfrm>
+            <a:off x="4031226" y="4043594"/>
+            <a:ext cx="508473" cy="369332"/>
+          </a:xfrm>
+          <a:prstGeom prst="rect">
+            <a:avLst/>
+          </a:prstGeom>
+          <a:noFill/>
+        </p:spPr>
+        <p:txBody>
+          <a:bodyPr wrap="none" rtlCol="0">
+            <a:spAutoFit/>
+          </a:bodyPr>
+          <a:lstStyle/>
+          <a:p>
+            <a:r>
+              <a:rPr lang="en-US" b="1" dirty="0">
+                <a:solidFill>
+                  <a:srgbClr val="00B050"/>
+                </a:solidFill>
+              </a:rPr>
+              <a:t>cell</a:t>
+            </a:r>
+          </a:p>
+        </p:txBody>
+      </p:sp>
+      <p:cxnSp>
+        <p:nvCxnSpPr>
+          <p:cNvPr id="23" name="Straight Arrow Connector 22">
+            <a:extLst>
+              <a:ext uri="{FF2B5EF4-FFF2-40B4-BE49-F238E27FC236}">
+                <a16:creationId xmlns:a16="http://schemas.microsoft.com/office/drawing/2014/main" id="{00C8F0E1-A967-7A7D-5CF6-DD7C6007DC55}"/>
+              </a:ext>
+            </a:extLst>
+          </p:cNvPr>
+          <p:cNvCxnSpPr>
+            <a:cxnSpLocks/>
+          </p:cNvCxnSpPr>
+          <p:nvPr/>
+        </p:nvCxnSpPr>
+        <p:spPr>
+          <a:xfrm flipV="1">
+            <a:off x="8378688" y="4240527"/>
+            <a:ext cx="776749" cy="471228"/>
+          </a:xfrm>
+          <a:prstGeom prst="straightConnector1">
+            <a:avLst/>
+          </a:prstGeom>
+          <a:ln w="28575">
+            <a:solidFill>
+              <a:srgbClr val="00B050"/>
+            </a:solidFill>
+            <a:tailEnd type="triangle"/>
+          </a:ln>
+        </p:spPr>
+        <p:style>
+          <a:lnRef idx="1">
+            <a:schemeClr val="accent1"/>
+          </a:lnRef>
+          <a:fillRef idx="0">
+            <a:schemeClr val="accent1"/>
+          </a:fillRef>
+          <a:effectRef idx="0">
+            <a:schemeClr val="accent1"/>
+          </a:effectRef>
+          <a:fontRef idx="minor">
+            <a:schemeClr val="tx1"/>
+          </a:fontRef>
+        </p:style>
+      </p:cxnSp>
+      <p:sp>
+        <p:nvSpPr>
+          <p:cNvPr id="24" name="TextBox 23">
+            <a:extLst>
+              <a:ext uri="{FF2B5EF4-FFF2-40B4-BE49-F238E27FC236}">
+                <a16:creationId xmlns:a16="http://schemas.microsoft.com/office/drawing/2014/main" id="{3AA90C42-89B9-30E4-67D6-261C0E3965A4}"/>
+              </a:ext>
+            </a:extLst>
+          </p:cNvPr>
+          <p:cNvSpPr txBox="1"/>
+          <p:nvPr/>
+        </p:nvSpPr>
+        <p:spPr>
+          <a:xfrm>
+            <a:off x="7086599" y="4447248"/>
+            <a:ext cx="1468718" cy="646331"/>
+          </a:xfrm>
+          <a:prstGeom prst="rect">
+            <a:avLst/>
+          </a:prstGeom>
+          <a:noFill/>
+        </p:spPr>
+        <p:txBody>
+          <a:bodyPr wrap="square" rtlCol="0">
+            <a:spAutoFit/>
+          </a:bodyPr>
+          <a:lstStyle/>
+          <a:p>
+            <a:r>
+              <a:rPr lang="en-US" b="1" dirty="0">
+                <a:solidFill>
+                  <a:srgbClr val="00B050"/>
+                </a:solidFill>
+              </a:rPr>
+              <a:t>aggregation function</a:t>
+            </a:r>
+          </a:p>
+        </p:txBody>
+      </p:sp>
+      <p:cxnSp>
+        <p:nvCxnSpPr>
+          <p:cNvPr id="25" name="Straight Arrow Connector 24">
+            <a:extLst>
+              <a:ext uri="{FF2B5EF4-FFF2-40B4-BE49-F238E27FC236}">
+                <a16:creationId xmlns:a16="http://schemas.microsoft.com/office/drawing/2014/main" id="{99763354-7708-CD22-1A4C-8C3A5844ADF0}"/>
+              </a:ext>
+            </a:extLst>
+          </p:cNvPr>
+          <p:cNvCxnSpPr>
+            <a:cxnSpLocks/>
+          </p:cNvCxnSpPr>
+          <p:nvPr/>
+        </p:nvCxnSpPr>
+        <p:spPr>
+          <a:xfrm flipH="1" flipV="1">
+            <a:off x="3629790" y="5136337"/>
+            <a:ext cx="657075" cy="395961"/>
+          </a:xfrm>
+          <a:prstGeom prst="straightConnector1">
+            <a:avLst/>
+          </a:prstGeom>
+          <a:ln w="28575">
+            <a:solidFill>
+              <a:srgbClr val="FF0000"/>
+            </a:solidFill>
+            <a:tailEnd type="triangle"/>
+          </a:ln>
+        </p:spPr>
+        <p:style>
+          <a:lnRef idx="1">
+            <a:schemeClr val="accent1"/>
+          </a:lnRef>
+          <a:fillRef idx="0">
+            <a:schemeClr val="accent1"/>
+          </a:fillRef>
+          <a:effectRef idx="0">
+            <a:schemeClr val="accent1"/>
+          </a:effectRef>
+          <a:fontRef idx="minor">
+            <a:schemeClr val="tx1"/>
+          </a:fontRef>
+        </p:style>
+      </p:cxnSp>
+      <p:sp>
+        <p:nvSpPr>
+          <p:cNvPr id="27" name="TextBox 26">
+            <a:extLst>
+              <a:ext uri="{FF2B5EF4-FFF2-40B4-BE49-F238E27FC236}">
+                <a16:creationId xmlns:a16="http://schemas.microsoft.com/office/drawing/2014/main" id="{788622FF-EF92-B844-6153-7915E2684100}"/>
+              </a:ext>
+            </a:extLst>
+          </p:cNvPr>
+          <p:cNvSpPr txBox="1"/>
+          <p:nvPr/>
+        </p:nvSpPr>
+        <p:spPr>
+          <a:xfrm>
+            <a:off x="4254965" y="5341197"/>
+            <a:ext cx="643702" cy="369332"/>
+          </a:xfrm>
+          <a:prstGeom prst="rect">
+            <a:avLst/>
+          </a:prstGeom>
+          <a:noFill/>
+        </p:spPr>
+        <p:txBody>
+          <a:bodyPr wrap="none" rtlCol="0">
+            <a:spAutoFit/>
+          </a:bodyPr>
+          <a:lstStyle/>
+          <a:p>
+            <a:r>
+              <a:rPr lang="en-US" b="1" dirty="0">
+                <a:solidFill>
+                  <a:srgbClr val="FF0000"/>
+                </a:solidFill>
+              </a:rPr>
+              <a:t>axon</a:t>
+            </a:r>
+          </a:p>
+        </p:txBody>
+      </p:sp>
+      <p:cxnSp>
+        <p:nvCxnSpPr>
+          <p:cNvPr id="28" name="Straight Arrow Connector 27">
+            <a:extLst>
+              <a:ext uri="{FF2B5EF4-FFF2-40B4-BE49-F238E27FC236}">
+                <a16:creationId xmlns:a16="http://schemas.microsoft.com/office/drawing/2014/main" id="{F7540C07-FD18-576B-7BD6-F6BD64A95994}"/>
+              </a:ext>
+            </a:extLst>
+          </p:cNvPr>
+          <p:cNvCxnSpPr>
+            <a:cxnSpLocks/>
+          </p:cNvCxnSpPr>
+          <p:nvPr/>
+        </p:nvCxnSpPr>
+        <p:spPr>
+          <a:xfrm flipV="1">
+            <a:off x="8311579" y="5532298"/>
+            <a:ext cx="1056681" cy="163046"/>
+          </a:xfrm>
+          <a:prstGeom prst="straightConnector1">
+            <a:avLst/>
+          </a:prstGeom>
+          <a:ln w="28575">
+            <a:solidFill>
+              <a:srgbClr val="FF0000"/>
+            </a:solidFill>
+            <a:tailEnd type="triangle"/>
+          </a:ln>
+        </p:spPr>
+        <p:style>
+          <a:lnRef idx="1">
+            <a:schemeClr val="accent1"/>
+          </a:lnRef>
+          <a:fillRef idx="0">
+            <a:schemeClr val="accent1"/>
+          </a:fillRef>
+          <a:effectRef idx="0">
+            <a:schemeClr val="accent1"/>
+          </a:effectRef>
+          <a:fontRef idx="minor">
+            <a:schemeClr val="tx1"/>
+          </a:fontRef>
+        </p:style>
+      </p:cxnSp>
+      <p:sp>
+        <p:nvSpPr>
+          <p:cNvPr id="29" name="TextBox 28">
+            <a:extLst>
+              <a:ext uri="{FF2B5EF4-FFF2-40B4-BE49-F238E27FC236}">
+                <a16:creationId xmlns:a16="http://schemas.microsoft.com/office/drawing/2014/main" id="{7C2D2F31-60BB-BD94-E05B-966D0BEDDF53}"/>
+              </a:ext>
+            </a:extLst>
+          </p:cNvPr>
+          <p:cNvSpPr txBox="1"/>
+          <p:nvPr/>
+        </p:nvSpPr>
+        <p:spPr>
+          <a:xfrm>
+            <a:off x="7441905" y="5512784"/>
+            <a:ext cx="1022966" cy="369332"/>
+          </a:xfrm>
+          <a:prstGeom prst="rect">
+            <a:avLst/>
+          </a:prstGeom>
+          <a:noFill/>
+        </p:spPr>
+        <p:txBody>
+          <a:bodyPr wrap="square" rtlCol="0">
+            <a:spAutoFit/>
+          </a:bodyPr>
+          <a:lstStyle/>
+          <a:p>
+            <a:r>
+              <a:rPr lang="en-US" b="1" dirty="0">
+                <a:solidFill>
+                  <a:srgbClr val="FF0000"/>
+                </a:solidFill>
+              </a:rPr>
+              <a:t>outputs</a:t>
+            </a:r>
+          </a:p>
+        </p:txBody>
+      </p:sp>
+    </p:spTree>
+    <p:extLst>
+      <p:ext uri="{BB962C8B-B14F-4D97-AF65-F5344CB8AC3E}">
+        <p14:creationId xmlns:p14="http://schemas.microsoft.com/office/powerpoint/2010/main" val="1293831720"/>
+      </p:ext>
+    </p:extLst>
+  </p:cSld>
+  <p:clrMapOvr>
+    <a:masterClrMapping/>
+  </p:clrMapOvr>
+  <p:timing>
+    <p:tnLst>
+      <p:par>
+        <p:cTn id="1" dur="indefinite" restart="never" nodeType="tmRoot">
+          <p:childTnLst>
+            <p:seq concurrent="1" nextAc="seek">
+              <p:cTn id="2" dur="indefinite" nodeType="mainSeq">
+                <p:childTnLst>
+                  <p:par>
+                    <p:cTn id="3" fill="hold">
+                      <p:stCondLst>
+                        <p:cond delay="indefinite"/>
+                      </p:stCondLst>
+                      <p:childTnLst>
+                        <p:par>
+                          <p:cTn id="4" fill="hold">
+                            <p:stCondLst>
+                              <p:cond delay="0"/>
+                            </p:stCondLst>
+                            <p:childTnLst>
+                              <p:par>
+                                <p:cTn id="5" presetID="10" presetClass="entr" presetSubtype="0" fill="hold" nodeType="clickEffect">
+                                  <p:stCondLst>
+                                    <p:cond delay="0"/>
+                                  </p:stCondLst>
+                                  <p:childTnLst>
+                                    <p:set>
+                                      <p:cBhvr>
+                                        <p:cTn id="6" dur="1" fill="hold">
+                                          <p:stCondLst>
+                                            <p:cond delay="0"/>
+                                          </p:stCondLst>
+                                        </p:cTn>
+                                        <p:tgtEl>
+                                          <p:spTgt spid="12"/>
+                                        </p:tgtEl>
+                                        <p:attrNameLst>
+                                          <p:attrName>style.visibility</p:attrName>
+                                        </p:attrNameLst>
+                                      </p:cBhvr>
+                                      <p:to>
+                                        <p:strVal val="visible"/>
+                                      </p:to>
+                                    </p:set>
+                                    <p:animEffect transition="in" filter="fade">
+                                      <p:cBhvr>
+                                        <p:cTn id="7" dur="500"/>
+                                        <p:tgtEl>
+                                          <p:spTgt spid="12"/>
+                                        </p:tgtEl>
+                                      </p:cBhvr>
+                                    </p:animEffect>
+                                  </p:childTnLst>
+                                </p:cTn>
+                              </p:par>
+                              <p:par>
+                                <p:cTn id="8" presetID="10" presetClass="entr" presetSubtype="0" fill="hold" nodeType="withEffect">
+                                  <p:stCondLst>
+                                    <p:cond delay="0"/>
+                                  </p:stCondLst>
+                                  <p:childTnLst>
+                                    <p:set>
+                                      <p:cBhvr>
+                                        <p:cTn id="9" dur="1" fill="hold">
+                                          <p:stCondLst>
+                                            <p:cond delay="0"/>
+                                          </p:stCondLst>
+                                        </p:cTn>
+                                        <p:tgtEl>
+                                          <p:spTgt spid="14"/>
+                                        </p:tgtEl>
+                                        <p:attrNameLst>
+                                          <p:attrName>style.visibility</p:attrName>
+                                        </p:attrNameLst>
+                                      </p:cBhvr>
+                                      <p:to>
+                                        <p:strVal val="visible"/>
+                                      </p:to>
+                                    </p:set>
+                                    <p:animEffect transition="in" filter="fade">
+                                      <p:cBhvr>
+                                        <p:cTn id="10" dur="500"/>
+                                        <p:tgtEl>
+                                          <p:spTgt spid="14"/>
+                                        </p:tgtEl>
+                                      </p:cBhvr>
+                                    </p:animEffect>
+                                  </p:childTnLst>
+                                </p:cTn>
+                              </p:par>
+                              <p:par>
+                                <p:cTn id="11" presetID="10" presetClass="entr" presetSubtype="0" fill="hold" nodeType="withEffect">
+                                  <p:stCondLst>
+                                    <p:cond delay="0"/>
+                                  </p:stCondLst>
+                                  <p:childTnLst>
+                                    <p:set>
+                                      <p:cBhvr>
+                                        <p:cTn id="12" dur="1" fill="hold">
+                                          <p:stCondLst>
+                                            <p:cond delay="0"/>
+                                          </p:stCondLst>
+                                        </p:cTn>
+                                        <p:tgtEl>
+                                          <p:spTgt spid="19"/>
+                                        </p:tgtEl>
+                                        <p:attrNameLst>
+                                          <p:attrName>style.visibility</p:attrName>
+                                        </p:attrNameLst>
+                                      </p:cBhvr>
+                                      <p:to>
+                                        <p:strVal val="visible"/>
+                                      </p:to>
+                                    </p:set>
+                                    <p:animEffect transition="in" filter="fade">
+                                      <p:cBhvr>
+                                        <p:cTn id="13" dur="500"/>
+                                        <p:tgtEl>
+                                          <p:spTgt spid="19"/>
+                                        </p:tgtEl>
+                                      </p:cBhvr>
+                                    </p:animEffect>
+                                  </p:childTnLst>
+                                </p:cTn>
+                              </p:par>
+                              <p:par>
+                                <p:cTn id="14" presetID="10" presetClass="entr" presetSubtype="0" fill="hold" nodeType="withEffect">
+                                  <p:stCondLst>
+                                    <p:cond delay="0"/>
+                                  </p:stCondLst>
+                                  <p:childTnLst>
+                                    <p:set>
+                                      <p:cBhvr>
+                                        <p:cTn id="15" dur="1" fill="hold">
+                                          <p:stCondLst>
+                                            <p:cond delay="0"/>
+                                          </p:stCondLst>
+                                        </p:cTn>
+                                        <p:tgtEl>
+                                          <p:spTgt spid="21"/>
+                                        </p:tgtEl>
+                                        <p:attrNameLst>
+                                          <p:attrName>style.visibility</p:attrName>
+                                        </p:attrNameLst>
+                                      </p:cBhvr>
+                                      <p:to>
+                                        <p:strVal val="visible"/>
+                                      </p:to>
+                                    </p:set>
+                                    <p:animEffect transition="in" filter="fade">
+                                      <p:cBhvr>
+                                        <p:cTn id="16" dur="500"/>
+                                        <p:tgtEl>
+                                          <p:spTgt spid="21"/>
+                                        </p:tgtEl>
+                                      </p:cBhvr>
+                                    </p:animEffect>
+                                  </p:childTnLst>
+                                </p:cTn>
+                              </p:par>
+                              <p:par>
+                                <p:cTn id="17" presetID="10" presetClass="entr" presetSubtype="0" fill="hold" nodeType="withEffect">
+                                  <p:stCondLst>
+                                    <p:cond delay="0"/>
+                                  </p:stCondLst>
+                                  <p:childTnLst>
+                                    <p:set>
+                                      <p:cBhvr>
+                                        <p:cTn id="18" dur="1" fill="hold">
+                                          <p:stCondLst>
+                                            <p:cond delay="0"/>
+                                          </p:stCondLst>
+                                        </p:cTn>
+                                        <p:tgtEl>
+                                          <p:spTgt spid="26"/>
+                                        </p:tgtEl>
+                                        <p:attrNameLst>
+                                          <p:attrName>style.visibility</p:attrName>
+                                        </p:attrNameLst>
+                                      </p:cBhvr>
+                                      <p:to>
+                                        <p:strVal val="visible"/>
+                                      </p:to>
+                                    </p:set>
+                                    <p:animEffect transition="in" filter="fade">
+                                      <p:cBhvr>
+                                        <p:cTn id="19" dur="500"/>
+                                        <p:tgtEl>
+                                          <p:spTgt spid="26"/>
+                                        </p:tgtEl>
+                                      </p:cBhvr>
+                                    </p:animEffect>
+                                  </p:childTnLst>
+                                </p:cTn>
+                              </p:par>
+                              <p:par>
+                                <p:cTn id="20" presetID="10" presetClass="entr" presetSubtype="0" fill="hold" grpId="0" nodeType="withEffect">
+                                  <p:stCondLst>
+                                    <p:cond delay="0"/>
+                                  </p:stCondLst>
+                                  <p:childTnLst>
+                                    <p:set>
+                                      <p:cBhvr>
+                                        <p:cTn id="21" dur="1" fill="hold">
+                                          <p:stCondLst>
+                                            <p:cond delay="0"/>
+                                          </p:stCondLst>
+                                        </p:cTn>
+                                        <p:tgtEl>
+                                          <p:spTgt spid="31"/>
+                                        </p:tgtEl>
+                                        <p:attrNameLst>
+                                          <p:attrName>style.visibility</p:attrName>
+                                        </p:attrNameLst>
+                                      </p:cBhvr>
+                                      <p:to>
+                                        <p:strVal val="visible"/>
+                                      </p:to>
+                                    </p:set>
+                                    <p:animEffect transition="in" filter="fade">
+                                      <p:cBhvr>
+                                        <p:cTn id="22" dur="500"/>
+                                        <p:tgtEl>
+                                          <p:spTgt spid="31"/>
+                                        </p:tgtEl>
+                                      </p:cBhvr>
+                                    </p:animEffect>
+                                  </p:childTnLst>
+                                </p:cTn>
+                              </p:par>
+                            </p:childTnLst>
+                          </p:cTn>
+                        </p:par>
+                      </p:childTnLst>
+                    </p:cTn>
+                  </p:par>
+                  <p:par>
+                    <p:cTn id="23" fill="hold">
+                      <p:stCondLst>
+                        <p:cond delay="indefinite"/>
+                      </p:stCondLst>
+                      <p:childTnLst>
+                        <p:par>
+                          <p:cTn id="24" fill="hold">
+                            <p:stCondLst>
+                              <p:cond delay="0"/>
+                            </p:stCondLst>
+                            <p:childTnLst>
+                              <p:par>
+                                <p:cTn id="25" presetID="10" presetClass="entr" presetSubtype="0" fill="hold" nodeType="clickEffect">
+                                  <p:stCondLst>
+                                    <p:cond delay="0"/>
+                                  </p:stCondLst>
+                                  <p:childTnLst>
+                                    <p:set>
+                                      <p:cBhvr>
+                                        <p:cTn id="26" dur="1" fill="hold">
+                                          <p:stCondLst>
+                                            <p:cond delay="0"/>
+                                          </p:stCondLst>
+                                        </p:cTn>
+                                        <p:tgtEl>
+                                          <p:spTgt spid="32"/>
+                                        </p:tgtEl>
+                                        <p:attrNameLst>
+                                          <p:attrName>style.visibility</p:attrName>
+                                        </p:attrNameLst>
+                                      </p:cBhvr>
+                                      <p:to>
+                                        <p:strVal val="visible"/>
+                                      </p:to>
+                                    </p:set>
+                                    <p:animEffect transition="in" filter="fade">
+                                      <p:cBhvr>
+                                        <p:cTn id="27" dur="500"/>
+                                        <p:tgtEl>
+                                          <p:spTgt spid="32"/>
+                                        </p:tgtEl>
+                                      </p:cBhvr>
+                                    </p:animEffect>
+                                  </p:childTnLst>
+                                </p:cTn>
+                              </p:par>
+                              <p:par>
+                                <p:cTn id="28" presetID="10" presetClass="entr" presetSubtype="0" fill="hold" nodeType="withEffect">
+                                  <p:stCondLst>
+                                    <p:cond delay="0"/>
+                                  </p:stCondLst>
+                                  <p:childTnLst>
+                                    <p:set>
+                                      <p:cBhvr>
+                                        <p:cTn id="29" dur="1" fill="hold">
+                                          <p:stCondLst>
+                                            <p:cond delay="0"/>
+                                          </p:stCondLst>
+                                        </p:cTn>
+                                        <p:tgtEl>
+                                          <p:spTgt spid="33"/>
+                                        </p:tgtEl>
+                                        <p:attrNameLst>
+                                          <p:attrName>style.visibility</p:attrName>
+                                        </p:attrNameLst>
+                                      </p:cBhvr>
+                                      <p:to>
+                                        <p:strVal val="visible"/>
+                                      </p:to>
+                                    </p:set>
+                                    <p:animEffect transition="in" filter="fade">
+                                      <p:cBhvr>
+                                        <p:cTn id="30" dur="500"/>
+                                        <p:tgtEl>
+                                          <p:spTgt spid="33"/>
+                                        </p:tgtEl>
+                                      </p:cBhvr>
+                                    </p:animEffect>
+                                  </p:childTnLst>
+                                </p:cTn>
+                              </p:par>
+                              <p:par>
+                                <p:cTn id="31" presetID="10" presetClass="entr" presetSubtype="0" fill="hold" nodeType="withEffect">
+                                  <p:stCondLst>
+                                    <p:cond delay="0"/>
+                                  </p:stCondLst>
+                                  <p:childTnLst>
+                                    <p:set>
+                                      <p:cBhvr>
+                                        <p:cTn id="32" dur="1" fill="hold">
+                                          <p:stCondLst>
+                                            <p:cond delay="0"/>
+                                          </p:stCondLst>
+                                        </p:cTn>
+                                        <p:tgtEl>
+                                          <p:spTgt spid="34"/>
+                                        </p:tgtEl>
+                                        <p:attrNameLst>
+                                          <p:attrName>style.visibility</p:attrName>
+                                        </p:attrNameLst>
+                                      </p:cBhvr>
+                                      <p:to>
+                                        <p:strVal val="visible"/>
+                                      </p:to>
+                                    </p:set>
+                                    <p:animEffect transition="in" filter="fade">
+                                      <p:cBhvr>
+                                        <p:cTn id="33" dur="500"/>
+                                        <p:tgtEl>
+                                          <p:spTgt spid="34"/>
+                                        </p:tgtEl>
+                                      </p:cBhvr>
+                                    </p:animEffect>
+                                  </p:childTnLst>
+                                </p:cTn>
+                              </p:par>
+                              <p:par>
+                                <p:cTn id="34" presetID="10" presetClass="entr" presetSubtype="0" fill="hold" nodeType="withEffect">
+                                  <p:stCondLst>
+                                    <p:cond delay="0"/>
+                                  </p:stCondLst>
+                                  <p:childTnLst>
+                                    <p:set>
+                                      <p:cBhvr>
+                                        <p:cTn id="35" dur="1" fill="hold">
+                                          <p:stCondLst>
+                                            <p:cond delay="0"/>
+                                          </p:stCondLst>
+                                        </p:cTn>
+                                        <p:tgtEl>
+                                          <p:spTgt spid="35"/>
+                                        </p:tgtEl>
+                                        <p:attrNameLst>
+                                          <p:attrName>style.visibility</p:attrName>
+                                        </p:attrNameLst>
+                                      </p:cBhvr>
+                                      <p:to>
+                                        <p:strVal val="visible"/>
+                                      </p:to>
+                                    </p:set>
+                                    <p:animEffect transition="in" filter="fade">
+                                      <p:cBhvr>
+                                        <p:cTn id="36" dur="500"/>
+                                        <p:tgtEl>
+                                          <p:spTgt spid="35"/>
+                                        </p:tgtEl>
+                                      </p:cBhvr>
+                                    </p:animEffect>
+                                  </p:childTnLst>
+                                </p:cTn>
+                              </p:par>
+                              <p:par>
+                                <p:cTn id="37" presetID="10" presetClass="entr" presetSubtype="0" fill="hold" nodeType="withEffect">
+                                  <p:stCondLst>
+                                    <p:cond delay="0"/>
+                                  </p:stCondLst>
+                                  <p:childTnLst>
+                                    <p:set>
+                                      <p:cBhvr>
+                                        <p:cTn id="38" dur="1" fill="hold">
+                                          <p:stCondLst>
+                                            <p:cond delay="0"/>
+                                          </p:stCondLst>
+                                        </p:cTn>
+                                        <p:tgtEl>
+                                          <p:spTgt spid="36"/>
+                                        </p:tgtEl>
+                                        <p:attrNameLst>
+                                          <p:attrName>style.visibility</p:attrName>
+                                        </p:attrNameLst>
+                                      </p:cBhvr>
+                                      <p:to>
+                                        <p:strVal val="visible"/>
+                                      </p:to>
+                                    </p:set>
+                                    <p:animEffect transition="in" filter="fade">
+                                      <p:cBhvr>
+                                        <p:cTn id="39" dur="500"/>
+                                        <p:tgtEl>
+                                          <p:spTgt spid="36"/>
+                                        </p:tgtEl>
+                                      </p:cBhvr>
+                                    </p:animEffect>
+                                  </p:childTnLst>
+                                </p:cTn>
+                              </p:par>
+                              <p:par>
+                                <p:cTn id="40" presetID="10" presetClass="entr" presetSubtype="0" fill="hold" grpId="0" nodeType="withEffect">
+                                  <p:stCondLst>
+                                    <p:cond delay="0"/>
+                                  </p:stCondLst>
+                                  <p:childTnLst>
+                                    <p:set>
+                                      <p:cBhvr>
+                                        <p:cTn id="41" dur="1" fill="hold">
+                                          <p:stCondLst>
+                                            <p:cond delay="0"/>
+                                          </p:stCondLst>
+                                        </p:cTn>
+                                        <p:tgtEl>
+                                          <p:spTgt spid="37"/>
+                                        </p:tgtEl>
+                                        <p:attrNameLst>
+                                          <p:attrName>style.visibility</p:attrName>
+                                        </p:attrNameLst>
+                                      </p:cBhvr>
+                                      <p:to>
+                                        <p:strVal val="visible"/>
+                                      </p:to>
+                                    </p:set>
+                                    <p:animEffect transition="in" filter="fade">
+                                      <p:cBhvr>
+                                        <p:cTn id="42" dur="500"/>
+                                        <p:tgtEl>
+                                          <p:spTgt spid="37"/>
+                                        </p:tgtEl>
+                                      </p:cBhvr>
+                                    </p:animEffect>
+                                  </p:childTnLst>
+                                </p:cTn>
+                              </p:par>
+                            </p:childTnLst>
+                          </p:cTn>
+                        </p:par>
+                      </p:childTnLst>
+                    </p:cTn>
+                  </p:par>
+                  <p:par>
+                    <p:cTn id="43" fill="hold">
+                      <p:stCondLst>
+                        <p:cond delay="indefinite"/>
+                      </p:stCondLst>
+                      <p:childTnLst>
+                        <p:par>
+                          <p:cTn id="44" fill="hold">
+                            <p:stCondLst>
+                              <p:cond delay="0"/>
+                            </p:stCondLst>
+                            <p:childTnLst>
+                              <p:par>
+                                <p:cTn id="45" presetID="10" presetClass="entr" presetSubtype="0" fill="hold" nodeType="clickEffect">
+                                  <p:stCondLst>
+                                    <p:cond delay="0"/>
+                                  </p:stCondLst>
+                                  <p:childTnLst>
+                                    <p:set>
+                                      <p:cBhvr>
+                                        <p:cTn id="46" dur="1" fill="hold">
+                                          <p:stCondLst>
+                                            <p:cond delay="0"/>
+                                          </p:stCondLst>
+                                        </p:cTn>
+                                        <p:tgtEl>
+                                          <p:spTgt spid="20"/>
+                                        </p:tgtEl>
+                                        <p:attrNameLst>
+                                          <p:attrName>style.visibility</p:attrName>
+                                        </p:attrNameLst>
+                                      </p:cBhvr>
+                                      <p:to>
+                                        <p:strVal val="visible"/>
+                                      </p:to>
+                                    </p:set>
+                                    <p:animEffect transition="in" filter="fade">
+                                      <p:cBhvr>
+                                        <p:cTn id="47" dur="500"/>
+                                        <p:tgtEl>
+                                          <p:spTgt spid="20"/>
+                                        </p:tgtEl>
+                                      </p:cBhvr>
+                                    </p:animEffect>
+                                  </p:childTnLst>
+                                </p:cTn>
+                              </p:par>
+                              <p:par>
+                                <p:cTn id="48" presetID="10" presetClass="entr" presetSubtype="0" fill="hold" grpId="0" nodeType="withEffect">
+                                  <p:stCondLst>
+                                    <p:cond delay="0"/>
+                                  </p:stCondLst>
+                                  <p:childTnLst>
+                                    <p:set>
+                                      <p:cBhvr>
+                                        <p:cTn id="49" dur="1" fill="hold">
+                                          <p:stCondLst>
+                                            <p:cond delay="0"/>
+                                          </p:stCondLst>
+                                        </p:cTn>
+                                        <p:tgtEl>
+                                          <p:spTgt spid="22"/>
+                                        </p:tgtEl>
+                                        <p:attrNameLst>
+                                          <p:attrName>style.visibility</p:attrName>
+                                        </p:attrNameLst>
+                                      </p:cBhvr>
+                                      <p:to>
+                                        <p:strVal val="visible"/>
+                                      </p:to>
+                                    </p:set>
+                                    <p:animEffect transition="in" filter="fade">
+                                      <p:cBhvr>
+                                        <p:cTn id="50" dur="500"/>
+                                        <p:tgtEl>
+                                          <p:spTgt spid="22"/>
+                                        </p:tgtEl>
+                                      </p:cBhvr>
+                                    </p:animEffect>
+                                  </p:childTnLst>
+                                </p:cTn>
+                              </p:par>
+                            </p:childTnLst>
+                          </p:cTn>
+                        </p:par>
+                      </p:childTnLst>
+                    </p:cTn>
+                  </p:par>
+                  <p:par>
+                    <p:cTn id="51" fill="hold">
+                      <p:stCondLst>
+                        <p:cond delay="indefinite"/>
+                      </p:stCondLst>
+                      <p:childTnLst>
+                        <p:par>
+                          <p:cTn id="52" fill="hold">
+                            <p:stCondLst>
+                              <p:cond delay="0"/>
+                            </p:stCondLst>
+                            <p:childTnLst>
+                              <p:par>
+                                <p:cTn id="53" presetID="10" presetClass="entr" presetSubtype="0" fill="hold" nodeType="clickEffect">
+                                  <p:stCondLst>
+                                    <p:cond delay="0"/>
+                                  </p:stCondLst>
+                                  <p:childTnLst>
+                                    <p:set>
+                                      <p:cBhvr>
+                                        <p:cTn id="54" dur="1" fill="hold">
+                                          <p:stCondLst>
+                                            <p:cond delay="0"/>
+                                          </p:stCondLst>
+                                        </p:cTn>
+                                        <p:tgtEl>
+                                          <p:spTgt spid="23"/>
+                                        </p:tgtEl>
+                                        <p:attrNameLst>
+                                          <p:attrName>style.visibility</p:attrName>
+                                        </p:attrNameLst>
+                                      </p:cBhvr>
+                                      <p:to>
+                                        <p:strVal val="visible"/>
+                                      </p:to>
+                                    </p:set>
+                                    <p:animEffect transition="in" filter="fade">
+                                      <p:cBhvr>
+                                        <p:cTn id="55" dur="500"/>
+                                        <p:tgtEl>
+                                          <p:spTgt spid="23"/>
+                                        </p:tgtEl>
+                                      </p:cBhvr>
+                                    </p:animEffect>
+                                  </p:childTnLst>
+                                </p:cTn>
+                              </p:par>
+                              <p:par>
+                                <p:cTn id="56" presetID="10" presetClass="entr" presetSubtype="0" fill="hold" grpId="0" nodeType="withEffect">
+                                  <p:stCondLst>
+                                    <p:cond delay="0"/>
+                                  </p:stCondLst>
+                                  <p:childTnLst>
+                                    <p:set>
+                                      <p:cBhvr>
+                                        <p:cTn id="57" dur="1" fill="hold">
+                                          <p:stCondLst>
+                                            <p:cond delay="0"/>
+                                          </p:stCondLst>
+                                        </p:cTn>
+                                        <p:tgtEl>
+                                          <p:spTgt spid="24"/>
+                                        </p:tgtEl>
+                                        <p:attrNameLst>
+                                          <p:attrName>style.visibility</p:attrName>
+                                        </p:attrNameLst>
+                                      </p:cBhvr>
+                                      <p:to>
+                                        <p:strVal val="visible"/>
+                                      </p:to>
+                                    </p:set>
+                                    <p:animEffect transition="in" filter="fade">
+                                      <p:cBhvr>
+                                        <p:cTn id="58" dur="500"/>
+                                        <p:tgtEl>
+                                          <p:spTgt spid="24"/>
+                                        </p:tgtEl>
+                                      </p:cBhvr>
+                                    </p:animEffect>
+                                  </p:childTnLst>
+                                </p:cTn>
+                              </p:par>
+                            </p:childTnLst>
+                          </p:cTn>
+                        </p:par>
+                      </p:childTnLst>
+                    </p:cTn>
+                  </p:par>
+                  <p:par>
+                    <p:cTn id="59" fill="hold">
+                      <p:stCondLst>
+                        <p:cond delay="indefinite"/>
+                      </p:stCondLst>
+                      <p:childTnLst>
+                        <p:par>
+                          <p:cTn id="60" fill="hold">
+                            <p:stCondLst>
+                              <p:cond delay="0"/>
+                            </p:stCondLst>
+                            <p:childTnLst>
+                              <p:par>
+                                <p:cTn id="61" presetID="10" presetClass="entr" presetSubtype="0" fill="hold" nodeType="clickEffect">
+                                  <p:stCondLst>
+                                    <p:cond delay="0"/>
+                                  </p:stCondLst>
+                                  <p:childTnLst>
+                                    <p:set>
+                                      <p:cBhvr>
+                                        <p:cTn id="62" dur="1" fill="hold">
+                                          <p:stCondLst>
+                                            <p:cond delay="0"/>
+                                          </p:stCondLst>
+                                        </p:cTn>
+                                        <p:tgtEl>
+                                          <p:spTgt spid="25"/>
+                                        </p:tgtEl>
+                                        <p:attrNameLst>
+                                          <p:attrName>style.visibility</p:attrName>
+                                        </p:attrNameLst>
+                                      </p:cBhvr>
+                                      <p:to>
+                                        <p:strVal val="visible"/>
+                                      </p:to>
+                                    </p:set>
+                                    <p:animEffect transition="in" filter="fade">
+                                      <p:cBhvr>
+                                        <p:cTn id="63" dur="500"/>
+                                        <p:tgtEl>
+                                          <p:spTgt spid="25"/>
+                                        </p:tgtEl>
+                                      </p:cBhvr>
+                                    </p:animEffect>
+                                  </p:childTnLst>
+                                </p:cTn>
+                              </p:par>
+                              <p:par>
+                                <p:cTn id="64" presetID="10" presetClass="entr" presetSubtype="0" fill="hold" grpId="0" nodeType="withEffect">
+                                  <p:stCondLst>
+                                    <p:cond delay="0"/>
+                                  </p:stCondLst>
+                                  <p:childTnLst>
+                                    <p:set>
+                                      <p:cBhvr>
+                                        <p:cTn id="65" dur="1" fill="hold">
+                                          <p:stCondLst>
+                                            <p:cond delay="0"/>
+                                          </p:stCondLst>
+                                        </p:cTn>
+                                        <p:tgtEl>
+                                          <p:spTgt spid="27"/>
+                                        </p:tgtEl>
+                                        <p:attrNameLst>
+                                          <p:attrName>style.visibility</p:attrName>
+                                        </p:attrNameLst>
+                                      </p:cBhvr>
+                                      <p:to>
+                                        <p:strVal val="visible"/>
+                                      </p:to>
+                                    </p:set>
+                                    <p:animEffect transition="in" filter="fade">
+                                      <p:cBhvr>
+                                        <p:cTn id="66" dur="500"/>
+                                        <p:tgtEl>
+                                          <p:spTgt spid="27"/>
+                                        </p:tgtEl>
+                                      </p:cBhvr>
+                                    </p:animEffect>
+                                  </p:childTnLst>
+                                </p:cTn>
+                              </p:par>
+                            </p:childTnLst>
+                          </p:cTn>
+                        </p:par>
+                      </p:childTnLst>
+                    </p:cTn>
+                  </p:par>
+                  <p:par>
+                    <p:cTn id="67" fill="hold">
+                      <p:stCondLst>
+                        <p:cond delay="indefinite"/>
+                      </p:stCondLst>
+                      <p:childTnLst>
+                        <p:par>
+                          <p:cTn id="68" fill="hold">
+                            <p:stCondLst>
+                              <p:cond delay="0"/>
+                            </p:stCondLst>
+                            <p:childTnLst>
+                              <p:par>
+                                <p:cTn id="69" presetID="10" presetClass="entr" presetSubtype="0" fill="hold" nodeType="clickEffect">
+                                  <p:stCondLst>
+                                    <p:cond delay="0"/>
+                                  </p:stCondLst>
+                                  <p:childTnLst>
+                                    <p:set>
+                                      <p:cBhvr>
+                                        <p:cTn id="70" dur="1" fill="hold">
+                                          <p:stCondLst>
+                                            <p:cond delay="0"/>
+                                          </p:stCondLst>
+                                        </p:cTn>
+                                        <p:tgtEl>
+                                          <p:spTgt spid="28"/>
+                                        </p:tgtEl>
+                                        <p:attrNameLst>
+                                          <p:attrName>style.visibility</p:attrName>
+                                        </p:attrNameLst>
+                                      </p:cBhvr>
+                                      <p:to>
+                                        <p:strVal val="visible"/>
+                                      </p:to>
+                                    </p:set>
+                                    <p:animEffect transition="in" filter="fade">
+                                      <p:cBhvr>
+                                        <p:cTn id="71" dur="500"/>
+                                        <p:tgtEl>
+                                          <p:spTgt spid="28"/>
+                                        </p:tgtEl>
+                                      </p:cBhvr>
+                                    </p:animEffect>
+                                  </p:childTnLst>
+                                </p:cTn>
+                              </p:par>
+                              <p:par>
+                                <p:cTn id="72" presetID="10" presetClass="entr" presetSubtype="0" fill="hold" grpId="0" nodeType="withEffect">
+                                  <p:stCondLst>
+                                    <p:cond delay="0"/>
+                                  </p:stCondLst>
+                                  <p:childTnLst>
+                                    <p:set>
+                                      <p:cBhvr>
+                                        <p:cTn id="73" dur="1" fill="hold">
+                                          <p:stCondLst>
+                                            <p:cond delay="0"/>
+                                          </p:stCondLst>
+                                        </p:cTn>
+                                        <p:tgtEl>
+                                          <p:spTgt spid="29"/>
+                                        </p:tgtEl>
+                                        <p:attrNameLst>
+                                          <p:attrName>style.visibility</p:attrName>
+                                        </p:attrNameLst>
+                                      </p:cBhvr>
+                                      <p:to>
+                                        <p:strVal val="visible"/>
+                                      </p:to>
+                                    </p:set>
+                                    <p:animEffect transition="in" filter="fade">
+                                      <p:cBhvr>
+                                        <p:cTn id="74" dur="500"/>
+                                        <p:tgtEl>
+                                          <p:spTgt spid="29"/>
+                                        </p:tgtEl>
+                                      </p:cBhvr>
+                                    </p:animEffect>
+                                  </p:childTnLst>
+                                </p:cTn>
+                              </p:par>
+                            </p:childTnLst>
+                          </p:cTn>
+                        </p:par>
+                      </p:childTnLst>
+                    </p:cTn>
+                  </p:par>
+                </p:childTnLst>
+              </p:cTn>
+              <p:prevCondLst>
+                <p:cond evt="onPrev" delay="0">
+                  <p:tgtEl>
+                    <p:sldTgt/>
+                  </p:tgtEl>
+                </p:cond>
+              </p:prevCondLst>
+              <p:nextCondLst>
+                <p:cond evt="onNext" delay="0">
+                  <p:tgtEl>
+                    <p:sldTgt/>
+                  </p:tgtEl>
+                </p:cond>
+              </p:nextCondLst>
+            </p:seq>
+          </p:childTnLst>
+        </p:cTn>
+      </p:par>
+    </p:tnLst>
+    <p:bldLst>
+      <p:bldP spid="31" grpId="0"/>
+      <p:bldP spid="37" grpId="0"/>
+      <p:bldP spid="22" grpId="0"/>
+      <p:bldP spid="24" grpId="0"/>
+      <p:bldP spid="27" grpId="0"/>
+      <p:bldP spid="29" grpId="0"/>
+    </p:bldLst>
+  </p:timing>
+</p:sld>
+</file>
+
 <file path=ppt/theme/theme1.xml><?xml version="1.0" encoding="utf-8"?>
 <a:theme xmlns:a="http://schemas.openxmlformats.org/drawingml/2006/main" name="Office Theme">
   <a:themeElements>

--- a/FromBiologyToComputers.pptx
+++ b/FromBiologyToComputers.pptx
@@ -116,7 +116,7 @@
   <p:extLst>
     <p:ext uri="{521415D9-36F7-43E2-AB2F-B90AF26B5E84}">
       <p14:sectionLst xmlns:p14="http://schemas.microsoft.com/office/powerpoint/2010/main">
-        <p14:section name="Default Section" id="{8FDDB0A0-A1EF-4424-AED6-0555A28F97A7}">
+        <p14:section name="Title" id="{8FDDB0A0-A1EF-4424-AED6-0555A28F97A7}">
           <p14:sldIdLst>
             <p14:sldId id="256"/>
           </p14:sldIdLst>

--- a/FromBiologyToComputers.pptx
+++ b/FromBiologyToComputers.pptx
@@ -5,7 +5,7 @@
     <p:sldMasterId id="2147483648" r:id="rId1"/>
   </p:sldMasterIdLst>
   <p:notesMasterIdLst>
-    <p:notesMasterId r:id="rId9"/>
+    <p:notesMasterId r:id="rId10"/>
   </p:notesMasterIdLst>
   <p:sldIdLst>
     <p:sldId id="256" r:id="rId2"/>
@@ -15,6 +15,7 @@
     <p:sldId id="265" r:id="rId6"/>
     <p:sldId id="266" r:id="rId7"/>
     <p:sldId id="270" r:id="rId8"/>
+    <p:sldId id="314" r:id="rId9"/>
   </p:sldIdLst>
   <p:sldSz cx="12192000" cy="6858000"/>
   <p:notesSz cx="6858000" cy="9144000"/>
@@ -129,6 +130,7 @@
             <p14:sldId id="265"/>
             <p14:sldId id="266"/>
             <p14:sldId id="270"/>
+            <p14:sldId id="314"/>
           </p14:sldIdLst>
         </p14:section>
       </p14:sectionLst>
@@ -10458,6 +10460,733 @@
 </p:sld>
 </file>
 
+<file path=ppt/slides/slide8.xml><?xml version="1.0" encoding="utf-8"?>
+<p:sld xmlns:a="http://schemas.openxmlformats.org/drawingml/2006/main" xmlns:r="http://schemas.openxmlformats.org/officeDocument/2006/relationships" xmlns:p="http://schemas.openxmlformats.org/presentationml/2006/main">
+  <p:cSld>
+    <p:spTree>
+      <p:nvGrpSpPr>
+        <p:cNvPr id="1" name=""/>
+        <p:cNvGrpSpPr/>
+        <p:nvPr/>
+      </p:nvGrpSpPr>
+      <p:grpSpPr>
+        <a:xfrm>
+          <a:off x="0" y="0"/>
+          <a:ext cx="0" cy="0"/>
+          <a:chOff x="0" y="0"/>
+          <a:chExt cx="0" cy="0"/>
+        </a:xfrm>
+      </p:grpSpPr>
+      <p:sp>
+        <p:nvSpPr>
+          <p:cNvPr id="2" name="Title 1">
+            <a:extLst>
+              <a:ext uri="{FF2B5EF4-FFF2-40B4-BE49-F238E27FC236}">
+                <a16:creationId xmlns:a16="http://schemas.microsoft.com/office/drawing/2014/main" id="{16746A89-C831-4D70-7DCF-E3F313BEC275}"/>
+              </a:ext>
+            </a:extLst>
+          </p:cNvPr>
+          <p:cNvSpPr>
+            <a:spLocks noGrp="1"/>
+          </p:cNvSpPr>
+          <p:nvPr>
+            <p:ph type="title"/>
+          </p:nvPr>
+        </p:nvSpPr>
+        <p:spPr/>
+        <p:txBody>
+          <a:bodyPr/>
+          <a:lstStyle/>
+          <a:p>
+            <a:r>
+              <a:rPr lang="en-US" dirty="0"/>
+              <a:t>Neurons to build a function</a:t>
+            </a:r>
+          </a:p>
+        </p:txBody>
+      </p:sp>
+      <p:sp>
+        <p:nvSpPr>
+          <p:cNvPr id="4" name="TextBox 3">
+            <a:extLst>
+              <a:ext uri="{FF2B5EF4-FFF2-40B4-BE49-F238E27FC236}">
+                <a16:creationId xmlns:a16="http://schemas.microsoft.com/office/drawing/2014/main" id="{77A15CFF-E118-88AE-EBEE-3EBCCE9B4651}"/>
+              </a:ext>
+            </a:extLst>
+          </p:cNvPr>
+          <p:cNvSpPr txBox="1"/>
+          <p:nvPr/>
+        </p:nvSpPr>
+        <p:spPr>
+          <a:xfrm>
+            <a:off x="1814326" y="3676977"/>
+            <a:ext cx="1103187" cy="523220"/>
+          </a:xfrm>
+          <a:prstGeom prst="rect">
+            <a:avLst/>
+          </a:prstGeom>
+        </p:spPr>
+        <p:style>
+          <a:lnRef idx="2">
+            <a:schemeClr val="accent6">
+              <a:shade val="15000"/>
+            </a:schemeClr>
+          </a:lnRef>
+          <a:fillRef idx="1">
+            <a:schemeClr val="accent6"/>
+          </a:fillRef>
+          <a:effectRef idx="0">
+            <a:schemeClr val="accent6"/>
+          </a:effectRef>
+          <a:fontRef idx="minor">
+            <a:schemeClr val="lt1"/>
+          </a:fontRef>
+        </p:style>
+        <p:txBody>
+          <a:bodyPr wrap="none" rtlCol="0">
+            <a:spAutoFit/>
+          </a:bodyPr>
+          <a:lstStyle/>
+          <a:p>
+            <a:r>
+              <a:rPr lang="en-US" sz="2800" dirty="0"/>
+              <a:t>Inputs</a:t>
+            </a:r>
+          </a:p>
+        </p:txBody>
+      </p:sp>
+      <p:sp>
+        <p:nvSpPr>
+          <p:cNvPr id="5" name="TextBox 4">
+            <a:extLst>
+              <a:ext uri="{FF2B5EF4-FFF2-40B4-BE49-F238E27FC236}">
+                <a16:creationId xmlns:a16="http://schemas.microsoft.com/office/drawing/2014/main" id="{8937DEE5-E92E-BC0B-8AC9-A9FD6CCB2135}"/>
+              </a:ext>
+            </a:extLst>
+          </p:cNvPr>
+          <p:cNvSpPr txBox="1"/>
+          <p:nvPr/>
+        </p:nvSpPr>
+        <p:spPr>
+          <a:xfrm>
+            <a:off x="9153525" y="3676977"/>
+            <a:ext cx="1370888" cy="523220"/>
+          </a:xfrm>
+          <a:prstGeom prst="rect">
+            <a:avLst/>
+          </a:prstGeom>
+        </p:spPr>
+        <p:style>
+          <a:lnRef idx="2">
+            <a:schemeClr val="accent4">
+              <a:shade val="15000"/>
+            </a:schemeClr>
+          </a:lnRef>
+          <a:fillRef idx="1">
+            <a:schemeClr val="accent4"/>
+          </a:fillRef>
+          <a:effectRef idx="0">
+            <a:schemeClr val="accent4"/>
+          </a:effectRef>
+          <a:fontRef idx="minor">
+            <a:schemeClr val="lt1"/>
+          </a:fontRef>
+        </p:style>
+        <p:txBody>
+          <a:bodyPr wrap="none" rtlCol="0">
+            <a:spAutoFit/>
+          </a:bodyPr>
+          <a:lstStyle/>
+          <a:p>
+            <a:r>
+              <a:rPr lang="en-US" sz="2800" dirty="0"/>
+              <a:t>Outputs</a:t>
+            </a:r>
+          </a:p>
+        </p:txBody>
+      </p:sp>
+      <p:grpSp>
+        <p:nvGrpSpPr>
+          <p:cNvPr id="9" name="Group 8">
+            <a:extLst>
+              <a:ext uri="{FF2B5EF4-FFF2-40B4-BE49-F238E27FC236}">
+                <a16:creationId xmlns:a16="http://schemas.microsoft.com/office/drawing/2014/main" id="{109BAAE2-A6FC-8C27-2212-E33507BD5D29}"/>
+              </a:ext>
+            </a:extLst>
+          </p:cNvPr>
+          <p:cNvGrpSpPr/>
+          <p:nvPr/>
+        </p:nvGrpSpPr>
+        <p:grpSpPr>
+          <a:xfrm>
+            <a:off x="3781425" y="2152650"/>
+            <a:ext cx="4629150" cy="3571875"/>
+            <a:chOff x="3781425" y="2152650"/>
+            <a:chExt cx="4629150" cy="3571875"/>
+          </a:xfrm>
+        </p:grpSpPr>
+        <p:sp>
+          <p:nvSpPr>
+            <p:cNvPr id="3" name="Arrow: Right 2">
+              <a:extLst>
+                <a:ext uri="{FF2B5EF4-FFF2-40B4-BE49-F238E27FC236}">
+                  <a16:creationId xmlns:a16="http://schemas.microsoft.com/office/drawing/2014/main" id="{E9192074-782D-531A-6690-D55CCF10E2D4}"/>
+                </a:ext>
+              </a:extLst>
+            </p:cNvPr>
+            <p:cNvSpPr/>
+            <p:nvPr/>
+          </p:nvSpPr>
+          <p:spPr>
+            <a:xfrm>
+              <a:off x="3781425" y="2152650"/>
+              <a:ext cx="4629150" cy="3571875"/>
+            </a:xfrm>
+            <a:prstGeom prst="rightArrow">
+              <a:avLst/>
+            </a:prstGeom>
+          </p:spPr>
+          <p:style>
+            <a:lnRef idx="2">
+              <a:schemeClr val="accent5">
+                <a:shade val="15000"/>
+              </a:schemeClr>
+            </a:lnRef>
+            <a:fillRef idx="1">
+              <a:schemeClr val="accent5"/>
+            </a:fillRef>
+            <a:effectRef idx="0">
+              <a:schemeClr val="accent5"/>
+            </a:effectRef>
+            <a:fontRef idx="minor">
+              <a:schemeClr val="lt1"/>
+            </a:fontRef>
+          </p:style>
+          <p:txBody>
+            <a:bodyPr rtlCol="0" anchor="ctr"/>
+            <a:lstStyle/>
+            <a:p>
+              <a:pPr algn="ctr"/>
+              <a:endParaRPr lang="en-US" dirty="0"/>
+            </a:p>
+          </p:txBody>
+        </p:sp>
+        <p:pic>
+          <p:nvPicPr>
+            <p:cNvPr id="6" name="Picture 5">
+              <a:extLst>
+                <a:ext uri="{FF2B5EF4-FFF2-40B4-BE49-F238E27FC236}">
+                  <a16:creationId xmlns:a16="http://schemas.microsoft.com/office/drawing/2014/main" id="{434C1FF4-ECC3-9285-4A1D-1961128A8330}"/>
+                </a:ext>
+              </a:extLst>
+            </p:cNvPr>
+            <p:cNvPicPr>
+              <a:picLocks noChangeAspect="1"/>
+            </p:cNvPicPr>
+            <p:nvPr/>
+          </p:nvPicPr>
+          <p:blipFill>
+            <a:blip r:embed="rId2"/>
+            <a:stretch>
+              <a:fillRect/>
+            </a:stretch>
+          </p:blipFill>
+          <p:spPr>
+            <a:xfrm>
+              <a:off x="5276850" y="3124200"/>
+              <a:ext cx="1638300" cy="1638300"/>
+            </a:xfrm>
+            <a:prstGeom prst="rect">
+              <a:avLst/>
+            </a:prstGeom>
+          </p:spPr>
+        </p:pic>
+        <p:pic>
+          <p:nvPicPr>
+            <p:cNvPr id="7" name="Picture 6">
+              <a:extLst>
+                <a:ext uri="{FF2B5EF4-FFF2-40B4-BE49-F238E27FC236}">
+                  <a16:creationId xmlns:a16="http://schemas.microsoft.com/office/drawing/2014/main" id="{7F253A94-40E1-8373-92CC-B0888219952E}"/>
+                </a:ext>
+              </a:extLst>
+            </p:cNvPr>
+            <p:cNvPicPr>
+              <a:picLocks noChangeAspect="1"/>
+            </p:cNvPicPr>
+            <p:nvPr/>
+          </p:nvPicPr>
+          <p:blipFill>
+            <a:blip r:embed="rId3"/>
+            <a:stretch>
+              <a:fillRect/>
+            </a:stretch>
+          </p:blipFill>
+          <p:spPr>
+            <a:xfrm>
+              <a:off x="4100399" y="3429000"/>
+              <a:ext cx="1176451" cy="1038855"/>
+            </a:xfrm>
+            <a:prstGeom prst="rect">
+              <a:avLst/>
+            </a:prstGeom>
+          </p:spPr>
+        </p:pic>
+      </p:grpSp>
+      <p:sp>
+        <p:nvSpPr>
+          <p:cNvPr id="10" name="Oval 9">
+            <a:extLst>
+              <a:ext uri="{FF2B5EF4-FFF2-40B4-BE49-F238E27FC236}">
+                <a16:creationId xmlns:a16="http://schemas.microsoft.com/office/drawing/2014/main" id="{170BA194-FF2A-FC4D-4CD7-5196809374C2}"/>
+              </a:ext>
+            </a:extLst>
+          </p:cNvPr>
+          <p:cNvSpPr/>
+          <p:nvPr/>
+        </p:nvSpPr>
+        <p:spPr>
+          <a:xfrm>
+            <a:off x="5379720" y="3232147"/>
+            <a:ext cx="1432560" cy="1432560"/>
+          </a:xfrm>
+          <a:prstGeom prst="ellipse">
+            <a:avLst/>
+          </a:prstGeom>
+        </p:spPr>
+        <p:style>
+          <a:lnRef idx="2">
+            <a:schemeClr val="accent5">
+              <a:shade val="15000"/>
+            </a:schemeClr>
+          </a:lnRef>
+          <a:fillRef idx="1">
+            <a:schemeClr val="accent5"/>
+          </a:fillRef>
+          <a:effectRef idx="0">
+            <a:schemeClr val="accent5"/>
+          </a:effectRef>
+          <a:fontRef idx="minor">
+            <a:schemeClr val="lt1"/>
+          </a:fontRef>
+        </p:style>
+        <p:txBody>
+          <a:bodyPr rtlCol="0" anchor="ctr"/>
+          <a:lstStyle/>
+          <a:p>
+            <a:pPr algn="ctr"/>
+            <a:r>
+              <a:rPr lang="en-US" dirty="0"/>
+              <a:t>Neurons</a:t>
+            </a:r>
+          </a:p>
+        </p:txBody>
+      </p:sp>
+      <p:cxnSp>
+        <p:nvCxnSpPr>
+          <p:cNvPr id="12" name="Straight Connector 11">
+            <a:extLst>
+              <a:ext uri="{FF2B5EF4-FFF2-40B4-BE49-F238E27FC236}">
+                <a16:creationId xmlns:a16="http://schemas.microsoft.com/office/drawing/2014/main" id="{0F3364A7-7896-9A67-9122-8317C195C468}"/>
+              </a:ext>
+            </a:extLst>
+          </p:cNvPr>
+          <p:cNvCxnSpPr>
+            <a:cxnSpLocks/>
+            <a:stCxn id="4" idx="3"/>
+            <a:endCxn id="10" idx="2"/>
+          </p:cNvCxnSpPr>
+          <p:nvPr/>
+        </p:nvCxnSpPr>
+        <p:spPr>
+          <a:xfrm>
+            <a:off x="2917513" y="3938587"/>
+            <a:ext cx="2462207" cy="9840"/>
+          </a:xfrm>
+          <a:prstGeom prst="line">
+            <a:avLst/>
+          </a:prstGeom>
+          <a:ln w="76200">
+            <a:solidFill>
+              <a:schemeClr val="bg1">
+                <a:lumMod val="50000"/>
+              </a:schemeClr>
+            </a:solidFill>
+          </a:ln>
+        </p:spPr>
+        <p:style>
+          <a:lnRef idx="1">
+            <a:schemeClr val="dk1"/>
+          </a:lnRef>
+          <a:fillRef idx="0">
+            <a:schemeClr val="dk1"/>
+          </a:fillRef>
+          <a:effectRef idx="0">
+            <a:schemeClr val="dk1"/>
+          </a:effectRef>
+          <a:fontRef idx="minor">
+            <a:schemeClr val="tx1"/>
+          </a:fontRef>
+        </p:style>
+      </p:cxnSp>
+      <p:cxnSp>
+        <p:nvCxnSpPr>
+          <p:cNvPr id="13" name="Straight Connector 12">
+            <a:extLst>
+              <a:ext uri="{FF2B5EF4-FFF2-40B4-BE49-F238E27FC236}">
+                <a16:creationId xmlns:a16="http://schemas.microsoft.com/office/drawing/2014/main" id="{E4BB34B0-0660-42D1-889E-1EE1BD8C4DBB}"/>
+              </a:ext>
+            </a:extLst>
+          </p:cNvPr>
+          <p:cNvCxnSpPr>
+            <a:cxnSpLocks/>
+            <a:stCxn id="10" idx="6"/>
+            <a:endCxn id="5" idx="1"/>
+          </p:cNvCxnSpPr>
+          <p:nvPr/>
+        </p:nvCxnSpPr>
+        <p:spPr>
+          <a:xfrm flipV="1">
+            <a:off x="6812280" y="3938587"/>
+            <a:ext cx="2341245" cy="9840"/>
+          </a:xfrm>
+          <a:prstGeom prst="line">
+            <a:avLst/>
+          </a:prstGeom>
+          <a:ln w="76200">
+            <a:solidFill>
+              <a:schemeClr val="bg1">
+                <a:lumMod val="50000"/>
+              </a:schemeClr>
+            </a:solidFill>
+          </a:ln>
+        </p:spPr>
+        <p:style>
+          <a:lnRef idx="1">
+            <a:schemeClr val="dk1"/>
+          </a:lnRef>
+          <a:fillRef idx="0">
+            <a:schemeClr val="dk1"/>
+          </a:fillRef>
+          <a:effectRef idx="0">
+            <a:schemeClr val="dk1"/>
+          </a:effectRef>
+          <a:fontRef idx="minor">
+            <a:schemeClr val="tx1"/>
+          </a:fontRef>
+        </p:style>
+      </p:cxnSp>
+    </p:spTree>
+    <p:extLst>
+      <p:ext uri="{BB962C8B-B14F-4D97-AF65-F5344CB8AC3E}">
+        <p14:creationId xmlns:p14="http://schemas.microsoft.com/office/powerpoint/2010/main" val="2717411689"/>
+      </p:ext>
+    </p:extLst>
+  </p:cSld>
+  <p:clrMapOvr>
+    <a:masterClrMapping/>
+  </p:clrMapOvr>
+  <p:timing>
+    <p:tnLst>
+      <p:par>
+        <p:cTn id="1" dur="indefinite" restart="never" nodeType="tmRoot">
+          <p:childTnLst>
+            <p:seq concurrent="1" nextAc="seek">
+              <p:cTn id="2" dur="indefinite" nodeType="mainSeq">
+                <p:childTnLst>
+                  <p:par>
+                    <p:cTn id="3" fill="hold">
+                      <p:stCondLst>
+                        <p:cond delay="indefinite"/>
+                      </p:stCondLst>
+                      <p:childTnLst>
+                        <p:par>
+                          <p:cTn id="4" fill="hold">
+                            <p:stCondLst>
+                              <p:cond delay="0"/>
+                            </p:stCondLst>
+                            <p:childTnLst>
+                              <p:par>
+                                <p:cTn id="5" presetID="10" presetClass="entr" presetSubtype="0" fill="hold" grpId="0" nodeType="clickEffect">
+                                  <p:stCondLst>
+                                    <p:cond delay="0"/>
+                                  </p:stCondLst>
+                                  <p:childTnLst>
+                                    <p:set>
+                                      <p:cBhvr>
+                                        <p:cTn id="6" dur="1" fill="hold">
+                                          <p:stCondLst>
+                                            <p:cond delay="0"/>
+                                          </p:stCondLst>
+                                        </p:cTn>
+                                        <p:tgtEl>
+                                          <p:spTgt spid="4"/>
+                                        </p:tgtEl>
+                                        <p:attrNameLst>
+                                          <p:attrName>style.visibility</p:attrName>
+                                        </p:attrNameLst>
+                                      </p:cBhvr>
+                                      <p:to>
+                                        <p:strVal val="visible"/>
+                                      </p:to>
+                                    </p:set>
+                                    <p:animEffect transition="in" filter="fade">
+                                      <p:cBhvr>
+                                        <p:cTn id="7" dur="500"/>
+                                        <p:tgtEl>
+                                          <p:spTgt spid="4"/>
+                                        </p:tgtEl>
+                                      </p:cBhvr>
+                                    </p:animEffect>
+                                  </p:childTnLst>
+                                </p:cTn>
+                              </p:par>
+                            </p:childTnLst>
+                          </p:cTn>
+                        </p:par>
+                      </p:childTnLst>
+                    </p:cTn>
+                  </p:par>
+                  <p:par>
+                    <p:cTn id="8" fill="hold">
+                      <p:stCondLst>
+                        <p:cond delay="indefinite"/>
+                      </p:stCondLst>
+                      <p:childTnLst>
+                        <p:par>
+                          <p:cTn id="9" fill="hold">
+                            <p:stCondLst>
+                              <p:cond delay="0"/>
+                            </p:stCondLst>
+                            <p:childTnLst>
+                              <p:par>
+                                <p:cTn id="10" presetID="10" presetClass="entr" presetSubtype="0" fill="hold" grpId="0" nodeType="clickEffect">
+                                  <p:stCondLst>
+                                    <p:cond delay="0"/>
+                                  </p:stCondLst>
+                                  <p:childTnLst>
+                                    <p:set>
+                                      <p:cBhvr>
+                                        <p:cTn id="11" dur="1" fill="hold">
+                                          <p:stCondLst>
+                                            <p:cond delay="0"/>
+                                          </p:stCondLst>
+                                        </p:cTn>
+                                        <p:tgtEl>
+                                          <p:spTgt spid="5"/>
+                                        </p:tgtEl>
+                                        <p:attrNameLst>
+                                          <p:attrName>style.visibility</p:attrName>
+                                        </p:attrNameLst>
+                                      </p:cBhvr>
+                                      <p:to>
+                                        <p:strVal val="visible"/>
+                                      </p:to>
+                                    </p:set>
+                                    <p:animEffect transition="in" filter="fade">
+                                      <p:cBhvr>
+                                        <p:cTn id="12" dur="500"/>
+                                        <p:tgtEl>
+                                          <p:spTgt spid="5"/>
+                                        </p:tgtEl>
+                                      </p:cBhvr>
+                                    </p:animEffect>
+                                  </p:childTnLst>
+                                </p:cTn>
+                              </p:par>
+                            </p:childTnLst>
+                          </p:cTn>
+                        </p:par>
+                      </p:childTnLst>
+                    </p:cTn>
+                  </p:par>
+                  <p:par>
+                    <p:cTn id="13" fill="hold">
+                      <p:stCondLst>
+                        <p:cond delay="indefinite"/>
+                      </p:stCondLst>
+                      <p:childTnLst>
+                        <p:par>
+                          <p:cTn id="14" fill="hold">
+                            <p:stCondLst>
+                              <p:cond delay="0"/>
+                            </p:stCondLst>
+                            <p:childTnLst>
+                              <p:par>
+                                <p:cTn id="15" presetID="10" presetClass="exit" presetSubtype="0" fill="hold" nodeType="clickEffect">
+                                  <p:stCondLst>
+                                    <p:cond delay="0"/>
+                                  </p:stCondLst>
+                                  <p:childTnLst>
+                                    <p:animEffect transition="out" filter="fade">
+                                      <p:cBhvr>
+                                        <p:cTn id="16" dur="500"/>
+                                        <p:tgtEl>
+                                          <p:spTgt spid="9"/>
+                                        </p:tgtEl>
+                                      </p:cBhvr>
+                                    </p:animEffect>
+                                    <p:set>
+                                      <p:cBhvr>
+                                        <p:cTn id="17" dur="1" fill="hold">
+                                          <p:stCondLst>
+                                            <p:cond delay="499"/>
+                                          </p:stCondLst>
+                                        </p:cTn>
+                                        <p:tgtEl>
+                                          <p:spTgt spid="9"/>
+                                        </p:tgtEl>
+                                        <p:attrNameLst>
+                                          <p:attrName>style.visibility</p:attrName>
+                                        </p:attrNameLst>
+                                      </p:cBhvr>
+                                      <p:to>
+                                        <p:strVal val="hidden"/>
+                                      </p:to>
+                                    </p:set>
+                                  </p:childTnLst>
+                                </p:cTn>
+                              </p:par>
+                              <p:par>
+                                <p:cTn id="18" presetID="10" presetClass="entr" presetSubtype="0" fill="hold" grpId="0" nodeType="withEffect">
+                                  <p:stCondLst>
+                                    <p:cond delay="0"/>
+                                  </p:stCondLst>
+                                  <p:childTnLst>
+                                    <p:set>
+                                      <p:cBhvr>
+                                        <p:cTn id="19" dur="1" fill="hold">
+                                          <p:stCondLst>
+                                            <p:cond delay="0"/>
+                                          </p:stCondLst>
+                                        </p:cTn>
+                                        <p:tgtEl>
+                                          <p:spTgt spid="10"/>
+                                        </p:tgtEl>
+                                        <p:attrNameLst>
+                                          <p:attrName>style.visibility</p:attrName>
+                                        </p:attrNameLst>
+                                      </p:cBhvr>
+                                      <p:to>
+                                        <p:strVal val="visible"/>
+                                      </p:to>
+                                    </p:set>
+                                    <p:animEffect transition="in" filter="fade">
+                                      <p:cBhvr>
+                                        <p:cTn id="20" dur="500"/>
+                                        <p:tgtEl>
+                                          <p:spTgt spid="10"/>
+                                        </p:tgtEl>
+                                      </p:cBhvr>
+                                    </p:animEffect>
+                                  </p:childTnLst>
+                                </p:cTn>
+                              </p:par>
+                              <p:par>
+                                <p:cTn id="21" presetID="10" presetClass="entr" presetSubtype="0" fill="hold" nodeType="withEffect">
+                                  <p:stCondLst>
+                                    <p:cond delay="0"/>
+                                  </p:stCondLst>
+                                  <p:childTnLst>
+                                    <p:set>
+                                      <p:cBhvr>
+                                        <p:cTn id="22" dur="1" fill="hold">
+                                          <p:stCondLst>
+                                            <p:cond delay="0"/>
+                                          </p:stCondLst>
+                                        </p:cTn>
+                                        <p:tgtEl>
+                                          <p:spTgt spid="12"/>
+                                        </p:tgtEl>
+                                        <p:attrNameLst>
+                                          <p:attrName>style.visibility</p:attrName>
+                                        </p:attrNameLst>
+                                      </p:cBhvr>
+                                      <p:to>
+                                        <p:strVal val="visible"/>
+                                      </p:to>
+                                    </p:set>
+                                    <p:animEffect transition="in" filter="fade">
+                                      <p:cBhvr>
+                                        <p:cTn id="23" dur="500"/>
+                                        <p:tgtEl>
+                                          <p:spTgt spid="12"/>
+                                        </p:tgtEl>
+                                      </p:cBhvr>
+                                    </p:animEffect>
+                                  </p:childTnLst>
+                                </p:cTn>
+                              </p:par>
+                              <p:par>
+                                <p:cTn id="24" presetID="10" presetClass="entr" presetSubtype="0" fill="hold" nodeType="withEffect">
+                                  <p:stCondLst>
+                                    <p:cond delay="0"/>
+                                  </p:stCondLst>
+                                  <p:childTnLst>
+                                    <p:set>
+                                      <p:cBhvr>
+                                        <p:cTn id="25" dur="1" fill="hold">
+                                          <p:stCondLst>
+                                            <p:cond delay="0"/>
+                                          </p:stCondLst>
+                                        </p:cTn>
+                                        <p:tgtEl>
+                                          <p:spTgt spid="13"/>
+                                        </p:tgtEl>
+                                        <p:attrNameLst>
+                                          <p:attrName>style.visibility</p:attrName>
+                                        </p:attrNameLst>
+                                      </p:cBhvr>
+                                      <p:to>
+                                        <p:strVal val="visible"/>
+                                      </p:to>
+                                    </p:set>
+                                    <p:animEffect transition="in" filter="fade">
+                                      <p:cBhvr>
+                                        <p:cTn id="26" dur="500"/>
+                                        <p:tgtEl>
+                                          <p:spTgt spid="13"/>
+                                        </p:tgtEl>
+                                      </p:cBhvr>
+                                    </p:animEffect>
+                                  </p:childTnLst>
+                                </p:cTn>
+                              </p:par>
+                            </p:childTnLst>
+                          </p:cTn>
+                        </p:par>
+                      </p:childTnLst>
+                    </p:cTn>
+                  </p:par>
+                </p:childTnLst>
+              </p:cTn>
+              <p:prevCondLst>
+                <p:cond evt="onPrev" delay="0">
+                  <p:tgtEl>
+                    <p:sldTgt/>
+                  </p:tgtEl>
+                </p:cond>
+              </p:prevCondLst>
+              <p:nextCondLst>
+                <p:cond evt="onNext" delay="0">
+                  <p:tgtEl>
+                    <p:sldTgt/>
+                  </p:tgtEl>
+                </p:cond>
+              </p:nextCondLst>
+            </p:seq>
+          </p:childTnLst>
+        </p:cTn>
+      </p:par>
+    </p:tnLst>
+    <p:bldLst>
+      <p:bldP spid="4" grpId="0" animBg="1"/>
+      <p:bldP spid="5" grpId="0" animBg="1"/>
+      <p:bldP spid="10" grpId="0" animBg="1"/>
+    </p:bldLst>
+  </p:timing>
+</p:sld>
+</file>
+
 <file path=ppt/theme/theme1.xml><?xml version="1.0" encoding="utf-8"?>
 <a:theme xmlns:a="http://schemas.openxmlformats.org/drawingml/2006/main" name="Office Theme">
   <a:themeElements>

--- a/FromBiologyToComputers.pptx
+++ b/FromBiologyToComputers.pptx
@@ -130,6 +130,10 @@
             <p14:sldId id="265"/>
             <p14:sldId id="266"/>
             <p14:sldId id="270"/>
+          </p14:sldIdLst>
+        </p14:section>
+        <p14:section name="Functions" id="{6EBF9CF6-5694-4974-AF5F-20DE885244D6}">
+          <p14:sldIdLst>
             <p14:sldId id="314"/>
           </p14:sldIdLst>
         </p14:section>
